--- a/paper/fig/brainconductor/Some figures.pptx
+++ b/paper/fig/brainconductor/Some figures.pptx
@@ -6,7 +6,8 @@
   </p:sldMasterIdLst>
   <p:sldIdLst>
     <p:sldId id="256" r:id="rId2"/>
-    <p:sldId id="257" r:id="rId3"/>
+    <p:sldId id="258" r:id="rId3"/>
+    <p:sldId id="259" r:id="rId4"/>
   </p:sldIdLst>
   <p:sldSz cx="12192000" cy="6858000"/>
   <p:notesSz cx="6858000" cy="9144000"/>
@@ -244,7 +245,7 @@
           <a:p>
             <a:fld id="{E848FAB0-0345-4E7D-BE32-BEF3BBABB1A0}" type="datetimeFigureOut">
               <a:rPr lang="zh-CN" altLang="en-US" smtClean="0"/>
-              <a:t>2016/3/13</a:t>
+              <a:t>2016/3/14</a:t>
             </a:fld>
             <a:endParaRPr lang="zh-CN" altLang="en-US"/>
           </a:p>
@@ -414,7 +415,7 @@
           <a:p>
             <a:fld id="{E848FAB0-0345-4E7D-BE32-BEF3BBABB1A0}" type="datetimeFigureOut">
               <a:rPr lang="zh-CN" altLang="en-US" smtClean="0"/>
-              <a:t>2016/3/13</a:t>
+              <a:t>2016/3/14</a:t>
             </a:fld>
             <a:endParaRPr lang="zh-CN" altLang="en-US"/>
           </a:p>
@@ -594,7 +595,7 @@
           <a:p>
             <a:fld id="{E848FAB0-0345-4E7D-BE32-BEF3BBABB1A0}" type="datetimeFigureOut">
               <a:rPr lang="zh-CN" altLang="en-US" smtClean="0"/>
-              <a:t>2016/3/13</a:t>
+              <a:t>2016/3/14</a:t>
             </a:fld>
             <a:endParaRPr lang="zh-CN" altLang="en-US"/>
           </a:p>
@@ -764,7 +765,7 @@
           <a:p>
             <a:fld id="{E848FAB0-0345-4E7D-BE32-BEF3BBABB1A0}" type="datetimeFigureOut">
               <a:rPr lang="zh-CN" altLang="en-US" smtClean="0"/>
-              <a:t>2016/3/13</a:t>
+              <a:t>2016/3/14</a:t>
             </a:fld>
             <a:endParaRPr lang="zh-CN" altLang="en-US"/>
           </a:p>
@@ -1010,7 +1011,7 @@
           <a:p>
             <a:fld id="{E848FAB0-0345-4E7D-BE32-BEF3BBABB1A0}" type="datetimeFigureOut">
               <a:rPr lang="zh-CN" altLang="en-US" smtClean="0"/>
-              <a:t>2016/3/13</a:t>
+              <a:t>2016/3/14</a:t>
             </a:fld>
             <a:endParaRPr lang="zh-CN" altLang="en-US"/>
           </a:p>
@@ -1242,7 +1243,7 @@
           <a:p>
             <a:fld id="{E848FAB0-0345-4E7D-BE32-BEF3BBABB1A0}" type="datetimeFigureOut">
               <a:rPr lang="zh-CN" altLang="en-US" smtClean="0"/>
-              <a:t>2016/3/13</a:t>
+              <a:t>2016/3/14</a:t>
             </a:fld>
             <a:endParaRPr lang="zh-CN" altLang="en-US"/>
           </a:p>
@@ -1609,7 +1610,7 @@
           <a:p>
             <a:fld id="{E848FAB0-0345-4E7D-BE32-BEF3BBABB1A0}" type="datetimeFigureOut">
               <a:rPr lang="zh-CN" altLang="en-US" smtClean="0"/>
-              <a:t>2016/3/13</a:t>
+              <a:t>2016/3/14</a:t>
             </a:fld>
             <a:endParaRPr lang="zh-CN" altLang="en-US"/>
           </a:p>
@@ -1727,7 +1728,7 @@
           <a:p>
             <a:fld id="{E848FAB0-0345-4E7D-BE32-BEF3BBABB1A0}" type="datetimeFigureOut">
               <a:rPr lang="zh-CN" altLang="en-US" smtClean="0"/>
-              <a:t>2016/3/13</a:t>
+              <a:t>2016/3/14</a:t>
             </a:fld>
             <a:endParaRPr lang="zh-CN" altLang="en-US"/>
           </a:p>
@@ -1822,7 +1823,7 @@
           <a:p>
             <a:fld id="{E848FAB0-0345-4E7D-BE32-BEF3BBABB1A0}" type="datetimeFigureOut">
               <a:rPr lang="zh-CN" altLang="en-US" smtClean="0"/>
-              <a:t>2016/3/13</a:t>
+              <a:t>2016/3/14</a:t>
             </a:fld>
             <a:endParaRPr lang="zh-CN" altLang="en-US"/>
           </a:p>
@@ -2099,7 +2100,7 @@
           <a:p>
             <a:fld id="{E848FAB0-0345-4E7D-BE32-BEF3BBABB1A0}" type="datetimeFigureOut">
               <a:rPr lang="zh-CN" altLang="en-US" smtClean="0"/>
-              <a:t>2016/3/13</a:t>
+              <a:t>2016/3/14</a:t>
             </a:fld>
             <a:endParaRPr lang="zh-CN" altLang="en-US"/>
           </a:p>
@@ -2352,7 +2353,7 @@
           <a:p>
             <a:fld id="{E848FAB0-0345-4E7D-BE32-BEF3BBABB1A0}" type="datetimeFigureOut">
               <a:rPr lang="zh-CN" altLang="en-US" smtClean="0"/>
-              <a:t>2016/3/13</a:t>
+              <a:t>2016/3/14</a:t>
             </a:fld>
             <a:endParaRPr lang="zh-CN" altLang="en-US"/>
           </a:p>
@@ -2565,7 +2566,7 @@
           <a:p>
             <a:fld id="{E848FAB0-0345-4E7D-BE32-BEF3BBABB1A0}" type="datetimeFigureOut">
               <a:rPr lang="zh-CN" altLang="en-US" smtClean="0"/>
-              <a:t>2016/3/13</a:t>
+              <a:t>2016/3/14</a:t>
             </a:fld>
             <a:endParaRPr lang="zh-CN" altLang="en-US"/>
           </a:p>
@@ -2986,8 +2987,8 @@
         </p:blipFill>
         <p:spPr>
           <a:xfrm>
-            <a:off x="145142" y="1262743"/>
-            <a:ext cx="4996709" cy="4054570"/>
+            <a:off x="145142" y="874643"/>
+            <a:ext cx="5586117" cy="4442670"/>
           </a:xfrm>
           <a:prstGeom prst="rect">
             <a:avLst/>
@@ -3010,8 +3011,8 @@
         </p:blipFill>
         <p:spPr>
           <a:xfrm>
-            <a:off x="5293922" y="1262743"/>
-            <a:ext cx="4996709" cy="4054570"/>
+            <a:off x="5903520" y="874643"/>
+            <a:ext cx="5586117" cy="4442670"/>
           </a:xfrm>
           <a:prstGeom prst="rect">
             <a:avLst/>
@@ -3110,10 +3111,1234 @@
           <a:chExt cx="0" cy="0"/>
         </a:xfrm>
       </p:grpSpPr>
+      <p:sp>
+        <p:nvSpPr>
+          <p:cNvPr id="5" name="圆角矩形 4"/>
+          <p:cNvSpPr/>
+          <p:nvPr/>
+        </p:nvSpPr>
+        <p:spPr>
+          <a:xfrm>
+            <a:off x="2017485" y="377373"/>
+            <a:ext cx="2859315" cy="3164114"/>
+          </a:xfrm>
+          <a:prstGeom prst="roundRect">
+            <a:avLst/>
+          </a:prstGeom>
+          <a:solidFill>
+            <a:srgbClr val="F8F2E2"/>
+          </a:solidFill>
+          <a:ln w="38100">
+            <a:solidFill>
+              <a:srgbClr val="F0AAAF"/>
+            </a:solidFill>
+          </a:ln>
+        </p:spPr>
+        <p:style>
+          <a:lnRef idx="2">
+            <a:schemeClr val="accent1">
+              <a:shade val="50000"/>
+            </a:schemeClr>
+          </a:lnRef>
+          <a:fillRef idx="1">
+            <a:schemeClr val="accent1"/>
+          </a:fillRef>
+          <a:effectRef idx="0">
+            <a:schemeClr val="accent1"/>
+          </a:effectRef>
+          <a:fontRef idx="minor">
+            <a:schemeClr val="lt1"/>
+          </a:fontRef>
+        </p:style>
+        <p:txBody>
+          <a:bodyPr rtlCol="0" anchor="ctr"/>
+          <a:lstStyle/>
+          <a:p>
+            <a:pPr algn="ctr"/>
+            <a:endParaRPr lang="zh-CN" altLang="en-US"/>
+          </a:p>
+        </p:txBody>
+      </p:sp>
+      <p:sp>
+        <p:nvSpPr>
+          <p:cNvPr id="6" name="文本框 5"/>
+          <p:cNvSpPr txBox="1"/>
+          <p:nvPr/>
+        </p:nvSpPr>
+        <p:spPr>
+          <a:xfrm>
+            <a:off x="2031999" y="550671"/>
+            <a:ext cx="2830285" cy="1138773"/>
+          </a:xfrm>
+          <a:prstGeom prst="rect">
+            <a:avLst/>
+          </a:prstGeom>
+          <a:noFill/>
+        </p:spPr>
+        <p:txBody>
+          <a:bodyPr wrap="square" rtlCol="0">
+            <a:spAutoFit/>
+          </a:bodyPr>
+          <a:lstStyle/>
+          <a:p>
+            <a:pPr algn="ctr"/>
+            <a:r>
+              <a:rPr lang="en-US" altLang="zh-CN" sz="2000" b="1" dirty="0" smtClean="0"/>
+              <a:t>Neuroscientists</a:t>
+            </a:r>
+          </a:p>
+          <a:p>
+            <a:pPr marL="180000" indent="-108000">
+              <a:buFont typeface="Arial" panose="020B0604020202020204" pitchFamily="34" charset="0"/>
+              <a:buChar char="•"/>
+            </a:pPr>
+            <a:r>
+              <a:rPr lang="en-US" altLang="zh-CN" sz="1600" dirty="0" smtClean="0"/>
+              <a:t>Experimental design and Multi-modal data acquisition</a:t>
+            </a:r>
+          </a:p>
+          <a:p>
+            <a:pPr marL="180000" indent="-108000">
+              <a:buFont typeface="Arial" panose="020B0604020202020204" pitchFamily="34" charset="0"/>
+              <a:buChar char="•"/>
+            </a:pPr>
+            <a:r>
+              <a:rPr lang="en-US" altLang="zh-CN" sz="1600" dirty="0" smtClean="0"/>
+              <a:t>Data processing  and analysis</a:t>
+            </a:r>
+            <a:endParaRPr lang="zh-CN" altLang="en-US" sz="1600" dirty="0"/>
+          </a:p>
+        </p:txBody>
+      </p:sp>
+      <p:pic>
+        <p:nvPicPr>
+          <p:cNvPr id="13" name="图片 12"/>
+          <p:cNvPicPr>
+            <a:picLocks noChangeAspect="1"/>
+          </p:cNvPicPr>
+          <p:nvPr/>
+        </p:nvPicPr>
+        <p:blipFill>
+          <a:blip r:embed="rId2"/>
+          <a:stretch>
+            <a:fillRect/>
+          </a:stretch>
+        </p:blipFill>
+        <p:spPr>
+          <a:xfrm>
+            <a:off x="5032379" y="1353443"/>
+            <a:ext cx="2391675" cy="738171"/>
+          </a:xfrm>
+          <a:prstGeom prst="rect">
+            <a:avLst/>
+          </a:prstGeom>
+        </p:spPr>
+      </p:pic>
+      <p:sp>
+        <p:nvSpPr>
+          <p:cNvPr id="14" name="圆角矩形 13"/>
+          <p:cNvSpPr/>
+          <p:nvPr/>
+        </p:nvSpPr>
+        <p:spPr>
+          <a:xfrm>
+            <a:off x="7565124" y="377373"/>
+            <a:ext cx="2859315" cy="3164114"/>
+          </a:xfrm>
+          <a:prstGeom prst="roundRect">
+            <a:avLst/>
+          </a:prstGeom>
+          <a:solidFill>
+            <a:srgbClr val="F8F2E2"/>
+          </a:solidFill>
+          <a:ln w="38100">
+            <a:solidFill>
+              <a:srgbClr val="F0AAAF"/>
+            </a:solidFill>
+          </a:ln>
+        </p:spPr>
+        <p:style>
+          <a:lnRef idx="2">
+            <a:schemeClr val="accent1">
+              <a:shade val="50000"/>
+            </a:schemeClr>
+          </a:lnRef>
+          <a:fillRef idx="1">
+            <a:schemeClr val="accent1"/>
+          </a:fillRef>
+          <a:effectRef idx="0">
+            <a:schemeClr val="accent1"/>
+          </a:effectRef>
+          <a:fontRef idx="minor">
+            <a:schemeClr val="lt1"/>
+          </a:fontRef>
+        </p:style>
+        <p:txBody>
+          <a:bodyPr rtlCol="0" anchor="ctr"/>
+          <a:lstStyle/>
+          <a:p>
+            <a:pPr algn="ctr"/>
+            <a:endParaRPr lang="zh-CN" altLang="en-US"/>
+          </a:p>
+        </p:txBody>
+      </p:sp>
+      <p:sp>
+        <p:nvSpPr>
+          <p:cNvPr id="15" name="文本框 14"/>
+          <p:cNvSpPr txBox="1"/>
+          <p:nvPr/>
+        </p:nvSpPr>
+        <p:spPr>
+          <a:xfrm>
+            <a:off x="7550605" y="550671"/>
+            <a:ext cx="2859318" cy="1877437"/>
+          </a:xfrm>
+          <a:prstGeom prst="rect">
+            <a:avLst/>
+          </a:prstGeom>
+          <a:noFill/>
+        </p:spPr>
+        <p:txBody>
+          <a:bodyPr wrap="square" rtlCol="0">
+            <a:spAutoFit/>
+          </a:bodyPr>
+          <a:lstStyle/>
+          <a:p>
+            <a:pPr algn="ctr"/>
+            <a:r>
+              <a:rPr lang="en-US" altLang="zh-CN" sz="2000" b="1" dirty="0" smtClean="0"/>
+              <a:t>Statisticians</a:t>
+            </a:r>
+          </a:p>
+          <a:p>
+            <a:pPr marL="180000" indent="-108000">
+              <a:buFont typeface="Arial" panose="020B0604020202020204" pitchFamily="34" charset="0"/>
+              <a:buChar char="•"/>
+            </a:pPr>
+            <a:r>
+              <a:rPr lang="en-US" altLang="zh-CN" sz="1600" dirty="0" smtClean="0"/>
+              <a:t>Modeling high-dimensional and large-scale imaging data</a:t>
+            </a:r>
+          </a:p>
+          <a:p>
+            <a:pPr marL="180000" indent="-108000">
+              <a:buFont typeface="Arial" panose="020B0604020202020204" pitchFamily="34" charset="0"/>
+              <a:buChar char="•"/>
+            </a:pPr>
+            <a:r>
+              <a:rPr lang="en-US" altLang="zh-CN" sz="1600" dirty="0" smtClean="0"/>
+              <a:t>Statistical and </a:t>
+            </a:r>
+            <a:r>
+              <a:rPr lang="en-US" altLang="zh-CN" sz="1600" dirty="0" err="1" smtClean="0"/>
+              <a:t>informatic</a:t>
+            </a:r>
+            <a:r>
+              <a:rPr lang="en-US" altLang="zh-CN" sz="1600" dirty="0" smtClean="0"/>
+              <a:t> methods for extracting critical </a:t>
+            </a:r>
+            <a:r>
+              <a:rPr lang="en-US" altLang="zh-CN" sz="1600" dirty="0" err="1" smtClean="0"/>
+              <a:t>informations</a:t>
+            </a:r>
+            <a:r>
+              <a:rPr lang="en-US" altLang="zh-CN" sz="1600" dirty="0" smtClean="0"/>
+              <a:t> and nuisance regression. </a:t>
+            </a:r>
+          </a:p>
+        </p:txBody>
+      </p:sp>
+      <p:sp>
+        <p:nvSpPr>
+          <p:cNvPr id="33" name="任意多边形 32"/>
+          <p:cNvSpPr/>
+          <p:nvPr/>
+        </p:nvSpPr>
+        <p:spPr>
+          <a:xfrm>
+            <a:off x="4891312" y="1120573"/>
+            <a:ext cx="2673809" cy="144000"/>
+          </a:xfrm>
+          <a:custGeom>
+            <a:avLst/>
+            <a:gdLst>
+              <a:gd name="connsiteX0" fmla="*/ 0 w 2627086"/>
+              <a:gd name="connsiteY0" fmla="*/ 275958 h 275958"/>
+              <a:gd name="connsiteX1" fmla="*/ 1364343 w 2627086"/>
+              <a:gd name="connsiteY1" fmla="*/ 187 h 275958"/>
+              <a:gd name="connsiteX2" fmla="*/ 2627086 w 2627086"/>
+              <a:gd name="connsiteY2" fmla="*/ 232415 h 275958"/>
+              <a:gd name="connsiteX0" fmla="*/ 0 w 2627086"/>
+              <a:gd name="connsiteY0" fmla="*/ 298821 h 298821"/>
+              <a:gd name="connsiteX1" fmla="*/ 1320801 w 2627086"/>
+              <a:gd name="connsiteY1" fmla="*/ 169 h 298821"/>
+              <a:gd name="connsiteX2" fmla="*/ 2627086 w 2627086"/>
+              <a:gd name="connsiteY2" fmla="*/ 255278 h 298821"/>
+            </a:gdLst>
+            <a:ahLst/>
+            <a:cxnLst>
+              <a:cxn ang="0">
+                <a:pos x="connsiteX0" y="connsiteY0"/>
+              </a:cxn>
+              <a:cxn ang="0">
+                <a:pos x="connsiteX1" y="connsiteY1"/>
+              </a:cxn>
+              <a:cxn ang="0">
+                <a:pos x="connsiteX2" y="connsiteY2"/>
+              </a:cxn>
+            </a:cxnLst>
+            <a:rect l="l" t="t" r="r" b="b"/>
+            <a:pathLst>
+              <a:path w="2627086" h="298821">
+                <a:moveTo>
+                  <a:pt x="0" y="298821"/>
+                </a:moveTo>
+                <a:cubicBezTo>
+                  <a:pt x="463247" y="164564"/>
+                  <a:pt x="882953" y="7426"/>
+                  <a:pt x="1320801" y="169"/>
+                </a:cubicBezTo>
+                <a:cubicBezTo>
+                  <a:pt x="1758649" y="-7088"/>
+                  <a:pt x="2426305" y="221411"/>
+                  <a:pt x="2627086" y="255278"/>
+                </a:cubicBezTo>
+              </a:path>
+            </a:pathLst>
+          </a:custGeom>
+          <a:noFill/>
+          <a:ln w="63500">
+            <a:solidFill>
+              <a:srgbClr val="1FDA9A"/>
+            </a:solidFill>
+            <a:headEnd type="none" w="med" len="med"/>
+            <a:tailEnd type="triangle" w="med" len="med"/>
+          </a:ln>
+        </p:spPr>
+        <p:style>
+          <a:lnRef idx="2">
+            <a:schemeClr val="accent1">
+              <a:shade val="50000"/>
+            </a:schemeClr>
+          </a:lnRef>
+          <a:fillRef idx="1">
+            <a:schemeClr val="accent1"/>
+          </a:fillRef>
+          <a:effectRef idx="0">
+            <a:schemeClr val="accent1"/>
+          </a:effectRef>
+          <a:fontRef idx="minor">
+            <a:schemeClr val="lt1"/>
+          </a:fontRef>
+        </p:style>
+        <p:txBody>
+          <a:bodyPr rtlCol="0" anchor="ctr"/>
+          <a:lstStyle/>
+          <a:p>
+            <a:pPr algn="ctr"/>
+            <a:endParaRPr lang="zh-CN" altLang="en-US"/>
+          </a:p>
+        </p:txBody>
+      </p:sp>
+      <p:sp>
+        <p:nvSpPr>
+          <p:cNvPr id="34" name="任意多边形 33"/>
+          <p:cNvSpPr/>
+          <p:nvPr/>
+        </p:nvSpPr>
+        <p:spPr>
+          <a:xfrm rot="10800000">
+            <a:off x="4891312" y="2816769"/>
+            <a:ext cx="2673809" cy="144000"/>
+          </a:xfrm>
+          <a:custGeom>
+            <a:avLst/>
+            <a:gdLst>
+              <a:gd name="connsiteX0" fmla="*/ 0 w 2627086"/>
+              <a:gd name="connsiteY0" fmla="*/ 275958 h 275958"/>
+              <a:gd name="connsiteX1" fmla="*/ 1364343 w 2627086"/>
+              <a:gd name="connsiteY1" fmla="*/ 187 h 275958"/>
+              <a:gd name="connsiteX2" fmla="*/ 2627086 w 2627086"/>
+              <a:gd name="connsiteY2" fmla="*/ 232415 h 275958"/>
+              <a:gd name="connsiteX0" fmla="*/ 0 w 2627086"/>
+              <a:gd name="connsiteY0" fmla="*/ 298821 h 298821"/>
+              <a:gd name="connsiteX1" fmla="*/ 1320801 w 2627086"/>
+              <a:gd name="connsiteY1" fmla="*/ 169 h 298821"/>
+              <a:gd name="connsiteX2" fmla="*/ 2627086 w 2627086"/>
+              <a:gd name="connsiteY2" fmla="*/ 255278 h 298821"/>
+            </a:gdLst>
+            <a:ahLst/>
+            <a:cxnLst>
+              <a:cxn ang="0">
+                <a:pos x="connsiteX0" y="connsiteY0"/>
+              </a:cxn>
+              <a:cxn ang="0">
+                <a:pos x="connsiteX1" y="connsiteY1"/>
+              </a:cxn>
+              <a:cxn ang="0">
+                <a:pos x="connsiteX2" y="connsiteY2"/>
+              </a:cxn>
+            </a:cxnLst>
+            <a:rect l="l" t="t" r="r" b="b"/>
+            <a:pathLst>
+              <a:path w="2627086" h="298821">
+                <a:moveTo>
+                  <a:pt x="0" y="298821"/>
+                </a:moveTo>
+                <a:cubicBezTo>
+                  <a:pt x="463247" y="164564"/>
+                  <a:pt x="882953" y="7426"/>
+                  <a:pt x="1320801" y="169"/>
+                </a:cubicBezTo>
+                <a:cubicBezTo>
+                  <a:pt x="1758649" y="-7088"/>
+                  <a:pt x="2426305" y="221411"/>
+                  <a:pt x="2627086" y="255278"/>
+                </a:cubicBezTo>
+              </a:path>
+            </a:pathLst>
+          </a:custGeom>
+          <a:noFill/>
+          <a:ln w="63500">
+            <a:solidFill>
+              <a:srgbClr val="1FDA9A"/>
+            </a:solidFill>
+            <a:headEnd type="none" w="med" len="med"/>
+            <a:tailEnd type="triangle" w="med" len="med"/>
+          </a:ln>
+        </p:spPr>
+        <p:style>
+          <a:lnRef idx="2">
+            <a:schemeClr val="accent1">
+              <a:shade val="50000"/>
+            </a:schemeClr>
+          </a:lnRef>
+          <a:fillRef idx="1">
+            <a:schemeClr val="accent1"/>
+          </a:fillRef>
+          <a:effectRef idx="0">
+            <a:schemeClr val="accent1"/>
+          </a:effectRef>
+          <a:fontRef idx="minor">
+            <a:schemeClr val="lt1"/>
+          </a:fontRef>
+        </p:style>
+        <p:txBody>
+          <a:bodyPr rtlCol="0" anchor="ctr"/>
+          <a:lstStyle/>
+          <a:p>
+            <a:pPr algn="ctr"/>
+            <a:endParaRPr lang="zh-CN" altLang="en-US"/>
+          </a:p>
+        </p:txBody>
+      </p:sp>
+      <p:sp>
+        <p:nvSpPr>
+          <p:cNvPr id="36" name="下箭头 35"/>
+          <p:cNvSpPr/>
+          <p:nvPr/>
+        </p:nvSpPr>
+        <p:spPr>
+          <a:xfrm>
+            <a:off x="3256505" y="3541487"/>
+            <a:ext cx="288000" cy="468000"/>
+          </a:xfrm>
+          <a:prstGeom prst="downArrow">
+            <a:avLst/>
+          </a:prstGeom>
+          <a:solidFill>
+            <a:srgbClr val="1FDA9A"/>
+          </a:solidFill>
+          <a:ln>
+            <a:solidFill>
+              <a:srgbClr val="1FDA9A"/>
+            </a:solidFill>
+          </a:ln>
+        </p:spPr>
+        <p:style>
+          <a:lnRef idx="2">
+            <a:schemeClr val="accent1">
+              <a:shade val="50000"/>
+            </a:schemeClr>
+          </a:lnRef>
+          <a:fillRef idx="1">
+            <a:schemeClr val="accent1"/>
+          </a:fillRef>
+          <a:effectRef idx="0">
+            <a:schemeClr val="accent1"/>
+          </a:effectRef>
+          <a:fontRef idx="minor">
+            <a:schemeClr val="lt1"/>
+          </a:fontRef>
+        </p:style>
+        <p:txBody>
+          <a:bodyPr rtlCol="0" anchor="ctr"/>
+          <a:lstStyle/>
+          <a:p>
+            <a:pPr algn="ctr"/>
+            <a:endParaRPr lang="zh-CN" altLang="en-US"/>
+          </a:p>
+        </p:txBody>
+      </p:sp>
+      <p:sp>
+        <p:nvSpPr>
+          <p:cNvPr id="37" name="下箭头 36"/>
+          <p:cNvSpPr/>
+          <p:nvPr/>
+        </p:nvSpPr>
+        <p:spPr>
+          <a:xfrm>
+            <a:off x="8804145" y="3555080"/>
+            <a:ext cx="288000" cy="468000"/>
+          </a:xfrm>
+          <a:prstGeom prst="downArrow">
+            <a:avLst/>
+          </a:prstGeom>
+          <a:solidFill>
+            <a:srgbClr val="1FDA9A"/>
+          </a:solidFill>
+          <a:ln>
+            <a:solidFill>
+              <a:srgbClr val="1FDA9A"/>
+            </a:solidFill>
+          </a:ln>
+        </p:spPr>
+        <p:style>
+          <a:lnRef idx="2">
+            <a:schemeClr val="accent1">
+              <a:shade val="50000"/>
+            </a:schemeClr>
+          </a:lnRef>
+          <a:fillRef idx="1">
+            <a:schemeClr val="accent1"/>
+          </a:fillRef>
+          <a:effectRef idx="0">
+            <a:schemeClr val="accent1"/>
+          </a:effectRef>
+          <a:fontRef idx="minor">
+            <a:schemeClr val="lt1"/>
+          </a:fontRef>
+        </p:style>
+        <p:txBody>
+          <a:bodyPr rtlCol="0" anchor="ctr"/>
+          <a:lstStyle/>
+          <a:p>
+            <a:pPr algn="ctr"/>
+            <a:endParaRPr lang="zh-CN" altLang="en-US"/>
+          </a:p>
+        </p:txBody>
+      </p:sp>
+      <p:sp>
+        <p:nvSpPr>
+          <p:cNvPr id="38" name="圆角矩形 37"/>
+          <p:cNvSpPr/>
+          <p:nvPr/>
+        </p:nvSpPr>
+        <p:spPr>
+          <a:xfrm>
+            <a:off x="2017485" y="4039013"/>
+            <a:ext cx="8392438" cy="1980787"/>
+          </a:xfrm>
+          <a:prstGeom prst="roundRect">
+            <a:avLst/>
+          </a:prstGeom>
+          <a:solidFill>
+            <a:srgbClr val="F8F2E2"/>
+          </a:solidFill>
+          <a:ln w="38100">
+            <a:solidFill>
+              <a:srgbClr val="F0AAAF"/>
+            </a:solidFill>
+          </a:ln>
+        </p:spPr>
+        <p:style>
+          <a:lnRef idx="2">
+            <a:schemeClr val="accent1">
+              <a:shade val="50000"/>
+            </a:schemeClr>
+          </a:lnRef>
+          <a:fillRef idx="1">
+            <a:schemeClr val="accent1"/>
+          </a:fillRef>
+          <a:effectRef idx="0">
+            <a:schemeClr val="accent1"/>
+          </a:effectRef>
+          <a:fontRef idx="minor">
+            <a:schemeClr val="lt1"/>
+          </a:fontRef>
+        </p:style>
+        <p:txBody>
+          <a:bodyPr rtlCol="0" anchor="ctr"/>
+          <a:lstStyle/>
+          <a:p>
+            <a:pPr algn="ctr"/>
+            <a:endParaRPr lang="zh-CN" altLang="en-US"/>
+          </a:p>
+        </p:txBody>
+      </p:sp>
+      <p:sp>
+        <p:nvSpPr>
+          <p:cNvPr id="39" name="文本框 38"/>
+          <p:cNvSpPr txBox="1"/>
+          <p:nvPr/>
+        </p:nvSpPr>
+        <p:spPr>
+          <a:xfrm>
+            <a:off x="5075919" y="2131370"/>
+            <a:ext cx="2304595" cy="646331"/>
+          </a:xfrm>
+          <a:prstGeom prst="rect">
+            <a:avLst/>
+          </a:prstGeom>
+          <a:noFill/>
+        </p:spPr>
+        <p:txBody>
+          <a:bodyPr wrap="square" rtlCol="0">
+            <a:spAutoFit/>
+          </a:bodyPr>
+          <a:lstStyle/>
+          <a:p>
+            <a:pPr algn="ctr"/>
+            <a:r>
+              <a:rPr lang="en-US" altLang="zh-CN" dirty="0" smtClean="0">
+                <a:ea typeface="Arial Unicode MS" panose="020B0604020202020204" pitchFamily="34" charset="-122"/>
+                <a:cs typeface="Arial" panose="020B0604020202020204" pitchFamily="34" charset="0"/>
+              </a:rPr>
+              <a:t>Inter-disciplinary communication hub</a:t>
+            </a:r>
+            <a:endParaRPr lang="zh-CN" altLang="en-US" dirty="0">
+              <a:ea typeface="Arial Unicode MS" panose="020B0604020202020204" pitchFamily="34" charset="-122"/>
+              <a:cs typeface="Arial" panose="020B0604020202020204" pitchFamily="34" charset="0"/>
+            </a:endParaRPr>
+          </a:p>
+        </p:txBody>
+      </p:sp>
+      <p:sp>
+        <p:nvSpPr>
+          <p:cNvPr id="40" name="文本框 39"/>
+          <p:cNvSpPr txBox="1"/>
+          <p:nvPr/>
+        </p:nvSpPr>
+        <p:spPr>
+          <a:xfrm>
+            <a:off x="4931390" y="4052607"/>
+            <a:ext cx="2673810" cy="646331"/>
+          </a:xfrm>
+          <a:prstGeom prst="rect">
+            <a:avLst/>
+          </a:prstGeom>
+          <a:noFill/>
+        </p:spPr>
+        <p:txBody>
+          <a:bodyPr wrap="square" rtlCol="0">
+            <a:spAutoFit/>
+          </a:bodyPr>
+          <a:lstStyle/>
+          <a:p>
+            <a:r>
+              <a:rPr lang="en-US" altLang="zh-CN" sz="2000" b="1" dirty="0" smtClean="0"/>
+              <a:t>Promising Applications</a:t>
+            </a:r>
+          </a:p>
+          <a:p>
+            <a:pPr marL="72000"/>
+            <a:endParaRPr lang="en-US" altLang="zh-CN" sz="1600" dirty="0" smtClean="0"/>
+          </a:p>
+        </p:txBody>
+      </p:sp>
+      <p:sp>
+        <p:nvSpPr>
+          <p:cNvPr id="42" name="AutoShape 8" descr="https://encrypted-tbn1.gstatic.com/images?q=tbn:ANd9GcTQa4AdIfts6qkzMXUD6kYJXVtffw3SC3wQmBfqvQtM-ItCBvW0tg"/>
+          <p:cNvSpPr>
+            <a:spLocks noChangeAspect="1" noChangeArrowheads="1"/>
+          </p:cNvSpPr>
+          <p:nvPr/>
+        </p:nvSpPr>
+        <p:spPr bwMode="auto">
+          <a:xfrm>
+            <a:off x="155574" y="-144463"/>
+            <a:ext cx="1497901" cy="1497906"/>
+          </a:xfrm>
+          <a:prstGeom prst="rect">
+            <a:avLst/>
+          </a:prstGeom>
+          <a:noFill/>
+          <a:extLst>
+            <a:ext uri="{909E8E84-426E-40DD-AFC4-6F175D3DCCD1}">
+              <a14:hiddenFill xmlns:a14="http://schemas.microsoft.com/office/drawing/2010/main">
+                <a:solidFill>
+                  <a:srgbClr val="FFFFFF"/>
+                </a:solidFill>
+              </a14:hiddenFill>
+            </a:ext>
+          </a:extLst>
+        </p:spPr>
+        <p:txBody>
+          <a:bodyPr vert="horz" wrap="square" lIns="91440" tIns="45720" rIns="91440" bIns="45720" numCol="1" anchor="t" anchorCtr="0" compatLnSpc="1">
+            <a:prstTxWarp prst="textNoShape">
+              <a:avLst/>
+            </a:prstTxWarp>
+          </a:bodyPr>
+          <a:lstStyle/>
+          <a:p>
+            <a:endParaRPr lang="zh-CN" altLang="en-US"/>
+          </a:p>
+        </p:txBody>
+      </p:sp>
+      <p:grpSp>
+        <p:nvGrpSpPr>
+          <p:cNvPr id="43" name="组合 42"/>
+          <p:cNvGrpSpPr/>
+          <p:nvPr/>
+        </p:nvGrpSpPr>
+        <p:grpSpPr>
+          <a:xfrm>
+            <a:off x="7869317" y="2428108"/>
+            <a:ext cx="2259479" cy="937420"/>
+            <a:chOff x="7800914" y="2351202"/>
+            <a:chExt cx="2407802" cy="1014326"/>
+          </a:xfrm>
+        </p:grpSpPr>
+        <p:pic>
+          <p:nvPicPr>
+            <p:cNvPr id="2052" name="Picture 4" descr="http://s1.ibtimes.com/sites/www.ibtimes.com/files/styles/md/public/2015/07/08/brain-structure.jpg"/>
+            <p:cNvPicPr>
+              <a:picLocks noChangeAspect="1" noChangeArrowheads="1"/>
+            </p:cNvPicPr>
+            <p:nvPr/>
+          </p:nvPicPr>
+          <p:blipFill>
+            <a:blip r:embed="rId3" cstate="print">
+              <a:extLst>
+                <a:ext uri="{28A0092B-C50C-407E-A947-70E740481C1C}">
+                  <a14:useLocalDpi xmlns:a14="http://schemas.microsoft.com/office/drawing/2010/main" val="0"/>
+                </a:ext>
+              </a:extLst>
+            </a:blip>
+            <a:srcRect/>
+            <a:stretch>
+              <a:fillRect/>
+            </a:stretch>
+          </p:blipFill>
+          <p:spPr bwMode="auto">
+            <a:xfrm>
+              <a:off x="7800914" y="2351202"/>
+              <a:ext cx="1262668" cy="1014326"/>
+            </a:xfrm>
+            <a:prstGeom prst="rect">
+              <a:avLst/>
+            </a:prstGeom>
+            <a:noFill/>
+            <a:ln w="19050">
+              <a:solidFill>
+                <a:srgbClr val="F0AAAF"/>
+              </a:solidFill>
+            </a:ln>
+            <a:extLst>
+              <a:ext uri="{909E8E84-426E-40DD-AFC4-6F175D3DCCD1}">
+                <a14:hiddenFill xmlns:a14="http://schemas.microsoft.com/office/drawing/2010/main">
+                  <a:solidFill>
+                    <a:srgbClr val="FFFFFF"/>
+                  </a:solidFill>
+                </a14:hiddenFill>
+              </a:ext>
+            </a:extLst>
+          </p:spPr>
+        </p:pic>
+        <p:pic>
+          <p:nvPicPr>
+            <p:cNvPr id="2058" name="Picture 10" descr="http://withfriendship.com/images/h/38896/cs-434-machine-learning.gif"/>
+            <p:cNvPicPr>
+              <a:picLocks noChangeAspect="1" noChangeArrowheads="1"/>
+            </p:cNvPicPr>
+            <p:nvPr/>
+          </p:nvPicPr>
+          <p:blipFill>
+            <a:blip r:embed="rId4" cstate="print">
+              <a:extLst>
+                <a:ext uri="{28A0092B-C50C-407E-A947-70E740481C1C}">
+                  <a14:useLocalDpi xmlns:a14="http://schemas.microsoft.com/office/drawing/2010/main" val="0"/>
+                </a:ext>
+              </a:extLst>
+            </a:blip>
+            <a:srcRect/>
+            <a:stretch>
+              <a:fillRect/>
+            </a:stretch>
+          </p:blipFill>
+          <p:spPr bwMode="auto">
+            <a:xfrm>
+              <a:off x="9021215" y="2351202"/>
+              <a:ext cx="1187501" cy="1014326"/>
+            </a:xfrm>
+            <a:prstGeom prst="rect">
+              <a:avLst/>
+            </a:prstGeom>
+            <a:noFill/>
+            <a:ln w="19050">
+              <a:solidFill>
+                <a:srgbClr val="F0AAAF"/>
+              </a:solidFill>
+            </a:ln>
+            <a:extLst>
+              <a:ext uri="{909E8E84-426E-40DD-AFC4-6F175D3DCCD1}">
+                <a14:hiddenFill xmlns:a14="http://schemas.microsoft.com/office/drawing/2010/main">
+                  <a:solidFill>
+                    <a:srgbClr val="FFFFFF"/>
+                  </a:solidFill>
+                </a14:hiddenFill>
+              </a:ext>
+            </a:extLst>
+          </p:spPr>
+        </p:pic>
+      </p:grpSp>
+      <p:grpSp>
+        <p:nvGrpSpPr>
+          <p:cNvPr id="44" name="组合 43"/>
+          <p:cNvGrpSpPr/>
+          <p:nvPr/>
+        </p:nvGrpSpPr>
+        <p:grpSpPr>
+          <a:xfrm>
+            <a:off x="2412205" y="1792839"/>
+            <a:ext cx="2094890" cy="1553638"/>
+            <a:chOff x="526013" y="-856150"/>
+            <a:chExt cx="2637369" cy="2225268"/>
+          </a:xfrm>
+        </p:grpSpPr>
+        <p:pic>
+          <p:nvPicPr>
+            <p:cNvPr id="47" name="Picture 2" descr="https://michellepetersen76.files.wordpress.com/2015/07/ft-mri-studies-point-to-brain-connectivity-changes-in-autism-spectrum-disorders-neuroinnovations.png?w=350&amp;h=200&amp;crop=1"/>
+            <p:cNvPicPr>
+              <a:picLocks noChangeArrowheads="1"/>
+            </p:cNvPicPr>
+            <p:nvPr/>
+          </p:nvPicPr>
+          <p:blipFill rotWithShape="1">
+            <a:blip r:embed="rId5">
+              <a:extLst>
+                <a:ext uri="{28A0092B-C50C-407E-A947-70E740481C1C}">
+                  <a14:useLocalDpi xmlns:a14="http://schemas.microsoft.com/office/drawing/2010/main" val="0"/>
+                </a:ext>
+              </a:extLst>
+            </a:blip>
+            <a:srcRect l="10633" r="15316"/>
+            <a:stretch/>
+          </p:blipFill>
+          <p:spPr bwMode="auto">
+            <a:xfrm>
+              <a:off x="1822012" y="-856150"/>
+              <a:ext cx="1314347" cy="1237503"/>
+            </a:xfrm>
+            <a:prstGeom prst="rect">
+              <a:avLst/>
+            </a:prstGeom>
+            <a:noFill/>
+            <a:ln w="19050">
+              <a:solidFill>
+                <a:srgbClr val="F0AAAF"/>
+              </a:solidFill>
+            </a:ln>
+            <a:extLst>
+              <a:ext uri="{909E8E84-426E-40DD-AFC4-6F175D3DCCD1}">
+                <a14:hiddenFill xmlns:a14="http://schemas.microsoft.com/office/drawing/2010/main">
+                  <a:solidFill>
+                    <a:srgbClr val="FFFFFF"/>
+                  </a:solidFill>
+                </a14:hiddenFill>
+              </a:ext>
+            </a:extLst>
+          </p:spPr>
+        </p:pic>
+        <p:pic>
+          <p:nvPicPr>
+            <p:cNvPr id="49" name="图片 48"/>
+            <p:cNvPicPr>
+              <a:picLocks/>
+            </p:cNvPicPr>
+            <p:nvPr/>
+          </p:nvPicPr>
+          <p:blipFill rotWithShape="1">
+            <a:blip r:embed="rId6"/>
+            <a:srcRect l="7961" t="6340" r="8273" b="9011"/>
+            <a:stretch/>
+          </p:blipFill>
+          <p:spPr>
+            <a:xfrm>
+              <a:off x="526013" y="-856150"/>
+              <a:ext cx="1269025" cy="1237503"/>
+            </a:xfrm>
+            <a:prstGeom prst="rect">
+              <a:avLst/>
+            </a:prstGeom>
+            <a:ln w="19050">
+              <a:solidFill>
+                <a:srgbClr val="F0AAAF"/>
+              </a:solidFill>
+            </a:ln>
+          </p:spPr>
+        </p:pic>
+        <p:pic>
+          <p:nvPicPr>
+            <p:cNvPr id="48" name="图片 47"/>
+            <p:cNvPicPr>
+              <a:picLocks noChangeAspect="1"/>
+            </p:cNvPicPr>
+            <p:nvPr/>
+          </p:nvPicPr>
+          <p:blipFill rotWithShape="1">
+            <a:blip r:embed="rId7"/>
+            <a:srcRect l="3674" t="10747" r="5615" b="13218"/>
+            <a:stretch/>
+          </p:blipFill>
+          <p:spPr>
+            <a:xfrm>
+              <a:off x="526014" y="417494"/>
+              <a:ext cx="2637368" cy="951624"/>
+            </a:xfrm>
+            <a:prstGeom prst="rect">
+              <a:avLst/>
+            </a:prstGeom>
+            <a:ln w="19050">
+              <a:solidFill>
+                <a:srgbClr val="F0AAAF"/>
+              </a:solidFill>
+            </a:ln>
+          </p:spPr>
+        </p:pic>
+      </p:grpSp>
+      <p:sp>
+        <p:nvSpPr>
+          <p:cNvPr id="45" name="文本框 44"/>
+          <p:cNvSpPr txBox="1"/>
+          <p:nvPr/>
+        </p:nvSpPr>
+        <p:spPr>
+          <a:xfrm>
+            <a:off x="5025561" y="605578"/>
+            <a:ext cx="2405310" cy="523220"/>
+          </a:xfrm>
+          <a:prstGeom prst="rect">
+            <a:avLst/>
+          </a:prstGeom>
+          <a:noFill/>
+        </p:spPr>
+        <p:txBody>
+          <a:bodyPr wrap="square" rtlCol="0">
+            <a:spAutoFit/>
+          </a:bodyPr>
+          <a:lstStyle/>
+          <a:p>
+            <a:pPr algn="ctr"/>
+            <a:r>
+              <a:rPr lang="en-US" altLang="zh-CN" sz="1400" dirty="0" smtClean="0"/>
+              <a:t>High-quality </a:t>
+            </a:r>
+            <a:r>
+              <a:rPr lang="en-US" altLang="zh-CN" sz="1400" dirty="0"/>
+              <a:t>and</a:t>
+            </a:r>
+            <a:br>
+              <a:rPr lang="en-US" altLang="zh-CN" sz="1400" dirty="0"/>
+            </a:br>
+            <a:r>
+              <a:rPr lang="en-US" altLang="zh-CN" sz="1400" dirty="0"/>
+              <a:t>easy-access </a:t>
+            </a:r>
+            <a:r>
+              <a:rPr lang="en-US" altLang="zh-CN" sz="1400" dirty="0" smtClean="0"/>
+              <a:t>datasets</a:t>
+            </a:r>
+            <a:endParaRPr lang="zh-CN" altLang="en-US" sz="1400" dirty="0"/>
+          </a:p>
+        </p:txBody>
+      </p:sp>
+      <p:sp>
+        <p:nvSpPr>
+          <p:cNvPr id="52" name="文本框 51"/>
+          <p:cNvSpPr txBox="1"/>
+          <p:nvPr/>
+        </p:nvSpPr>
+        <p:spPr>
+          <a:xfrm>
+            <a:off x="5115278" y="3018563"/>
+            <a:ext cx="2225877" cy="523220"/>
+          </a:xfrm>
+          <a:prstGeom prst="rect">
+            <a:avLst/>
+          </a:prstGeom>
+          <a:noFill/>
+        </p:spPr>
+        <p:txBody>
+          <a:bodyPr wrap="square" rtlCol="0">
+            <a:spAutoFit/>
+          </a:bodyPr>
+          <a:lstStyle/>
+          <a:p>
+            <a:pPr algn="ctr"/>
+            <a:r>
+              <a:rPr lang="en-US" altLang="zh-CN" sz="1400" dirty="0" smtClean="0"/>
+              <a:t>New statistical methods with user-friendly toolboxes</a:t>
+            </a:r>
+            <a:endParaRPr lang="zh-CN" altLang="en-US" sz="1400" dirty="0"/>
+          </a:p>
+        </p:txBody>
+      </p:sp>
+      <p:pic>
+        <p:nvPicPr>
+          <p:cNvPr id="2060" name="Picture 12" descr="http://blog.myesr.org/wp_live_esr11_23zcq/wp-content/uploads/2014/03/p10_Friday_NH7_Image-2.jpg"/>
+          <p:cNvPicPr>
+            <a:picLocks noChangeAspect="1" noChangeArrowheads="1"/>
+          </p:cNvPicPr>
+          <p:nvPr/>
+        </p:nvPicPr>
+        <p:blipFill>
+          <a:blip r:embed="rId8" cstate="print">
+            <a:extLst>
+              <a:ext uri="{28A0092B-C50C-407E-A947-70E740481C1C}">
+                <a14:useLocalDpi xmlns:a14="http://schemas.microsoft.com/office/drawing/2010/main" val="0"/>
+              </a:ext>
+            </a:extLst>
+          </a:blip>
+          <a:srcRect/>
+          <a:stretch>
+            <a:fillRect/>
+          </a:stretch>
+        </p:blipFill>
+        <p:spPr bwMode="auto">
+          <a:xfrm>
+            <a:off x="7256250" y="4571674"/>
+            <a:ext cx="1464988" cy="1188000"/>
+          </a:xfrm>
+          <a:prstGeom prst="rect">
+            <a:avLst/>
+          </a:prstGeom>
+          <a:noFill/>
+          <a:ln w="19050">
+            <a:solidFill>
+              <a:srgbClr val="F0AAAF"/>
+            </a:solidFill>
+          </a:ln>
+          <a:extLst>
+            <a:ext uri="{909E8E84-426E-40DD-AFC4-6F175D3DCCD1}">
+              <a14:hiddenFill xmlns:a14="http://schemas.microsoft.com/office/drawing/2010/main">
+                <a:solidFill>
+                  <a:srgbClr val="FFFFFF"/>
+                </a:solidFill>
+              </a14:hiddenFill>
+            </a:ext>
+          </a:extLst>
+        </p:spPr>
+      </p:pic>
+      <p:sp>
+        <p:nvSpPr>
+          <p:cNvPr id="51" name="文本框 50"/>
+          <p:cNvSpPr txBox="1"/>
+          <p:nvPr/>
+        </p:nvSpPr>
+        <p:spPr>
+          <a:xfrm>
+            <a:off x="2160215" y="4394822"/>
+            <a:ext cx="5096036" cy="1569660"/>
+          </a:xfrm>
+          <a:prstGeom prst="rect">
+            <a:avLst/>
+          </a:prstGeom>
+          <a:noFill/>
+        </p:spPr>
+        <p:txBody>
+          <a:bodyPr wrap="square" rtlCol="0">
+            <a:spAutoFit/>
+          </a:bodyPr>
+          <a:lstStyle/>
+          <a:p>
+            <a:r>
+              <a:rPr lang="en-US" altLang="zh-CN" sz="1600" dirty="0" smtClean="0"/>
+              <a:t>Theoretical and clinical research</a:t>
+            </a:r>
+          </a:p>
+          <a:p>
+            <a:pPr marL="108000" indent="-108000">
+              <a:buFont typeface="Arial" panose="020B0604020202020204" pitchFamily="34" charset="0"/>
+              <a:buChar char="•"/>
+            </a:pPr>
+            <a:r>
+              <a:rPr lang="en-US" altLang="zh-CN" sz="1600" dirty="0" smtClean="0"/>
+              <a:t>The connectivity pattern of complex brain networks,</a:t>
+            </a:r>
+          </a:p>
+          <a:p>
+            <a:pPr marL="108000" indent="-108000">
+              <a:buFont typeface="Arial" panose="020B0604020202020204" pitchFamily="34" charset="0"/>
+              <a:buChar char="•"/>
+            </a:pPr>
+            <a:r>
+              <a:rPr lang="en-US" altLang="zh-CN" sz="1600" dirty="0" smtClean="0"/>
+              <a:t>Functional module detection and navigation </a:t>
+            </a:r>
+          </a:p>
+          <a:p>
+            <a:pPr marL="108000" indent="-108000">
+              <a:buFont typeface="Arial" panose="020B0604020202020204" pitchFamily="34" charset="0"/>
+              <a:buChar char="•"/>
+            </a:pPr>
+            <a:r>
+              <a:rPr lang="en-US" altLang="zh-CN" sz="1600" dirty="0" smtClean="0"/>
+              <a:t>Biomarker identification and mechanism study for different diseases and psychological or behavioral process</a:t>
+            </a:r>
+          </a:p>
+          <a:p>
+            <a:pPr marL="108000" indent="-108000">
+              <a:buFont typeface="Arial" panose="020B0604020202020204" pitchFamily="34" charset="0"/>
+              <a:buChar char="•"/>
+            </a:pPr>
+            <a:r>
+              <a:rPr lang="en-US" altLang="zh-CN" sz="1600" dirty="0" smtClean="0"/>
+              <a:t>…</a:t>
+            </a:r>
+            <a:endParaRPr lang="zh-CN" altLang="en-US" sz="1600" dirty="0"/>
+          </a:p>
+        </p:txBody>
+      </p:sp>
+      <p:pic>
+        <p:nvPicPr>
+          <p:cNvPr id="54" name="图片 53"/>
+          <p:cNvPicPr>
+            <a:picLocks noChangeAspect="1"/>
+          </p:cNvPicPr>
+          <p:nvPr/>
+        </p:nvPicPr>
+        <p:blipFill>
+          <a:blip r:embed="rId9">
+            <a:extLst>
+              <a:ext uri="{28A0092B-C50C-407E-A947-70E740481C1C}">
+                <a14:useLocalDpi xmlns:a14="http://schemas.microsoft.com/office/drawing/2010/main" val="0"/>
+              </a:ext>
+            </a:extLst>
+          </a:blip>
+          <a:stretch>
+            <a:fillRect/>
+          </a:stretch>
+        </p:blipFill>
+        <p:spPr>
+          <a:xfrm>
+            <a:off x="8810574" y="4571674"/>
+            <a:ext cx="1463996" cy="1188000"/>
+          </a:xfrm>
+          <a:prstGeom prst="rect">
+            <a:avLst/>
+          </a:prstGeom>
+          <a:ln w="19050">
+            <a:solidFill>
+              <a:srgbClr val="F0AAAF"/>
+            </a:solidFill>
+          </a:ln>
+        </p:spPr>
+      </p:pic>
+      <p:sp>
+        <p:nvSpPr>
+          <p:cNvPr id="60" name="文本框 59"/>
+          <p:cNvSpPr txBox="1"/>
+          <p:nvPr/>
+        </p:nvSpPr>
+        <p:spPr>
+          <a:xfrm>
+            <a:off x="155574" y="6136551"/>
+            <a:ext cx="11344494" cy="369332"/>
+          </a:xfrm>
+          <a:prstGeom prst="rect">
+            <a:avLst/>
+          </a:prstGeom>
+          <a:noFill/>
+        </p:spPr>
+        <p:txBody>
+          <a:bodyPr wrap="square" rtlCol="0">
+            <a:spAutoFit/>
+          </a:bodyPr>
+          <a:lstStyle/>
+          <a:p>
+            <a:r>
+              <a:rPr lang="en-US" altLang="zh-CN" dirty="0" smtClean="0"/>
+              <a:t>Figure #. </a:t>
+            </a:r>
+            <a:r>
+              <a:rPr lang="en-US" altLang="zh-CN" dirty="0"/>
+              <a:t>S</a:t>
+            </a:r>
+            <a:r>
+              <a:rPr lang="en-US" altLang="zh-CN" dirty="0" smtClean="0"/>
+              <a:t>chematic of the inter-disciplinary collaboration framework of </a:t>
+            </a:r>
+            <a:r>
+              <a:rPr lang="en-US" altLang="zh-CN" dirty="0" err="1" smtClean="0"/>
+              <a:t>Brainconductor</a:t>
+            </a:r>
+            <a:r>
+              <a:rPr lang="en-US" altLang="zh-CN" dirty="0" smtClean="0"/>
+              <a:t> project. </a:t>
+            </a:r>
+            <a:endParaRPr lang="zh-CN" altLang="en-US" dirty="0"/>
+          </a:p>
+        </p:txBody>
+      </p:sp>
     </p:spTree>
     <p:extLst>
       <p:ext uri="{BB962C8B-B14F-4D97-AF65-F5344CB8AC3E}">
-        <p14:creationId xmlns:p14="http://schemas.microsoft.com/office/powerpoint/2010/main" val="1312860738"/>
+        <p14:creationId xmlns:p14="http://schemas.microsoft.com/office/powerpoint/2010/main" val="2746527790"/>
+      </p:ext>
+    </p:extLst>
+  </p:cSld>
+  <p:clrMapOvr>
+    <a:masterClrMapping/>
+  </p:clrMapOvr>
+</p:sld>
+</file>
+
+<file path=ppt/slides/slide3.xml><?xml version="1.0" encoding="utf-8"?>
+<p:sld xmlns:a="http://schemas.openxmlformats.org/drawingml/2006/main" xmlns:r="http://schemas.openxmlformats.org/officeDocument/2006/relationships" xmlns:p="http://schemas.openxmlformats.org/presentationml/2006/main">
+  <p:cSld>
+    <p:spTree>
+      <p:nvGrpSpPr>
+        <p:cNvPr id="1" name=""/>
+        <p:cNvGrpSpPr/>
+        <p:nvPr/>
+      </p:nvGrpSpPr>
+      <p:grpSpPr>
+        <a:xfrm>
+          <a:off x="0" y="0"/>
+          <a:ext cx="0" cy="0"/>
+          <a:chOff x="0" y="0"/>
+          <a:chExt cx="0" cy="0"/>
+        </a:xfrm>
+      </p:grpSpPr>
+      <p:sp>
+        <p:nvSpPr>
+          <p:cNvPr id="3" name="内容占位符 2"/>
+          <p:cNvSpPr>
+            <a:spLocks noGrp="1"/>
+          </p:cNvSpPr>
+          <p:nvPr>
+            <p:ph idx="1"/>
+          </p:nvPr>
+        </p:nvSpPr>
+        <p:spPr>
+          <a:xfrm>
+            <a:off x="838200" y="504825"/>
+            <a:ext cx="10515600" cy="5672138"/>
+          </a:xfrm>
+        </p:spPr>
+        <p:txBody>
+          <a:bodyPr/>
+          <a:lstStyle/>
+          <a:p>
+            <a:endParaRPr lang="zh-CN" altLang="en-US"/>
+          </a:p>
+        </p:txBody>
+      </p:sp>
+    </p:spTree>
+    <p:extLst>
+      <p:ext uri="{BB962C8B-B14F-4D97-AF65-F5344CB8AC3E}">
+        <p14:creationId xmlns:p14="http://schemas.microsoft.com/office/powerpoint/2010/main" val="56916192"/>
       </p:ext>
     </p:extLst>
   </p:cSld>

--- a/paper/fig/brainconductor/Some figures.pptx
+++ b/paper/fig/brainconductor/Some figures.pptx
@@ -112,6 +112,3715 @@
     </p:ext>
   </p:extLst>
 </p:presentation>
+</file>
+
+<file path=ppt/diagrams/colors1.xml><?xml version="1.0" encoding="utf-8"?>
+<dgm:colorsDef xmlns:dgm="http://schemas.openxmlformats.org/drawingml/2006/diagram" xmlns:a="http://schemas.openxmlformats.org/drawingml/2006/main" uniqueId="urn:microsoft.com/office/officeart/2005/8/colors/colorful2">
+  <dgm:title val=""/>
+  <dgm:desc val=""/>
+  <dgm:catLst>
+    <dgm:cat type="colorful" pri="10200"/>
+  </dgm:catLst>
+  <dgm:styleLbl name="node0">
+    <dgm:fillClrLst meth="repeat">
+      <a:schemeClr val="accent1"/>
+    </dgm:fillClrLst>
+    <dgm:linClrLst meth="repeat">
+      <a:schemeClr val="lt1"/>
+    </dgm:linClrLst>
+    <dgm:effectClrLst/>
+    <dgm:txLinClrLst/>
+    <dgm:txFillClrLst/>
+    <dgm:txEffectClrLst/>
+  </dgm:styleLbl>
+  <dgm:styleLbl name="node1">
+    <dgm:fillClrLst>
+      <a:schemeClr val="accent2"/>
+      <a:schemeClr val="accent3"/>
+    </dgm:fillClrLst>
+    <dgm:linClrLst meth="repeat">
+      <a:schemeClr val="lt1"/>
+    </dgm:linClrLst>
+    <dgm:effectClrLst/>
+    <dgm:txLinClrLst/>
+    <dgm:txFillClrLst/>
+    <dgm:txEffectClrLst/>
+  </dgm:styleLbl>
+  <dgm:styleLbl name="alignNode1">
+    <dgm:fillClrLst>
+      <a:schemeClr val="accent2"/>
+      <a:schemeClr val="accent3"/>
+    </dgm:fillClrLst>
+    <dgm:linClrLst>
+      <a:schemeClr val="accent2"/>
+      <a:schemeClr val="accent3"/>
+    </dgm:linClrLst>
+    <dgm:effectClrLst/>
+    <dgm:txLinClrLst/>
+    <dgm:txFillClrLst/>
+    <dgm:txEffectClrLst/>
+  </dgm:styleLbl>
+  <dgm:styleLbl name="lnNode1">
+    <dgm:fillClrLst>
+      <a:schemeClr val="accent2"/>
+      <a:schemeClr val="accent3"/>
+    </dgm:fillClrLst>
+    <dgm:linClrLst meth="repeat">
+      <a:schemeClr val="lt1"/>
+    </dgm:linClrLst>
+    <dgm:effectClrLst/>
+    <dgm:txLinClrLst/>
+    <dgm:txFillClrLst/>
+    <dgm:txEffectClrLst/>
+  </dgm:styleLbl>
+  <dgm:styleLbl name="vennNode1">
+    <dgm:fillClrLst>
+      <a:schemeClr val="accent2">
+        <a:alpha val="50000"/>
+      </a:schemeClr>
+      <a:schemeClr val="accent3">
+        <a:alpha val="50000"/>
+      </a:schemeClr>
+    </dgm:fillClrLst>
+    <dgm:linClrLst meth="repeat">
+      <a:schemeClr val="lt1"/>
+    </dgm:linClrLst>
+    <dgm:effectClrLst/>
+    <dgm:txLinClrLst/>
+    <dgm:txFillClrLst/>
+    <dgm:txEffectClrLst/>
+  </dgm:styleLbl>
+  <dgm:styleLbl name="node2">
+    <dgm:fillClrLst>
+      <a:schemeClr val="accent3"/>
+    </dgm:fillClrLst>
+    <dgm:linClrLst meth="repeat">
+      <a:schemeClr val="lt1"/>
+    </dgm:linClrLst>
+    <dgm:effectClrLst/>
+    <dgm:txLinClrLst/>
+    <dgm:txFillClrLst/>
+    <dgm:txEffectClrLst/>
+  </dgm:styleLbl>
+  <dgm:styleLbl name="node3">
+    <dgm:fillClrLst>
+      <a:schemeClr val="accent4"/>
+    </dgm:fillClrLst>
+    <dgm:linClrLst meth="repeat">
+      <a:schemeClr val="lt1"/>
+    </dgm:linClrLst>
+    <dgm:effectClrLst/>
+    <dgm:txLinClrLst/>
+    <dgm:txFillClrLst/>
+    <dgm:txEffectClrLst/>
+  </dgm:styleLbl>
+  <dgm:styleLbl name="node4">
+    <dgm:fillClrLst>
+      <a:schemeClr val="accent5"/>
+    </dgm:fillClrLst>
+    <dgm:linClrLst meth="repeat">
+      <a:schemeClr val="lt1"/>
+    </dgm:linClrLst>
+    <dgm:effectClrLst/>
+    <dgm:txLinClrLst/>
+    <dgm:txFillClrLst/>
+    <dgm:txEffectClrLst/>
+  </dgm:styleLbl>
+  <dgm:styleLbl name="fgImgPlace1">
+    <dgm:fillClrLst>
+      <a:schemeClr val="accent2">
+        <a:tint val="50000"/>
+      </a:schemeClr>
+      <a:schemeClr val="accent3">
+        <a:tint val="50000"/>
+      </a:schemeClr>
+    </dgm:fillClrLst>
+    <dgm:linClrLst meth="repeat">
+      <a:schemeClr val="lt1"/>
+    </dgm:linClrLst>
+    <dgm:effectClrLst/>
+    <dgm:txLinClrLst/>
+    <dgm:txFillClrLst meth="repeat">
+      <a:schemeClr val="lt1"/>
+    </dgm:txFillClrLst>
+    <dgm:txEffectClrLst/>
+  </dgm:styleLbl>
+  <dgm:styleLbl name="alignImgPlace1">
+    <dgm:fillClrLst>
+      <a:schemeClr val="accent2">
+        <a:tint val="50000"/>
+      </a:schemeClr>
+      <a:schemeClr val="accent3">
+        <a:tint val="20000"/>
+      </a:schemeClr>
+    </dgm:fillClrLst>
+    <dgm:linClrLst meth="repeat">
+      <a:schemeClr val="lt1"/>
+    </dgm:linClrLst>
+    <dgm:effectClrLst/>
+    <dgm:txLinClrLst/>
+    <dgm:txFillClrLst meth="repeat">
+      <a:schemeClr val="lt1"/>
+    </dgm:txFillClrLst>
+    <dgm:txEffectClrLst/>
+  </dgm:styleLbl>
+  <dgm:styleLbl name="bgImgPlace1">
+    <dgm:fillClrLst>
+      <a:schemeClr val="accent2">
+        <a:tint val="50000"/>
+      </a:schemeClr>
+      <a:schemeClr val="accent3">
+        <a:tint val="20000"/>
+      </a:schemeClr>
+    </dgm:fillClrLst>
+    <dgm:linClrLst meth="repeat">
+      <a:schemeClr val="lt1"/>
+    </dgm:linClrLst>
+    <dgm:effectClrLst/>
+    <dgm:txLinClrLst/>
+    <dgm:txFillClrLst meth="repeat">
+      <a:schemeClr val="lt1"/>
+    </dgm:txFillClrLst>
+    <dgm:txEffectClrLst/>
+  </dgm:styleLbl>
+  <dgm:styleLbl name="sibTrans2D1">
+    <dgm:fillClrLst>
+      <a:schemeClr val="accent2"/>
+      <a:schemeClr val="accent3"/>
+    </dgm:fillClrLst>
+    <dgm:linClrLst meth="repeat">
+      <a:schemeClr val="lt1"/>
+    </dgm:linClrLst>
+    <dgm:effectClrLst/>
+    <dgm:txLinClrLst/>
+    <dgm:txFillClrLst/>
+    <dgm:txEffectClrLst/>
+  </dgm:styleLbl>
+  <dgm:styleLbl name="fgSibTrans2D1">
+    <dgm:fillClrLst>
+      <a:schemeClr val="accent2"/>
+      <a:schemeClr val="accent3"/>
+    </dgm:fillClrLst>
+    <dgm:linClrLst meth="repeat">
+      <a:schemeClr val="lt1"/>
+    </dgm:linClrLst>
+    <dgm:effectClrLst/>
+    <dgm:txLinClrLst/>
+    <dgm:txFillClrLst meth="repeat">
+      <a:schemeClr val="lt1"/>
+    </dgm:txFillClrLst>
+    <dgm:txEffectClrLst/>
+  </dgm:styleLbl>
+  <dgm:styleLbl name="bgSibTrans2D1">
+    <dgm:fillClrLst>
+      <a:schemeClr val="accent2"/>
+      <a:schemeClr val="accent3"/>
+    </dgm:fillClrLst>
+    <dgm:linClrLst meth="repeat">
+      <a:schemeClr val="lt1"/>
+    </dgm:linClrLst>
+    <dgm:effectClrLst/>
+    <dgm:txLinClrLst/>
+    <dgm:txFillClrLst meth="repeat">
+      <a:schemeClr val="lt1"/>
+    </dgm:txFillClrLst>
+    <dgm:txEffectClrLst/>
+  </dgm:styleLbl>
+  <dgm:styleLbl name="sibTrans1D1">
+    <dgm:fillClrLst/>
+    <dgm:linClrLst>
+      <a:schemeClr val="accent2"/>
+      <a:schemeClr val="accent3"/>
+    </dgm:linClrLst>
+    <dgm:effectClrLst/>
+    <dgm:txLinClrLst/>
+    <dgm:txFillClrLst meth="repeat">
+      <a:schemeClr val="tx1"/>
+    </dgm:txFillClrLst>
+    <dgm:txEffectClrLst/>
+  </dgm:styleLbl>
+  <dgm:styleLbl name="callout">
+    <dgm:fillClrLst meth="repeat">
+      <a:schemeClr val="accent2"/>
+    </dgm:fillClrLst>
+    <dgm:linClrLst meth="repeat">
+      <a:schemeClr val="accent2">
+        <a:tint val="50000"/>
+      </a:schemeClr>
+    </dgm:linClrLst>
+    <dgm:effectClrLst/>
+    <dgm:txLinClrLst/>
+    <dgm:txFillClrLst meth="repeat">
+      <a:schemeClr val="tx1"/>
+    </dgm:txFillClrLst>
+    <dgm:txEffectClrLst/>
+  </dgm:styleLbl>
+  <dgm:styleLbl name="asst0">
+    <dgm:fillClrLst meth="repeat">
+      <a:schemeClr val="accent2"/>
+    </dgm:fillClrLst>
+    <dgm:linClrLst meth="repeat">
+      <a:schemeClr val="lt1">
+        <a:shade val="80000"/>
+      </a:schemeClr>
+    </dgm:linClrLst>
+    <dgm:effectClrLst/>
+    <dgm:txLinClrLst/>
+    <dgm:txFillClrLst/>
+    <dgm:txEffectClrLst/>
+  </dgm:styleLbl>
+  <dgm:styleLbl name="asst1">
+    <dgm:fillClrLst meth="repeat">
+      <a:schemeClr val="accent3"/>
+    </dgm:fillClrLst>
+    <dgm:linClrLst meth="repeat">
+      <a:schemeClr val="lt1">
+        <a:shade val="80000"/>
+      </a:schemeClr>
+    </dgm:linClrLst>
+    <dgm:effectClrLst/>
+    <dgm:txLinClrLst/>
+    <dgm:txFillClrLst/>
+    <dgm:txEffectClrLst/>
+  </dgm:styleLbl>
+  <dgm:styleLbl name="asst2">
+    <dgm:fillClrLst>
+      <a:schemeClr val="accent4"/>
+    </dgm:fillClrLst>
+    <dgm:linClrLst meth="repeat">
+      <a:schemeClr val="lt1"/>
+    </dgm:linClrLst>
+    <dgm:effectClrLst/>
+    <dgm:txLinClrLst/>
+    <dgm:txFillClrLst/>
+    <dgm:txEffectClrLst/>
+  </dgm:styleLbl>
+  <dgm:styleLbl name="asst3">
+    <dgm:fillClrLst>
+      <a:schemeClr val="accent5"/>
+    </dgm:fillClrLst>
+    <dgm:linClrLst meth="repeat">
+      <a:schemeClr val="lt1"/>
+    </dgm:linClrLst>
+    <dgm:effectClrLst/>
+    <dgm:txLinClrLst/>
+    <dgm:txFillClrLst/>
+    <dgm:txEffectClrLst/>
+  </dgm:styleLbl>
+  <dgm:styleLbl name="asst4">
+    <dgm:fillClrLst>
+      <a:schemeClr val="accent6"/>
+    </dgm:fillClrLst>
+    <dgm:linClrLst meth="repeat">
+      <a:schemeClr val="lt1"/>
+    </dgm:linClrLst>
+    <dgm:effectClrLst/>
+    <dgm:txLinClrLst/>
+    <dgm:txFillClrLst/>
+    <dgm:txEffectClrLst/>
+  </dgm:styleLbl>
+  <dgm:styleLbl name="parChTrans2D1">
+    <dgm:fillClrLst meth="repeat">
+      <a:schemeClr val="accent2"/>
+    </dgm:fillClrLst>
+    <dgm:linClrLst meth="repeat">
+      <a:schemeClr val="lt1"/>
+    </dgm:linClrLst>
+    <dgm:effectClrLst/>
+    <dgm:txLinClrLst/>
+    <dgm:txFillClrLst meth="repeat">
+      <a:schemeClr val="lt1"/>
+    </dgm:txFillClrLst>
+    <dgm:txEffectClrLst/>
+  </dgm:styleLbl>
+  <dgm:styleLbl name="parChTrans2D2">
+    <dgm:fillClrLst meth="repeat">
+      <a:schemeClr val="accent3"/>
+    </dgm:fillClrLst>
+    <dgm:linClrLst meth="repeat">
+      <a:schemeClr val="lt1"/>
+    </dgm:linClrLst>
+    <dgm:effectClrLst/>
+    <dgm:txLinClrLst/>
+    <dgm:txFillClrLst/>
+    <dgm:txEffectClrLst/>
+  </dgm:styleLbl>
+  <dgm:styleLbl name="parChTrans2D3">
+    <dgm:fillClrLst meth="repeat">
+      <a:schemeClr val="accent4"/>
+    </dgm:fillClrLst>
+    <dgm:linClrLst meth="repeat">
+      <a:schemeClr val="lt1"/>
+    </dgm:linClrLst>
+    <dgm:effectClrLst/>
+    <dgm:txLinClrLst/>
+    <dgm:txFillClrLst/>
+    <dgm:txEffectClrLst/>
+  </dgm:styleLbl>
+  <dgm:styleLbl name="parChTrans2D4">
+    <dgm:fillClrLst meth="repeat">
+      <a:schemeClr val="accent5"/>
+    </dgm:fillClrLst>
+    <dgm:linClrLst meth="repeat">
+      <a:schemeClr val="lt1"/>
+    </dgm:linClrLst>
+    <dgm:effectClrLst/>
+    <dgm:txLinClrLst/>
+    <dgm:txFillClrLst meth="repeat">
+      <a:schemeClr val="lt1"/>
+    </dgm:txFillClrLst>
+    <dgm:txEffectClrLst/>
+  </dgm:styleLbl>
+  <dgm:styleLbl name="parChTrans1D1">
+    <dgm:fillClrLst meth="repeat">
+      <a:schemeClr val="accent2"/>
+    </dgm:fillClrLst>
+    <dgm:linClrLst meth="repeat">
+      <a:schemeClr val="accent2"/>
+    </dgm:linClrLst>
+    <dgm:effectClrLst/>
+    <dgm:txLinClrLst/>
+    <dgm:txFillClrLst meth="repeat">
+      <a:schemeClr val="tx1"/>
+    </dgm:txFillClrLst>
+    <dgm:txEffectClrLst/>
+  </dgm:styleLbl>
+  <dgm:styleLbl name="parChTrans1D2">
+    <dgm:fillClrLst meth="repeat">
+      <a:schemeClr val="accent2">
+        <a:tint val="90000"/>
+      </a:schemeClr>
+    </dgm:fillClrLst>
+    <dgm:linClrLst meth="repeat">
+      <a:schemeClr val="accent3"/>
+    </dgm:linClrLst>
+    <dgm:effectClrLst/>
+    <dgm:txLinClrLst/>
+    <dgm:txFillClrLst meth="repeat">
+      <a:schemeClr val="tx1"/>
+    </dgm:txFillClrLst>
+    <dgm:txEffectClrLst/>
+  </dgm:styleLbl>
+  <dgm:styleLbl name="parChTrans1D3">
+    <dgm:fillClrLst meth="repeat">
+      <a:schemeClr val="accent2">
+        <a:tint val="70000"/>
+      </a:schemeClr>
+    </dgm:fillClrLst>
+    <dgm:linClrLst meth="repeat">
+      <a:schemeClr val="accent4"/>
+    </dgm:linClrLst>
+    <dgm:effectClrLst/>
+    <dgm:txLinClrLst/>
+    <dgm:txFillClrLst meth="repeat">
+      <a:schemeClr val="tx1"/>
+    </dgm:txFillClrLst>
+    <dgm:txEffectClrLst/>
+  </dgm:styleLbl>
+  <dgm:styleLbl name="parChTrans1D4">
+    <dgm:fillClrLst meth="repeat">
+      <a:schemeClr val="accent2">
+        <a:tint val="50000"/>
+      </a:schemeClr>
+    </dgm:fillClrLst>
+    <dgm:linClrLst meth="repeat">
+      <a:schemeClr val="accent5"/>
+    </dgm:linClrLst>
+    <dgm:effectClrLst/>
+    <dgm:txLinClrLst/>
+    <dgm:txFillClrLst meth="repeat">
+      <a:schemeClr val="tx1"/>
+    </dgm:txFillClrLst>
+    <dgm:txEffectClrLst/>
+  </dgm:styleLbl>
+  <dgm:styleLbl name="fgAcc1">
+    <dgm:fillClrLst meth="repeat">
+      <a:schemeClr val="lt1">
+        <a:alpha val="90000"/>
+      </a:schemeClr>
+    </dgm:fillClrLst>
+    <dgm:linClrLst>
+      <a:schemeClr val="accent2"/>
+      <a:schemeClr val="accent3"/>
+    </dgm:linClrLst>
+    <dgm:effectClrLst/>
+    <dgm:txLinClrLst/>
+    <dgm:txFillClrLst meth="repeat">
+      <a:schemeClr val="dk1"/>
+    </dgm:txFillClrLst>
+    <dgm:txEffectClrLst/>
+  </dgm:styleLbl>
+  <dgm:styleLbl name="conFgAcc1">
+    <dgm:fillClrLst meth="repeat">
+      <a:schemeClr val="lt1">
+        <a:alpha val="90000"/>
+      </a:schemeClr>
+    </dgm:fillClrLst>
+    <dgm:linClrLst>
+      <a:schemeClr val="accent2"/>
+      <a:schemeClr val="accent3"/>
+    </dgm:linClrLst>
+    <dgm:effectClrLst/>
+    <dgm:txLinClrLst/>
+    <dgm:txFillClrLst meth="repeat">
+      <a:schemeClr val="dk1"/>
+    </dgm:txFillClrLst>
+    <dgm:txEffectClrLst/>
+  </dgm:styleLbl>
+  <dgm:styleLbl name="alignAcc1">
+    <dgm:fillClrLst meth="repeat">
+      <a:schemeClr val="lt1">
+        <a:alpha val="90000"/>
+      </a:schemeClr>
+    </dgm:fillClrLst>
+    <dgm:linClrLst>
+      <a:schemeClr val="accent2"/>
+      <a:schemeClr val="accent3"/>
+    </dgm:linClrLst>
+    <dgm:effectClrLst/>
+    <dgm:txLinClrLst/>
+    <dgm:txFillClrLst meth="repeat">
+      <a:schemeClr val="dk1"/>
+    </dgm:txFillClrLst>
+    <dgm:txEffectClrLst/>
+  </dgm:styleLbl>
+  <dgm:styleLbl name="trAlignAcc1">
+    <dgm:fillClrLst meth="repeat">
+      <a:schemeClr val="lt1">
+        <a:alpha val="40000"/>
+      </a:schemeClr>
+    </dgm:fillClrLst>
+    <dgm:linClrLst meth="repeat">
+      <a:schemeClr val="accent2"/>
+    </dgm:linClrLst>
+    <dgm:effectClrLst/>
+    <dgm:txLinClrLst/>
+    <dgm:txFillClrLst meth="repeat">
+      <a:schemeClr val="dk1"/>
+    </dgm:txFillClrLst>
+    <dgm:txEffectClrLst/>
+  </dgm:styleLbl>
+  <dgm:styleLbl name="bgAcc1">
+    <dgm:fillClrLst meth="repeat">
+      <a:schemeClr val="lt1">
+        <a:alpha val="90000"/>
+      </a:schemeClr>
+    </dgm:fillClrLst>
+    <dgm:linClrLst>
+      <a:schemeClr val="accent2"/>
+      <a:schemeClr val="accent3"/>
+    </dgm:linClrLst>
+    <dgm:effectClrLst/>
+    <dgm:txLinClrLst/>
+    <dgm:txFillClrLst meth="repeat">
+      <a:schemeClr val="dk1"/>
+    </dgm:txFillClrLst>
+    <dgm:txEffectClrLst/>
+  </dgm:styleLbl>
+  <dgm:styleLbl name="solidFgAcc1">
+    <dgm:fillClrLst meth="repeat">
+      <a:schemeClr val="lt1"/>
+    </dgm:fillClrLst>
+    <dgm:linClrLst>
+      <a:schemeClr val="accent2"/>
+      <a:schemeClr val="accent3"/>
+    </dgm:linClrLst>
+    <dgm:effectClrLst/>
+    <dgm:txLinClrLst/>
+    <dgm:txFillClrLst meth="repeat">
+      <a:schemeClr val="dk1"/>
+    </dgm:txFillClrLst>
+    <dgm:txEffectClrLst/>
+  </dgm:styleLbl>
+  <dgm:styleLbl name="solidAlignAcc1">
+    <dgm:fillClrLst meth="repeat">
+      <a:schemeClr val="lt1"/>
+    </dgm:fillClrLst>
+    <dgm:linClrLst>
+      <a:schemeClr val="accent2"/>
+      <a:schemeClr val="accent3"/>
+    </dgm:linClrLst>
+    <dgm:effectClrLst/>
+    <dgm:txLinClrLst/>
+    <dgm:txFillClrLst meth="repeat">
+      <a:schemeClr val="dk1"/>
+    </dgm:txFillClrLst>
+    <dgm:txEffectClrLst/>
+  </dgm:styleLbl>
+  <dgm:styleLbl name="solidBgAcc1">
+    <dgm:fillClrLst meth="repeat">
+      <a:schemeClr val="lt1"/>
+    </dgm:fillClrLst>
+    <dgm:linClrLst>
+      <a:schemeClr val="accent2"/>
+      <a:schemeClr val="accent3"/>
+    </dgm:linClrLst>
+    <dgm:effectClrLst/>
+    <dgm:txLinClrLst/>
+    <dgm:txFillClrLst meth="repeat">
+      <a:schemeClr val="dk1"/>
+    </dgm:txFillClrLst>
+    <dgm:txEffectClrLst/>
+  </dgm:styleLbl>
+  <dgm:styleLbl name="fgAccFollowNode1">
+    <dgm:fillClrLst>
+      <a:schemeClr val="accent2">
+        <a:tint val="40000"/>
+        <a:alpha val="90000"/>
+      </a:schemeClr>
+      <a:schemeClr val="accent3">
+        <a:tint val="40000"/>
+        <a:alpha val="90000"/>
+      </a:schemeClr>
+    </dgm:fillClrLst>
+    <dgm:linClrLst>
+      <a:schemeClr val="accent2">
+        <a:tint val="40000"/>
+        <a:alpha val="90000"/>
+      </a:schemeClr>
+      <a:schemeClr val="accent3">
+        <a:tint val="40000"/>
+        <a:alpha val="90000"/>
+      </a:schemeClr>
+    </dgm:linClrLst>
+    <dgm:effectClrLst/>
+    <dgm:txLinClrLst/>
+    <dgm:txFillClrLst meth="repeat">
+      <a:schemeClr val="dk1"/>
+    </dgm:txFillClrLst>
+    <dgm:txEffectClrLst/>
+  </dgm:styleLbl>
+  <dgm:styleLbl name="alignAccFollowNode1">
+    <dgm:fillClrLst>
+      <a:schemeClr val="accent2">
+        <a:tint val="40000"/>
+        <a:alpha val="90000"/>
+      </a:schemeClr>
+      <a:schemeClr val="accent3">
+        <a:tint val="40000"/>
+        <a:alpha val="90000"/>
+      </a:schemeClr>
+    </dgm:fillClrLst>
+    <dgm:linClrLst>
+      <a:schemeClr val="accent2">
+        <a:tint val="40000"/>
+        <a:alpha val="90000"/>
+      </a:schemeClr>
+      <a:schemeClr val="accent3">
+        <a:tint val="40000"/>
+        <a:alpha val="90000"/>
+      </a:schemeClr>
+    </dgm:linClrLst>
+    <dgm:effectClrLst/>
+    <dgm:txLinClrLst/>
+    <dgm:txFillClrLst meth="repeat">
+      <a:schemeClr val="dk1"/>
+    </dgm:txFillClrLst>
+    <dgm:txEffectClrLst/>
+  </dgm:styleLbl>
+  <dgm:styleLbl name="bgAccFollowNode1">
+    <dgm:fillClrLst>
+      <a:schemeClr val="accent2">
+        <a:tint val="40000"/>
+        <a:alpha val="90000"/>
+      </a:schemeClr>
+      <a:schemeClr val="accent3">
+        <a:tint val="40000"/>
+        <a:alpha val="90000"/>
+      </a:schemeClr>
+    </dgm:fillClrLst>
+    <dgm:linClrLst>
+      <a:schemeClr val="accent2">
+        <a:tint val="40000"/>
+        <a:alpha val="90000"/>
+      </a:schemeClr>
+      <a:schemeClr val="accent3">
+        <a:tint val="40000"/>
+        <a:alpha val="90000"/>
+      </a:schemeClr>
+    </dgm:linClrLst>
+    <dgm:effectClrLst/>
+    <dgm:txLinClrLst/>
+    <dgm:txFillClrLst meth="repeat">
+      <a:schemeClr val="dk1"/>
+    </dgm:txFillClrLst>
+    <dgm:txEffectClrLst/>
+  </dgm:styleLbl>
+  <dgm:styleLbl name="fgAcc0">
+    <dgm:fillClrLst meth="repeat">
+      <a:schemeClr val="lt1">
+        <a:alpha val="90000"/>
+      </a:schemeClr>
+    </dgm:fillClrLst>
+    <dgm:linClrLst>
+      <a:schemeClr val="accent1"/>
+    </dgm:linClrLst>
+    <dgm:effectClrLst/>
+    <dgm:txLinClrLst/>
+    <dgm:txFillClrLst meth="repeat">
+      <a:schemeClr val="dk1"/>
+    </dgm:txFillClrLst>
+    <dgm:txEffectClrLst/>
+  </dgm:styleLbl>
+  <dgm:styleLbl name="fgAcc2">
+    <dgm:fillClrLst meth="repeat">
+      <a:schemeClr val="lt1">
+        <a:alpha val="90000"/>
+      </a:schemeClr>
+    </dgm:fillClrLst>
+    <dgm:linClrLst>
+      <a:schemeClr val="accent3"/>
+    </dgm:linClrLst>
+    <dgm:effectClrLst/>
+    <dgm:txLinClrLst/>
+    <dgm:txFillClrLst meth="repeat">
+      <a:schemeClr val="dk1"/>
+    </dgm:txFillClrLst>
+    <dgm:txEffectClrLst/>
+  </dgm:styleLbl>
+  <dgm:styleLbl name="fgAcc3">
+    <dgm:fillClrLst meth="repeat">
+      <a:schemeClr val="lt1">
+        <a:alpha val="90000"/>
+      </a:schemeClr>
+    </dgm:fillClrLst>
+    <dgm:linClrLst>
+      <a:schemeClr val="accent4"/>
+    </dgm:linClrLst>
+    <dgm:effectClrLst/>
+    <dgm:txLinClrLst/>
+    <dgm:txFillClrLst meth="repeat">
+      <a:schemeClr val="dk1"/>
+    </dgm:txFillClrLst>
+    <dgm:txEffectClrLst/>
+  </dgm:styleLbl>
+  <dgm:styleLbl name="fgAcc4">
+    <dgm:fillClrLst meth="repeat">
+      <a:schemeClr val="lt1">
+        <a:alpha val="90000"/>
+      </a:schemeClr>
+    </dgm:fillClrLst>
+    <dgm:linClrLst>
+      <a:schemeClr val="accent5"/>
+    </dgm:linClrLst>
+    <dgm:effectClrLst/>
+    <dgm:txLinClrLst/>
+    <dgm:txFillClrLst meth="repeat">
+      <a:schemeClr val="dk1"/>
+    </dgm:txFillClrLst>
+    <dgm:txEffectClrLst/>
+  </dgm:styleLbl>
+  <dgm:styleLbl name="bgShp">
+    <dgm:fillClrLst meth="repeat">
+      <a:schemeClr val="accent2">
+        <a:tint val="40000"/>
+      </a:schemeClr>
+    </dgm:fillClrLst>
+    <dgm:linClrLst meth="repeat">
+      <a:schemeClr val="dk1"/>
+    </dgm:linClrLst>
+    <dgm:effectClrLst/>
+    <dgm:txLinClrLst/>
+    <dgm:txFillClrLst meth="repeat">
+      <a:schemeClr val="dk1"/>
+    </dgm:txFillClrLst>
+    <dgm:txEffectClrLst/>
+  </dgm:styleLbl>
+  <dgm:styleLbl name="dkBgShp">
+    <dgm:fillClrLst meth="repeat">
+      <a:schemeClr val="accent2">
+        <a:shade val="90000"/>
+      </a:schemeClr>
+    </dgm:fillClrLst>
+    <dgm:linClrLst meth="repeat">
+      <a:schemeClr val="dk1"/>
+    </dgm:linClrLst>
+    <dgm:effectClrLst/>
+    <dgm:txLinClrLst/>
+    <dgm:txFillClrLst meth="repeat">
+      <a:schemeClr val="lt1"/>
+    </dgm:txFillClrLst>
+    <dgm:txEffectClrLst/>
+  </dgm:styleLbl>
+  <dgm:styleLbl name="trBgShp">
+    <dgm:fillClrLst meth="repeat">
+      <a:schemeClr val="accent2">
+        <a:tint val="50000"/>
+        <a:alpha val="40000"/>
+      </a:schemeClr>
+    </dgm:fillClrLst>
+    <dgm:linClrLst meth="repeat">
+      <a:schemeClr val="accent2"/>
+    </dgm:linClrLst>
+    <dgm:effectClrLst/>
+    <dgm:txLinClrLst/>
+    <dgm:txFillClrLst meth="repeat">
+      <a:schemeClr val="lt1"/>
+    </dgm:txFillClrLst>
+    <dgm:txEffectClrLst/>
+  </dgm:styleLbl>
+  <dgm:styleLbl name="fgShp">
+    <dgm:fillClrLst meth="repeat">
+      <a:schemeClr val="accent2">
+        <a:tint val="40000"/>
+      </a:schemeClr>
+    </dgm:fillClrLst>
+    <dgm:linClrLst meth="repeat">
+      <a:schemeClr val="lt1"/>
+    </dgm:linClrLst>
+    <dgm:effectClrLst/>
+    <dgm:txLinClrLst/>
+    <dgm:txFillClrLst meth="repeat">
+      <a:schemeClr val="dk1"/>
+    </dgm:txFillClrLst>
+    <dgm:txEffectClrLst/>
+  </dgm:styleLbl>
+  <dgm:styleLbl name="revTx">
+    <dgm:fillClrLst meth="repeat">
+      <a:schemeClr val="lt1">
+        <a:alpha val="0"/>
+      </a:schemeClr>
+    </dgm:fillClrLst>
+    <dgm:linClrLst meth="repeat">
+      <a:schemeClr val="dk1">
+        <a:alpha val="0"/>
+      </a:schemeClr>
+    </dgm:linClrLst>
+    <dgm:effectClrLst/>
+    <dgm:txLinClrLst/>
+    <dgm:txFillClrLst meth="repeat">
+      <a:schemeClr val="tx1"/>
+    </dgm:txFillClrLst>
+    <dgm:txEffectClrLst/>
+  </dgm:styleLbl>
+</dgm:colorsDef>
+</file>
+
+<file path=ppt/diagrams/data1.xml><?xml version="1.0" encoding="utf-8"?>
+<dgm:dataModel xmlns:dgm="http://schemas.openxmlformats.org/drawingml/2006/diagram" xmlns:a="http://schemas.openxmlformats.org/drawingml/2006/main">
+  <dgm:ptLst>
+    <dgm:pt modelId="{D4967691-617F-49F9-BC91-98AB64930923}" type="doc">
+      <dgm:prSet loTypeId="urn:microsoft.com/office/officeart/2005/8/layout/hList2" loCatId="picture" qsTypeId="urn:microsoft.com/office/officeart/2005/8/quickstyle/simple3" qsCatId="simple" csTypeId="urn:microsoft.com/office/officeart/2005/8/colors/colorful2" csCatId="colorful" phldr="1"/>
+      <dgm:spPr/>
+    </dgm:pt>
+    <dgm:pt modelId="{94063F4B-4AD7-4C80-A3A3-6CF6C5E026AE}">
+      <dgm:prSet phldrT="[文本]"/>
+      <dgm:spPr/>
+      <dgm:t>
+        <a:bodyPr/>
+        <a:lstStyle/>
+        <a:p>
+          <a:r>
+            <a:rPr lang="en-US" altLang="zh-CN" dirty="0" smtClean="0"/>
+            <a:t>  </a:t>
+          </a:r>
+          <a:endParaRPr lang="zh-CN" altLang="en-US" dirty="0"/>
+        </a:p>
+      </dgm:t>
+    </dgm:pt>
+    <dgm:pt modelId="{937D76D5-07A4-4C38-A9D8-BA7C7EC23638}" type="parTrans" cxnId="{D628F4B4-B533-488C-A0E9-2F9A3F28C5D9}">
+      <dgm:prSet/>
+      <dgm:spPr/>
+      <dgm:t>
+        <a:bodyPr/>
+        <a:lstStyle/>
+        <a:p>
+          <a:endParaRPr lang="zh-CN" altLang="en-US"/>
+        </a:p>
+      </dgm:t>
+    </dgm:pt>
+    <dgm:pt modelId="{27A97F31-B6BD-4714-B6DC-4333AD9D39FA}" type="sibTrans" cxnId="{D628F4B4-B533-488C-A0E9-2F9A3F28C5D9}">
+      <dgm:prSet/>
+      <dgm:spPr/>
+      <dgm:t>
+        <a:bodyPr/>
+        <a:lstStyle/>
+        <a:p>
+          <a:endParaRPr lang="zh-CN" altLang="en-US"/>
+        </a:p>
+      </dgm:t>
+    </dgm:pt>
+    <dgm:pt modelId="{D575CA47-6AE3-4CB9-9BF3-098F3B642FF9}">
+      <dgm:prSet phldrT="[文本]"/>
+      <dgm:spPr/>
+      <dgm:t>
+        <a:bodyPr/>
+        <a:lstStyle/>
+        <a:p>
+          <a:endParaRPr lang="en-US" altLang="zh-CN" dirty="0" smtClean="0"/>
+        </a:p>
+      </dgm:t>
+    </dgm:pt>
+    <dgm:pt modelId="{8A17FD34-C9D0-4863-887D-09CBBA5D8068}" type="parTrans" cxnId="{B35435EA-2906-4389-BE07-78DD8F33103D}">
+      <dgm:prSet/>
+      <dgm:spPr/>
+      <dgm:t>
+        <a:bodyPr/>
+        <a:lstStyle/>
+        <a:p>
+          <a:endParaRPr lang="zh-CN" altLang="en-US"/>
+        </a:p>
+      </dgm:t>
+    </dgm:pt>
+    <dgm:pt modelId="{A408CBE4-A52E-4F7B-9810-FF20973C97DD}" type="sibTrans" cxnId="{B35435EA-2906-4389-BE07-78DD8F33103D}">
+      <dgm:prSet/>
+      <dgm:spPr/>
+      <dgm:t>
+        <a:bodyPr/>
+        <a:lstStyle/>
+        <a:p>
+          <a:endParaRPr lang="zh-CN" altLang="en-US"/>
+        </a:p>
+      </dgm:t>
+    </dgm:pt>
+    <dgm:pt modelId="{FB26AE5F-A16A-496A-A556-878969A0BAA1}">
+      <dgm:prSet phldrT="[文本]"/>
+      <dgm:spPr/>
+      <dgm:t>
+        <a:bodyPr/>
+        <a:lstStyle/>
+        <a:p>
+          <a:endParaRPr lang="en-US" altLang="zh-CN" dirty="0" smtClean="0"/>
+        </a:p>
+      </dgm:t>
+    </dgm:pt>
+    <dgm:pt modelId="{2C5FE3B1-E9B9-457F-9AE5-3C0C4AAC00CA}" type="parTrans" cxnId="{488CC51D-63D9-4153-8C74-C73C9396EB58}">
+      <dgm:prSet/>
+      <dgm:spPr/>
+      <dgm:t>
+        <a:bodyPr/>
+        <a:lstStyle/>
+        <a:p>
+          <a:endParaRPr lang="zh-CN" altLang="en-US"/>
+        </a:p>
+      </dgm:t>
+    </dgm:pt>
+    <dgm:pt modelId="{A49047A2-B369-47CC-B6C4-FFF901401E58}" type="sibTrans" cxnId="{488CC51D-63D9-4153-8C74-C73C9396EB58}">
+      <dgm:prSet/>
+      <dgm:spPr/>
+      <dgm:t>
+        <a:bodyPr/>
+        <a:lstStyle/>
+        <a:p>
+          <a:endParaRPr lang="zh-CN" altLang="en-US"/>
+        </a:p>
+      </dgm:t>
+    </dgm:pt>
+    <dgm:pt modelId="{91DD476E-E947-48BD-B1D4-7B8635955786}">
+      <dgm:prSet phldrT="[文本]"/>
+      <dgm:spPr/>
+      <dgm:t>
+        <a:bodyPr/>
+        <a:lstStyle/>
+        <a:p>
+          <a:endParaRPr lang="zh-CN" altLang="en-US" dirty="0"/>
+        </a:p>
+      </dgm:t>
+    </dgm:pt>
+    <dgm:pt modelId="{310567B5-0A8A-4E26-A788-6789F33D2803}" type="parTrans" cxnId="{8A975B82-6ED1-4915-8BD2-AE0C9BA566FC}">
+      <dgm:prSet/>
+      <dgm:spPr/>
+      <dgm:t>
+        <a:bodyPr/>
+        <a:lstStyle/>
+        <a:p>
+          <a:endParaRPr lang="zh-CN" altLang="en-US"/>
+        </a:p>
+      </dgm:t>
+    </dgm:pt>
+    <dgm:pt modelId="{EBD7BB67-4287-4E1A-B9A4-9973E2699C6C}" type="sibTrans" cxnId="{8A975B82-6ED1-4915-8BD2-AE0C9BA566FC}">
+      <dgm:prSet/>
+      <dgm:spPr/>
+      <dgm:t>
+        <a:bodyPr/>
+        <a:lstStyle/>
+        <a:p>
+          <a:endParaRPr lang="zh-CN" altLang="en-US"/>
+        </a:p>
+      </dgm:t>
+    </dgm:pt>
+    <dgm:pt modelId="{B7C0D867-6214-4606-82C2-13F9FF100AD1}">
+      <dgm:prSet phldrT="[文本]"/>
+      <dgm:spPr/>
+      <dgm:t>
+        <a:bodyPr/>
+        <a:lstStyle/>
+        <a:p>
+          <a:endParaRPr lang="zh-CN" altLang="en-US" dirty="0"/>
+        </a:p>
+      </dgm:t>
+    </dgm:pt>
+    <dgm:pt modelId="{543B76FA-2CFF-4B4D-B66F-52E5D56A3DF3}" type="parTrans" cxnId="{34D5C459-9101-4566-81AE-F57643588F5E}">
+      <dgm:prSet/>
+      <dgm:spPr/>
+      <dgm:t>
+        <a:bodyPr/>
+        <a:lstStyle/>
+        <a:p>
+          <a:endParaRPr lang="zh-CN" altLang="en-US"/>
+        </a:p>
+      </dgm:t>
+    </dgm:pt>
+    <dgm:pt modelId="{3974C600-4F6A-42B8-A893-3F61A22A2D68}" type="sibTrans" cxnId="{34D5C459-9101-4566-81AE-F57643588F5E}">
+      <dgm:prSet/>
+      <dgm:spPr/>
+      <dgm:t>
+        <a:bodyPr/>
+        <a:lstStyle/>
+        <a:p>
+          <a:endParaRPr lang="zh-CN" altLang="en-US"/>
+        </a:p>
+      </dgm:t>
+    </dgm:pt>
+    <dgm:pt modelId="{B1B68F5F-6117-4B59-A9FD-F4BC3D90C2F4}">
+      <dgm:prSet phldrT="[文本]"/>
+      <dgm:spPr/>
+      <dgm:t>
+        <a:bodyPr/>
+        <a:lstStyle/>
+        <a:p>
+          <a:endParaRPr lang="zh-CN" altLang="en-US" dirty="0"/>
+        </a:p>
+      </dgm:t>
+    </dgm:pt>
+    <dgm:pt modelId="{4507EDD6-D8A8-464B-B944-B34F38CADCCF}" type="parTrans" cxnId="{0170EB7E-E2EB-4285-8A3B-F25088544F73}">
+      <dgm:prSet/>
+      <dgm:spPr/>
+      <dgm:t>
+        <a:bodyPr/>
+        <a:lstStyle/>
+        <a:p>
+          <a:endParaRPr lang="zh-CN" altLang="en-US"/>
+        </a:p>
+      </dgm:t>
+    </dgm:pt>
+    <dgm:pt modelId="{AC369D21-F356-49DB-B69E-57691AFCA3DD}" type="sibTrans" cxnId="{0170EB7E-E2EB-4285-8A3B-F25088544F73}">
+      <dgm:prSet/>
+      <dgm:spPr/>
+      <dgm:t>
+        <a:bodyPr/>
+        <a:lstStyle/>
+        <a:p>
+          <a:endParaRPr lang="zh-CN" altLang="en-US"/>
+        </a:p>
+      </dgm:t>
+    </dgm:pt>
+    <dgm:pt modelId="{CC9A9EF3-79E8-4123-A408-846143D71798}" type="pres">
+      <dgm:prSet presAssocID="{D4967691-617F-49F9-BC91-98AB64930923}" presName="linearFlow" presStyleCnt="0">
+        <dgm:presLayoutVars>
+          <dgm:dir/>
+          <dgm:animLvl val="lvl"/>
+          <dgm:resizeHandles/>
+        </dgm:presLayoutVars>
+      </dgm:prSet>
+      <dgm:spPr/>
+    </dgm:pt>
+    <dgm:pt modelId="{A98F04B4-A82E-4E7D-AE0A-F93DE5D10F56}" type="pres">
+      <dgm:prSet presAssocID="{94063F4B-4AD7-4C80-A3A3-6CF6C5E026AE}" presName="compositeNode" presStyleCnt="0">
+        <dgm:presLayoutVars>
+          <dgm:bulletEnabled val="1"/>
+        </dgm:presLayoutVars>
+      </dgm:prSet>
+      <dgm:spPr/>
+    </dgm:pt>
+    <dgm:pt modelId="{AEC65287-E34F-483D-B3D6-CFB6BCF3A6DA}" type="pres">
+      <dgm:prSet presAssocID="{94063F4B-4AD7-4C80-A3A3-6CF6C5E026AE}" presName="image" presStyleLbl="fgImgPlace1" presStyleIdx="0" presStyleCnt="6"/>
+      <dgm:spPr/>
+    </dgm:pt>
+    <dgm:pt modelId="{5B796549-3216-48AD-8BE6-C8727A8276E4}" type="pres">
+      <dgm:prSet presAssocID="{94063F4B-4AD7-4C80-A3A3-6CF6C5E026AE}" presName="childNode" presStyleLbl="node1" presStyleIdx="0" presStyleCnt="6">
+        <dgm:presLayoutVars>
+          <dgm:bulletEnabled val="1"/>
+        </dgm:presLayoutVars>
+      </dgm:prSet>
+      <dgm:spPr/>
+    </dgm:pt>
+    <dgm:pt modelId="{4DD44979-60F9-4743-A6D4-4433CAB78AF4}" type="pres">
+      <dgm:prSet presAssocID="{94063F4B-4AD7-4C80-A3A3-6CF6C5E026AE}" presName="parentNode" presStyleLbl="revTx" presStyleIdx="0" presStyleCnt="6">
+        <dgm:presLayoutVars>
+          <dgm:chMax val="0"/>
+          <dgm:bulletEnabled val="1"/>
+        </dgm:presLayoutVars>
+      </dgm:prSet>
+      <dgm:spPr/>
+    </dgm:pt>
+    <dgm:pt modelId="{E0ACDC5D-2545-417A-A58A-793C6D224997}" type="pres">
+      <dgm:prSet presAssocID="{27A97F31-B6BD-4714-B6DC-4333AD9D39FA}" presName="sibTrans" presStyleCnt="0"/>
+      <dgm:spPr/>
+    </dgm:pt>
+    <dgm:pt modelId="{59E7AA94-42A5-458D-83AD-61A59B4D441E}" type="pres">
+      <dgm:prSet presAssocID="{B1B68F5F-6117-4B59-A9FD-F4BC3D90C2F4}" presName="compositeNode" presStyleCnt="0">
+        <dgm:presLayoutVars>
+          <dgm:bulletEnabled val="1"/>
+        </dgm:presLayoutVars>
+      </dgm:prSet>
+      <dgm:spPr/>
+    </dgm:pt>
+    <dgm:pt modelId="{EFD502D9-C39D-4166-ADD5-1A1DD34F9016}" type="pres">
+      <dgm:prSet presAssocID="{B1B68F5F-6117-4B59-A9FD-F4BC3D90C2F4}" presName="image" presStyleLbl="fgImgPlace1" presStyleIdx="1" presStyleCnt="6"/>
+      <dgm:spPr/>
+    </dgm:pt>
+    <dgm:pt modelId="{8CFB1E16-5830-47FC-9D64-A16C11EA6C92}" type="pres">
+      <dgm:prSet presAssocID="{B1B68F5F-6117-4B59-A9FD-F4BC3D90C2F4}" presName="childNode" presStyleLbl="node1" presStyleIdx="1" presStyleCnt="6">
+        <dgm:presLayoutVars>
+          <dgm:bulletEnabled val="1"/>
+        </dgm:presLayoutVars>
+      </dgm:prSet>
+      <dgm:spPr/>
+    </dgm:pt>
+    <dgm:pt modelId="{0D3BD964-AF3E-4BF9-95F5-A8D50855F96F}" type="pres">
+      <dgm:prSet presAssocID="{B1B68F5F-6117-4B59-A9FD-F4BC3D90C2F4}" presName="parentNode" presStyleLbl="revTx" presStyleIdx="1" presStyleCnt="6">
+        <dgm:presLayoutVars>
+          <dgm:chMax val="0"/>
+          <dgm:bulletEnabled val="1"/>
+        </dgm:presLayoutVars>
+      </dgm:prSet>
+      <dgm:spPr/>
+    </dgm:pt>
+    <dgm:pt modelId="{98D20186-D451-441C-B2C7-FE939A1CC71D}" type="pres">
+      <dgm:prSet presAssocID="{AC369D21-F356-49DB-B69E-57691AFCA3DD}" presName="sibTrans" presStyleCnt="0"/>
+      <dgm:spPr/>
+    </dgm:pt>
+    <dgm:pt modelId="{DCD58E31-0C96-4DD6-8159-602454265F83}" type="pres">
+      <dgm:prSet presAssocID="{B7C0D867-6214-4606-82C2-13F9FF100AD1}" presName="compositeNode" presStyleCnt="0">
+        <dgm:presLayoutVars>
+          <dgm:bulletEnabled val="1"/>
+        </dgm:presLayoutVars>
+      </dgm:prSet>
+      <dgm:spPr/>
+    </dgm:pt>
+    <dgm:pt modelId="{9A8E9F6C-B053-4296-804B-2D4F1300BD75}" type="pres">
+      <dgm:prSet presAssocID="{B7C0D867-6214-4606-82C2-13F9FF100AD1}" presName="image" presStyleLbl="fgImgPlace1" presStyleIdx="2" presStyleCnt="6"/>
+      <dgm:spPr/>
+    </dgm:pt>
+    <dgm:pt modelId="{93E1B6B9-6599-428E-8F18-66DBE82D2457}" type="pres">
+      <dgm:prSet presAssocID="{B7C0D867-6214-4606-82C2-13F9FF100AD1}" presName="childNode" presStyleLbl="node1" presStyleIdx="2" presStyleCnt="6">
+        <dgm:presLayoutVars>
+          <dgm:bulletEnabled val="1"/>
+        </dgm:presLayoutVars>
+      </dgm:prSet>
+      <dgm:spPr/>
+    </dgm:pt>
+    <dgm:pt modelId="{ECB2A7A1-6A64-44BB-BF7A-2B1D2A6F3F79}" type="pres">
+      <dgm:prSet presAssocID="{B7C0D867-6214-4606-82C2-13F9FF100AD1}" presName="parentNode" presStyleLbl="revTx" presStyleIdx="2" presStyleCnt="6">
+        <dgm:presLayoutVars>
+          <dgm:chMax val="0"/>
+          <dgm:bulletEnabled val="1"/>
+        </dgm:presLayoutVars>
+      </dgm:prSet>
+      <dgm:spPr/>
+    </dgm:pt>
+    <dgm:pt modelId="{24C1638D-AE48-4081-A08F-B5B5964AFC99}" type="pres">
+      <dgm:prSet presAssocID="{3974C600-4F6A-42B8-A893-3F61A22A2D68}" presName="sibTrans" presStyleCnt="0"/>
+      <dgm:spPr/>
+    </dgm:pt>
+    <dgm:pt modelId="{FF121884-5A40-46C6-B519-A510D178BE17}" type="pres">
+      <dgm:prSet presAssocID="{91DD476E-E947-48BD-B1D4-7B8635955786}" presName="compositeNode" presStyleCnt="0">
+        <dgm:presLayoutVars>
+          <dgm:bulletEnabled val="1"/>
+        </dgm:presLayoutVars>
+      </dgm:prSet>
+      <dgm:spPr/>
+    </dgm:pt>
+    <dgm:pt modelId="{1F52D5FC-4CBE-411E-9CBB-9A6288B76CEE}" type="pres">
+      <dgm:prSet presAssocID="{91DD476E-E947-48BD-B1D4-7B8635955786}" presName="image" presStyleLbl="fgImgPlace1" presStyleIdx="3" presStyleCnt="6"/>
+      <dgm:spPr/>
+    </dgm:pt>
+    <dgm:pt modelId="{7467F23D-0037-4406-A097-315733796F75}" type="pres">
+      <dgm:prSet presAssocID="{91DD476E-E947-48BD-B1D4-7B8635955786}" presName="childNode" presStyleLbl="node1" presStyleIdx="3" presStyleCnt="6">
+        <dgm:presLayoutVars>
+          <dgm:bulletEnabled val="1"/>
+        </dgm:presLayoutVars>
+      </dgm:prSet>
+      <dgm:spPr/>
+    </dgm:pt>
+    <dgm:pt modelId="{715C9A4C-F395-44AF-82FB-B3A09FE2B01D}" type="pres">
+      <dgm:prSet presAssocID="{91DD476E-E947-48BD-B1D4-7B8635955786}" presName="parentNode" presStyleLbl="revTx" presStyleIdx="3" presStyleCnt="6">
+        <dgm:presLayoutVars>
+          <dgm:chMax val="0"/>
+          <dgm:bulletEnabled val="1"/>
+        </dgm:presLayoutVars>
+      </dgm:prSet>
+      <dgm:spPr/>
+    </dgm:pt>
+    <dgm:pt modelId="{FD7BCFC5-A3C1-48B1-A45F-A620516BB941}" type="pres">
+      <dgm:prSet presAssocID="{EBD7BB67-4287-4E1A-B9A4-9973E2699C6C}" presName="sibTrans" presStyleCnt="0"/>
+      <dgm:spPr/>
+    </dgm:pt>
+    <dgm:pt modelId="{E7C41FAB-0C3C-47E5-8D75-49DB9DA45C56}" type="pres">
+      <dgm:prSet presAssocID="{D575CA47-6AE3-4CB9-9BF3-098F3B642FF9}" presName="compositeNode" presStyleCnt="0">
+        <dgm:presLayoutVars>
+          <dgm:bulletEnabled val="1"/>
+        </dgm:presLayoutVars>
+      </dgm:prSet>
+      <dgm:spPr/>
+    </dgm:pt>
+    <dgm:pt modelId="{7D107999-9672-44B9-9085-440A656C3BC9}" type="pres">
+      <dgm:prSet presAssocID="{D575CA47-6AE3-4CB9-9BF3-098F3B642FF9}" presName="image" presStyleLbl="fgImgPlace1" presStyleIdx="4" presStyleCnt="6"/>
+      <dgm:spPr/>
+    </dgm:pt>
+    <dgm:pt modelId="{C3895F04-1B34-4D80-B24A-EF7F90ADBC3E}" type="pres">
+      <dgm:prSet presAssocID="{D575CA47-6AE3-4CB9-9BF3-098F3B642FF9}" presName="childNode" presStyleLbl="node1" presStyleIdx="4" presStyleCnt="6">
+        <dgm:presLayoutVars>
+          <dgm:bulletEnabled val="1"/>
+        </dgm:presLayoutVars>
+      </dgm:prSet>
+      <dgm:spPr/>
+    </dgm:pt>
+    <dgm:pt modelId="{8BCF9127-09A3-43FF-A531-87938233BF2A}" type="pres">
+      <dgm:prSet presAssocID="{D575CA47-6AE3-4CB9-9BF3-098F3B642FF9}" presName="parentNode" presStyleLbl="revTx" presStyleIdx="4" presStyleCnt="6">
+        <dgm:presLayoutVars>
+          <dgm:chMax val="0"/>
+          <dgm:bulletEnabled val="1"/>
+        </dgm:presLayoutVars>
+      </dgm:prSet>
+      <dgm:spPr/>
+    </dgm:pt>
+    <dgm:pt modelId="{F71040F9-B896-4518-A7BB-6E942D35958C}" type="pres">
+      <dgm:prSet presAssocID="{A408CBE4-A52E-4F7B-9810-FF20973C97DD}" presName="sibTrans" presStyleCnt="0"/>
+      <dgm:spPr/>
+    </dgm:pt>
+    <dgm:pt modelId="{68A6B840-8250-44C4-8CD8-B691AC6C40B9}" type="pres">
+      <dgm:prSet presAssocID="{FB26AE5F-A16A-496A-A556-878969A0BAA1}" presName="compositeNode" presStyleCnt="0">
+        <dgm:presLayoutVars>
+          <dgm:bulletEnabled val="1"/>
+        </dgm:presLayoutVars>
+      </dgm:prSet>
+      <dgm:spPr/>
+    </dgm:pt>
+    <dgm:pt modelId="{40EDFF74-0522-428B-90D0-E700B18CFA20}" type="pres">
+      <dgm:prSet presAssocID="{FB26AE5F-A16A-496A-A556-878969A0BAA1}" presName="image" presStyleLbl="fgImgPlace1" presStyleIdx="5" presStyleCnt="6"/>
+      <dgm:spPr/>
+    </dgm:pt>
+    <dgm:pt modelId="{2D9D74D4-CC2F-4286-9FA6-934BD9661A75}" type="pres">
+      <dgm:prSet presAssocID="{FB26AE5F-A16A-496A-A556-878969A0BAA1}" presName="childNode" presStyleLbl="node1" presStyleIdx="5" presStyleCnt="6">
+        <dgm:presLayoutVars>
+          <dgm:bulletEnabled val="1"/>
+        </dgm:presLayoutVars>
+      </dgm:prSet>
+      <dgm:spPr/>
+    </dgm:pt>
+    <dgm:pt modelId="{ABAF8552-8C8A-4DDE-A752-3317ABF6BA30}" type="pres">
+      <dgm:prSet presAssocID="{FB26AE5F-A16A-496A-A556-878969A0BAA1}" presName="parentNode" presStyleLbl="revTx" presStyleIdx="5" presStyleCnt="6">
+        <dgm:presLayoutVars>
+          <dgm:chMax val="0"/>
+          <dgm:bulletEnabled val="1"/>
+        </dgm:presLayoutVars>
+      </dgm:prSet>
+      <dgm:spPr/>
+    </dgm:pt>
+  </dgm:ptLst>
+  <dgm:cxnLst>
+    <dgm:cxn modelId="{C743E68D-A5D0-42BD-8048-62D3F2AB94B4}" type="presOf" srcId="{D575CA47-6AE3-4CB9-9BF3-098F3B642FF9}" destId="{8BCF9127-09A3-43FF-A531-87938233BF2A}" srcOrd="0" destOrd="0" presId="urn:microsoft.com/office/officeart/2005/8/layout/hList2"/>
+    <dgm:cxn modelId="{9EAD4FC3-6B75-4B31-A4A0-EE53B8685C88}" type="presOf" srcId="{D4967691-617F-49F9-BC91-98AB64930923}" destId="{CC9A9EF3-79E8-4123-A408-846143D71798}" srcOrd="0" destOrd="0" presId="urn:microsoft.com/office/officeart/2005/8/layout/hList2"/>
+    <dgm:cxn modelId="{8A975B82-6ED1-4915-8BD2-AE0C9BA566FC}" srcId="{D4967691-617F-49F9-BC91-98AB64930923}" destId="{91DD476E-E947-48BD-B1D4-7B8635955786}" srcOrd="3" destOrd="0" parTransId="{310567B5-0A8A-4E26-A788-6789F33D2803}" sibTransId="{EBD7BB67-4287-4E1A-B9A4-9973E2699C6C}"/>
+    <dgm:cxn modelId="{05A3B49E-AF02-4002-8029-8E7FFE9BC4E5}" type="presOf" srcId="{B1B68F5F-6117-4B59-A9FD-F4BC3D90C2F4}" destId="{0D3BD964-AF3E-4BF9-95F5-A8D50855F96F}" srcOrd="0" destOrd="0" presId="urn:microsoft.com/office/officeart/2005/8/layout/hList2"/>
+    <dgm:cxn modelId="{34D5C459-9101-4566-81AE-F57643588F5E}" srcId="{D4967691-617F-49F9-BC91-98AB64930923}" destId="{B7C0D867-6214-4606-82C2-13F9FF100AD1}" srcOrd="2" destOrd="0" parTransId="{543B76FA-2CFF-4B4D-B66F-52E5D56A3DF3}" sibTransId="{3974C600-4F6A-42B8-A893-3F61A22A2D68}"/>
+    <dgm:cxn modelId="{9656DC56-DCC5-470B-AF11-A06D02EFA371}" type="presOf" srcId="{91DD476E-E947-48BD-B1D4-7B8635955786}" destId="{715C9A4C-F395-44AF-82FB-B3A09FE2B01D}" srcOrd="0" destOrd="0" presId="urn:microsoft.com/office/officeart/2005/8/layout/hList2"/>
+    <dgm:cxn modelId="{042CD002-6C74-4460-92F4-ED8809AC9C71}" type="presOf" srcId="{FB26AE5F-A16A-496A-A556-878969A0BAA1}" destId="{ABAF8552-8C8A-4DDE-A752-3317ABF6BA30}" srcOrd="0" destOrd="0" presId="urn:microsoft.com/office/officeart/2005/8/layout/hList2"/>
+    <dgm:cxn modelId="{2E8494F2-9456-4F01-B93B-C8D5CBE8B102}" type="presOf" srcId="{B7C0D867-6214-4606-82C2-13F9FF100AD1}" destId="{ECB2A7A1-6A64-44BB-BF7A-2B1D2A6F3F79}" srcOrd="0" destOrd="0" presId="urn:microsoft.com/office/officeart/2005/8/layout/hList2"/>
+    <dgm:cxn modelId="{488CC51D-63D9-4153-8C74-C73C9396EB58}" srcId="{D4967691-617F-49F9-BC91-98AB64930923}" destId="{FB26AE5F-A16A-496A-A556-878969A0BAA1}" srcOrd="5" destOrd="0" parTransId="{2C5FE3B1-E9B9-457F-9AE5-3C0C4AAC00CA}" sibTransId="{A49047A2-B369-47CC-B6C4-FFF901401E58}"/>
+    <dgm:cxn modelId="{0170EB7E-E2EB-4285-8A3B-F25088544F73}" srcId="{D4967691-617F-49F9-BC91-98AB64930923}" destId="{B1B68F5F-6117-4B59-A9FD-F4BC3D90C2F4}" srcOrd="1" destOrd="0" parTransId="{4507EDD6-D8A8-464B-B944-B34F38CADCCF}" sibTransId="{AC369D21-F356-49DB-B69E-57691AFCA3DD}"/>
+    <dgm:cxn modelId="{1FC3BBFE-1812-4D65-B1DB-1032F5C5CAC8}" type="presOf" srcId="{94063F4B-4AD7-4C80-A3A3-6CF6C5E026AE}" destId="{4DD44979-60F9-4743-A6D4-4433CAB78AF4}" srcOrd="0" destOrd="0" presId="urn:microsoft.com/office/officeart/2005/8/layout/hList2"/>
+    <dgm:cxn modelId="{D628F4B4-B533-488C-A0E9-2F9A3F28C5D9}" srcId="{D4967691-617F-49F9-BC91-98AB64930923}" destId="{94063F4B-4AD7-4C80-A3A3-6CF6C5E026AE}" srcOrd="0" destOrd="0" parTransId="{937D76D5-07A4-4C38-A9D8-BA7C7EC23638}" sibTransId="{27A97F31-B6BD-4714-B6DC-4333AD9D39FA}"/>
+    <dgm:cxn modelId="{B35435EA-2906-4389-BE07-78DD8F33103D}" srcId="{D4967691-617F-49F9-BC91-98AB64930923}" destId="{D575CA47-6AE3-4CB9-9BF3-098F3B642FF9}" srcOrd="4" destOrd="0" parTransId="{8A17FD34-C9D0-4863-887D-09CBBA5D8068}" sibTransId="{A408CBE4-A52E-4F7B-9810-FF20973C97DD}"/>
+    <dgm:cxn modelId="{71F2709A-F972-455B-B380-CC619D24492C}" type="presParOf" srcId="{CC9A9EF3-79E8-4123-A408-846143D71798}" destId="{A98F04B4-A82E-4E7D-AE0A-F93DE5D10F56}" srcOrd="0" destOrd="0" presId="urn:microsoft.com/office/officeart/2005/8/layout/hList2"/>
+    <dgm:cxn modelId="{4C517F14-E1E4-4C3B-A54F-9DB48B0DD7DD}" type="presParOf" srcId="{A98F04B4-A82E-4E7D-AE0A-F93DE5D10F56}" destId="{AEC65287-E34F-483D-B3D6-CFB6BCF3A6DA}" srcOrd="0" destOrd="0" presId="urn:microsoft.com/office/officeart/2005/8/layout/hList2"/>
+    <dgm:cxn modelId="{F9661449-DF98-40FD-8B76-5730A020EB18}" type="presParOf" srcId="{A98F04B4-A82E-4E7D-AE0A-F93DE5D10F56}" destId="{5B796549-3216-48AD-8BE6-C8727A8276E4}" srcOrd="1" destOrd="0" presId="urn:microsoft.com/office/officeart/2005/8/layout/hList2"/>
+    <dgm:cxn modelId="{E5A43AE1-FD5A-4200-9A8E-105492336693}" type="presParOf" srcId="{A98F04B4-A82E-4E7D-AE0A-F93DE5D10F56}" destId="{4DD44979-60F9-4743-A6D4-4433CAB78AF4}" srcOrd="2" destOrd="0" presId="urn:microsoft.com/office/officeart/2005/8/layout/hList2"/>
+    <dgm:cxn modelId="{C73D9499-C486-4C31-803C-7B283092F90B}" type="presParOf" srcId="{CC9A9EF3-79E8-4123-A408-846143D71798}" destId="{E0ACDC5D-2545-417A-A58A-793C6D224997}" srcOrd="1" destOrd="0" presId="urn:microsoft.com/office/officeart/2005/8/layout/hList2"/>
+    <dgm:cxn modelId="{88AC217D-A19F-4DD3-93D3-4318D2E77839}" type="presParOf" srcId="{CC9A9EF3-79E8-4123-A408-846143D71798}" destId="{59E7AA94-42A5-458D-83AD-61A59B4D441E}" srcOrd="2" destOrd="0" presId="urn:microsoft.com/office/officeart/2005/8/layout/hList2"/>
+    <dgm:cxn modelId="{5553A698-E760-4395-A9F8-EC37D78C521A}" type="presParOf" srcId="{59E7AA94-42A5-458D-83AD-61A59B4D441E}" destId="{EFD502D9-C39D-4166-ADD5-1A1DD34F9016}" srcOrd="0" destOrd="0" presId="urn:microsoft.com/office/officeart/2005/8/layout/hList2"/>
+    <dgm:cxn modelId="{B94C2AEF-EEAD-4B4E-8F74-088C2F3AE47B}" type="presParOf" srcId="{59E7AA94-42A5-458D-83AD-61A59B4D441E}" destId="{8CFB1E16-5830-47FC-9D64-A16C11EA6C92}" srcOrd="1" destOrd="0" presId="urn:microsoft.com/office/officeart/2005/8/layout/hList2"/>
+    <dgm:cxn modelId="{8FD5AB52-9E22-4ADA-8CEF-0A8B92CB0E48}" type="presParOf" srcId="{59E7AA94-42A5-458D-83AD-61A59B4D441E}" destId="{0D3BD964-AF3E-4BF9-95F5-A8D50855F96F}" srcOrd="2" destOrd="0" presId="urn:microsoft.com/office/officeart/2005/8/layout/hList2"/>
+    <dgm:cxn modelId="{3DBF449D-5373-4D47-A53A-72D054EE0431}" type="presParOf" srcId="{CC9A9EF3-79E8-4123-A408-846143D71798}" destId="{98D20186-D451-441C-B2C7-FE939A1CC71D}" srcOrd="3" destOrd="0" presId="urn:microsoft.com/office/officeart/2005/8/layout/hList2"/>
+    <dgm:cxn modelId="{065E1116-330C-48E3-B6F1-11707D1ABCCE}" type="presParOf" srcId="{CC9A9EF3-79E8-4123-A408-846143D71798}" destId="{DCD58E31-0C96-4DD6-8159-602454265F83}" srcOrd="4" destOrd="0" presId="urn:microsoft.com/office/officeart/2005/8/layout/hList2"/>
+    <dgm:cxn modelId="{D7B89CDA-7BAF-423D-B289-C1DA274D7605}" type="presParOf" srcId="{DCD58E31-0C96-4DD6-8159-602454265F83}" destId="{9A8E9F6C-B053-4296-804B-2D4F1300BD75}" srcOrd="0" destOrd="0" presId="urn:microsoft.com/office/officeart/2005/8/layout/hList2"/>
+    <dgm:cxn modelId="{EA2FC221-BCEF-4668-8EC8-16E091D5F773}" type="presParOf" srcId="{DCD58E31-0C96-4DD6-8159-602454265F83}" destId="{93E1B6B9-6599-428E-8F18-66DBE82D2457}" srcOrd="1" destOrd="0" presId="urn:microsoft.com/office/officeart/2005/8/layout/hList2"/>
+    <dgm:cxn modelId="{8955682E-3E45-487E-9146-80E46AC52A2E}" type="presParOf" srcId="{DCD58E31-0C96-4DD6-8159-602454265F83}" destId="{ECB2A7A1-6A64-44BB-BF7A-2B1D2A6F3F79}" srcOrd="2" destOrd="0" presId="urn:microsoft.com/office/officeart/2005/8/layout/hList2"/>
+    <dgm:cxn modelId="{9B422191-818B-4FD3-AF51-AB3AE98795D1}" type="presParOf" srcId="{CC9A9EF3-79E8-4123-A408-846143D71798}" destId="{24C1638D-AE48-4081-A08F-B5B5964AFC99}" srcOrd="5" destOrd="0" presId="urn:microsoft.com/office/officeart/2005/8/layout/hList2"/>
+    <dgm:cxn modelId="{0B7BDD84-B4A1-4B8E-9B69-7659312CD3C8}" type="presParOf" srcId="{CC9A9EF3-79E8-4123-A408-846143D71798}" destId="{FF121884-5A40-46C6-B519-A510D178BE17}" srcOrd="6" destOrd="0" presId="urn:microsoft.com/office/officeart/2005/8/layout/hList2"/>
+    <dgm:cxn modelId="{6D7C649E-15E5-4EF7-A279-2295C867AC2E}" type="presParOf" srcId="{FF121884-5A40-46C6-B519-A510D178BE17}" destId="{1F52D5FC-4CBE-411E-9CBB-9A6288B76CEE}" srcOrd="0" destOrd="0" presId="urn:microsoft.com/office/officeart/2005/8/layout/hList2"/>
+    <dgm:cxn modelId="{AE598113-3C52-4216-A520-2B9D9A8A60D0}" type="presParOf" srcId="{FF121884-5A40-46C6-B519-A510D178BE17}" destId="{7467F23D-0037-4406-A097-315733796F75}" srcOrd="1" destOrd="0" presId="urn:microsoft.com/office/officeart/2005/8/layout/hList2"/>
+    <dgm:cxn modelId="{38CAC103-CF91-4AAE-B31A-0200F957ED3B}" type="presParOf" srcId="{FF121884-5A40-46C6-B519-A510D178BE17}" destId="{715C9A4C-F395-44AF-82FB-B3A09FE2B01D}" srcOrd="2" destOrd="0" presId="urn:microsoft.com/office/officeart/2005/8/layout/hList2"/>
+    <dgm:cxn modelId="{52B2B934-FB90-41FE-9666-5380829EA571}" type="presParOf" srcId="{CC9A9EF3-79E8-4123-A408-846143D71798}" destId="{FD7BCFC5-A3C1-48B1-A45F-A620516BB941}" srcOrd="7" destOrd="0" presId="urn:microsoft.com/office/officeart/2005/8/layout/hList2"/>
+    <dgm:cxn modelId="{8163AB51-5656-4E96-92DF-44F6A913D570}" type="presParOf" srcId="{CC9A9EF3-79E8-4123-A408-846143D71798}" destId="{E7C41FAB-0C3C-47E5-8D75-49DB9DA45C56}" srcOrd="8" destOrd="0" presId="urn:microsoft.com/office/officeart/2005/8/layout/hList2"/>
+    <dgm:cxn modelId="{90BC2245-2C0D-48A8-9692-D771CC6814B1}" type="presParOf" srcId="{E7C41FAB-0C3C-47E5-8D75-49DB9DA45C56}" destId="{7D107999-9672-44B9-9085-440A656C3BC9}" srcOrd="0" destOrd="0" presId="urn:microsoft.com/office/officeart/2005/8/layout/hList2"/>
+    <dgm:cxn modelId="{4A94F4E9-C308-40B5-AD53-865C655A4119}" type="presParOf" srcId="{E7C41FAB-0C3C-47E5-8D75-49DB9DA45C56}" destId="{C3895F04-1B34-4D80-B24A-EF7F90ADBC3E}" srcOrd="1" destOrd="0" presId="urn:microsoft.com/office/officeart/2005/8/layout/hList2"/>
+    <dgm:cxn modelId="{910604DA-59EB-4F0A-A5CA-3F7EFEB98569}" type="presParOf" srcId="{E7C41FAB-0C3C-47E5-8D75-49DB9DA45C56}" destId="{8BCF9127-09A3-43FF-A531-87938233BF2A}" srcOrd="2" destOrd="0" presId="urn:microsoft.com/office/officeart/2005/8/layout/hList2"/>
+    <dgm:cxn modelId="{E77CB63B-E318-4935-850F-82F739D31004}" type="presParOf" srcId="{CC9A9EF3-79E8-4123-A408-846143D71798}" destId="{F71040F9-B896-4518-A7BB-6E942D35958C}" srcOrd="9" destOrd="0" presId="urn:microsoft.com/office/officeart/2005/8/layout/hList2"/>
+    <dgm:cxn modelId="{F469CEED-125C-446F-9FAE-CFB59B2842CE}" type="presParOf" srcId="{CC9A9EF3-79E8-4123-A408-846143D71798}" destId="{68A6B840-8250-44C4-8CD8-B691AC6C40B9}" srcOrd="10" destOrd="0" presId="urn:microsoft.com/office/officeart/2005/8/layout/hList2"/>
+    <dgm:cxn modelId="{A717360F-5C4D-4213-8991-9C5D58CFF085}" type="presParOf" srcId="{68A6B840-8250-44C4-8CD8-B691AC6C40B9}" destId="{40EDFF74-0522-428B-90D0-E700B18CFA20}" srcOrd="0" destOrd="0" presId="urn:microsoft.com/office/officeart/2005/8/layout/hList2"/>
+    <dgm:cxn modelId="{2907CAA8-6C7D-4F1F-934E-1B43CAAEDB73}" type="presParOf" srcId="{68A6B840-8250-44C4-8CD8-B691AC6C40B9}" destId="{2D9D74D4-CC2F-4286-9FA6-934BD9661A75}" srcOrd="1" destOrd="0" presId="urn:microsoft.com/office/officeart/2005/8/layout/hList2"/>
+    <dgm:cxn modelId="{EDC815CC-6926-4322-A364-0C0BC6E0B2A3}" type="presParOf" srcId="{68A6B840-8250-44C4-8CD8-B691AC6C40B9}" destId="{ABAF8552-8C8A-4DDE-A752-3317ABF6BA30}" srcOrd="2" destOrd="0" presId="urn:microsoft.com/office/officeart/2005/8/layout/hList2"/>
+  </dgm:cxnLst>
+  <dgm:bg/>
+  <dgm:whole/>
+  <dgm:extLst>
+    <a:ext uri="http://schemas.microsoft.com/office/drawing/2008/diagram">
+      <dsp:dataModelExt xmlns:dsp="http://schemas.microsoft.com/office/drawing/2008/diagram" relId="rId7" minVer="http://schemas.openxmlformats.org/drawingml/2006/diagram"/>
+    </a:ext>
+  </dgm:extLst>
+</dgm:dataModel>
+</file>
+
+<file path=ppt/diagrams/drawing1.xml><?xml version="1.0" encoding="utf-8"?>
+<dsp:drawing xmlns:dgm="http://schemas.openxmlformats.org/drawingml/2006/diagram" xmlns:dsp="http://schemas.microsoft.com/office/drawing/2008/diagram" xmlns:a="http://schemas.openxmlformats.org/drawingml/2006/main">
+  <dsp:spTree>
+    <dsp:nvGrpSpPr>
+      <dsp:cNvPr id="0" name=""/>
+      <dsp:cNvGrpSpPr/>
+    </dsp:nvGrpSpPr>
+    <dsp:grpSpPr/>
+    <dsp:sp modelId="{4DD44979-60F9-4743-A6D4-4433CAB78AF4}">
+      <dsp:nvSpPr>
+        <dsp:cNvPr id="0" name=""/>
+        <dsp:cNvSpPr/>
+      </dsp:nvSpPr>
+      <dsp:spPr>
+        <a:xfrm rot="16200000">
+          <a:off x="-325987" y="463270"/>
+          <a:ext cx="712640" cy="40310"/>
+        </a:xfrm>
+        <a:prstGeom prst="rect">
+          <a:avLst/>
+        </a:prstGeom>
+        <a:noFill/>
+        <a:ln>
+          <a:noFill/>
+        </a:ln>
+        <a:effectLst/>
+      </dsp:spPr>
+      <dsp:style>
+        <a:lnRef idx="0">
+          <a:scrgbClr r="0" g="0" b="0"/>
+        </a:lnRef>
+        <a:fillRef idx="0">
+          <a:scrgbClr r="0" g="0" b="0"/>
+        </a:fillRef>
+        <a:effectRef idx="0">
+          <a:scrgbClr r="0" g="0" b="0"/>
+        </a:effectRef>
+        <a:fontRef idx="minor"/>
+      </dsp:style>
+      <dsp:txBody>
+        <a:bodyPr spcFirstLastPara="0" vert="horz" wrap="square" lIns="0" tIns="0" rIns="35552" bIns="0" numCol="1" spcCol="1270" anchor="t" anchorCtr="0">
+          <a:noAutofit/>
+        </a:bodyPr>
+        <a:lstStyle/>
+        <a:p>
+          <a:pPr lvl="0" algn="r" defTabSz="222250">
+            <a:lnSpc>
+              <a:spcPct val="90000"/>
+            </a:lnSpc>
+            <a:spcBef>
+              <a:spcPct val="0"/>
+            </a:spcBef>
+            <a:spcAft>
+              <a:spcPct val="35000"/>
+            </a:spcAft>
+          </a:pPr>
+          <a:r>
+            <a:rPr lang="en-US" altLang="zh-CN" sz="500" kern="1200" dirty="0" smtClean="0"/>
+            <a:t>  </a:t>
+          </a:r>
+          <a:endParaRPr lang="zh-CN" altLang="en-US" sz="500" kern="1200" dirty="0"/>
+        </a:p>
+      </dsp:txBody>
+      <dsp:txXfrm>
+        <a:off x="-325987" y="463270"/>
+        <a:ext cx="712640" cy="40310"/>
+      </dsp:txXfrm>
+    </dsp:sp>
+    <dsp:sp modelId="{5B796549-3216-48AD-8BE6-C8727A8276E4}">
+      <dsp:nvSpPr>
+        <dsp:cNvPr id="0" name=""/>
+        <dsp:cNvSpPr/>
+      </dsp:nvSpPr>
+      <dsp:spPr>
+        <a:xfrm>
+          <a:off x="50488" y="127105"/>
+          <a:ext cx="200791" cy="712640"/>
+        </a:xfrm>
+        <a:prstGeom prst="rect">
+          <a:avLst/>
+        </a:prstGeom>
+        <a:gradFill rotWithShape="0">
+          <a:gsLst>
+            <a:gs pos="0">
+              <a:schemeClr val="accent2">
+                <a:hueOff val="0"/>
+                <a:satOff val="0"/>
+                <a:lumOff val="0"/>
+                <a:alphaOff val="0"/>
+                <a:lumMod val="110000"/>
+                <a:satMod val="105000"/>
+                <a:tint val="67000"/>
+              </a:schemeClr>
+            </a:gs>
+            <a:gs pos="50000">
+              <a:schemeClr val="accent2">
+                <a:hueOff val="0"/>
+                <a:satOff val="0"/>
+                <a:lumOff val="0"/>
+                <a:alphaOff val="0"/>
+                <a:lumMod val="105000"/>
+                <a:satMod val="103000"/>
+                <a:tint val="73000"/>
+              </a:schemeClr>
+            </a:gs>
+            <a:gs pos="100000">
+              <a:schemeClr val="accent2">
+                <a:hueOff val="0"/>
+                <a:satOff val="0"/>
+                <a:lumOff val="0"/>
+                <a:alphaOff val="0"/>
+                <a:lumMod val="105000"/>
+                <a:satMod val="109000"/>
+                <a:tint val="81000"/>
+              </a:schemeClr>
+            </a:gs>
+          </a:gsLst>
+          <a:lin ang="5400000" scaled="0"/>
+        </a:gradFill>
+        <a:ln>
+          <a:noFill/>
+        </a:ln>
+        <a:effectLst/>
+        <a:scene3d>
+          <a:camera prst="orthographicFront"/>
+          <a:lightRig rig="flat" dir="t"/>
+        </a:scene3d>
+        <a:sp3d prstMaterial="dkEdge">
+          <a:bevelT w="8200" h="38100"/>
+        </a:sp3d>
+      </dsp:spPr>
+      <dsp:style>
+        <a:lnRef idx="0">
+          <a:scrgbClr r="0" g="0" b="0"/>
+        </a:lnRef>
+        <a:fillRef idx="2">
+          <a:scrgbClr r="0" g="0" b="0"/>
+        </a:fillRef>
+        <a:effectRef idx="1">
+          <a:scrgbClr r="0" g="0" b="0"/>
+        </a:effectRef>
+        <a:fontRef idx="minor">
+          <a:schemeClr val="dk1"/>
+        </a:fontRef>
+      </dsp:style>
+    </dsp:sp>
+    <dsp:sp modelId="{AEC65287-E34F-483D-B3D6-CFB6BCF3A6DA}">
+      <dsp:nvSpPr>
+        <dsp:cNvPr id="0" name=""/>
+        <dsp:cNvSpPr/>
+      </dsp:nvSpPr>
+      <dsp:spPr>
+        <a:xfrm>
+          <a:off x="10177" y="73895"/>
+          <a:ext cx="80621" cy="80621"/>
+        </a:xfrm>
+        <a:prstGeom prst="rect">
+          <a:avLst/>
+        </a:prstGeom>
+        <a:solidFill>
+          <a:schemeClr val="accent2">
+            <a:tint val="50000"/>
+            <a:hueOff val="0"/>
+            <a:satOff val="0"/>
+            <a:lumOff val="0"/>
+            <a:alphaOff val="0"/>
+          </a:schemeClr>
+        </a:solidFill>
+        <a:ln w="6350" cap="flat" cmpd="sng" algn="ctr">
+          <a:solidFill>
+            <a:schemeClr val="lt1">
+              <a:hueOff val="0"/>
+              <a:satOff val="0"/>
+              <a:lumOff val="0"/>
+              <a:alphaOff val="0"/>
+            </a:schemeClr>
+          </a:solidFill>
+          <a:prstDash val="solid"/>
+          <a:miter lim="800000"/>
+        </a:ln>
+        <a:effectLst/>
+      </dsp:spPr>
+      <dsp:style>
+        <a:lnRef idx="1">
+          <a:scrgbClr r="0" g="0" b="0"/>
+        </a:lnRef>
+        <a:fillRef idx="1">
+          <a:scrgbClr r="0" g="0" b="0"/>
+        </a:fillRef>
+        <a:effectRef idx="1">
+          <a:scrgbClr r="0" g="0" b="0"/>
+        </a:effectRef>
+        <a:fontRef idx="minor"/>
+      </dsp:style>
+    </dsp:sp>
+    <dsp:sp modelId="{0D3BD964-AF3E-4BF9-95F5-A8D50855F96F}">
+      <dsp:nvSpPr>
+        <dsp:cNvPr id="0" name=""/>
+        <dsp:cNvSpPr/>
+      </dsp:nvSpPr>
+      <dsp:spPr>
+        <a:xfrm rot="16200000">
+          <a:off x="-32752" y="463270"/>
+          <a:ext cx="712640" cy="40310"/>
+        </a:xfrm>
+        <a:prstGeom prst="rect">
+          <a:avLst/>
+        </a:prstGeom>
+        <a:noFill/>
+        <a:ln>
+          <a:noFill/>
+        </a:ln>
+        <a:effectLst/>
+      </dsp:spPr>
+      <dsp:style>
+        <a:lnRef idx="0">
+          <a:scrgbClr r="0" g="0" b="0"/>
+        </a:lnRef>
+        <a:fillRef idx="0">
+          <a:scrgbClr r="0" g="0" b="0"/>
+        </a:fillRef>
+        <a:effectRef idx="0">
+          <a:scrgbClr r="0" g="0" b="0"/>
+        </a:effectRef>
+        <a:fontRef idx="minor"/>
+      </dsp:style>
+      <dsp:txBody>
+        <a:bodyPr spcFirstLastPara="0" vert="horz" wrap="square" lIns="0" tIns="0" rIns="35552" bIns="0" numCol="1" spcCol="1270" anchor="t" anchorCtr="0">
+          <a:noAutofit/>
+        </a:bodyPr>
+        <a:lstStyle/>
+        <a:p>
+          <a:pPr lvl="0" algn="r" defTabSz="222250">
+            <a:lnSpc>
+              <a:spcPct val="90000"/>
+            </a:lnSpc>
+            <a:spcBef>
+              <a:spcPct val="0"/>
+            </a:spcBef>
+            <a:spcAft>
+              <a:spcPct val="35000"/>
+            </a:spcAft>
+          </a:pPr>
+          <a:endParaRPr lang="zh-CN" altLang="en-US" sz="500" kern="1200" dirty="0"/>
+        </a:p>
+      </dsp:txBody>
+      <dsp:txXfrm>
+        <a:off x="-32752" y="463270"/>
+        <a:ext cx="712640" cy="40310"/>
+      </dsp:txXfrm>
+    </dsp:sp>
+    <dsp:sp modelId="{8CFB1E16-5830-47FC-9D64-A16C11EA6C92}">
+      <dsp:nvSpPr>
+        <dsp:cNvPr id="0" name=""/>
+        <dsp:cNvSpPr/>
+      </dsp:nvSpPr>
+      <dsp:spPr>
+        <a:xfrm>
+          <a:off x="343722" y="127105"/>
+          <a:ext cx="200791" cy="712640"/>
+        </a:xfrm>
+        <a:prstGeom prst="rect">
+          <a:avLst/>
+        </a:prstGeom>
+        <a:gradFill rotWithShape="0">
+          <a:gsLst>
+            <a:gs pos="0">
+              <a:schemeClr val="accent2">
+                <a:hueOff val="-291073"/>
+                <a:satOff val="-16786"/>
+                <a:lumOff val="1726"/>
+                <a:alphaOff val="0"/>
+                <a:lumMod val="110000"/>
+                <a:satMod val="105000"/>
+                <a:tint val="67000"/>
+              </a:schemeClr>
+            </a:gs>
+            <a:gs pos="50000">
+              <a:schemeClr val="accent2">
+                <a:hueOff val="-291073"/>
+                <a:satOff val="-16786"/>
+                <a:lumOff val="1726"/>
+                <a:alphaOff val="0"/>
+                <a:lumMod val="105000"/>
+                <a:satMod val="103000"/>
+                <a:tint val="73000"/>
+              </a:schemeClr>
+            </a:gs>
+            <a:gs pos="100000">
+              <a:schemeClr val="accent2">
+                <a:hueOff val="-291073"/>
+                <a:satOff val="-16786"/>
+                <a:lumOff val="1726"/>
+                <a:alphaOff val="0"/>
+                <a:lumMod val="105000"/>
+                <a:satMod val="109000"/>
+                <a:tint val="81000"/>
+              </a:schemeClr>
+            </a:gs>
+          </a:gsLst>
+          <a:lin ang="5400000" scaled="0"/>
+        </a:gradFill>
+        <a:ln>
+          <a:noFill/>
+        </a:ln>
+        <a:effectLst/>
+        <a:scene3d>
+          <a:camera prst="orthographicFront"/>
+          <a:lightRig rig="flat" dir="t"/>
+        </a:scene3d>
+        <a:sp3d prstMaterial="dkEdge">
+          <a:bevelT w="8200" h="38100"/>
+        </a:sp3d>
+      </dsp:spPr>
+      <dsp:style>
+        <a:lnRef idx="0">
+          <a:scrgbClr r="0" g="0" b="0"/>
+        </a:lnRef>
+        <a:fillRef idx="2">
+          <a:scrgbClr r="0" g="0" b="0"/>
+        </a:fillRef>
+        <a:effectRef idx="1">
+          <a:scrgbClr r="0" g="0" b="0"/>
+        </a:effectRef>
+        <a:fontRef idx="minor">
+          <a:schemeClr val="dk1"/>
+        </a:fontRef>
+      </dsp:style>
+    </dsp:sp>
+    <dsp:sp modelId="{EFD502D9-C39D-4166-ADD5-1A1DD34F9016}">
+      <dsp:nvSpPr>
+        <dsp:cNvPr id="0" name=""/>
+        <dsp:cNvSpPr/>
+      </dsp:nvSpPr>
+      <dsp:spPr>
+        <a:xfrm>
+          <a:off x="303411" y="73895"/>
+          <a:ext cx="80621" cy="80621"/>
+        </a:xfrm>
+        <a:prstGeom prst="rect">
+          <a:avLst/>
+        </a:prstGeom>
+        <a:solidFill>
+          <a:schemeClr val="accent2">
+            <a:tint val="50000"/>
+            <a:hueOff val="-176132"/>
+            <a:satOff val="-15234"/>
+            <a:lumOff val="-152"/>
+            <a:alphaOff val="0"/>
+          </a:schemeClr>
+        </a:solidFill>
+        <a:ln w="6350" cap="flat" cmpd="sng" algn="ctr">
+          <a:solidFill>
+            <a:schemeClr val="lt1">
+              <a:hueOff val="0"/>
+              <a:satOff val="0"/>
+              <a:lumOff val="0"/>
+              <a:alphaOff val="0"/>
+            </a:schemeClr>
+          </a:solidFill>
+          <a:prstDash val="solid"/>
+          <a:miter lim="800000"/>
+        </a:ln>
+        <a:effectLst/>
+      </dsp:spPr>
+      <dsp:style>
+        <a:lnRef idx="1">
+          <a:scrgbClr r="0" g="0" b="0"/>
+        </a:lnRef>
+        <a:fillRef idx="1">
+          <a:scrgbClr r="0" g="0" b="0"/>
+        </a:fillRef>
+        <a:effectRef idx="1">
+          <a:scrgbClr r="0" g="0" b="0"/>
+        </a:effectRef>
+        <a:fontRef idx="minor"/>
+      </dsp:style>
+    </dsp:sp>
+    <dsp:sp modelId="{ECB2A7A1-6A64-44BB-BF7A-2B1D2A6F3F79}">
+      <dsp:nvSpPr>
+        <dsp:cNvPr id="0" name=""/>
+        <dsp:cNvSpPr/>
+      </dsp:nvSpPr>
+      <dsp:spPr>
+        <a:xfrm rot="16200000">
+          <a:off x="260481" y="463270"/>
+          <a:ext cx="712640" cy="40310"/>
+        </a:xfrm>
+        <a:prstGeom prst="rect">
+          <a:avLst/>
+        </a:prstGeom>
+        <a:noFill/>
+        <a:ln>
+          <a:noFill/>
+        </a:ln>
+        <a:effectLst/>
+      </dsp:spPr>
+      <dsp:style>
+        <a:lnRef idx="0">
+          <a:scrgbClr r="0" g="0" b="0"/>
+        </a:lnRef>
+        <a:fillRef idx="0">
+          <a:scrgbClr r="0" g="0" b="0"/>
+        </a:fillRef>
+        <a:effectRef idx="0">
+          <a:scrgbClr r="0" g="0" b="0"/>
+        </a:effectRef>
+        <a:fontRef idx="minor"/>
+      </dsp:style>
+      <dsp:txBody>
+        <a:bodyPr spcFirstLastPara="0" vert="horz" wrap="square" lIns="0" tIns="0" rIns="35552" bIns="0" numCol="1" spcCol="1270" anchor="t" anchorCtr="0">
+          <a:noAutofit/>
+        </a:bodyPr>
+        <a:lstStyle/>
+        <a:p>
+          <a:pPr lvl="0" algn="r" defTabSz="222250">
+            <a:lnSpc>
+              <a:spcPct val="90000"/>
+            </a:lnSpc>
+            <a:spcBef>
+              <a:spcPct val="0"/>
+            </a:spcBef>
+            <a:spcAft>
+              <a:spcPct val="35000"/>
+            </a:spcAft>
+          </a:pPr>
+          <a:endParaRPr lang="zh-CN" altLang="en-US" sz="500" kern="1200" dirty="0"/>
+        </a:p>
+      </dsp:txBody>
+      <dsp:txXfrm>
+        <a:off x="260481" y="463270"/>
+        <a:ext cx="712640" cy="40310"/>
+      </dsp:txXfrm>
+    </dsp:sp>
+    <dsp:sp modelId="{93E1B6B9-6599-428E-8F18-66DBE82D2457}">
+      <dsp:nvSpPr>
+        <dsp:cNvPr id="0" name=""/>
+        <dsp:cNvSpPr/>
+      </dsp:nvSpPr>
+      <dsp:spPr>
+        <a:xfrm>
+          <a:off x="636957" y="127105"/>
+          <a:ext cx="200791" cy="712640"/>
+        </a:xfrm>
+        <a:prstGeom prst="rect">
+          <a:avLst/>
+        </a:prstGeom>
+        <a:gradFill rotWithShape="0">
+          <a:gsLst>
+            <a:gs pos="0">
+              <a:schemeClr val="accent2">
+                <a:hueOff val="-582145"/>
+                <a:satOff val="-33571"/>
+                <a:lumOff val="3451"/>
+                <a:alphaOff val="0"/>
+                <a:lumMod val="110000"/>
+                <a:satMod val="105000"/>
+                <a:tint val="67000"/>
+              </a:schemeClr>
+            </a:gs>
+            <a:gs pos="50000">
+              <a:schemeClr val="accent2">
+                <a:hueOff val="-582145"/>
+                <a:satOff val="-33571"/>
+                <a:lumOff val="3451"/>
+                <a:alphaOff val="0"/>
+                <a:lumMod val="105000"/>
+                <a:satMod val="103000"/>
+                <a:tint val="73000"/>
+              </a:schemeClr>
+            </a:gs>
+            <a:gs pos="100000">
+              <a:schemeClr val="accent2">
+                <a:hueOff val="-582145"/>
+                <a:satOff val="-33571"/>
+                <a:lumOff val="3451"/>
+                <a:alphaOff val="0"/>
+                <a:lumMod val="105000"/>
+                <a:satMod val="109000"/>
+                <a:tint val="81000"/>
+              </a:schemeClr>
+            </a:gs>
+          </a:gsLst>
+          <a:lin ang="5400000" scaled="0"/>
+        </a:gradFill>
+        <a:ln>
+          <a:noFill/>
+        </a:ln>
+        <a:effectLst/>
+        <a:scene3d>
+          <a:camera prst="orthographicFront"/>
+          <a:lightRig rig="flat" dir="t"/>
+        </a:scene3d>
+        <a:sp3d prstMaterial="dkEdge">
+          <a:bevelT w="8200" h="38100"/>
+        </a:sp3d>
+      </dsp:spPr>
+      <dsp:style>
+        <a:lnRef idx="0">
+          <a:scrgbClr r="0" g="0" b="0"/>
+        </a:lnRef>
+        <a:fillRef idx="2">
+          <a:scrgbClr r="0" g="0" b="0"/>
+        </a:fillRef>
+        <a:effectRef idx="1">
+          <a:scrgbClr r="0" g="0" b="0"/>
+        </a:effectRef>
+        <a:fontRef idx="minor">
+          <a:schemeClr val="dk1"/>
+        </a:fontRef>
+      </dsp:style>
+    </dsp:sp>
+    <dsp:sp modelId="{9A8E9F6C-B053-4296-804B-2D4F1300BD75}">
+      <dsp:nvSpPr>
+        <dsp:cNvPr id="0" name=""/>
+        <dsp:cNvSpPr/>
+      </dsp:nvSpPr>
+      <dsp:spPr>
+        <a:xfrm>
+          <a:off x="596646" y="73895"/>
+          <a:ext cx="80621" cy="80621"/>
+        </a:xfrm>
+        <a:prstGeom prst="rect">
+          <a:avLst/>
+        </a:prstGeom>
+        <a:solidFill>
+          <a:schemeClr val="accent2">
+            <a:tint val="50000"/>
+            <a:hueOff val="-352265"/>
+            <a:satOff val="-30468"/>
+            <a:lumOff val="-305"/>
+            <a:alphaOff val="0"/>
+          </a:schemeClr>
+        </a:solidFill>
+        <a:ln w="6350" cap="flat" cmpd="sng" algn="ctr">
+          <a:solidFill>
+            <a:schemeClr val="lt1">
+              <a:hueOff val="0"/>
+              <a:satOff val="0"/>
+              <a:lumOff val="0"/>
+              <a:alphaOff val="0"/>
+            </a:schemeClr>
+          </a:solidFill>
+          <a:prstDash val="solid"/>
+          <a:miter lim="800000"/>
+        </a:ln>
+        <a:effectLst/>
+      </dsp:spPr>
+      <dsp:style>
+        <a:lnRef idx="1">
+          <a:scrgbClr r="0" g="0" b="0"/>
+        </a:lnRef>
+        <a:fillRef idx="1">
+          <a:scrgbClr r="0" g="0" b="0"/>
+        </a:fillRef>
+        <a:effectRef idx="1">
+          <a:scrgbClr r="0" g="0" b="0"/>
+        </a:effectRef>
+        <a:fontRef idx="minor"/>
+      </dsp:style>
+    </dsp:sp>
+    <dsp:sp modelId="{715C9A4C-F395-44AF-82FB-B3A09FE2B01D}">
+      <dsp:nvSpPr>
+        <dsp:cNvPr id="0" name=""/>
+        <dsp:cNvSpPr/>
+      </dsp:nvSpPr>
+      <dsp:spPr>
+        <a:xfrm rot="16200000">
+          <a:off x="553716" y="463270"/>
+          <a:ext cx="712640" cy="40310"/>
+        </a:xfrm>
+        <a:prstGeom prst="rect">
+          <a:avLst/>
+        </a:prstGeom>
+        <a:noFill/>
+        <a:ln>
+          <a:noFill/>
+        </a:ln>
+        <a:effectLst/>
+      </dsp:spPr>
+      <dsp:style>
+        <a:lnRef idx="0">
+          <a:scrgbClr r="0" g="0" b="0"/>
+        </a:lnRef>
+        <a:fillRef idx="0">
+          <a:scrgbClr r="0" g="0" b="0"/>
+        </a:fillRef>
+        <a:effectRef idx="0">
+          <a:scrgbClr r="0" g="0" b="0"/>
+        </a:effectRef>
+        <a:fontRef idx="minor"/>
+      </dsp:style>
+      <dsp:txBody>
+        <a:bodyPr spcFirstLastPara="0" vert="horz" wrap="square" lIns="0" tIns="0" rIns="35552" bIns="0" numCol="1" spcCol="1270" anchor="t" anchorCtr="0">
+          <a:noAutofit/>
+        </a:bodyPr>
+        <a:lstStyle/>
+        <a:p>
+          <a:pPr lvl="0" algn="r" defTabSz="222250">
+            <a:lnSpc>
+              <a:spcPct val="90000"/>
+            </a:lnSpc>
+            <a:spcBef>
+              <a:spcPct val="0"/>
+            </a:spcBef>
+            <a:spcAft>
+              <a:spcPct val="35000"/>
+            </a:spcAft>
+          </a:pPr>
+          <a:endParaRPr lang="zh-CN" altLang="en-US" sz="500" kern="1200" dirty="0"/>
+        </a:p>
+      </dsp:txBody>
+      <dsp:txXfrm>
+        <a:off x="553716" y="463270"/>
+        <a:ext cx="712640" cy="40310"/>
+      </dsp:txXfrm>
+    </dsp:sp>
+    <dsp:sp modelId="{7467F23D-0037-4406-A097-315733796F75}">
+      <dsp:nvSpPr>
+        <dsp:cNvPr id="0" name=""/>
+        <dsp:cNvSpPr/>
+      </dsp:nvSpPr>
+      <dsp:spPr>
+        <a:xfrm>
+          <a:off x="930192" y="127105"/>
+          <a:ext cx="200791" cy="712640"/>
+        </a:xfrm>
+        <a:prstGeom prst="rect">
+          <a:avLst/>
+        </a:prstGeom>
+        <a:gradFill rotWithShape="0">
+          <a:gsLst>
+            <a:gs pos="0">
+              <a:schemeClr val="accent2">
+                <a:hueOff val="-873218"/>
+                <a:satOff val="-50357"/>
+                <a:lumOff val="5177"/>
+                <a:alphaOff val="0"/>
+                <a:lumMod val="110000"/>
+                <a:satMod val="105000"/>
+                <a:tint val="67000"/>
+              </a:schemeClr>
+            </a:gs>
+            <a:gs pos="50000">
+              <a:schemeClr val="accent2">
+                <a:hueOff val="-873218"/>
+                <a:satOff val="-50357"/>
+                <a:lumOff val="5177"/>
+                <a:alphaOff val="0"/>
+                <a:lumMod val="105000"/>
+                <a:satMod val="103000"/>
+                <a:tint val="73000"/>
+              </a:schemeClr>
+            </a:gs>
+            <a:gs pos="100000">
+              <a:schemeClr val="accent2">
+                <a:hueOff val="-873218"/>
+                <a:satOff val="-50357"/>
+                <a:lumOff val="5177"/>
+                <a:alphaOff val="0"/>
+                <a:lumMod val="105000"/>
+                <a:satMod val="109000"/>
+                <a:tint val="81000"/>
+              </a:schemeClr>
+            </a:gs>
+          </a:gsLst>
+          <a:lin ang="5400000" scaled="0"/>
+        </a:gradFill>
+        <a:ln>
+          <a:noFill/>
+        </a:ln>
+        <a:effectLst/>
+        <a:scene3d>
+          <a:camera prst="orthographicFront"/>
+          <a:lightRig rig="flat" dir="t"/>
+        </a:scene3d>
+        <a:sp3d prstMaterial="dkEdge">
+          <a:bevelT w="8200" h="38100"/>
+        </a:sp3d>
+      </dsp:spPr>
+      <dsp:style>
+        <a:lnRef idx="0">
+          <a:scrgbClr r="0" g="0" b="0"/>
+        </a:lnRef>
+        <a:fillRef idx="2">
+          <a:scrgbClr r="0" g="0" b="0"/>
+        </a:fillRef>
+        <a:effectRef idx="1">
+          <a:scrgbClr r="0" g="0" b="0"/>
+        </a:effectRef>
+        <a:fontRef idx="minor">
+          <a:schemeClr val="dk1"/>
+        </a:fontRef>
+      </dsp:style>
+    </dsp:sp>
+    <dsp:sp modelId="{1F52D5FC-4CBE-411E-9CBB-9A6288B76CEE}">
+      <dsp:nvSpPr>
+        <dsp:cNvPr id="0" name=""/>
+        <dsp:cNvSpPr/>
+      </dsp:nvSpPr>
+      <dsp:spPr>
+        <a:xfrm>
+          <a:off x="889881" y="73895"/>
+          <a:ext cx="80621" cy="80621"/>
+        </a:xfrm>
+        <a:prstGeom prst="rect">
+          <a:avLst/>
+        </a:prstGeom>
+        <a:solidFill>
+          <a:schemeClr val="accent2">
+            <a:tint val="50000"/>
+            <a:hueOff val="-528397"/>
+            <a:satOff val="-45702"/>
+            <a:lumOff val="-457"/>
+            <a:alphaOff val="0"/>
+          </a:schemeClr>
+        </a:solidFill>
+        <a:ln w="6350" cap="flat" cmpd="sng" algn="ctr">
+          <a:solidFill>
+            <a:schemeClr val="lt1">
+              <a:hueOff val="0"/>
+              <a:satOff val="0"/>
+              <a:lumOff val="0"/>
+              <a:alphaOff val="0"/>
+            </a:schemeClr>
+          </a:solidFill>
+          <a:prstDash val="solid"/>
+          <a:miter lim="800000"/>
+        </a:ln>
+        <a:effectLst/>
+      </dsp:spPr>
+      <dsp:style>
+        <a:lnRef idx="1">
+          <a:scrgbClr r="0" g="0" b="0"/>
+        </a:lnRef>
+        <a:fillRef idx="1">
+          <a:scrgbClr r="0" g="0" b="0"/>
+        </a:fillRef>
+        <a:effectRef idx="1">
+          <a:scrgbClr r="0" g="0" b="0"/>
+        </a:effectRef>
+        <a:fontRef idx="minor"/>
+      </dsp:style>
+    </dsp:sp>
+    <dsp:sp modelId="{8BCF9127-09A3-43FF-A531-87938233BF2A}">
+      <dsp:nvSpPr>
+        <dsp:cNvPr id="0" name=""/>
+        <dsp:cNvSpPr/>
+      </dsp:nvSpPr>
+      <dsp:spPr>
+        <a:xfrm rot="16200000">
+          <a:off x="846951" y="463270"/>
+          <a:ext cx="712640" cy="40310"/>
+        </a:xfrm>
+        <a:prstGeom prst="rect">
+          <a:avLst/>
+        </a:prstGeom>
+        <a:noFill/>
+        <a:ln>
+          <a:noFill/>
+        </a:ln>
+        <a:effectLst/>
+      </dsp:spPr>
+      <dsp:style>
+        <a:lnRef idx="0">
+          <a:scrgbClr r="0" g="0" b="0"/>
+        </a:lnRef>
+        <a:fillRef idx="0">
+          <a:scrgbClr r="0" g="0" b="0"/>
+        </a:fillRef>
+        <a:effectRef idx="0">
+          <a:scrgbClr r="0" g="0" b="0"/>
+        </a:effectRef>
+        <a:fontRef idx="minor"/>
+      </dsp:style>
+      <dsp:txBody>
+        <a:bodyPr spcFirstLastPara="0" vert="horz" wrap="square" lIns="0" tIns="0" rIns="35552" bIns="0" numCol="1" spcCol="1270" anchor="t" anchorCtr="0">
+          <a:noAutofit/>
+        </a:bodyPr>
+        <a:lstStyle/>
+        <a:p>
+          <a:pPr lvl="0" algn="r" defTabSz="222250">
+            <a:lnSpc>
+              <a:spcPct val="90000"/>
+            </a:lnSpc>
+            <a:spcBef>
+              <a:spcPct val="0"/>
+            </a:spcBef>
+            <a:spcAft>
+              <a:spcPct val="35000"/>
+            </a:spcAft>
+          </a:pPr>
+          <a:endParaRPr lang="en-US" altLang="zh-CN" sz="500" kern="1200" dirty="0" smtClean="0"/>
+        </a:p>
+      </dsp:txBody>
+      <dsp:txXfrm>
+        <a:off x="846951" y="463270"/>
+        <a:ext cx="712640" cy="40310"/>
+      </dsp:txXfrm>
+    </dsp:sp>
+    <dsp:sp modelId="{C3895F04-1B34-4D80-B24A-EF7F90ADBC3E}">
+      <dsp:nvSpPr>
+        <dsp:cNvPr id="0" name=""/>
+        <dsp:cNvSpPr/>
+      </dsp:nvSpPr>
+      <dsp:spPr>
+        <a:xfrm>
+          <a:off x="1223426" y="127105"/>
+          <a:ext cx="200791" cy="712640"/>
+        </a:xfrm>
+        <a:prstGeom prst="rect">
+          <a:avLst/>
+        </a:prstGeom>
+        <a:gradFill rotWithShape="0">
+          <a:gsLst>
+            <a:gs pos="0">
+              <a:schemeClr val="accent2">
+                <a:hueOff val="-1164290"/>
+                <a:satOff val="-67142"/>
+                <a:lumOff val="6902"/>
+                <a:alphaOff val="0"/>
+                <a:lumMod val="110000"/>
+                <a:satMod val="105000"/>
+                <a:tint val="67000"/>
+              </a:schemeClr>
+            </a:gs>
+            <a:gs pos="50000">
+              <a:schemeClr val="accent2">
+                <a:hueOff val="-1164290"/>
+                <a:satOff val="-67142"/>
+                <a:lumOff val="6902"/>
+                <a:alphaOff val="0"/>
+                <a:lumMod val="105000"/>
+                <a:satMod val="103000"/>
+                <a:tint val="73000"/>
+              </a:schemeClr>
+            </a:gs>
+            <a:gs pos="100000">
+              <a:schemeClr val="accent2">
+                <a:hueOff val="-1164290"/>
+                <a:satOff val="-67142"/>
+                <a:lumOff val="6902"/>
+                <a:alphaOff val="0"/>
+                <a:lumMod val="105000"/>
+                <a:satMod val="109000"/>
+                <a:tint val="81000"/>
+              </a:schemeClr>
+            </a:gs>
+          </a:gsLst>
+          <a:lin ang="5400000" scaled="0"/>
+        </a:gradFill>
+        <a:ln>
+          <a:noFill/>
+        </a:ln>
+        <a:effectLst/>
+        <a:scene3d>
+          <a:camera prst="orthographicFront"/>
+          <a:lightRig rig="flat" dir="t"/>
+        </a:scene3d>
+        <a:sp3d prstMaterial="dkEdge">
+          <a:bevelT w="8200" h="38100"/>
+        </a:sp3d>
+      </dsp:spPr>
+      <dsp:style>
+        <a:lnRef idx="0">
+          <a:scrgbClr r="0" g="0" b="0"/>
+        </a:lnRef>
+        <a:fillRef idx="2">
+          <a:scrgbClr r="0" g="0" b="0"/>
+        </a:fillRef>
+        <a:effectRef idx="1">
+          <a:scrgbClr r="0" g="0" b="0"/>
+        </a:effectRef>
+        <a:fontRef idx="minor">
+          <a:schemeClr val="dk1"/>
+        </a:fontRef>
+      </dsp:style>
+    </dsp:sp>
+    <dsp:sp modelId="{7D107999-9672-44B9-9085-440A656C3BC9}">
+      <dsp:nvSpPr>
+        <dsp:cNvPr id="0" name=""/>
+        <dsp:cNvSpPr/>
+      </dsp:nvSpPr>
+      <dsp:spPr>
+        <a:xfrm>
+          <a:off x="1183115" y="73895"/>
+          <a:ext cx="80621" cy="80621"/>
+        </a:xfrm>
+        <a:prstGeom prst="rect">
+          <a:avLst/>
+        </a:prstGeom>
+        <a:solidFill>
+          <a:schemeClr val="accent2">
+            <a:tint val="50000"/>
+            <a:hueOff val="-704530"/>
+            <a:satOff val="-60936"/>
+            <a:lumOff val="-610"/>
+            <a:alphaOff val="0"/>
+          </a:schemeClr>
+        </a:solidFill>
+        <a:ln w="6350" cap="flat" cmpd="sng" algn="ctr">
+          <a:solidFill>
+            <a:schemeClr val="lt1">
+              <a:hueOff val="0"/>
+              <a:satOff val="0"/>
+              <a:lumOff val="0"/>
+              <a:alphaOff val="0"/>
+            </a:schemeClr>
+          </a:solidFill>
+          <a:prstDash val="solid"/>
+          <a:miter lim="800000"/>
+        </a:ln>
+        <a:effectLst/>
+      </dsp:spPr>
+      <dsp:style>
+        <a:lnRef idx="1">
+          <a:scrgbClr r="0" g="0" b="0"/>
+        </a:lnRef>
+        <a:fillRef idx="1">
+          <a:scrgbClr r="0" g="0" b="0"/>
+        </a:fillRef>
+        <a:effectRef idx="1">
+          <a:scrgbClr r="0" g="0" b="0"/>
+        </a:effectRef>
+        <a:fontRef idx="minor"/>
+      </dsp:style>
+    </dsp:sp>
+    <dsp:sp modelId="{ABAF8552-8C8A-4DDE-A752-3317ABF6BA30}">
+      <dsp:nvSpPr>
+        <dsp:cNvPr id="0" name=""/>
+        <dsp:cNvSpPr/>
+      </dsp:nvSpPr>
+      <dsp:spPr>
+        <a:xfrm rot="16200000">
+          <a:off x="1140185" y="463270"/>
+          <a:ext cx="712640" cy="40310"/>
+        </a:xfrm>
+        <a:prstGeom prst="rect">
+          <a:avLst/>
+        </a:prstGeom>
+        <a:noFill/>
+        <a:ln>
+          <a:noFill/>
+        </a:ln>
+        <a:effectLst/>
+      </dsp:spPr>
+      <dsp:style>
+        <a:lnRef idx="0">
+          <a:scrgbClr r="0" g="0" b="0"/>
+        </a:lnRef>
+        <a:fillRef idx="0">
+          <a:scrgbClr r="0" g="0" b="0"/>
+        </a:fillRef>
+        <a:effectRef idx="0">
+          <a:scrgbClr r="0" g="0" b="0"/>
+        </a:effectRef>
+        <a:fontRef idx="minor"/>
+      </dsp:style>
+      <dsp:txBody>
+        <a:bodyPr spcFirstLastPara="0" vert="horz" wrap="square" lIns="0" tIns="0" rIns="35552" bIns="0" numCol="1" spcCol="1270" anchor="t" anchorCtr="0">
+          <a:noAutofit/>
+        </a:bodyPr>
+        <a:lstStyle/>
+        <a:p>
+          <a:pPr lvl="0" algn="r" defTabSz="222250">
+            <a:lnSpc>
+              <a:spcPct val="90000"/>
+            </a:lnSpc>
+            <a:spcBef>
+              <a:spcPct val="0"/>
+            </a:spcBef>
+            <a:spcAft>
+              <a:spcPct val="35000"/>
+            </a:spcAft>
+          </a:pPr>
+          <a:endParaRPr lang="en-US" altLang="zh-CN" sz="500" kern="1200" dirty="0" smtClean="0"/>
+        </a:p>
+      </dsp:txBody>
+      <dsp:txXfrm>
+        <a:off x="1140185" y="463270"/>
+        <a:ext cx="712640" cy="40310"/>
+      </dsp:txXfrm>
+    </dsp:sp>
+    <dsp:sp modelId="{2D9D74D4-CC2F-4286-9FA6-934BD9661A75}">
+      <dsp:nvSpPr>
+        <dsp:cNvPr id="0" name=""/>
+        <dsp:cNvSpPr/>
+      </dsp:nvSpPr>
+      <dsp:spPr>
+        <a:xfrm>
+          <a:off x="1516661" y="127105"/>
+          <a:ext cx="200791" cy="712640"/>
+        </a:xfrm>
+        <a:prstGeom prst="rect">
+          <a:avLst/>
+        </a:prstGeom>
+        <a:gradFill rotWithShape="0">
+          <a:gsLst>
+            <a:gs pos="0">
+              <a:schemeClr val="accent2">
+                <a:hueOff val="-1455363"/>
+                <a:satOff val="-83928"/>
+                <a:lumOff val="8628"/>
+                <a:alphaOff val="0"/>
+                <a:lumMod val="110000"/>
+                <a:satMod val="105000"/>
+                <a:tint val="67000"/>
+              </a:schemeClr>
+            </a:gs>
+            <a:gs pos="50000">
+              <a:schemeClr val="accent2">
+                <a:hueOff val="-1455363"/>
+                <a:satOff val="-83928"/>
+                <a:lumOff val="8628"/>
+                <a:alphaOff val="0"/>
+                <a:lumMod val="105000"/>
+                <a:satMod val="103000"/>
+                <a:tint val="73000"/>
+              </a:schemeClr>
+            </a:gs>
+            <a:gs pos="100000">
+              <a:schemeClr val="accent2">
+                <a:hueOff val="-1455363"/>
+                <a:satOff val="-83928"/>
+                <a:lumOff val="8628"/>
+                <a:alphaOff val="0"/>
+                <a:lumMod val="105000"/>
+                <a:satMod val="109000"/>
+                <a:tint val="81000"/>
+              </a:schemeClr>
+            </a:gs>
+          </a:gsLst>
+          <a:lin ang="5400000" scaled="0"/>
+        </a:gradFill>
+        <a:ln>
+          <a:noFill/>
+        </a:ln>
+        <a:effectLst/>
+        <a:scene3d>
+          <a:camera prst="orthographicFront"/>
+          <a:lightRig rig="flat" dir="t"/>
+        </a:scene3d>
+        <a:sp3d prstMaterial="dkEdge">
+          <a:bevelT w="8200" h="38100"/>
+        </a:sp3d>
+      </dsp:spPr>
+      <dsp:style>
+        <a:lnRef idx="0">
+          <a:scrgbClr r="0" g="0" b="0"/>
+        </a:lnRef>
+        <a:fillRef idx="2">
+          <a:scrgbClr r="0" g="0" b="0"/>
+        </a:fillRef>
+        <a:effectRef idx="1">
+          <a:scrgbClr r="0" g="0" b="0"/>
+        </a:effectRef>
+        <a:fontRef idx="minor">
+          <a:schemeClr val="dk1"/>
+        </a:fontRef>
+      </dsp:style>
+    </dsp:sp>
+    <dsp:sp modelId="{40EDFF74-0522-428B-90D0-E700B18CFA20}">
+      <dsp:nvSpPr>
+        <dsp:cNvPr id="0" name=""/>
+        <dsp:cNvSpPr/>
+      </dsp:nvSpPr>
+      <dsp:spPr>
+        <a:xfrm>
+          <a:off x="1476350" y="73895"/>
+          <a:ext cx="80621" cy="80621"/>
+        </a:xfrm>
+        <a:prstGeom prst="rect">
+          <a:avLst/>
+        </a:prstGeom>
+        <a:solidFill>
+          <a:schemeClr val="accent2">
+            <a:tint val="50000"/>
+            <a:hueOff val="-880662"/>
+            <a:satOff val="-76170"/>
+            <a:lumOff val="-762"/>
+            <a:alphaOff val="0"/>
+          </a:schemeClr>
+        </a:solidFill>
+        <a:ln w="6350" cap="flat" cmpd="sng" algn="ctr">
+          <a:solidFill>
+            <a:schemeClr val="lt1">
+              <a:hueOff val="0"/>
+              <a:satOff val="0"/>
+              <a:lumOff val="0"/>
+              <a:alphaOff val="0"/>
+            </a:schemeClr>
+          </a:solidFill>
+          <a:prstDash val="solid"/>
+          <a:miter lim="800000"/>
+        </a:ln>
+        <a:effectLst/>
+      </dsp:spPr>
+      <dsp:style>
+        <a:lnRef idx="1">
+          <a:scrgbClr r="0" g="0" b="0"/>
+        </a:lnRef>
+        <a:fillRef idx="1">
+          <a:scrgbClr r="0" g="0" b="0"/>
+        </a:fillRef>
+        <a:effectRef idx="1">
+          <a:scrgbClr r="0" g="0" b="0"/>
+        </a:effectRef>
+        <a:fontRef idx="minor"/>
+      </dsp:style>
+    </dsp:sp>
+  </dsp:spTree>
+</dsp:drawing>
+</file>
+
+<file path=ppt/diagrams/layout1.xml><?xml version="1.0" encoding="utf-8"?>
+<dgm:layoutDef xmlns:dgm="http://schemas.openxmlformats.org/drawingml/2006/diagram" xmlns:a="http://schemas.openxmlformats.org/drawingml/2006/main" uniqueId="urn:microsoft.com/office/officeart/2005/8/layout/hList2">
+  <dgm:title val=""/>
+  <dgm:desc val=""/>
+  <dgm:catLst>
+    <dgm:cat type="list" pri="6000"/>
+    <dgm:cat type="relationship" pri="16000"/>
+    <dgm:cat type="picture" pri="29000"/>
+    <dgm:cat type="pictureconvert" pri="29000"/>
+  </dgm:catLst>
+  <dgm:sampData>
+    <dgm:dataModel>
+      <dgm:ptLst>
+        <dgm:pt modelId="0" type="doc"/>
+        <dgm:pt modelId="1">
+          <dgm:prSet phldr="1"/>
+        </dgm:pt>
+        <dgm:pt modelId="11">
+          <dgm:prSet phldr="1"/>
+        </dgm:pt>
+        <dgm:pt modelId="12">
+          <dgm:prSet phldr="1"/>
+        </dgm:pt>
+        <dgm:pt modelId="2">
+          <dgm:prSet phldr="1"/>
+        </dgm:pt>
+        <dgm:pt modelId="21">
+          <dgm:prSet phldr="1"/>
+        </dgm:pt>
+        <dgm:pt modelId="22">
+          <dgm:prSet phldr="1"/>
+        </dgm:pt>
+        <dgm:pt modelId="3">
+          <dgm:prSet phldr="1"/>
+        </dgm:pt>
+        <dgm:pt modelId="31">
+          <dgm:prSet phldr="1"/>
+        </dgm:pt>
+        <dgm:pt modelId="32">
+          <dgm:prSet phldr="1"/>
+        </dgm:pt>
+      </dgm:ptLst>
+      <dgm:cxnLst>
+        <dgm:cxn modelId="4" srcId="0" destId="1" srcOrd="0" destOrd="0"/>
+        <dgm:cxn modelId="5" srcId="0" destId="2" srcOrd="1" destOrd="0"/>
+        <dgm:cxn modelId="6" srcId="0" destId="3" srcOrd="2" destOrd="0"/>
+        <dgm:cxn modelId="13" srcId="1" destId="11" srcOrd="0" destOrd="0"/>
+        <dgm:cxn modelId="14" srcId="1" destId="12" srcOrd="1" destOrd="0"/>
+        <dgm:cxn modelId="23" srcId="2" destId="21" srcOrd="0" destOrd="0"/>
+        <dgm:cxn modelId="24" srcId="2" destId="22" srcOrd="1" destOrd="0"/>
+        <dgm:cxn modelId="33" srcId="3" destId="31" srcOrd="0" destOrd="0"/>
+        <dgm:cxn modelId="34" srcId="3" destId="32" srcOrd="1" destOrd="0"/>
+      </dgm:cxnLst>
+      <dgm:bg/>
+      <dgm:whole/>
+    </dgm:dataModel>
+  </dgm:sampData>
+  <dgm:styleData>
+    <dgm:dataModel>
+      <dgm:ptLst>
+        <dgm:pt modelId="0" type="doc"/>
+        <dgm:pt modelId="1"/>
+        <dgm:pt modelId="11"/>
+        <dgm:pt modelId="2"/>
+        <dgm:pt modelId="21"/>
+      </dgm:ptLst>
+      <dgm:cxnLst>
+        <dgm:cxn modelId="4" srcId="0" destId="1" srcOrd="0" destOrd="0"/>
+        <dgm:cxn modelId="5" srcId="0" destId="2" srcOrd="1" destOrd="0"/>
+        <dgm:cxn modelId="13" srcId="1" destId="11" srcOrd="0" destOrd="0"/>
+        <dgm:cxn modelId="23" srcId="2" destId="21" srcOrd="0" destOrd="0"/>
+      </dgm:cxnLst>
+      <dgm:bg/>
+      <dgm:whole/>
+    </dgm:dataModel>
+  </dgm:styleData>
+  <dgm:clrData>
+    <dgm:dataModel>
+      <dgm:ptLst>
+        <dgm:pt modelId="0" type="doc"/>
+        <dgm:pt modelId="1"/>
+        <dgm:pt modelId="11"/>
+        <dgm:pt modelId="2"/>
+        <dgm:pt modelId="21"/>
+        <dgm:pt modelId="3"/>
+        <dgm:pt modelId="31"/>
+        <dgm:pt modelId="4"/>
+        <dgm:pt modelId="41"/>
+      </dgm:ptLst>
+      <dgm:cxnLst>
+        <dgm:cxn modelId="5" srcId="0" destId="1" srcOrd="0" destOrd="0"/>
+        <dgm:cxn modelId="6" srcId="0" destId="2" srcOrd="1" destOrd="0"/>
+        <dgm:cxn modelId="7" srcId="0" destId="3" srcOrd="2" destOrd="0"/>
+        <dgm:cxn modelId="8" srcId="0" destId="4" srcOrd="3" destOrd="0"/>
+        <dgm:cxn modelId="13" srcId="1" destId="11" srcOrd="0" destOrd="0"/>
+        <dgm:cxn modelId="23" srcId="2" destId="21" srcOrd="0" destOrd="0"/>
+        <dgm:cxn modelId="33" srcId="3" destId="31" srcOrd="0" destOrd="0"/>
+        <dgm:cxn modelId="43" srcId="4" destId="41" srcOrd="0" destOrd="0"/>
+      </dgm:cxnLst>
+      <dgm:bg/>
+      <dgm:whole/>
+    </dgm:dataModel>
+  </dgm:clrData>
+  <dgm:layoutNode name="linearFlow">
+    <dgm:varLst>
+      <dgm:dir/>
+      <dgm:animLvl val="lvl"/>
+      <dgm:resizeHandles/>
+    </dgm:varLst>
+    <dgm:choose name="Name0">
+      <dgm:if name="Name1" func="var" arg="dir" op="equ" val="norm">
+        <dgm:alg type="lin">
+          <dgm:param type="linDir" val="fromL"/>
+          <dgm:param type="nodeVertAlign" val="t"/>
+        </dgm:alg>
+      </dgm:if>
+      <dgm:else name="Name2">
+        <dgm:alg type="lin">
+          <dgm:param type="linDir" val="fromR"/>
+          <dgm:param type="nodeVertAlign" val="t"/>
+        </dgm:alg>
+      </dgm:else>
+    </dgm:choose>
+    <dgm:shape xmlns:r="http://schemas.openxmlformats.org/officeDocument/2006/relationships" r:blip="">
+      <dgm:adjLst/>
+    </dgm:shape>
+    <dgm:presOf/>
+    <dgm:constrLst>
+      <dgm:constr type="w" for="ch" forName="compositeNode" refType="w"/>
+      <dgm:constr type="h" for="ch" forName="compositeNode" refType="h"/>
+      <dgm:constr type="w" for="ch" forName="sibTrans" refType="w" refFor="ch" refForName="compositeNode" op="equ" fact="0.2"/>
+      <dgm:constr type="h" for="des" forName="childNode" op="equ"/>
+      <dgm:constr type="w" for="des" forName="childNode" op="equ"/>
+      <dgm:constr type="w" for="des" forName="parentNode" op="equ"/>
+      <dgm:constr type="h" for="des" forName="image" op="equ"/>
+      <dgm:constr type="w" for="des" forName="image" op="equ"/>
+      <dgm:constr type="primFontSz" for="des" forName="parentNode" op="equ" val="65"/>
+      <dgm:constr type="primFontSz" for="des" forName="childNode" op="equ" val="65"/>
+    </dgm:constrLst>
+    <dgm:ruleLst/>
+    <dgm:forEach name="Name3" axis="ch" ptType="node">
+      <dgm:layoutNode name="compositeNode">
+        <dgm:varLst>
+          <dgm:bulletEnabled val="1"/>
+        </dgm:varLst>
+        <dgm:alg type="composite"/>
+        <dgm:presOf/>
+        <dgm:choose name="Name4">
+          <dgm:if name="Name5" func="var" arg="dir" op="equ" val="norm">
+            <dgm:constrLst>
+              <dgm:constr type="w" for="ch" forName="image" refType="w"/>
+              <dgm:constr type="h" for="ch" forName="image" refType="h"/>
+              <dgm:constr type="h" for="ch" forName="image" refType="w" refFor="ch" refForName="image" op="lte"/>
+              <dgm:constr type="w" for="ch" forName="image" refType="h" refFor="ch" refForName="image" op="lte"/>
+              <dgm:constr type="w" for="ch" forName="image" refType="w" op="lte" fact="0.33"/>
+              <dgm:constr type="h" for="ch" forName="image" refType="h" op="lte" fact="0.33"/>
+              <dgm:constr type="t" for="ch" forName="image"/>
+              <dgm:constr type="l" for="ch" forName="image"/>
+              <dgm:constr type="w" for="ch" forName="childNode" refType="w" fact="0.85"/>
+              <dgm:constr type="h" for="ch" forName="childNode" refType="h" fact="0.78"/>
+              <dgm:constr type="t" for="ch" forName="childNode" refType="h" refFor="ch" refForName="image" fact="0.66"/>
+              <dgm:constr type="l" for="ch" forName="childNode" refType="w" refFor="ch" refForName="image" fact="0.5"/>
+              <dgm:constr type="tMarg" for="ch" forName="childNode" refType="w" refFor="ch" refForName="image" fact="1.25"/>
+              <dgm:constr type="t" for="ch" forName="parentNode" refType="h" refFor="ch" refForName="image" fact="0.66"/>
+              <dgm:constr type="b" for="ch" forName="parentNode" refType="b" refFor="ch" refForName="childNode"/>
+              <dgm:constr type="l" for="ch" forName="parentNode"/>
+              <dgm:constr type="r" for="ch" forName="parentNode" refType="l" refFor="ch" refForName="childNode"/>
+              <dgm:constr type="rMarg" for="ch" forName="parentNode" refType="w" refFor="ch" refForName="image" fact="1.25"/>
+            </dgm:constrLst>
+          </dgm:if>
+          <dgm:else name="Name6">
+            <dgm:constrLst>
+              <dgm:constr type="w" for="ch" forName="image" refType="w"/>
+              <dgm:constr type="h" for="ch" forName="image" refType="h"/>
+              <dgm:constr type="h" for="ch" forName="image" refType="w" refFor="ch" refForName="image" op="lte"/>
+              <dgm:constr type="w" for="ch" forName="image" refType="h" refFor="ch" refForName="image" op="lte"/>
+              <dgm:constr type="w" for="ch" forName="image" refType="w" op="lte" fact="0.33"/>
+              <dgm:constr type="h" for="ch" forName="image" refType="h" op="lte" fact="0.33"/>
+              <dgm:constr type="t" for="ch" forName="image"/>
+              <dgm:constr type="r" for="ch" forName="image" refType="w"/>
+              <dgm:constr type="w" for="ch" forName="childNode" refType="w" fact="0.85"/>
+              <dgm:constr type="h" for="ch" forName="childNode" refType="h" fact="0.78"/>
+              <dgm:constr type="t" for="ch" forName="childNode" refType="h" refFor="ch" refForName="image" fact="0.66"/>
+              <dgm:constr type="r" for="ch" forName="childNode" refType="w"/>
+              <dgm:constr type="rOff" for="ch" forName="childNode" refType="w" refFor="ch" refForName="image" fact="-0.5"/>
+              <dgm:constr type="tMarg" for="ch" forName="childNode" refType="w" refFor="ch" refForName="image" fact="1.25"/>
+              <dgm:constr type="t" for="ch" forName="parentNode" refType="h" refFor="ch" refForName="image" fact="0.66"/>
+              <dgm:constr type="b" for="ch" forName="parentNode" refType="b" refFor="ch" refForName="childNode"/>
+              <dgm:constr type="r" for="ch" forName="parentNode" refType="w"/>
+              <dgm:constr type="l" for="ch" forName="parentNode" refType="r" refFor="ch" refForName="childNode"/>
+              <dgm:constr type="lOff" for="ch" forName="parentNode" refType="rOff" refFor="ch" refForName="childNode"/>
+              <dgm:constr type="lMarg" for="ch" forName="parentNode" refType="w" refFor="ch" refForName="image" fact="1.25"/>
+            </dgm:constrLst>
+          </dgm:else>
+        </dgm:choose>
+        <dgm:ruleLst>
+          <dgm:rule type="w" for="ch" forName="childNode" val="NaN" fact="0.4" max="NaN"/>
+          <dgm:rule type="h" for="ch" forName="childNode" val="NaN" fact="0.5" max="NaN"/>
+        </dgm:ruleLst>
+        <dgm:layoutNode name="image" styleLbl="fgImgPlace1">
+          <dgm:alg type="sp"/>
+          <dgm:shape xmlns:r="http://schemas.openxmlformats.org/officeDocument/2006/relationships" type="rect" r:blip="" zOrderOff="4" blipPhldr="1">
+            <dgm:adjLst/>
+          </dgm:shape>
+          <dgm:presOf/>
+          <dgm:constrLst/>
+          <dgm:ruleLst/>
+        </dgm:layoutNode>
+        <dgm:layoutNode name="childNode" styleLbl="node1">
+          <dgm:varLst>
+            <dgm:bulletEnabled val="1"/>
+          </dgm:varLst>
+          <dgm:alg type="tx">
+            <dgm:param type="stBulletLvl" val="1"/>
+          </dgm:alg>
+          <dgm:shape xmlns:r="http://schemas.openxmlformats.org/officeDocument/2006/relationships" type="rect" r:blip="" zOrderOff="2">
+            <dgm:adjLst/>
+          </dgm:shape>
+          <dgm:presOf axis="des" ptType="node"/>
+          <dgm:constrLst/>
+          <dgm:ruleLst>
+            <dgm:rule type="primFontSz" val="5" fact="NaN" max="NaN"/>
+          </dgm:ruleLst>
+        </dgm:layoutNode>
+        <dgm:layoutNode name="parentNode" styleLbl="revTx">
+          <dgm:varLst>
+            <dgm:chMax val="0"/>
+            <dgm:bulletEnabled val="1"/>
+          </dgm:varLst>
+          <dgm:choose name="Name7">
+            <dgm:if name="Name8" func="var" arg="dir" op="equ" val="norm">
+              <dgm:alg type="tx">
+                <dgm:param type="autoTxRot" val="grav"/>
+                <dgm:param type="txAnchorVert" val="t"/>
+                <dgm:param type="parTxLTRAlign" val="r"/>
+                <dgm:param type="parTxRTLAlign" val="r"/>
+              </dgm:alg>
+              <dgm:shape xmlns:r="http://schemas.openxmlformats.org/officeDocument/2006/relationships" rot="270" type="rect" r:blip="">
+                <dgm:adjLst/>
+              </dgm:shape>
+              <dgm:presOf axis="self"/>
+              <dgm:constrLst>
+                <dgm:constr type="lMarg"/>
+                <dgm:constr type="bMarg"/>
+                <dgm:constr type="tMarg"/>
+              </dgm:constrLst>
+            </dgm:if>
+            <dgm:else name="Name9">
+              <dgm:alg type="tx">
+                <dgm:param type="autoTxRot" val="grav"/>
+                <dgm:param type="parTxLTRAlign" val="l"/>
+                <dgm:param type="parTxRTLAlign" val="l"/>
+              </dgm:alg>
+              <dgm:shape xmlns:r="http://schemas.openxmlformats.org/officeDocument/2006/relationships" rot="90" type="rect" r:blip="">
+                <dgm:adjLst/>
+              </dgm:shape>
+              <dgm:presOf axis="self"/>
+              <dgm:constrLst>
+                <dgm:constr type="rMarg"/>
+                <dgm:constr type="bMarg"/>
+                <dgm:constr type="tMarg"/>
+              </dgm:constrLst>
+            </dgm:else>
+          </dgm:choose>
+          <dgm:ruleLst>
+            <dgm:rule type="primFontSz" val="5" fact="NaN" max="NaN"/>
+          </dgm:ruleLst>
+        </dgm:layoutNode>
+      </dgm:layoutNode>
+      <dgm:forEach name="Name10" axis="followSib" ptType="sibTrans" cnt="1">
+        <dgm:layoutNode name="sibTrans">
+          <dgm:alg type="sp"/>
+          <dgm:shape xmlns:r="http://schemas.openxmlformats.org/officeDocument/2006/relationships" r:blip="">
+            <dgm:adjLst/>
+          </dgm:shape>
+          <dgm:presOf axis="self"/>
+          <dgm:constrLst/>
+          <dgm:ruleLst/>
+        </dgm:layoutNode>
+      </dgm:forEach>
+    </dgm:forEach>
+  </dgm:layoutNode>
+</dgm:layoutDef>
+</file>
+
+<file path=ppt/diagrams/quickStyle1.xml><?xml version="1.0" encoding="utf-8"?>
+<dgm:styleDef xmlns:dgm="http://schemas.openxmlformats.org/drawingml/2006/diagram" xmlns:a="http://schemas.openxmlformats.org/drawingml/2006/main" uniqueId="urn:microsoft.com/office/officeart/2005/8/quickstyle/simple3">
+  <dgm:title val=""/>
+  <dgm:desc val=""/>
+  <dgm:catLst>
+    <dgm:cat type="simple" pri="10300"/>
+  </dgm:catLst>
+  <dgm:scene3d>
+    <a:camera prst="orthographicFront"/>
+    <a:lightRig rig="threePt" dir="t"/>
+  </dgm:scene3d>
+  <dgm:styleLbl name="node0">
+    <dgm:scene3d>
+      <a:camera prst="orthographicFront"/>
+      <a:lightRig rig="flat" dir="t"/>
+    </dgm:scene3d>
+    <dgm:sp3d prstMaterial="dkEdge">
+      <a:bevelT w="8200" h="38100"/>
+    </dgm:sp3d>
+    <dgm:txPr/>
+    <dgm:style>
+      <a:lnRef idx="0">
+        <a:scrgbClr r="0" g="0" b="0"/>
+      </a:lnRef>
+      <a:fillRef idx="2">
+        <a:scrgbClr r="0" g="0" b="0"/>
+      </a:fillRef>
+      <a:effectRef idx="1">
+        <a:scrgbClr r="0" g="0" b="0"/>
+      </a:effectRef>
+      <a:fontRef idx="minor">
+        <a:schemeClr val="dk1"/>
+      </a:fontRef>
+    </dgm:style>
+  </dgm:styleLbl>
+  <dgm:styleLbl name="lnNode1">
+    <dgm:scene3d>
+      <a:camera prst="orthographicFront"/>
+      <a:lightRig rig="flat" dir="t"/>
+    </dgm:scene3d>
+    <dgm:sp3d prstMaterial="dkEdge">
+      <a:bevelT w="8200" h="38100"/>
+    </dgm:sp3d>
+    <dgm:txPr/>
+    <dgm:style>
+      <a:lnRef idx="1">
+        <a:scrgbClr r="0" g="0" b="0"/>
+      </a:lnRef>
+      <a:fillRef idx="2">
+        <a:scrgbClr r="0" g="0" b="0"/>
+      </a:fillRef>
+      <a:effectRef idx="0">
+        <a:scrgbClr r="0" g="0" b="0"/>
+      </a:effectRef>
+      <a:fontRef idx="minor">
+        <a:schemeClr val="dk1"/>
+      </a:fontRef>
+    </dgm:style>
+  </dgm:styleLbl>
+  <dgm:styleLbl name="vennNode1">
+    <dgm:scene3d>
+      <a:camera prst="orthographicFront"/>
+      <a:lightRig rig="flat" dir="t"/>
+    </dgm:scene3d>
+    <dgm:sp3d prstMaterial="dkEdge">
+      <a:bevelT w="8200" h="38100"/>
+    </dgm:sp3d>
+    <dgm:txPr/>
+    <dgm:style>
+      <a:lnRef idx="0">
+        <a:scrgbClr r="0" g="0" b="0"/>
+      </a:lnRef>
+      <a:fillRef idx="2">
+        <a:scrgbClr r="0" g="0" b="0"/>
+      </a:fillRef>
+      <a:effectRef idx="0">
+        <a:scrgbClr r="0" g="0" b="0"/>
+      </a:effectRef>
+      <a:fontRef idx="minor">
+        <a:schemeClr val="tx1"/>
+      </a:fontRef>
+    </dgm:style>
+  </dgm:styleLbl>
+  <dgm:styleLbl name="alignNode1">
+    <dgm:scene3d>
+      <a:camera prst="orthographicFront"/>
+      <a:lightRig rig="threePt" dir="t"/>
+    </dgm:scene3d>
+    <dgm:sp3d/>
+    <dgm:txPr/>
+    <dgm:style>
+      <a:lnRef idx="1">
+        <a:scrgbClr r="0" g="0" b="0"/>
+      </a:lnRef>
+      <a:fillRef idx="2">
+        <a:scrgbClr r="0" g="0" b="0"/>
+      </a:fillRef>
+      <a:effectRef idx="1">
+        <a:scrgbClr r="0" g="0" b="0"/>
+      </a:effectRef>
+      <a:fontRef idx="minor">
+        <a:schemeClr val="dk1"/>
+      </a:fontRef>
+    </dgm:style>
+  </dgm:styleLbl>
+  <dgm:styleLbl name="node1">
+    <dgm:scene3d>
+      <a:camera prst="orthographicFront"/>
+      <a:lightRig rig="flat" dir="t"/>
+    </dgm:scene3d>
+    <dgm:sp3d prstMaterial="dkEdge">
+      <a:bevelT w="8200" h="38100"/>
+    </dgm:sp3d>
+    <dgm:txPr/>
+    <dgm:style>
+      <a:lnRef idx="0">
+        <a:scrgbClr r="0" g="0" b="0"/>
+      </a:lnRef>
+      <a:fillRef idx="2">
+        <a:scrgbClr r="0" g="0" b="0"/>
+      </a:fillRef>
+      <a:effectRef idx="1">
+        <a:scrgbClr r="0" g="0" b="0"/>
+      </a:effectRef>
+      <a:fontRef idx="minor">
+        <a:schemeClr val="dk1"/>
+      </a:fontRef>
+    </dgm:style>
+  </dgm:styleLbl>
+  <dgm:styleLbl name="node2">
+    <dgm:scene3d>
+      <a:camera prst="orthographicFront"/>
+      <a:lightRig rig="flat" dir="t"/>
+    </dgm:scene3d>
+    <dgm:sp3d prstMaterial="dkEdge">
+      <a:bevelT w="8200" h="38100"/>
+    </dgm:sp3d>
+    <dgm:txPr/>
+    <dgm:style>
+      <a:lnRef idx="0">
+        <a:scrgbClr r="0" g="0" b="0"/>
+      </a:lnRef>
+      <a:fillRef idx="2">
+        <a:scrgbClr r="0" g="0" b="0"/>
+      </a:fillRef>
+      <a:effectRef idx="1">
+        <a:scrgbClr r="0" g="0" b="0"/>
+      </a:effectRef>
+      <a:fontRef idx="minor">
+        <a:schemeClr val="dk1"/>
+      </a:fontRef>
+    </dgm:style>
+  </dgm:styleLbl>
+  <dgm:styleLbl name="node3">
+    <dgm:scene3d>
+      <a:camera prst="orthographicFront"/>
+      <a:lightRig rig="flat" dir="t"/>
+    </dgm:scene3d>
+    <dgm:sp3d prstMaterial="dkEdge">
+      <a:bevelT w="8200" h="38100"/>
+    </dgm:sp3d>
+    <dgm:txPr/>
+    <dgm:style>
+      <a:lnRef idx="0">
+        <a:scrgbClr r="0" g="0" b="0"/>
+      </a:lnRef>
+      <a:fillRef idx="2">
+        <a:scrgbClr r="0" g="0" b="0"/>
+      </a:fillRef>
+      <a:effectRef idx="1">
+        <a:scrgbClr r="0" g="0" b="0"/>
+      </a:effectRef>
+      <a:fontRef idx="minor">
+        <a:schemeClr val="dk1"/>
+      </a:fontRef>
+    </dgm:style>
+  </dgm:styleLbl>
+  <dgm:styleLbl name="node4">
+    <dgm:scene3d>
+      <a:camera prst="orthographicFront"/>
+      <a:lightRig rig="flat" dir="t"/>
+    </dgm:scene3d>
+    <dgm:sp3d prstMaterial="dkEdge">
+      <a:bevelT w="8200" h="38100"/>
+    </dgm:sp3d>
+    <dgm:txPr/>
+    <dgm:style>
+      <a:lnRef idx="0">
+        <a:scrgbClr r="0" g="0" b="0"/>
+      </a:lnRef>
+      <a:fillRef idx="2">
+        <a:scrgbClr r="0" g="0" b="0"/>
+      </a:fillRef>
+      <a:effectRef idx="1">
+        <a:scrgbClr r="0" g="0" b="0"/>
+      </a:effectRef>
+      <a:fontRef idx="minor">
+        <a:schemeClr val="dk1"/>
+      </a:fontRef>
+    </dgm:style>
+  </dgm:styleLbl>
+  <dgm:styleLbl name="fgImgPlace1">
+    <dgm:scene3d>
+      <a:camera prst="orthographicFront"/>
+      <a:lightRig rig="threePt" dir="t"/>
+    </dgm:scene3d>
+    <dgm:sp3d/>
+    <dgm:txPr/>
+    <dgm:style>
+      <a:lnRef idx="1">
+        <a:scrgbClr r="0" g="0" b="0"/>
+      </a:lnRef>
+      <a:fillRef idx="1">
+        <a:scrgbClr r="0" g="0" b="0"/>
+      </a:fillRef>
+      <a:effectRef idx="1">
+        <a:scrgbClr r="0" g="0" b="0"/>
+      </a:effectRef>
+      <a:fontRef idx="minor"/>
+    </dgm:style>
+  </dgm:styleLbl>
+  <dgm:styleLbl name="alignImgPlace1">
+    <dgm:scene3d>
+      <a:camera prst="orthographicFront"/>
+      <a:lightRig rig="threePt" dir="t"/>
+    </dgm:scene3d>
+    <dgm:sp3d/>
+    <dgm:txPr/>
+    <dgm:style>
+      <a:lnRef idx="1">
+        <a:scrgbClr r="0" g="0" b="0"/>
+      </a:lnRef>
+      <a:fillRef idx="1">
+        <a:scrgbClr r="0" g="0" b="0"/>
+      </a:fillRef>
+      <a:effectRef idx="1">
+        <a:scrgbClr r="0" g="0" b="0"/>
+      </a:effectRef>
+      <a:fontRef idx="minor"/>
+    </dgm:style>
+  </dgm:styleLbl>
+  <dgm:styleLbl name="bgImgPlace1">
+    <dgm:scene3d>
+      <a:camera prst="orthographicFront"/>
+      <a:lightRig rig="threePt" dir="t"/>
+    </dgm:scene3d>
+    <dgm:sp3d/>
+    <dgm:txPr/>
+    <dgm:style>
+      <a:lnRef idx="1">
+        <a:scrgbClr r="0" g="0" b="0"/>
+      </a:lnRef>
+      <a:fillRef idx="1">
+        <a:scrgbClr r="0" g="0" b="0"/>
+      </a:fillRef>
+      <a:effectRef idx="1">
+        <a:scrgbClr r="0" g="0" b="0"/>
+      </a:effectRef>
+      <a:fontRef idx="minor"/>
+    </dgm:style>
+  </dgm:styleLbl>
+  <dgm:styleLbl name="sibTrans2D1">
+    <dgm:scene3d>
+      <a:camera prst="orthographicFront"/>
+      <a:lightRig rig="threePt" dir="t"/>
+    </dgm:scene3d>
+    <dgm:sp3d/>
+    <dgm:txPr/>
+    <dgm:style>
+      <a:lnRef idx="0">
+        <a:scrgbClr r="0" g="0" b="0"/>
+      </a:lnRef>
+      <a:fillRef idx="2">
+        <a:scrgbClr r="0" g="0" b="0"/>
+      </a:fillRef>
+      <a:effectRef idx="1">
+        <a:scrgbClr r="0" g="0" b="0"/>
+      </a:effectRef>
+      <a:fontRef idx="minor">
+        <a:schemeClr val="dk1"/>
+      </a:fontRef>
+    </dgm:style>
+  </dgm:styleLbl>
+  <dgm:styleLbl name="fgSibTrans2D1">
+    <dgm:scene3d>
+      <a:camera prst="orthographicFront"/>
+      <a:lightRig rig="threePt" dir="t"/>
+    </dgm:scene3d>
+    <dgm:sp3d/>
+    <dgm:txPr/>
+    <dgm:style>
+      <a:lnRef idx="0">
+        <a:scrgbClr r="0" g="0" b="0"/>
+      </a:lnRef>
+      <a:fillRef idx="2">
+        <a:scrgbClr r="0" g="0" b="0"/>
+      </a:fillRef>
+      <a:effectRef idx="1">
+        <a:scrgbClr r="0" g="0" b="0"/>
+      </a:effectRef>
+      <a:fontRef idx="minor">
+        <a:schemeClr val="dk1"/>
+      </a:fontRef>
+    </dgm:style>
+  </dgm:styleLbl>
+  <dgm:styleLbl name="bgSibTrans2D1">
+    <dgm:scene3d>
+      <a:camera prst="orthographicFront"/>
+      <a:lightRig rig="threePt" dir="t"/>
+    </dgm:scene3d>
+    <dgm:sp3d/>
+    <dgm:txPr/>
+    <dgm:style>
+      <a:lnRef idx="0">
+        <a:scrgbClr r="0" g="0" b="0"/>
+      </a:lnRef>
+      <a:fillRef idx="2">
+        <a:scrgbClr r="0" g="0" b="0"/>
+      </a:fillRef>
+      <a:effectRef idx="1">
+        <a:scrgbClr r="0" g="0" b="0"/>
+      </a:effectRef>
+      <a:fontRef idx="minor">
+        <a:schemeClr val="dk1"/>
+      </a:fontRef>
+    </dgm:style>
+  </dgm:styleLbl>
+  <dgm:styleLbl name="sibTrans1D1">
+    <dgm:scene3d>
+      <a:camera prst="orthographicFront"/>
+      <a:lightRig rig="threePt" dir="t"/>
+    </dgm:scene3d>
+    <dgm:sp3d/>
+    <dgm:txPr/>
+    <dgm:style>
+      <a:lnRef idx="1">
+        <a:scrgbClr r="0" g="0" b="0"/>
+      </a:lnRef>
+      <a:fillRef idx="0">
+        <a:scrgbClr r="0" g="0" b="0"/>
+      </a:fillRef>
+      <a:effectRef idx="0">
+        <a:scrgbClr r="0" g="0" b="0"/>
+      </a:effectRef>
+      <a:fontRef idx="minor"/>
+    </dgm:style>
+  </dgm:styleLbl>
+  <dgm:styleLbl name="callout">
+    <dgm:scene3d>
+      <a:camera prst="orthographicFront"/>
+      <a:lightRig rig="threePt" dir="t"/>
+    </dgm:scene3d>
+    <dgm:sp3d/>
+    <dgm:txPr/>
+    <dgm:style>
+      <a:lnRef idx="1">
+        <a:scrgbClr r="0" g="0" b="0"/>
+      </a:lnRef>
+      <a:fillRef idx="2">
+        <a:scrgbClr r="0" g="0" b="0"/>
+      </a:fillRef>
+      <a:effectRef idx="1">
+        <a:scrgbClr r="0" g="0" b="0"/>
+      </a:effectRef>
+      <a:fontRef idx="minor"/>
+    </dgm:style>
+  </dgm:styleLbl>
+  <dgm:styleLbl name="asst0">
+    <dgm:scene3d>
+      <a:camera prst="orthographicFront"/>
+      <a:lightRig rig="flat" dir="t"/>
+    </dgm:scene3d>
+    <dgm:sp3d prstMaterial="dkEdge">
+      <a:bevelT w="8200" h="38100"/>
+    </dgm:sp3d>
+    <dgm:txPr/>
+    <dgm:style>
+      <a:lnRef idx="0">
+        <a:scrgbClr r="0" g="0" b="0"/>
+      </a:lnRef>
+      <a:fillRef idx="2">
+        <a:scrgbClr r="0" g="0" b="0"/>
+      </a:fillRef>
+      <a:effectRef idx="1">
+        <a:scrgbClr r="0" g="0" b="0"/>
+      </a:effectRef>
+      <a:fontRef idx="minor">
+        <a:schemeClr val="dk1"/>
+      </a:fontRef>
+    </dgm:style>
+  </dgm:styleLbl>
+  <dgm:styleLbl name="asst1">
+    <dgm:scene3d>
+      <a:camera prst="orthographicFront"/>
+      <a:lightRig rig="flat" dir="t"/>
+    </dgm:scene3d>
+    <dgm:sp3d prstMaterial="dkEdge">
+      <a:bevelT w="8200" h="38100"/>
+    </dgm:sp3d>
+    <dgm:txPr/>
+    <dgm:style>
+      <a:lnRef idx="0">
+        <a:scrgbClr r="0" g="0" b="0"/>
+      </a:lnRef>
+      <a:fillRef idx="2">
+        <a:scrgbClr r="0" g="0" b="0"/>
+      </a:fillRef>
+      <a:effectRef idx="1">
+        <a:scrgbClr r="0" g="0" b="0"/>
+      </a:effectRef>
+      <a:fontRef idx="minor">
+        <a:schemeClr val="dk1"/>
+      </a:fontRef>
+    </dgm:style>
+  </dgm:styleLbl>
+  <dgm:styleLbl name="asst2">
+    <dgm:scene3d>
+      <a:camera prst="orthographicFront"/>
+      <a:lightRig rig="flat" dir="t"/>
+    </dgm:scene3d>
+    <dgm:sp3d prstMaterial="dkEdge">
+      <a:bevelT w="8200" h="38100"/>
+    </dgm:sp3d>
+    <dgm:txPr/>
+    <dgm:style>
+      <a:lnRef idx="0">
+        <a:scrgbClr r="0" g="0" b="0"/>
+      </a:lnRef>
+      <a:fillRef idx="2">
+        <a:scrgbClr r="0" g="0" b="0"/>
+      </a:fillRef>
+      <a:effectRef idx="1">
+        <a:scrgbClr r="0" g="0" b="0"/>
+      </a:effectRef>
+      <a:fontRef idx="minor">
+        <a:schemeClr val="dk1"/>
+      </a:fontRef>
+    </dgm:style>
+  </dgm:styleLbl>
+  <dgm:styleLbl name="asst3">
+    <dgm:scene3d>
+      <a:camera prst="orthographicFront"/>
+      <a:lightRig rig="flat" dir="t"/>
+    </dgm:scene3d>
+    <dgm:sp3d prstMaterial="dkEdge">
+      <a:bevelT w="8200" h="38100"/>
+    </dgm:sp3d>
+    <dgm:txPr/>
+    <dgm:style>
+      <a:lnRef idx="0">
+        <a:scrgbClr r="0" g="0" b="0"/>
+      </a:lnRef>
+      <a:fillRef idx="2">
+        <a:scrgbClr r="0" g="0" b="0"/>
+      </a:fillRef>
+      <a:effectRef idx="1">
+        <a:scrgbClr r="0" g="0" b="0"/>
+      </a:effectRef>
+      <a:fontRef idx="minor">
+        <a:schemeClr val="dk1"/>
+      </a:fontRef>
+    </dgm:style>
+  </dgm:styleLbl>
+  <dgm:styleLbl name="asst4">
+    <dgm:scene3d>
+      <a:camera prst="orthographicFront"/>
+      <a:lightRig rig="flat" dir="t"/>
+    </dgm:scene3d>
+    <dgm:sp3d prstMaterial="dkEdge">
+      <a:bevelT w="8200" h="38100"/>
+    </dgm:sp3d>
+    <dgm:txPr/>
+    <dgm:style>
+      <a:lnRef idx="0">
+        <a:scrgbClr r="0" g="0" b="0"/>
+      </a:lnRef>
+      <a:fillRef idx="2">
+        <a:scrgbClr r="0" g="0" b="0"/>
+      </a:fillRef>
+      <a:effectRef idx="1">
+        <a:scrgbClr r="0" g="0" b="0"/>
+      </a:effectRef>
+      <a:fontRef idx="minor">
+        <a:schemeClr val="dk1"/>
+      </a:fontRef>
+    </dgm:style>
+  </dgm:styleLbl>
+  <dgm:styleLbl name="parChTrans2D1">
+    <dgm:scene3d>
+      <a:camera prst="orthographicFront"/>
+      <a:lightRig rig="threePt" dir="t"/>
+    </dgm:scene3d>
+    <dgm:sp3d/>
+    <dgm:txPr/>
+    <dgm:style>
+      <a:lnRef idx="1">
+        <a:scrgbClr r="0" g="0" b="0"/>
+      </a:lnRef>
+      <a:fillRef idx="2">
+        <a:scrgbClr r="0" g="0" b="0"/>
+      </a:fillRef>
+      <a:effectRef idx="1">
+        <a:scrgbClr r="0" g="0" b="0"/>
+      </a:effectRef>
+      <a:fontRef idx="minor">
+        <a:schemeClr val="dk1"/>
+      </a:fontRef>
+    </dgm:style>
+  </dgm:styleLbl>
+  <dgm:styleLbl name="parChTrans2D2">
+    <dgm:scene3d>
+      <a:camera prst="orthographicFront"/>
+      <a:lightRig rig="threePt" dir="t"/>
+    </dgm:scene3d>
+    <dgm:sp3d/>
+    <dgm:txPr/>
+    <dgm:style>
+      <a:lnRef idx="1">
+        <a:scrgbClr r="0" g="0" b="0"/>
+      </a:lnRef>
+      <a:fillRef idx="2">
+        <a:scrgbClr r="0" g="0" b="0"/>
+      </a:fillRef>
+      <a:effectRef idx="1">
+        <a:scrgbClr r="0" g="0" b="0"/>
+      </a:effectRef>
+      <a:fontRef idx="minor">
+        <a:schemeClr val="dk1"/>
+      </a:fontRef>
+    </dgm:style>
+  </dgm:styleLbl>
+  <dgm:styleLbl name="parChTrans2D3">
+    <dgm:scene3d>
+      <a:camera prst="orthographicFront"/>
+      <a:lightRig rig="threePt" dir="t"/>
+    </dgm:scene3d>
+    <dgm:sp3d/>
+    <dgm:txPr/>
+    <dgm:style>
+      <a:lnRef idx="1">
+        <a:scrgbClr r="0" g="0" b="0"/>
+      </a:lnRef>
+      <a:fillRef idx="2">
+        <a:scrgbClr r="0" g="0" b="0"/>
+      </a:fillRef>
+      <a:effectRef idx="1">
+        <a:scrgbClr r="0" g="0" b="0"/>
+      </a:effectRef>
+      <a:fontRef idx="minor">
+        <a:schemeClr val="dk1"/>
+      </a:fontRef>
+    </dgm:style>
+  </dgm:styleLbl>
+  <dgm:styleLbl name="parChTrans2D4">
+    <dgm:scene3d>
+      <a:camera prst="orthographicFront"/>
+      <a:lightRig rig="threePt" dir="t"/>
+    </dgm:scene3d>
+    <dgm:sp3d/>
+    <dgm:txPr/>
+    <dgm:style>
+      <a:lnRef idx="1">
+        <a:scrgbClr r="0" g="0" b="0"/>
+      </a:lnRef>
+      <a:fillRef idx="2">
+        <a:scrgbClr r="0" g="0" b="0"/>
+      </a:fillRef>
+      <a:effectRef idx="1">
+        <a:scrgbClr r="0" g="0" b="0"/>
+      </a:effectRef>
+      <a:fontRef idx="minor">
+        <a:schemeClr val="dk1"/>
+      </a:fontRef>
+    </dgm:style>
+  </dgm:styleLbl>
+  <dgm:styleLbl name="parChTrans1D1">
+    <dgm:scene3d>
+      <a:camera prst="orthographicFront"/>
+      <a:lightRig rig="threePt" dir="t"/>
+    </dgm:scene3d>
+    <dgm:sp3d/>
+    <dgm:txPr/>
+    <dgm:style>
+      <a:lnRef idx="2">
+        <a:scrgbClr r="0" g="0" b="0"/>
+      </a:lnRef>
+      <a:fillRef idx="0">
+        <a:scrgbClr r="0" g="0" b="0"/>
+      </a:fillRef>
+      <a:effectRef idx="0">
+        <a:scrgbClr r="0" g="0" b="0"/>
+      </a:effectRef>
+      <a:fontRef idx="minor"/>
+    </dgm:style>
+  </dgm:styleLbl>
+  <dgm:styleLbl name="parChTrans1D2">
+    <dgm:scene3d>
+      <a:camera prst="orthographicFront"/>
+      <a:lightRig rig="threePt" dir="t"/>
+    </dgm:scene3d>
+    <dgm:sp3d/>
+    <dgm:txPr/>
+    <dgm:style>
+      <a:lnRef idx="2">
+        <a:scrgbClr r="0" g="0" b="0"/>
+      </a:lnRef>
+      <a:fillRef idx="0">
+        <a:scrgbClr r="0" g="0" b="0"/>
+      </a:fillRef>
+      <a:effectRef idx="0">
+        <a:scrgbClr r="0" g="0" b="0"/>
+      </a:effectRef>
+      <a:fontRef idx="minor"/>
+    </dgm:style>
+  </dgm:styleLbl>
+  <dgm:styleLbl name="parChTrans1D3">
+    <dgm:scene3d>
+      <a:camera prst="orthographicFront"/>
+      <a:lightRig rig="threePt" dir="t"/>
+    </dgm:scene3d>
+    <dgm:sp3d/>
+    <dgm:txPr/>
+    <dgm:style>
+      <a:lnRef idx="2">
+        <a:scrgbClr r="0" g="0" b="0"/>
+      </a:lnRef>
+      <a:fillRef idx="0">
+        <a:scrgbClr r="0" g="0" b="0"/>
+      </a:fillRef>
+      <a:effectRef idx="0">
+        <a:scrgbClr r="0" g="0" b="0"/>
+      </a:effectRef>
+      <a:fontRef idx="minor"/>
+    </dgm:style>
+  </dgm:styleLbl>
+  <dgm:styleLbl name="parChTrans1D4">
+    <dgm:scene3d>
+      <a:camera prst="orthographicFront"/>
+      <a:lightRig rig="threePt" dir="t"/>
+    </dgm:scene3d>
+    <dgm:sp3d/>
+    <dgm:txPr/>
+    <dgm:style>
+      <a:lnRef idx="2">
+        <a:scrgbClr r="0" g="0" b="0"/>
+      </a:lnRef>
+      <a:fillRef idx="0">
+        <a:scrgbClr r="0" g="0" b="0"/>
+      </a:fillRef>
+      <a:effectRef idx="0">
+        <a:scrgbClr r="0" g="0" b="0"/>
+      </a:effectRef>
+      <a:fontRef idx="minor"/>
+    </dgm:style>
+  </dgm:styleLbl>
+  <dgm:styleLbl name="fgAcc1">
+    <dgm:scene3d>
+      <a:camera prst="orthographicFront"/>
+      <a:lightRig rig="threePt" dir="t"/>
+    </dgm:scene3d>
+    <dgm:sp3d/>
+    <dgm:txPr/>
+    <dgm:style>
+      <a:lnRef idx="1">
+        <a:scrgbClr r="0" g="0" b="0"/>
+      </a:lnRef>
+      <a:fillRef idx="1">
+        <a:scrgbClr r="0" g="0" b="0"/>
+      </a:fillRef>
+      <a:effectRef idx="0">
+        <a:scrgbClr r="0" g="0" b="0"/>
+      </a:effectRef>
+      <a:fontRef idx="minor"/>
+    </dgm:style>
+  </dgm:styleLbl>
+  <dgm:styleLbl name="conFgAcc1">
+    <dgm:scene3d>
+      <a:camera prst="orthographicFront"/>
+      <a:lightRig rig="threePt" dir="t"/>
+    </dgm:scene3d>
+    <dgm:sp3d/>
+    <dgm:txPr/>
+    <dgm:style>
+      <a:lnRef idx="1">
+        <a:scrgbClr r="0" g="0" b="0"/>
+      </a:lnRef>
+      <a:fillRef idx="1">
+        <a:scrgbClr r="0" g="0" b="0"/>
+      </a:fillRef>
+      <a:effectRef idx="0">
+        <a:scrgbClr r="0" g="0" b="0"/>
+      </a:effectRef>
+      <a:fontRef idx="minor"/>
+    </dgm:style>
+  </dgm:styleLbl>
+  <dgm:styleLbl name="alignAcc1">
+    <dgm:scene3d>
+      <a:camera prst="orthographicFront"/>
+      <a:lightRig rig="threePt" dir="t"/>
+    </dgm:scene3d>
+    <dgm:sp3d/>
+    <dgm:txPr/>
+    <dgm:style>
+      <a:lnRef idx="1">
+        <a:scrgbClr r="0" g="0" b="0"/>
+      </a:lnRef>
+      <a:fillRef idx="1">
+        <a:scrgbClr r="0" g="0" b="0"/>
+      </a:fillRef>
+      <a:effectRef idx="0">
+        <a:scrgbClr r="0" g="0" b="0"/>
+      </a:effectRef>
+      <a:fontRef idx="minor"/>
+    </dgm:style>
+  </dgm:styleLbl>
+  <dgm:styleLbl name="trAlignAcc1">
+    <dgm:scene3d>
+      <a:camera prst="orthographicFront"/>
+      <a:lightRig rig="threePt" dir="t"/>
+    </dgm:scene3d>
+    <dgm:sp3d/>
+    <dgm:txPr/>
+    <dgm:style>
+      <a:lnRef idx="1">
+        <a:scrgbClr r="0" g="0" b="0"/>
+      </a:lnRef>
+      <a:fillRef idx="1">
+        <a:scrgbClr r="0" g="0" b="0"/>
+      </a:fillRef>
+      <a:effectRef idx="0">
+        <a:scrgbClr r="0" g="0" b="0"/>
+      </a:effectRef>
+      <a:fontRef idx="minor"/>
+    </dgm:style>
+  </dgm:styleLbl>
+  <dgm:styleLbl name="bgAcc1">
+    <dgm:scene3d>
+      <a:camera prst="orthographicFront"/>
+      <a:lightRig rig="threePt" dir="t"/>
+    </dgm:scene3d>
+    <dgm:sp3d/>
+    <dgm:txPr/>
+    <dgm:style>
+      <a:lnRef idx="1">
+        <a:scrgbClr r="0" g="0" b="0"/>
+      </a:lnRef>
+      <a:fillRef idx="1">
+        <a:scrgbClr r="0" g="0" b="0"/>
+      </a:fillRef>
+      <a:effectRef idx="0">
+        <a:scrgbClr r="0" g="0" b="0"/>
+      </a:effectRef>
+      <a:fontRef idx="minor"/>
+    </dgm:style>
+  </dgm:styleLbl>
+  <dgm:styleLbl name="solidFgAcc1">
+    <dgm:scene3d>
+      <a:camera prst="orthographicFront"/>
+      <a:lightRig rig="threePt" dir="t"/>
+    </dgm:scene3d>
+    <dgm:sp3d/>
+    <dgm:txPr/>
+    <dgm:style>
+      <a:lnRef idx="1">
+        <a:scrgbClr r="0" g="0" b="0"/>
+      </a:lnRef>
+      <a:fillRef idx="2">
+        <a:scrgbClr r="0" g="0" b="0"/>
+      </a:fillRef>
+      <a:effectRef idx="0">
+        <a:scrgbClr r="0" g="0" b="0"/>
+      </a:effectRef>
+      <a:fontRef idx="minor"/>
+    </dgm:style>
+  </dgm:styleLbl>
+  <dgm:styleLbl name="solidAlignAcc1">
+    <dgm:scene3d>
+      <a:camera prst="orthographicFront"/>
+      <a:lightRig rig="threePt" dir="t"/>
+    </dgm:scene3d>
+    <dgm:sp3d/>
+    <dgm:txPr/>
+    <dgm:style>
+      <a:lnRef idx="1">
+        <a:scrgbClr r="0" g="0" b="0"/>
+      </a:lnRef>
+      <a:fillRef idx="1">
+        <a:scrgbClr r="0" g="0" b="0"/>
+      </a:fillRef>
+      <a:effectRef idx="0">
+        <a:scrgbClr r="0" g="0" b="0"/>
+      </a:effectRef>
+      <a:fontRef idx="minor"/>
+    </dgm:style>
+  </dgm:styleLbl>
+  <dgm:styleLbl name="solidBgAcc1">
+    <dgm:scene3d>
+      <a:camera prst="orthographicFront"/>
+      <a:lightRig rig="threePt" dir="t"/>
+    </dgm:scene3d>
+    <dgm:sp3d/>
+    <dgm:txPr/>
+    <dgm:style>
+      <a:lnRef idx="1">
+        <a:scrgbClr r="0" g="0" b="0"/>
+      </a:lnRef>
+      <a:fillRef idx="1">
+        <a:scrgbClr r="0" g="0" b="0"/>
+      </a:fillRef>
+      <a:effectRef idx="0">
+        <a:scrgbClr r="0" g="0" b="0"/>
+      </a:effectRef>
+      <a:fontRef idx="minor"/>
+    </dgm:style>
+  </dgm:styleLbl>
+  <dgm:styleLbl name="fgAccFollowNode1">
+    <dgm:scene3d>
+      <a:camera prst="orthographicFront"/>
+      <a:lightRig rig="threePt" dir="t"/>
+    </dgm:scene3d>
+    <dgm:sp3d/>
+    <dgm:txPr/>
+    <dgm:style>
+      <a:lnRef idx="1">
+        <a:scrgbClr r="0" g="0" b="0"/>
+      </a:lnRef>
+      <a:fillRef idx="1">
+        <a:scrgbClr r="0" g="0" b="0"/>
+      </a:fillRef>
+      <a:effectRef idx="0">
+        <a:scrgbClr r="0" g="0" b="0"/>
+      </a:effectRef>
+      <a:fontRef idx="minor"/>
+    </dgm:style>
+  </dgm:styleLbl>
+  <dgm:styleLbl name="alignAccFollowNode1">
+    <dgm:scene3d>
+      <a:camera prst="orthographicFront"/>
+      <a:lightRig rig="threePt" dir="t"/>
+    </dgm:scene3d>
+    <dgm:sp3d/>
+    <dgm:txPr/>
+    <dgm:style>
+      <a:lnRef idx="1">
+        <a:scrgbClr r="0" g="0" b="0"/>
+      </a:lnRef>
+      <a:fillRef idx="1">
+        <a:scrgbClr r="0" g="0" b="0"/>
+      </a:fillRef>
+      <a:effectRef idx="0">
+        <a:scrgbClr r="0" g="0" b="0"/>
+      </a:effectRef>
+      <a:fontRef idx="minor"/>
+    </dgm:style>
+  </dgm:styleLbl>
+  <dgm:styleLbl name="bgAccFollowNode1">
+    <dgm:scene3d>
+      <a:camera prst="orthographicFront"/>
+      <a:lightRig rig="threePt" dir="t"/>
+    </dgm:scene3d>
+    <dgm:sp3d/>
+    <dgm:txPr/>
+    <dgm:style>
+      <a:lnRef idx="1">
+        <a:scrgbClr r="0" g="0" b="0"/>
+      </a:lnRef>
+      <a:fillRef idx="1">
+        <a:scrgbClr r="0" g="0" b="0"/>
+      </a:fillRef>
+      <a:effectRef idx="0">
+        <a:scrgbClr r="0" g="0" b="0"/>
+      </a:effectRef>
+      <a:fontRef idx="minor"/>
+    </dgm:style>
+  </dgm:styleLbl>
+  <dgm:styleLbl name="fgAcc0">
+    <dgm:scene3d>
+      <a:camera prst="orthographicFront"/>
+      <a:lightRig rig="threePt" dir="t"/>
+    </dgm:scene3d>
+    <dgm:sp3d/>
+    <dgm:txPr/>
+    <dgm:style>
+      <a:lnRef idx="1">
+        <a:scrgbClr r="0" g="0" b="0"/>
+      </a:lnRef>
+      <a:fillRef idx="1">
+        <a:scrgbClr r="0" g="0" b="0"/>
+      </a:fillRef>
+      <a:effectRef idx="0">
+        <a:scrgbClr r="0" g="0" b="0"/>
+      </a:effectRef>
+      <a:fontRef idx="minor"/>
+    </dgm:style>
+  </dgm:styleLbl>
+  <dgm:styleLbl name="fgAcc2">
+    <dgm:scene3d>
+      <a:camera prst="orthographicFront"/>
+      <a:lightRig rig="threePt" dir="t"/>
+    </dgm:scene3d>
+    <dgm:sp3d/>
+    <dgm:txPr/>
+    <dgm:style>
+      <a:lnRef idx="1">
+        <a:scrgbClr r="0" g="0" b="0"/>
+      </a:lnRef>
+      <a:fillRef idx="1">
+        <a:scrgbClr r="0" g="0" b="0"/>
+      </a:fillRef>
+      <a:effectRef idx="0">
+        <a:scrgbClr r="0" g="0" b="0"/>
+      </a:effectRef>
+      <a:fontRef idx="minor"/>
+    </dgm:style>
+  </dgm:styleLbl>
+  <dgm:styleLbl name="fgAcc3">
+    <dgm:scene3d>
+      <a:camera prst="orthographicFront"/>
+      <a:lightRig rig="threePt" dir="t"/>
+    </dgm:scene3d>
+    <dgm:sp3d/>
+    <dgm:txPr/>
+    <dgm:style>
+      <a:lnRef idx="1">
+        <a:scrgbClr r="0" g="0" b="0"/>
+      </a:lnRef>
+      <a:fillRef idx="1">
+        <a:scrgbClr r="0" g="0" b="0"/>
+      </a:fillRef>
+      <a:effectRef idx="0">
+        <a:scrgbClr r="0" g="0" b="0"/>
+      </a:effectRef>
+      <a:fontRef idx="minor"/>
+    </dgm:style>
+  </dgm:styleLbl>
+  <dgm:styleLbl name="fgAcc4">
+    <dgm:scene3d>
+      <a:camera prst="orthographicFront"/>
+      <a:lightRig rig="threePt" dir="t"/>
+    </dgm:scene3d>
+    <dgm:sp3d/>
+    <dgm:txPr/>
+    <dgm:style>
+      <a:lnRef idx="1">
+        <a:scrgbClr r="0" g="0" b="0"/>
+      </a:lnRef>
+      <a:fillRef idx="1">
+        <a:scrgbClr r="0" g="0" b="0"/>
+      </a:fillRef>
+      <a:effectRef idx="0">
+        <a:scrgbClr r="0" g="0" b="0"/>
+      </a:effectRef>
+      <a:fontRef idx="minor"/>
+    </dgm:style>
+  </dgm:styleLbl>
+  <dgm:styleLbl name="bgShp">
+    <dgm:scene3d>
+      <a:camera prst="orthographicFront"/>
+      <a:lightRig rig="threePt" dir="t"/>
+    </dgm:scene3d>
+    <dgm:sp3d/>
+    <dgm:txPr/>
+    <dgm:style>
+      <a:lnRef idx="0">
+        <a:scrgbClr r="0" g="0" b="0"/>
+      </a:lnRef>
+      <a:fillRef idx="1">
+        <a:scrgbClr r="0" g="0" b="0"/>
+      </a:fillRef>
+      <a:effectRef idx="1">
+        <a:scrgbClr r="0" g="0" b="0"/>
+      </a:effectRef>
+      <a:fontRef idx="minor"/>
+    </dgm:style>
+  </dgm:styleLbl>
+  <dgm:styleLbl name="dkBgShp">
+    <dgm:scene3d>
+      <a:camera prst="orthographicFront"/>
+      <a:lightRig rig="threePt" dir="t"/>
+    </dgm:scene3d>
+    <dgm:sp3d/>
+    <dgm:txPr/>
+    <dgm:style>
+      <a:lnRef idx="0">
+        <a:scrgbClr r="0" g="0" b="0"/>
+      </a:lnRef>
+      <a:fillRef idx="1">
+        <a:scrgbClr r="0" g="0" b="0"/>
+      </a:fillRef>
+      <a:effectRef idx="1">
+        <a:scrgbClr r="0" g="0" b="0"/>
+      </a:effectRef>
+      <a:fontRef idx="minor"/>
+    </dgm:style>
+  </dgm:styleLbl>
+  <dgm:styleLbl name="trBgShp">
+    <dgm:scene3d>
+      <a:camera prst="orthographicFront"/>
+      <a:lightRig rig="threePt" dir="t"/>
+    </dgm:scene3d>
+    <dgm:sp3d/>
+    <dgm:txPr/>
+    <dgm:style>
+      <a:lnRef idx="0">
+        <a:scrgbClr r="0" g="0" b="0"/>
+      </a:lnRef>
+      <a:fillRef idx="1">
+        <a:scrgbClr r="0" g="0" b="0"/>
+      </a:fillRef>
+      <a:effectRef idx="0">
+        <a:scrgbClr r="0" g="0" b="0"/>
+      </a:effectRef>
+      <a:fontRef idx="minor"/>
+    </dgm:style>
+  </dgm:styleLbl>
+  <dgm:styleLbl name="fgShp">
+    <dgm:scene3d>
+      <a:camera prst="orthographicFront"/>
+      <a:lightRig rig="flat" dir="t"/>
+    </dgm:scene3d>
+    <dgm:sp3d prstMaterial="dkEdge">
+      <a:bevelT w="8200" h="38100"/>
+    </dgm:sp3d>
+    <dgm:txPr/>
+    <dgm:style>
+      <a:lnRef idx="1">
+        <a:scrgbClr r="0" g="0" b="0"/>
+      </a:lnRef>
+      <a:fillRef idx="2">
+        <a:scrgbClr r="0" g="0" b="0"/>
+      </a:fillRef>
+      <a:effectRef idx="1">
+        <a:scrgbClr r="0" g="0" b="0"/>
+      </a:effectRef>
+      <a:fontRef idx="minor"/>
+    </dgm:style>
+  </dgm:styleLbl>
+  <dgm:styleLbl name="revTx">
+    <dgm:scene3d>
+      <a:camera prst="orthographicFront"/>
+      <a:lightRig rig="threePt" dir="t"/>
+    </dgm:scene3d>
+    <dgm:sp3d/>
+    <dgm:txPr/>
+    <dgm:style>
+      <a:lnRef idx="0">
+        <a:scrgbClr r="0" g="0" b="0"/>
+      </a:lnRef>
+      <a:fillRef idx="0">
+        <a:scrgbClr r="0" g="0" b="0"/>
+      </a:fillRef>
+      <a:effectRef idx="0">
+        <a:scrgbClr r="0" g="0" b="0"/>
+      </a:effectRef>
+      <a:fontRef idx="minor"/>
+    </dgm:style>
+  </dgm:styleLbl>
+</dgm:styleDef>
 </file>
 
 <file path=ppt/slideLayouts/slideLayout1.xml><?xml version="1.0" encoding="utf-8"?>
@@ -2980,7 +6689,13 @@
           <p:nvPr/>
         </p:nvPicPr>
         <p:blipFill>
-          <a:blip r:embed="rId2"/>
+          <a:blip r:embed="rId2">
+            <a:extLst>
+              <a:ext uri="{28A0092B-C50C-407E-A947-70E740481C1C}">
+                <a14:useLocalDpi xmlns:a14="http://schemas.microsoft.com/office/drawing/2010/main" val="0"/>
+              </a:ext>
+            </a:extLst>
+          </a:blip>
           <a:stretch>
             <a:fillRect/>
           </a:stretch>
@@ -3004,7 +6719,13 @@
           <p:nvPr/>
         </p:nvPicPr>
         <p:blipFill>
-          <a:blip r:embed="rId3"/>
+          <a:blip r:embed="rId3">
+            <a:extLst>
+              <a:ext uri="{28A0092B-C50C-407E-A947-70E740481C1C}">
+                <a14:useLocalDpi xmlns:a14="http://schemas.microsoft.com/office/drawing/2010/main" val="0"/>
+              </a:ext>
+            </a:extLst>
+          </a:blip>
           <a:stretch>
             <a:fillRect/>
           </a:stretch>
@@ -3219,7 +6940,13 @@
           <p:nvPr/>
         </p:nvPicPr>
         <p:blipFill>
-          <a:blip r:embed="rId2"/>
+          <a:blip r:embed="rId2" cstate="screen">
+            <a:extLst>
+              <a:ext uri="{28A0092B-C50C-407E-A947-70E740481C1C}">
+                <a14:useLocalDpi xmlns:a14="http://schemas.microsoft.com/office/drawing/2010/main" val="0"/>
+              </a:ext>
+            </a:extLst>
+          </a:blip>
           <a:stretch>
             <a:fillRect/>
           </a:stretch>
@@ -3915,14 +7642,14 @@
             <p:nvPr/>
           </p:nvPicPr>
           <p:blipFill rotWithShape="1">
-            <a:blip r:embed="rId5">
+            <a:blip r:embed="rId5" cstate="print">
               <a:extLst>
                 <a:ext uri="{28A0092B-C50C-407E-A947-70E740481C1C}">
                   <a14:useLocalDpi xmlns:a14="http://schemas.microsoft.com/office/drawing/2010/main" val="0"/>
                 </a:ext>
               </a:extLst>
             </a:blip>
-            <a:srcRect l="10633" r="15316"/>
+            <a:srcRect/>
             <a:stretch/>
           </p:blipFill>
           <p:spPr bwMode="auto">
@@ -3959,7 +7686,13 @@
             <p:nvPr/>
           </p:nvPicPr>
           <p:blipFill rotWithShape="1">
-            <a:blip r:embed="rId6"/>
+            <a:blip r:embed="rId6" cstate="print">
+              <a:extLst>
+                <a:ext uri="{28A0092B-C50C-407E-A947-70E740481C1C}">
+                  <a14:useLocalDpi xmlns:a14="http://schemas.microsoft.com/office/drawing/2010/main" val="0"/>
+                </a:ext>
+              </a:extLst>
+            </a:blip>
             <a:srcRect l="7961" t="6340" r="8273" b="9011"/>
             <a:stretch/>
           </p:blipFill>
@@ -3987,7 +7720,13 @@
             <p:nvPr/>
           </p:nvPicPr>
           <p:blipFill rotWithShape="1">
-            <a:blip r:embed="rId7"/>
+            <a:blip r:embed="rId7" cstate="print">
+              <a:extLst>
+                <a:ext uri="{28A0092B-C50C-407E-A947-70E740481C1C}">
+                  <a14:useLocalDpi xmlns:a14="http://schemas.microsoft.com/office/drawing/2010/main" val="0"/>
+                </a:ext>
+              </a:extLst>
+            </a:blip>
             <a:srcRect l="3674" t="10747" r="5615" b="13218"/>
             <a:stretch/>
           </p:blipFill>
@@ -4209,7 +7948,7 @@
           <p:nvPr/>
         </p:nvPicPr>
         <p:blipFill>
-          <a:blip r:embed="rId9">
+          <a:blip r:embed="rId9" cstate="screen">
             <a:extLst>
               <a:ext uri="{28A0092B-C50C-407E-A947-70E740481C1C}">
                 <a14:useLocalDpi xmlns:a14="http://schemas.microsoft.com/office/drawing/2010/main" val="0"/>
@@ -4311,30 +8050,3984 @@
           <a:chExt cx="0" cy="0"/>
         </a:xfrm>
       </p:grpSpPr>
+      <p:grpSp>
+        <p:nvGrpSpPr>
+          <p:cNvPr id="73" name="组合 72"/>
+          <p:cNvGrpSpPr/>
+          <p:nvPr/>
+        </p:nvGrpSpPr>
+        <p:grpSpPr>
+          <a:xfrm>
+            <a:off x="6890270" y="4123487"/>
+            <a:ext cx="3190706" cy="1692000"/>
+            <a:chOff x="3653747" y="1708388"/>
+            <a:chExt cx="2952000" cy="1692000"/>
+          </a:xfrm>
+        </p:grpSpPr>
+        <p:sp>
+          <p:nvSpPr>
+            <p:cNvPr id="74" name="任意多边形 73"/>
+            <p:cNvSpPr/>
+            <p:nvPr/>
+          </p:nvSpPr>
+          <p:spPr>
+            <a:xfrm>
+              <a:off x="3653747" y="1708388"/>
+              <a:ext cx="2952000" cy="1692000"/>
+            </a:xfrm>
+            <a:custGeom>
+              <a:avLst/>
+              <a:gdLst>
+                <a:gd name="connsiteX0" fmla="*/ 0 w 2963470"/>
+                <a:gd name="connsiteY0" fmla="*/ 148174 h 1481735"/>
+                <a:gd name="connsiteX1" fmla="*/ 148174 w 2963470"/>
+                <a:gd name="connsiteY1" fmla="*/ 0 h 1481735"/>
+                <a:gd name="connsiteX2" fmla="*/ 2815297 w 2963470"/>
+                <a:gd name="connsiteY2" fmla="*/ 0 h 1481735"/>
+                <a:gd name="connsiteX3" fmla="*/ 2963471 w 2963470"/>
+                <a:gd name="connsiteY3" fmla="*/ 148174 h 1481735"/>
+                <a:gd name="connsiteX4" fmla="*/ 2963470 w 2963470"/>
+                <a:gd name="connsiteY4" fmla="*/ 1333562 h 1481735"/>
+                <a:gd name="connsiteX5" fmla="*/ 2815296 w 2963470"/>
+                <a:gd name="connsiteY5" fmla="*/ 1481736 h 1481735"/>
+                <a:gd name="connsiteX6" fmla="*/ 148174 w 2963470"/>
+                <a:gd name="connsiteY6" fmla="*/ 1481735 h 1481735"/>
+                <a:gd name="connsiteX7" fmla="*/ 0 w 2963470"/>
+                <a:gd name="connsiteY7" fmla="*/ 1333561 h 1481735"/>
+                <a:gd name="connsiteX8" fmla="*/ 0 w 2963470"/>
+                <a:gd name="connsiteY8" fmla="*/ 148174 h 1481735"/>
+              </a:gdLst>
+              <a:ahLst/>
+              <a:cxnLst>
+                <a:cxn ang="0">
+                  <a:pos x="connsiteX0" y="connsiteY0"/>
+                </a:cxn>
+                <a:cxn ang="0">
+                  <a:pos x="connsiteX1" y="connsiteY1"/>
+                </a:cxn>
+                <a:cxn ang="0">
+                  <a:pos x="connsiteX2" y="connsiteY2"/>
+                </a:cxn>
+                <a:cxn ang="0">
+                  <a:pos x="connsiteX3" y="connsiteY3"/>
+                </a:cxn>
+                <a:cxn ang="0">
+                  <a:pos x="connsiteX4" y="connsiteY4"/>
+                </a:cxn>
+                <a:cxn ang="0">
+                  <a:pos x="connsiteX5" y="connsiteY5"/>
+                </a:cxn>
+                <a:cxn ang="0">
+                  <a:pos x="connsiteX6" y="connsiteY6"/>
+                </a:cxn>
+                <a:cxn ang="0">
+                  <a:pos x="connsiteX7" y="connsiteY7"/>
+                </a:cxn>
+                <a:cxn ang="0">
+                  <a:pos x="connsiteX8" y="connsiteY8"/>
+                </a:cxn>
+              </a:cxnLst>
+              <a:rect l="l" t="t" r="r" b="b"/>
+              <a:pathLst>
+                <a:path w="2963470" h="1481735">
+                  <a:moveTo>
+                    <a:pt x="0" y="148174"/>
+                  </a:moveTo>
+                  <a:cubicBezTo>
+                    <a:pt x="0" y="66340"/>
+                    <a:pt x="66340" y="0"/>
+                    <a:pt x="148174" y="0"/>
+                  </a:cubicBezTo>
+                  <a:lnTo>
+                    <a:pt x="2815297" y="0"/>
+                  </a:lnTo>
+                  <a:cubicBezTo>
+                    <a:pt x="2897131" y="0"/>
+                    <a:pt x="2963471" y="66340"/>
+                    <a:pt x="2963471" y="148174"/>
+                  </a:cubicBezTo>
+                  <a:cubicBezTo>
+                    <a:pt x="2963471" y="543303"/>
+                    <a:pt x="2963470" y="938433"/>
+                    <a:pt x="2963470" y="1333562"/>
+                  </a:cubicBezTo>
+                  <a:cubicBezTo>
+                    <a:pt x="2963470" y="1415396"/>
+                    <a:pt x="2897130" y="1481736"/>
+                    <a:pt x="2815296" y="1481736"/>
+                  </a:cubicBezTo>
+                  <a:lnTo>
+                    <a:pt x="148174" y="1481735"/>
+                  </a:lnTo>
+                  <a:cubicBezTo>
+                    <a:pt x="66340" y="1481735"/>
+                    <a:pt x="0" y="1415395"/>
+                    <a:pt x="0" y="1333561"/>
+                  </a:cubicBezTo>
+                  <a:lnTo>
+                    <a:pt x="0" y="148174"/>
+                  </a:lnTo>
+                  <a:close/>
+                </a:path>
+              </a:pathLst>
+            </a:custGeom>
+            <a:solidFill>
+              <a:srgbClr val="F8F2E2"/>
+            </a:solidFill>
+            <a:ln w="19050">
+              <a:solidFill>
+                <a:srgbClr val="F0AAAF"/>
+              </a:solidFill>
+            </a:ln>
+          </p:spPr>
+          <p:style>
+            <a:lnRef idx="2">
+              <a:scrgbClr r="0" g="0" b="0"/>
+            </a:lnRef>
+            <a:fillRef idx="1">
+              <a:scrgbClr r="0" g="0" b="0"/>
+            </a:fillRef>
+            <a:effectRef idx="0">
+              <a:schemeClr val="accent1">
+                <a:hueOff val="0"/>
+                <a:satOff val="0"/>
+                <a:lumOff val="0"/>
+                <a:alphaOff val="0"/>
+              </a:schemeClr>
+            </a:effectRef>
+            <a:fontRef idx="minor">
+              <a:schemeClr val="lt1"/>
+            </a:fontRef>
+          </p:style>
+          <p:txBody>
+            <a:bodyPr spcFirstLastPara="0" vert="horz" wrap="square" lIns="84674" tIns="84674" rIns="84674" bIns="84674" numCol="1" spcCol="1270" anchor="ctr" anchorCtr="0">
+              <a:noAutofit/>
+            </a:bodyPr>
+            <a:lstStyle/>
+            <a:p>
+              <a:pPr lvl="0" algn="ctr" defTabSz="2889250">
+                <a:lnSpc>
+                  <a:spcPct val="90000"/>
+                </a:lnSpc>
+                <a:spcBef>
+                  <a:spcPct val="0"/>
+                </a:spcBef>
+                <a:spcAft>
+                  <a:spcPct val="35000"/>
+                </a:spcAft>
+              </a:pPr>
+              <a:r>
+                <a:rPr lang="en-US" altLang="zh-CN" sz="6500" kern="1200" dirty="0" smtClean="0"/>
+                <a:t> </a:t>
+              </a:r>
+              <a:endParaRPr lang="zh-CN" altLang="en-US" sz="6500" kern="1200" dirty="0"/>
+            </a:p>
+          </p:txBody>
+        </p:sp>
+        <p:sp>
+          <p:nvSpPr>
+            <p:cNvPr id="75" name="文本框 74"/>
+            <p:cNvSpPr txBox="1"/>
+            <p:nvPr/>
+          </p:nvSpPr>
+          <p:spPr>
+            <a:xfrm>
+              <a:off x="3772013" y="1892843"/>
+              <a:ext cx="2626391" cy="646331"/>
+            </a:xfrm>
+            <a:prstGeom prst="rect">
+              <a:avLst/>
+            </a:prstGeom>
+            <a:noFill/>
+          </p:spPr>
+          <p:txBody>
+            <a:bodyPr wrap="square" rtlCol="0">
+              <a:spAutoFit/>
+            </a:bodyPr>
+            <a:lstStyle/>
+            <a:p>
+              <a:endParaRPr lang="en-US" altLang="zh-CN" dirty="0" smtClean="0"/>
+            </a:p>
+            <a:p>
+              <a:endParaRPr lang="zh-CN" altLang="en-US" dirty="0"/>
+            </a:p>
+          </p:txBody>
+        </p:sp>
+      </p:grpSp>
       <p:sp>
         <p:nvSpPr>
-          <p:cNvPr id="3" name="内容占位符 2"/>
-          <p:cNvSpPr>
-            <a:spLocks noGrp="1"/>
-          </p:cNvSpPr>
-          <p:nvPr>
-            <p:ph idx="1"/>
-          </p:nvPr>
+          <p:cNvPr id="15" name="左大括号 14"/>
+          <p:cNvSpPr/>
+          <p:nvPr/>
         </p:nvSpPr>
         <p:spPr>
           <a:xfrm>
-            <a:off x="838200" y="504825"/>
-            <a:ext cx="10515600" cy="5672138"/>
+            <a:off x="3192949" y="2644786"/>
+            <a:ext cx="422290" cy="2331999"/>
           </a:xfrm>
+          <a:custGeom>
+            <a:avLst/>
+            <a:gdLst>
+              <a:gd name="connsiteX0" fmla="*/ 420130 w 420130"/>
+              <a:gd name="connsiteY0" fmla="*/ 2982300 h 2982300"/>
+              <a:gd name="connsiteX1" fmla="*/ 210065 w 420130"/>
+              <a:gd name="connsiteY1" fmla="*/ 2403592 h 2982300"/>
+              <a:gd name="connsiteX2" fmla="*/ 210065 w 420130"/>
+              <a:gd name="connsiteY2" fmla="*/ 2069858 h 2982300"/>
+              <a:gd name="connsiteX3" fmla="*/ 0 w 420130"/>
+              <a:gd name="connsiteY3" fmla="*/ 1491150 h 2982300"/>
+              <a:gd name="connsiteX4" fmla="*/ 210065 w 420130"/>
+              <a:gd name="connsiteY4" fmla="*/ 912442 h 2982300"/>
+              <a:gd name="connsiteX5" fmla="*/ 210065 w 420130"/>
+              <a:gd name="connsiteY5" fmla="*/ 578708 h 2982300"/>
+              <a:gd name="connsiteX6" fmla="*/ 420130 w 420130"/>
+              <a:gd name="connsiteY6" fmla="*/ 0 h 2982300"/>
+              <a:gd name="connsiteX7" fmla="*/ 420130 w 420130"/>
+              <a:gd name="connsiteY7" fmla="*/ 2982300 h 2982300"/>
+              <a:gd name="connsiteX0" fmla="*/ 420130 w 420130"/>
+              <a:gd name="connsiteY0" fmla="*/ 2982300 h 2982300"/>
+              <a:gd name="connsiteX1" fmla="*/ 210065 w 420130"/>
+              <a:gd name="connsiteY1" fmla="*/ 2403592 h 2982300"/>
+              <a:gd name="connsiteX2" fmla="*/ 210065 w 420130"/>
+              <a:gd name="connsiteY2" fmla="*/ 2069858 h 2982300"/>
+              <a:gd name="connsiteX3" fmla="*/ 0 w 420130"/>
+              <a:gd name="connsiteY3" fmla="*/ 1491150 h 2982300"/>
+              <a:gd name="connsiteX4" fmla="*/ 210065 w 420130"/>
+              <a:gd name="connsiteY4" fmla="*/ 912442 h 2982300"/>
+              <a:gd name="connsiteX5" fmla="*/ 210065 w 420130"/>
+              <a:gd name="connsiteY5" fmla="*/ 578708 h 2982300"/>
+              <a:gd name="connsiteX6" fmla="*/ 420130 w 420130"/>
+              <a:gd name="connsiteY6" fmla="*/ 0 h 2982300"/>
+              <a:gd name="connsiteX0" fmla="*/ 420130 w 420130"/>
+              <a:gd name="connsiteY0" fmla="*/ 2982300 h 2982300"/>
+              <a:gd name="connsiteX1" fmla="*/ 210065 w 420130"/>
+              <a:gd name="connsiteY1" fmla="*/ 2403592 h 2982300"/>
+              <a:gd name="connsiteX2" fmla="*/ 210065 w 420130"/>
+              <a:gd name="connsiteY2" fmla="*/ 2069858 h 2982300"/>
+              <a:gd name="connsiteX3" fmla="*/ 0 w 420130"/>
+              <a:gd name="connsiteY3" fmla="*/ 1491150 h 2982300"/>
+              <a:gd name="connsiteX4" fmla="*/ 210065 w 420130"/>
+              <a:gd name="connsiteY4" fmla="*/ 912442 h 2982300"/>
+              <a:gd name="connsiteX5" fmla="*/ 210065 w 420130"/>
+              <a:gd name="connsiteY5" fmla="*/ 578708 h 2982300"/>
+              <a:gd name="connsiteX6" fmla="*/ 420130 w 420130"/>
+              <a:gd name="connsiteY6" fmla="*/ 0 h 2982300"/>
+              <a:gd name="connsiteX7" fmla="*/ 420130 w 420130"/>
+              <a:gd name="connsiteY7" fmla="*/ 2982300 h 2982300"/>
+              <a:gd name="connsiteX0" fmla="*/ 420130 w 420130"/>
+              <a:gd name="connsiteY0" fmla="*/ 2982300 h 2982300"/>
+              <a:gd name="connsiteX1" fmla="*/ 210065 w 420130"/>
+              <a:gd name="connsiteY1" fmla="*/ 2403592 h 2982300"/>
+              <a:gd name="connsiteX2" fmla="*/ 210065 w 420130"/>
+              <a:gd name="connsiteY2" fmla="*/ 2069858 h 2982300"/>
+              <a:gd name="connsiteX3" fmla="*/ 61784 w 420130"/>
+              <a:gd name="connsiteY3" fmla="*/ 1491150 h 2982300"/>
+              <a:gd name="connsiteX4" fmla="*/ 210065 w 420130"/>
+              <a:gd name="connsiteY4" fmla="*/ 912442 h 2982300"/>
+              <a:gd name="connsiteX5" fmla="*/ 210065 w 420130"/>
+              <a:gd name="connsiteY5" fmla="*/ 578708 h 2982300"/>
+              <a:gd name="connsiteX6" fmla="*/ 420130 w 420130"/>
+              <a:gd name="connsiteY6" fmla="*/ 0 h 2982300"/>
+            </a:gdLst>
+            <a:ahLst/>
+            <a:cxnLst>
+              <a:cxn ang="0">
+                <a:pos x="connsiteX0" y="connsiteY0"/>
+              </a:cxn>
+              <a:cxn ang="0">
+                <a:pos x="connsiteX1" y="connsiteY1"/>
+              </a:cxn>
+              <a:cxn ang="0">
+                <a:pos x="connsiteX2" y="connsiteY2"/>
+              </a:cxn>
+              <a:cxn ang="0">
+                <a:pos x="connsiteX3" y="connsiteY3"/>
+              </a:cxn>
+              <a:cxn ang="0">
+                <a:pos x="connsiteX4" y="connsiteY4"/>
+              </a:cxn>
+              <a:cxn ang="0">
+                <a:pos x="connsiteX5" y="connsiteY5"/>
+              </a:cxn>
+              <a:cxn ang="0">
+                <a:pos x="connsiteX6" y="connsiteY6"/>
+              </a:cxn>
+            </a:cxnLst>
+            <a:rect l="l" t="t" r="r" b="b"/>
+            <a:pathLst>
+              <a:path w="420130" h="2982300" stroke="0" extrusionOk="0">
+                <a:moveTo>
+                  <a:pt x="420130" y="2982300"/>
+                </a:moveTo>
+                <a:cubicBezTo>
+                  <a:pt x="304114" y="2982300"/>
+                  <a:pt x="210065" y="2723204"/>
+                  <a:pt x="210065" y="2403592"/>
+                </a:cubicBezTo>
+                <a:lnTo>
+                  <a:pt x="210065" y="2069858"/>
+                </a:lnTo>
+                <a:cubicBezTo>
+                  <a:pt x="210065" y="1750246"/>
+                  <a:pt x="116016" y="1491150"/>
+                  <a:pt x="0" y="1491150"/>
+                </a:cubicBezTo>
+                <a:cubicBezTo>
+                  <a:pt x="116016" y="1491150"/>
+                  <a:pt x="210065" y="1232054"/>
+                  <a:pt x="210065" y="912442"/>
+                </a:cubicBezTo>
+                <a:lnTo>
+                  <a:pt x="210065" y="578708"/>
+                </a:lnTo>
+                <a:cubicBezTo>
+                  <a:pt x="210065" y="259096"/>
+                  <a:pt x="304114" y="0"/>
+                  <a:pt x="420130" y="0"/>
+                </a:cubicBezTo>
+                <a:lnTo>
+                  <a:pt x="420130" y="2982300"/>
+                </a:lnTo>
+                <a:close/>
+              </a:path>
+              <a:path w="420130" h="2982300" fill="none">
+                <a:moveTo>
+                  <a:pt x="420130" y="2982300"/>
+                </a:moveTo>
+                <a:cubicBezTo>
+                  <a:pt x="304114" y="2982300"/>
+                  <a:pt x="210065" y="2723204"/>
+                  <a:pt x="210065" y="2403592"/>
+                </a:cubicBezTo>
+                <a:lnTo>
+                  <a:pt x="210065" y="2069858"/>
+                </a:lnTo>
+                <a:cubicBezTo>
+                  <a:pt x="210065" y="1750246"/>
+                  <a:pt x="177800" y="1491150"/>
+                  <a:pt x="61784" y="1491150"/>
+                </a:cubicBezTo>
+                <a:cubicBezTo>
+                  <a:pt x="177800" y="1491150"/>
+                  <a:pt x="210065" y="1232054"/>
+                  <a:pt x="210065" y="912442"/>
+                </a:cubicBezTo>
+                <a:lnTo>
+                  <a:pt x="210065" y="578708"/>
+                </a:lnTo>
+                <a:cubicBezTo>
+                  <a:pt x="210065" y="259096"/>
+                  <a:pt x="304114" y="0"/>
+                  <a:pt x="420130" y="0"/>
+                </a:cubicBezTo>
+              </a:path>
+            </a:pathLst>
+          </a:custGeom>
+          <a:ln w="76200">
+            <a:solidFill>
+              <a:srgbClr val="1FDA9A"/>
+            </a:solidFill>
+          </a:ln>
+        </p:spPr>
+        <p:style>
+          <a:lnRef idx="1">
+            <a:schemeClr val="accent1"/>
+          </a:lnRef>
+          <a:fillRef idx="0">
+            <a:schemeClr val="accent1"/>
+          </a:fillRef>
+          <a:effectRef idx="0">
+            <a:schemeClr val="accent1"/>
+          </a:effectRef>
+          <a:fontRef idx="minor">
+            <a:schemeClr val="tx1"/>
+          </a:fontRef>
+        </p:style>
+        <p:txBody>
+          <a:bodyPr rtlCol="0" anchor="ctr"/>
+          <a:lstStyle/>
+          <a:p>
+            <a:pPr algn="ctr"/>
+            <a:endParaRPr lang="zh-CN" altLang="en-US"/>
+          </a:p>
+        </p:txBody>
+      </p:sp>
+      <p:sp>
+        <p:nvSpPr>
+          <p:cNvPr id="5" name="任意多边形 4"/>
+          <p:cNvSpPr/>
+          <p:nvPr/>
+        </p:nvSpPr>
+        <p:spPr>
+          <a:xfrm>
+            <a:off x="1000758" y="2934663"/>
+            <a:ext cx="2088858" cy="1743205"/>
+          </a:xfrm>
+          <a:custGeom>
+            <a:avLst/>
+            <a:gdLst>
+              <a:gd name="connsiteX0" fmla="*/ 0 w 2212764"/>
+              <a:gd name="connsiteY0" fmla="*/ 210101 h 2101011"/>
+              <a:gd name="connsiteX1" fmla="*/ 210101 w 2212764"/>
+              <a:gd name="connsiteY1" fmla="*/ 0 h 2101011"/>
+              <a:gd name="connsiteX2" fmla="*/ 2002663 w 2212764"/>
+              <a:gd name="connsiteY2" fmla="*/ 0 h 2101011"/>
+              <a:gd name="connsiteX3" fmla="*/ 2212764 w 2212764"/>
+              <a:gd name="connsiteY3" fmla="*/ 210101 h 2101011"/>
+              <a:gd name="connsiteX4" fmla="*/ 2212764 w 2212764"/>
+              <a:gd name="connsiteY4" fmla="*/ 1890910 h 2101011"/>
+              <a:gd name="connsiteX5" fmla="*/ 2002663 w 2212764"/>
+              <a:gd name="connsiteY5" fmla="*/ 2101011 h 2101011"/>
+              <a:gd name="connsiteX6" fmla="*/ 210101 w 2212764"/>
+              <a:gd name="connsiteY6" fmla="*/ 2101011 h 2101011"/>
+              <a:gd name="connsiteX7" fmla="*/ 0 w 2212764"/>
+              <a:gd name="connsiteY7" fmla="*/ 1890910 h 2101011"/>
+              <a:gd name="connsiteX8" fmla="*/ 0 w 2212764"/>
+              <a:gd name="connsiteY8" fmla="*/ 210101 h 2101011"/>
+            </a:gdLst>
+            <a:ahLst/>
+            <a:cxnLst>
+              <a:cxn ang="0">
+                <a:pos x="connsiteX0" y="connsiteY0"/>
+              </a:cxn>
+              <a:cxn ang="0">
+                <a:pos x="connsiteX1" y="connsiteY1"/>
+              </a:cxn>
+              <a:cxn ang="0">
+                <a:pos x="connsiteX2" y="connsiteY2"/>
+              </a:cxn>
+              <a:cxn ang="0">
+                <a:pos x="connsiteX3" y="connsiteY3"/>
+              </a:cxn>
+              <a:cxn ang="0">
+                <a:pos x="connsiteX4" y="connsiteY4"/>
+              </a:cxn>
+              <a:cxn ang="0">
+                <a:pos x="connsiteX5" y="connsiteY5"/>
+              </a:cxn>
+              <a:cxn ang="0">
+                <a:pos x="connsiteX6" y="connsiteY6"/>
+              </a:cxn>
+              <a:cxn ang="0">
+                <a:pos x="connsiteX7" y="connsiteY7"/>
+              </a:cxn>
+              <a:cxn ang="0">
+                <a:pos x="connsiteX8" y="connsiteY8"/>
+              </a:cxn>
+            </a:cxnLst>
+            <a:rect l="l" t="t" r="r" b="b"/>
+            <a:pathLst>
+              <a:path w="2212764" h="2101011">
+                <a:moveTo>
+                  <a:pt x="0" y="210101"/>
+                </a:moveTo>
+                <a:cubicBezTo>
+                  <a:pt x="0" y="94065"/>
+                  <a:pt x="94065" y="0"/>
+                  <a:pt x="210101" y="0"/>
+                </a:cubicBezTo>
+                <a:lnTo>
+                  <a:pt x="2002663" y="0"/>
+                </a:lnTo>
+                <a:cubicBezTo>
+                  <a:pt x="2118699" y="0"/>
+                  <a:pt x="2212764" y="94065"/>
+                  <a:pt x="2212764" y="210101"/>
+                </a:cubicBezTo>
+                <a:lnTo>
+                  <a:pt x="2212764" y="1890910"/>
+                </a:lnTo>
+                <a:cubicBezTo>
+                  <a:pt x="2212764" y="2006946"/>
+                  <a:pt x="2118699" y="2101011"/>
+                  <a:pt x="2002663" y="2101011"/>
+                </a:cubicBezTo>
+                <a:lnTo>
+                  <a:pt x="210101" y="2101011"/>
+                </a:lnTo>
+                <a:cubicBezTo>
+                  <a:pt x="94065" y="2101011"/>
+                  <a:pt x="0" y="2006946"/>
+                  <a:pt x="0" y="1890910"/>
+                </a:cubicBezTo>
+                <a:lnTo>
+                  <a:pt x="0" y="210101"/>
+                </a:lnTo>
+                <a:close/>
+              </a:path>
+            </a:pathLst>
+          </a:custGeom>
+          <a:solidFill>
+            <a:srgbClr val="F8F2E2"/>
+          </a:solidFill>
+          <a:ln w="19050">
+            <a:solidFill>
+              <a:srgbClr val="F0AAAF"/>
+            </a:solidFill>
+          </a:ln>
+        </p:spPr>
+        <p:style>
+          <a:lnRef idx="2">
+            <a:scrgbClr r="0" g="0" b="0"/>
+          </a:lnRef>
+          <a:fillRef idx="1">
+            <a:scrgbClr r="0" g="0" b="0"/>
+          </a:fillRef>
+          <a:effectRef idx="0">
+            <a:schemeClr val="accent1">
+              <a:hueOff val="0"/>
+              <a:satOff val="0"/>
+              <a:lumOff val="0"/>
+              <a:alphaOff val="0"/>
+            </a:schemeClr>
+          </a:effectRef>
+          <a:fontRef idx="minor">
+            <a:schemeClr val="lt1"/>
+          </a:fontRef>
+        </p:style>
+        <p:txBody>
+          <a:bodyPr spcFirstLastPara="0" vert="horz" wrap="square" lIns="102812" tIns="102812" rIns="102812" bIns="102812" numCol="1" spcCol="1270" anchor="ctr" anchorCtr="0">
+            <a:noAutofit/>
+          </a:bodyPr>
+          <a:lstStyle/>
+          <a:p>
+            <a:pPr lvl="0" algn="ctr" defTabSz="2889250">
+              <a:lnSpc>
+                <a:spcPct val="90000"/>
+              </a:lnSpc>
+              <a:spcBef>
+                <a:spcPct val="0"/>
+              </a:spcBef>
+              <a:spcAft>
+                <a:spcPct val="35000"/>
+              </a:spcAft>
+            </a:pPr>
+            <a:r>
+              <a:rPr lang="en-US" altLang="zh-CN" sz="6500" kern="1200" dirty="0" smtClean="0"/>
+              <a:t> </a:t>
+            </a:r>
+            <a:endParaRPr lang="zh-CN" altLang="en-US" sz="6500" kern="1200" dirty="0"/>
+          </a:p>
+        </p:txBody>
+      </p:sp>
+      <p:sp>
+        <p:nvSpPr>
+          <p:cNvPr id="17" name="圆柱形 16"/>
+          <p:cNvSpPr/>
+          <p:nvPr/>
+        </p:nvSpPr>
+        <p:spPr>
+          <a:xfrm rot="5400000">
+            <a:off x="1431471" y="51250"/>
+            <a:ext cx="1224000" cy="1944000"/>
+          </a:xfrm>
+          <a:prstGeom prst="can">
+            <a:avLst/>
+          </a:prstGeom>
+          <a:noFill/>
+          <a:ln w="19050">
+            <a:solidFill>
+              <a:schemeClr val="bg1">
+                <a:lumMod val="85000"/>
+              </a:schemeClr>
+            </a:solidFill>
+          </a:ln>
+        </p:spPr>
+        <p:style>
+          <a:lnRef idx="2">
+            <a:schemeClr val="accent1">
+              <a:shade val="50000"/>
+            </a:schemeClr>
+          </a:lnRef>
+          <a:fillRef idx="1">
+            <a:schemeClr val="accent1"/>
+          </a:fillRef>
+          <a:effectRef idx="0">
+            <a:schemeClr val="accent1"/>
+          </a:effectRef>
+          <a:fontRef idx="minor">
+            <a:schemeClr val="lt1"/>
+          </a:fontRef>
+        </p:style>
+        <p:txBody>
+          <a:bodyPr rtlCol="0" anchor="ctr"/>
+          <a:lstStyle/>
+          <a:p>
+            <a:pPr algn="ctr"/>
+            <a:endParaRPr lang="zh-CN" altLang="en-US" dirty="0">
+              <a:noFill/>
+            </a:endParaRPr>
+          </a:p>
+        </p:txBody>
+      </p:sp>
+      <p:pic>
+        <p:nvPicPr>
+          <p:cNvPr id="1026" name="Picture 2" descr="http://image.space.rakuten.co.jp/lg01/72/0000838172/54/imgb872210dzikazj.jpeg"/>
+          <p:cNvPicPr>
+            <a:picLocks noChangeAspect="1" noChangeArrowheads="1"/>
+          </p:cNvPicPr>
+          <p:nvPr/>
+        </p:nvPicPr>
+        <p:blipFill>
+          <a:blip r:embed="rId2" cstate="screen">
+            <a:clrChange>
+              <a:clrFrom>
+                <a:srgbClr val="FFFFFF"/>
+              </a:clrFrom>
+              <a:clrTo>
+                <a:srgbClr val="FFFFFF">
+                  <a:alpha val="0"/>
+                </a:srgbClr>
+              </a:clrTo>
+            </a:clrChange>
+            <a:extLst>
+              <a:ext uri="{28A0092B-C50C-407E-A947-70E740481C1C}">
+                <a14:useLocalDpi xmlns:a14="http://schemas.microsoft.com/office/drawing/2010/main" val="0"/>
+              </a:ext>
+            </a:extLst>
+          </a:blip>
+          <a:srcRect/>
+          <a:stretch>
+            <a:fillRect/>
+          </a:stretch>
+        </p:blipFill>
+        <p:spPr bwMode="auto">
+          <a:xfrm>
+            <a:off x="1697427" y="3076117"/>
+            <a:ext cx="1417819" cy="1469339"/>
+          </a:xfrm>
+          <a:prstGeom prst="rect">
+            <a:avLst/>
+          </a:prstGeom>
+          <a:noFill/>
+          <a:extLst>
+            <a:ext uri="{909E8E84-426E-40DD-AFC4-6F175D3DCCD1}">
+              <a14:hiddenFill xmlns:a14="http://schemas.microsoft.com/office/drawing/2010/main">
+                <a:solidFill>
+                  <a:srgbClr val="FFFFFF"/>
+                </a:solidFill>
+              </a14:hiddenFill>
+            </a:ext>
+          </a:extLst>
+        </p:spPr>
+      </p:pic>
+      <p:sp>
+        <p:nvSpPr>
+          <p:cNvPr id="19" name="文本框 18"/>
+          <p:cNvSpPr txBox="1"/>
+          <p:nvPr/>
+        </p:nvSpPr>
+        <p:spPr>
+          <a:xfrm>
+            <a:off x="1223319" y="705922"/>
+            <a:ext cx="1359242" cy="646331"/>
+          </a:xfrm>
+          <a:prstGeom prst="rect">
+            <a:avLst/>
+          </a:prstGeom>
+          <a:noFill/>
         </p:spPr>
         <p:txBody>
-          <a:bodyPr/>
+          <a:bodyPr wrap="square" rtlCol="0">
+            <a:spAutoFit/>
+          </a:bodyPr>
           <a:lstStyle/>
           <a:p>
-            <a:endParaRPr lang="zh-CN" altLang="en-US"/>
+            <a:pPr algn="ctr"/>
+            <a:r>
+              <a:rPr lang="en-US" altLang="zh-CN" dirty="0" smtClean="0"/>
+              <a:t>Raw data </a:t>
+            </a:r>
+            <a:r>
+              <a:rPr lang="en-US" altLang="zh-CN" dirty="0"/>
+              <a:t>a</a:t>
+            </a:r>
+            <a:r>
+              <a:rPr lang="en-US" altLang="zh-CN" dirty="0" smtClean="0"/>
+              <a:t>cquisition</a:t>
+            </a:r>
+            <a:endParaRPr lang="zh-CN" altLang="en-US" dirty="0"/>
           </a:p>
         </p:txBody>
       </p:sp>
+      <p:sp>
+        <p:nvSpPr>
+          <p:cNvPr id="21" name="圆柱形 20"/>
+          <p:cNvSpPr/>
+          <p:nvPr/>
+        </p:nvSpPr>
+        <p:spPr>
+          <a:xfrm rot="5400000">
+            <a:off x="4520869" y="51250"/>
+            <a:ext cx="1224000" cy="1944000"/>
+          </a:xfrm>
+          <a:prstGeom prst="can">
+            <a:avLst/>
+          </a:prstGeom>
+          <a:noFill/>
+          <a:ln w="19050">
+            <a:solidFill>
+              <a:schemeClr val="bg1">
+                <a:lumMod val="85000"/>
+              </a:schemeClr>
+            </a:solidFill>
+          </a:ln>
+        </p:spPr>
+        <p:style>
+          <a:lnRef idx="2">
+            <a:schemeClr val="accent1">
+              <a:shade val="50000"/>
+            </a:schemeClr>
+          </a:lnRef>
+          <a:fillRef idx="1">
+            <a:schemeClr val="accent1"/>
+          </a:fillRef>
+          <a:effectRef idx="0">
+            <a:schemeClr val="accent1"/>
+          </a:effectRef>
+          <a:fontRef idx="minor">
+            <a:schemeClr val="lt1"/>
+          </a:fontRef>
+        </p:style>
+        <p:txBody>
+          <a:bodyPr rtlCol="0" anchor="ctr"/>
+          <a:lstStyle/>
+          <a:p>
+            <a:pPr algn="ctr"/>
+            <a:endParaRPr lang="zh-CN" altLang="en-US" dirty="0">
+              <a:noFill/>
+            </a:endParaRPr>
+          </a:p>
+        </p:txBody>
+      </p:sp>
+      <p:sp>
+        <p:nvSpPr>
+          <p:cNvPr id="22" name="文本框 21"/>
+          <p:cNvSpPr txBox="1"/>
+          <p:nvPr/>
+        </p:nvSpPr>
+        <p:spPr>
+          <a:xfrm>
+            <a:off x="4254844" y="705922"/>
+            <a:ext cx="1491048" cy="646331"/>
+          </a:xfrm>
+          <a:prstGeom prst="rect">
+            <a:avLst/>
+          </a:prstGeom>
+          <a:noFill/>
+        </p:spPr>
+        <p:txBody>
+          <a:bodyPr wrap="square" rtlCol="0">
+            <a:spAutoFit/>
+          </a:bodyPr>
+          <a:lstStyle/>
+          <a:p>
+            <a:pPr algn="ctr"/>
+            <a:r>
+              <a:rPr lang="en-US" altLang="zh-CN" dirty="0" smtClean="0"/>
+              <a:t>I/O &amp; Data preprocessing</a:t>
+            </a:r>
+            <a:endParaRPr lang="zh-CN" altLang="en-US" dirty="0"/>
+          </a:p>
+        </p:txBody>
+      </p:sp>
+      <p:sp>
+        <p:nvSpPr>
+          <p:cNvPr id="20" name="右箭头 19"/>
+          <p:cNvSpPr/>
+          <p:nvPr/>
+        </p:nvSpPr>
+        <p:spPr>
+          <a:xfrm>
+            <a:off x="3299254" y="914408"/>
+            <a:ext cx="571899" cy="259492"/>
+          </a:xfrm>
+          <a:prstGeom prst="rightArrow">
+            <a:avLst/>
+          </a:prstGeom>
+          <a:solidFill>
+            <a:schemeClr val="bg2"/>
+          </a:solidFill>
+          <a:ln>
+            <a:noFill/>
+          </a:ln>
+        </p:spPr>
+        <p:style>
+          <a:lnRef idx="2">
+            <a:schemeClr val="accent1">
+              <a:shade val="50000"/>
+            </a:schemeClr>
+          </a:lnRef>
+          <a:fillRef idx="1">
+            <a:schemeClr val="accent1"/>
+          </a:fillRef>
+          <a:effectRef idx="0">
+            <a:schemeClr val="accent1"/>
+          </a:effectRef>
+          <a:fontRef idx="minor">
+            <a:schemeClr val="lt1"/>
+          </a:fontRef>
+        </p:style>
+        <p:txBody>
+          <a:bodyPr rtlCol="0" anchor="ctr"/>
+          <a:lstStyle/>
+          <a:p>
+            <a:pPr algn="ctr"/>
+            <a:endParaRPr lang="zh-CN" altLang="en-US"/>
+          </a:p>
+        </p:txBody>
+      </p:sp>
+      <p:sp>
+        <p:nvSpPr>
+          <p:cNvPr id="24" name="右箭头 23"/>
+          <p:cNvSpPr/>
+          <p:nvPr/>
+        </p:nvSpPr>
+        <p:spPr>
+          <a:xfrm>
+            <a:off x="6435475" y="914408"/>
+            <a:ext cx="571899" cy="259492"/>
+          </a:xfrm>
+          <a:prstGeom prst="rightArrow">
+            <a:avLst/>
+          </a:prstGeom>
+          <a:solidFill>
+            <a:schemeClr val="bg2"/>
+          </a:solidFill>
+          <a:ln>
+            <a:noFill/>
+          </a:ln>
+        </p:spPr>
+        <p:style>
+          <a:lnRef idx="2">
+            <a:schemeClr val="accent1">
+              <a:shade val="50000"/>
+            </a:schemeClr>
+          </a:lnRef>
+          <a:fillRef idx="1">
+            <a:schemeClr val="accent1"/>
+          </a:fillRef>
+          <a:effectRef idx="0">
+            <a:schemeClr val="accent1"/>
+          </a:effectRef>
+          <a:fontRef idx="minor">
+            <a:schemeClr val="lt1"/>
+          </a:fontRef>
+        </p:style>
+        <p:txBody>
+          <a:bodyPr rtlCol="0" anchor="ctr"/>
+          <a:lstStyle/>
+          <a:p>
+            <a:pPr algn="ctr"/>
+            <a:endParaRPr lang="zh-CN" altLang="en-US"/>
+          </a:p>
+        </p:txBody>
+      </p:sp>
+      <p:sp>
+        <p:nvSpPr>
+          <p:cNvPr id="23" name="文本框 22"/>
+          <p:cNvSpPr txBox="1"/>
+          <p:nvPr/>
+        </p:nvSpPr>
+        <p:spPr>
+          <a:xfrm>
+            <a:off x="877188" y="3456708"/>
+            <a:ext cx="1286142" cy="584775"/>
+          </a:xfrm>
+          <a:prstGeom prst="rect">
+            <a:avLst/>
+          </a:prstGeom>
+          <a:noFill/>
+        </p:spPr>
+        <p:txBody>
+          <a:bodyPr wrap="square" rtlCol="0">
+            <a:spAutoFit/>
+          </a:bodyPr>
+          <a:lstStyle/>
+          <a:p>
+            <a:pPr algn="ctr"/>
+            <a:r>
+              <a:rPr lang="en-US" altLang="zh-CN" sz="1600" dirty="0" err="1" smtClean="0"/>
+              <a:t>Dicom</a:t>
+            </a:r>
+            <a:r>
+              <a:rPr lang="en-US" altLang="zh-CN" sz="1600" dirty="0" smtClean="0"/>
+              <a:t> </a:t>
+            </a:r>
+          </a:p>
+          <a:p>
+            <a:pPr algn="ctr"/>
+            <a:r>
+              <a:rPr lang="en-US" altLang="zh-CN" sz="1600" dirty="0" smtClean="0"/>
+              <a:t>Format files</a:t>
+            </a:r>
+            <a:endParaRPr lang="zh-CN" altLang="en-US" sz="1600" dirty="0"/>
+          </a:p>
+        </p:txBody>
+      </p:sp>
+      <p:sp>
+        <p:nvSpPr>
+          <p:cNvPr id="26" name="圆柱形 25"/>
+          <p:cNvSpPr/>
+          <p:nvPr/>
+        </p:nvSpPr>
+        <p:spPr>
+          <a:xfrm rot="5400000">
+            <a:off x="7714835" y="47781"/>
+            <a:ext cx="1224000" cy="1944000"/>
+          </a:xfrm>
+          <a:prstGeom prst="can">
+            <a:avLst/>
+          </a:prstGeom>
+          <a:noFill/>
+          <a:ln w="19050">
+            <a:solidFill>
+              <a:schemeClr val="bg1">
+                <a:lumMod val="85000"/>
+              </a:schemeClr>
+            </a:solidFill>
+          </a:ln>
+        </p:spPr>
+        <p:style>
+          <a:lnRef idx="2">
+            <a:schemeClr val="accent1">
+              <a:shade val="50000"/>
+            </a:schemeClr>
+          </a:lnRef>
+          <a:fillRef idx="1">
+            <a:schemeClr val="accent1"/>
+          </a:fillRef>
+          <a:effectRef idx="0">
+            <a:schemeClr val="accent1"/>
+          </a:effectRef>
+          <a:fontRef idx="minor">
+            <a:schemeClr val="lt1"/>
+          </a:fontRef>
+        </p:style>
+        <p:txBody>
+          <a:bodyPr rtlCol="0" anchor="ctr"/>
+          <a:lstStyle/>
+          <a:p>
+            <a:pPr algn="ctr"/>
+            <a:endParaRPr lang="zh-CN" altLang="en-US" dirty="0">
+              <a:noFill/>
+            </a:endParaRPr>
+          </a:p>
+        </p:txBody>
+      </p:sp>
+      <p:sp>
+        <p:nvSpPr>
+          <p:cNvPr id="27" name="文本框 26"/>
+          <p:cNvSpPr txBox="1"/>
+          <p:nvPr/>
+        </p:nvSpPr>
+        <p:spPr>
+          <a:xfrm>
+            <a:off x="7445384" y="696615"/>
+            <a:ext cx="1491048" cy="646331"/>
+          </a:xfrm>
+          <a:prstGeom prst="rect">
+            <a:avLst/>
+          </a:prstGeom>
+          <a:noFill/>
+        </p:spPr>
+        <p:txBody>
+          <a:bodyPr wrap="square" rtlCol="0">
+            <a:spAutoFit/>
+          </a:bodyPr>
+          <a:lstStyle/>
+          <a:p>
+            <a:pPr algn="ctr"/>
+            <a:r>
+              <a:rPr lang="en-US" altLang="zh-CN" dirty="0" smtClean="0"/>
+              <a:t>Processing</a:t>
+            </a:r>
+          </a:p>
+          <a:p>
+            <a:pPr algn="ctr"/>
+            <a:r>
+              <a:rPr lang="en-US" altLang="zh-CN" dirty="0" smtClean="0"/>
+              <a:t>&amp; analysis</a:t>
+            </a:r>
+            <a:endParaRPr lang="zh-CN" altLang="en-US" dirty="0"/>
+          </a:p>
+        </p:txBody>
+      </p:sp>
+      <p:grpSp>
+        <p:nvGrpSpPr>
+          <p:cNvPr id="41" name="组合 40"/>
+          <p:cNvGrpSpPr/>
+          <p:nvPr/>
+        </p:nvGrpSpPr>
+        <p:grpSpPr>
+          <a:xfrm>
+            <a:off x="3604241" y="1822484"/>
+            <a:ext cx="2998252" cy="1692000"/>
+            <a:chOff x="3653747" y="1708388"/>
+            <a:chExt cx="2998252" cy="1692000"/>
+          </a:xfrm>
+        </p:grpSpPr>
+        <p:sp>
+          <p:nvSpPr>
+            <p:cNvPr id="7" name="任意多边形 6"/>
+            <p:cNvSpPr/>
+            <p:nvPr/>
+          </p:nvSpPr>
+          <p:spPr>
+            <a:xfrm>
+              <a:off x="3653747" y="1708388"/>
+              <a:ext cx="2952000" cy="1692000"/>
+            </a:xfrm>
+            <a:custGeom>
+              <a:avLst/>
+              <a:gdLst>
+                <a:gd name="connsiteX0" fmla="*/ 0 w 2963470"/>
+                <a:gd name="connsiteY0" fmla="*/ 148174 h 1481735"/>
+                <a:gd name="connsiteX1" fmla="*/ 148174 w 2963470"/>
+                <a:gd name="connsiteY1" fmla="*/ 0 h 1481735"/>
+                <a:gd name="connsiteX2" fmla="*/ 2815297 w 2963470"/>
+                <a:gd name="connsiteY2" fmla="*/ 0 h 1481735"/>
+                <a:gd name="connsiteX3" fmla="*/ 2963471 w 2963470"/>
+                <a:gd name="connsiteY3" fmla="*/ 148174 h 1481735"/>
+                <a:gd name="connsiteX4" fmla="*/ 2963470 w 2963470"/>
+                <a:gd name="connsiteY4" fmla="*/ 1333562 h 1481735"/>
+                <a:gd name="connsiteX5" fmla="*/ 2815296 w 2963470"/>
+                <a:gd name="connsiteY5" fmla="*/ 1481736 h 1481735"/>
+                <a:gd name="connsiteX6" fmla="*/ 148174 w 2963470"/>
+                <a:gd name="connsiteY6" fmla="*/ 1481735 h 1481735"/>
+                <a:gd name="connsiteX7" fmla="*/ 0 w 2963470"/>
+                <a:gd name="connsiteY7" fmla="*/ 1333561 h 1481735"/>
+                <a:gd name="connsiteX8" fmla="*/ 0 w 2963470"/>
+                <a:gd name="connsiteY8" fmla="*/ 148174 h 1481735"/>
+              </a:gdLst>
+              <a:ahLst/>
+              <a:cxnLst>
+                <a:cxn ang="0">
+                  <a:pos x="connsiteX0" y="connsiteY0"/>
+                </a:cxn>
+                <a:cxn ang="0">
+                  <a:pos x="connsiteX1" y="connsiteY1"/>
+                </a:cxn>
+                <a:cxn ang="0">
+                  <a:pos x="connsiteX2" y="connsiteY2"/>
+                </a:cxn>
+                <a:cxn ang="0">
+                  <a:pos x="connsiteX3" y="connsiteY3"/>
+                </a:cxn>
+                <a:cxn ang="0">
+                  <a:pos x="connsiteX4" y="connsiteY4"/>
+                </a:cxn>
+                <a:cxn ang="0">
+                  <a:pos x="connsiteX5" y="connsiteY5"/>
+                </a:cxn>
+                <a:cxn ang="0">
+                  <a:pos x="connsiteX6" y="connsiteY6"/>
+                </a:cxn>
+                <a:cxn ang="0">
+                  <a:pos x="connsiteX7" y="connsiteY7"/>
+                </a:cxn>
+                <a:cxn ang="0">
+                  <a:pos x="connsiteX8" y="connsiteY8"/>
+                </a:cxn>
+              </a:cxnLst>
+              <a:rect l="l" t="t" r="r" b="b"/>
+              <a:pathLst>
+                <a:path w="2963470" h="1481735">
+                  <a:moveTo>
+                    <a:pt x="0" y="148174"/>
+                  </a:moveTo>
+                  <a:cubicBezTo>
+                    <a:pt x="0" y="66340"/>
+                    <a:pt x="66340" y="0"/>
+                    <a:pt x="148174" y="0"/>
+                  </a:cubicBezTo>
+                  <a:lnTo>
+                    <a:pt x="2815297" y="0"/>
+                  </a:lnTo>
+                  <a:cubicBezTo>
+                    <a:pt x="2897131" y="0"/>
+                    <a:pt x="2963471" y="66340"/>
+                    <a:pt x="2963471" y="148174"/>
+                  </a:cubicBezTo>
+                  <a:cubicBezTo>
+                    <a:pt x="2963471" y="543303"/>
+                    <a:pt x="2963470" y="938433"/>
+                    <a:pt x="2963470" y="1333562"/>
+                  </a:cubicBezTo>
+                  <a:cubicBezTo>
+                    <a:pt x="2963470" y="1415396"/>
+                    <a:pt x="2897130" y="1481736"/>
+                    <a:pt x="2815296" y="1481736"/>
+                  </a:cubicBezTo>
+                  <a:lnTo>
+                    <a:pt x="148174" y="1481735"/>
+                  </a:lnTo>
+                  <a:cubicBezTo>
+                    <a:pt x="66340" y="1481735"/>
+                    <a:pt x="0" y="1415395"/>
+                    <a:pt x="0" y="1333561"/>
+                  </a:cubicBezTo>
+                  <a:lnTo>
+                    <a:pt x="0" y="148174"/>
+                  </a:lnTo>
+                  <a:close/>
+                </a:path>
+              </a:pathLst>
+            </a:custGeom>
+            <a:solidFill>
+              <a:srgbClr val="F8F2E2"/>
+            </a:solidFill>
+            <a:ln w="19050">
+              <a:solidFill>
+                <a:srgbClr val="F0AAAF"/>
+              </a:solidFill>
+            </a:ln>
+          </p:spPr>
+          <p:style>
+            <a:lnRef idx="2">
+              <a:scrgbClr r="0" g="0" b="0"/>
+            </a:lnRef>
+            <a:fillRef idx="1">
+              <a:scrgbClr r="0" g="0" b="0"/>
+            </a:fillRef>
+            <a:effectRef idx="0">
+              <a:schemeClr val="accent1">
+                <a:hueOff val="0"/>
+                <a:satOff val="0"/>
+                <a:lumOff val="0"/>
+                <a:alphaOff val="0"/>
+              </a:schemeClr>
+            </a:effectRef>
+            <a:fontRef idx="minor">
+              <a:schemeClr val="lt1"/>
+            </a:fontRef>
+          </p:style>
+          <p:txBody>
+            <a:bodyPr spcFirstLastPara="0" vert="horz" wrap="square" lIns="84674" tIns="84674" rIns="84674" bIns="84674" numCol="1" spcCol="1270" anchor="ctr" anchorCtr="0">
+              <a:noAutofit/>
+            </a:bodyPr>
+            <a:lstStyle/>
+            <a:p>
+              <a:pPr lvl="0" algn="ctr" defTabSz="2889250">
+                <a:lnSpc>
+                  <a:spcPct val="90000"/>
+                </a:lnSpc>
+                <a:spcBef>
+                  <a:spcPct val="0"/>
+                </a:spcBef>
+                <a:spcAft>
+                  <a:spcPct val="35000"/>
+                </a:spcAft>
+              </a:pPr>
+              <a:r>
+                <a:rPr lang="en-US" altLang="zh-CN" sz="6500" kern="1200" dirty="0" smtClean="0"/>
+                <a:t> </a:t>
+              </a:r>
+              <a:endParaRPr lang="zh-CN" altLang="en-US" sz="6500" kern="1200" dirty="0"/>
+            </a:p>
+          </p:txBody>
+        </p:sp>
+        <p:grpSp>
+          <p:nvGrpSpPr>
+            <p:cNvPr id="32" name="组合 31"/>
+            <p:cNvGrpSpPr/>
+            <p:nvPr/>
+          </p:nvGrpSpPr>
+          <p:grpSpPr>
+            <a:xfrm>
+              <a:off x="3772013" y="1843415"/>
+              <a:ext cx="2879986" cy="1301309"/>
+              <a:chOff x="3772013" y="1472713"/>
+              <a:chExt cx="2879986" cy="1301309"/>
+            </a:xfrm>
+          </p:grpSpPr>
+          <p:sp>
+            <p:nvSpPr>
+              <p:cNvPr id="25" name="文本框 24"/>
+              <p:cNvSpPr txBox="1"/>
+              <p:nvPr/>
+            </p:nvSpPr>
+            <p:spPr>
+              <a:xfrm>
+                <a:off x="3772013" y="1472713"/>
+                <a:ext cx="2626391" cy="338554"/>
+              </a:xfrm>
+              <a:prstGeom prst="rect">
+                <a:avLst/>
+              </a:prstGeom>
+              <a:noFill/>
+            </p:spPr>
+            <p:txBody>
+              <a:bodyPr wrap="square" rtlCol="0">
+                <a:spAutoFit/>
+              </a:bodyPr>
+              <a:lstStyle/>
+              <a:p>
+                <a:r>
+                  <a:rPr lang="en-US" altLang="zh-CN" sz="1600" dirty="0" err="1" smtClean="0"/>
+                  <a:t>Dicom</a:t>
+                </a:r>
+                <a:r>
+                  <a:rPr lang="en-US" altLang="zh-CN" sz="1600" dirty="0" smtClean="0"/>
+                  <a:t> headers (Metadata)</a:t>
+                </a:r>
+                <a:endParaRPr lang="zh-CN" altLang="en-US" sz="1600" dirty="0"/>
+              </a:p>
+            </p:txBody>
+          </p:sp>
+          <p:graphicFrame>
+            <p:nvGraphicFramePr>
+              <p:cNvPr id="28" name="图示 27"/>
+              <p:cNvGraphicFramePr/>
+              <p:nvPr>
+                <p:extLst>
+                  <p:ext uri="{D42A27DB-BD31-4B8C-83A1-F6EECF244321}">
+                    <p14:modId xmlns:p14="http://schemas.microsoft.com/office/powerpoint/2010/main" val="3768929062"/>
+                  </p:ext>
+                </p:extLst>
+              </p:nvPr>
+            </p:nvGraphicFramePr>
+            <p:xfrm>
+              <a:off x="3808197" y="1860380"/>
+              <a:ext cx="1727630" cy="913642"/>
+            </p:xfrm>
+            <a:graphic>
+              <a:graphicData uri="http://schemas.openxmlformats.org/drawingml/2006/diagram">
+                <dgm:relIds xmlns:dgm="http://schemas.openxmlformats.org/drawingml/2006/diagram" xmlns:r="http://schemas.openxmlformats.org/officeDocument/2006/relationships" r:dm="rId3" r:lo="rId4" r:qs="rId5" r:cs="rId6"/>
+              </a:graphicData>
+            </a:graphic>
+          </p:graphicFrame>
+          <p:sp>
+            <p:nvSpPr>
+              <p:cNvPr id="29" name="文本框 28"/>
+              <p:cNvSpPr txBox="1"/>
+              <p:nvPr/>
+            </p:nvSpPr>
+            <p:spPr>
+              <a:xfrm>
+                <a:off x="5560803" y="1958650"/>
+                <a:ext cx="1091196" cy="738664"/>
+              </a:xfrm>
+              <a:prstGeom prst="rect">
+                <a:avLst/>
+              </a:prstGeom>
+              <a:noFill/>
+            </p:spPr>
+            <p:txBody>
+              <a:bodyPr wrap="none" rtlCol="0">
+                <a:spAutoFit/>
+              </a:bodyPr>
+              <a:lstStyle/>
+              <a:p>
+                <a:r>
+                  <a:rPr lang="en-US" altLang="zh-CN" sz="1400" dirty="0" smtClean="0"/>
+                  <a:t>Key words</a:t>
+                </a:r>
+              </a:p>
+              <a:p>
+                <a:r>
+                  <a:rPr lang="en-US" altLang="zh-CN" sz="1400" dirty="0" smtClean="0"/>
+                  <a:t>Labels</a:t>
+                </a:r>
+              </a:p>
+              <a:p>
+                <a:r>
+                  <a:rPr lang="en-US" altLang="zh-CN" sz="1400" dirty="0" smtClean="0"/>
+                  <a:t>Descriptions</a:t>
+                </a:r>
+                <a:endParaRPr lang="zh-CN" altLang="en-US" sz="1400" dirty="0"/>
+              </a:p>
+            </p:txBody>
+          </p:sp>
+        </p:grpSp>
+      </p:grpSp>
+      <p:sp>
+        <p:nvSpPr>
+          <p:cNvPr id="9" name="任意多边形 8"/>
+          <p:cNvSpPr/>
+          <p:nvPr/>
+        </p:nvSpPr>
+        <p:spPr>
+          <a:xfrm>
+            <a:off x="3604241" y="4130785"/>
+            <a:ext cx="2952000" cy="1692000"/>
+          </a:xfrm>
+          <a:custGeom>
+            <a:avLst/>
+            <a:gdLst>
+              <a:gd name="connsiteX0" fmla="*/ 0 w 2963470"/>
+              <a:gd name="connsiteY0" fmla="*/ 148174 h 1481735"/>
+              <a:gd name="connsiteX1" fmla="*/ 148174 w 2963470"/>
+              <a:gd name="connsiteY1" fmla="*/ 0 h 1481735"/>
+              <a:gd name="connsiteX2" fmla="*/ 2815297 w 2963470"/>
+              <a:gd name="connsiteY2" fmla="*/ 0 h 1481735"/>
+              <a:gd name="connsiteX3" fmla="*/ 2963471 w 2963470"/>
+              <a:gd name="connsiteY3" fmla="*/ 148174 h 1481735"/>
+              <a:gd name="connsiteX4" fmla="*/ 2963470 w 2963470"/>
+              <a:gd name="connsiteY4" fmla="*/ 1333562 h 1481735"/>
+              <a:gd name="connsiteX5" fmla="*/ 2815296 w 2963470"/>
+              <a:gd name="connsiteY5" fmla="*/ 1481736 h 1481735"/>
+              <a:gd name="connsiteX6" fmla="*/ 148174 w 2963470"/>
+              <a:gd name="connsiteY6" fmla="*/ 1481735 h 1481735"/>
+              <a:gd name="connsiteX7" fmla="*/ 0 w 2963470"/>
+              <a:gd name="connsiteY7" fmla="*/ 1333561 h 1481735"/>
+              <a:gd name="connsiteX8" fmla="*/ 0 w 2963470"/>
+              <a:gd name="connsiteY8" fmla="*/ 148174 h 1481735"/>
+            </a:gdLst>
+            <a:ahLst/>
+            <a:cxnLst>
+              <a:cxn ang="0">
+                <a:pos x="connsiteX0" y="connsiteY0"/>
+              </a:cxn>
+              <a:cxn ang="0">
+                <a:pos x="connsiteX1" y="connsiteY1"/>
+              </a:cxn>
+              <a:cxn ang="0">
+                <a:pos x="connsiteX2" y="connsiteY2"/>
+              </a:cxn>
+              <a:cxn ang="0">
+                <a:pos x="connsiteX3" y="connsiteY3"/>
+              </a:cxn>
+              <a:cxn ang="0">
+                <a:pos x="connsiteX4" y="connsiteY4"/>
+              </a:cxn>
+              <a:cxn ang="0">
+                <a:pos x="connsiteX5" y="connsiteY5"/>
+              </a:cxn>
+              <a:cxn ang="0">
+                <a:pos x="connsiteX6" y="connsiteY6"/>
+              </a:cxn>
+              <a:cxn ang="0">
+                <a:pos x="connsiteX7" y="connsiteY7"/>
+              </a:cxn>
+              <a:cxn ang="0">
+                <a:pos x="connsiteX8" y="connsiteY8"/>
+              </a:cxn>
+            </a:cxnLst>
+            <a:rect l="l" t="t" r="r" b="b"/>
+            <a:pathLst>
+              <a:path w="2963470" h="1481735">
+                <a:moveTo>
+                  <a:pt x="0" y="148174"/>
+                </a:moveTo>
+                <a:cubicBezTo>
+                  <a:pt x="0" y="66340"/>
+                  <a:pt x="66340" y="0"/>
+                  <a:pt x="148174" y="0"/>
+                </a:cubicBezTo>
+                <a:lnTo>
+                  <a:pt x="2815297" y="0"/>
+                </a:lnTo>
+                <a:cubicBezTo>
+                  <a:pt x="2897131" y="0"/>
+                  <a:pt x="2963471" y="66340"/>
+                  <a:pt x="2963471" y="148174"/>
+                </a:cubicBezTo>
+                <a:cubicBezTo>
+                  <a:pt x="2963471" y="543303"/>
+                  <a:pt x="2963470" y="938433"/>
+                  <a:pt x="2963470" y="1333562"/>
+                </a:cubicBezTo>
+                <a:cubicBezTo>
+                  <a:pt x="2963470" y="1415396"/>
+                  <a:pt x="2897130" y="1481736"/>
+                  <a:pt x="2815296" y="1481736"/>
+                </a:cubicBezTo>
+                <a:lnTo>
+                  <a:pt x="148174" y="1481735"/>
+                </a:lnTo>
+                <a:cubicBezTo>
+                  <a:pt x="66340" y="1481735"/>
+                  <a:pt x="0" y="1415395"/>
+                  <a:pt x="0" y="1333561"/>
+                </a:cubicBezTo>
+                <a:lnTo>
+                  <a:pt x="0" y="148174"/>
+                </a:lnTo>
+                <a:close/>
+              </a:path>
+            </a:pathLst>
+          </a:custGeom>
+          <a:solidFill>
+            <a:srgbClr val="F8F2E2"/>
+          </a:solidFill>
+          <a:ln w="19050">
+            <a:solidFill>
+              <a:srgbClr val="F0AAAF"/>
+            </a:solidFill>
+          </a:ln>
+        </p:spPr>
+        <p:style>
+          <a:lnRef idx="2">
+            <a:scrgbClr r="0" g="0" b="0"/>
+          </a:lnRef>
+          <a:fillRef idx="1">
+            <a:scrgbClr r="0" g="0" b="0"/>
+          </a:fillRef>
+          <a:effectRef idx="0">
+            <a:schemeClr val="accent1">
+              <a:hueOff val="0"/>
+              <a:satOff val="0"/>
+              <a:lumOff val="0"/>
+              <a:alphaOff val="0"/>
+            </a:schemeClr>
+          </a:effectRef>
+          <a:fontRef idx="minor">
+            <a:schemeClr val="lt1"/>
+          </a:fontRef>
+        </p:style>
+        <p:txBody>
+          <a:bodyPr spcFirstLastPara="0" vert="horz" wrap="square" lIns="84674" tIns="84674" rIns="84674" bIns="84674" numCol="1" spcCol="1270" anchor="ctr" anchorCtr="0">
+            <a:noAutofit/>
+          </a:bodyPr>
+          <a:lstStyle/>
+          <a:p>
+            <a:pPr lvl="0" algn="ctr" defTabSz="2889250">
+              <a:lnSpc>
+                <a:spcPct val="90000"/>
+              </a:lnSpc>
+              <a:spcBef>
+                <a:spcPct val="0"/>
+              </a:spcBef>
+              <a:spcAft>
+                <a:spcPct val="35000"/>
+              </a:spcAft>
+            </a:pPr>
+            <a:endParaRPr lang="zh-CN" altLang="en-US" sz="6500" kern="1200" dirty="0"/>
+          </a:p>
+        </p:txBody>
+      </p:sp>
+      <p:sp>
+        <p:nvSpPr>
+          <p:cNvPr id="31" name="文本框 30"/>
+          <p:cNvSpPr txBox="1"/>
+          <p:nvPr/>
+        </p:nvSpPr>
+        <p:spPr>
+          <a:xfrm>
+            <a:off x="3730451" y="4145820"/>
+            <a:ext cx="2655518" cy="338554"/>
+          </a:xfrm>
+          <a:prstGeom prst="rect">
+            <a:avLst/>
+          </a:prstGeom>
+          <a:noFill/>
+        </p:spPr>
+        <p:txBody>
+          <a:bodyPr wrap="square" rtlCol="0">
+            <a:spAutoFit/>
+          </a:bodyPr>
+          <a:lstStyle/>
+          <a:p>
+            <a:r>
+              <a:rPr lang="en-US" altLang="zh-CN" sz="1600" dirty="0" err="1" smtClean="0"/>
+              <a:t>NIdata</a:t>
+            </a:r>
+            <a:r>
+              <a:rPr lang="en-US" altLang="zh-CN" sz="1600" dirty="0" smtClean="0"/>
+              <a:t> class objects</a:t>
+            </a:r>
+            <a:endParaRPr lang="zh-CN" altLang="en-US" sz="1600" dirty="0"/>
+          </a:p>
+        </p:txBody>
+      </p:sp>
+      <p:grpSp>
+        <p:nvGrpSpPr>
+          <p:cNvPr id="40" name="组合 39"/>
+          <p:cNvGrpSpPr/>
+          <p:nvPr/>
+        </p:nvGrpSpPr>
+        <p:grpSpPr>
+          <a:xfrm>
+            <a:off x="3730451" y="4560959"/>
+            <a:ext cx="1222164" cy="1118025"/>
+            <a:chOff x="844527" y="4952773"/>
+            <a:chExt cx="1906078" cy="1619132"/>
+          </a:xfrm>
+        </p:grpSpPr>
+        <p:pic>
+          <p:nvPicPr>
+            <p:cNvPr id="35" name="图片 34"/>
+            <p:cNvPicPr>
+              <a:picLocks noChangeAspect="1"/>
+            </p:cNvPicPr>
+            <p:nvPr/>
+          </p:nvPicPr>
+          <p:blipFill>
+            <a:blip r:embed="rId8" cstate="print">
+              <a:extLst>
+                <a:ext uri="{28A0092B-C50C-407E-A947-70E740481C1C}">
+                  <a14:useLocalDpi xmlns:a14="http://schemas.microsoft.com/office/drawing/2010/main" val="0"/>
+                </a:ext>
+              </a:extLst>
+            </a:blip>
+            <a:stretch>
+              <a:fillRect/>
+            </a:stretch>
+          </p:blipFill>
+          <p:spPr>
+            <a:xfrm>
+              <a:off x="1319297" y="5065622"/>
+              <a:ext cx="1321684" cy="1071738"/>
+            </a:xfrm>
+            <a:prstGeom prst="rect">
+              <a:avLst/>
+            </a:prstGeom>
+          </p:spPr>
+        </p:pic>
+        <p:pic>
+          <p:nvPicPr>
+            <p:cNvPr id="36" name="图片 35"/>
+            <p:cNvPicPr>
+              <a:picLocks noChangeAspect="1"/>
+            </p:cNvPicPr>
+            <p:nvPr/>
+          </p:nvPicPr>
+          <p:blipFill>
+            <a:blip r:embed="rId8" cstate="print">
+              <a:extLst>
+                <a:ext uri="{28A0092B-C50C-407E-A947-70E740481C1C}">
+                  <a14:useLocalDpi xmlns:a14="http://schemas.microsoft.com/office/drawing/2010/main" val="0"/>
+                </a:ext>
+              </a:extLst>
+            </a:blip>
+            <a:stretch>
+              <a:fillRect/>
+            </a:stretch>
+          </p:blipFill>
+          <p:spPr>
+            <a:xfrm>
+              <a:off x="1198111" y="5142482"/>
+              <a:ext cx="1321684" cy="1071738"/>
+            </a:xfrm>
+            <a:prstGeom prst="rect">
+              <a:avLst/>
+            </a:prstGeom>
+          </p:spPr>
+        </p:pic>
+        <p:pic>
+          <p:nvPicPr>
+            <p:cNvPr id="37" name="图片 36"/>
+            <p:cNvPicPr>
+              <a:picLocks noChangeAspect="1"/>
+            </p:cNvPicPr>
+            <p:nvPr/>
+          </p:nvPicPr>
+          <p:blipFill>
+            <a:blip r:embed="rId8" cstate="print">
+              <a:extLst>
+                <a:ext uri="{28A0092B-C50C-407E-A947-70E740481C1C}">
+                  <a14:useLocalDpi xmlns:a14="http://schemas.microsoft.com/office/drawing/2010/main" val="0"/>
+                </a:ext>
+              </a:extLst>
+            </a:blip>
+            <a:stretch>
+              <a:fillRect/>
+            </a:stretch>
+          </p:blipFill>
+          <p:spPr>
+            <a:xfrm>
+              <a:off x="1076925" y="5258760"/>
+              <a:ext cx="1321684" cy="1071738"/>
+            </a:xfrm>
+            <a:prstGeom prst="rect">
+              <a:avLst/>
+            </a:prstGeom>
+          </p:spPr>
+        </p:pic>
+        <p:pic>
+          <p:nvPicPr>
+            <p:cNvPr id="38" name="图片 37"/>
+            <p:cNvPicPr>
+              <a:picLocks noChangeAspect="1"/>
+            </p:cNvPicPr>
+            <p:nvPr/>
+          </p:nvPicPr>
+          <p:blipFill>
+            <a:blip r:embed="rId8" cstate="print">
+              <a:extLst>
+                <a:ext uri="{28A0092B-C50C-407E-A947-70E740481C1C}">
+                  <a14:useLocalDpi xmlns:a14="http://schemas.microsoft.com/office/drawing/2010/main" val="0"/>
+                </a:ext>
+              </a:extLst>
+            </a:blip>
+            <a:stretch>
+              <a:fillRect/>
+            </a:stretch>
+          </p:blipFill>
+          <p:spPr>
+            <a:xfrm>
+              <a:off x="955739" y="5375038"/>
+              <a:ext cx="1321684" cy="1071738"/>
+            </a:xfrm>
+            <a:prstGeom prst="rect">
+              <a:avLst/>
+            </a:prstGeom>
+          </p:spPr>
+        </p:pic>
+        <p:sp>
+          <p:nvSpPr>
+            <p:cNvPr id="39" name="立方体 38"/>
+            <p:cNvSpPr/>
+            <p:nvPr/>
+          </p:nvSpPr>
+          <p:spPr>
+            <a:xfrm>
+              <a:off x="844527" y="4952773"/>
+              <a:ext cx="1906078" cy="1619132"/>
+            </a:xfrm>
+            <a:prstGeom prst="cube">
+              <a:avLst/>
+            </a:prstGeom>
+            <a:noFill/>
+            <a:ln w="22225">
+              <a:solidFill>
+                <a:schemeClr val="tx1"/>
+              </a:solidFill>
+            </a:ln>
+          </p:spPr>
+          <p:style>
+            <a:lnRef idx="2">
+              <a:schemeClr val="accent1">
+                <a:shade val="50000"/>
+              </a:schemeClr>
+            </a:lnRef>
+            <a:fillRef idx="1">
+              <a:schemeClr val="accent1"/>
+            </a:fillRef>
+            <a:effectRef idx="0">
+              <a:schemeClr val="accent1"/>
+            </a:effectRef>
+            <a:fontRef idx="minor">
+              <a:schemeClr val="lt1"/>
+            </a:fontRef>
+          </p:style>
+          <p:txBody>
+            <a:bodyPr rtlCol="0" anchor="ctr"/>
+            <a:lstStyle>
+              <a:defPPr>
+                <a:defRPr lang="zh-CN"/>
+              </a:defPPr>
+              <a:lvl1pPr marL="0" algn="l" defTabSz="914400" rtl="0" eaLnBrk="1" latinLnBrk="0" hangingPunct="1">
+                <a:defRPr sz="1800" kern="1200">
+                  <a:solidFill>
+                    <a:schemeClr val="lt1"/>
+                  </a:solidFill>
+                  <a:latin typeface="+mn-lt"/>
+                  <a:ea typeface="+mn-ea"/>
+                  <a:cs typeface="+mn-cs"/>
+                </a:defRPr>
+              </a:lvl1pPr>
+              <a:lvl2pPr marL="457200" algn="l" defTabSz="914400" rtl="0" eaLnBrk="1" latinLnBrk="0" hangingPunct="1">
+                <a:defRPr sz="1800" kern="1200">
+                  <a:solidFill>
+                    <a:schemeClr val="lt1"/>
+                  </a:solidFill>
+                  <a:latin typeface="+mn-lt"/>
+                  <a:ea typeface="+mn-ea"/>
+                  <a:cs typeface="+mn-cs"/>
+                </a:defRPr>
+              </a:lvl2pPr>
+              <a:lvl3pPr marL="914400" algn="l" defTabSz="914400" rtl="0" eaLnBrk="1" latinLnBrk="0" hangingPunct="1">
+                <a:defRPr sz="1800" kern="1200">
+                  <a:solidFill>
+                    <a:schemeClr val="lt1"/>
+                  </a:solidFill>
+                  <a:latin typeface="+mn-lt"/>
+                  <a:ea typeface="+mn-ea"/>
+                  <a:cs typeface="+mn-cs"/>
+                </a:defRPr>
+              </a:lvl3pPr>
+              <a:lvl4pPr marL="1371600" algn="l" defTabSz="914400" rtl="0" eaLnBrk="1" latinLnBrk="0" hangingPunct="1">
+                <a:defRPr sz="1800" kern="1200">
+                  <a:solidFill>
+                    <a:schemeClr val="lt1"/>
+                  </a:solidFill>
+                  <a:latin typeface="+mn-lt"/>
+                  <a:ea typeface="+mn-ea"/>
+                  <a:cs typeface="+mn-cs"/>
+                </a:defRPr>
+              </a:lvl4pPr>
+              <a:lvl5pPr marL="1828800" algn="l" defTabSz="914400" rtl="0" eaLnBrk="1" latinLnBrk="0" hangingPunct="1">
+                <a:defRPr sz="1800" kern="1200">
+                  <a:solidFill>
+                    <a:schemeClr val="lt1"/>
+                  </a:solidFill>
+                  <a:latin typeface="+mn-lt"/>
+                  <a:ea typeface="+mn-ea"/>
+                  <a:cs typeface="+mn-cs"/>
+                </a:defRPr>
+              </a:lvl5pPr>
+              <a:lvl6pPr marL="2286000" algn="l" defTabSz="914400" rtl="0" eaLnBrk="1" latinLnBrk="0" hangingPunct="1">
+                <a:defRPr sz="1800" kern="1200">
+                  <a:solidFill>
+                    <a:schemeClr val="lt1"/>
+                  </a:solidFill>
+                  <a:latin typeface="+mn-lt"/>
+                  <a:ea typeface="+mn-ea"/>
+                  <a:cs typeface="+mn-cs"/>
+                </a:defRPr>
+              </a:lvl6pPr>
+              <a:lvl7pPr marL="2743200" algn="l" defTabSz="914400" rtl="0" eaLnBrk="1" latinLnBrk="0" hangingPunct="1">
+                <a:defRPr sz="1800" kern="1200">
+                  <a:solidFill>
+                    <a:schemeClr val="lt1"/>
+                  </a:solidFill>
+                  <a:latin typeface="+mn-lt"/>
+                  <a:ea typeface="+mn-ea"/>
+                  <a:cs typeface="+mn-cs"/>
+                </a:defRPr>
+              </a:lvl7pPr>
+              <a:lvl8pPr marL="3200400" algn="l" defTabSz="914400" rtl="0" eaLnBrk="1" latinLnBrk="0" hangingPunct="1">
+                <a:defRPr sz="1800" kern="1200">
+                  <a:solidFill>
+                    <a:schemeClr val="lt1"/>
+                  </a:solidFill>
+                  <a:latin typeface="+mn-lt"/>
+                  <a:ea typeface="+mn-ea"/>
+                  <a:cs typeface="+mn-cs"/>
+                </a:defRPr>
+              </a:lvl8pPr>
+              <a:lvl9pPr marL="3657600" algn="l" defTabSz="914400" rtl="0" eaLnBrk="1" latinLnBrk="0" hangingPunct="1">
+                <a:defRPr sz="1800" kern="1200">
+                  <a:solidFill>
+                    <a:schemeClr val="lt1"/>
+                  </a:solidFill>
+                  <a:latin typeface="+mn-lt"/>
+                  <a:ea typeface="+mn-ea"/>
+                  <a:cs typeface="+mn-cs"/>
+                </a:defRPr>
+              </a:lvl9pPr>
+            </a:lstStyle>
+            <a:p>
+              <a:pPr algn="ctr"/>
+              <a:endParaRPr lang="zh-CN" altLang="en-US" sz="1400">
+                <a:solidFill>
+                  <a:prstClr val="white"/>
+                </a:solidFill>
+                <a:latin typeface="Arial" panose="020B0604020202020204" pitchFamily="34" charset="0"/>
+                <a:cs typeface="Arial" panose="020B0604020202020204" pitchFamily="34" charset="0"/>
+              </a:endParaRPr>
+            </a:p>
+          </p:txBody>
+        </p:sp>
+      </p:grpSp>
+      <p:sp>
+        <p:nvSpPr>
+          <p:cNvPr id="34" name="矩形 33"/>
+          <p:cNvSpPr/>
+          <p:nvPr/>
+        </p:nvSpPr>
+        <p:spPr>
+          <a:xfrm>
+            <a:off x="4990236" y="4515152"/>
+            <a:ext cx="1557513" cy="1169551"/>
+          </a:xfrm>
+          <a:prstGeom prst="rect">
+            <a:avLst/>
+          </a:prstGeom>
+        </p:spPr>
+        <p:txBody>
+          <a:bodyPr wrap="square">
+            <a:spAutoFit/>
+          </a:bodyPr>
+          <a:lstStyle/>
+          <a:p>
+            <a:pPr marL="108000" indent="-108000">
+              <a:buFont typeface="Arial" panose="020B0604020202020204" pitchFamily="34" charset="0"/>
+              <a:buChar char="•"/>
+            </a:pPr>
+            <a:r>
+              <a:rPr lang="en-US" altLang="zh-CN" sz="1400" dirty="0"/>
+              <a:t>designed based on </a:t>
+            </a:r>
+            <a:r>
+              <a:rPr lang="en-US" altLang="zh-CN" sz="1400" dirty="0" err="1"/>
+              <a:t>NIfTI</a:t>
+            </a:r>
+            <a:r>
+              <a:rPr lang="en-US" altLang="zh-CN" sz="1400" dirty="0"/>
+              <a:t> </a:t>
+            </a:r>
+            <a:r>
+              <a:rPr lang="en-US" altLang="zh-CN" sz="1400" dirty="0" smtClean="0"/>
+              <a:t>format</a:t>
+            </a:r>
+          </a:p>
+          <a:p>
+            <a:pPr marL="108000" indent="-108000">
+              <a:buFont typeface="Arial" panose="020B0604020202020204" pitchFamily="34" charset="0"/>
+              <a:buChar char="•"/>
+            </a:pPr>
+            <a:r>
+              <a:rPr lang="en-US" altLang="zh-CN" sz="1400" dirty="0" smtClean="0"/>
+              <a:t>Dimensions  depend on data modality  </a:t>
+            </a:r>
+            <a:endParaRPr lang="en-US" altLang="zh-CN" sz="1400" dirty="0"/>
+          </a:p>
+        </p:txBody>
+      </p:sp>
+      <p:grpSp>
+        <p:nvGrpSpPr>
+          <p:cNvPr id="44" name="组合 43"/>
+          <p:cNvGrpSpPr/>
+          <p:nvPr/>
+        </p:nvGrpSpPr>
+        <p:grpSpPr>
+          <a:xfrm>
+            <a:off x="6900389" y="1822484"/>
+            <a:ext cx="3180587" cy="1692000"/>
+            <a:chOff x="3653747" y="1708388"/>
+            <a:chExt cx="2952000" cy="1692000"/>
+          </a:xfrm>
+        </p:grpSpPr>
+        <p:sp>
+          <p:nvSpPr>
+            <p:cNvPr id="45" name="任意多边形 44"/>
+            <p:cNvSpPr/>
+            <p:nvPr/>
+          </p:nvSpPr>
+          <p:spPr>
+            <a:xfrm>
+              <a:off x="3653747" y="1708388"/>
+              <a:ext cx="2952000" cy="1692000"/>
+            </a:xfrm>
+            <a:custGeom>
+              <a:avLst/>
+              <a:gdLst>
+                <a:gd name="connsiteX0" fmla="*/ 0 w 2963470"/>
+                <a:gd name="connsiteY0" fmla="*/ 148174 h 1481735"/>
+                <a:gd name="connsiteX1" fmla="*/ 148174 w 2963470"/>
+                <a:gd name="connsiteY1" fmla="*/ 0 h 1481735"/>
+                <a:gd name="connsiteX2" fmla="*/ 2815297 w 2963470"/>
+                <a:gd name="connsiteY2" fmla="*/ 0 h 1481735"/>
+                <a:gd name="connsiteX3" fmla="*/ 2963471 w 2963470"/>
+                <a:gd name="connsiteY3" fmla="*/ 148174 h 1481735"/>
+                <a:gd name="connsiteX4" fmla="*/ 2963470 w 2963470"/>
+                <a:gd name="connsiteY4" fmla="*/ 1333562 h 1481735"/>
+                <a:gd name="connsiteX5" fmla="*/ 2815296 w 2963470"/>
+                <a:gd name="connsiteY5" fmla="*/ 1481736 h 1481735"/>
+                <a:gd name="connsiteX6" fmla="*/ 148174 w 2963470"/>
+                <a:gd name="connsiteY6" fmla="*/ 1481735 h 1481735"/>
+                <a:gd name="connsiteX7" fmla="*/ 0 w 2963470"/>
+                <a:gd name="connsiteY7" fmla="*/ 1333561 h 1481735"/>
+                <a:gd name="connsiteX8" fmla="*/ 0 w 2963470"/>
+                <a:gd name="connsiteY8" fmla="*/ 148174 h 1481735"/>
+              </a:gdLst>
+              <a:ahLst/>
+              <a:cxnLst>
+                <a:cxn ang="0">
+                  <a:pos x="connsiteX0" y="connsiteY0"/>
+                </a:cxn>
+                <a:cxn ang="0">
+                  <a:pos x="connsiteX1" y="connsiteY1"/>
+                </a:cxn>
+                <a:cxn ang="0">
+                  <a:pos x="connsiteX2" y="connsiteY2"/>
+                </a:cxn>
+                <a:cxn ang="0">
+                  <a:pos x="connsiteX3" y="connsiteY3"/>
+                </a:cxn>
+                <a:cxn ang="0">
+                  <a:pos x="connsiteX4" y="connsiteY4"/>
+                </a:cxn>
+                <a:cxn ang="0">
+                  <a:pos x="connsiteX5" y="connsiteY5"/>
+                </a:cxn>
+                <a:cxn ang="0">
+                  <a:pos x="connsiteX6" y="connsiteY6"/>
+                </a:cxn>
+                <a:cxn ang="0">
+                  <a:pos x="connsiteX7" y="connsiteY7"/>
+                </a:cxn>
+                <a:cxn ang="0">
+                  <a:pos x="connsiteX8" y="connsiteY8"/>
+                </a:cxn>
+              </a:cxnLst>
+              <a:rect l="l" t="t" r="r" b="b"/>
+              <a:pathLst>
+                <a:path w="2963470" h="1481735">
+                  <a:moveTo>
+                    <a:pt x="0" y="148174"/>
+                  </a:moveTo>
+                  <a:cubicBezTo>
+                    <a:pt x="0" y="66340"/>
+                    <a:pt x="66340" y="0"/>
+                    <a:pt x="148174" y="0"/>
+                  </a:cubicBezTo>
+                  <a:lnTo>
+                    <a:pt x="2815297" y="0"/>
+                  </a:lnTo>
+                  <a:cubicBezTo>
+                    <a:pt x="2897131" y="0"/>
+                    <a:pt x="2963471" y="66340"/>
+                    <a:pt x="2963471" y="148174"/>
+                  </a:cubicBezTo>
+                  <a:cubicBezTo>
+                    <a:pt x="2963471" y="543303"/>
+                    <a:pt x="2963470" y="938433"/>
+                    <a:pt x="2963470" y="1333562"/>
+                  </a:cubicBezTo>
+                  <a:cubicBezTo>
+                    <a:pt x="2963470" y="1415396"/>
+                    <a:pt x="2897130" y="1481736"/>
+                    <a:pt x="2815296" y="1481736"/>
+                  </a:cubicBezTo>
+                  <a:lnTo>
+                    <a:pt x="148174" y="1481735"/>
+                  </a:lnTo>
+                  <a:cubicBezTo>
+                    <a:pt x="66340" y="1481735"/>
+                    <a:pt x="0" y="1415395"/>
+                    <a:pt x="0" y="1333561"/>
+                  </a:cubicBezTo>
+                  <a:lnTo>
+                    <a:pt x="0" y="148174"/>
+                  </a:lnTo>
+                  <a:close/>
+                </a:path>
+              </a:pathLst>
+            </a:custGeom>
+            <a:solidFill>
+              <a:srgbClr val="F8F2E2"/>
+            </a:solidFill>
+            <a:ln w="19050">
+              <a:solidFill>
+                <a:srgbClr val="F0AAAF"/>
+              </a:solidFill>
+            </a:ln>
+          </p:spPr>
+          <p:style>
+            <a:lnRef idx="2">
+              <a:scrgbClr r="0" g="0" b="0"/>
+            </a:lnRef>
+            <a:fillRef idx="1">
+              <a:scrgbClr r="0" g="0" b="0"/>
+            </a:fillRef>
+            <a:effectRef idx="0">
+              <a:schemeClr val="accent1">
+                <a:hueOff val="0"/>
+                <a:satOff val="0"/>
+                <a:lumOff val="0"/>
+                <a:alphaOff val="0"/>
+              </a:schemeClr>
+            </a:effectRef>
+            <a:fontRef idx="minor">
+              <a:schemeClr val="lt1"/>
+            </a:fontRef>
+          </p:style>
+          <p:txBody>
+            <a:bodyPr spcFirstLastPara="0" vert="horz" wrap="square" lIns="84674" tIns="84674" rIns="84674" bIns="84674" numCol="1" spcCol="1270" anchor="ctr" anchorCtr="0">
+              <a:noAutofit/>
+            </a:bodyPr>
+            <a:lstStyle/>
+            <a:p>
+              <a:pPr lvl="0" algn="ctr" defTabSz="2889250">
+                <a:lnSpc>
+                  <a:spcPct val="90000"/>
+                </a:lnSpc>
+                <a:spcBef>
+                  <a:spcPct val="0"/>
+                </a:spcBef>
+                <a:spcAft>
+                  <a:spcPct val="35000"/>
+                </a:spcAft>
+              </a:pPr>
+              <a:r>
+                <a:rPr lang="en-US" altLang="zh-CN" sz="6500" kern="1200" dirty="0" smtClean="0"/>
+                <a:t> </a:t>
+              </a:r>
+              <a:endParaRPr lang="zh-CN" altLang="en-US" sz="6500" kern="1200" dirty="0"/>
+            </a:p>
+          </p:txBody>
+        </p:sp>
+        <p:sp>
+          <p:nvSpPr>
+            <p:cNvPr id="47" name="文本框 46"/>
+            <p:cNvSpPr txBox="1"/>
+            <p:nvPr/>
+          </p:nvSpPr>
+          <p:spPr>
+            <a:xfrm>
+              <a:off x="3772013" y="1892843"/>
+              <a:ext cx="2626391" cy="646331"/>
+            </a:xfrm>
+            <a:prstGeom prst="rect">
+              <a:avLst/>
+            </a:prstGeom>
+            <a:noFill/>
+          </p:spPr>
+          <p:txBody>
+            <a:bodyPr wrap="square" rtlCol="0">
+              <a:spAutoFit/>
+            </a:bodyPr>
+            <a:lstStyle/>
+            <a:p>
+              <a:endParaRPr lang="en-US" altLang="zh-CN" dirty="0" smtClean="0"/>
+            </a:p>
+            <a:p>
+              <a:endParaRPr lang="zh-CN" altLang="en-US" dirty="0"/>
+            </a:p>
+          </p:txBody>
+        </p:sp>
+      </p:grpSp>
+      <p:sp>
+        <p:nvSpPr>
+          <p:cNvPr id="60" name="矩形 59"/>
+          <p:cNvSpPr/>
+          <p:nvPr/>
+        </p:nvSpPr>
+        <p:spPr>
+          <a:xfrm>
+            <a:off x="5527337" y="3676146"/>
+            <a:ext cx="2314031" cy="369332"/>
+          </a:xfrm>
+          <a:prstGeom prst="rect">
+            <a:avLst/>
+          </a:prstGeom>
+        </p:spPr>
+        <p:txBody>
+          <a:bodyPr wrap="none">
+            <a:spAutoFit/>
+          </a:bodyPr>
+          <a:lstStyle/>
+          <a:p>
+            <a:r>
+              <a:rPr lang="en-US" altLang="zh-CN" dirty="0">
+                <a:solidFill>
+                  <a:srgbClr val="434343"/>
+                </a:solidFill>
+              </a:rPr>
+              <a:t>Collecting </a:t>
+            </a:r>
+            <a:r>
+              <a:rPr lang="en-US" altLang="zh-CN" dirty="0" smtClean="0">
+                <a:solidFill>
+                  <a:srgbClr val="434343"/>
+                </a:solidFill>
+              </a:rPr>
+              <a:t>&amp;Organizing</a:t>
+            </a:r>
+            <a:endParaRPr lang="zh-CN" altLang="en-US" dirty="0"/>
+          </a:p>
+        </p:txBody>
+      </p:sp>
+      <p:grpSp>
+        <p:nvGrpSpPr>
+          <p:cNvPr id="1025" name="组合 1024"/>
+          <p:cNvGrpSpPr/>
+          <p:nvPr/>
+        </p:nvGrpSpPr>
+        <p:grpSpPr>
+          <a:xfrm>
+            <a:off x="6513692" y="2557596"/>
+            <a:ext cx="463183" cy="1037634"/>
+            <a:chOff x="6523034" y="2545239"/>
+            <a:chExt cx="463183" cy="1037634"/>
+          </a:xfrm>
+        </p:grpSpPr>
+        <p:sp>
+          <p:nvSpPr>
+            <p:cNvPr id="62" name="右箭头 61"/>
+            <p:cNvSpPr/>
+            <p:nvPr/>
+          </p:nvSpPr>
+          <p:spPr>
+            <a:xfrm>
+              <a:off x="6523034" y="2545239"/>
+              <a:ext cx="463183" cy="246940"/>
+            </a:xfrm>
+            <a:prstGeom prst="rightArrow">
+              <a:avLst/>
+            </a:prstGeom>
+            <a:solidFill>
+              <a:srgbClr val="1FDA9A"/>
+            </a:solidFill>
+            <a:ln>
+              <a:noFill/>
+            </a:ln>
+          </p:spPr>
+          <p:style>
+            <a:lnRef idx="2">
+              <a:schemeClr val="accent1">
+                <a:shade val="50000"/>
+              </a:schemeClr>
+            </a:lnRef>
+            <a:fillRef idx="1">
+              <a:schemeClr val="accent1"/>
+            </a:fillRef>
+            <a:effectRef idx="0">
+              <a:schemeClr val="accent1"/>
+            </a:effectRef>
+            <a:fontRef idx="minor">
+              <a:schemeClr val="lt1"/>
+            </a:fontRef>
+          </p:style>
+          <p:txBody>
+            <a:bodyPr rtlCol="0" anchor="ctr"/>
+            <a:lstStyle/>
+            <a:p>
+              <a:pPr algn="ctr"/>
+              <a:endParaRPr lang="zh-CN" altLang="en-US"/>
+            </a:p>
+          </p:txBody>
+        </p:sp>
+        <p:sp>
+          <p:nvSpPr>
+            <p:cNvPr id="1024" name="圆角右箭头 1023"/>
+            <p:cNvSpPr/>
+            <p:nvPr/>
+          </p:nvSpPr>
+          <p:spPr>
+            <a:xfrm rot="10800000" flipH="1" flipV="1">
+              <a:off x="6662622" y="2613628"/>
+              <a:ext cx="296377" cy="969245"/>
+            </a:xfrm>
+            <a:prstGeom prst="bentArrow">
+              <a:avLst>
+                <a:gd name="adj1" fmla="val 33846"/>
+                <a:gd name="adj2" fmla="val 23563"/>
+                <a:gd name="adj3" fmla="val 34493"/>
+                <a:gd name="adj4" fmla="val 72495"/>
+              </a:avLst>
+            </a:prstGeom>
+            <a:solidFill>
+              <a:srgbClr val="1FDA9A"/>
+            </a:solidFill>
+            <a:ln>
+              <a:noFill/>
+            </a:ln>
+          </p:spPr>
+          <p:style>
+            <a:lnRef idx="2">
+              <a:schemeClr val="accent1">
+                <a:shade val="50000"/>
+              </a:schemeClr>
+            </a:lnRef>
+            <a:fillRef idx="1">
+              <a:schemeClr val="accent1"/>
+            </a:fillRef>
+            <a:effectRef idx="0">
+              <a:schemeClr val="accent1"/>
+            </a:effectRef>
+            <a:fontRef idx="minor">
+              <a:schemeClr val="lt1"/>
+            </a:fontRef>
+          </p:style>
+          <p:txBody>
+            <a:bodyPr rtlCol="0" anchor="ctr"/>
+            <a:lstStyle/>
+            <a:p>
+              <a:pPr algn="ctr"/>
+              <a:endParaRPr lang="zh-CN" altLang="en-US">
+                <a:solidFill>
+                  <a:schemeClr val="tx1"/>
+                </a:solidFill>
+              </a:endParaRPr>
+            </a:p>
+          </p:txBody>
+        </p:sp>
+      </p:grpSp>
+      <p:grpSp>
+        <p:nvGrpSpPr>
+          <p:cNvPr id="67" name="组合 66"/>
+          <p:cNvGrpSpPr/>
+          <p:nvPr/>
+        </p:nvGrpSpPr>
+        <p:grpSpPr>
+          <a:xfrm flipV="1">
+            <a:off x="6513692" y="4055323"/>
+            <a:ext cx="463183" cy="1037634"/>
+            <a:chOff x="6523034" y="2545239"/>
+            <a:chExt cx="463183" cy="1037634"/>
+          </a:xfrm>
+        </p:grpSpPr>
+        <p:sp>
+          <p:nvSpPr>
+            <p:cNvPr id="68" name="右箭头 67"/>
+            <p:cNvSpPr/>
+            <p:nvPr/>
+          </p:nvSpPr>
+          <p:spPr>
+            <a:xfrm>
+              <a:off x="6523034" y="2545239"/>
+              <a:ext cx="463183" cy="246940"/>
+            </a:xfrm>
+            <a:prstGeom prst="rightArrow">
+              <a:avLst/>
+            </a:prstGeom>
+            <a:solidFill>
+              <a:srgbClr val="1FDA9A"/>
+            </a:solidFill>
+            <a:ln>
+              <a:noFill/>
+            </a:ln>
+          </p:spPr>
+          <p:style>
+            <a:lnRef idx="2">
+              <a:schemeClr val="accent1">
+                <a:shade val="50000"/>
+              </a:schemeClr>
+            </a:lnRef>
+            <a:fillRef idx="1">
+              <a:schemeClr val="accent1"/>
+            </a:fillRef>
+            <a:effectRef idx="0">
+              <a:schemeClr val="accent1"/>
+            </a:effectRef>
+            <a:fontRef idx="minor">
+              <a:schemeClr val="lt1"/>
+            </a:fontRef>
+          </p:style>
+          <p:txBody>
+            <a:bodyPr rtlCol="0" anchor="ctr"/>
+            <a:lstStyle/>
+            <a:p>
+              <a:pPr algn="ctr"/>
+              <a:endParaRPr lang="zh-CN" altLang="en-US"/>
+            </a:p>
+          </p:txBody>
+        </p:sp>
+        <p:sp>
+          <p:nvSpPr>
+            <p:cNvPr id="69" name="圆角右箭头 68"/>
+            <p:cNvSpPr/>
+            <p:nvPr/>
+          </p:nvSpPr>
+          <p:spPr>
+            <a:xfrm rot="10800000" flipH="1" flipV="1">
+              <a:off x="6662622" y="2613628"/>
+              <a:ext cx="296377" cy="969245"/>
+            </a:xfrm>
+            <a:prstGeom prst="bentArrow">
+              <a:avLst>
+                <a:gd name="adj1" fmla="val 33846"/>
+                <a:gd name="adj2" fmla="val 23563"/>
+                <a:gd name="adj3" fmla="val 34493"/>
+                <a:gd name="adj4" fmla="val 72495"/>
+              </a:avLst>
+            </a:prstGeom>
+            <a:solidFill>
+              <a:srgbClr val="1FDA9A"/>
+            </a:solidFill>
+            <a:ln>
+              <a:noFill/>
+            </a:ln>
+          </p:spPr>
+          <p:style>
+            <a:lnRef idx="2">
+              <a:schemeClr val="accent1">
+                <a:shade val="50000"/>
+              </a:schemeClr>
+            </a:lnRef>
+            <a:fillRef idx="1">
+              <a:schemeClr val="accent1"/>
+            </a:fillRef>
+            <a:effectRef idx="0">
+              <a:schemeClr val="accent1"/>
+            </a:effectRef>
+            <a:fontRef idx="minor">
+              <a:schemeClr val="lt1"/>
+            </a:fontRef>
+          </p:style>
+          <p:txBody>
+            <a:bodyPr rtlCol="0" anchor="ctr"/>
+            <a:lstStyle/>
+            <a:p>
+              <a:pPr algn="ctr"/>
+              <a:endParaRPr lang="zh-CN" altLang="en-US">
+                <a:solidFill>
+                  <a:schemeClr val="tx1"/>
+                </a:solidFill>
+              </a:endParaRPr>
+            </a:p>
+          </p:txBody>
+        </p:sp>
+      </p:grpSp>
+      <p:sp>
+        <p:nvSpPr>
+          <p:cNvPr id="70" name="文本框 69"/>
+          <p:cNvSpPr txBox="1"/>
+          <p:nvPr/>
+        </p:nvSpPr>
+        <p:spPr>
+          <a:xfrm>
+            <a:off x="7058394" y="1962178"/>
+            <a:ext cx="2626391" cy="338554"/>
+          </a:xfrm>
+          <a:prstGeom prst="rect">
+            <a:avLst/>
+          </a:prstGeom>
+          <a:noFill/>
+        </p:spPr>
+        <p:txBody>
+          <a:bodyPr wrap="square" rtlCol="0">
+            <a:spAutoFit/>
+          </a:bodyPr>
+          <a:lstStyle/>
+          <a:p>
+            <a:r>
+              <a:rPr lang="en-US" altLang="zh-CN" sz="1600" dirty="0" smtClean="0"/>
+              <a:t>Population phenotype</a:t>
+            </a:r>
+            <a:endParaRPr lang="zh-CN" altLang="en-US" sz="1600" dirty="0"/>
+          </a:p>
+        </p:txBody>
+      </p:sp>
+      <p:graphicFrame>
+        <p:nvGraphicFramePr>
+          <p:cNvPr id="1027" name="表格 1026"/>
+          <p:cNvGraphicFramePr>
+            <a:graphicFrameLocks noGrp="1"/>
+          </p:cNvGraphicFramePr>
+          <p:nvPr>
+            <p:extLst>
+              <p:ext uri="{D42A27DB-BD31-4B8C-83A1-F6EECF244321}">
+                <p14:modId xmlns:p14="http://schemas.microsoft.com/office/powerpoint/2010/main" val="2653375272"/>
+              </p:ext>
+            </p:extLst>
+          </p:nvPr>
+        </p:nvGraphicFramePr>
+        <p:xfrm>
+          <a:off x="7119853" y="2292721"/>
+          <a:ext cx="2591692" cy="1097280"/>
+        </p:xfrm>
+        <a:graphic>
+          <a:graphicData uri="http://schemas.openxmlformats.org/drawingml/2006/table">
+            <a:tbl>
+              <a:tblPr firstRow="1" bandRow="1">
+                <a:tableStyleId>{21E4AEA4-8DFA-4A89-87EB-49C32662AFE0}</a:tableStyleId>
+              </a:tblPr>
+              <a:tblGrid>
+                <a:gridCol w="590764"/>
+                <a:gridCol w="333488"/>
+                <a:gridCol w="333488"/>
+                <a:gridCol w="333488"/>
+                <a:gridCol w="333488"/>
+                <a:gridCol w="333488"/>
+                <a:gridCol w="333488"/>
+              </a:tblGrid>
+              <a:tr h="309353">
+                <a:tc>
+                  <a:txBody>
+                    <a:bodyPr/>
+                    <a:lstStyle/>
+                    <a:p>
+                      <a:endParaRPr lang="zh-CN" altLang="en-US" sz="1400" dirty="0"/>
+                    </a:p>
+                  </a:txBody>
+                  <a:tcPr/>
+                </a:tc>
+                <a:tc gridSpan="6">
+                  <a:txBody>
+                    <a:bodyPr/>
+                    <a:lstStyle/>
+                    <a:p>
+                      <a:pPr marL="0" marR="0" indent="0" algn="ctr" defTabSz="914400" rtl="0" eaLnBrk="1" fontAlgn="auto" latinLnBrk="0" hangingPunct="1">
+                        <a:lnSpc>
+                          <a:spcPct val="100000"/>
+                        </a:lnSpc>
+                        <a:spcBef>
+                          <a:spcPts val="0"/>
+                        </a:spcBef>
+                        <a:spcAft>
+                          <a:spcPts val="0"/>
+                        </a:spcAft>
+                        <a:buClrTx/>
+                        <a:buSzTx/>
+                        <a:buFontTx/>
+                        <a:buNone/>
+                        <a:tabLst/>
+                        <a:defRPr/>
+                      </a:pPr>
+                      <a:r>
+                        <a:rPr lang="en-US" altLang="zh-CN" sz="1800" dirty="0" smtClean="0"/>
+                        <a:t>Subjects</a:t>
+                      </a:r>
+                      <a:endParaRPr lang="zh-CN" altLang="en-US" sz="1400" dirty="0"/>
+                    </a:p>
+                  </a:txBody>
+                  <a:tcPr/>
+                </a:tc>
+                <a:tc hMerge="1">
+                  <a:txBody>
+                    <a:bodyPr/>
+                    <a:lstStyle/>
+                    <a:p>
+                      <a:endParaRPr lang="zh-CN" altLang="en-US"/>
+                    </a:p>
+                  </a:txBody>
+                  <a:tcPr/>
+                </a:tc>
+                <a:tc hMerge="1">
+                  <a:txBody>
+                    <a:bodyPr/>
+                    <a:lstStyle/>
+                    <a:p>
+                      <a:endParaRPr lang="zh-CN" altLang="en-US" dirty="0"/>
+                    </a:p>
+                  </a:txBody>
+                  <a:tcPr/>
+                </a:tc>
+                <a:tc hMerge="1">
+                  <a:txBody>
+                    <a:bodyPr/>
+                    <a:lstStyle/>
+                    <a:p>
+                      <a:endParaRPr lang="zh-CN" altLang="en-US"/>
+                    </a:p>
+                  </a:txBody>
+                  <a:tcPr/>
+                </a:tc>
+                <a:tc hMerge="1">
+                  <a:txBody>
+                    <a:bodyPr/>
+                    <a:lstStyle/>
+                    <a:p>
+                      <a:endParaRPr lang="zh-CN" altLang="en-US" dirty="0"/>
+                    </a:p>
+                  </a:txBody>
+                  <a:tcPr/>
+                </a:tc>
+                <a:tc hMerge="1">
+                  <a:txBody>
+                    <a:bodyPr/>
+                    <a:lstStyle/>
+                    <a:p>
+                      <a:endParaRPr lang="zh-CN" altLang="en-US"/>
+                    </a:p>
+                  </a:txBody>
+                  <a:tcPr/>
+                </a:tc>
+              </a:tr>
+              <a:tr h="224996">
+                <a:tc rowSpan="3">
+                  <a:txBody>
+                    <a:bodyPr/>
+                    <a:lstStyle/>
+                    <a:p>
+                      <a:pPr marL="0" marR="0" indent="0" algn="ctr" defTabSz="914400" rtl="0" eaLnBrk="1" fontAlgn="auto" latinLnBrk="0" hangingPunct="1">
+                        <a:lnSpc>
+                          <a:spcPct val="100000"/>
+                        </a:lnSpc>
+                        <a:spcBef>
+                          <a:spcPts val="0"/>
+                        </a:spcBef>
+                        <a:spcAft>
+                          <a:spcPts val="0"/>
+                        </a:spcAft>
+                        <a:buClrTx/>
+                        <a:buSzTx/>
+                        <a:buFontTx/>
+                        <a:buNone/>
+                        <a:tabLst/>
+                        <a:defRPr/>
+                      </a:pPr>
+                      <a:r>
+                        <a:rPr lang="en-US" altLang="zh-CN" sz="1800" dirty="0" smtClean="0"/>
+                        <a:t>keys</a:t>
+                      </a:r>
+                      <a:endParaRPr lang="zh-CN" altLang="en-US" sz="1800" dirty="0"/>
+                    </a:p>
+                  </a:txBody>
+                  <a:tcPr anchor="ctr"/>
+                </a:tc>
+                <a:tc>
+                  <a:txBody>
+                    <a:bodyPr/>
+                    <a:lstStyle/>
+                    <a:p>
+                      <a:endParaRPr lang="zh-CN" altLang="en-US" sz="1000" dirty="0"/>
+                    </a:p>
+                  </a:txBody>
+                  <a:tcPr/>
+                </a:tc>
+                <a:tc>
+                  <a:txBody>
+                    <a:bodyPr/>
+                    <a:lstStyle/>
+                    <a:p>
+                      <a:endParaRPr lang="zh-CN" altLang="en-US" sz="1000" dirty="0"/>
+                    </a:p>
+                  </a:txBody>
+                  <a:tcPr/>
+                </a:tc>
+                <a:tc>
+                  <a:txBody>
+                    <a:bodyPr/>
+                    <a:lstStyle/>
+                    <a:p>
+                      <a:endParaRPr lang="zh-CN" altLang="en-US" sz="1000" dirty="0"/>
+                    </a:p>
+                  </a:txBody>
+                  <a:tcPr/>
+                </a:tc>
+                <a:tc>
+                  <a:txBody>
+                    <a:bodyPr/>
+                    <a:lstStyle/>
+                    <a:p>
+                      <a:endParaRPr lang="zh-CN" altLang="en-US" sz="1000" dirty="0"/>
+                    </a:p>
+                  </a:txBody>
+                  <a:tcPr/>
+                </a:tc>
+                <a:tc>
+                  <a:txBody>
+                    <a:bodyPr/>
+                    <a:lstStyle/>
+                    <a:p>
+                      <a:endParaRPr lang="zh-CN" altLang="en-US" sz="1000" dirty="0"/>
+                    </a:p>
+                  </a:txBody>
+                  <a:tcPr/>
+                </a:tc>
+                <a:tc>
+                  <a:txBody>
+                    <a:bodyPr/>
+                    <a:lstStyle/>
+                    <a:p>
+                      <a:endParaRPr lang="zh-CN" altLang="en-US" sz="1000" dirty="0"/>
+                    </a:p>
+                  </a:txBody>
+                  <a:tcPr/>
+                </a:tc>
+              </a:tr>
+              <a:tr h="224996">
+                <a:tc vMerge="1">
+                  <a:txBody>
+                    <a:bodyPr/>
+                    <a:lstStyle/>
+                    <a:p>
+                      <a:endParaRPr lang="zh-CN" altLang="en-US" sz="1400" dirty="0"/>
+                    </a:p>
+                  </a:txBody>
+                  <a:tcPr/>
+                </a:tc>
+                <a:tc>
+                  <a:txBody>
+                    <a:bodyPr/>
+                    <a:lstStyle/>
+                    <a:p>
+                      <a:endParaRPr lang="zh-CN" altLang="en-US" sz="1000" dirty="0"/>
+                    </a:p>
+                  </a:txBody>
+                  <a:tcPr/>
+                </a:tc>
+                <a:tc>
+                  <a:txBody>
+                    <a:bodyPr/>
+                    <a:lstStyle/>
+                    <a:p>
+                      <a:endParaRPr lang="zh-CN" altLang="en-US" sz="1000" dirty="0"/>
+                    </a:p>
+                  </a:txBody>
+                  <a:tcPr/>
+                </a:tc>
+                <a:tc>
+                  <a:txBody>
+                    <a:bodyPr/>
+                    <a:lstStyle/>
+                    <a:p>
+                      <a:endParaRPr lang="zh-CN" altLang="en-US" sz="1000" dirty="0"/>
+                    </a:p>
+                  </a:txBody>
+                  <a:tcPr/>
+                </a:tc>
+                <a:tc>
+                  <a:txBody>
+                    <a:bodyPr/>
+                    <a:lstStyle/>
+                    <a:p>
+                      <a:endParaRPr lang="zh-CN" altLang="en-US" sz="1000" dirty="0"/>
+                    </a:p>
+                  </a:txBody>
+                  <a:tcPr/>
+                </a:tc>
+                <a:tc>
+                  <a:txBody>
+                    <a:bodyPr/>
+                    <a:lstStyle/>
+                    <a:p>
+                      <a:endParaRPr lang="zh-CN" altLang="en-US" sz="1000" dirty="0"/>
+                    </a:p>
+                  </a:txBody>
+                  <a:tcPr/>
+                </a:tc>
+                <a:tc>
+                  <a:txBody>
+                    <a:bodyPr/>
+                    <a:lstStyle/>
+                    <a:p>
+                      <a:endParaRPr lang="zh-CN" altLang="en-US" sz="1000" dirty="0"/>
+                    </a:p>
+                  </a:txBody>
+                  <a:tcPr/>
+                </a:tc>
+              </a:tr>
+              <a:tr h="224996">
+                <a:tc vMerge="1">
+                  <a:txBody>
+                    <a:bodyPr/>
+                    <a:lstStyle/>
+                    <a:p>
+                      <a:endParaRPr lang="zh-CN" altLang="en-US" sz="1400" dirty="0"/>
+                    </a:p>
+                  </a:txBody>
+                  <a:tcPr/>
+                </a:tc>
+                <a:tc>
+                  <a:txBody>
+                    <a:bodyPr/>
+                    <a:lstStyle/>
+                    <a:p>
+                      <a:endParaRPr lang="zh-CN" altLang="en-US" sz="1000" dirty="0"/>
+                    </a:p>
+                  </a:txBody>
+                  <a:tcPr/>
+                </a:tc>
+                <a:tc>
+                  <a:txBody>
+                    <a:bodyPr/>
+                    <a:lstStyle/>
+                    <a:p>
+                      <a:endParaRPr lang="zh-CN" altLang="en-US" sz="1000" dirty="0"/>
+                    </a:p>
+                  </a:txBody>
+                  <a:tcPr/>
+                </a:tc>
+                <a:tc>
+                  <a:txBody>
+                    <a:bodyPr/>
+                    <a:lstStyle/>
+                    <a:p>
+                      <a:endParaRPr lang="zh-CN" altLang="en-US" sz="1000" dirty="0"/>
+                    </a:p>
+                  </a:txBody>
+                  <a:tcPr/>
+                </a:tc>
+                <a:tc>
+                  <a:txBody>
+                    <a:bodyPr/>
+                    <a:lstStyle/>
+                    <a:p>
+                      <a:endParaRPr lang="zh-CN" altLang="en-US" sz="1000" dirty="0"/>
+                    </a:p>
+                  </a:txBody>
+                  <a:tcPr/>
+                </a:tc>
+                <a:tc>
+                  <a:txBody>
+                    <a:bodyPr/>
+                    <a:lstStyle/>
+                    <a:p>
+                      <a:endParaRPr lang="zh-CN" altLang="en-US" sz="1000" dirty="0"/>
+                    </a:p>
+                  </a:txBody>
+                  <a:tcPr/>
+                </a:tc>
+                <a:tc>
+                  <a:txBody>
+                    <a:bodyPr/>
+                    <a:lstStyle/>
+                    <a:p>
+                      <a:endParaRPr lang="zh-CN" altLang="en-US" sz="1000" dirty="0"/>
+                    </a:p>
+                  </a:txBody>
+                  <a:tcPr/>
+                </a:tc>
+              </a:tr>
+            </a:tbl>
+          </a:graphicData>
+        </a:graphic>
+      </p:graphicFrame>
+      <p:sp>
+        <p:nvSpPr>
+          <p:cNvPr id="1028" name="文本框 1027"/>
+          <p:cNvSpPr txBox="1"/>
+          <p:nvPr/>
+        </p:nvSpPr>
+        <p:spPr>
+          <a:xfrm>
+            <a:off x="8245011" y="2845678"/>
+            <a:ext cx="869558" cy="369332"/>
+          </a:xfrm>
+          <a:prstGeom prst="rect">
+            <a:avLst/>
+          </a:prstGeom>
+          <a:noFill/>
+        </p:spPr>
+        <p:txBody>
+          <a:bodyPr wrap="square" rtlCol="0">
+            <a:spAutoFit/>
+          </a:bodyPr>
+          <a:lstStyle/>
+          <a:p>
+            <a:r>
+              <a:rPr lang="en-US" altLang="zh-CN" dirty="0" smtClean="0"/>
+              <a:t>values</a:t>
+            </a:r>
+            <a:endParaRPr lang="zh-CN" altLang="en-US" dirty="0"/>
+          </a:p>
+        </p:txBody>
+      </p:sp>
+      <p:pic>
+        <p:nvPicPr>
+          <p:cNvPr id="1032" name="Picture 4" descr="https://www.stat.uchicago.edu/faculty/InMemoriam/worsley/research/surfstat/figs/vbmp.jpg"/>
+          <p:cNvPicPr>
+            <a:picLocks noChangeAspect="1" noChangeArrowheads="1"/>
+          </p:cNvPicPr>
+          <p:nvPr/>
+        </p:nvPicPr>
+        <p:blipFill rotWithShape="1">
+          <a:blip r:embed="rId9" cstate="print">
+            <a:clrChange>
+              <a:clrFrom>
+                <a:srgbClr val="FDFDFD"/>
+              </a:clrFrom>
+              <a:clrTo>
+                <a:srgbClr val="FDFDFD">
+                  <a:alpha val="0"/>
+                </a:srgbClr>
+              </a:clrTo>
+            </a:clrChange>
+            <a:extLst>
+              <a:ext uri="{28A0092B-C50C-407E-A947-70E740481C1C}">
+                <a14:useLocalDpi xmlns:a14="http://schemas.microsoft.com/office/drawing/2010/main" val="0"/>
+              </a:ext>
+            </a:extLst>
+          </a:blip>
+          <a:srcRect/>
+          <a:stretch/>
+        </p:blipFill>
+        <p:spPr bwMode="auto">
+          <a:xfrm>
+            <a:off x="7187805" y="4420609"/>
+            <a:ext cx="979069" cy="850021"/>
+          </a:xfrm>
+          <a:prstGeom prst="rect">
+            <a:avLst/>
+          </a:prstGeom>
+          <a:noFill/>
+          <a:extLst>
+            <a:ext uri="{909E8E84-426E-40DD-AFC4-6F175D3DCCD1}">
+              <a14:hiddenFill xmlns:a14="http://schemas.microsoft.com/office/drawing/2010/main">
+                <a:solidFill>
+                  <a:srgbClr val="FFFFFF"/>
+                </a:solidFill>
+              </a14:hiddenFill>
+            </a:ext>
+          </a:extLst>
+        </p:spPr>
+      </p:pic>
+      <p:sp>
+        <p:nvSpPr>
+          <p:cNvPr id="81" name="矩形 80"/>
+          <p:cNvSpPr/>
+          <p:nvPr/>
+        </p:nvSpPr>
+        <p:spPr>
+          <a:xfrm>
+            <a:off x="6965731" y="5218303"/>
+            <a:ext cx="1315443" cy="646331"/>
+          </a:xfrm>
+          <a:prstGeom prst="rect">
+            <a:avLst/>
+          </a:prstGeom>
+        </p:spPr>
+        <p:txBody>
+          <a:bodyPr wrap="square">
+            <a:spAutoFit/>
+          </a:bodyPr>
+          <a:lstStyle/>
+          <a:p>
+            <a:pPr algn="ctr"/>
+            <a:r>
+              <a:rPr lang="en-US" altLang="zh-CN" sz="1200" dirty="0" smtClean="0"/>
+              <a:t>Group-level unified mask as spatial indices</a:t>
+            </a:r>
+            <a:endParaRPr lang="en-US" altLang="zh-CN" sz="1200" dirty="0"/>
+          </a:p>
+        </p:txBody>
+      </p:sp>
+      <p:sp>
+        <p:nvSpPr>
+          <p:cNvPr id="1033" name="加号 1032"/>
+          <p:cNvSpPr/>
+          <p:nvPr/>
+        </p:nvSpPr>
+        <p:spPr>
+          <a:xfrm>
+            <a:off x="8239044" y="4667470"/>
+            <a:ext cx="347979" cy="320711"/>
+          </a:xfrm>
+          <a:prstGeom prst="mathPlus">
+            <a:avLst>
+              <a:gd name="adj1" fmla="val 10951"/>
+            </a:avLst>
+          </a:prstGeom>
+          <a:solidFill>
+            <a:schemeClr val="tx1"/>
+          </a:solidFill>
+          <a:ln>
+            <a:noFill/>
+          </a:ln>
+        </p:spPr>
+        <p:style>
+          <a:lnRef idx="2">
+            <a:schemeClr val="accent1">
+              <a:shade val="50000"/>
+            </a:schemeClr>
+          </a:lnRef>
+          <a:fillRef idx="1">
+            <a:schemeClr val="accent1"/>
+          </a:fillRef>
+          <a:effectRef idx="0">
+            <a:schemeClr val="accent1"/>
+          </a:effectRef>
+          <a:fontRef idx="minor">
+            <a:schemeClr val="lt1"/>
+          </a:fontRef>
+        </p:style>
+        <p:txBody>
+          <a:bodyPr rtlCol="0" anchor="ctr"/>
+          <a:lstStyle/>
+          <a:p>
+            <a:pPr algn="ctr"/>
+            <a:endParaRPr lang="zh-CN" altLang="en-US"/>
+          </a:p>
+        </p:txBody>
+      </p:sp>
+      <p:grpSp>
+        <p:nvGrpSpPr>
+          <p:cNvPr id="1038" name="组合 1037"/>
+          <p:cNvGrpSpPr/>
+          <p:nvPr/>
+        </p:nvGrpSpPr>
+        <p:grpSpPr>
+          <a:xfrm>
+            <a:off x="8735479" y="4401882"/>
+            <a:ext cx="1135405" cy="900845"/>
+            <a:chOff x="2689790" y="2283834"/>
+            <a:chExt cx="2240572" cy="1861986"/>
+          </a:xfrm>
+        </p:grpSpPr>
+        <p:grpSp>
+          <p:nvGrpSpPr>
+            <p:cNvPr id="1037" name="组合 1036"/>
+            <p:cNvGrpSpPr/>
+            <p:nvPr/>
+          </p:nvGrpSpPr>
+          <p:grpSpPr>
+            <a:xfrm>
+              <a:off x="2745482" y="2283834"/>
+              <a:ext cx="2184880" cy="1861986"/>
+              <a:chOff x="2745481" y="1833703"/>
+              <a:chExt cx="4699903" cy="3913309"/>
+            </a:xfrm>
+          </p:grpSpPr>
+          <p:pic>
+            <p:nvPicPr>
+              <p:cNvPr id="1034" name="图片 1033"/>
+              <p:cNvPicPr>
+                <a:picLocks noChangeAspect="1"/>
+              </p:cNvPicPr>
+              <p:nvPr/>
+            </p:nvPicPr>
+            <p:blipFill>
+              <a:blip r:embed="rId10" cstate="print">
+                <a:extLst>
+                  <a:ext uri="{28A0092B-C50C-407E-A947-70E740481C1C}">
+                    <a14:useLocalDpi xmlns:a14="http://schemas.microsoft.com/office/drawing/2010/main" val="0"/>
+                  </a:ext>
+                </a:extLst>
+              </a:blip>
+              <a:stretch>
+                <a:fillRect/>
+              </a:stretch>
+            </p:blipFill>
+            <p:spPr>
+              <a:xfrm>
+                <a:off x="2745481" y="1833703"/>
+                <a:ext cx="4699903" cy="3913309"/>
+              </a:xfrm>
+              <a:prstGeom prst="rect">
+                <a:avLst/>
+              </a:prstGeom>
+            </p:spPr>
+          </p:pic>
+          <p:sp>
+            <p:nvSpPr>
+              <p:cNvPr id="1035" name="矩形 1034"/>
+              <p:cNvSpPr/>
+              <p:nvPr/>
+            </p:nvSpPr>
+            <p:spPr>
+              <a:xfrm>
+                <a:off x="3015471" y="2443448"/>
+                <a:ext cx="1395425" cy="491215"/>
+              </a:xfrm>
+              <a:prstGeom prst="rect">
+                <a:avLst/>
+              </a:prstGeom>
+              <a:solidFill>
+                <a:srgbClr val="F7EAC8"/>
+              </a:solidFill>
+              <a:ln>
+                <a:noFill/>
+              </a:ln>
+            </p:spPr>
+            <p:style>
+              <a:lnRef idx="2">
+                <a:schemeClr val="accent1">
+                  <a:shade val="50000"/>
+                </a:schemeClr>
+              </a:lnRef>
+              <a:fillRef idx="1">
+                <a:schemeClr val="accent1"/>
+              </a:fillRef>
+              <a:effectRef idx="0">
+                <a:schemeClr val="accent1"/>
+              </a:effectRef>
+              <a:fontRef idx="minor">
+                <a:schemeClr val="lt1"/>
+              </a:fontRef>
+            </p:style>
+            <p:txBody>
+              <a:bodyPr rtlCol="0" anchor="ctr"/>
+              <a:lstStyle/>
+              <a:p>
+                <a:pPr algn="ctr"/>
+                <a:endParaRPr lang="zh-CN" altLang="en-US"/>
+              </a:p>
+            </p:txBody>
+          </p:sp>
+          <p:sp>
+            <p:nvSpPr>
+              <p:cNvPr id="86" name="矩形 85"/>
+              <p:cNvSpPr/>
+              <p:nvPr/>
+            </p:nvSpPr>
+            <p:spPr>
+              <a:xfrm>
+                <a:off x="2942166" y="2497078"/>
+                <a:ext cx="471285" cy="360957"/>
+              </a:xfrm>
+              <a:prstGeom prst="rect">
+                <a:avLst/>
+              </a:prstGeom>
+              <a:solidFill>
+                <a:srgbClr val="F7EAC8"/>
+              </a:solidFill>
+              <a:ln>
+                <a:noFill/>
+              </a:ln>
+            </p:spPr>
+            <p:style>
+              <a:lnRef idx="2">
+                <a:schemeClr val="accent1">
+                  <a:shade val="50000"/>
+                </a:schemeClr>
+              </a:lnRef>
+              <a:fillRef idx="1">
+                <a:schemeClr val="accent1"/>
+              </a:fillRef>
+              <a:effectRef idx="0">
+                <a:schemeClr val="accent1"/>
+              </a:effectRef>
+              <a:fontRef idx="minor">
+                <a:schemeClr val="lt1"/>
+              </a:fontRef>
+            </p:style>
+            <p:txBody>
+              <a:bodyPr rtlCol="0" anchor="ctr"/>
+              <a:lstStyle/>
+              <a:p>
+                <a:pPr algn="ctr"/>
+                <a:endParaRPr lang="zh-CN" altLang="en-US"/>
+              </a:p>
+            </p:txBody>
+          </p:sp>
+        </p:grpSp>
+        <p:sp>
+          <p:nvSpPr>
+            <p:cNvPr id="1036" name="文本框 1035"/>
+            <p:cNvSpPr txBox="1"/>
+            <p:nvPr/>
+          </p:nvSpPr>
+          <p:spPr>
+            <a:xfrm>
+              <a:off x="2689790" y="2398047"/>
+              <a:ext cx="1190082" cy="430062"/>
+            </a:xfrm>
+            <a:prstGeom prst="rect">
+              <a:avLst/>
+            </a:prstGeom>
+            <a:noFill/>
+          </p:spPr>
+          <p:txBody>
+            <a:bodyPr wrap="square" rtlCol="0">
+              <a:spAutoFit/>
+            </a:bodyPr>
+            <a:lstStyle/>
+            <a:p>
+              <a:r>
+                <a:rPr lang="en-US" altLang="zh-CN" sz="1050" b="1" dirty="0" smtClean="0"/>
+                <a:t>Subject</a:t>
+              </a:r>
+              <a:endParaRPr lang="zh-CN" altLang="en-US" sz="1400" b="1" dirty="0"/>
+            </a:p>
+          </p:txBody>
+        </p:sp>
+      </p:grpSp>
+      <p:sp>
+        <p:nvSpPr>
+          <p:cNvPr id="90" name="矩形 89"/>
+          <p:cNvSpPr/>
+          <p:nvPr/>
+        </p:nvSpPr>
+        <p:spPr>
+          <a:xfrm>
+            <a:off x="8331253" y="5218303"/>
+            <a:ext cx="1791174" cy="646331"/>
+          </a:xfrm>
+          <a:prstGeom prst="rect">
+            <a:avLst/>
+          </a:prstGeom>
+        </p:spPr>
+        <p:txBody>
+          <a:bodyPr wrap="square">
+            <a:spAutoFit/>
+          </a:bodyPr>
+          <a:lstStyle/>
+          <a:p>
+            <a:pPr algn="ctr"/>
+            <a:r>
+              <a:rPr lang="en-US" altLang="zh-CN" sz="1200" dirty="0" smtClean="0"/>
+              <a:t>Voxel-wise data or analysis results within</a:t>
+            </a:r>
+          </a:p>
+          <a:p>
+            <a:pPr algn="ctr"/>
+            <a:r>
+              <a:rPr lang="en-US" altLang="zh-CN" sz="1200" dirty="0" smtClean="0"/>
+              <a:t>mask -&gt; basic matrices </a:t>
+            </a:r>
+            <a:endParaRPr lang="en-US" altLang="zh-CN" sz="1200" dirty="0"/>
+          </a:p>
+        </p:txBody>
+      </p:sp>
+      <p:grpSp>
+        <p:nvGrpSpPr>
+          <p:cNvPr id="92" name="组合 91"/>
+          <p:cNvGrpSpPr/>
+          <p:nvPr/>
+        </p:nvGrpSpPr>
+        <p:grpSpPr>
+          <a:xfrm>
+            <a:off x="6890271" y="5956409"/>
+            <a:ext cx="3190706" cy="1692000"/>
+            <a:chOff x="3626271" y="1708388"/>
+            <a:chExt cx="2952000" cy="1692000"/>
+          </a:xfrm>
+        </p:grpSpPr>
+        <p:sp>
+          <p:nvSpPr>
+            <p:cNvPr id="93" name="任意多边形 92"/>
+            <p:cNvSpPr/>
+            <p:nvPr/>
+          </p:nvSpPr>
+          <p:spPr>
+            <a:xfrm>
+              <a:off x="3626271" y="1708388"/>
+              <a:ext cx="2952000" cy="1692000"/>
+            </a:xfrm>
+            <a:custGeom>
+              <a:avLst/>
+              <a:gdLst>
+                <a:gd name="connsiteX0" fmla="*/ 0 w 2963470"/>
+                <a:gd name="connsiteY0" fmla="*/ 148174 h 1481735"/>
+                <a:gd name="connsiteX1" fmla="*/ 148174 w 2963470"/>
+                <a:gd name="connsiteY1" fmla="*/ 0 h 1481735"/>
+                <a:gd name="connsiteX2" fmla="*/ 2815297 w 2963470"/>
+                <a:gd name="connsiteY2" fmla="*/ 0 h 1481735"/>
+                <a:gd name="connsiteX3" fmla="*/ 2963471 w 2963470"/>
+                <a:gd name="connsiteY3" fmla="*/ 148174 h 1481735"/>
+                <a:gd name="connsiteX4" fmla="*/ 2963470 w 2963470"/>
+                <a:gd name="connsiteY4" fmla="*/ 1333562 h 1481735"/>
+                <a:gd name="connsiteX5" fmla="*/ 2815296 w 2963470"/>
+                <a:gd name="connsiteY5" fmla="*/ 1481736 h 1481735"/>
+                <a:gd name="connsiteX6" fmla="*/ 148174 w 2963470"/>
+                <a:gd name="connsiteY6" fmla="*/ 1481735 h 1481735"/>
+                <a:gd name="connsiteX7" fmla="*/ 0 w 2963470"/>
+                <a:gd name="connsiteY7" fmla="*/ 1333561 h 1481735"/>
+                <a:gd name="connsiteX8" fmla="*/ 0 w 2963470"/>
+                <a:gd name="connsiteY8" fmla="*/ 148174 h 1481735"/>
+              </a:gdLst>
+              <a:ahLst/>
+              <a:cxnLst>
+                <a:cxn ang="0">
+                  <a:pos x="connsiteX0" y="connsiteY0"/>
+                </a:cxn>
+                <a:cxn ang="0">
+                  <a:pos x="connsiteX1" y="connsiteY1"/>
+                </a:cxn>
+                <a:cxn ang="0">
+                  <a:pos x="connsiteX2" y="connsiteY2"/>
+                </a:cxn>
+                <a:cxn ang="0">
+                  <a:pos x="connsiteX3" y="connsiteY3"/>
+                </a:cxn>
+                <a:cxn ang="0">
+                  <a:pos x="connsiteX4" y="connsiteY4"/>
+                </a:cxn>
+                <a:cxn ang="0">
+                  <a:pos x="connsiteX5" y="connsiteY5"/>
+                </a:cxn>
+                <a:cxn ang="0">
+                  <a:pos x="connsiteX6" y="connsiteY6"/>
+                </a:cxn>
+                <a:cxn ang="0">
+                  <a:pos x="connsiteX7" y="connsiteY7"/>
+                </a:cxn>
+                <a:cxn ang="0">
+                  <a:pos x="connsiteX8" y="connsiteY8"/>
+                </a:cxn>
+              </a:cxnLst>
+              <a:rect l="l" t="t" r="r" b="b"/>
+              <a:pathLst>
+                <a:path w="2963470" h="1481735">
+                  <a:moveTo>
+                    <a:pt x="0" y="148174"/>
+                  </a:moveTo>
+                  <a:cubicBezTo>
+                    <a:pt x="0" y="66340"/>
+                    <a:pt x="66340" y="0"/>
+                    <a:pt x="148174" y="0"/>
+                  </a:cubicBezTo>
+                  <a:lnTo>
+                    <a:pt x="2815297" y="0"/>
+                  </a:lnTo>
+                  <a:cubicBezTo>
+                    <a:pt x="2897131" y="0"/>
+                    <a:pt x="2963471" y="66340"/>
+                    <a:pt x="2963471" y="148174"/>
+                  </a:cubicBezTo>
+                  <a:cubicBezTo>
+                    <a:pt x="2963471" y="543303"/>
+                    <a:pt x="2963470" y="938433"/>
+                    <a:pt x="2963470" y="1333562"/>
+                  </a:cubicBezTo>
+                  <a:cubicBezTo>
+                    <a:pt x="2963470" y="1415396"/>
+                    <a:pt x="2897130" y="1481736"/>
+                    <a:pt x="2815296" y="1481736"/>
+                  </a:cubicBezTo>
+                  <a:lnTo>
+                    <a:pt x="148174" y="1481735"/>
+                  </a:lnTo>
+                  <a:cubicBezTo>
+                    <a:pt x="66340" y="1481735"/>
+                    <a:pt x="0" y="1415395"/>
+                    <a:pt x="0" y="1333561"/>
+                  </a:cubicBezTo>
+                  <a:lnTo>
+                    <a:pt x="0" y="148174"/>
+                  </a:lnTo>
+                  <a:close/>
+                </a:path>
+              </a:pathLst>
+            </a:custGeom>
+            <a:solidFill>
+              <a:srgbClr val="F8F2E2"/>
+            </a:solidFill>
+            <a:ln w="19050">
+              <a:solidFill>
+                <a:srgbClr val="F0AAAF"/>
+              </a:solidFill>
+            </a:ln>
+          </p:spPr>
+          <p:style>
+            <a:lnRef idx="2">
+              <a:scrgbClr r="0" g="0" b="0"/>
+            </a:lnRef>
+            <a:fillRef idx="1">
+              <a:scrgbClr r="0" g="0" b="0"/>
+            </a:fillRef>
+            <a:effectRef idx="0">
+              <a:schemeClr val="accent1">
+                <a:hueOff val="0"/>
+                <a:satOff val="0"/>
+                <a:lumOff val="0"/>
+                <a:alphaOff val="0"/>
+              </a:schemeClr>
+            </a:effectRef>
+            <a:fontRef idx="minor">
+              <a:schemeClr val="lt1"/>
+            </a:fontRef>
+          </p:style>
+          <p:txBody>
+            <a:bodyPr spcFirstLastPara="0" vert="horz" wrap="square" lIns="84674" tIns="84674" rIns="84674" bIns="84674" numCol="1" spcCol="1270" anchor="ctr" anchorCtr="0">
+              <a:noAutofit/>
+            </a:bodyPr>
+            <a:lstStyle/>
+            <a:p>
+              <a:pPr lvl="0" algn="ctr" defTabSz="2889250">
+                <a:lnSpc>
+                  <a:spcPct val="90000"/>
+                </a:lnSpc>
+                <a:spcBef>
+                  <a:spcPct val="0"/>
+                </a:spcBef>
+                <a:spcAft>
+                  <a:spcPct val="35000"/>
+                </a:spcAft>
+              </a:pPr>
+              <a:r>
+                <a:rPr lang="en-US" altLang="zh-CN" sz="6500" kern="1200" dirty="0" smtClean="0"/>
+                <a:t> </a:t>
+              </a:r>
+              <a:endParaRPr lang="zh-CN" altLang="en-US" sz="6500" kern="1200" dirty="0"/>
+            </a:p>
+          </p:txBody>
+        </p:sp>
+        <p:sp>
+          <p:nvSpPr>
+            <p:cNvPr id="94" name="文本框 93"/>
+            <p:cNvSpPr txBox="1"/>
+            <p:nvPr/>
+          </p:nvSpPr>
+          <p:spPr>
+            <a:xfrm>
+              <a:off x="3772013" y="1892843"/>
+              <a:ext cx="2626391" cy="646331"/>
+            </a:xfrm>
+            <a:prstGeom prst="rect">
+              <a:avLst/>
+            </a:prstGeom>
+            <a:noFill/>
+          </p:spPr>
+          <p:txBody>
+            <a:bodyPr wrap="square" rtlCol="0">
+              <a:spAutoFit/>
+            </a:bodyPr>
+            <a:lstStyle/>
+            <a:p>
+              <a:endParaRPr lang="en-US" altLang="zh-CN" dirty="0" smtClean="0"/>
+            </a:p>
+            <a:p>
+              <a:endParaRPr lang="zh-CN" altLang="en-US" dirty="0"/>
+            </a:p>
+          </p:txBody>
+        </p:sp>
+      </p:grpSp>
+      <p:sp>
+        <p:nvSpPr>
+          <p:cNvPr id="96" name="文本框 95"/>
+          <p:cNvSpPr txBox="1"/>
+          <p:nvPr/>
+        </p:nvSpPr>
+        <p:spPr>
+          <a:xfrm>
+            <a:off x="6922222" y="6024549"/>
+            <a:ext cx="1772663" cy="338554"/>
+          </a:xfrm>
+          <a:prstGeom prst="rect">
+            <a:avLst/>
+          </a:prstGeom>
+          <a:noFill/>
+        </p:spPr>
+        <p:txBody>
+          <a:bodyPr wrap="square" rtlCol="0">
+            <a:spAutoFit/>
+          </a:bodyPr>
+          <a:lstStyle/>
+          <a:p>
+            <a:r>
+              <a:rPr lang="en-US" altLang="zh-CN" sz="1600" dirty="0" smtClean="0"/>
+              <a:t>ROI Templates</a:t>
+            </a:r>
+            <a:endParaRPr lang="zh-CN" altLang="en-US" sz="1600" dirty="0"/>
+          </a:p>
+        </p:txBody>
+      </p:sp>
+      <p:sp>
+        <p:nvSpPr>
+          <p:cNvPr id="97" name="矩形 96"/>
+          <p:cNvSpPr/>
+          <p:nvPr/>
+        </p:nvSpPr>
+        <p:spPr>
+          <a:xfrm>
+            <a:off x="6830889" y="7148409"/>
+            <a:ext cx="1706910" cy="461665"/>
+          </a:xfrm>
+          <a:prstGeom prst="rect">
+            <a:avLst/>
+          </a:prstGeom>
+        </p:spPr>
+        <p:txBody>
+          <a:bodyPr wrap="square">
+            <a:spAutoFit/>
+          </a:bodyPr>
+          <a:lstStyle/>
+          <a:p>
+            <a:pPr algn="ctr"/>
+            <a:r>
+              <a:rPr lang="en-US" altLang="zh-CN" sz="1200" dirty="0" smtClean="0"/>
+              <a:t>Unified group-level Template for ROI study</a:t>
+            </a:r>
+            <a:endParaRPr lang="en-US" altLang="zh-CN" sz="1200" dirty="0"/>
+          </a:p>
+        </p:txBody>
+      </p:sp>
+      <p:sp>
+        <p:nvSpPr>
+          <p:cNvPr id="98" name="加号 97"/>
+          <p:cNvSpPr/>
+          <p:nvPr/>
+        </p:nvSpPr>
+        <p:spPr>
+          <a:xfrm>
+            <a:off x="8239044" y="6605167"/>
+            <a:ext cx="347979" cy="320711"/>
+          </a:xfrm>
+          <a:prstGeom prst="mathPlus">
+            <a:avLst>
+              <a:gd name="adj1" fmla="val 10951"/>
+            </a:avLst>
+          </a:prstGeom>
+          <a:solidFill>
+            <a:schemeClr val="tx1"/>
+          </a:solidFill>
+          <a:ln>
+            <a:noFill/>
+          </a:ln>
+        </p:spPr>
+        <p:style>
+          <a:lnRef idx="2">
+            <a:schemeClr val="accent1">
+              <a:shade val="50000"/>
+            </a:schemeClr>
+          </a:lnRef>
+          <a:fillRef idx="1">
+            <a:schemeClr val="accent1"/>
+          </a:fillRef>
+          <a:effectRef idx="0">
+            <a:schemeClr val="accent1"/>
+          </a:effectRef>
+          <a:fontRef idx="minor">
+            <a:schemeClr val="lt1"/>
+          </a:fontRef>
+        </p:style>
+        <p:txBody>
+          <a:bodyPr rtlCol="0" anchor="ctr"/>
+          <a:lstStyle/>
+          <a:p>
+            <a:pPr algn="ctr"/>
+            <a:endParaRPr lang="zh-CN" altLang="en-US"/>
+          </a:p>
+        </p:txBody>
+      </p:sp>
+      <p:sp>
+        <p:nvSpPr>
+          <p:cNvPr id="99" name="文本框 98"/>
+          <p:cNvSpPr txBox="1"/>
+          <p:nvPr/>
+        </p:nvSpPr>
+        <p:spPr>
+          <a:xfrm>
+            <a:off x="8434395" y="6024549"/>
+            <a:ext cx="1772663" cy="338554"/>
+          </a:xfrm>
+          <a:prstGeom prst="rect">
+            <a:avLst/>
+          </a:prstGeom>
+          <a:noFill/>
+        </p:spPr>
+        <p:txBody>
+          <a:bodyPr wrap="square" rtlCol="0">
+            <a:spAutoFit/>
+          </a:bodyPr>
+          <a:lstStyle/>
+          <a:p>
+            <a:pPr algn="ctr"/>
+            <a:r>
+              <a:rPr lang="en-US" altLang="zh-CN" sz="1600" dirty="0" smtClean="0"/>
+              <a:t>Image data</a:t>
+            </a:r>
+            <a:endParaRPr lang="zh-CN" altLang="en-US" sz="1600" dirty="0"/>
+          </a:p>
+        </p:txBody>
+      </p:sp>
+      <p:grpSp>
+        <p:nvGrpSpPr>
+          <p:cNvPr id="100" name="组合 99"/>
+          <p:cNvGrpSpPr/>
+          <p:nvPr/>
+        </p:nvGrpSpPr>
+        <p:grpSpPr>
+          <a:xfrm>
+            <a:off x="8764309" y="6311004"/>
+            <a:ext cx="1135405" cy="900845"/>
+            <a:chOff x="2689790" y="2283834"/>
+            <a:chExt cx="2240572" cy="1861986"/>
+          </a:xfrm>
+        </p:grpSpPr>
+        <p:grpSp>
+          <p:nvGrpSpPr>
+            <p:cNvPr id="101" name="组合 100"/>
+            <p:cNvGrpSpPr/>
+            <p:nvPr/>
+          </p:nvGrpSpPr>
+          <p:grpSpPr>
+            <a:xfrm>
+              <a:off x="2745482" y="2283834"/>
+              <a:ext cx="2184880" cy="1861986"/>
+              <a:chOff x="2745481" y="1833703"/>
+              <a:chExt cx="4699903" cy="3913309"/>
+            </a:xfrm>
+          </p:grpSpPr>
+          <p:pic>
+            <p:nvPicPr>
+              <p:cNvPr id="103" name="图片 102"/>
+              <p:cNvPicPr>
+                <a:picLocks noChangeAspect="1"/>
+              </p:cNvPicPr>
+              <p:nvPr/>
+            </p:nvPicPr>
+            <p:blipFill>
+              <a:blip r:embed="rId10" cstate="print">
+                <a:extLst>
+                  <a:ext uri="{28A0092B-C50C-407E-A947-70E740481C1C}">
+                    <a14:useLocalDpi xmlns:a14="http://schemas.microsoft.com/office/drawing/2010/main" val="0"/>
+                  </a:ext>
+                </a:extLst>
+              </a:blip>
+              <a:stretch>
+                <a:fillRect/>
+              </a:stretch>
+            </p:blipFill>
+            <p:spPr>
+              <a:xfrm>
+                <a:off x="2745481" y="1833703"/>
+                <a:ext cx="4699903" cy="3913309"/>
+              </a:xfrm>
+              <a:prstGeom prst="rect">
+                <a:avLst/>
+              </a:prstGeom>
+            </p:spPr>
+          </p:pic>
+          <p:sp>
+            <p:nvSpPr>
+              <p:cNvPr id="104" name="矩形 103"/>
+              <p:cNvSpPr/>
+              <p:nvPr/>
+            </p:nvSpPr>
+            <p:spPr>
+              <a:xfrm>
+                <a:off x="3015471" y="2443448"/>
+                <a:ext cx="1395425" cy="491215"/>
+              </a:xfrm>
+              <a:prstGeom prst="rect">
+                <a:avLst/>
+              </a:prstGeom>
+              <a:solidFill>
+                <a:srgbClr val="F7EAC8"/>
+              </a:solidFill>
+              <a:ln>
+                <a:noFill/>
+              </a:ln>
+            </p:spPr>
+            <p:style>
+              <a:lnRef idx="2">
+                <a:schemeClr val="accent1">
+                  <a:shade val="50000"/>
+                </a:schemeClr>
+              </a:lnRef>
+              <a:fillRef idx="1">
+                <a:schemeClr val="accent1"/>
+              </a:fillRef>
+              <a:effectRef idx="0">
+                <a:schemeClr val="accent1"/>
+              </a:effectRef>
+              <a:fontRef idx="minor">
+                <a:schemeClr val="lt1"/>
+              </a:fontRef>
+            </p:style>
+            <p:txBody>
+              <a:bodyPr rtlCol="0" anchor="ctr"/>
+              <a:lstStyle/>
+              <a:p>
+                <a:pPr algn="ctr"/>
+                <a:endParaRPr lang="zh-CN" altLang="en-US"/>
+              </a:p>
+            </p:txBody>
+          </p:sp>
+          <p:sp>
+            <p:nvSpPr>
+              <p:cNvPr id="105" name="矩形 104"/>
+              <p:cNvSpPr/>
+              <p:nvPr/>
+            </p:nvSpPr>
+            <p:spPr>
+              <a:xfrm>
+                <a:off x="2942166" y="2497078"/>
+                <a:ext cx="471285" cy="360957"/>
+              </a:xfrm>
+              <a:prstGeom prst="rect">
+                <a:avLst/>
+              </a:prstGeom>
+              <a:solidFill>
+                <a:srgbClr val="F7EAC8"/>
+              </a:solidFill>
+              <a:ln>
+                <a:noFill/>
+              </a:ln>
+            </p:spPr>
+            <p:style>
+              <a:lnRef idx="2">
+                <a:schemeClr val="accent1">
+                  <a:shade val="50000"/>
+                </a:schemeClr>
+              </a:lnRef>
+              <a:fillRef idx="1">
+                <a:schemeClr val="accent1"/>
+              </a:fillRef>
+              <a:effectRef idx="0">
+                <a:schemeClr val="accent1"/>
+              </a:effectRef>
+              <a:fontRef idx="minor">
+                <a:schemeClr val="lt1"/>
+              </a:fontRef>
+            </p:style>
+            <p:txBody>
+              <a:bodyPr rtlCol="0" anchor="ctr"/>
+              <a:lstStyle/>
+              <a:p>
+                <a:pPr algn="ctr"/>
+                <a:endParaRPr lang="zh-CN" altLang="en-US"/>
+              </a:p>
+            </p:txBody>
+          </p:sp>
+        </p:grpSp>
+        <p:sp>
+          <p:nvSpPr>
+            <p:cNvPr id="102" name="文本框 101"/>
+            <p:cNvSpPr txBox="1"/>
+            <p:nvPr/>
+          </p:nvSpPr>
+          <p:spPr>
+            <a:xfrm>
+              <a:off x="2689790" y="2398047"/>
+              <a:ext cx="1190082" cy="430062"/>
+            </a:xfrm>
+            <a:prstGeom prst="rect">
+              <a:avLst/>
+            </a:prstGeom>
+            <a:noFill/>
+          </p:spPr>
+          <p:txBody>
+            <a:bodyPr wrap="square" rtlCol="0">
+              <a:spAutoFit/>
+            </a:bodyPr>
+            <a:lstStyle/>
+            <a:p>
+              <a:r>
+                <a:rPr lang="en-US" altLang="zh-CN" sz="1050" b="1" dirty="0" smtClean="0"/>
+                <a:t>Subject</a:t>
+              </a:r>
+              <a:endParaRPr lang="zh-CN" altLang="en-US" sz="1400" b="1" dirty="0"/>
+            </a:p>
+          </p:txBody>
+        </p:sp>
+      </p:grpSp>
+      <p:sp>
+        <p:nvSpPr>
+          <p:cNvPr id="106" name="矩形 105"/>
+          <p:cNvSpPr/>
+          <p:nvPr/>
+        </p:nvSpPr>
+        <p:spPr>
+          <a:xfrm>
+            <a:off x="8569633" y="7144336"/>
+            <a:ext cx="1386976" cy="461665"/>
+          </a:xfrm>
+          <a:prstGeom prst="rect">
+            <a:avLst/>
+          </a:prstGeom>
+        </p:spPr>
+        <p:txBody>
+          <a:bodyPr wrap="square">
+            <a:spAutoFit/>
+          </a:bodyPr>
+          <a:lstStyle/>
+          <a:p>
+            <a:pPr algn="ctr"/>
+            <a:r>
+              <a:rPr lang="en-US" altLang="zh-CN" sz="1200" dirty="0" smtClean="0"/>
+              <a:t>ROI-based data </a:t>
+            </a:r>
+          </a:p>
+          <a:p>
+            <a:pPr algn="ctr"/>
+            <a:r>
+              <a:rPr lang="en-US" altLang="zh-CN" sz="1200" dirty="0" smtClean="0"/>
+              <a:t>or analysis results</a:t>
+            </a:r>
+            <a:endParaRPr lang="en-US" altLang="zh-CN" sz="1200" dirty="0"/>
+          </a:p>
+        </p:txBody>
+      </p:sp>
+      <p:sp>
+        <p:nvSpPr>
+          <p:cNvPr id="91" name="圆角右箭头 90"/>
+          <p:cNvSpPr/>
+          <p:nvPr/>
+        </p:nvSpPr>
+        <p:spPr>
+          <a:xfrm rot="10800000" flipH="1">
+            <a:off x="6714283" y="4998549"/>
+            <a:ext cx="240522" cy="1976755"/>
+          </a:xfrm>
+          <a:prstGeom prst="bentArrow">
+            <a:avLst>
+              <a:gd name="adj1" fmla="val 36824"/>
+              <a:gd name="adj2" fmla="val 40020"/>
+              <a:gd name="adj3" fmla="val 34493"/>
+              <a:gd name="adj4" fmla="val 44936"/>
+            </a:avLst>
+          </a:prstGeom>
+          <a:solidFill>
+            <a:srgbClr val="1FDA9A"/>
+          </a:solidFill>
+          <a:ln>
+            <a:noFill/>
+          </a:ln>
+        </p:spPr>
+        <p:style>
+          <a:lnRef idx="2">
+            <a:schemeClr val="accent1">
+              <a:shade val="50000"/>
+            </a:schemeClr>
+          </a:lnRef>
+          <a:fillRef idx="1">
+            <a:schemeClr val="accent1"/>
+          </a:fillRef>
+          <a:effectRef idx="0">
+            <a:schemeClr val="accent1"/>
+          </a:effectRef>
+          <a:fontRef idx="minor">
+            <a:schemeClr val="lt1"/>
+          </a:fontRef>
+        </p:style>
+        <p:txBody>
+          <a:bodyPr rtlCol="0" anchor="ctr"/>
+          <a:lstStyle/>
+          <a:p>
+            <a:pPr algn="ctr"/>
+            <a:endParaRPr lang="zh-CN" altLang="en-US">
+              <a:solidFill>
+                <a:schemeClr val="tx1"/>
+              </a:solidFill>
+            </a:endParaRPr>
+          </a:p>
+        </p:txBody>
+      </p:sp>
+      <p:sp>
+        <p:nvSpPr>
+          <p:cNvPr id="1039" name="矩形 1038"/>
+          <p:cNvSpPr/>
+          <p:nvPr/>
+        </p:nvSpPr>
+        <p:spPr>
+          <a:xfrm>
+            <a:off x="8935224" y="6554266"/>
+            <a:ext cx="75425" cy="576000"/>
+          </a:xfrm>
+          <a:prstGeom prst="rect">
+            <a:avLst/>
+          </a:prstGeom>
+          <a:solidFill>
+            <a:srgbClr val="F7EAC8"/>
+          </a:solidFill>
+          <a:ln>
+            <a:noFill/>
+          </a:ln>
+        </p:spPr>
+        <p:style>
+          <a:lnRef idx="2">
+            <a:schemeClr val="accent1">
+              <a:shade val="50000"/>
+            </a:schemeClr>
+          </a:lnRef>
+          <a:fillRef idx="1">
+            <a:schemeClr val="accent1"/>
+          </a:fillRef>
+          <a:effectRef idx="0">
+            <a:schemeClr val="accent1"/>
+          </a:effectRef>
+          <a:fontRef idx="minor">
+            <a:schemeClr val="lt1"/>
+          </a:fontRef>
+        </p:style>
+        <p:txBody>
+          <a:bodyPr rtlCol="0" anchor="ctr"/>
+          <a:lstStyle/>
+          <a:p>
+            <a:pPr algn="ctr"/>
+            <a:endParaRPr lang="zh-CN" altLang="en-US"/>
+          </a:p>
+        </p:txBody>
+      </p:sp>
+      <p:sp>
+        <p:nvSpPr>
+          <p:cNvPr id="108" name="矩形 107"/>
+          <p:cNvSpPr/>
+          <p:nvPr/>
+        </p:nvSpPr>
+        <p:spPr>
+          <a:xfrm>
+            <a:off x="9119995" y="6546475"/>
+            <a:ext cx="108000" cy="612000"/>
+          </a:xfrm>
+          <a:prstGeom prst="rect">
+            <a:avLst/>
+          </a:prstGeom>
+          <a:solidFill>
+            <a:srgbClr val="F7EAC8"/>
+          </a:solidFill>
+          <a:ln>
+            <a:noFill/>
+          </a:ln>
+        </p:spPr>
+        <p:style>
+          <a:lnRef idx="2">
+            <a:schemeClr val="accent1">
+              <a:shade val="50000"/>
+            </a:schemeClr>
+          </a:lnRef>
+          <a:fillRef idx="1">
+            <a:schemeClr val="accent1"/>
+          </a:fillRef>
+          <a:effectRef idx="0">
+            <a:schemeClr val="accent1"/>
+          </a:effectRef>
+          <a:fontRef idx="minor">
+            <a:schemeClr val="lt1"/>
+          </a:fontRef>
+        </p:style>
+        <p:txBody>
+          <a:bodyPr rtlCol="0" anchor="ctr"/>
+          <a:lstStyle/>
+          <a:p>
+            <a:pPr algn="ctr"/>
+            <a:endParaRPr lang="zh-CN" altLang="en-US"/>
+          </a:p>
+        </p:txBody>
+      </p:sp>
+      <p:sp>
+        <p:nvSpPr>
+          <p:cNvPr id="109" name="矩形 108"/>
+          <p:cNvSpPr/>
+          <p:nvPr/>
+        </p:nvSpPr>
+        <p:spPr>
+          <a:xfrm>
+            <a:off x="9339070" y="6556000"/>
+            <a:ext cx="137656" cy="584073"/>
+          </a:xfrm>
+          <a:prstGeom prst="rect">
+            <a:avLst/>
+          </a:prstGeom>
+          <a:solidFill>
+            <a:srgbClr val="F7EAC8"/>
+          </a:solidFill>
+          <a:ln>
+            <a:noFill/>
+          </a:ln>
+        </p:spPr>
+        <p:style>
+          <a:lnRef idx="2">
+            <a:schemeClr val="accent1">
+              <a:shade val="50000"/>
+            </a:schemeClr>
+          </a:lnRef>
+          <a:fillRef idx="1">
+            <a:schemeClr val="accent1"/>
+          </a:fillRef>
+          <a:effectRef idx="0">
+            <a:schemeClr val="accent1"/>
+          </a:effectRef>
+          <a:fontRef idx="minor">
+            <a:schemeClr val="lt1"/>
+          </a:fontRef>
+        </p:style>
+        <p:txBody>
+          <a:bodyPr rtlCol="0" anchor="ctr"/>
+          <a:lstStyle/>
+          <a:p>
+            <a:pPr algn="ctr"/>
+            <a:endParaRPr lang="zh-CN" altLang="en-US"/>
+          </a:p>
+        </p:txBody>
+      </p:sp>
+      <p:sp>
+        <p:nvSpPr>
+          <p:cNvPr id="110" name="矩形 109"/>
+          <p:cNvSpPr/>
+          <p:nvPr/>
+        </p:nvSpPr>
+        <p:spPr>
+          <a:xfrm>
+            <a:off x="9507978" y="6556000"/>
+            <a:ext cx="64013" cy="584073"/>
+          </a:xfrm>
+          <a:prstGeom prst="rect">
+            <a:avLst/>
+          </a:prstGeom>
+          <a:solidFill>
+            <a:srgbClr val="F7EAC8"/>
+          </a:solidFill>
+          <a:ln>
+            <a:noFill/>
+          </a:ln>
+        </p:spPr>
+        <p:style>
+          <a:lnRef idx="2">
+            <a:schemeClr val="accent1">
+              <a:shade val="50000"/>
+            </a:schemeClr>
+          </a:lnRef>
+          <a:fillRef idx="1">
+            <a:schemeClr val="accent1"/>
+          </a:fillRef>
+          <a:effectRef idx="0">
+            <a:schemeClr val="accent1"/>
+          </a:effectRef>
+          <a:fontRef idx="minor">
+            <a:schemeClr val="lt1"/>
+          </a:fontRef>
+        </p:style>
+        <p:txBody>
+          <a:bodyPr rtlCol="0" anchor="ctr"/>
+          <a:lstStyle/>
+          <a:p>
+            <a:pPr algn="ctr"/>
+            <a:endParaRPr lang="zh-CN" altLang="en-US"/>
+          </a:p>
+        </p:txBody>
+      </p:sp>
+      <p:sp>
+        <p:nvSpPr>
+          <p:cNvPr id="80" name="文本框 79"/>
+          <p:cNvSpPr txBox="1"/>
+          <p:nvPr/>
+        </p:nvSpPr>
+        <p:spPr>
+          <a:xfrm>
+            <a:off x="6893392" y="4096377"/>
+            <a:ext cx="1772663" cy="338554"/>
+          </a:xfrm>
+          <a:prstGeom prst="rect">
+            <a:avLst/>
+          </a:prstGeom>
+          <a:noFill/>
+        </p:spPr>
+        <p:txBody>
+          <a:bodyPr wrap="square" rtlCol="0">
+            <a:spAutoFit/>
+          </a:bodyPr>
+          <a:lstStyle/>
+          <a:p>
+            <a:r>
+              <a:rPr lang="en-US" altLang="zh-CN" sz="1600" dirty="0" smtClean="0"/>
+              <a:t>Voxel-wise mask</a:t>
+            </a:r>
+            <a:endParaRPr lang="zh-CN" altLang="en-US" sz="1600" dirty="0"/>
+          </a:p>
+        </p:txBody>
+      </p:sp>
+      <p:sp>
+        <p:nvSpPr>
+          <p:cNvPr id="83" name="文本框 82"/>
+          <p:cNvSpPr txBox="1"/>
+          <p:nvPr/>
+        </p:nvSpPr>
+        <p:spPr>
+          <a:xfrm>
+            <a:off x="8434140" y="4096377"/>
+            <a:ext cx="1646837" cy="338554"/>
+          </a:xfrm>
+          <a:prstGeom prst="rect">
+            <a:avLst/>
+          </a:prstGeom>
+          <a:noFill/>
+        </p:spPr>
+        <p:txBody>
+          <a:bodyPr wrap="square" rtlCol="0">
+            <a:spAutoFit/>
+          </a:bodyPr>
+          <a:lstStyle/>
+          <a:p>
+            <a:pPr algn="ctr"/>
+            <a:r>
+              <a:rPr lang="en-US" altLang="zh-CN" sz="1600" dirty="0" smtClean="0"/>
+              <a:t>Image data</a:t>
+            </a:r>
+            <a:endParaRPr lang="zh-CN" altLang="en-US" sz="1600" dirty="0"/>
+          </a:p>
+        </p:txBody>
+      </p:sp>
+      <p:pic>
+        <p:nvPicPr>
+          <p:cNvPr id="1040" name="Picture 6" descr="http://www.typically.net/mgui/wiki/tutorials/user-tutorial-meshes/aal_on_surface_2.png"/>
+          <p:cNvPicPr>
+            <a:picLocks noChangeAspect="1" noChangeArrowheads="1"/>
+          </p:cNvPicPr>
+          <p:nvPr/>
+        </p:nvPicPr>
+        <p:blipFill rotWithShape="1">
+          <a:blip r:embed="rId11" cstate="print">
+            <a:clrChange>
+              <a:clrFrom>
+                <a:srgbClr val="FFFFFF"/>
+              </a:clrFrom>
+              <a:clrTo>
+                <a:srgbClr val="FFFFFF">
+                  <a:alpha val="0"/>
+                </a:srgbClr>
+              </a:clrTo>
+            </a:clrChange>
+            <a:extLst>
+              <a:ext uri="{28A0092B-C50C-407E-A947-70E740481C1C}">
+                <a14:useLocalDpi xmlns:a14="http://schemas.microsoft.com/office/drawing/2010/main" val="0"/>
+              </a:ext>
+            </a:extLst>
+          </a:blip>
+          <a:srcRect/>
+          <a:stretch/>
+        </p:blipFill>
+        <p:spPr bwMode="auto">
+          <a:xfrm>
+            <a:off x="7244491" y="6367291"/>
+            <a:ext cx="815001" cy="781118"/>
+          </a:xfrm>
+          <a:prstGeom prst="rect">
+            <a:avLst/>
+          </a:prstGeom>
+          <a:noFill/>
+          <a:extLst>
+            <a:ext uri="{909E8E84-426E-40DD-AFC4-6F175D3DCCD1}">
+              <a14:hiddenFill xmlns:a14="http://schemas.microsoft.com/office/drawing/2010/main">
+                <a:solidFill>
+                  <a:srgbClr val="FFFFFF"/>
+                </a:solidFill>
+              </a14:hiddenFill>
+            </a:ext>
+          </a:extLst>
+        </p:spPr>
+      </p:pic>
     </p:spTree>
     <p:extLst>
       <p:ext uri="{BB962C8B-B14F-4D97-AF65-F5344CB8AC3E}">

--- a/paper/fig/brainconductor/Some figures.pptx
+++ b/paper/fig/brainconductor/Some figures.pptx
@@ -8,6 +8,7 @@
     <p:sldId id="256" r:id="rId2"/>
     <p:sldId id="258" r:id="rId3"/>
     <p:sldId id="259" r:id="rId4"/>
+    <p:sldId id="260" r:id="rId5"/>
   </p:sldIdLst>
   <p:sldSz cx="12192000" cy="6858000"/>
   <p:notesSz cx="6858000" cy="9144000"/>
@@ -108,13 +109,795 @@
   </p:defaultTextStyle>
   <p:extLst>
     <p:ext uri="{EFAFB233-063F-42B5-8137-9DF3F51BA10A}">
-      <p15:sldGuideLst xmlns:p15="http://schemas.microsoft.com/office/powerpoint/2012/main"/>
+      <p15:sldGuideLst xmlns:p15="http://schemas.microsoft.com/office/powerpoint/2012/main" xmlns=""/>
     </p:ext>
   </p:extLst>
 </p:presentation>
 </file>
 
 <file path=ppt/diagrams/colors1.xml><?xml version="1.0" encoding="utf-8"?>
+<dgm:colorsDef xmlns:dgm="http://schemas.openxmlformats.org/drawingml/2006/diagram" xmlns:a="http://schemas.openxmlformats.org/drawingml/2006/main" uniqueId="urn:microsoft.com/office/officeart/2005/8/colors/colorful2">
+  <dgm:title val=""/>
+  <dgm:desc val=""/>
+  <dgm:catLst>
+    <dgm:cat type="colorful" pri="10200"/>
+  </dgm:catLst>
+  <dgm:styleLbl name="node0">
+    <dgm:fillClrLst meth="repeat">
+      <a:schemeClr val="accent1"/>
+    </dgm:fillClrLst>
+    <dgm:linClrLst meth="repeat">
+      <a:schemeClr val="lt1"/>
+    </dgm:linClrLst>
+    <dgm:effectClrLst/>
+    <dgm:txLinClrLst/>
+    <dgm:txFillClrLst/>
+    <dgm:txEffectClrLst/>
+  </dgm:styleLbl>
+  <dgm:styleLbl name="node1">
+    <dgm:fillClrLst>
+      <a:schemeClr val="accent2"/>
+      <a:schemeClr val="accent3"/>
+    </dgm:fillClrLst>
+    <dgm:linClrLst meth="repeat">
+      <a:schemeClr val="lt1"/>
+    </dgm:linClrLst>
+    <dgm:effectClrLst/>
+    <dgm:txLinClrLst/>
+    <dgm:txFillClrLst/>
+    <dgm:txEffectClrLst/>
+  </dgm:styleLbl>
+  <dgm:styleLbl name="alignNode1">
+    <dgm:fillClrLst>
+      <a:schemeClr val="accent2"/>
+      <a:schemeClr val="accent3"/>
+    </dgm:fillClrLst>
+    <dgm:linClrLst>
+      <a:schemeClr val="accent2"/>
+      <a:schemeClr val="accent3"/>
+    </dgm:linClrLst>
+    <dgm:effectClrLst/>
+    <dgm:txLinClrLst/>
+    <dgm:txFillClrLst/>
+    <dgm:txEffectClrLst/>
+  </dgm:styleLbl>
+  <dgm:styleLbl name="lnNode1">
+    <dgm:fillClrLst>
+      <a:schemeClr val="accent2"/>
+      <a:schemeClr val="accent3"/>
+    </dgm:fillClrLst>
+    <dgm:linClrLst meth="repeat">
+      <a:schemeClr val="lt1"/>
+    </dgm:linClrLst>
+    <dgm:effectClrLst/>
+    <dgm:txLinClrLst/>
+    <dgm:txFillClrLst/>
+    <dgm:txEffectClrLst/>
+  </dgm:styleLbl>
+  <dgm:styleLbl name="vennNode1">
+    <dgm:fillClrLst>
+      <a:schemeClr val="accent2">
+        <a:alpha val="50000"/>
+      </a:schemeClr>
+      <a:schemeClr val="accent3">
+        <a:alpha val="50000"/>
+      </a:schemeClr>
+    </dgm:fillClrLst>
+    <dgm:linClrLst meth="repeat">
+      <a:schemeClr val="lt1"/>
+    </dgm:linClrLst>
+    <dgm:effectClrLst/>
+    <dgm:txLinClrLst/>
+    <dgm:txFillClrLst/>
+    <dgm:txEffectClrLst/>
+  </dgm:styleLbl>
+  <dgm:styleLbl name="node2">
+    <dgm:fillClrLst>
+      <a:schemeClr val="accent3"/>
+    </dgm:fillClrLst>
+    <dgm:linClrLst meth="repeat">
+      <a:schemeClr val="lt1"/>
+    </dgm:linClrLst>
+    <dgm:effectClrLst/>
+    <dgm:txLinClrLst/>
+    <dgm:txFillClrLst/>
+    <dgm:txEffectClrLst/>
+  </dgm:styleLbl>
+  <dgm:styleLbl name="node3">
+    <dgm:fillClrLst>
+      <a:schemeClr val="accent4"/>
+    </dgm:fillClrLst>
+    <dgm:linClrLst meth="repeat">
+      <a:schemeClr val="lt1"/>
+    </dgm:linClrLst>
+    <dgm:effectClrLst/>
+    <dgm:txLinClrLst/>
+    <dgm:txFillClrLst/>
+    <dgm:txEffectClrLst/>
+  </dgm:styleLbl>
+  <dgm:styleLbl name="node4">
+    <dgm:fillClrLst>
+      <a:schemeClr val="accent5"/>
+    </dgm:fillClrLst>
+    <dgm:linClrLst meth="repeat">
+      <a:schemeClr val="lt1"/>
+    </dgm:linClrLst>
+    <dgm:effectClrLst/>
+    <dgm:txLinClrLst/>
+    <dgm:txFillClrLst/>
+    <dgm:txEffectClrLst/>
+  </dgm:styleLbl>
+  <dgm:styleLbl name="fgImgPlace1">
+    <dgm:fillClrLst>
+      <a:schemeClr val="accent2">
+        <a:tint val="50000"/>
+      </a:schemeClr>
+      <a:schemeClr val="accent3">
+        <a:tint val="50000"/>
+      </a:schemeClr>
+    </dgm:fillClrLst>
+    <dgm:linClrLst meth="repeat">
+      <a:schemeClr val="lt1"/>
+    </dgm:linClrLst>
+    <dgm:effectClrLst/>
+    <dgm:txLinClrLst/>
+    <dgm:txFillClrLst meth="repeat">
+      <a:schemeClr val="lt1"/>
+    </dgm:txFillClrLst>
+    <dgm:txEffectClrLst/>
+  </dgm:styleLbl>
+  <dgm:styleLbl name="alignImgPlace1">
+    <dgm:fillClrLst>
+      <a:schemeClr val="accent2">
+        <a:tint val="50000"/>
+      </a:schemeClr>
+      <a:schemeClr val="accent3">
+        <a:tint val="20000"/>
+      </a:schemeClr>
+    </dgm:fillClrLst>
+    <dgm:linClrLst meth="repeat">
+      <a:schemeClr val="lt1"/>
+    </dgm:linClrLst>
+    <dgm:effectClrLst/>
+    <dgm:txLinClrLst/>
+    <dgm:txFillClrLst meth="repeat">
+      <a:schemeClr val="lt1"/>
+    </dgm:txFillClrLst>
+    <dgm:txEffectClrLst/>
+  </dgm:styleLbl>
+  <dgm:styleLbl name="bgImgPlace1">
+    <dgm:fillClrLst>
+      <a:schemeClr val="accent2">
+        <a:tint val="50000"/>
+      </a:schemeClr>
+      <a:schemeClr val="accent3">
+        <a:tint val="20000"/>
+      </a:schemeClr>
+    </dgm:fillClrLst>
+    <dgm:linClrLst meth="repeat">
+      <a:schemeClr val="lt1"/>
+    </dgm:linClrLst>
+    <dgm:effectClrLst/>
+    <dgm:txLinClrLst/>
+    <dgm:txFillClrLst meth="repeat">
+      <a:schemeClr val="lt1"/>
+    </dgm:txFillClrLst>
+    <dgm:txEffectClrLst/>
+  </dgm:styleLbl>
+  <dgm:styleLbl name="sibTrans2D1">
+    <dgm:fillClrLst>
+      <a:schemeClr val="accent2"/>
+      <a:schemeClr val="accent3"/>
+    </dgm:fillClrLst>
+    <dgm:linClrLst meth="repeat">
+      <a:schemeClr val="lt1"/>
+    </dgm:linClrLst>
+    <dgm:effectClrLst/>
+    <dgm:txLinClrLst/>
+    <dgm:txFillClrLst/>
+    <dgm:txEffectClrLst/>
+  </dgm:styleLbl>
+  <dgm:styleLbl name="fgSibTrans2D1">
+    <dgm:fillClrLst>
+      <a:schemeClr val="accent2"/>
+      <a:schemeClr val="accent3"/>
+    </dgm:fillClrLst>
+    <dgm:linClrLst meth="repeat">
+      <a:schemeClr val="lt1"/>
+    </dgm:linClrLst>
+    <dgm:effectClrLst/>
+    <dgm:txLinClrLst/>
+    <dgm:txFillClrLst meth="repeat">
+      <a:schemeClr val="lt1"/>
+    </dgm:txFillClrLst>
+    <dgm:txEffectClrLst/>
+  </dgm:styleLbl>
+  <dgm:styleLbl name="bgSibTrans2D1">
+    <dgm:fillClrLst>
+      <a:schemeClr val="accent2"/>
+      <a:schemeClr val="accent3"/>
+    </dgm:fillClrLst>
+    <dgm:linClrLst meth="repeat">
+      <a:schemeClr val="lt1"/>
+    </dgm:linClrLst>
+    <dgm:effectClrLst/>
+    <dgm:txLinClrLst/>
+    <dgm:txFillClrLst meth="repeat">
+      <a:schemeClr val="lt1"/>
+    </dgm:txFillClrLst>
+    <dgm:txEffectClrLst/>
+  </dgm:styleLbl>
+  <dgm:styleLbl name="sibTrans1D1">
+    <dgm:fillClrLst/>
+    <dgm:linClrLst>
+      <a:schemeClr val="accent2"/>
+      <a:schemeClr val="accent3"/>
+    </dgm:linClrLst>
+    <dgm:effectClrLst/>
+    <dgm:txLinClrLst/>
+    <dgm:txFillClrLst meth="repeat">
+      <a:schemeClr val="tx1"/>
+    </dgm:txFillClrLst>
+    <dgm:txEffectClrLst/>
+  </dgm:styleLbl>
+  <dgm:styleLbl name="callout">
+    <dgm:fillClrLst meth="repeat">
+      <a:schemeClr val="accent2"/>
+    </dgm:fillClrLst>
+    <dgm:linClrLst meth="repeat">
+      <a:schemeClr val="accent2">
+        <a:tint val="50000"/>
+      </a:schemeClr>
+    </dgm:linClrLst>
+    <dgm:effectClrLst/>
+    <dgm:txLinClrLst/>
+    <dgm:txFillClrLst meth="repeat">
+      <a:schemeClr val="tx1"/>
+    </dgm:txFillClrLst>
+    <dgm:txEffectClrLst/>
+  </dgm:styleLbl>
+  <dgm:styleLbl name="asst0">
+    <dgm:fillClrLst meth="repeat">
+      <a:schemeClr val="accent2"/>
+    </dgm:fillClrLst>
+    <dgm:linClrLst meth="repeat">
+      <a:schemeClr val="lt1">
+        <a:shade val="80000"/>
+      </a:schemeClr>
+    </dgm:linClrLst>
+    <dgm:effectClrLst/>
+    <dgm:txLinClrLst/>
+    <dgm:txFillClrLst/>
+    <dgm:txEffectClrLst/>
+  </dgm:styleLbl>
+  <dgm:styleLbl name="asst1">
+    <dgm:fillClrLst meth="repeat">
+      <a:schemeClr val="accent3"/>
+    </dgm:fillClrLst>
+    <dgm:linClrLst meth="repeat">
+      <a:schemeClr val="lt1">
+        <a:shade val="80000"/>
+      </a:schemeClr>
+    </dgm:linClrLst>
+    <dgm:effectClrLst/>
+    <dgm:txLinClrLst/>
+    <dgm:txFillClrLst/>
+    <dgm:txEffectClrLst/>
+  </dgm:styleLbl>
+  <dgm:styleLbl name="asst2">
+    <dgm:fillClrLst>
+      <a:schemeClr val="accent4"/>
+    </dgm:fillClrLst>
+    <dgm:linClrLst meth="repeat">
+      <a:schemeClr val="lt1"/>
+    </dgm:linClrLst>
+    <dgm:effectClrLst/>
+    <dgm:txLinClrLst/>
+    <dgm:txFillClrLst/>
+    <dgm:txEffectClrLst/>
+  </dgm:styleLbl>
+  <dgm:styleLbl name="asst3">
+    <dgm:fillClrLst>
+      <a:schemeClr val="accent5"/>
+    </dgm:fillClrLst>
+    <dgm:linClrLst meth="repeat">
+      <a:schemeClr val="lt1"/>
+    </dgm:linClrLst>
+    <dgm:effectClrLst/>
+    <dgm:txLinClrLst/>
+    <dgm:txFillClrLst/>
+    <dgm:txEffectClrLst/>
+  </dgm:styleLbl>
+  <dgm:styleLbl name="asst4">
+    <dgm:fillClrLst>
+      <a:schemeClr val="accent6"/>
+    </dgm:fillClrLst>
+    <dgm:linClrLst meth="repeat">
+      <a:schemeClr val="lt1"/>
+    </dgm:linClrLst>
+    <dgm:effectClrLst/>
+    <dgm:txLinClrLst/>
+    <dgm:txFillClrLst/>
+    <dgm:txEffectClrLst/>
+  </dgm:styleLbl>
+  <dgm:styleLbl name="parChTrans2D1">
+    <dgm:fillClrLst meth="repeat">
+      <a:schemeClr val="accent2"/>
+    </dgm:fillClrLst>
+    <dgm:linClrLst meth="repeat">
+      <a:schemeClr val="lt1"/>
+    </dgm:linClrLst>
+    <dgm:effectClrLst/>
+    <dgm:txLinClrLst/>
+    <dgm:txFillClrLst meth="repeat">
+      <a:schemeClr val="lt1"/>
+    </dgm:txFillClrLst>
+    <dgm:txEffectClrLst/>
+  </dgm:styleLbl>
+  <dgm:styleLbl name="parChTrans2D2">
+    <dgm:fillClrLst meth="repeat">
+      <a:schemeClr val="accent3"/>
+    </dgm:fillClrLst>
+    <dgm:linClrLst meth="repeat">
+      <a:schemeClr val="lt1"/>
+    </dgm:linClrLst>
+    <dgm:effectClrLst/>
+    <dgm:txLinClrLst/>
+    <dgm:txFillClrLst/>
+    <dgm:txEffectClrLst/>
+  </dgm:styleLbl>
+  <dgm:styleLbl name="parChTrans2D3">
+    <dgm:fillClrLst meth="repeat">
+      <a:schemeClr val="accent4"/>
+    </dgm:fillClrLst>
+    <dgm:linClrLst meth="repeat">
+      <a:schemeClr val="lt1"/>
+    </dgm:linClrLst>
+    <dgm:effectClrLst/>
+    <dgm:txLinClrLst/>
+    <dgm:txFillClrLst/>
+    <dgm:txEffectClrLst/>
+  </dgm:styleLbl>
+  <dgm:styleLbl name="parChTrans2D4">
+    <dgm:fillClrLst meth="repeat">
+      <a:schemeClr val="accent5"/>
+    </dgm:fillClrLst>
+    <dgm:linClrLst meth="repeat">
+      <a:schemeClr val="lt1"/>
+    </dgm:linClrLst>
+    <dgm:effectClrLst/>
+    <dgm:txLinClrLst/>
+    <dgm:txFillClrLst meth="repeat">
+      <a:schemeClr val="lt1"/>
+    </dgm:txFillClrLst>
+    <dgm:txEffectClrLst/>
+  </dgm:styleLbl>
+  <dgm:styleLbl name="parChTrans1D1">
+    <dgm:fillClrLst meth="repeat">
+      <a:schemeClr val="accent2"/>
+    </dgm:fillClrLst>
+    <dgm:linClrLst meth="repeat">
+      <a:schemeClr val="accent2"/>
+    </dgm:linClrLst>
+    <dgm:effectClrLst/>
+    <dgm:txLinClrLst/>
+    <dgm:txFillClrLst meth="repeat">
+      <a:schemeClr val="tx1"/>
+    </dgm:txFillClrLst>
+    <dgm:txEffectClrLst/>
+  </dgm:styleLbl>
+  <dgm:styleLbl name="parChTrans1D2">
+    <dgm:fillClrLst meth="repeat">
+      <a:schemeClr val="accent2">
+        <a:tint val="90000"/>
+      </a:schemeClr>
+    </dgm:fillClrLst>
+    <dgm:linClrLst meth="repeat">
+      <a:schemeClr val="accent3"/>
+    </dgm:linClrLst>
+    <dgm:effectClrLst/>
+    <dgm:txLinClrLst/>
+    <dgm:txFillClrLst meth="repeat">
+      <a:schemeClr val="tx1"/>
+    </dgm:txFillClrLst>
+    <dgm:txEffectClrLst/>
+  </dgm:styleLbl>
+  <dgm:styleLbl name="parChTrans1D3">
+    <dgm:fillClrLst meth="repeat">
+      <a:schemeClr val="accent2">
+        <a:tint val="70000"/>
+      </a:schemeClr>
+    </dgm:fillClrLst>
+    <dgm:linClrLst meth="repeat">
+      <a:schemeClr val="accent4"/>
+    </dgm:linClrLst>
+    <dgm:effectClrLst/>
+    <dgm:txLinClrLst/>
+    <dgm:txFillClrLst meth="repeat">
+      <a:schemeClr val="tx1"/>
+    </dgm:txFillClrLst>
+    <dgm:txEffectClrLst/>
+  </dgm:styleLbl>
+  <dgm:styleLbl name="parChTrans1D4">
+    <dgm:fillClrLst meth="repeat">
+      <a:schemeClr val="accent2">
+        <a:tint val="50000"/>
+      </a:schemeClr>
+    </dgm:fillClrLst>
+    <dgm:linClrLst meth="repeat">
+      <a:schemeClr val="accent5"/>
+    </dgm:linClrLst>
+    <dgm:effectClrLst/>
+    <dgm:txLinClrLst/>
+    <dgm:txFillClrLst meth="repeat">
+      <a:schemeClr val="tx1"/>
+    </dgm:txFillClrLst>
+    <dgm:txEffectClrLst/>
+  </dgm:styleLbl>
+  <dgm:styleLbl name="fgAcc1">
+    <dgm:fillClrLst meth="repeat">
+      <a:schemeClr val="lt1">
+        <a:alpha val="90000"/>
+      </a:schemeClr>
+    </dgm:fillClrLst>
+    <dgm:linClrLst>
+      <a:schemeClr val="accent2"/>
+      <a:schemeClr val="accent3"/>
+    </dgm:linClrLst>
+    <dgm:effectClrLst/>
+    <dgm:txLinClrLst/>
+    <dgm:txFillClrLst meth="repeat">
+      <a:schemeClr val="dk1"/>
+    </dgm:txFillClrLst>
+    <dgm:txEffectClrLst/>
+  </dgm:styleLbl>
+  <dgm:styleLbl name="conFgAcc1">
+    <dgm:fillClrLst meth="repeat">
+      <a:schemeClr val="lt1">
+        <a:alpha val="90000"/>
+      </a:schemeClr>
+    </dgm:fillClrLst>
+    <dgm:linClrLst>
+      <a:schemeClr val="accent2"/>
+      <a:schemeClr val="accent3"/>
+    </dgm:linClrLst>
+    <dgm:effectClrLst/>
+    <dgm:txLinClrLst/>
+    <dgm:txFillClrLst meth="repeat">
+      <a:schemeClr val="dk1"/>
+    </dgm:txFillClrLst>
+    <dgm:txEffectClrLst/>
+  </dgm:styleLbl>
+  <dgm:styleLbl name="alignAcc1">
+    <dgm:fillClrLst meth="repeat">
+      <a:schemeClr val="lt1">
+        <a:alpha val="90000"/>
+      </a:schemeClr>
+    </dgm:fillClrLst>
+    <dgm:linClrLst>
+      <a:schemeClr val="accent2"/>
+      <a:schemeClr val="accent3"/>
+    </dgm:linClrLst>
+    <dgm:effectClrLst/>
+    <dgm:txLinClrLst/>
+    <dgm:txFillClrLst meth="repeat">
+      <a:schemeClr val="dk1"/>
+    </dgm:txFillClrLst>
+    <dgm:txEffectClrLst/>
+  </dgm:styleLbl>
+  <dgm:styleLbl name="trAlignAcc1">
+    <dgm:fillClrLst meth="repeat">
+      <a:schemeClr val="lt1">
+        <a:alpha val="40000"/>
+      </a:schemeClr>
+    </dgm:fillClrLst>
+    <dgm:linClrLst meth="repeat">
+      <a:schemeClr val="accent2"/>
+    </dgm:linClrLst>
+    <dgm:effectClrLst/>
+    <dgm:txLinClrLst/>
+    <dgm:txFillClrLst meth="repeat">
+      <a:schemeClr val="dk1"/>
+    </dgm:txFillClrLst>
+    <dgm:txEffectClrLst/>
+  </dgm:styleLbl>
+  <dgm:styleLbl name="bgAcc1">
+    <dgm:fillClrLst meth="repeat">
+      <a:schemeClr val="lt1">
+        <a:alpha val="90000"/>
+      </a:schemeClr>
+    </dgm:fillClrLst>
+    <dgm:linClrLst>
+      <a:schemeClr val="accent2"/>
+      <a:schemeClr val="accent3"/>
+    </dgm:linClrLst>
+    <dgm:effectClrLst/>
+    <dgm:txLinClrLst/>
+    <dgm:txFillClrLst meth="repeat">
+      <a:schemeClr val="dk1"/>
+    </dgm:txFillClrLst>
+    <dgm:txEffectClrLst/>
+  </dgm:styleLbl>
+  <dgm:styleLbl name="solidFgAcc1">
+    <dgm:fillClrLst meth="repeat">
+      <a:schemeClr val="lt1"/>
+    </dgm:fillClrLst>
+    <dgm:linClrLst>
+      <a:schemeClr val="accent2"/>
+      <a:schemeClr val="accent3"/>
+    </dgm:linClrLst>
+    <dgm:effectClrLst/>
+    <dgm:txLinClrLst/>
+    <dgm:txFillClrLst meth="repeat">
+      <a:schemeClr val="dk1"/>
+    </dgm:txFillClrLst>
+    <dgm:txEffectClrLst/>
+  </dgm:styleLbl>
+  <dgm:styleLbl name="solidAlignAcc1">
+    <dgm:fillClrLst meth="repeat">
+      <a:schemeClr val="lt1"/>
+    </dgm:fillClrLst>
+    <dgm:linClrLst>
+      <a:schemeClr val="accent2"/>
+      <a:schemeClr val="accent3"/>
+    </dgm:linClrLst>
+    <dgm:effectClrLst/>
+    <dgm:txLinClrLst/>
+    <dgm:txFillClrLst meth="repeat">
+      <a:schemeClr val="dk1"/>
+    </dgm:txFillClrLst>
+    <dgm:txEffectClrLst/>
+  </dgm:styleLbl>
+  <dgm:styleLbl name="solidBgAcc1">
+    <dgm:fillClrLst meth="repeat">
+      <a:schemeClr val="lt1"/>
+    </dgm:fillClrLst>
+    <dgm:linClrLst>
+      <a:schemeClr val="accent2"/>
+      <a:schemeClr val="accent3"/>
+    </dgm:linClrLst>
+    <dgm:effectClrLst/>
+    <dgm:txLinClrLst/>
+    <dgm:txFillClrLst meth="repeat">
+      <a:schemeClr val="dk1"/>
+    </dgm:txFillClrLst>
+    <dgm:txEffectClrLst/>
+  </dgm:styleLbl>
+  <dgm:styleLbl name="fgAccFollowNode1">
+    <dgm:fillClrLst>
+      <a:schemeClr val="accent2">
+        <a:tint val="40000"/>
+        <a:alpha val="90000"/>
+      </a:schemeClr>
+      <a:schemeClr val="accent3">
+        <a:tint val="40000"/>
+        <a:alpha val="90000"/>
+      </a:schemeClr>
+    </dgm:fillClrLst>
+    <dgm:linClrLst>
+      <a:schemeClr val="accent2">
+        <a:tint val="40000"/>
+        <a:alpha val="90000"/>
+      </a:schemeClr>
+      <a:schemeClr val="accent3">
+        <a:tint val="40000"/>
+        <a:alpha val="90000"/>
+      </a:schemeClr>
+    </dgm:linClrLst>
+    <dgm:effectClrLst/>
+    <dgm:txLinClrLst/>
+    <dgm:txFillClrLst meth="repeat">
+      <a:schemeClr val="dk1"/>
+    </dgm:txFillClrLst>
+    <dgm:txEffectClrLst/>
+  </dgm:styleLbl>
+  <dgm:styleLbl name="alignAccFollowNode1">
+    <dgm:fillClrLst>
+      <a:schemeClr val="accent2">
+        <a:tint val="40000"/>
+        <a:alpha val="90000"/>
+      </a:schemeClr>
+      <a:schemeClr val="accent3">
+        <a:tint val="40000"/>
+        <a:alpha val="90000"/>
+      </a:schemeClr>
+    </dgm:fillClrLst>
+    <dgm:linClrLst>
+      <a:schemeClr val="accent2">
+        <a:tint val="40000"/>
+        <a:alpha val="90000"/>
+      </a:schemeClr>
+      <a:schemeClr val="accent3">
+        <a:tint val="40000"/>
+        <a:alpha val="90000"/>
+      </a:schemeClr>
+    </dgm:linClrLst>
+    <dgm:effectClrLst/>
+    <dgm:txLinClrLst/>
+    <dgm:txFillClrLst meth="repeat">
+      <a:schemeClr val="dk1"/>
+    </dgm:txFillClrLst>
+    <dgm:txEffectClrLst/>
+  </dgm:styleLbl>
+  <dgm:styleLbl name="bgAccFollowNode1">
+    <dgm:fillClrLst>
+      <a:schemeClr val="accent2">
+        <a:tint val="40000"/>
+        <a:alpha val="90000"/>
+      </a:schemeClr>
+      <a:schemeClr val="accent3">
+        <a:tint val="40000"/>
+        <a:alpha val="90000"/>
+      </a:schemeClr>
+    </dgm:fillClrLst>
+    <dgm:linClrLst>
+      <a:schemeClr val="accent2">
+        <a:tint val="40000"/>
+        <a:alpha val="90000"/>
+      </a:schemeClr>
+      <a:schemeClr val="accent3">
+        <a:tint val="40000"/>
+        <a:alpha val="90000"/>
+      </a:schemeClr>
+    </dgm:linClrLst>
+    <dgm:effectClrLst/>
+    <dgm:txLinClrLst/>
+    <dgm:txFillClrLst meth="repeat">
+      <a:schemeClr val="dk1"/>
+    </dgm:txFillClrLst>
+    <dgm:txEffectClrLst/>
+  </dgm:styleLbl>
+  <dgm:styleLbl name="fgAcc0">
+    <dgm:fillClrLst meth="repeat">
+      <a:schemeClr val="lt1">
+        <a:alpha val="90000"/>
+      </a:schemeClr>
+    </dgm:fillClrLst>
+    <dgm:linClrLst>
+      <a:schemeClr val="accent1"/>
+    </dgm:linClrLst>
+    <dgm:effectClrLst/>
+    <dgm:txLinClrLst/>
+    <dgm:txFillClrLst meth="repeat">
+      <a:schemeClr val="dk1"/>
+    </dgm:txFillClrLst>
+    <dgm:txEffectClrLst/>
+  </dgm:styleLbl>
+  <dgm:styleLbl name="fgAcc2">
+    <dgm:fillClrLst meth="repeat">
+      <a:schemeClr val="lt1">
+        <a:alpha val="90000"/>
+      </a:schemeClr>
+    </dgm:fillClrLst>
+    <dgm:linClrLst>
+      <a:schemeClr val="accent3"/>
+    </dgm:linClrLst>
+    <dgm:effectClrLst/>
+    <dgm:txLinClrLst/>
+    <dgm:txFillClrLst meth="repeat">
+      <a:schemeClr val="dk1"/>
+    </dgm:txFillClrLst>
+    <dgm:txEffectClrLst/>
+  </dgm:styleLbl>
+  <dgm:styleLbl name="fgAcc3">
+    <dgm:fillClrLst meth="repeat">
+      <a:schemeClr val="lt1">
+        <a:alpha val="90000"/>
+      </a:schemeClr>
+    </dgm:fillClrLst>
+    <dgm:linClrLst>
+      <a:schemeClr val="accent4"/>
+    </dgm:linClrLst>
+    <dgm:effectClrLst/>
+    <dgm:txLinClrLst/>
+    <dgm:txFillClrLst meth="repeat">
+      <a:schemeClr val="dk1"/>
+    </dgm:txFillClrLst>
+    <dgm:txEffectClrLst/>
+  </dgm:styleLbl>
+  <dgm:styleLbl name="fgAcc4">
+    <dgm:fillClrLst meth="repeat">
+      <a:schemeClr val="lt1">
+        <a:alpha val="90000"/>
+      </a:schemeClr>
+    </dgm:fillClrLst>
+    <dgm:linClrLst>
+      <a:schemeClr val="accent5"/>
+    </dgm:linClrLst>
+    <dgm:effectClrLst/>
+    <dgm:txLinClrLst/>
+    <dgm:txFillClrLst meth="repeat">
+      <a:schemeClr val="dk1"/>
+    </dgm:txFillClrLst>
+    <dgm:txEffectClrLst/>
+  </dgm:styleLbl>
+  <dgm:styleLbl name="bgShp">
+    <dgm:fillClrLst meth="repeat">
+      <a:schemeClr val="accent2">
+        <a:tint val="40000"/>
+      </a:schemeClr>
+    </dgm:fillClrLst>
+    <dgm:linClrLst meth="repeat">
+      <a:schemeClr val="dk1"/>
+    </dgm:linClrLst>
+    <dgm:effectClrLst/>
+    <dgm:txLinClrLst/>
+    <dgm:txFillClrLst meth="repeat">
+      <a:schemeClr val="dk1"/>
+    </dgm:txFillClrLst>
+    <dgm:txEffectClrLst/>
+  </dgm:styleLbl>
+  <dgm:styleLbl name="dkBgShp">
+    <dgm:fillClrLst meth="repeat">
+      <a:schemeClr val="accent2">
+        <a:shade val="90000"/>
+      </a:schemeClr>
+    </dgm:fillClrLst>
+    <dgm:linClrLst meth="repeat">
+      <a:schemeClr val="dk1"/>
+    </dgm:linClrLst>
+    <dgm:effectClrLst/>
+    <dgm:txLinClrLst/>
+    <dgm:txFillClrLst meth="repeat">
+      <a:schemeClr val="lt1"/>
+    </dgm:txFillClrLst>
+    <dgm:txEffectClrLst/>
+  </dgm:styleLbl>
+  <dgm:styleLbl name="trBgShp">
+    <dgm:fillClrLst meth="repeat">
+      <a:schemeClr val="accent2">
+        <a:tint val="50000"/>
+        <a:alpha val="40000"/>
+      </a:schemeClr>
+    </dgm:fillClrLst>
+    <dgm:linClrLst meth="repeat">
+      <a:schemeClr val="accent2"/>
+    </dgm:linClrLst>
+    <dgm:effectClrLst/>
+    <dgm:txLinClrLst/>
+    <dgm:txFillClrLst meth="repeat">
+      <a:schemeClr val="lt1"/>
+    </dgm:txFillClrLst>
+    <dgm:txEffectClrLst/>
+  </dgm:styleLbl>
+  <dgm:styleLbl name="fgShp">
+    <dgm:fillClrLst meth="repeat">
+      <a:schemeClr val="accent2">
+        <a:tint val="40000"/>
+      </a:schemeClr>
+    </dgm:fillClrLst>
+    <dgm:linClrLst meth="repeat">
+      <a:schemeClr val="lt1"/>
+    </dgm:linClrLst>
+    <dgm:effectClrLst/>
+    <dgm:txLinClrLst/>
+    <dgm:txFillClrLst meth="repeat">
+      <a:schemeClr val="dk1"/>
+    </dgm:txFillClrLst>
+    <dgm:txEffectClrLst/>
+  </dgm:styleLbl>
+  <dgm:styleLbl name="revTx">
+    <dgm:fillClrLst meth="repeat">
+      <a:schemeClr val="lt1">
+        <a:alpha val="0"/>
+      </a:schemeClr>
+    </dgm:fillClrLst>
+    <dgm:linClrLst meth="repeat">
+      <a:schemeClr val="dk1">
+        <a:alpha val="0"/>
+      </a:schemeClr>
+    </dgm:linClrLst>
+    <dgm:effectClrLst/>
+    <dgm:txLinClrLst/>
+    <dgm:txFillClrLst meth="repeat">
+      <a:schemeClr val="tx1"/>
+    </dgm:txFillClrLst>
+    <dgm:txEffectClrLst/>
+  </dgm:styleLbl>
+</dgm:colorsDef>
+</file>
+
+<file path=ppt/diagrams/colors2.xml><?xml version="1.0" encoding="utf-8"?>
 <dgm:colorsDef xmlns:dgm="http://schemas.openxmlformats.org/drawingml/2006/diagram" xmlns:a="http://schemas.openxmlformats.org/drawingml/2006/main" uniqueId="urn:microsoft.com/office/officeart/2005/8/colors/colorful2">
   <dgm:title val=""/>
   <dgm:desc val=""/>
@@ -1143,6 +1926,13 @@
         </dgm:presLayoutVars>
       </dgm:prSet>
       <dgm:spPr/>
+      <dgm:t>
+        <a:bodyPr/>
+        <a:lstStyle/>
+        <a:p>
+          <a:endParaRPr lang="zh-CN" altLang="en-US"/>
+        </a:p>
+      </dgm:t>
     </dgm:pt>
     <dgm:pt modelId="{E0ACDC5D-2545-417A-A58A-793C6D224997}" type="pres">
       <dgm:prSet presAssocID="{27A97F31-B6BD-4714-B6DC-4333AD9D39FA}" presName="sibTrans" presStyleCnt="0"/>
@@ -1176,6 +1966,13 @@
         </dgm:presLayoutVars>
       </dgm:prSet>
       <dgm:spPr/>
+      <dgm:t>
+        <a:bodyPr/>
+        <a:lstStyle/>
+        <a:p>
+          <a:endParaRPr lang="zh-CN" altLang="en-US"/>
+        </a:p>
+      </dgm:t>
     </dgm:pt>
     <dgm:pt modelId="{98D20186-D451-441C-B2C7-FE939A1CC71D}" type="pres">
       <dgm:prSet presAssocID="{AC369D21-F356-49DB-B69E-57691AFCA3DD}" presName="sibTrans" presStyleCnt="0"/>
@@ -1209,6 +2006,13 @@
         </dgm:presLayoutVars>
       </dgm:prSet>
       <dgm:spPr/>
+      <dgm:t>
+        <a:bodyPr/>
+        <a:lstStyle/>
+        <a:p>
+          <a:endParaRPr lang="zh-CN" altLang="en-US"/>
+        </a:p>
+      </dgm:t>
     </dgm:pt>
     <dgm:pt modelId="{24C1638D-AE48-4081-A08F-B5B5964AFC99}" type="pres">
       <dgm:prSet presAssocID="{3974C600-4F6A-42B8-A893-3F61A22A2D68}" presName="sibTrans" presStyleCnt="0"/>
@@ -1242,6 +2046,13 @@
         </dgm:presLayoutVars>
       </dgm:prSet>
       <dgm:spPr/>
+      <dgm:t>
+        <a:bodyPr/>
+        <a:lstStyle/>
+        <a:p>
+          <a:endParaRPr lang="zh-CN" altLang="en-US"/>
+        </a:p>
+      </dgm:t>
     </dgm:pt>
     <dgm:pt modelId="{FD7BCFC5-A3C1-48B1-A45F-A620516BB941}" type="pres">
       <dgm:prSet presAssocID="{EBD7BB67-4287-4E1A-B9A4-9973E2699C6C}" presName="sibTrans" presStyleCnt="0"/>
@@ -1275,6 +2086,13 @@
         </dgm:presLayoutVars>
       </dgm:prSet>
       <dgm:spPr/>
+      <dgm:t>
+        <a:bodyPr/>
+        <a:lstStyle/>
+        <a:p>
+          <a:endParaRPr lang="zh-CN" altLang="en-US"/>
+        </a:p>
+      </dgm:t>
     </dgm:pt>
     <dgm:pt modelId="{F71040F9-B896-4518-A7BB-6E942D35958C}" type="pres">
       <dgm:prSet presAssocID="{A408CBE4-A52E-4F7B-9810-FF20973C97DD}" presName="sibTrans" presStyleCnt="0"/>
@@ -1308,22 +2126,29 @@
         </dgm:presLayoutVars>
       </dgm:prSet>
       <dgm:spPr/>
+      <dgm:t>
+        <a:bodyPr/>
+        <a:lstStyle/>
+        <a:p>
+          <a:endParaRPr lang="zh-CN" altLang="en-US"/>
+        </a:p>
+      </dgm:t>
     </dgm:pt>
   </dgm:ptLst>
   <dgm:cxnLst>
+    <dgm:cxn modelId="{8A975B82-6ED1-4915-8BD2-AE0C9BA566FC}" srcId="{D4967691-617F-49F9-BC91-98AB64930923}" destId="{91DD476E-E947-48BD-B1D4-7B8635955786}" srcOrd="3" destOrd="0" parTransId="{310567B5-0A8A-4E26-A788-6789F33D2803}" sibTransId="{EBD7BB67-4287-4E1A-B9A4-9973E2699C6C}"/>
+    <dgm:cxn modelId="{042CD002-6C74-4460-92F4-ED8809AC9C71}" type="presOf" srcId="{FB26AE5F-A16A-496A-A556-878969A0BAA1}" destId="{ABAF8552-8C8A-4DDE-A752-3317ABF6BA30}" srcOrd="0" destOrd="0" presId="urn:microsoft.com/office/officeart/2005/8/layout/hList2"/>
+    <dgm:cxn modelId="{B35435EA-2906-4389-BE07-78DD8F33103D}" srcId="{D4967691-617F-49F9-BC91-98AB64930923}" destId="{D575CA47-6AE3-4CB9-9BF3-098F3B642FF9}" srcOrd="4" destOrd="0" parTransId="{8A17FD34-C9D0-4863-887D-09CBBA5D8068}" sibTransId="{A408CBE4-A52E-4F7B-9810-FF20973C97DD}"/>
+    <dgm:cxn modelId="{2E8494F2-9456-4F01-B93B-C8D5CBE8B102}" type="presOf" srcId="{B7C0D867-6214-4606-82C2-13F9FF100AD1}" destId="{ECB2A7A1-6A64-44BB-BF7A-2B1D2A6F3F79}" srcOrd="0" destOrd="0" presId="urn:microsoft.com/office/officeart/2005/8/layout/hList2"/>
+    <dgm:cxn modelId="{05A3B49E-AF02-4002-8029-8E7FFE9BC4E5}" type="presOf" srcId="{B1B68F5F-6117-4B59-A9FD-F4BC3D90C2F4}" destId="{0D3BD964-AF3E-4BF9-95F5-A8D50855F96F}" srcOrd="0" destOrd="0" presId="urn:microsoft.com/office/officeart/2005/8/layout/hList2"/>
+    <dgm:cxn modelId="{1FC3BBFE-1812-4D65-B1DB-1032F5C5CAC8}" type="presOf" srcId="{94063F4B-4AD7-4C80-A3A3-6CF6C5E026AE}" destId="{4DD44979-60F9-4743-A6D4-4433CAB78AF4}" srcOrd="0" destOrd="0" presId="urn:microsoft.com/office/officeart/2005/8/layout/hList2"/>
+    <dgm:cxn modelId="{34D5C459-9101-4566-81AE-F57643588F5E}" srcId="{D4967691-617F-49F9-BC91-98AB64930923}" destId="{B7C0D867-6214-4606-82C2-13F9FF100AD1}" srcOrd="2" destOrd="0" parTransId="{543B76FA-2CFF-4B4D-B66F-52E5D56A3DF3}" sibTransId="{3974C600-4F6A-42B8-A893-3F61A22A2D68}"/>
+    <dgm:cxn modelId="{488CC51D-63D9-4153-8C74-C73C9396EB58}" srcId="{D4967691-617F-49F9-BC91-98AB64930923}" destId="{FB26AE5F-A16A-496A-A556-878969A0BAA1}" srcOrd="5" destOrd="0" parTransId="{2C5FE3B1-E9B9-457F-9AE5-3C0C4AAC00CA}" sibTransId="{A49047A2-B369-47CC-B6C4-FFF901401E58}"/>
+    <dgm:cxn modelId="{9656DC56-DCC5-470B-AF11-A06D02EFA371}" type="presOf" srcId="{91DD476E-E947-48BD-B1D4-7B8635955786}" destId="{715C9A4C-F395-44AF-82FB-B3A09FE2B01D}" srcOrd="0" destOrd="0" presId="urn:microsoft.com/office/officeart/2005/8/layout/hList2"/>
+    <dgm:cxn modelId="{0170EB7E-E2EB-4285-8A3B-F25088544F73}" srcId="{D4967691-617F-49F9-BC91-98AB64930923}" destId="{B1B68F5F-6117-4B59-A9FD-F4BC3D90C2F4}" srcOrd="1" destOrd="0" parTransId="{4507EDD6-D8A8-464B-B944-B34F38CADCCF}" sibTransId="{AC369D21-F356-49DB-B69E-57691AFCA3DD}"/>
     <dgm:cxn modelId="{C743E68D-A5D0-42BD-8048-62D3F2AB94B4}" type="presOf" srcId="{D575CA47-6AE3-4CB9-9BF3-098F3B642FF9}" destId="{8BCF9127-09A3-43FF-A531-87938233BF2A}" srcOrd="0" destOrd="0" presId="urn:microsoft.com/office/officeart/2005/8/layout/hList2"/>
+    <dgm:cxn modelId="{D628F4B4-B533-488C-A0E9-2F9A3F28C5D9}" srcId="{D4967691-617F-49F9-BC91-98AB64930923}" destId="{94063F4B-4AD7-4C80-A3A3-6CF6C5E026AE}" srcOrd="0" destOrd="0" parTransId="{937D76D5-07A4-4C38-A9D8-BA7C7EC23638}" sibTransId="{27A97F31-B6BD-4714-B6DC-4333AD9D39FA}"/>
     <dgm:cxn modelId="{9EAD4FC3-6B75-4B31-A4A0-EE53B8685C88}" type="presOf" srcId="{D4967691-617F-49F9-BC91-98AB64930923}" destId="{CC9A9EF3-79E8-4123-A408-846143D71798}" srcOrd="0" destOrd="0" presId="urn:microsoft.com/office/officeart/2005/8/layout/hList2"/>
-    <dgm:cxn modelId="{8A975B82-6ED1-4915-8BD2-AE0C9BA566FC}" srcId="{D4967691-617F-49F9-BC91-98AB64930923}" destId="{91DD476E-E947-48BD-B1D4-7B8635955786}" srcOrd="3" destOrd="0" parTransId="{310567B5-0A8A-4E26-A788-6789F33D2803}" sibTransId="{EBD7BB67-4287-4E1A-B9A4-9973E2699C6C}"/>
-    <dgm:cxn modelId="{05A3B49E-AF02-4002-8029-8E7FFE9BC4E5}" type="presOf" srcId="{B1B68F5F-6117-4B59-A9FD-F4BC3D90C2F4}" destId="{0D3BD964-AF3E-4BF9-95F5-A8D50855F96F}" srcOrd="0" destOrd="0" presId="urn:microsoft.com/office/officeart/2005/8/layout/hList2"/>
-    <dgm:cxn modelId="{34D5C459-9101-4566-81AE-F57643588F5E}" srcId="{D4967691-617F-49F9-BC91-98AB64930923}" destId="{B7C0D867-6214-4606-82C2-13F9FF100AD1}" srcOrd="2" destOrd="0" parTransId="{543B76FA-2CFF-4B4D-B66F-52E5D56A3DF3}" sibTransId="{3974C600-4F6A-42B8-A893-3F61A22A2D68}"/>
-    <dgm:cxn modelId="{9656DC56-DCC5-470B-AF11-A06D02EFA371}" type="presOf" srcId="{91DD476E-E947-48BD-B1D4-7B8635955786}" destId="{715C9A4C-F395-44AF-82FB-B3A09FE2B01D}" srcOrd="0" destOrd="0" presId="urn:microsoft.com/office/officeart/2005/8/layout/hList2"/>
-    <dgm:cxn modelId="{042CD002-6C74-4460-92F4-ED8809AC9C71}" type="presOf" srcId="{FB26AE5F-A16A-496A-A556-878969A0BAA1}" destId="{ABAF8552-8C8A-4DDE-A752-3317ABF6BA30}" srcOrd="0" destOrd="0" presId="urn:microsoft.com/office/officeart/2005/8/layout/hList2"/>
-    <dgm:cxn modelId="{2E8494F2-9456-4F01-B93B-C8D5CBE8B102}" type="presOf" srcId="{B7C0D867-6214-4606-82C2-13F9FF100AD1}" destId="{ECB2A7A1-6A64-44BB-BF7A-2B1D2A6F3F79}" srcOrd="0" destOrd="0" presId="urn:microsoft.com/office/officeart/2005/8/layout/hList2"/>
-    <dgm:cxn modelId="{488CC51D-63D9-4153-8C74-C73C9396EB58}" srcId="{D4967691-617F-49F9-BC91-98AB64930923}" destId="{FB26AE5F-A16A-496A-A556-878969A0BAA1}" srcOrd="5" destOrd="0" parTransId="{2C5FE3B1-E9B9-457F-9AE5-3C0C4AAC00CA}" sibTransId="{A49047A2-B369-47CC-B6C4-FFF901401E58}"/>
-    <dgm:cxn modelId="{0170EB7E-E2EB-4285-8A3B-F25088544F73}" srcId="{D4967691-617F-49F9-BC91-98AB64930923}" destId="{B1B68F5F-6117-4B59-A9FD-F4BC3D90C2F4}" srcOrd="1" destOrd="0" parTransId="{4507EDD6-D8A8-464B-B944-B34F38CADCCF}" sibTransId="{AC369D21-F356-49DB-B69E-57691AFCA3DD}"/>
-    <dgm:cxn modelId="{1FC3BBFE-1812-4D65-B1DB-1032F5C5CAC8}" type="presOf" srcId="{94063F4B-4AD7-4C80-A3A3-6CF6C5E026AE}" destId="{4DD44979-60F9-4743-A6D4-4433CAB78AF4}" srcOrd="0" destOrd="0" presId="urn:microsoft.com/office/officeart/2005/8/layout/hList2"/>
-    <dgm:cxn modelId="{D628F4B4-B533-488C-A0E9-2F9A3F28C5D9}" srcId="{D4967691-617F-49F9-BC91-98AB64930923}" destId="{94063F4B-4AD7-4C80-A3A3-6CF6C5E026AE}" srcOrd="0" destOrd="0" parTransId="{937D76D5-07A4-4C38-A9D8-BA7C7EC23638}" sibTransId="{27A97F31-B6BD-4714-B6DC-4333AD9D39FA}"/>
-    <dgm:cxn modelId="{B35435EA-2906-4389-BE07-78DD8F33103D}" srcId="{D4967691-617F-49F9-BC91-98AB64930923}" destId="{D575CA47-6AE3-4CB9-9BF3-098F3B642FF9}" srcOrd="4" destOrd="0" parTransId="{8A17FD34-C9D0-4863-887D-09CBBA5D8068}" sibTransId="{A408CBE4-A52E-4F7B-9810-FF20973C97DD}"/>
     <dgm:cxn modelId="{71F2709A-F972-455B-B380-CC619D24492C}" type="presParOf" srcId="{CC9A9EF3-79E8-4123-A408-846143D71798}" destId="{A98F04B4-A82E-4E7D-AE0A-F93DE5D10F56}" srcOrd="0" destOrd="0" presId="urn:microsoft.com/office/officeart/2005/8/layout/hList2"/>
     <dgm:cxn modelId="{4C517F14-E1E4-4C3B-A54F-9DB48B0DD7DD}" type="presParOf" srcId="{A98F04B4-A82E-4E7D-AE0A-F93DE5D10F56}" destId="{AEC65287-E34F-483D-B3D6-CFB6BCF3A6DA}" srcOrd="0" destOrd="0" presId="urn:microsoft.com/office/officeart/2005/8/layout/hList2"/>
     <dgm:cxn modelId="{F9661449-DF98-40FD-8B76-5730A020EB18}" type="presParOf" srcId="{A98F04B4-A82E-4E7D-AE0A-F93DE5D10F56}" destId="{5B796549-3216-48AD-8BE6-C8727A8276E4}" srcOrd="1" destOrd="0" presId="urn:microsoft.com/office/officeart/2005/8/layout/hList2"/>
@@ -1353,6 +2178,1076 @@
     <dgm:cxn modelId="{A717360F-5C4D-4213-8991-9C5D58CFF085}" type="presParOf" srcId="{68A6B840-8250-44C4-8CD8-B691AC6C40B9}" destId="{40EDFF74-0522-428B-90D0-E700B18CFA20}" srcOrd="0" destOrd="0" presId="urn:microsoft.com/office/officeart/2005/8/layout/hList2"/>
     <dgm:cxn modelId="{2907CAA8-6C7D-4F1F-934E-1B43CAAEDB73}" type="presParOf" srcId="{68A6B840-8250-44C4-8CD8-B691AC6C40B9}" destId="{2D9D74D4-CC2F-4286-9FA6-934BD9661A75}" srcOrd="1" destOrd="0" presId="urn:microsoft.com/office/officeart/2005/8/layout/hList2"/>
     <dgm:cxn modelId="{EDC815CC-6926-4322-A364-0C0BC6E0B2A3}" type="presParOf" srcId="{68A6B840-8250-44C4-8CD8-B691AC6C40B9}" destId="{ABAF8552-8C8A-4DDE-A752-3317ABF6BA30}" srcOrd="2" destOrd="0" presId="urn:microsoft.com/office/officeart/2005/8/layout/hList2"/>
+  </dgm:cxnLst>
+  <dgm:bg/>
+  <dgm:whole/>
+  <dgm:extLst>
+    <a:ext uri="http://schemas.microsoft.com/office/drawing/2008/diagram">
+      <dsp:dataModelExt xmlns:dsp="http://schemas.microsoft.com/office/drawing/2008/diagram" relId="rId7" minVer="http://schemas.openxmlformats.org/drawingml/2006/diagram"/>
+    </a:ext>
+  </dgm:extLst>
+</dgm:dataModel>
+</file>
+
+<file path=ppt/diagrams/data2.xml><?xml version="1.0" encoding="utf-8"?>
+<dgm:dataModel xmlns:dgm="http://schemas.openxmlformats.org/drawingml/2006/diagram" xmlns:a="http://schemas.openxmlformats.org/drawingml/2006/main">
+  <dgm:ptLst>
+    <dgm:pt modelId="{D4967691-617F-49F9-BC91-98AB64930923}" type="doc">
+      <dgm:prSet loTypeId="urn:microsoft.com/office/officeart/2005/8/layout/hList2" loCatId="picture" qsTypeId="urn:microsoft.com/office/officeart/2005/8/quickstyle/simple3" qsCatId="simple" csTypeId="urn:microsoft.com/office/officeart/2005/8/colors/colorful2" csCatId="colorful" phldr="1"/>
+      <dgm:spPr/>
+    </dgm:pt>
+    <dgm:pt modelId="{94063F4B-4AD7-4C80-A3A3-6CF6C5E026AE}">
+      <dgm:prSet phldrT="[文本]"/>
+      <dgm:spPr/>
+      <dgm:t>
+        <a:bodyPr/>
+        <a:lstStyle/>
+        <a:p>
+          <a:r>
+            <a:rPr lang="en-US" altLang="zh-CN" dirty="0" smtClean="0"/>
+            <a:t>  </a:t>
+          </a:r>
+          <a:endParaRPr lang="zh-CN" altLang="en-US" dirty="0"/>
+        </a:p>
+      </dgm:t>
+    </dgm:pt>
+    <dgm:pt modelId="{937D76D5-07A4-4C38-A9D8-BA7C7EC23638}" type="parTrans" cxnId="{D628F4B4-B533-488C-A0E9-2F9A3F28C5D9}">
+      <dgm:prSet/>
+      <dgm:spPr/>
+      <dgm:t>
+        <a:bodyPr/>
+        <a:lstStyle/>
+        <a:p>
+          <a:endParaRPr lang="zh-CN" altLang="en-US"/>
+        </a:p>
+      </dgm:t>
+    </dgm:pt>
+    <dgm:pt modelId="{27A97F31-B6BD-4714-B6DC-4333AD9D39FA}" type="sibTrans" cxnId="{D628F4B4-B533-488C-A0E9-2F9A3F28C5D9}">
+      <dgm:prSet/>
+      <dgm:spPr/>
+      <dgm:t>
+        <a:bodyPr/>
+        <a:lstStyle/>
+        <a:p>
+          <a:endParaRPr lang="zh-CN" altLang="en-US"/>
+        </a:p>
+      </dgm:t>
+    </dgm:pt>
+    <dgm:pt modelId="{D575CA47-6AE3-4CB9-9BF3-098F3B642FF9}">
+      <dgm:prSet phldrT="[文本]"/>
+      <dgm:spPr/>
+      <dgm:t>
+        <a:bodyPr/>
+        <a:lstStyle/>
+        <a:p>
+          <a:endParaRPr lang="en-US" altLang="zh-CN" dirty="0" smtClean="0"/>
+        </a:p>
+      </dgm:t>
+    </dgm:pt>
+    <dgm:pt modelId="{8A17FD34-C9D0-4863-887D-09CBBA5D8068}" type="parTrans" cxnId="{B35435EA-2906-4389-BE07-78DD8F33103D}">
+      <dgm:prSet/>
+      <dgm:spPr/>
+      <dgm:t>
+        <a:bodyPr/>
+        <a:lstStyle/>
+        <a:p>
+          <a:endParaRPr lang="zh-CN" altLang="en-US"/>
+        </a:p>
+      </dgm:t>
+    </dgm:pt>
+    <dgm:pt modelId="{A408CBE4-A52E-4F7B-9810-FF20973C97DD}" type="sibTrans" cxnId="{B35435EA-2906-4389-BE07-78DD8F33103D}">
+      <dgm:prSet/>
+      <dgm:spPr/>
+      <dgm:t>
+        <a:bodyPr/>
+        <a:lstStyle/>
+        <a:p>
+          <a:endParaRPr lang="zh-CN" altLang="en-US"/>
+        </a:p>
+      </dgm:t>
+    </dgm:pt>
+    <dgm:pt modelId="{FB26AE5F-A16A-496A-A556-878969A0BAA1}">
+      <dgm:prSet phldrT="[文本]"/>
+      <dgm:spPr/>
+      <dgm:t>
+        <a:bodyPr/>
+        <a:lstStyle/>
+        <a:p>
+          <a:endParaRPr lang="en-US" altLang="zh-CN" dirty="0" smtClean="0"/>
+        </a:p>
+      </dgm:t>
+    </dgm:pt>
+    <dgm:pt modelId="{2C5FE3B1-E9B9-457F-9AE5-3C0C4AAC00CA}" type="parTrans" cxnId="{488CC51D-63D9-4153-8C74-C73C9396EB58}">
+      <dgm:prSet/>
+      <dgm:spPr/>
+      <dgm:t>
+        <a:bodyPr/>
+        <a:lstStyle/>
+        <a:p>
+          <a:endParaRPr lang="zh-CN" altLang="en-US"/>
+        </a:p>
+      </dgm:t>
+    </dgm:pt>
+    <dgm:pt modelId="{A49047A2-B369-47CC-B6C4-FFF901401E58}" type="sibTrans" cxnId="{488CC51D-63D9-4153-8C74-C73C9396EB58}">
+      <dgm:prSet/>
+      <dgm:spPr/>
+      <dgm:t>
+        <a:bodyPr/>
+        <a:lstStyle/>
+        <a:p>
+          <a:endParaRPr lang="zh-CN" altLang="en-US"/>
+        </a:p>
+      </dgm:t>
+    </dgm:pt>
+    <dgm:pt modelId="{91DD476E-E947-48BD-B1D4-7B8635955786}">
+      <dgm:prSet phldrT="[文本]"/>
+      <dgm:spPr/>
+      <dgm:t>
+        <a:bodyPr/>
+        <a:lstStyle/>
+        <a:p>
+          <a:endParaRPr lang="zh-CN" altLang="en-US" dirty="0"/>
+        </a:p>
+      </dgm:t>
+    </dgm:pt>
+    <dgm:pt modelId="{310567B5-0A8A-4E26-A788-6789F33D2803}" type="parTrans" cxnId="{8A975B82-6ED1-4915-8BD2-AE0C9BA566FC}">
+      <dgm:prSet/>
+      <dgm:spPr/>
+      <dgm:t>
+        <a:bodyPr/>
+        <a:lstStyle/>
+        <a:p>
+          <a:endParaRPr lang="zh-CN" altLang="en-US"/>
+        </a:p>
+      </dgm:t>
+    </dgm:pt>
+    <dgm:pt modelId="{EBD7BB67-4287-4E1A-B9A4-9973E2699C6C}" type="sibTrans" cxnId="{8A975B82-6ED1-4915-8BD2-AE0C9BA566FC}">
+      <dgm:prSet/>
+      <dgm:spPr/>
+      <dgm:t>
+        <a:bodyPr/>
+        <a:lstStyle/>
+        <a:p>
+          <a:endParaRPr lang="zh-CN" altLang="en-US"/>
+        </a:p>
+      </dgm:t>
+    </dgm:pt>
+    <dgm:pt modelId="{B7C0D867-6214-4606-82C2-13F9FF100AD1}">
+      <dgm:prSet phldrT="[文本]"/>
+      <dgm:spPr/>
+      <dgm:t>
+        <a:bodyPr/>
+        <a:lstStyle/>
+        <a:p>
+          <a:endParaRPr lang="zh-CN" altLang="en-US" dirty="0"/>
+        </a:p>
+      </dgm:t>
+    </dgm:pt>
+    <dgm:pt modelId="{543B76FA-2CFF-4B4D-B66F-52E5D56A3DF3}" type="parTrans" cxnId="{34D5C459-9101-4566-81AE-F57643588F5E}">
+      <dgm:prSet/>
+      <dgm:spPr/>
+      <dgm:t>
+        <a:bodyPr/>
+        <a:lstStyle/>
+        <a:p>
+          <a:endParaRPr lang="zh-CN" altLang="en-US"/>
+        </a:p>
+      </dgm:t>
+    </dgm:pt>
+    <dgm:pt modelId="{3974C600-4F6A-42B8-A893-3F61A22A2D68}" type="sibTrans" cxnId="{34D5C459-9101-4566-81AE-F57643588F5E}">
+      <dgm:prSet/>
+      <dgm:spPr/>
+      <dgm:t>
+        <a:bodyPr/>
+        <a:lstStyle/>
+        <a:p>
+          <a:endParaRPr lang="zh-CN" altLang="en-US"/>
+        </a:p>
+      </dgm:t>
+    </dgm:pt>
+    <dgm:pt modelId="{B1B68F5F-6117-4B59-A9FD-F4BC3D90C2F4}">
+      <dgm:prSet phldrT="[文本]"/>
+      <dgm:spPr/>
+      <dgm:t>
+        <a:bodyPr/>
+        <a:lstStyle/>
+        <a:p>
+          <a:endParaRPr lang="zh-CN" altLang="en-US" dirty="0"/>
+        </a:p>
+      </dgm:t>
+    </dgm:pt>
+    <dgm:pt modelId="{4507EDD6-D8A8-464B-B944-B34F38CADCCF}" type="parTrans" cxnId="{0170EB7E-E2EB-4285-8A3B-F25088544F73}">
+      <dgm:prSet/>
+      <dgm:spPr/>
+      <dgm:t>
+        <a:bodyPr/>
+        <a:lstStyle/>
+        <a:p>
+          <a:endParaRPr lang="zh-CN" altLang="en-US"/>
+        </a:p>
+      </dgm:t>
+    </dgm:pt>
+    <dgm:pt modelId="{AC369D21-F356-49DB-B69E-57691AFCA3DD}" type="sibTrans" cxnId="{0170EB7E-E2EB-4285-8A3B-F25088544F73}">
+      <dgm:prSet/>
+      <dgm:spPr/>
+      <dgm:t>
+        <a:bodyPr/>
+        <a:lstStyle/>
+        <a:p>
+          <a:endParaRPr lang="zh-CN" altLang="en-US"/>
+        </a:p>
+      </dgm:t>
+    </dgm:pt>
+    <dgm:pt modelId="{BAB8B3CD-25DD-4540-9DFB-FE2206B5EB8F}">
+      <dgm:prSet phldrT="[文本]"/>
+      <dgm:spPr/>
+      <dgm:t>
+        <a:bodyPr/>
+        <a:lstStyle/>
+        <a:p>
+          <a:endParaRPr lang="en-US" altLang="zh-CN" dirty="0" smtClean="0"/>
+        </a:p>
+      </dgm:t>
+    </dgm:pt>
+    <dgm:pt modelId="{9EC87A5F-34E7-4BAE-B4F5-BB3623C0F9E3}" type="parTrans" cxnId="{3905142E-AF2D-4713-87F6-5528FD7E3F3A}">
+      <dgm:prSet/>
+      <dgm:spPr/>
+      <dgm:t>
+        <a:bodyPr/>
+        <a:lstStyle/>
+        <a:p>
+          <a:endParaRPr lang="zh-CN" altLang="en-US"/>
+        </a:p>
+      </dgm:t>
+    </dgm:pt>
+    <dgm:pt modelId="{BE6C864F-FF50-405D-AE99-1BBBFF0CE4F9}" type="sibTrans" cxnId="{3905142E-AF2D-4713-87F6-5528FD7E3F3A}">
+      <dgm:prSet/>
+      <dgm:spPr/>
+      <dgm:t>
+        <a:bodyPr/>
+        <a:lstStyle/>
+        <a:p>
+          <a:endParaRPr lang="zh-CN" altLang="en-US"/>
+        </a:p>
+      </dgm:t>
+    </dgm:pt>
+    <dgm:pt modelId="{F3E402B3-8CA3-42E3-8126-47E3D54D3A10}">
+      <dgm:prSet phldrT="[文本]"/>
+      <dgm:spPr/>
+      <dgm:t>
+        <a:bodyPr/>
+        <a:lstStyle/>
+        <a:p>
+          <a:endParaRPr lang="zh-CN" altLang="en-US" dirty="0"/>
+        </a:p>
+      </dgm:t>
+    </dgm:pt>
+    <dgm:pt modelId="{719F7223-471E-42BE-B217-F938554B2EF8}" type="parTrans" cxnId="{7F7AE33D-8AE0-4F3B-B9F9-73ED947F8C85}">
+      <dgm:prSet/>
+      <dgm:spPr/>
+      <dgm:t>
+        <a:bodyPr/>
+        <a:lstStyle/>
+        <a:p>
+          <a:endParaRPr lang="zh-CN" altLang="en-US"/>
+        </a:p>
+      </dgm:t>
+    </dgm:pt>
+    <dgm:pt modelId="{911AC40A-6E79-424F-A07B-85399AE88B70}" type="sibTrans" cxnId="{7F7AE33D-8AE0-4F3B-B9F9-73ED947F8C85}">
+      <dgm:prSet/>
+      <dgm:spPr/>
+      <dgm:t>
+        <a:bodyPr/>
+        <a:lstStyle/>
+        <a:p>
+          <a:endParaRPr lang="zh-CN" altLang="en-US"/>
+        </a:p>
+      </dgm:t>
+    </dgm:pt>
+    <dgm:pt modelId="{D2FF4944-9687-45BE-B98F-35C90F605FE7}">
+      <dgm:prSet phldrT="[文本]"/>
+      <dgm:spPr/>
+      <dgm:t>
+        <a:bodyPr/>
+        <a:lstStyle/>
+        <a:p>
+          <a:endParaRPr lang="zh-CN" altLang="en-US" dirty="0"/>
+        </a:p>
+      </dgm:t>
+    </dgm:pt>
+    <dgm:pt modelId="{6E4C6DD1-CF6E-41E0-90F7-70AC73CC25CB}" type="parTrans" cxnId="{D1059C55-65A8-4D53-A637-7013B9F9DCA1}">
+      <dgm:prSet/>
+      <dgm:spPr/>
+      <dgm:t>
+        <a:bodyPr/>
+        <a:lstStyle/>
+        <a:p>
+          <a:endParaRPr lang="zh-CN" altLang="en-US"/>
+        </a:p>
+      </dgm:t>
+    </dgm:pt>
+    <dgm:pt modelId="{500F35A2-FD5D-4F86-B805-56BF279909AE}" type="sibTrans" cxnId="{D1059C55-65A8-4D53-A637-7013B9F9DCA1}">
+      <dgm:prSet/>
+      <dgm:spPr/>
+      <dgm:t>
+        <a:bodyPr/>
+        <a:lstStyle/>
+        <a:p>
+          <a:endParaRPr lang="zh-CN" altLang="en-US"/>
+        </a:p>
+      </dgm:t>
+    </dgm:pt>
+    <dgm:pt modelId="{D7B71651-5A13-463F-9E08-EF9A4ED7D6A3}">
+      <dgm:prSet phldrT="[文本]"/>
+      <dgm:spPr/>
+      <dgm:t>
+        <a:bodyPr/>
+        <a:lstStyle/>
+        <a:p>
+          <a:endParaRPr lang="zh-CN" altLang="en-US" dirty="0"/>
+        </a:p>
+      </dgm:t>
+    </dgm:pt>
+    <dgm:pt modelId="{379C69FA-28BD-45C1-9F92-FDE3F52B70D0}" type="parTrans" cxnId="{F405781D-4243-4126-BFE7-D9161F0D65ED}">
+      <dgm:prSet/>
+      <dgm:spPr/>
+      <dgm:t>
+        <a:bodyPr/>
+        <a:lstStyle/>
+        <a:p>
+          <a:endParaRPr lang="zh-CN" altLang="en-US"/>
+        </a:p>
+      </dgm:t>
+    </dgm:pt>
+    <dgm:pt modelId="{3E1A8F47-FBD0-4565-AD0D-7227E9BF3A16}" type="sibTrans" cxnId="{F405781D-4243-4126-BFE7-D9161F0D65ED}">
+      <dgm:prSet/>
+      <dgm:spPr/>
+      <dgm:t>
+        <a:bodyPr/>
+        <a:lstStyle/>
+        <a:p>
+          <a:endParaRPr lang="zh-CN" altLang="en-US"/>
+        </a:p>
+      </dgm:t>
+    </dgm:pt>
+    <dgm:pt modelId="{3C43EC03-06B9-45EA-9E8C-F8318C663EB7}">
+      <dgm:prSet phldrT="[文本]"/>
+      <dgm:spPr/>
+      <dgm:t>
+        <a:bodyPr/>
+        <a:lstStyle/>
+        <a:p>
+          <a:endParaRPr lang="zh-CN" altLang="en-US" dirty="0"/>
+        </a:p>
+      </dgm:t>
+    </dgm:pt>
+    <dgm:pt modelId="{817B0FD3-35F9-4D24-9E82-68D0748FEC6C}" type="parTrans" cxnId="{E19F8C8E-5F6C-4691-B07C-382BFA14E75F}">
+      <dgm:prSet/>
+      <dgm:spPr/>
+      <dgm:t>
+        <a:bodyPr/>
+        <a:lstStyle/>
+        <a:p>
+          <a:endParaRPr lang="zh-CN" altLang="en-US"/>
+        </a:p>
+      </dgm:t>
+    </dgm:pt>
+    <dgm:pt modelId="{87117FA3-6547-4D0D-BF2A-C9049713407A}" type="sibTrans" cxnId="{E19F8C8E-5F6C-4691-B07C-382BFA14E75F}">
+      <dgm:prSet/>
+      <dgm:spPr/>
+      <dgm:t>
+        <a:bodyPr/>
+        <a:lstStyle/>
+        <a:p>
+          <a:endParaRPr lang="zh-CN" altLang="en-US"/>
+        </a:p>
+      </dgm:t>
+    </dgm:pt>
+    <dgm:pt modelId="{94821489-CA4D-48E0-84A2-7926E7AE6DA8}">
+      <dgm:prSet phldrT="[文本]"/>
+      <dgm:spPr/>
+      <dgm:t>
+        <a:bodyPr/>
+        <a:lstStyle/>
+        <a:p>
+          <a:endParaRPr lang="zh-CN" altLang="en-US" dirty="0"/>
+        </a:p>
+      </dgm:t>
+    </dgm:pt>
+    <dgm:pt modelId="{CED4DF50-0ECE-4478-8CDF-8226A33CBE6A}" type="parTrans" cxnId="{9B2BF3D0-F159-4EC1-B18D-83766B35DB32}">
+      <dgm:prSet/>
+      <dgm:spPr/>
+      <dgm:t>
+        <a:bodyPr/>
+        <a:lstStyle/>
+        <a:p>
+          <a:endParaRPr lang="zh-CN" altLang="en-US"/>
+        </a:p>
+      </dgm:t>
+    </dgm:pt>
+    <dgm:pt modelId="{E60A8E13-1D2F-4350-B740-2D045D6D14FF}" type="sibTrans" cxnId="{9B2BF3D0-F159-4EC1-B18D-83766B35DB32}">
+      <dgm:prSet/>
+      <dgm:spPr/>
+      <dgm:t>
+        <a:bodyPr/>
+        <a:lstStyle/>
+        <a:p>
+          <a:endParaRPr lang="zh-CN" altLang="en-US"/>
+        </a:p>
+      </dgm:t>
+    </dgm:pt>
+    <dgm:pt modelId="{B6F5AE20-A175-41ED-BD55-61750FE475A1}">
+      <dgm:prSet phldrT="[文本]"/>
+      <dgm:spPr/>
+      <dgm:t>
+        <a:bodyPr/>
+        <a:lstStyle/>
+        <a:p>
+          <a:endParaRPr lang="zh-CN" altLang="en-US" dirty="0"/>
+        </a:p>
+      </dgm:t>
+    </dgm:pt>
+    <dgm:pt modelId="{12527BE5-E3CB-4072-A9FB-DC2265FA5225}" type="parTrans" cxnId="{D08FAFF9-FA87-4C79-9C68-AD909343E9C7}">
+      <dgm:prSet/>
+      <dgm:spPr/>
+      <dgm:t>
+        <a:bodyPr/>
+        <a:lstStyle/>
+        <a:p>
+          <a:endParaRPr lang="zh-CN" altLang="en-US"/>
+        </a:p>
+      </dgm:t>
+    </dgm:pt>
+    <dgm:pt modelId="{0F9E875C-FAC4-4DFF-9364-A46035DC2B68}" type="sibTrans" cxnId="{D08FAFF9-FA87-4C79-9C68-AD909343E9C7}">
+      <dgm:prSet/>
+      <dgm:spPr/>
+      <dgm:t>
+        <a:bodyPr/>
+        <a:lstStyle/>
+        <a:p>
+          <a:endParaRPr lang="zh-CN" altLang="en-US"/>
+        </a:p>
+      </dgm:t>
+    </dgm:pt>
+    <dgm:pt modelId="{CC9A9EF3-79E8-4123-A408-846143D71798}" type="pres">
+      <dgm:prSet presAssocID="{D4967691-617F-49F9-BC91-98AB64930923}" presName="linearFlow" presStyleCnt="0">
+        <dgm:presLayoutVars>
+          <dgm:dir/>
+          <dgm:animLvl val="lvl"/>
+          <dgm:resizeHandles/>
+        </dgm:presLayoutVars>
+      </dgm:prSet>
+      <dgm:spPr/>
+    </dgm:pt>
+    <dgm:pt modelId="{A98F04B4-A82E-4E7D-AE0A-F93DE5D10F56}" type="pres">
+      <dgm:prSet presAssocID="{94063F4B-4AD7-4C80-A3A3-6CF6C5E026AE}" presName="compositeNode" presStyleCnt="0">
+        <dgm:presLayoutVars>
+          <dgm:bulletEnabled val="1"/>
+        </dgm:presLayoutVars>
+      </dgm:prSet>
+      <dgm:spPr/>
+    </dgm:pt>
+    <dgm:pt modelId="{AEC65287-E34F-483D-B3D6-CFB6BCF3A6DA}" type="pres">
+      <dgm:prSet presAssocID="{94063F4B-4AD7-4C80-A3A3-6CF6C5E026AE}" presName="image" presStyleLbl="fgImgPlace1" presStyleIdx="0" presStyleCnt="13"/>
+      <dgm:spPr/>
+    </dgm:pt>
+    <dgm:pt modelId="{5B796549-3216-48AD-8BE6-C8727A8276E4}" type="pres">
+      <dgm:prSet presAssocID="{94063F4B-4AD7-4C80-A3A3-6CF6C5E026AE}" presName="childNode" presStyleLbl="node1" presStyleIdx="0" presStyleCnt="13">
+        <dgm:presLayoutVars>
+          <dgm:bulletEnabled val="1"/>
+        </dgm:presLayoutVars>
+      </dgm:prSet>
+      <dgm:spPr/>
+    </dgm:pt>
+    <dgm:pt modelId="{4DD44979-60F9-4743-A6D4-4433CAB78AF4}" type="pres">
+      <dgm:prSet presAssocID="{94063F4B-4AD7-4C80-A3A3-6CF6C5E026AE}" presName="parentNode" presStyleLbl="revTx" presStyleIdx="0" presStyleCnt="13">
+        <dgm:presLayoutVars>
+          <dgm:chMax val="0"/>
+          <dgm:bulletEnabled val="1"/>
+        </dgm:presLayoutVars>
+      </dgm:prSet>
+      <dgm:spPr/>
+      <dgm:t>
+        <a:bodyPr/>
+        <a:lstStyle/>
+        <a:p>
+          <a:endParaRPr lang="zh-CN" altLang="en-US"/>
+        </a:p>
+      </dgm:t>
+    </dgm:pt>
+    <dgm:pt modelId="{E0ACDC5D-2545-417A-A58A-793C6D224997}" type="pres">
+      <dgm:prSet presAssocID="{27A97F31-B6BD-4714-B6DC-4333AD9D39FA}" presName="sibTrans" presStyleCnt="0"/>
+      <dgm:spPr/>
+    </dgm:pt>
+    <dgm:pt modelId="{6DE6B4F2-06D5-4E87-90CA-50B37D9496EA}" type="pres">
+      <dgm:prSet presAssocID="{D7B71651-5A13-463F-9E08-EF9A4ED7D6A3}" presName="compositeNode" presStyleCnt="0">
+        <dgm:presLayoutVars>
+          <dgm:bulletEnabled val="1"/>
+        </dgm:presLayoutVars>
+      </dgm:prSet>
+      <dgm:spPr/>
+    </dgm:pt>
+    <dgm:pt modelId="{FA5C8217-43B9-4C23-8F68-37A502D66365}" type="pres">
+      <dgm:prSet presAssocID="{D7B71651-5A13-463F-9E08-EF9A4ED7D6A3}" presName="image" presStyleLbl="fgImgPlace1" presStyleIdx="1" presStyleCnt="13"/>
+      <dgm:spPr/>
+    </dgm:pt>
+    <dgm:pt modelId="{4DCB8A3A-A048-48D3-B0EE-1BDBBF5D67E8}" type="pres">
+      <dgm:prSet presAssocID="{D7B71651-5A13-463F-9E08-EF9A4ED7D6A3}" presName="childNode" presStyleLbl="node1" presStyleIdx="1" presStyleCnt="13">
+        <dgm:presLayoutVars>
+          <dgm:bulletEnabled val="1"/>
+        </dgm:presLayoutVars>
+      </dgm:prSet>
+      <dgm:spPr/>
+    </dgm:pt>
+    <dgm:pt modelId="{E9008D36-CF39-4B12-A2EA-5DF0213774EB}" type="pres">
+      <dgm:prSet presAssocID="{D7B71651-5A13-463F-9E08-EF9A4ED7D6A3}" presName="parentNode" presStyleLbl="revTx" presStyleIdx="1" presStyleCnt="13">
+        <dgm:presLayoutVars>
+          <dgm:chMax val="0"/>
+          <dgm:bulletEnabled val="1"/>
+        </dgm:presLayoutVars>
+      </dgm:prSet>
+      <dgm:spPr/>
+      <dgm:t>
+        <a:bodyPr/>
+        <a:lstStyle/>
+        <a:p>
+          <a:endParaRPr lang="zh-CN" altLang="en-US"/>
+        </a:p>
+      </dgm:t>
+    </dgm:pt>
+    <dgm:pt modelId="{79FD3C71-4FF8-4AF4-96E5-04FF05074C4D}" type="pres">
+      <dgm:prSet presAssocID="{3E1A8F47-FBD0-4565-AD0D-7227E9BF3A16}" presName="sibTrans" presStyleCnt="0"/>
+      <dgm:spPr/>
+    </dgm:pt>
+    <dgm:pt modelId="{0059E4B3-8772-4FF1-B396-8ABBCC141C6F}" type="pres">
+      <dgm:prSet presAssocID="{3C43EC03-06B9-45EA-9E8C-F8318C663EB7}" presName="compositeNode" presStyleCnt="0">
+        <dgm:presLayoutVars>
+          <dgm:bulletEnabled val="1"/>
+        </dgm:presLayoutVars>
+      </dgm:prSet>
+      <dgm:spPr/>
+    </dgm:pt>
+    <dgm:pt modelId="{C71C6F0E-B9D9-45C8-9F82-AD498AEC5817}" type="pres">
+      <dgm:prSet presAssocID="{3C43EC03-06B9-45EA-9E8C-F8318C663EB7}" presName="image" presStyleLbl="fgImgPlace1" presStyleIdx="2" presStyleCnt="13"/>
+      <dgm:spPr/>
+    </dgm:pt>
+    <dgm:pt modelId="{9CA21789-01D9-408D-A619-4C1C3AD35FAE}" type="pres">
+      <dgm:prSet presAssocID="{3C43EC03-06B9-45EA-9E8C-F8318C663EB7}" presName="childNode" presStyleLbl="node1" presStyleIdx="2" presStyleCnt="13">
+        <dgm:presLayoutVars>
+          <dgm:bulletEnabled val="1"/>
+        </dgm:presLayoutVars>
+      </dgm:prSet>
+      <dgm:spPr/>
+    </dgm:pt>
+    <dgm:pt modelId="{8C135606-23DA-42B4-937E-FFDA58E32032}" type="pres">
+      <dgm:prSet presAssocID="{3C43EC03-06B9-45EA-9E8C-F8318C663EB7}" presName="parentNode" presStyleLbl="revTx" presStyleIdx="2" presStyleCnt="13">
+        <dgm:presLayoutVars>
+          <dgm:chMax val="0"/>
+          <dgm:bulletEnabled val="1"/>
+        </dgm:presLayoutVars>
+      </dgm:prSet>
+      <dgm:spPr/>
+      <dgm:t>
+        <a:bodyPr/>
+        <a:lstStyle/>
+        <a:p>
+          <a:endParaRPr lang="zh-CN" altLang="en-US"/>
+        </a:p>
+      </dgm:t>
+    </dgm:pt>
+    <dgm:pt modelId="{F0278CB2-E495-4C1C-A701-D5A2CA259E59}" type="pres">
+      <dgm:prSet presAssocID="{87117FA3-6547-4D0D-BF2A-C9049713407A}" presName="sibTrans" presStyleCnt="0"/>
+      <dgm:spPr/>
+    </dgm:pt>
+    <dgm:pt modelId="{1AAB745D-BDD0-43D9-9E69-F8CF54D362BC}" type="pres">
+      <dgm:prSet presAssocID="{94821489-CA4D-48E0-84A2-7926E7AE6DA8}" presName="compositeNode" presStyleCnt="0">
+        <dgm:presLayoutVars>
+          <dgm:bulletEnabled val="1"/>
+        </dgm:presLayoutVars>
+      </dgm:prSet>
+      <dgm:spPr/>
+    </dgm:pt>
+    <dgm:pt modelId="{7B3EEAC4-71C3-4489-9E0C-CCBD6831E167}" type="pres">
+      <dgm:prSet presAssocID="{94821489-CA4D-48E0-84A2-7926E7AE6DA8}" presName="image" presStyleLbl="fgImgPlace1" presStyleIdx="3" presStyleCnt="13"/>
+      <dgm:spPr/>
+    </dgm:pt>
+    <dgm:pt modelId="{8AB52223-A682-41A2-929B-33CA9C6F3BD8}" type="pres">
+      <dgm:prSet presAssocID="{94821489-CA4D-48E0-84A2-7926E7AE6DA8}" presName="childNode" presStyleLbl="node1" presStyleIdx="3" presStyleCnt="13">
+        <dgm:presLayoutVars>
+          <dgm:bulletEnabled val="1"/>
+        </dgm:presLayoutVars>
+      </dgm:prSet>
+      <dgm:spPr/>
+    </dgm:pt>
+    <dgm:pt modelId="{4DA04833-E601-444E-BC45-694C546BF58C}" type="pres">
+      <dgm:prSet presAssocID="{94821489-CA4D-48E0-84A2-7926E7AE6DA8}" presName="parentNode" presStyleLbl="revTx" presStyleIdx="3" presStyleCnt="13">
+        <dgm:presLayoutVars>
+          <dgm:chMax val="0"/>
+          <dgm:bulletEnabled val="1"/>
+        </dgm:presLayoutVars>
+      </dgm:prSet>
+      <dgm:spPr/>
+      <dgm:t>
+        <a:bodyPr/>
+        <a:lstStyle/>
+        <a:p>
+          <a:endParaRPr lang="zh-CN" altLang="en-US"/>
+        </a:p>
+      </dgm:t>
+    </dgm:pt>
+    <dgm:pt modelId="{5B0773D9-0C92-41B2-AFAB-EC6B1EAA2870}" type="pres">
+      <dgm:prSet presAssocID="{E60A8E13-1D2F-4350-B740-2D045D6D14FF}" presName="sibTrans" presStyleCnt="0"/>
+      <dgm:spPr/>
+    </dgm:pt>
+    <dgm:pt modelId="{35E562C7-8AA7-40BF-ADC7-4203A62F7205}" type="pres">
+      <dgm:prSet presAssocID="{B6F5AE20-A175-41ED-BD55-61750FE475A1}" presName="compositeNode" presStyleCnt="0">
+        <dgm:presLayoutVars>
+          <dgm:bulletEnabled val="1"/>
+        </dgm:presLayoutVars>
+      </dgm:prSet>
+      <dgm:spPr/>
+    </dgm:pt>
+    <dgm:pt modelId="{6740D071-050F-4F15-8EA1-384B05BAB9AB}" type="pres">
+      <dgm:prSet presAssocID="{B6F5AE20-A175-41ED-BD55-61750FE475A1}" presName="image" presStyleLbl="fgImgPlace1" presStyleIdx="4" presStyleCnt="13"/>
+      <dgm:spPr/>
+    </dgm:pt>
+    <dgm:pt modelId="{CB25D1A7-A610-448A-89DC-DA6F7DFF0D5B}" type="pres">
+      <dgm:prSet presAssocID="{B6F5AE20-A175-41ED-BD55-61750FE475A1}" presName="childNode" presStyleLbl="node1" presStyleIdx="4" presStyleCnt="13">
+        <dgm:presLayoutVars>
+          <dgm:bulletEnabled val="1"/>
+        </dgm:presLayoutVars>
+      </dgm:prSet>
+      <dgm:spPr/>
+    </dgm:pt>
+    <dgm:pt modelId="{5120A19E-1A73-4260-B650-57AC5F42E144}" type="pres">
+      <dgm:prSet presAssocID="{B6F5AE20-A175-41ED-BD55-61750FE475A1}" presName="parentNode" presStyleLbl="revTx" presStyleIdx="4" presStyleCnt="13">
+        <dgm:presLayoutVars>
+          <dgm:chMax val="0"/>
+          <dgm:bulletEnabled val="1"/>
+        </dgm:presLayoutVars>
+      </dgm:prSet>
+      <dgm:spPr/>
+      <dgm:t>
+        <a:bodyPr/>
+        <a:lstStyle/>
+        <a:p>
+          <a:endParaRPr lang="zh-CN" altLang="en-US"/>
+        </a:p>
+      </dgm:t>
+    </dgm:pt>
+    <dgm:pt modelId="{ECFD7C10-91F0-4CC5-BD70-EF812868D255}" type="pres">
+      <dgm:prSet presAssocID="{0F9E875C-FAC4-4DFF-9364-A46035DC2B68}" presName="sibTrans" presStyleCnt="0"/>
+      <dgm:spPr/>
+    </dgm:pt>
+    <dgm:pt modelId="{4A282380-0577-4D9F-A354-650E955233C4}" type="pres">
+      <dgm:prSet presAssocID="{F3E402B3-8CA3-42E3-8126-47E3D54D3A10}" presName="compositeNode" presStyleCnt="0">
+        <dgm:presLayoutVars>
+          <dgm:bulletEnabled val="1"/>
+        </dgm:presLayoutVars>
+      </dgm:prSet>
+      <dgm:spPr/>
+    </dgm:pt>
+    <dgm:pt modelId="{AB44EBCA-04A1-4600-B671-C0E9B73F6613}" type="pres">
+      <dgm:prSet presAssocID="{F3E402B3-8CA3-42E3-8126-47E3D54D3A10}" presName="image" presStyleLbl="fgImgPlace1" presStyleIdx="5" presStyleCnt="13"/>
+      <dgm:spPr/>
+    </dgm:pt>
+    <dgm:pt modelId="{2A680966-64FB-448B-AE29-C33F37942442}" type="pres">
+      <dgm:prSet presAssocID="{F3E402B3-8CA3-42E3-8126-47E3D54D3A10}" presName="childNode" presStyleLbl="node1" presStyleIdx="5" presStyleCnt="13">
+        <dgm:presLayoutVars>
+          <dgm:bulletEnabled val="1"/>
+        </dgm:presLayoutVars>
+      </dgm:prSet>
+      <dgm:spPr/>
+    </dgm:pt>
+    <dgm:pt modelId="{0C1946F9-11B7-408F-88E5-717F961D17E6}" type="pres">
+      <dgm:prSet presAssocID="{F3E402B3-8CA3-42E3-8126-47E3D54D3A10}" presName="parentNode" presStyleLbl="revTx" presStyleIdx="5" presStyleCnt="13">
+        <dgm:presLayoutVars>
+          <dgm:chMax val="0"/>
+          <dgm:bulletEnabled val="1"/>
+        </dgm:presLayoutVars>
+      </dgm:prSet>
+      <dgm:spPr/>
+      <dgm:t>
+        <a:bodyPr/>
+        <a:lstStyle/>
+        <a:p>
+          <a:endParaRPr lang="zh-CN" altLang="en-US"/>
+        </a:p>
+      </dgm:t>
+    </dgm:pt>
+    <dgm:pt modelId="{11FEB940-42DB-47F9-A9A1-AD7734CA3469}" type="pres">
+      <dgm:prSet presAssocID="{911AC40A-6E79-424F-A07B-85399AE88B70}" presName="sibTrans" presStyleCnt="0"/>
+      <dgm:spPr/>
+    </dgm:pt>
+    <dgm:pt modelId="{D284B985-B38F-4650-86B7-48757841069C}" type="pres">
+      <dgm:prSet presAssocID="{D2FF4944-9687-45BE-B98F-35C90F605FE7}" presName="compositeNode" presStyleCnt="0">
+        <dgm:presLayoutVars>
+          <dgm:bulletEnabled val="1"/>
+        </dgm:presLayoutVars>
+      </dgm:prSet>
+      <dgm:spPr/>
+    </dgm:pt>
+    <dgm:pt modelId="{43698212-3BE7-4E25-9DBC-FF077000E111}" type="pres">
+      <dgm:prSet presAssocID="{D2FF4944-9687-45BE-B98F-35C90F605FE7}" presName="image" presStyleLbl="fgImgPlace1" presStyleIdx="6" presStyleCnt="13"/>
+      <dgm:spPr/>
+    </dgm:pt>
+    <dgm:pt modelId="{7DDF7BBD-71E0-468E-BBDE-DDFCDB7D1F74}" type="pres">
+      <dgm:prSet presAssocID="{D2FF4944-9687-45BE-B98F-35C90F605FE7}" presName="childNode" presStyleLbl="node1" presStyleIdx="6" presStyleCnt="13">
+        <dgm:presLayoutVars>
+          <dgm:bulletEnabled val="1"/>
+        </dgm:presLayoutVars>
+      </dgm:prSet>
+      <dgm:spPr/>
+    </dgm:pt>
+    <dgm:pt modelId="{24893DC8-39B5-4DBA-9F7C-115AE7447EE2}" type="pres">
+      <dgm:prSet presAssocID="{D2FF4944-9687-45BE-B98F-35C90F605FE7}" presName="parentNode" presStyleLbl="revTx" presStyleIdx="6" presStyleCnt="13">
+        <dgm:presLayoutVars>
+          <dgm:chMax val="0"/>
+          <dgm:bulletEnabled val="1"/>
+        </dgm:presLayoutVars>
+      </dgm:prSet>
+      <dgm:spPr/>
+      <dgm:t>
+        <a:bodyPr/>
+        <a:lstStyle/>
+        <a:p>
+          <a:endParaRPr lang="zh-CN" altLang="en-US"/>
+        </a:p>
+      </dgm:t>
+    </dgm:pt>
+    <dgm:pt modelId="{1250F369-0751-4C2F-B9D6-678AD26B9B67}" type="pres">
+      <dgm:prSet presAssocID="{500F35A2-FD5D-4F86-B805-56BF279909AE}" presName="sibTrans" presStyleCnt="0"/>
+      <dgm:spPr/>
+    </dgm:pt>
+    <dgm:pt modelId="{59E7AA94-42A5-458D-83AD-61A59B4D441E}" type="pres">
+      <dgm:prSet presAssocID="{B1B68F5F-6117-4B59-A9FD-F4BC3D90C2F4}" presName="compositeNode" presStyleCnt="0">
+        <dgm:presLayoutVars>
+          <dgm:bulletEnabled val="1"/>
+        </dgm:presLayoutVars>
+      </dgm:prSet>
+      <dgm:spPr/>
+    </dgm:pt>
+    <dgm:pt modelId="{EFD502D9-C39D-4166-ADD5-1A1DD34F9016}" type="pres">
+      <dgm:prSet presAssocID="{B1B68F5F-6117-4B59-A9FD-F4BC3D90C2F4}" presName="image" presStyleLbl="fgImgPlace1" presStyleIdx="7" presStyleCnt="13"/>
+      <dgm:spPr/>
+    </dgm:pt>
+    <dgm:pt modelId="{8CFB1E16-5830-47FC-9D64-A16C11EA6C92}" type="pres">
+      <dgm:prSet presAssocID="{B1B68F5F-6117-4B59-A9FD-F4BC3D90C2F4}" presName="childNode" presStyleLbl="node1" presStyleIdx="7" presStyleCnt="13">
+        <dgm:presLayoutVars>
+          <dgm:bulletEnabled val="1"/>
+        </dgm:presLayoutVars>
+      </dgm:prSet>
+      <dgm:spPr/>
+    </dgm:pt>
+    <dgm:pt modelId="{0D3BD964-AF3E-4BF9-95F5-A8D50855F96F}" type="pres">
+      <dgm:prSet presAssocID="{B1B68F5F-6117-4B59-A9FD-F4BC3D90C2F4}" presName="parentNode" presStyleLbl="revTx" presStyleIdx="7" presStyleCnt="13">
+        <dgm:presLayoutVars>
+          <dgm:chMax val="0"/>
+          <dgm:bulletEnabled val="1"/>
+        </dgm:presLayoutVars>
+      </dgm:prSet>
+      <dgm:spPr/>
+      <dgm:t>
+        <a:bodyPr/>
+        <a:lstStyle/>
+        <a:p>
+          <a:endParaRPr lang="zh-CN" altLang="en-US"/>
+        </a:p>
+      </dgm:t>
+    </dgm:pt>
+    <dgm:pt modelId="{98D20186-D451-441C-B2C7-FE939A1CC71D}" type="pres">
+      <dgm:prSet presAssocID="{AC369D21-F356-49DB-B69E-57691AFCA3DD}" presName="sibTrans" presStyleCnt="0"/>
+      <dgm:spPr/>
+    </dgm:pt>
+    <dgm:pt modelId="{DCD58E31-0C96-4DD6-8159-602454265F83}" type="pres">
+      <dgm:prSet presAssocID="{B7C0D867-6214-4606-82C2-13F9FF100AD1}" presName="compositeNode" presStyleCnt="0">
+        <dgm:presLayoutVars>
+          <dgm:bulletEnabled val="1"/>
+        </dgm:presLayoutVars>
+      </dgm:prSet>
+      <dgm:spPr/>
+    </dgm:pt>
+    <dgm:pt modelId="{9A8E9F6C-B053-4296-804B-2D4F1300BD75}" type="pres">
+      <dgm:prSet presAssocID="{B7C0D867-6214-4606-82C2-13F9FF100AD1}" presName="image" presStyleLbl="fgImgPlace1" presStyleIdx="8" presStyleCnt="13"/>
+      <dgm:spPr/>
+    </dgm:pt>
+    <dgm:pt modelId="{93E1B6B9-6599-428E-8F18-66DBE82D2457}" type="pres">
+      <dgm:prSet presAssocID="{B7C0D867-6214-4606-82C2-13F9FF100AD1}" presName="childNode" presStyleLbl="node1" presStyleIdx="8" presStyleCnt="13">
+        <dgm:presLayoutVars>
+          <dgm:bulletEnabled val="1"/>
+        </dgm:presLayoutVars>
+      </dgm:prSet>
+      <dgm:spPr/>
+    </dgm:pt>
+    <dgm:pt modelId="{ECB2A7A1-6A64-44BB-BF7A-2B1D2A6F3F79}" type="pres">
+      <dgm:prSet presAssocID="{B7C0D867-6214-4606-82C2-13F9FF100AD1}" presName="parentNode" presStyleLbl="revTx" presStyleIdx="8" presStyleCnt="13">
+        <dgm:presLayoutVars>
+          <dgm:chMax val="0"/>
+          <dgm:bulletEnabled val="1"/>
+        </dgm:presLayoutVars>
+      </dgm:prSet>
+      <dgm:spPr/>
+      <dgm:t>
+        <a:bodyPr/>
+        <a:lstStyle/>
+        <a:p>
+          <a:endParaRPr lang="zh-CN" altLang="en-US"/>
+        </a:p>
+      </dgm:t>
+    </dgm:pt>
+    <dgm:pt modelId="{24C1638D-AE48-4081-A08F-B5B5964AFC99}" type="pres">
+      <dgm:prSet presAssocID="{3974C600-4F6A-42B8-A893-3F61A22A2D68}" presName="sibTrans" presStyleCnt="0"/>
+      <dgm:spPr/>
+    </dgm:pt>
+    <dgm:pt modelId="{FF121884-5A40-46C6-B519-A510D178BE17}" type="pres">
+      <dgm:prSet presAssocID="{91DD476E-E947-48BD-B1D4-7B8635955786}" presName="compositeNode" presStyleCnt="0">
+        <dgm:presLayoutVars>
+          <dgm:bulletEnabled val="1"/>
+        </dgm:presLayoutVars>
+      </dgm:prSet>
+      <dgm:spPr/>
+    </dgm:pt>
+    <dgm:pt modelId="{1F52D5FC-4CBE-411E-9CBB-9A6288B76CEE}" type="pres">
+      <dgm:prSet presAssocID="{91DD476E-E947-48BD-B1D4-7B8635955786}" presName="image" presStyleLbl="fgImgPlace1" presStyleIdx="9" presStyleCnt="13"/>
+      <dgm:spPr/>
+    </dgm:pt>
+    <dgm:pt modelId="{7467F23D-0037-4406-A097-315733796F75}" type="pres">
+      <dgm:prSet presAssocID="{91DD476E-E947-48BD-B1D4-7B8635955786}" presName="childNode" presStyleLbl="node1" presStyleIdx="9" presStyleCnt="13">
+        <dgm:presLayoutVars>
+          <dgm:bulletEnabled val="1"/>
+        </dgm:presLayoutVars>
+      </dgm:prSet>
+      <dgm:spPr/>
+    </dgm:pt>
+    <dgm:pt modelId="{715C9A4C-F395-44AF-82FB-B3A09FE2B01D}" type="pres">
+      <dgm:prSet presAssocID="{91DD476E-E947-48BD-B1D4-7B8635955786}" presName="parentNode" presStyleLbl="revTx" presStyleIdx="9" presStyleCnt="13">
+        <dgm:presLayoutVars>
+          <dgm:chMax val="0"/>
+          <dgm:bulletEnabled val="1"/>
+        </dgm:presLayoutVars>
+      </dgm:prSet>
+      <dgm:spPr/>
+      <dgm:t>
+        <a:bodyPr/>
+        <a:lstStyle/>
+        <a:p>
+          <a:endParaRPr lang="zh-CN" altLang="en-US"/>
+        </a:p>
+      </dgm:t>
+    </dgm:pt>
+    <dgm:pt modelId="{FD7BCFC5-A3C1-48B1-A45F-A620516BB941}" type="pres">
+      <dgm:prSet presAssocID="{EBD7BB67-4287-4E1A-B9A4-9973E2699C6C}" presName="sibTrans" presStyleCnt="0"/>
+      <dgm:spPr/>
+    </dgm:pt>
+    <dgm:pt modelId="{E7C41FAB-0C3C-47E5-8D75-49DB9DA45C56}" type="pres">
+      <dgm:prSet presAssocID="{D575CA47-6AE3-4CB9-9BF3-098F3B642FF9}" presName="compositeNode" presStyleCnt="0">
+        <dgm:presLayoutVars>
+          <dgm:bulletEnabled val="1"/>
+        </dgm:presLayoutVars>
+      </dgm:prSet>
+      <dgm:spPr/>
+    </dgm:pt>
+    <dgm:pt modelId="{7D107999-9672-44B9-9085-440A656C3BC9}" type="pres">
+      <dgm:prSet presAssocID="{D575CA47-6AE3-4CB9-9BF3-098F3B642FF9}" presName="image" presStyleLbl="fgImgPlace1" presStyleIdx="10" presStyleCnt="13"/>
+      <dgm:spPr/>
+    </dgm:pt>
+    <dgm:pt modelId="{C3895F04-1B34-4D80-B24A-EF7F90ADBC3E}" type="pres">
+      <dgm:prSet presAssocID="{D575CA47-6AE3-4CB9-9BF3-098F3B642FF9}" presName="childNode" presStyleLbl="node1" presStyleIdx="10" presStyleCnt="13">
+        <dgm:presLayoutVars>
+          <dgm:bulletEnabled val="1"/>
+        </dgm:presLayoutVars>
+      </dgm:prSet>
+      <dgm:spPr/>
+    </dgm:pt>
+    <dgm:pt modelId="{8BCF9127-09A3-43FF-A531-87938233BF2A}" type="pres">
+      <dgm:prSet presAssocID="{D575CA47-6AE3-4CB9-9BF3-098F3B642FF9}" presName="parentNode" presStyleLbl="revTx" presStyleIdx="10" presStyleCnt="13">
+        <dgm:presLayoutVars>
+          <dgm:chMax val="0"/>
+          <dgm:bulletEnabled val="1"/>
+        </dgm:presLayoutVars>
+      </dgm:prSet>
+      <dgm:spPr/>
+      <dgm:t>
+        <a:bodyPr/>
+        <a:lstStyle/>
+        <a:p>
+          <a:endParaRPr lang="zh-CN" altLang="en-US"/>
+        </a:p>
+      </dgm:t>
+    </dgm:pt>
+    <dgm:pt modelId="{F71040F9-B896-4518-A7BB-6E942D35958C}" type="pres">
+      <dgm:prSet presAssocID="{A408CBE4-A52E-4F7B-9810-FF20973C97DD}" presName="sibTrans" presStyleCnt="0"/>
+      <dgm:spPr/>
+    </dgm:pt>
+    <dgm:pt modelId="{584A68EF-F3A9-4842-A42B-2CFA94879D32}" type="pres">
+      <dgm:prSet presAssocID="{BAB8B3CD-25DD-4540-9DFB-FE2206B5EB8F}" presName="compositeNode" presStyleCnt="0">
+        <dgm:presLayoutVars>
+          <dgm:bulletEnabled val="1"/>
+        </dgm:presLayoutVars>
+      </dgm:prSet>
+      <dgm:spPr/>
+    </dgm:pt>
+    <dgm:pt modelId="{D18BF437-47F3-4D1E-B19F-B7A2DFA00B4C}" type="pres">
+      <dgm:prSet presAssocID="{BAB8B3CD-25DD-4540-9DFB-FE2206B5EB8F}" presName="image" presStyleLbl="fgImgPlace1" presStyleIdx="11" presStyleCnt="13"/>
+      <dgm:spPr/>
+    </dgm:pt>
+    <dgm:pt modelId="{57AF4AAC-8397-42C6-841B-28AC4B01558F}" type="pres">
+      <dgm:prSet presAssocID="{BAB8B3CD-25DD-4540-9DFB-FE2206B5EB8F}" presName="childNode" presStyleLbl="node1" presStyleIdx="11" presStyleCnt="13">
+        <dgm:presLayoutVars>
+          <dgm:bulletEnabled val="1"/>
+        </dgm:presLayoutVars>
+      </dgm:prSet>
+      <dgm:spPr/>
+    </dgm:pt>
+    <dgm:pt modelId="{CAD024D8-9D38-429F-B51C-185169F64CCD}" type="pres">
+      <dgm:prSet presAssocID="{BAB8B3CD-25DD-4540-9DFB-FE2206B5EB8F}" presName="parentNode" presStyleLbl="revTx" presStyleIdx="11" presStyleCnt="13">
+        <dgm:presLayoutVars>
+          <dgm:chMax val="0"/>
+          <dgm:bulletEnabled val="1"/>
+        </dgm:presLayoutVars>
+      </dgm:prSet>
+      <dgm:spPr/>
+      <dgm:t>
+        <a:bodyPr/>
+        <a:lstStyle/>
+        <a:p>
+          <a:endParaRPr lang="zh-CN" altLang="en-US"/>
+        </a:p>
+      </dgm:t>
+    </dgm:pt>
+    <dgm:pt modelId="{F3BE8B4E-B8E7-47C0-A146-D01311DC7E30}" type="pres">
+      <dgm:prSet presAssocID="{BE6C864F-FF50-405D-AE99-1BBBFF0CE4F9}" presName="sibTrans" presStyleCnt="0"/>
+      <dgm:spPr/>
+    </dgm:pt>
+    <dgm:pt modelId="{68A6B840-8250-44C4-8CD8-B691AC6C40B9}" type="pres">
+      <dgm:prSet presAssocID="{FB26AE5F-A16A-496A-A556-878969A0BAA1}" presName="compositeNode" presStyleCnt="0">
+        <dgm:presLayoutVars>
+          <dgm:bulletEnabled val="1"/>
+        </dgm:presLayoutVars>
+      </dgm:prSet>
+      <dgm:spPr/>
+    </dgm:pt>
+    <dgm:pt modelId="{40EDFF74-0522-428B-90D0-E700B18CFA20}" type="pres">
+      <dgm:prSet presAssocID="{FB26AE5F-A16A-496A-A556-878969A0BAA1}" presName="image" presStyleLbl="fgImgPlace1" presStyleIdx="12" presStyleCnt="13"/>
+      <dgm:spPr/>
+    </dgm:pt>
+    <dgm:pt modelId="{2D9D74D4-CC2F-4286-9FA6-934BD9661A75}" type="pres">
+      <dgm:prSet presAssocID="{FB26AE5F-A16A-496A-A556-878969A0BAA1}" presName="childNode" presStyleLbl="node1" presStyleIdx="12" presStyleCnt="13">
+        <dgm:presLayoutVars>
+          <dgm:bulletEnabled val="1"/>
+        </dgm:presLayoutVars>
+      </dgm:prSet>
+      <dgm:spPr/>
+    </dgm:pt>
+    <dgm:pt modelId="{ABAF8552-8C8A-4DDE-A752-3317ABF6BA30}" type="pres">
+      <dgm:prSet presAssocID="{FB26AE5F-A16A-496A-A556-878969A0BAA1}" presName="parentNode" presStyleLbl="revTx" presStyleIdx="12" presStyleCnt="13">
+        <dgm:presLayoutVars>
+          <dgm:chMax val="0"/>
+          <dgm:bulletEnabled val="1"/>
+        </dgm:presLayoutVars>
+      </dgm:prSet>
+      <dgm:spPr/>
+      <dgm:t>
+        <a:bodyPr/>
+        <a:lstStyle/>
+        <a:p>
+          <a:endParaRPr lang="zh-CN" altLang="en-US"/>
+        </a:p>
+      </dgm:t>
+    </dgm:pt>
+  </dgm:ptLst>
+  <dgm:cxnLst>
+    <dgm:cxn modelId="{D08FAFF9-FA87-4C79-9C68-AD909343E9C7}" srcId="{D4967691-617F-49F9-BC91-98AB64930923}" destId="{B6F5AE20-A175-41ED-BD55-61750FE475A1}" srcOrd="4" destOrd="0" parTransId="{12527BE5-E3CB-4072-A9FB-DC2265FA5225}" sibTransId="{0F9E875C-FAC4-4DFF-9364-A46035DC2B68}"/>
+    <dgm:cxn modelId="{AADF0FCA-58EC-4579-AFF4-608DD602A0E9}" type="presOf" srcId="{B1B68F5F-6117-4B59-A9FD-F4BC3D90C2F4}" destId="{0D3BD964-AF3E-4BF9-95F5-A8D50855F96F}" srcOrd="0" destOrd="0" presId="urn:microsoft.com/office/officeart/2005/8/layout/hList2"/>
+    <dgm:cxn modelId="{8A975B82-6ED1-4915-8BD2-AE0C9BA566FC}" srcId="{D4967691-617F-49F9-BC91-98AB64930923}" destId="{91DD476E-E947-48BD-B1D4-7B8635955786}" srcOrd="9" destOrd="0" parTransId="{310567B5-0A8A-4E26-A788-6789F33D2803}" sibTransId="{EBD7BB67-4287-4E1A-B9A4-9973E2699C6C}"/>
+    <dgm:cxn modelId="{E19F8C8E-5F6C-4691-B07C-382BFA14E75F}" srcId="{D4967691-617F-49F9-BC91-98AB64930923}" destId="{3C43EC03-06B9-45EA-9E8C-F8318C663EB7}" srcOrd="2" destOrd="0" parTransId="{817B0FD3-35F9-4D24-9E82-68D0748FEC6C}" sibTransId="{87117FA3-6547-4D0D-BF2A-C9049713407A}"/>
+    <dgm:cxn modelId="{470D3E19-4B38-4555-B8A1-85B00ED0EF82}" type="presOf" srcId="{3C43EC03-06B9-45EA-9E8C-F8318C663EB7}" destId="{8C135606-23DA-42B4-937E-FFDA58E32032}" srcOrd="0" destOrd="0" presId="urn:microsoft.com/office/officeart/2005/8/layout/hList2"/>
+    <dgm:cxn modelId="{8307C537-BD8D-4624-931B-34DD833F8222}" type="presOf" srcId="{B7C0D867-6214-4606-82C2-13F9FF100AD1}" destId="{ECB2A7A1-6A64-44BB-BF7A-2B1D2A6F3F79}" srcOrd="0" destOrd="0" presId="urn:microsoft.com/office/officeart/2005/8/layout/hList2"/>
+    <dgm:cxn modelId="{F405781D-4243-4126-BFE7-D9161F0D65ED}" srcId="{D4967691-617F-49F9-BC91-98AB64930923}" destId="{D7B71651-5A13-463F-9E08-EF9A4ED7D6A3}" srcOrd="1" destOrd="0" parTransId="{379C69FA-28BD-45C1-9F92-FDE3F52B70D0}" sibTransId="{3E1A8F47-FBD0-4565-AD0D-7227E9BF3A16}"/>
+    <dgm:cxn modelId="{3905142E-AF2D-4713-87F6-5528FD7E3F3A}" srcId="{D4967691-617F-49F9-BC91-98AB64930923}" destId="{BAB8B3CD-25DD-4540-9DFB-FE2206B5EB8F}" srcOrd="11" destOrd="0" parTransId="{9EC87A5F-34E7-4BAE-B4F5-BB3623C0F9E3}" sibTransId="{BE6C864F-FF50-405D-AE99-1BBBFF0CE4F9}"/>
+    <dgm:cxn modelId="{69071161-35AB-4179-8852-6A36001E6CE2}" type="presOf" srcId="{BAB8B3CD-25DD-4540-9DFB-FE2206B5EB8F}" destId="{CAD024D8-9D38-429F-B51C-185169F64CCD}" srcOrd="0" destOrd="0" presId="urn:microsoft.com/office/officeart/2005/8/layout/hList2"/>
+    <dgm:cxn modelId="{7F7AE33D-8AE0-4F3B-B9F9-73ED947F8C85}" srcId="{D4967691-617F-49F9-BC91-98AB64930923}" destId="{F3E402B3-8CA3-42E3-8126-47E3D54D3A10}" srcOrd="5" destOrd="0" parTransId="{719F7223-471E-42BE-B217-F938554B2EF8}" sibTransId="{911AC40A-6E79-424F-A07B-85399AE88B70}"/>
+    <dgm:cxn modelId="{0B01D1E7-F5C4-48AF-B282-E3FF8B5925F1}" type="presOf" srcId="{94821489-CA4D-48E0-84A2-7926E7AE6DA8}" destId="{4DA04833-E601-444E-BC45-694C546BF58C}" srcOrd="0" destOrd="0" presId="urn:microsoft.com/office/officeart/2005/8/layout/hList2"/>
+    <dgm:cxn modelId="{07E77653-B72A-4871-940A-F14B1A447BA0}" type="presOf" srcId="{D7B71651-5A13-463F-9E08-EF9A4ED7D6A3}" destId="{E9008D36-CF39-4B12-A2EA-5DF0213774EB}" srcOrd="0" destOrd="0" presId="urn:microsoft.com/office/officeart/2005/8/layout/hList2"/>
+    <dgm:cxn modelId="{488CC51D-63D9-4153-8C74-C73C9396EB58}" srcId="{D4967691-617F-49F9-BC91-98AB64930923}" destId="{FB26AE5F-A16A-496A-A556-878969A0BAA1}" srcOrd="12" destOrd="0" parTransId="{2C5FE3B1-E9B9-457F-9AE5-3C0C4AAC00CA}" sibTransId="{A49047A2-B369-47CC-B6C4-FFF901401E58}"/>
+    <dgm:cxn modelId="{B693F3A9-DF79-4401-8A99-86EE38EE23DD}" type="presOf" srcId="{D575CA47-6AE3-4CB9-9BF3-098F3B642FF9}" destId="{8BCF9127-09A3-43FF-A531-87938233BF2A}" srcOrd="0" destOrd="0" presId="urn:microsoft.com/office/officeart/2005/8/layout/hList2"/>
+    <dgm:cxn modelId="{0170EB7E-E2EB-4285-8A3B-F25088544F73}" srcId="{D4967691-617F-49F9-BC91-98AB64930923}" destId="{B1B68F5F-6117-4B59-A9FD-F4BC3D90C2F4}" srcOrd="7" destOrd="0" parTransId="{4507EDD6-D8A8-464B-B944-B34F38CADCCF}" sibTransId="{AC369D21-F356-49DB-B69E-57691AFCA3DD}"/>
+    <dgm:cxn modelId="{B0842088-99CD-4599-9DDE-EC3C0AFBB17B}" type="presOf" srcId="{D4967691-617F-49F9-BC91-98AB64930923}" destId="{CC9A9EF3-79E8-4123-A408-846143D71798}" srcOrd="0" destOrd="0" presId="urn:microsoft.com/office/officeart/2005/8/layout/hList2"/>
+    <dgm:cxn modelId="{D1059C55-65A8-4D53-A637-7013B9F9DCA1}" srcId="{D4967691-617F-49F9-BC91-98AB64930923}" destId="{D2FF4944-9687-45BE-B98F-35C90F605FE7}" srcOrd="6" destOrd="0" parTransId="{6E4C6DD1-CF6E-41E0-90F7-70AC73CC25CB}" sibTransId="{500F35A2-FD5D-4F86-B805-56BF279909AE}"/>
+    <dgm:cxn modelId="{B35435EA-2906-4389-BE07-78DD8F33103D}" srcId="{D4967691-617F-49F9-BC91-98AB64930923}" destId="{D575CA47-6AE3-4CB9-9BF3-098F3B642FF9}" srcOrd="10" destOrd="0" parTransId="{8A17FD34-C9D0-4863-887D-09CBBA5D8068}" sibTransId="{A408CBE4-A52E-4F7B-9810-FF20973C97DD}"/>
+    <dgm:cxn modelId="{D5ECA81F-C2AF-4C3F-8469-307D9F1B1A3F}" type="presOf" srcId="{D2FF4944-9687-45BE-B98F-35C90F605FE7}" destId="{24893DC8-39B5-4DBA-9F7C-115AE7447EE2}" srcOrd="0" destOrd="0" presId="urn:microsoft.com/office/officeart/2005/8/layout/hList2"/>
+    <dgm:cxn modelId="{8F1C0439-0791-4F3A-B28F-ED445DE1A84F}" type="presOf" srcId="{FB26AE5F-A16A-496A-A556-878969A0BAA1}" destId="{ABAF8552-8C8A-4DDE-A752-3317ABF6BA30}" srcOrd="0" destOrd="0" presId="urn:microsoft.com/office/officeart/2005/8/layout/hList2"/>
+    <dgm:cxn modelId="{34D5C459-9101-4566-81AE-F57643588F5E}" srcId="{D4967691-617F-49F9-BC91-98AB64930923}" destId="{B7C0D867-6214-4606-82C2-13F9FF100AD1}" srcOrd="8" destOrd="0" parTransId="{543B76FA-2CFF-4B4D-B66F-52E5D56A3DF3}" sibTransId="{3974C600-4F6A-42B8-A893-3F61A22A2D68}"/>
+    <dgm:cxn modelId="{641399F3-BDDD-452C-9940-6448F2822D64}" type="presOf" srcId="{F3E402B3-8CA3-42E3-8126-47E3D54D3A10}" destId="{0C1946F9-11B7-408F-88E5-717F961D17E6}" srcOrd="0" destOrd="0" presId="urn:microsoft.com/office/officeart/2005/8/layout/hList2"/>
+    <dgm:cxn modelId="{661AB514-81BF-44E0-9D6E-B81A61D09BF9}" type="presOf" srcId="{B6F5AE20-A175-41ED-BD55-61750FE475A1}" destId="{5120A19E-1A73-4260-B650-57AC5F42E144}" srcOrd="0" destOrd="0" presId="urn:microsoft.com/office/officeart/2005/8/layout/hList2"/>
+    <dgm:cxn modelId="{9B09E9F7-5058-4FA6-923D-8B5A5BCF63A6}" type="presOf" srcId="{91DD476E-E947-48BD-B1D4-7B8635955786}" destId="{715C9A4C-F395-44AF-82FB-B3A09FE2B01D}" srcOrd="0" destOrd="0" presId="urn:microsoft.com/office/officeart/2005/8/layout/hList2"/>
+    <dgm:cxn modelId="{D628F4B4-B533-488C-A0E9-2F9A3F28C5D9}" srcId="{D4967691-617F-49F9-BC91-98AB64930923}" destId="{94063F4B-4AD7-4C80-A3A3-6CF6C5E026AE}" srcOrd="0" destOrd="0" parTransId="{937D76D5-07A4-4C38-A9D8-BA7C7EC23638}" sibTransId="{27A97F31-B6BD-4714-B6DC-4333AD9D39FA}"/>
+    <dgm:cxn modelId="{DD04B06E-3F33-4000-B037-9CA9587AFC03}" type="presOf" srcId="{94063F4B-4AD7-4C80-A3A3-6CF6C5E026AE}" destId="{4DD44979-60F9-4743-A6D4-4433CAB78AF4}" srcOrd="0" destOrd="0" presId="urn:microsoft.com/office/officeart/2005/8/layout/hList2"/>
+    <dgm:cxn modelId="{9B2BF3D0-F159-4EC1-B18D-83766B35DB32}" srcId="{D4967691-617F-49F9-BC91-98AB64930923}" destId="{94821489-CA4D-48E0-84A2-7926E7AE6DA8}" srcOrd="3" destOrd="0" parTransId="{CED4DF50-0ECE-4478-8CDF-8226A33CBE6A}" sibTransId="{E60A8E13-1D2F-4350-B740-2D045D6D14FF}"/>
+    <dgm:cxn modelId="{806242E8-BACC-4894-8292-CC01FCB88515}" type="presParOf" srcId="{CC9A9EF3-79E8-4123-A408-846143D71798}" destId="{A98F04B4-A82E-4E7D-AE0A-F93DE5D10F56}" srcOrd="0" destOrd="0" presId="urn:microsoft.com/office/officeart/2005/8/layout/hList2"/>
+    <dgm:cxn modelId="{24DB0DF0-FDFD-4A86-B387-7B16427F7111}" type="presParOf" srcId="{A98F04B4-A82E-4E7D-AE0A-F93DE5D10F56}" destId="{AEC65287-E34F-483D-B3D6-CFB6BCF3A6DA}" srcOrd="0" destOrd="0" presId="urn:microsoft.com/office/officeart/2005/8/layout/hList2"/>
+    <dgm:cxn modelId="{8A91F50E-775C-49FC-8158-0A1F82587598}" type="presParOf" srcId="{A98F04B4-A82E-4E7D-AE0A-F93DE5D10F56}" destId="{5B796549-3216-48AD-8BE6-C8727A8276E4}" srcOrd="1" destOrd="0" presId="urn:microsoft.com/office/officeart/2005/8/layout/hList2"/>
+    <dgm:cxn modelId="{D5D63824-AD10-4816-A245-20DEFE3A69DA}" type="presParOf" srcId="{A98F04B4-A82E-4E7D-AE0A-F93DE5D10F56}" destId="{4DD44979-60F9-4743-A6D4-4433CAB78AF4}" srcOrd="2" destOrd="0" presId="urn:microsoft.com/office/officeart/2005/8/layout/hList2"/>
+    <dgm:cxn modelId="{F4E42C77-9B90-4C37-9DD3-299134823C33}" type="presParOf" srcId="{CC9A9EF3-79E8-4123-A408-846143D71798}" destId="{E0ACDC5D-2545-417A-A58A-793C6D224997}" srcOrd="1" destOrd="0" presId="urn:microsoft.com/office/officeart/2005/8/layout/hList2"/>
+    <dgm:cxn modelId="{EB4E1FCD-6337-488B-864F-175B212ACBF9}" type="presParOf" srcId="{CC9A9EF3-79E8-4123-A408-846143D71798}" destId="{6DE6B4F2-06D5-4E87-90CA-50B37D9496EA}" srcOrd="2" destOrd="0" presId="urn:microsoft.com/office/officeart/2005/8/layout/hList2"/>
+    <dgm:cxn modelId="{6491D2E7-16AD-417C-B1BD-8841544068D2}" type="presParOf" srcId="{6DE6B4F2-06D5-4E87-90CA-50B37D9496EA}" destId="{FA5C8217-43B9-4C23-8F68-37A502D66365}" srcOrd="0" destOrd="0" presId="urn:microsoft.com/office/officeart/2005/8/layout/hList2"/>
+    <dgm:cxn modelId="{46B8DFF2-6B9A-4CDA-AF81-1AEA3939DD6E}" type="presParOf" srcId="{6DE6B4F2-06D5-4E87-90CA-50B37D9496EA}" destId="{4DCB8A3A-A048-48D3-B0EE-1BDBBF5D67E8}" srcOrd="1" destOrd="0" presId="urn:microsoft.com/office/officeart/2005/8/layout/hList2"/>
+    <dgm:cxn modelId="{C03B3536-7E59-42E6-A85E-9F67137869D3}" type="presParOf" srcId="{6DE6B4F2-06D5-4E87-90CA-50B37D9496EA}" destId="{E9008D36-CF39-4B12-A2EA-5DF0213774EB}" srcOrd="2" destOrd="0" presId="urn:microsoft.com/office/officeart/2005/8/layout/hList2"/>
+    <dgm:cxn modelId="{8D31925C-7F8C-4DF7-A47C-BBF56E557FAD}" type="presParOf" srcId="{CC9A9EF3-79E8-4123-A408-846143D71798}" destId="{79FD3C71-4FF8-4AF4-96E5-04FF05074C4D}" srcOrd="3" destOrd="0" presId="urn:microsoft.com/office/officeart/2005/8/layout/hList2"/>
+    <dgm:cxn modelId="{AEE70518-FB9E-49F1-900F-FDF5C62075AC}" type="presParOf" srcId="{CC9A9EF3-79E8-4123-A408-846143D71798}" destId="{0059E4B3-8772-4FF1-B396-8ABBCC141C6F}" srcOrd="4" destOrd="0" presId="urn:microsoft.com/office/officeart/2005/8/layout/hList2"/>
+    <dgm:cxn modelId="{6995BA37-6EDD-447D-85AE-A72A74522902}" type="presParOf" srcId="{0059E4B3-8772-4FF1-B396-8ABBCC141C6F}" destId="{C71C6F0E-B9D9-45C8-9F82-AD498AEC5817}" srcOrd="0" destOrd="0" presId="urn:microsoft.com/office/officeart/2005/8/layout/hList2"/>
+    <dgm:cxn modelId="{8EC5D9D6-7F23-46C9-BF2C-D37594A11339}" type="presParOf" srcId="{0059E4B3-8772-4FF1-B396-8ABBCC141C6F}" destId="{9CA21789-01D9-408D-A619-4C1C3AD35FAE}" srcOrd="1" destOrd="0" presId="urn:microsoft.com/office/officeart/2005/8/layout/hList2"/>
+    <dgm:cxn modelId="{8AD7C7B6-51D7-4997-98EF-7A406BEB311C}" type="presParOf" srcId="{0059E4B3-8772-4FF1-B396-8ABBCC141C6F}" destId="{8C135606-23DA-42B4-937E-FFDA58E32032}" srcOrd="2" destOrd="0" presId="urn:microsoft.com/office/officeart/2005/8/layout/hList2"/>
+    <dgm:cxn modelId="{CE918F1C-B817-449F-92E3-4FD90BE3AF65}" type="presParOf" srcId="{CC9A9EF3-79E8-4123-A408-846143D71798}" destId="{F0278CB2-E495-4C1C-A701-D5A2CA259E59}" srcOrd="5" destOrd="0" presId="urn:microsoft.com/office/officeart/2005/8/layout/hList2"/>
+    <dgm:cxn modelId="{C8BEFCD7-E275-4892-BD6D-E4ABB6593C3A}" type="presParOf" srcId="{CC9A9EF3-79E8-4123-A408-846143D71798}" destId="{1AAB745D-BDD0-43D9-9E69-F8CF54D362BC}" srcOrd="6" destOrd="0" presId="urn:microsoft.com/office/officeart/2005/8/layout/hList2"/>
+    <dgm:cxn modelId="{C71E4F2E-9707-4514-8D68-3FD489CE992B}" type="presParOf" srcId="{1AAB745D-BDD0-43D9-9E69-F8CF54D362BC}" destId="{7B3EEAC4-71C3-4489-9E0C-CCBD6831E167}" srcOrd="0" destOrd="0" presId="urn:microsoft.com/office/officeart/2005/8/layout/hList2"/>
+    <dgm:cxn modelId="{F82C241F-8557-44F6-86F0-95ADB254E5D2}" type="presParOf" srcId="{1AAB745D-BDD0-43D9-9E69-F8CF54D362BC}" destId="{8AB52223-A682-41A2-929B-33CA9C6F3BD8}" srcOrd="1" destOrd="0" presId="urn:microsoft.com/office/officeart/2005/8/layout/hList2"/>
+    <dgm:cxn modelId="{2171A3FB-EF00-4E25-A285-3A1CCACDE28D}" type="presParOf" srcId="{1AAB745D-BDD0-43D9-9E69-F8CF54D362BC}" destId="{4DA04833-E601-444E-BC45-694C546BF58C}" srcOrd="2" destOrd="0" presId="urn:microsoft.com/office/officeart/2005/8/layout/hList2"/>
+    <dgm:cxn modelId="{8710F06F-8129-4740-A64F-E451E937659E}" type="presParOf" srcId="{CC9A9EF3-79E8-4123-A408-846143D71798}" destId="{5B0773D9-0C92-41B2-AFAB-EC6B1EAA2870}" srcOrd="7" destOrd="0" presId="urn:microsoft.com/office/officeart/2005/8/layout/hList2"/>
+    <dgm:cxn modelId="{09603D77-4421-4D16-81C5-8F4A935C0E3F}" type="presParOf" srcId="{CC9A9EF3-79E8-4123-A408-846143D71798}" destId="{35E562C7-8AA7-40BF-ADC7-4203A62F7205}" srcOrd="8" destOrd="0" presId="urn:microsoft.com/office/officeart/2005/8/layout/hList2"/>
+    <dgm:cxn modelId="{987D1D61-952E-4413-B1E3-B741F9C16CC0}" type="presParOf" srcId="{35E562C7-8AA7-40BF-ADC7-4203A62F7205}" destId="{6740D071-050F-4F15-8EA1-384B05BAB9AB}" srcOrd="0" destOrd="0" presId="urn:microsoft.com/office/officeart/2005/8/layout/hList2"/>
+    <dgm:cxn modelId="{EEB0B305-9E14-490C-87C3-65EB62543CCE}" type="presParOf" srcId="{35E562C7-8AA7-40BF-ADC7-4203A62F7205}" destId="{CB25D1A7-A610-448A-89DC-DA6F7DFF0D5B}" srcOrd="1" destOrd="0" presId="urn:microsoft.com/office/officeart/2005/8/layout/hList2"/>
+    <dgm:cxn modelId="{DC520D30-3E4F-4803-A9D9-F9E964862D74}" type="presParOf" srcId="{35E562C7-8AA7-40BF-ADC7-4203A62F7205}" destId="{5120A19E-1A73-4260-B650-57AC5F42E144}" srcOrd="2" destOrd="0" presId="urn:microsoft.com/office/officeart/2005/8/layout/hList2"/>
+    <dgm:cxn modelId="{45A8E48C-10A9-49BA-B0FE-EA5F40BDCE8F}" type="presParOf" srcId="{CC9A9EF3-79E8-4123-A408-846143D71798}" destId="{ECFD7C10-91F0-4CC5-BD70-EF812868D255}" srcOrd="9" destOrd="0" presId="urn:microsoft.com/office/officeart/2005/8/layout/hList2"/>
+    <dgm:cxn modelId="{1798E7FA-8468-408C-9449-3363FBF0AF59}" type="presParOf" srcId="{CC9A9EF3-79E8-4123-A408-846143D71798}" destId="{4A282380-0577-4D9F-A354-650E955233C4}" srcOrd="10" destOrd="0" presId="urn:microsoft.com/office/officeart/2005/8/layout/hList2"/>
+    <dgm:cxn modelId="{940E6355-6A60-4F8B-95DE-C7C934D78C95}" type="presParOf" srcId="{4A282380-0577-4D9F-A354-650E955233C4}" destId="{AB44EBCA-04A1-4600-B671-C0E9B73F6613}" srcOrd="0" destOrd="0" presId="urn:microsoft.com/office/officeart/2005/8/layout/hList2"/>
+    <dgm:cxn modelId="{CFDD98FF-1AF3-424E-9E81-7AB8EE8495C4}" type="presParOf" srcId="{4A282380-0577-4D9F-A354-650E955233C4}" destId="{2A680966-64FB-448B-AE29-C33F37942442}" srcOrd="1" destOrd="0" presId="urn:microsoft.com/office/officeart/2005/8/layout/hList2"/>
+    <dgm:cxn modelId="{44B4BD9A-72E5-4D84-BF97-4E887B89A621}" type="presParOf" srcId="{4A282380-0577-4D9F-A354-650E955233C4}" destId="{0C1946F9-11B7-408F-88E5-717F961D17E6}" srcOrd="2" destOrd="0" presId="urn:microsoft.com/office/officeart/2005/8/layout/hList2"/>
+    <dgm:cxn modelId="{70118484-6E83-41EB-9327-5E41CCB7B83D}" type="presParOf" srcId="{CC9A9EF3-79E8-4123-A408-846143D71798}" destId="{11FEB940-42DB-47F9-A9A1-AD7734CA3469}" srcOrd="11" destOrd="0" presId="urn:microsoft.com/office/officeart/2005/8/layout/hList2"/>
+    <dgm:cxn modelId="{C594403A-4948-42D3-91F4-07BB90CD8131}" type="presParOf" srcId="{CC9A9EF3-79E8-4123-A408-846143D71798}" destId="{D284B985-B38F-4650-86B7-48757841069C}" srcOrd="12" destOrd="0" presId="urn:microsoft.com/office/officeart/2005/8/layout/hList2"/>
+    <dgm:cxn modelId="{364392AA-150E-4590-B8F0-B43DCE425E00}" type="presParOf" srcId="{D284B985-B38F-4650-86B7-48757841069C}" destId="{43698212-3BE7-4E25-9DBC-FF077000E111}" srcOrd="0" destOrd="0" presId="urn:microsoft.com/office/officeart/2005/8/layout/hList2"/>
+    <dgm:cxn modelId="{4D9E1D3D-0193-49AE-A480-717A33811891}" type="presParOf" srcId="{D284B985-B38F-4650-86B7-48757841069C}" destId="{7DDF7BBD-71E0-468E-BBDE-DDFCDB7D1F74}" srcOrd="1" destOrd="0" presId="urn:microsoft.com/office/officeart/2005/8/layout/hList2"/>
+    <dgm:cxn modelId="{866F0F62-539F-474A-9C38-BC4004204D1D}" type="presParOf" srcId="{D284B985-B38F-4650-86B7-48757841069C}" destId="{24893DC8-39B5-4DBA-9F7C-115AE7447EE2}" srcOrd="2" destOrd="0" presId="urn:microsoft.com/office/officeart/2005/8/layout/hList2"/>
+    <dgm:cxn modelId="{274AE9CB-81FA-40C2-B8E7-2B372FC6C722}" type="presParOf" srcId="{CC9A9EF3-79E8-4123-A408-846143D71798}" destId="{1250F369-0751-4C2F-B9D6-678AD26B9B67}" srcOrd="13" destOrd="0" presId="urn:microsoft.com/office/officeart/2005/8/layout/hList2"/>
+    <dgm:cxn modelId="{0D6F97E8-1E91-488A-BC7F-67E4C55F889E}" type="presParOf" srcId="{CC9A9EF3-79E8-4123-A408-846143D71798}" destId="{59E7AA94-42A5-458D-83AD-61A59B4D441E}" srcOrd="14" destOrd="0" presId="urn:microsoft.com/office/officeart/2005/8/layout/hList2"/>
+    <dgm:cxn modelId="{04A421F2-CAB3-4417-8AE4-332DB6E2FEAD}" type="presParOf" srcId="{59E7AA94-42A5-458D-83AD-61A59B4D441E}" destId="{EFD502D9-C39D-4166-ADD5-1A1DD34F9016}" srcOrd="0" destOrd="0" presId="urn:microsoft.com/office/officeart/2005/8/layout/hList2"/>
+    <dgm:cxn modelId="{AFDB2413-2A49-423F-93CE-1160DC85A49A}" type="presParOf" srcId="{59E7AA94-42A5-458D-83AD-61A59B4D441E}" destId="{8CFB1E16-5830-47FC-9D64-A16C11EA6C92}" srcOrd="1" destOrd="0" presId="urn:microsoft.com/office/officeart/2005/8/layout/hList2"/>
+    <dgm:cxn modelId="{24002AE9-1335-47D1-BA01-33BD85B1DBAB}" type="presParOf" srcId="{59E7AA94-42A5-458D-83AD-61A59B4D441E}" destId="{0D3BD964-AF3E-4BF9-95F5-A8D50855F96F}" srcOrd="2" destOrd="0" presId="urn:microsoft.com/office/officeart/2005/8/layout/hList2"/>
+    <dgm:cxn modelId="{725AEE58-0656-4F82-9494-B6E076135E86}" type="presParOf" srcId="{CC9A9EF3-79E8-4123-A408-846143D71798}" destId="{98D20186-D451-441C-B2C7-FE939A1CC71D}" srcOrd="15" destOrd="0" presId="urn:microsoft.com/office/officeart/2005/8/layout/hList2"/>
+    <dgm:cxn modelId="{B71AB31A-E9FC-406F-BAF7-9D5227B7D159}" type="presParOf" srcId="{CC9A9EF3-79E8-4123-A408-846143D71798}" destId="{DCD58E31-0C96-4DD6-8159-602454265F83}" srcOrd="16" destOrd="0" presId="urn:microsoft.com/office/officeart/2005/8/layout/hList2"/>
+    <dgm:cxn modelId="{2EEDB9CE-1A10-4E93-842B-E761A482DAE3}" type="presParOf" srcId="{DCD58E31-0C96-4DD6-8159-602454265F83}" destId="{9A8E9F6C-B053-4296-804B-2D4F1300BD75}" srcOrd="0" destOrd="0" presId="urn:microsoft.com/office/officeart/2005/8/layout/hList2"/>
+    <dgm:cxn modelId="{23D901D6-A680-4BA8-8A29-285CAA92508E}" type="presParOf" srcId="{DCD58E31-0C96-4DD6-8159-602454265F83}" destId="{93E1B6B9-6599-428E-8F18-66DBE82D2457}" srcOrd="1" destOrd="0" presId="urn:microsoft.com/office/officeart/2005/8/layout/hList2"/>
+    <dgm:cxn modelId="{B6488102-9039-4FA6-99D2-574FFA66ADC8}" type="presParOf" srcId="{DCD58E31-0C96-4DD6-8159-602454265F83}" destId="{ECB2A7A1-6A64-44BB-BF7A-2B1D2A6F3F79}" srcOrd="2" destOrd="0" presId="urn:microsoft.com/office/officeart/2005/8/layout/hList2"/>
+    <dgm:cxn modelId="{8F128A43-3BD7-47AA-A26C-CB1F8B2E3608}" type="presParOf" srcId="{CC9A9EF3-79E8-4123-A408-846143D71798}" destId="{24C1638D-AE48-4081-A08F-B5B5964AFC99}" srcOrd="17" destOrd="0" presId="urn:microsoft.com/office/officeart/2005/8/layout/hList2"/>
+    <dgm:cxn modelId="{01CD5BEC-A546-4681-8449-2A4D9A25F44F}" type="presParOf" srcId="{CC9A9EF3-79E8-4123-A408-846143D71798}" destId="{FF121884-5A40-46C6-B519-A510D178BE17}" srcOrd="18" destOrd="0" presId="urn:microsoft.com/office/officeart/2005/8/layout/hList2"/>
+    <dgm:cxn modelId="{8382B7D2-DD9F-43F7-ADDC-05E7F17DBC08}" type="presParOf" srcId="{FF121884-5A40-46C6-B519-A510D178BE17}" destId="{1F52D5FC-4CBE-411E-9CBB-9A6288B76CEE}" srcOrd="0" destOrd="0" presId="urn:microsoft.com/office/officeart/2005/8/layout/hList2"/>
+    <dgm:cxn modelId="{14697D0C-98C1-4078-9E9A-F928F17BB71B}" type="presParOf" srcId="{FF121884-5A40-46C6-B519-A510D178BE17}" destId="{7467F23D-0037-4406-A097-315733796F75}" srcOrd="1" destOrd="0" presId="urn:microsoft.com/office/officeart/2005/8/layout/hList2"/>
+    <dgm:cxn modelId="{5F7516D7-F3BD-4087-96A0-0A32DC905C8C}" type="presParOf" srcId="{FF121884-5A40-46C6-B519-A510D178BE17}" destId="{715C9A4C-F395-44AF-82FB-B3A09FE2B01D}" srcOrd="2" destOrd="0" presId="urn:microsoft.com/office/officeart/2005/8/layout/hList2"/>
+    <dgm:cxn modelId="{1D8862DF-884B-4DD7-A989-A11AAD3E2DEA}" type="presParOf" srcId="{CC9A9EF3-79E8-4123-A408-846143D71798}" destId="{FD7BCFC5-A3C1-48B1-A45F-A620516BB941}" srcOrd="19" destOrd="0" presId="urn:microsoft.com/office/officeart/2005/8/layout/hList2"/>
+    <dgm:cxn modelId="{8400EAF0-2934-49AB-801E-752793A5771F}" type="presParOf" srcId="{CC9A9EF3-79E8-4123-A408-846143D71798}" destId="{E7C41FAB-0C3C-47E5-8D75-49DB9DA45C56}" srcOrd="20" destOrd="0" presId="urn:microsoft.com/office/officeart/2005/8/layout/hList2"/>
+    <dgm:cxn modelId="{005C5A17-7173-47F2-8941-669B77436DE5}" type="presParOf" srcId="{E7C41FAB-0C3C-47E5-8D75-49DB9DA45C56}" destId="{7D107999-9672-44B9-9085-440A656C3BC9}" srcOrd="0" destOrd="0" presId="urn:microsoft.com/office/officeart/2005/8/layout/hList2"/>
+    <dgm:cxn modelId="{5D7E4878-EBD0-4C37-9E6A-E21A4F990FEA}" type="presParOf" srcId="{E7C41FAB-0C3C-47E5-8D75-49DB9DA45C56}" destId="{C3895F04-1B34-4D80-B24A-EF7F90ADBC3E}" srcOrd="1" destOrd="0" presId="urn:microsoft.com/office/officeart/2005/8/layout/hList2"/>
+    <dgm:cxn modelId="{C4C740B2-2F72-4A0E-B222-585CABAD40D6}" type="presParOf" srcId="{E7C41FAB-0C3C-47E5-8D75-49DB9DA45C56}" destId="{8BCF9127-09A3-43FF-A531-87938233BF2A}" srcOrd="2" destOrd="0" presId="urn:microsoft.com/office/officeart/2005/8/layout/hList2"/>
+    <dgm:cxn modelId="{2E12CB22-1634-4625-9C43-52FCFB20D817}" type="presParOf" srcId="{CC9A9EF3-79E8-4123-A408-846143D71798}" destId="{F71040F9-B896-4518-A7BB-6E942D35958C}" srcOrd="21" destOrd="0" presId="urn:microsoft.com/office/officeart/2005/8/layout/hList2"/>
+    <dgm:cxn modelId="{E536B6F5-487E-49F1-92F3-3E5CD1C8BB1E}" type="presParOf" srcId="{CC9A9EF3-79E8-4123-A408-846143D71798}" destId="{584A68EF-F3A9-4842-A42B-2CFA94879D32}" srcOrd="22" destOrd="0" presId="urn:microsoft.com/office/officeart/2005/8/layout/hList2"/>
+    <dgm:cxn modelId="{A0E0D8FE-1595-475D-9BDC-E6D63F1D53C3}" type="presParOf" srcId="{584A68EF-F3A9-4842-A42B-2CFA94879D32}" destId="{D18BF437-47F3-4D1E-B19F-B7A2DFA00B4C}" srcOrd="0" destOrd="0" presId="urn:microsoft.com/office/officeart/2005/8/layout/hList2"/>
+    <dgm:cxn modelId="{C944F3E1-D689-445C-802E-6B752E9C38CA}" type="presParOf" srcId="{584A68EF-F3A9-4842-A42B-2CFA94879D32}" destId="{57AF4AAC-8397-42C6-841B-28AC4B01558F}" srcOrd="1" destOrd="0" presId="urn:microsoft.com/office/officeart/2005/8/layout/hList2"/>
+    <dgm:cxn modelId="{48DD17EF-275B-4E32-A108-F086F4B83C00}" type="presParOf" srcId="{584A68EF-F3A9-4842-A42B-2CFA94879D32}" destId="{CAD024D8-9D38-429F-B51C-185169F64CCD}" srcOrd="2" destOrd="0" presId="urn:microsoft.com/office/officeart/2005/8/layout/hList2"/>
+    <dgm:cxn modelId="{6A52F85C-3C2F-4127-82C8-6DFAB91A8FCE}" type="presParOf" srcId="{CC9A9EF3-79E8-4123-A408-846143D71798}" destId="{F3BE8B4E-B8E7-47C0-A146-D01311DC7E30}" srcOrd="23" destOrd="0" presId="urn:microsoft.com/office/officeart/2005/8/layout/hList2"/>
+    <dgm:cxn modelId="{0A1C1284-620A-4D17-8E6D-454D841A778B}" type="presParOf" srcId="{CC9A9EF3-79E8-4123-A408-846143D71798}" destId="{68A6B840-8250-44C4-8CD8-B691AC6C40B9}" srcOrd="24" destOrd="0" presId="urn:microsoft.com/office/officeart/2005/8/layout/hList2"/>
+    <dgm:cxn modelId="{A9DFB4C5-247A-43B6-9B34-688CE420A312}" type="presParOf" srcId="{68A6B840-8250-44C4-8CD8-B691AC6C40B9}" destId="{40EDFF74-0522-428B-90D0-E700B18CFA20}" srcOrd="0" destOrd="0" presId="urn:microsoft.com/office/officeart/2005/8/layout/hList2"/>
+    <dgm:cxn modelId="{88646F27-35AE-4E71-80AC-0CAC7EAAA252}" type="presParOf" srcId="{68A6B840-8250-44C4-8CD8-B691AC6C40B9}" destId="{2D9D74D4-CC2F-4286-9FA6-934BD9661A75}" srcOrd="1" destOrd="0" presId="urn:microsoft.com/office/officeart/2005/8/layout/hList2"/>
+    <dgm:cxn modelId="{F7668216-DFB9-41C0-9FE1-A4F28B8A2CA3}" type="presParOf" srcId="{68A6B840-8250-44C4-8CD8-B691AC6C40B9}" destId="{ABAF8552-8C8A-4DDE-A752-3317ABF6BA30}" srcOrd="2" destOrd="0" presId="urn:microsoft.com/office/officeart/2005/8/layout/hList2"/>
   </dgm:cxnLst>
   <dgm:bg/>
   <dgm:whole/>
@@ -2478,7 +4373,2687 @@
 </dsp:drawing>
 </file>
 
+<file path=ppt/diagrams/drawing2.xml><?xml version="1.0" encoding="utf-8"?>
+<dsp:drawing xmlns:dgm="http://schemas.openxmlformats.org/drawingml/2006/diagram" xmlns:dsp="http://schemas.microsoft.com/office/drawing/2008/diagram" xmlns:a="http://schemas.openxmlformats.org/drawingml/2006/main">
+  <dsp:spTree>
+    <dsp:nvGrpSpPr>
+      <dsp:cNvPr id="0" name=""/>
+      <dsp:cNvGrpSpPr/>
+    </dsp:nvGrpSpPr>
+    <dsp:grpSpPr/>
+    <dsp:sp modelId="{4DD44979-60F9-4743-A6D4-4433CAB78AF4}">
+      <dsp:nvSpPr>
+        <dsp:cNvPr id="0" name=""/>
+        <dsp:cNvSpPr/>
+      </dsp:nvSpPr>
+      <dsp:spPr>
+        <a:xfrm rot="16200000">
+          <a:off x="-298677" y="465551"/>
+          <a:ext cx="712640" cy="54565"/>
+        </a:xfrm>
+        <a:prstGeom prst="rect">
+          <a:avLst/>
+        </a:prstGeom>
+        <a:noFill/>
+        <a:ln>
+          <a:noFill/>
+        </a:ln>
+        <a:effectLst/>
+      </dsp:spPr>
+      <dsp:style>
+        <a:lnRef idx="0">
+          <a:scrgbClr r="0" g="0" b="0"/>
+        </a:lnRef>
+        <a:fillRef idx="0">
+          <a:scrgbClr r="0" g="0" b="0"/>
+        </a:fillRef>
+        <a:effectRef idx="0">
+          <a:scrgbClr r="0" g="0" b="0"/>
+        </a:effectRef>
+        <a:fontRef idx="minor"/>
+      </dsp:style>
+      <dsp:txBody>
+        <a:bodyPr spcFirstLastPara="0" vert="horz" wrap="square" lIns="0" tIns="0" rIns="48123" bIns="0" numCol="1" spcCol="1270" anchor="t" anchorCtr="0">
+          <a:noAutofit/>
+        </a:bodyPr>
+        <a:lstStyle/>
+        <a:p>
+          <a:pPr lvl="0" algn="r" defTabSz="222250">
+            <a:lnSpc>
+              <a:spcPct val="90000"/>
+            </a:lnSpc>
+            <a:spcBef>
+              <a:spcPct val="0"/>
+            </a:spcBef>
+            <a:spcAft>
+              <a:spcPct val="35000"/>
+            </a:spcAft>
+          </a:pPr>
+          <a:r>
+            <a:rPr lang="en-US" altLang="zh-CN" sz="500" kern="1200" dirty="0" smtClean="0"/>
+            <a:t>  </a:t>
+          </a:r>
+          <a:endParaRPr lang="zh-CN" altLang="en-US" sz="500" kern="1200" dirty="0"/>
+        </a:p>
+      </dsp:txBody>
+      <dsp:txXfrm>
+        <a:off x="-298677" y="465551"/>
+        <a:ext cx="712640" cy="54565"/>
+      </dsp:txXfrm>
+    </dsp:sp>
+    <dsp:sp modelId="{5B796549-3216-48AD-8BE6-C8727A8276E4}">
+      <dsp:nvSpPr>
+        <dsp:cNvPr id="0" name=""/>
+        <dsp:cNvSpPr/>
+      </dsp:nvSpPr>
+      <dsp:spPr>
+        <a:xfrm>
+          <a:off x="84925" y="136513"/>
+          <a:ext cx="271791" cy="712640"/>
+        </a:xfrm>
+        <a:prstGeom prst="rect">
+          <a:avLst/>
+        </a:prstGeom>
+        <a:gradFill rotWithShape="0">
+          <a:gsLst>
+            <a:gs pos="0">
+              <a:schemeClr val="accent2">
+                <a:hueOff val="0"/>
+                <a:satOff val="0"/>
+                <a:lumOff val="0"/>
+                <a:alphaOff val="0"/>
+                <a:lumMod val="110000"/>
+                <a:satMod val="105000"/>
+                <a:tint val="67000"/>
+              </a:schemeClr>
+            </a:gs>
+            <a:gs pos="50000">
+              <a:schemeClr val="accent2">
+                <a:hueOff val="0"/>
+                <a:satOff val="0"/>
+                <a:lumOff val="0"/>
+                <a:alphaOff val="0"/>
+                <a:lumMod val="105000"/>
+                <a:satMod val="103000"/>
+                <a:tint val="73000"/>
+              </a:schemeClr>
+            </a:gs>
+            <a:gs pos="100000">
+              <a:schemeClr val="accent2">
+                <a:hueOff val="0"/>
+                <a:satOff val="0"/>
+                <a:lumOff val="0"/>
+                <a:alphaOff val="0"/>
+                <a:lumMod val="105000"/>
+                <a:satMod val="109000"/>
+                <a:tint val="81000"/>
+              </a:schemeClr>
+            </a:gs>
+          </a:gsLst>
+          <a:lin ang="5400000" scaled="0"/>
+        </a:gradFill>
+        <a:ln>
+          <a:noFill/>
+        </a:ln>
+        <a:effectLst/>
+        <a:scene3d>
+          <a:camera prst="orthographicFront"/>
+          <a:lightRig rig="flat" dir="t"/>
+        </a:scene3d>
+        <a:sp3d prstMaterial="dkEdge">
+          <a:bevelT w="8200" h="38100"/>
+        </a:sp3d>
+      </dsp:spPr>
+      <dsp:style>
+        <a:lnRef idx="0">
+          <a:scrgbClr r="0" g="0" b="0"/>
+        </a:lnRef>
+        <a:fillRef idx="2">
+          <a:scrgbClr r="0" g="0" b="0"/>
+        </a:fillRef>
+        <a:effectRef idx="1">
+          <a:scrgbClr r="0" g="0" b="0"/>
+        </a:effectRef>
+        <a:fontRef idx="minor">
+          <a:schemeClr val="dk1"/>
+        </a:fontRef>
+      </dsp:style>
+    </dsp:sp>
+    <dsp:sp modelId="{AEC65287-E34F-483D-B3D6-CFB6BCF3A6DA}">
+      <dsp:nvSpPr>
+        <dsp:cNvPr id="0" name=""/>
+        <dsp:cNvSpPr/>
+      </dsp:nvSpPr>
+      <dsp:spPr>
+        <a:xfrm>
+          <a:off x="30360" y="64487"/>
+          <a:ext cx="109130" cy="109130"/>
+        </a:xfrm>
+        <a:prstGeom prst="rect">
+          <a:avLst/>
+        </a:prstGeom>
+        <a:solidFill>
+          <a:schemeClr val="accent2">
+            <a:tint val="50000"/>
+            <a:hueOff val="0"/>
+            <a:satOff val="0"/>
+            <a:lumOff val="0"/>
+            <a:alphaOff val="0"/>
+          </a:schemeClr>
+        </a:solidFill>
+        <a:ln w="6350" cap="flat" cmpd="sng" algn="ctr">
+          <a:solidFill>
+            <a:schemeClr val="lt1">
+              <a:hueOff val="0"/>
+              <a:satOff val="0"/>
+              <a:lumOff val="0"/>
+              <a:alphaOff val="0"/>
+            </a:schemeClr>
+          </a:solidFill>
+          <a:prstDash val="solid"/>
+          <a:miter lim="800000"/>
+        </a:ln>
+        <a:effectLst/>
+      </dsp:spPr>
+      <dsp:style>
+        <a:lnRef idx="1">
+          <a:scrgbClr r="0" g="0" b="0"/>
+        </a:lnRef>
+        <a:fillRef idx="1">
+          <a:scrgbClr r="0" g="0" b="0"/>
+        </a:fillRef>
+        <a:effectRef idx="1">
+          <a:scrgbClr r="0" g="0" b="0"/>
+        </a:effectRef>
+        <a:fontRef idx="minor"/>
+      </dsp:style>
+    </dsp:sp>
+    <dsp:sp modelId="{E9008D36-CF39-4B12-A2EA-5DF0213774EB}">
+      <dsp:nvSpPr>
+        <dsp:cNvPr id="0" name=""/>
+        <dsp:cNvSpPr/>
+      </dsp:nvSpPr>
+      <dsp:spPr>
+        <a:xfrm rot="16200000">
+          <a:off x="102927" y="465551"/>
+          <a:ext cx="712640" cy="54565"/>
+        </a:xfrm>
+        <a:prstGeom prst="rect">
+          <a:avLst/>
+        </a:prstGeom>
+        <a:noFill/>
+        <a:ln>
+          <a:noFill/>
+        </a:ln>
+        <a:effectLst/>
+      </dsp:spPr>
+      <dsp:style>
+        <a:lnRef idx="0">
+          <a:scrgbClr r="0" g="0" b="0"/>
+        </a:lnRef>
+        <a:fillRef idx="0">
+          <a:scrgbClr r="0" g="0" b="0"/>
+        </a:fillRef>
+        <a:effectRef idx="0">
+          <a:scrgbClr r="0" g="0" b="0"/>
+        </a:effectRef>
+        <a:fontRef idx="minor"/>
+      </dsp:style>
+      <dsp:txBody>
+        <a:bodyPr spcFirstLastPara="0" vert="horz" wrap="square" lIns="0" tIns="0" rIns="48123" bIns="0" numCol="1" spcCol="1270" anchor="t" anchorCtr="0">
+          <a:noAutofit/>
+        </a:bodyPr>
+        <a:lstStyle/>
+        <a:p>
+          <a:pPr lvl="0" algn="r" defTabSz="222250">
+            <a:lnSpc>
+              <a:spcPct val="90000"/>
+            </a:lnSpc>
+            <a:spcBef>
+              <a:spcPct val="0"/>
+            </a:spcBef>
+            <a:spcAft>
+              <a:spcPct val="35000"/>
+            </a:spcAft>
+          </a:pPr>
+          <a:endParaRPr lang="zh-CN" altLang="en-US" sz="500" kern="1200" dirty="0"/>
+        </a:p>
+      </dsp:txBody>
+      <dsp:txXfrm>
+        <a:off x="102927" y="465551"/>
+        <a:ext cx="712640" cy="54565"/>
+      </dsp:txXfrm>
+    </dsp:sp>
+    <dsp:sp modelId="{4DCB8A3A-A048-48D3-B0EE-1BDBBF5D67E8}">
+      <dsp:nvSpPr>
+        <dsp:cNvPr id="0" name=""/>
+        <dsp:cNvSpPr/>
+      </dsp:nvSpPr>
+      <dsp:spPr>
+        <a:xfrm>
+          <a:off x="486530" y="136513"/>
+          <a:ext cx="271791" cy="712640"/>
+        </a:xfrm>
+        <a:prstGeom prst="rect">
+          <a:avLst/>
+        </a:prstGeom>
+        <a:gradFill rotWithShape="0">
+          <a:gsLst>
+            <a:gs pos="0">
+              <a:schemeClr val="accent2">
+                <a:hueOff val="-121280"/>
+                <a:satOff val="-6994"/>
+                <a:lumOff val="719"/>
+                <a:alphaOff val="0"/>
+                <a:lumMod val="110000"/>
+                <a:satMod val="105000"/>
+                <a:tint val="67000"/>
+              </a:schemeClr>
+            </a:gs>
+            <a:gs pos="50000">
+              <a:schemeClr val="accent2">
+                <a:hueOff val="-121280"/>
+                <a:satOff val="-6994"/>
+                <a:lumOff val="719"/>
+                <a:alphaOff val="0"/>
+                <a:lumMod val="105000"/>
+                <a:satMod val="103000"/>
+                <a:tint val="73000"/>
+              </a:schemeClr>
+            </a:gs>
+            <a:gs pos="100000">
+              <a:schemeClr val="accent2">
+                <a:hueOff val="-121280"/>
+                <a:satOff val="-6994"/>
+                <a:lumOff val="719"/>
+                <a:alphaOff val="0"/>
+                <a:lumMod val="105000"/>
+                <a:satMod val="109000"/>
+                <a:tint val="81000"/>
+              </a:schemeClr>
+            </a:gs>
+          </a:gsLst>
+          <a:lin ang="5400000" scaled="0"/>
+        </a:gradFill>
+        <a:ln>
+          <a:noFill/>
+        </a:ln>
+        <a:effectLst/>
+        <a:scene3d>
+          <a:camera prst="orthographicFront"/>
+          <a:lightRig rig="flat" dir="t"/>
+        </a:scene3d>
+        <a:sp3d prstMaterial="dkEdge">
+          <a:bevelT w="8200" h="38100"/>
+        </a:sp3d>
+      </dsp:spPr>
+      <dsp:style>
+        <a:lnRef idx="0">
+          <a:scrgbClr r="0" g="0" b="0"/>
+        </a:lnRef>
+        <a:fillRef idx="2">
+          <a:scrgbClr r="0" g="0" b="0"/>
+        </a:fillRef>
+        <a:effectRef idx="1">
+          <a:scrgbClr r="0" g="0" b="0"/>
+        </a:effectRef>
+        <a:fontRef idx="minor">
+          <a:schemeClr val="dk1"/>
+        </a:fontRef>
+      </dsp:style>
+    </dsp:sp>
+    <dsp:sp modelId="{FA5C8217-43B9-4C23-8F68-37A502D66365}">
+      <dsp:nvSpPr>
+        <dsp:cNvPr id="0" name=""/>
+        <dsp:cNvSpPr/>
+      </dsp:nvSpPr>
+      <dsp:spPr>
+        <a:xfrm>
+          <a:off x="431965" y="64487"/>
+          <a:ext cx="109130" cy="109130"/>
+        </a:xfrm>
+        <a:prstGeom prst="rect">
+          <a:avLst/>
+        </a:prstGeom>
+        <a:solidFill>
+          <a:schemeClr val="accent2">
+            <a:tint val="50000"/>
+            <a:hueOff val="-73389"/>
+            <a:satOff val="-6347"/>
+            <a:lumOff val="-63"/>
+            <a:alphaOff val="0"/>
+          </a:schemeClr>
+        </a:solidFill>
+        <a:ln w="6350" cap="flat" cmpd="sng" algn="ctr">
+          <a:solidFill>
+            <a:schemeClr val="lt1">
+              <a:hueOff val="0"/>
+              <a:satOff val="0"/>
+              <a:lumOff val="0"/>
+              <a:alphaOff val="0"/>
+            </a:schemeClr>
+          </a:solidFill>
+          <a:prstDash val="solid"/>
+          <a:miter lim="800000"/>
+        </a:ln>
+        <a:effectLst/>
+      </dsp:spPr>
+      <dsp:style>
+        <a:lnRef idx="1">
+          <a:scrgbClr r="0" g="0" b="0"/>
+        </a:lnRef>
+        <a:fillRef idx="1">
+          <a:scrgbClr r="0" g="0" b="0"/>
+        </a:fillRef>
+        <a:effectRef idx="1">
+          <a:scrgbClr r="0" g="0" b="0"/>
+        </a:effectRef>
+        <a:fontRef idx="minor"/>
+      </dsp:style>
+    </dsp:sp>
+    <dsp:sp modelId="{8C135606-23DA-42B4-937E-FFDA58E32032}">
+      <dsp:nvSpPr>
+        <dsp:cNvPr id="0" name=""/>
+        <dsp:cNvSpPr/>
+      </dsp:nvSpPr>
+      <dsp:spPr>
+        <a:xfrm rot="16200000">
+          <a:off x="504531" y="465551"/>
+          <a:ext cx="712640" cy="54565"/>
+        </a:xfrm>
+        <a:prstGeom prst="rect">
+          <a:avLst/>
+        </a:prstGeom>
+        <a:noFill/>
+        <a:ln>
+          <a:noFill/>
+        </a:ln>
+        <a:effectLst/>
+      </dsp:spPr>
+      <dsp:style>
+        <a:lnRef idx="0">
+          <a:scrgbClr r="0" g="0" b="0"/>
+        </a:lnRef>
+        <a:fillRef idx="0">
+          <a:scrgbClr r="0" g="0" b="0"/>
+        </a:fillRef>
+        <a:effectRef idx="0">
+          <a:scrgbClr r="0" g="0" b="0"/>
+        </a:effectRef>
+        <a:fontRef idx="minor"/>
+      </dsp:style>
+      <dsp:txBody>
+        <a:bodyPr spcFirstLastPara="0" vert="horz" wrap="square" lIns="0" tIns="0" rIns="48123" bIns="0" numCol="1" spcCol="1270" anchor="t" anchorCtr="0">
+          <a:noAutofit/>
+        </a:bodyPr>
+        <a:lstStyle/>
+        <a:p>
+          <a:pPr lvl="0" algn="r" defTabSz="222250">
+            <a:lnSpc>
+              <a:spcPct val="90000"/>
+            </a:lnSpc>
+            <a:spcBef>
+              <a:spcPct val="0"/>
+            </a:spcBef>
+            <a:spcAft>
+              <a:spcPct val="35000"/>
+            </a:spcAft>
+          </a:pPr>
+          <a:endParaRPr lang="zh-CN" altLang="en-US" sz="500" kern="1200" dirty="0"/>
+        </a:p>
+      </dsp:txBody>
+      <dsp:txXfrm>
+        <a:off x="504531" y="465551"/>
+        <a:ext cx="712640" cy="54565"/>
+      </dsp:txXfrm>
+    </dsp:sp>
+    <dsp:sp modelId="{9CA21789-01D9-408D-A619-4C1C3AD35FAE}">
+      <dsp:nvSpPr>
+        <dsp:cNvPr id="0" name=""/>
+        <dsp:cNvSpPr/>
+      </dsp:nvSpPr>
+      <dsp:spPr>
+        <a:xfrm>
+          <a:off x="888134" y="136513"/>
+          <a:ext cx="271791" cy="712640"/>
+        </a:xfrm>
+        <a:prstGeom prst="rect">
+          <a:avLst/>
+        </a:prstGeom>
+        <a:gradFill rotWithShape="0">
+          <a:gsLst>
+            <a:gs pos="0">
+              <a:schemeClr val="accent2">
+                <a:hueOff val="-242561"/>
+                <a:satOff val="-13988"/>
+                <a:lumOff val="1438"/>
+                <a:alphaOff val="0"/>
+                <a:lumMod val="110000"/>
+                <a:satMod val="105000"/>
+                <a:tint val="67000"/>
+              </a:schemeClr>
+            </a:gs>
+            <a:gs pos="50000">
+              <a:schemeClr val="accent2">
+                <a:hueOff val="-242561"/>
+                <a:satOff val="-13988"/>
+                <a:lumOff val="1438"/>
+                <a:alphaOff val="0"/>
+                <a:lumMod val="105000"/>
+                <a:satMod val="103000"/>
+                <a:tint val="73000"/>
+              </a:schemeClr>
+            </a:gs>
+            <a:gs pos="100000">
+              <a:schemeClr val="accent2">
+                <a:hueOff val="-242561"/>
+                <a:satOff val="-13988"/>
+                <a:lumOff val="1438"/>
+                <a:alphaOff val="0"/>
+                <a:lumMod val="105000"/>
+                <a:satMod val="109000"/>
+                <a:tint val="81000"/>
+              </a:schemeClr>
+            </a:gs>
+          </a:gsLst>
+          <a:lin ang="5400000" scaled="0"/>
+        </a:gradFill>
+        <a:ln>
+          <a:noFill/>
+        </a:ln>
+        <a:effectLst/>
+        <a:scene3d>
+          <a:camera prst="orthographicFront"/>
+          <a:lightRig rig="flat" dir="t"/>
+        </a:scene3d>
+        <a:sp3d prstMaterial="dkEdge">
+          <a:bevelT w="8200" h="38100"/>
+        </a:sp3d>
+      </dsp:spPr>
+      <dsp:style>
+        <a:lnRef idx="0">
+          <a:scrgbClr r="0" g="0" b="0"/>
+        </a:lnRef>
+        <a:fillRef idx="2">
+          <a:scrgbClr r="0" g="0" b="0"/>
+        </a:fillRef>
+        <a:effectRef idx="1">
+          <a:scrgbClr r="0" g="0" b="0"/>
+        </a:effectRef>
+        <a:fontRef idx="minor">
+          <a:schemeClr val="dk1"/>
+        </a:fontRef>
+      </dsp:style>
+    </dsp:sp>
+    <dsp:sp modelId="{C71C6F0E-B9D9-45C8-9F82-AD498AEC5817}">
+      <dsp:nvSpPr>
+        <dsp:cNvPr id="0" name=""/>
+        <dsp:cNvSpPr/>
+      </dsp:nvSpPr>
+      <dsp:spPr>
+        <a:xfrm>
+          <a:off x="833569" y="64487"/>
+          <a:ext cx="109130" cy="109130"/>
+        </a:xfrm>
+        <a:prstGeom prst="rect">
+          <a:avLst/>
+        </a:prstGeom>
+        <a:solidFill>
+          <a:schemeClr val="accent2">
+            <a:tint val="50000"/>
+            <a:hueOff val="-146777"/>
+            <a:satOff val="-12695"/>
+            <a:lumOff val="-127"/>
+            <a:alphaOff val="0"/>
+          </a:schemeClr>
+        </a:solidFill>
+        <a:ln w="6350" cap="flat" cmpd="sng" algn="ctr">
+          <a:solidFill>
+            <a:schemeClr val="lt1">
+              <a:hueOff val="0"/>
+              <a:satOff val="0"/>
+              <a:lumOff val="0"/>
+              <a:alphaOff val="0"/>
+            </a:schemeClr>
+          </a:solidFill>
+          <a:prstDash val="solid"/>
+          <a:miter lim="800000"/>
+        </a:ln>
+        <a:effectLst/>
+      </dsp:spPr>
+      <dsp:style>
+        <a:lnRef idx="1">
+          <a:scrgbClr r="0" g="0" b="0"/>
+        </a:lnRef>
+        <a:fillRef idx="1">
+          <a:scrgbClr r="0" g="0" b="0"/>
+        </a:fillRef>
+        <a:effectRef idx="1">
+          <a:scrgbClr r="0" g="0" b="0"/>
+        </a:effectRef>
+        <a:fontRef idx="minor"/>
+      </dsp:style>
+    </dsp:sp>
+    <dsp:sp modelId="{4DA04833-E601-444E-BC45-694C546BF58C}">
+      <dsp:nvSpPr>
+        <dsp:cNvPr id="0" name=""/>
+        <dsp:cNvSpPr/>
+      </dsp:nvSpPr>
+      <dsp:spPr>
+        <a:xfrm rot="16200000">
+          <a:off x="906135" y="465551"/>
+          <a:ext cx="712640" cy="54565"/>
+        </a:xfrm>
+        <a:prstGeom prst="rect">
+          <a:avLst/>
+        </a:prstGeom>
+        <a:noFill/>
+        <a:ln>
+          <a:noFill/>
+        </a:ln>
+        <a:effectLst/>
+      </dsp:spPr>
+      <dsp:style>
+        <a:lnRef idx="0">
+          <a:scrgbClr r="0" g="0" b="0"/>
+        </a:lnRef>
+        <a:fillRef idx="0">
+          <a:scrgbClr r="0" g="0" b="0"/>
+        </a:fillRef>
+        <a:effectRef idx="0">
+          <a:scrgbClr r="0" g="0" b="0"/>
+        </a:effectRef>
+        <a:fontRef idx="minor"/>
+      </dsp:style>
+      <dsp:txBody>
+        <a:bodyPr spcFirstLastPara="0" vert="horz" wrap="square" lIns="0" tIns="0" rIns="48123" bIns="0" numCol="1" spcCol="1270" anchor="t" anchorCtr="0">
+          <a:noAutofit/>
+        </a:bodyPr>
+        <a:lstStyle/>
+        <a:p>
+          <a:pPr lvl="0" algn="r" defTabSz="222250">
+            <a:lnSpc>
+              <a:spcPct val="90000"/>
+            </a:lnSpc>
+            <a:spcBef>
+              <a:spcPct val="0"/>
+            </a:spcBef>
+            <a:spcAft>
+              <a:spcPct val="35000"/>
+            </a:spcAft>
+          </a:pPr>
+          <a:endParaRPr lang="zh-CN" altLang="en-US" sz="500" kern="1200" dirty="0"/>
+        </a:p>
+      </dsp:txBody>
+      <dsp:txXfrm>
+        <a:off x="906135" y="465551"/>
+        <a:ext cx="712640" cy="54565"/>
+      </dsp:txXfrm>
+    </dsp:sp>
+    <dsp:sp modelId="{8AB52223-A682-41A2-929B-33CA9C6F3BD8}">
+      <dsp:nvSpPr>
+        <dsp:cNvPr id="0" name=""/>
+        <dsp:cNvSpPr/>
+      </dsp:nvSpPr>
+      <dsp:spPr>
+        <a:xfrm>
+          <a:off x="1289738" y="136513"/>
+          <a:ext cx="271791" cy="712640"/>
+        </a:xfrm>
+        <a:prstGeom prst="rect">
+          <a:avLst/>
+        </a:prstGeom>
+        <a:gradFill rotWithShape="0">
+          <a:gsLst>
+            <a:gs pos="0">
+              <a:schemeClr val="accent2">
+                <a:hueOff val="-363841"/>
+                <a:satOff val="-20982"/>
+                <a:lumOff val="2157"/>
+                <a:alphaOff val="0"/>
+                <a:lumMod val="110000"/>
+                <a:satMod val="105000"/>
+                <a:tint val="67000"/>
+              </a:schemeClr>
+            </a:gs>
+            <a:gs pos="50000">
+              <a:schemeClr val="accent2">
+                <a:hueOff val="-363841"/>
+                <a:satOff val="-20982"/>
+                <a:lumOff val="2157"/>
+                <a:alphaOff val="0"/>
+                <a:lumMod val="105000"/>
+                <a:satMod val="103000"/>
+                <a:tint val="73000"/>
+              </a:schemeClr>
+            </a:gs>
+            <a:gs pos="100000">
+              <a:schemeClr val="accent2">
+                <a:hueOff val="-363841"/>
+                <a:satOff val="-20982"/>
+                <a:lumOff val="2157"/>
+                <a:alphaOff val="0"/>
+                <a:lumMod val="105000"/>
+                <a:satMod val="109000"/>
+                <a:tint val="81000"/>
+              </a:schemeClr>
+            </a:gs>
+          </a:gsLst>
+          <a:lin ang="5400000" scaled="0"/>
+        </a:gradFill>
+        <a:ln>
+          <a:noFill/>
+        </a:ln>
+        <a:effectLst/>
+        <a:scene3d>
+          <a:camera prst="orthographicFront"/>
+          <a:lightRig rig="flat" dir="t"/>
+        </a:scene3d>
+        <a:sp3d prstMaterial="dkEdge">
+          <a:bevelT w="8200" h="38100"/>
+        </a:sp3d>
+      </dsp:spPr>
+      <dsp:style>
+        <a:lnRef idx="0">
+          <a:scrgbClr r="0" g="0" b="0"/>
+        </a:lnRef>
+        <a:fillRef idx="2">
+          <a:scrgbClr r="0" g="0" b="0"/>
+        </a:fillRef>
+        <a:effectRef idx="1">
+          <a:scrgbClr r="0" g="0" b="0"/>
+        </a:effectRef>
+        <a:fontRef idx="minor">
+          <a:schemeClr val="dk1"/>
+        </a:fontRef>
+      </dsp:style>
+    </dsp:sp>
+    <dsp:sp modelId="{7B3EEAC4-71C3-4489-9E0C-CCBD6831E167}">
+      <dsp:nvSpPr>
+        <dsp:cNvPr id="0" name=""/>
+        <dsp:cNvSpPr/>
+      </dsp:nvSpPr>
+      <dsp:spPr>
+        <a:xfrm>
+          <a:off x="1235173" y="64487"/>
+          <a:ext cx="109130" cy="109130"/>
+        </a:xfrm>
+        <a:prstGeom prst="rect">
+          <a:avLst/>
+        </a:prstGeom>
+        <a:solidFill>
+          <a:schemeClr val="accent2">
+            <a:tint val="50000"/>
+            <a:hueOff val="-220166"/>
+            <a:satOff val="-19042"/>
+            <a:lumOff val="-190"/>
+            <a:alphaOff val="0"/>
+          </a:schemeClr>
+        </a:solidFill>
+        <a:ln w="6350" cap="flat" cmpd="sng" algn="ctr">
+          <a:solidFill>
+            <a:schemeClr val="lt1">
+              <a:hueOff val="0"/>
+              <a:satOff val="0"/>
+              <a:lumOff val="0"/>
+              <a:alphaOff val="0"/>
+            </a:schemeClr>
+          </a:solidFill>
+          <a:prstDash val="solid"/>
+          <a:miter lim="800000"/>
+        </a:ln>
+        <a:effectLst/>
+      </dsp:spPr>
+      <dsp:style>
+        <a:lnRef idx="1">
+          <a:scrgbClr r="0" g="0" b="0"/>
+        </a:lnRef>
+        <a:fillRef idx="1">
+          <a:scrgbClr r="0" g="0" b="0"/>
+        </a:fillRef>
+        <a:effectRef idx="1">
+          <a:scrgbClr r="0" g="0" b="0"/>
+        </a:effectRef>
+        <a:fontRef idx="minor"/>
+      </dsp:style>
+    </dsp:sp>
+    <dsp:sp modelId="{5120A19E-1A73-4260-B650-57AC5F42E144}">
+      <dsp:nvSpPr>
+        <dsp:cNvPr id="0" name=""/>
+        <dsp:cNvSpPr/>
+      </dsp:nvSpPr>
+      <dsp:spPr>
+        <a:xfrm rot="16200000">
+          <a:off x="1307740" y="465551"/>
+          <a:ext cx="712640" cy="54565"/>
+        </a:xfrm>
+        <a:prstGeom prst="rect">
+          <a:avLst/>
+        </a:prstGeom>
+        <a:noFill/>
+        <a:ln>
+          <a:noFill/>
+        </a:ln>
+        <a:effectLst/>
+      </dsp:spPr>
+      <dsp:style>
+        <a:lnRef idx="0">
+          <a:scrgbClr r="0" g="0" b="0"/>
+        </a:lnRef>
+        <a:fillRef idx="0">
+          <a:scrgbClr r="0" g="0" b="0"/>
+        </a:fillRef>
+        <a:effectRef idx="0">
+          <a:scrgbClr r="0" g="0" b="0"/>
+        </a:effectRef>
+        <a:fontRef idx="minor"/>
+      </dsp:style>
+      <dsp:txBody>
+        <a:bodyPr spcFirstLastPara="0" vert="horz" wrap="square" lIns="0" tIns="0" rIns="48123" bIns="0" numCol="1" spcCol="1270" anchor="t" anchorCtr="0">
+          <a:noAutofit/>
+        </a:bodyPr>
+        <a:lstStyle/>
+        <a:p>
+          <a:pPr lvl="0" algn="r" defTabSz="222250">
+            <a:lnSpc>
+              <a:spcPct val="90000"/>
+            </a:lnSpc>
+            <a:spcBef>
+              <a:spcPct val="0"/>
+            </a:spcBef>
+            <a:spcAft>
+              <a:spcPct val="35000"/>
+            </a:spcAft>
+          </a:pPr>
+          <a:endParaRPr lang="zh-CN" altLang="en-US" sz="500" kern="1200" dirty="0"/>
+        </a:p>
+      </dsp:txBody>
+      <dsp:txXfrm>
+        <a:off x="1307740" y="465551"/>
+        <a:ext cx="712640" cy="54565"/>
+      </dsp:txXfrm>
+    </dsp:sp>
+    <dsp:sp modelId="{CB25D1A7-A610-448A-89DC-DA6F7DFF0D5B}">
+      <dsp:nvSpPr>
+        <dsp:cNvPr id="0" name=""/>
+        <dsp:cNvSpPr/>
+      </dsp:nvSpPr>
+      <dsp:spPr>
+        <a:xfrm>
+          <a:off x="1691343" y="136513"/>
+          <a:ext cx="271791" cy="712640"/>
+        </a:xfrm>
+        <a:prstGeom prst="rect">
+          <a:avLst/>
+        </a:prstGeom>
+        <a:gradFill rotWithShape="0">
+          <a:gsLst>
+            <a:gs pos="0">
+              <a:schemeClr val="accent2">
+                <a:hueOff val="-485121"/>
+                <a:satOff val="-27976"/>
+                <a:lumOff val="2876"/>
+                <a:alphaOff val="0"/>
+                <a:lumMod val="110000"/>
+                <a:satMod val="105000"/>
+                <a:tint val="67000"/>
+              </a:schemeClr>
+            </a:gs>
+            <a:gs pos="50000">
+              <a:schemeClr val="accent2">
+                <a:hueOff val="-485121"/>
+                <a:satOff val="-27976"/>
+                <a:lumOff val="2876"/>
+                <a:alphaOff val="0"/>
+                <a:lumMod val="105000"/>
+                <a:satMod val="103000"/>
+                <a:tint val="73000"/>
+              </a:schemeClr>
+            </a:gs>
+            <a:gs pos="100000">
+              <a:schemeClr val="accent2">
+                <a:hueOff val="-485121"/>
+                <a:satOff val="-27976"/>
+                <a:lumOff val="2876"/>
+                <a:alphaOff val="0"/>
+                <a:lumMod val="105000"/>
+                <a:satMod val="109000"/>
+                <a:tint val="81000"/>
+              </a:schemeClr>
+            </a:gs>
+          </a:gsLst>
+          <a:lin ang="5400000" scaled="0"/>
+        </a:gradFill>
+        <a:ln>
+          <a:noFill/>
+        </a:ln>
+        <a:effectLst/>
+        <a:scene3d>
+          <a:camera prst="orthographicFront"/>
+          <a:lightRig rig="flat" dir="t"/>
+        </a:scene3d>
+        <a:sp3d prstMaterial="dkEdge">
+          <a:bevelT w="8200" h="38100"/>
+        </a:sp3d>
+      </dsp:spPr>
+      <dsp:style>
+        <a:lnRef idx="0">
+          <a:scrgbClr r="0" g="0" b="0"/>
+        </a:lnRef>
+        <a:fillRef idx="2">
+          <a:scrgbClr r="0" g="0" b="0"/>
+        </a:fillRef>
+        <a:effectRef idx="1">
+          <a:scrgbClr r="0" g="0" b="0"/>
+        </a:effectRef>
+        <a:fontRef idx="minor">
+          <a:schemeClr val="dk1"/>
+        </a:fontRef>
+      </dsp:style>
+    </dsp:sp>
+    <dsp:sp modelId="{6740D071-050F-4F15-8EA1-384B05BAB9AB}">
+      <dsp:nvSpPr>
+        <dsp:cNvPr id="0" name=""/>
+        <dsp:cNvSpPr/>
+      </dsp:nvSpPr>
+      <dsp:spPr>
+        <a:xfrm>
+          <a:off x="1636778" y="64487"/>
+          <a:ext cx="109130" cy="109130"/>
+        </a:xfrm>
+        <a:prstGeom prst="rect">
+          <a:avLst/>
+        </a:prstGeom>
+        <a:solidFill>
+          <a:schemeClr val="accent2">
+            <a:tint val="50000"/>
+            <a:hueOff val="-293554"/>
+            <a:satOff val="-25390"/>
+            <a:lumOff val="-254"/>
+            <a:alphaOff val="0"/>
+          </a:schemeClr>
+        </a:solidFill>
+        <a:ln w="6350" cap="flat" cmpd="sng" algn="ctr">
+          <a:solidFill>
+            <a:schemeClr val="lt1">
+              <a:hueOff val="0"/>
+              <a:satOff val="0"/>
+              <a:lumOff val="0"/>
+              <a:alphaOff val="0"/>
+            </a:schemeClr>
+          </a:solidFill>
+          <a:prstDash val="solid"/>
+          <a:miter lim="800000"/>
+        </a:ln>
+        <a:effectLst/>
+      </dsp:spPr>
+      <dsp:style>
+        <a:lnRef idx="1">
+          <a:scrgbClr r="0" g="0" b="0"/>
+        </a:lnRef>
+        <a:fillRef idx="1">
+          <a:scrgbClr r="0" g="0" b="0"/>
+        </a:fillRef>
+        <a:effectRef idx="1">
+          <a:scrgbClr r="0" g="0" b="0"/>
+        </a:effectRef>
+        <a:fontRef idx="minor"/>
+      </dsp:style>
+    </dsp:sp>
+    <dsp:sp modelId="{0C1946F9-11B7-408F-88E5-717F961D17E6}">
+      <dsp:nvSpPr>
+        <dsp:cNvPr id="0" name=""/>
+        <dsp:cNvSpPr/>
+      </dsp:nvSpPr>
+      <dsp:spPr>
+        <a:xfrm rot="16200000">
+          <a:off x="1709344" y="465551"/>
+          <a:ext cx="712640" cy="54565"/>
+        </a:xfrm>
+        <a:prstGeom prst="rect">
+          <a:avLst/>
+        </a:prstGeom>
+        <a:noFill/>
+        <a:ln>
+          <a:noFill/>
+        </a:ln>
+        <a:effectLst/>
+      </dsp:spPr>
+      <dsp:style>
+        <a:lnRef idx="0">
+          <a:scrgbClr r="0" g="0" b="0"/>
+        </a:lnRef>
+        <a:fillRef idx="0">
+          <a:scrgbClr r="0" g="0" b="0"/>
+        </a:fillRef>
+        <a:effectRef idx="0">
+          <a:scrgbClr r="0" g="0" b="0"/>
+        </a:effectRef>
+        <a:fontRef idx="minor"/>
+      </dsp:style>
+      <dsp:txBody>
+        <a:bodyPr spcFirstLastPara="0" vert="horz" wrap="square" lIns="0" tIns="0" rIns="48123" bIns="0" numCol="1" spcCol="1270" anchor="t" anchorCtr="0">
+          <a:noAutofit/>
+        </a:bodyPr>
+        <a:lstStyle/>
+        <a:p>
+          <a:pPr lvl="0" algn="r" defTabSz="222250">
+            <a:lnSpc>
+              <a:spcPct val="90000"/>
+            </a:lnSpc>
+            <a:spcBef>
+              <a:spcPct val="0"/>
+            </a:spcBef>
+            <a:spcAft>
+              <a:spcPct val="35000"/>
+            </a:spcAft>
+          </a:pPr>
+          <a:endParaRPr lang="zh-CN" altLang="en-US" sz="500" kern="1200" dirty="0"/>
+        </a:p>
+      </dsp:txBody>
+      <dsp:txXfrm>
+        <a:off x="1709344" y="465551"/>
+        <a:ext cx="712640" cy="54565"/>
+      </dsp:txXfrm>
+    </dsp:sp>
+    <dsp:sp modelId="{2A680966-64FB-448B-AE29-C33F37942442}">
+      <dsp:nvSpPr>
+        <dsp:cNvPr id="0" name=""/>
+        <dsp:cNvSpPr/>
+      </dsp:nvSpPr>
+      <dsp:spPr>
+        <a:xfrm>
+          <a:off x="2092947" y="136513"/>
+          <a:ext cx="271791" cy="712640"/>
+        </a:xfrm>
+        <a:prstGeom prst="rect">
+          <a:avLst/>
+        </a:prstGeom>
+        <a:gradFill rotWithShape="0">
+          <a:gsLst>
+            <a:gs pos="0">
+              <a:schemeClr val="accent2">
+                <a:hueOff val="-606401"/>
+                <a:satOff val="-34970"/>
+                <a:lumOff val="3595"/>
+                <a:alphaOff val="0"/>
+                <a:lumMod val="110000"/>
+                <a:satMod val="105000"/>
+                <a:tint val="67000"/>
+              </a:schemeClr>
+            </a:gs>
+            <a:gs pos="50000">
+              <a:schemeClr val="accent2">
+                <a:hueOff val="-606401"/>
+                <a:satOff val="-34970"/>
+                <a:lumOff val="3595"/>
+                <a:alphaOff val="0"/>
+                <a:lumMod val="105000"/>
+                <a:satMod val="103000"/>
+                <a:tint val="73000"/>
+              </a:schemeClr>
+            </a:gs>
+            <a:gs pos="100000">
+              <a:schemeClr val="accent2">
+                <a:hueOff val="-606401"/>
+                <a:satOff val="-34970"/>
+                <a:lumOff val="3595"/>
+                <a:alphaOff val="0"/>
+                <a:lumMod val="105000"/>
+                <a:satMod val="109000"/>
+                <a:tint val="81000"/>
+              </a:schemeClr>
+            </a:gs>
+          </a:gsLst>
+          <a:lin ang="5400000" scaled="0"/>
+        </a:gradFill>
+        <a:ln>
+          <a:noFill/>
+        </a:ln>
+        <a:effectLst/>
+        <a:scene3d>
+          <a:camera prst="orthographicFront"/>
+          <a:lightRig rig="flat" dir="t"/>
+        </a:scene3d>
+        <a:sp3d prstMaterial="dkEdge">
+          <a:bevelT w="8200" h="38100"/>
+        </a:sp3d>
+      </dsp:spPr>
+      <dsp:style>
+        <a:lnRef idx="0">
+          <a:scrgbClr r="0" g="0" b="0"/>
+        </a:lnRef>
+        <a:fillRef idx="2">
+          <a:scrgbClr r="0" g="0" b="0"/>
+        </a:fillRef>
+        <a:effectRef idx="1">
+          <a:scrgbClr r="0" g="0" b="0"/>
+        </a:effectRef>
+        <a:fontRef idx="minor">
+          <a:schemeClr val="dk1"/>
+        </a:fontRef>
+      </dsp:style>
+    </dsp:sp>
+    <dsp:sp modelId="{AB44EBCA-04A1-4600-B671-C0E9B73F6613}">
+      <dsp:nvSpPr>
+        <dsp:cNvPr id="0" name=""/>
+        <dsp:cNvSpPr/>
+      </dsp:nvSpPr>
+      <dsp:spPr>
+        <a:xfrm>
+          <a:off x="2038382" y="64487"/>
+          <a:ext cx="109130" cy="109130"/>
+        </a:xfrm>
+        <a:prstGeom prst="rect">
+          <a:avLst/>
+        </a:prstGeom>
+        <a:solidFill>
+          <a:schemeClr val="accent2">
+            <a:tint val="50000"/>
+            <a:hueOff val="-366943"/>
+            <a:satOff val="-31737"/>
+            <a:lumOff val="-317"/>
+            <a:alphaOff val="0"/>
+          </a:schemeClr>
+        </a:solidFill>
+        <a:ln w="6350" cap="flat" cmpd="sng" algn="ctr">
+          <a:solidFill>
+            <a:schemeClr val="lt1">
+              <a:hueOff val="0"/>
+              <a:satOff val="0"/>
+              <a:lumOff val="0"/>
+              <a:alphaOff val="0"/>
+            </a:schemeClr>
+          </a:solidFill>
+          <a:prstDash val="solid"/>
+          <a:miter lim="800000"/>
+        </a:ln>
+        <a:effectLst/>
+      </dsp:spPr>
+      <dsp:style>
+        <a:lnRef idx="1">
+          <a:scrgbClr r="0" g="0" b="0"/>
+        </a:lnRef>
+        <a:fillRef idx="1">
+          <a:scrgbClr r="0" g="0" b="0"/>
+        </a:fillRef>
+        <a:effectRef idx="1">
+          <a:scrgbClr r="0" g="0" b="0"/>
+        </a:effectRef>
+        <a:fontRef idx="minor"/>
+      </dsp:style>
+    </dsp:sp>
+    <dsp:sp modelId="{24893DC8-39B5-4DBA-9F7C-115AE7447EE2}">
+      <dsp:nvSpPr>
+        <dsp:cNvPr id="0" name=""/>
+        <dsp:cNvSpPr/>
+      </dsp:nvSpPr>
+      <dsp:spPr>
+        <a:xfrm rot="16200000">
+          <a:off x="2110948" y="465551"/>
+          <a:ext cx="712640" cy="54565"/>
+        </a:xfrm>
+        <a:prstGeom prst="rect">
+          <a:avLst/>
+        </a:prstGeom>
+        <a:noFill/>
+        <a:ln>
+          <a:noFill/>
+        </a:ln>
+        <a:effectLst/>
+      </dsp:spPr>
+      <dsp:style>
+        <a:lnRef idx="0">
+          <a:scrgbClr r="0" g="0" b="0"/>
+        </a:lnRef>
+        <a:fillRef idx="0">
+          <a:scrgbClr r="0" g="0" b="0"/>
+        </a:fillRef>
+        <a:effectRef idx="0">
+          <a:scrgbClr r="0" g="0" b="0"/>
+        </a:effectRef>
+        <a:fontRef idx="minor"/>
+      </dsp:style>
+      <dsp:txBody>
+        <a:bodyPr spcFirstLastPara="0" vert="horz" wrap="square" lIns="0" tIns="0" rIns="48123" bIns="0" numCol="1" spcCol="1270" anchor="t" anchorCtr="0">
+          <a:noAutofit/>
+        </a:bodyPr>
+        <a:lstStyle/>
+        <a:p>
+          <a:pPr lvl="0" algn="r" defTabSz="222250">
+            <a:lnSpc>
+              <a:spcPct val="90000"/>
+            </a:lnSpc>
+            <a:spcBef>
+              <a:spcPct val="0"/>
+            </a:spcBef>
+            <a:spcAft>
+              <a:spcPct val="35000"/>
+            </a:spcAft>
+          </a:pPr>
+          <a:endParaRPr lang="zh-CN" altLang="en-US" sz="500" kern="1200" dirty="0"/>
+        </a:p>
+      </dsp:txBody>
+      <dsp:txXfrm>
+        <a:off x="2110948" y="465551"/>
+        <a:ext cx="712640" cy="54565"/>
+      </dsp:txXfrm>
+    </dsp:sp>
+    <dsp:sp modelId="{7DDF7BBD-71E0-468E-BBDE-DDFCDB7D1F74}">
+      <dsp:nvSpPr>
+        <dsp:cNvPr id="0" name=""/>
+        <dsp:cNvSpPr/>
+      </dsp:nvSpPr>
+      <dsp:spPr>
+        <a:xfrm>
+          <a:off x="2494551" y="136513"/>
+          <a:ext cx="271791" cy="712640"/>
+        </a:xfrm>
+        <a:prstGeom prst="rect">
+          <a:avLst/>
+        </a:prstGeom>
+        <a:gradFill rotWithShape="0">
+          <a:gsLst>
+            <a:gs pos="0">
+              <a:schemeClr val="accent2">
+                <a:hueOff val="-727682"/>
+                <a:satOff val="-41964"/>
+                <a:lumOff val="4314"/>
+                <a:alphaOff val="0"/>
+                <a:lumMod val="110000"/>
+                <a:satMod val="105000"/>
+                <a:tint val="67000"/>
+              </a:schemeClr>
+            </a:gs>
+            <a:gs pos="50000">
+              <a:schemeClr val="accent2">
+                <a:hueOff val="-727682"/>
+                <a:satOff val="-41964"/>
+                <a:lumOff val="4314"/>
+                <a:alphaOff val="0"/>
+                <a:lumMod val="105000"/>
+                <a:satMod val="103000"/>
+                <a:tint val="73000"/>
+              </a:schemeClr>
+            </a:gs>
+            <a:gs pos="100000">
+              <a:schemeClr val="accent2">
+                <a:hueOff val="-727682"/>
+                <a:satOff val="-41964"/>
+                <a:lumOff val="4314"/>
+                <a:alphaOff val="0"/>
+                <a:lumMod val="105000"/>
+                <a:satMod val="109000"/>
+                <a:tint val="81000"/>
+              </a:schemeClr>
+            </a:gs>
+          </a:gsLst>
+          <a:lin ang="5400000" scaled="0"/>
+        </a:gradFill>
+        <a:ln>
+          <a:noFill/>
+        </a:ln>
+        <a:effectLst/>
+        <a:scene3d>
+          <a:camera prst="orthographicFront"/>
+          <a:lightRig rig="flat" dir="t"/>
+        </a:scene3d>
+        <a:sp3d prstMaterial="dkEdge">
+          <a:bevelT w="8200" h="38100"/>
+        </a:sp3d>
+      </dsp:spPr>
+      <dsp:style>
+        <a:lnRef idx="0">
+          <a:scrgbClr r="0" g="0" b="0"/>
+        </a:lnRef>
+        <a:fillRef idx="2">
+          <a:scrgbClr r="0" g="0" b="0"/>
+        </a:fillRef>
+        <a:effectRef idx="1">
+          <a:scrgbClr r="0" g="0" b="0"/>
+        </a:effectRef>
+        <a:fontRef idx="minor">
+          <a:schemeClr val="dk1"/>
+        </a:fontRef>
+      </dsp:style>
+    </dsp:sp>
+    <dsp:sp modelId="{43698212-3BE7-4E25-9DBC-FF077000E111}">
+      <dsp:nvSpPr>
+        <dsp:cNvPr id="0" name=""/>
+        <dsp:cNvSpPr/>
+      </dsp:nvSpPr>
+      <dsp:spPr>
+        <a:xfrm>
+          <a:off x="2439986" y="64487"/>
+          <a:ext cx="109130" cy="109130"/>
+        </a:xfrm>
+        <a:prstGeom prst="rect">
+          <a:avLst/>
+        </a:prstGeom>
+        <a:solidFill>
+          <a:schemeClr val="accent2">
+            <a:tint val="50000"/>
+            <a:hueOff val="-440331"/>
+            <a:satOff val="-38085"/>
+            <a:lumOff val="-381"/>
+            <a:alphaOff val="0"/>
+          </a:schemeClr>
+        </a:solidFill>
+        <a:ln w="6350" cap="flat" cmpd="sng" algn="ctr">
+          <a:solidFill>
+            <a:schemeClr val="lt1">
+              <a:hueOff val="0"/>
+              <a:satOff val="0"/>
+              <a:lumOff val="0"/>
+              <a:alphaOff val="0"/>
+            </a:schemeClr>
+          </a:solidFill>
+          <a:prstDash val="solid"/>
+          <a:miter lim="800000"/>
+        </a:ln>
+        <a:effectLst/>
+      </dsp:spPr>
+      <dsp:style>
+        <a:lnRef idx="1">
+          <a:scrgbClr r="0" g="0" b="0"/>
+        </a:lnRef>
+        <a:fillRef idx="1">
+          <a:scrgbClr r="0" g="0" b="0"/>
+        </a:fillRef>
+        <a:effectRef idx="1">
+          <a:scrgbClr r="0" g="0" b="0"/>
+        </a:effectRef>
+        <a:fontRef idx="minor"/>
+      </dsp:style>
+    </dsp:sp>
+    <dsp:sp modelId="{0D3BD964-AF3E-4BF9-95F5-A8D50855F96F}">
+      <dsp:nvSpPr>
+        <dsp:cNvPr id="0" name=""/>
+        <dsp:cNvSpPr/>
+      </dsp:nvSpPr>
+      <dsp:spPr>
+        <a:xfrm rot="16200000">
+          <a:off x="2512553" y="465551"/>
+          <a:ext cx="712640" cy="54565"/>
+        </a:xfrm>
+        <a:prstGeom prst="rect">
+          <a:avLst/>
+        </a:prstGeom>
+        <a:noFill/>
+        <a:ln>
+          <a:noFill/>
+        </a:ln>
+        <a:effectLst/>
+      </dsp:spPr>
+      <dsp:style>
+        <a:lnRef idx="0">
+          <a:scrgbClr r="0" g="0" b="0"/>
+        </a:lnRef>
+        <a:fillRef idx="0">
+          <a:scrgbClr r="0" g="0" b="0"/>
+        </a:fillRef>
+        <a:effectRef idx="0">
+          <a:scrgbClr r="0" g="0" b="0"/>
+        </a:effectRef>
+        <a:fontRef idx="minor"/>
+      </dsp:style>
+      <dsp:txBody>
+        <a:bodyPr spcFirstLastPara="0" vert="horz" wrap="square" lIns="0" tIns="0" rIns="48123" bIns="0" numCol="1" spcCol="1270" anchor="t" anchorCtr="0">
+          <a:noAutofit/>
+        </a:bodyPr>
+        <a:lstStyle/>
+        <a:p>
+          <a:pPr lvl="0" algn="r" defTabSz="222250">
+            <a:lnSpc>
+              <a:spcPct val="90000"/>
+            </a:lnSpc>
+            <a:spcBef>
+              <a:spcPct val="0"/>
+            </a:spcBef>
+            <a:spcAft>
+              <a:spcPct val="35000"/>
+            </a:spcAft>
+          </a:pPr>
+          <a:endParaRPr lang="zh-CN" altLang="en-US" sz="500" kern="1200" dirty="0"/>
+        </a:p>
+      </dsp:txBody>
+      <dsp:txXfrm>
+        <a:off x="2512553" y="465551"/>
+        <a:ext cx="712640" cy="54565"/>
+      </dsp:txXfrm>
+    </dsp:sp>
+    <dsp:sp modelId="{8CFB1E16-5830-47FC-9D64-A16C11EA6C92}">
+      <dsp:nvSpPr>
+        <dsp:cNvPr id="0" name=""/>
+        <dsp:cNvSpPr/>
+      </dsp:nvSpPr>
+      <dsp:spPr>
+        <a:xfrm>
+          <a:off x="2896156" y="136513"/>
+          <a:ext cx="271791" cy="712640"/>
+        </a:xfrm>
+        <a:prstGeom prst="rect">
+          <a:avLst/>
+        </a:prstGeom>
+        <a:gradFill rotWithShape="0">
+          <a:gsLst>
+            <a:gs pos="0">
+              <a:schemeClr val="accent2">
+                <a:hueOff val="-848962"/>
+                <a:satOff val="-48958"/>
+                <a:lumOff val="5033"/>
+                <a:alphaOff val="0"/>
+                <a:lumMod val="110000"/>
+                <a:satMod val="105000"/>
+                <a:tint val="67000"/>
+              </a:schemeClr>
+            </a:gs>
+            <a:gs pos="50000">
+              <a:schemeClr val="accent2">
+                <a:hueOff val="-848962"/>
+                <a:satOff val="-48958"/>
+                <a:lumOff val="5033"/>
+                <a:alphaOff val="0"/>
+                <a:lumMod val="105000"/>
+                <a:satMod val="103000"/>
+                <a:tint val="73000"/>
+              </a:schemeClr>
+            </a:gs>
+            <a:gs pos="100000">
+              <a:schemeClr val="accent2">
+                <a:hueOff val="-848962"/>
+                <a:satOff val="-48958"/>
+                <a:lumOff val="5033"/>
+                <a:alphaOff val="0"/>
+                <a:lumMod val="105000"/>
+                <a:satMod val="109000"/>
+                <a:tint val="81000"/>
+              </a:schemeClr>
+            </a:gs>
+          </a:gsLst>
+          <a:lin ang="5400000" scaled="0"/>
+        </a:gradFill>
+        <a:ln>
+          <a:noFill/>
+        </a:ln>
+        <a:effectLst/>
+        <a:scene3d>
+          <a:camera prst="orthographicFront"/>
+          <a:lightRig rig="flat" dir="t"/>
+        </a:scene3d>
+        <a:sp3d prstMaterial="dkEdge">
+          <a:bevelT w="8200" h="38100"/>
+        </a:sp3d>
+      </dsp:spPr>
+      <dsp:style>
+        <a:lnRef idx="0">
+          <a:scrgbClr r="0" g="0" b="0"/>
+        </a:lnRef>
+        <a:fillRef idx="2">
+          <a:scrgbClr r="0" g="0" b="0"/>
+        </a:fillRef>
+        <a:effectRef idx="1">
+          <a:scrgbClr r="0" g="0" b="0"/>
+        </a:effectRef>
+        <a:fontRef idx="minor">
+          <a:schemeClr val="dk1"/>
+        </a:fontRef>
+      </dsp:style>
+    </dsp:sp>
+    <dsp:sp modelId="{EFD502D9-C39D-4166-ADD5-1A1DD34F9016}">
+      <dsp:nvSpPr>
+        <dsp:cNvPr id="0" name=""/>
+        <dsp:cNvSpPr/>
+      </dsp:nvSpPr>
+      <dsp:spPr>
+        <a:xfrm>
+          <a:off x="2841591" y="64487"/>
+          <a:ext cx="109130" cy="109130"/>
+        </a:xfrm>
+        <a:prstGeom prst="rect">
+          <a:avLst/>
+        </a:prstGeom>
+        <a:solidFill>
+          <a:schemeClr val="accent2">
+            <a:tint val="50000"/>
+            <a:hueOff val="-513720"/>
+            <a:satOff val="-44432"/>
+            <a:lumOff val="-444"/>
+            <a:alphaOff val="0"/>
+          </a:schemeClr>
+        </a:solidFill>
+        <a:ln w="6350" cap="flat" cmpd="sng" algn="ctr">
+          <a:solidFill>
+            <a:schemeClr val="lt1">
+              <a:hueOff val="0"/>
+              <a:satOff val="0"/>
+              <a:lumOff val="0"/>
+              <a:alphaOff val="0"/>
+            </a:schemeClr>
+          </a:solidFill>
+          <a:prstDash val="solid"/>
+          <a:miter lim="800000"/>
+        </a:ln>
+        <a:effectLst/>
+      </dsp:spPr>
+      <dsp:style>
+        <a:lnRef idx="1">
+          <a:scrgbClr r="0" g="0" b="0"/>
+        </a:lnRef>
+        <a:fillRef idx="1">
+          <a:scrgbClr r="0" g="0" b="0"/>
+        </a:fillRef>
+        <a:effectRef idx="1">
+          <a:scrgbClr r="0" g="0" b="0"/>
+        </a:effectRef>
+        <a:fontRef idx="minor"/>
+      </dsp:style>
+    </dsp:sp>
+    <dsp:sp modelId="{ECB2A7A1-6A64-44BB-BF7A-2B1D2A6F3F79}">
+      <dsp:nvSpPr>
+        <dsp:cNvPr id="0" name=""/>
+        <dsp:cNvSpPr/>
+      </dsp:nvSpPr>
+      <dsp:spPr>
+        <a:xfrm rot="16200000">
+          <a:off x="2914157" y="465551"/>
+          <a:ext cx="712640" cy="54565"/>
+        </a:xfrm>
+        <a:prstGeom prst="rect">
+          <a:avLst/>
+        </a:prstGeom>
+        <a:noFill/>
+        <a:ln>
+          <a:noFill/>
+        </a:ln>
+        <a:effectLst/>
+      </dsp:spPr>
+      <dsp:style>
+        <a:lnRef idx="0">
+          <a:scrgbClr r="0" g="0" b="0"/>
+        </a:lnRef>
+        <a:fillRef idx="0">
+          <a:scrgbClr r="0" g="0" b="0"/>
+        </a:fillRef>
+        <a:effectRef idx="0">
+          <a:scrgbClr r="0" g="0" b="0"/>
+        </a:effectRef>
+        <a:fontRef idx="minor"/>
+      </dsp:style>
+      <dsp:txBody>
+        <a:bodyPr spcFirstLastPara="0" vert="horz" wrap="square" lIns="0" tIns="0" rIns="48123" bIns="0" numCol="1" spcCol="1270" anchor="t" anchorCtr="0">
+          <a:noAutofit/>
+        </a:bodyPr>
+        <a:lstStyle/>
+        <a:p>
+          <a:pPr lvl="0" algn="r" defTabSz="222250">
+            <a:lnSpc>
+              <a:spcPct val="90000"/>
+            </a:lnSpc>
+            <a:spcBef>
+              <a:spcPct val="0"/>
+            </a:spcBef>
+            <a:spcAft>
+              <a:spcPct val="35000"/>
+            </a:spcAft>
+          </a:pPr>
+          <a:endParaRPr lang="zh-CN" altLang="en-US" sz="500" kern="1200" dirty="0"/>
+        </a:p>
+      </dsp:txBody>
+      <dsp:txXfrm>
+        <a:off x="2914157" y="465551"/>
+        <a:ext cx="712640" cy="54565"/>
+      </dsp:txXfrm>
+    </dsp:sp>
+    <dsp:sp modelId="{93E1B6B9-6599-428E-8F18-66DBE82D2457}">
+      <dsp:nvSpPr>
+        <dsp:cNvPr id="0" name=""/>
+        <dsp:cNvSpPr/>
+      </dsp:nvSpPr>
+      <dsp:spPr>
+        <a:xfrm>
+          <a:off x="3297760" y="136513"/>
+          <a:ext cx="271791" cy="712640"/>
+        </a:xfrm>
+        <a:prstGeom prst="rect">
+          <a:avLst/>
+        </a:prstGeom>
+        <a:gradFill rotWithShape="0">
+          <a:gsLst>
+            <a:gs pos="0">
+              <a:schemeClr val="accent2">
+                <a:hueOff val="-970242"/>
+                <a:satOff val="-55952"/>
+                <a:lumOff val="5752"/>
+                <a:alphaOff val="0"/>
+                <a:lumMod val="110000"/>
+                <a:satMod val="105000"/>
+                <a:tint val="67000"/>
+              </a:schemeClr>
+            </a:gs>
+            <a:gs pos="50000">
+              <a:schemeClr val="accent2">
+                <a:hueOff val="-970242"/>
+                <a:satOff val="-55952"/>
+                <a:lumOff val="5752"/>
+                <a:alphaOff val="0"/>
+                <a:lumMod val="105000"/>
+                <a:satMod val="103000"/>
+                <a:tint val="73000"/>
+              </a:schemeClr>
+            </a:gs>
+            <a:gs pos="100000">
+              <a:schemeClr val="accent2">
+                <a:hueOff val="-970242"/>
+                <a:satOff val="-55952"/>
+                <a:lumOff val="5752"/>
+                <a:alphaOff val="0"/>
+                <a:lumMod val="105000"/>
+                <a:satMod val="109000"/>
+                <a:tint val="81000"/>
+              </a:schemeClr>
+            </a:gs>
+          </a:gsLst>
+          <a:lin ang="5400000" scaled="0"/>
+        </a:gradFill>
+        <a:ln>
+          <a:noFill/>
+        </a:ln>
+        <a:effectLst/>
+        <a:scene3d>
+          <a:camera prst="orthographicFront"/>
+          <a:lightRig rig="flat" dir="t"/>
+        </a:scene3d>
+        <a:sp3d prstMaterial="dkEdge">
+          <a:bevelT w="8200" h="38100"/>
+        </a:sp3d>
+      </dsp:spPr>
+      <dsp:style>
+        <a:lnRef idx="0">
+          <a:scrgbClr r="0" g="0" b="0"/>
+        </a:lnRef>
+        <a:fillRef idx="2">
+          <a:scrgbClr r="0" g="0" b="0"/>
+        </a:fillRef>
+        <a:effectRef idx="1">
+          <a:scrgbClr r="0" g="0" b="0"/>
+        </a:effectRef>
+        <a:fontRef idx="minor">
+          <a:schemeClr val="dk1"/>
+        </a:fontRef>
+      </dsp:style>
+    </dsp:sp>
+    <dsp:sp modelId="{9A8E9F6C-B053-4296-804B-2D4F1300BD75}">
+      <dsp:nvSpPr>
+        <dsp:cNvPr id="0" name=""/>
+        <dsp:cNvSpPr/>
+      </dsp:nvSpPr>
+      <dsp:spPr>
+        <a:xfrm>
+          <a:off x="3243195" y="64487"/>
+          <a:ext cx="109130" cy="109130"/>
+        </a:xfrm>
+        <a:prstGeom prst="rect">
+          <a:avLst/>
+        </a:prstGeom>
+        <a:solidFill>
+          <a:schemeClr val="accent2">
+            <a:tint val="50000"/>
+            <a:hueOff val="-587108"/>
+            <a:satOff val="-50780"/>
+            <a:lumOff val="-508"/>
+            <a:alphaOff val="0"/>
+          </a:schemeClr>
+        </a:solidFill>
+        <a:ln w="6350" cap="flat" cmpd="sng" algn="ctr">
+          <a:solidFill>
+            <a:schemeClr val="lt1">
+              <a:hueOff val="0"/>
+              <a:satOff val="0"/>
+              <a:lumOff val="0"/>
+              <a:alphaOff val="0"/>
+            </a:schemeClr>
+          </a:solidFill>
+          <a:prstDash val="solid"/>
+          <a:miter lim="800000"/>
+        </a:ln>
+        <a:effectLst/>
+      </dsp:spPr>
+      <dsp:style>
+        <a:lnRef idx="1">
+          <a:scrgbClr r="0" g="0" b="0"/>
+        </a:lnRef>
+        <a:fillRef idx="1">
+          <a:scrgbClr r="0" g="0" b="0"/>
+        </a:fillRef>
+        <a:effectRef idx="1">
+          <a:scrgbClr r="0" g="0" b="0"/>
+        </a:effectRef>
+        <a:fontRef idx="minor"/>
+      </dsp:style>
+    </dsp:sp>
+    <dsp:sp modelId="{715C9A4C-F395-44AF-82FB-B3A09FE2B01D}">
+      <dsp:nvSpPr>
+        <dsp:cNvPr id="0" name=""/>
+        <dsp:cNvSpPr/>
+      </dsp:nvSpPr>
+      <dsp:spPr>
+        <a:xfrm rot="16200000">
+          <a:off x="3315761" y="465551"/>
+          <a:ext cx="712640" cy="54565"/>
+        </a:xfrm>
+        <a:prstGeom prst="rect">
+          <a:avLst/>
+        </a:prstGeom>
+        <a:noFill/>
+        <a:ln>
+          <a:noFill/>
+        </a:ln>
+        <a:effectLst/>
+      </dsp:spPr>
+      <dsp:style>
+        <a:lnRef idx="0">
+          <a:scrgbClr r="0" g="0" b="0"/>
+        </a:lnRef>
+        <a:fillRef idx="0">
+          <a:scrgbClr r="0" g="0" b="0"/>
+        </a:fillRef>
+        <a:effectRef idx="0">
+          <a:scrgbClr r="0" g="0" b="0"/>
+        </a:effectRef>
+        <a:fontRef idx="minor"/>
+      </dsp:style>
+      <dsp:txBody>
+        <a:bodyPr spcFirstLastPara="0" vert="horz" wrap="square" lIns="0" tIns="0" rIns="48123" bIns="0" numCol="1" spcCol="1270" anchor="t" anchorCtr="0">
+          <a:noAutofit/>
+        </a:bodyPr>
+        <a:lstStyle/>
+        <a:p>
+          <a:pPr lvl="0" algn="r" defTabSz="222250">
+            <a:lnSpc>
+              <a:spcPct val="90000"/>
+            </a:lnSpc>
+            <a:spcBef>
+              <a:spcPct val="0"/>
+            </a:spcBef>
+            <a:spcAft>
+              <a:spcPct val="35000"/>
+            </a:spcAft>
+          </a:pPr>
+          <a:endParaRPr lang="zh-CN" altLang="en-US" sz="500" kern="1200" dirty="0"/>
+        </a:p>
+      </dsp:txBody>
+      <dsp:txXfrm>
+        <a:off x="3315761" y="465551"/>
+        <a:ext cx="712640" cy="54565"/>
+      </dsp:txXfrm>
+    </dsp:sp>
+    <dsp:sp modelId="{7467F23D-0037-4406-A097-315733796F75}">
+      <dsp:nvSpPr>
+        <dsp:cNvPr id="0" name=""/>
+        <dsp:cNvSpPr/>
+      </dsp:nvSpPr>
+      <dsp:spPr>
+        <a:xfrm>
+          <a:off x="3699364" y="136513"/>
+          <a:ext cx="271791" cy="712640"/>
+        </a:xfrm>
+        <a:prstGeom prst="rect">
+          <a:avLst/>
+        </a:prstGeom>
+        <a:gradFill rotWithShape="0">
+          <a:gsLst>
+            <a:gs pos="0">
+              <a:schemeClr val="accent2">
+                <a:hueOff val="-1091522"/>
+                <a:satOff val="-62946"/>
+                <a:lumOff val="6471"/>
+                <a:alphaOff val="0"/>
+                <a:lumMod val="110000"/>
+                <a:satMod val="105000"/>
+                <a:tint val="67000"/>
+              </a:schemeClr>
+            </a:gs>
+            <a:gs pos="50000">
+              <a:schemeClr val="accent2">
+                <a:hueOff val="-1091522"/>
+                <a:satOff val="-62946"/>
+                <a:lumOff val="6471"/>
+                <a:alphaOff val="0"/>
+                <a:lumMod val="105000"/>
+                <a:satMod val="103000"/>
+                <a:tint val="73000"/>
+              </a:schemeClr>
+            </a:gs>
+            <a:gs pos="100000">
+              <a:schemeClr val="accent2">
+                <a:hueOff val="-1091522"/>
+                <a:satOff val="-62946"/>
+                <a:lumOff val="6471"/>
+                <a:alphaOff val="0"/>
+                <a:lumMod val="105000"/>
+                <a:satMod val="109000"/>
+                <a:tint val="81000"/>
+              </a:schemeClr>
+            </a:gs>
+          </a:gsLst>
+          <a:lin ang="5400000" scaled="0"/>
+        </a:gradFill>
+        <a:ln>
+          <a:noFill/>
+        </a:ln>
+        <a:effectLst/>
+        <a:scene3d>
+          <a:camera prst="orthographicFront"/>
+          <a:lightRig rig="flat" dir="t"/>
+        </a:scene3d>
+        <a:sp3d prstMaterial="dkEdge">
+          <a:bevelT w="8200" h="38100"/>
+        </a:sp3d>
+      </dsp:spPr>
+      <dsp:style>
+        <a:lnRef idx="0">
+          <a:scrgbClr r="0" g="0" b="0"/>
+        </a:lnRef>
+        <a:fillRef idx="2">
+          <a:scrgbClr r="0" g="0" b="0"/>
+        </a:fillRef>
+        <a:effectRef idx="1">
+          <a:scrgbClr r="0" g="0" b="0"/>
+        </a:effectRef>
+        <a:fontRef idx="minor">
+          <a:schemeClr val="dk1"/>
+        </a:fontRef>
+      </dsp:style>
+    </dsp:sp>
+    <dsp:sp modelId="{1F52D5FC-4CBE-411E-9CBB-9A6288B76CEE}">
+      <dsp:nvSpPr>
+        <dsp:cNvPr id="0" name=""/>
+        <dsp:cNvSpPr/>
+      </dsp:nvSpPr>
+      <dsp:spPr>
+        <a:xfrm>
+          <a:off x="3644799" y="64487"/>
+          <a:ext cx="109130" cy="109130"/>
+        </a:xfrm>
+        <a:prstGeom prst="rect">
+          <a:avLst/>
+        </a:prstGeom>
+        <a:solidFill>
+          <a:schemeClr val="accent2">
+            <a:tint val="50000"/>
+            <a:hueOff val="-660497"/>
+            <a:satOff val="-57127"/>
+            <a:lumOff val="-571"/>
+            <a:alphaOff val="0"/>
+          </a:schemeClr>
+        </a:solidFill>
+        <a:ln w="6350" cap="flat" cmpd="sng" algn="ctr">
+          <a:solidFill>
+            <a:schemeClr val="lt1">
+              <a:hueOff val="0"/>
+              <a:satOff val="0"/>
+              <a:lumOff val="0"/>
+              <a:alphaOff val="0"/>
+            </a:schemeClr>
+          </a:solidFill>
+          <a:prstDash val="solid"/>
+          <a:miter lim="800000"/>
+        </a:ln>
+        <a:effectLst/>
+      </dsp:spPr>
+      <dsp:style>
+        <a:lnRef idx="1">
+          <a:scrgbClr r="0" g="0" b="0"/>
+        </a:lnRef>
+        <a:fillRef idx="1">
+          <a:scrgbClr r="0" g="0" b="0"/>
+        </a:fillRef>
+        <a:effectRef idx="1">
+          <a:scrgbClr r="0" g="0" b="0"/>
+        </a:effectRef>
+        <a:fontRef idx="minor"/>
+      </dsp:style>
+    </dsp:sp>
+    <dsp:sp modelId="{8BCF9127-09A3-43FF-A531-87938233BF2A}">
+      <dsp:nvSpPr>
+        <dsp:cNvPr id="0" name=""/>
+        <dsp:cNvSpPr/>
+      </dsp:nvSpPr>
+      <dsp:spPr>
+        <a:xfrm rot="16200000">
+          <a:off x="3717366" y="465551"/>
+          <a:ext cx="712640" cy="54565"/>
+        </a:xfrm>
+        <a:prstGeom prst="rect">
+          <a:avLst/>
+        </a:prstGeom>
+        <a:noFill/>
+        <a:ln>
+          <a:noFill/>
+        </a:ln>
+        <a:effectLst/>
+      </dsp:spPr>
+      <dsp:style>
+        <a:lnRef idx="0">
+          <a:scrgbClr r="0" g="0" b="0"/>
+        </a:lnRef>
+        <a:fillRef idx="0">
+          <a:scrgbClr r="0" g="0" b="0"/>
+        </a:fillRef>
+        <a:effectRef idx="0">
+          <a:scrgbClr r="0" g="0" b="0"/>
+        </a:effectRef>
+        <a:fontRef idx="minor"/>
+      </dsp:style>
+      <dsp:txBody>
+        <a:bodyPr spcFirstLastPara="0" vert="horz" wrap="square" lIns="0" tIns="0" rIns="48123" bIns="0" numCol="1" spcCol="1270" anchor="t" anchorCtr="0">
+          <a:noAutofit/>
+        </a:bodyPr>
+        <a:lstStyle/>
+        <a:p>
+          <a:pPr lvl="0" algn="r" defTabSz="222250">
+            <a:lnSpc>
+              <a:spcPct val="90000"/>
+            </a:lnSpc>
+            <a:spcBef>
+              <a:spcPct val="0"/>
+            </a:spcBef>
+            <a:spcAft>
+              <a:spcPct val="35000"/>
+            </a:spcAft>
+          </a:pPr>
+          <a:endParaRPr lang="en-US" altLang="zh-CN" sz="500" kern="1200" dirty="0" smtClean="0"/>
+        </a:p>
+      </dsp:txBody>
+      <dsp:txXfrm>
+        <a:off x="3717366" y="465551"/>
+        <a:ext cx="712640" cy="54565"/>
+      </dsp:txXfrm>
+    </dsp:sp>
+    <dsp:sp modelId="{C3895F04-1B34-4D80-B24A-EF7F90ADBC3E}">
+      <dsp:nvSpPr>
+        <dsp:cNvPr id="0" name=""/>
+        <dsp:cNvSpPr/>
+      </dsp:nvSpPr>
+      <dsp:spPr>
+        <a:xfrm>
+          <a:off x="4100969" y="136513"/>
+          <a:ext cx="271791" cy="712640"/>
+        </a:xfrm>
+        <a:prstGeom prst="rect">
+          <a:avLst/>
+        </a:prstGeom>
+        <a:gradFill rotWithShape="0">
+          <a:gsLst>
+            <a:gs pos="0">
+              <a:schemeClr val="accent2">
+                <a:hueOff val="-1212803"/>
+                <a:satOff val="-69940"/>
+                <a:lumOff val="7190"/>
+                <a:alphaOff val="0"/>
+                <a:lumMod val="110000"/>
+                <a:satMod val="105000"/>
+                <a:tint val="67000"/>
+              </a:schemeClr>
+            </a:gs>
+            <a:gs pos="50000">
+              <a:schemeClr val="accent2">
+                <a:hueOff val="-1212803"/>
+                <a:satOff val="-69940"/>
+                <a:lumOff val="7190"/>
+                <a:alphaOff val="0"/>
+                <a:lumMod val="105000"/>
+                <a:satMod val="103000"/>
+                <a:tint val="73000"/>
+              </a:schemeClr>
+            </a:gs>
+            <a:gs pos="100000">
+              <a:schemeClr val="accent2">
+                <a:hueOff val="-1212803"/>
+                <a:satOff val="-69940"/>
+                <a:lumOff val="7190"/>
+                <a:alphaOff val="0"/>
+                <a:lumMod val="105000"/>
+                <a:satMod val="109000"/>
+                <a:tint val="81000"/>
+              </a:schemeClr>
+            </a:gs>
+          </a:gsLst>
+          <a:lin ang="5400000" scaled="0"/>
+        </a:gradFill>
+        <a:ln>
+          <a:noFill/>
+        </a:ln>
+        <a:effectLst/>
+        <a:scene3d>
+          <a:camera prst="orthographicFront"/>
+          <a:lightRig rig="flat" dir="t"/>
+        </a:scene3d>
+        <a:sp3d prstMaterial="dkEdge">
+          <a:bevelT w="8200" h="38100"/>
+        </a:sp3d>
+      </dsp:spPr>
+      <dsp:style>
+        <a:lnRef idx="0">
+          <a:scrgbClr r="0" g="0" b="0"/>
+        </a:lnRef>
+        <a:fillRef idx="2">
+          <a:scrgbClr r="0" g="0" b="0"/>
+        </a:fillRef>
+        <a:effectRef idx="1">
+          <a:scrgbClr r="0" g="0" b="0"/>
+        </a:effectRef>
+        <a:fontRef idx="minor">
+          <a:schemeClr val="dk1"/>
+        </a:fontRef>
+      </dsp:style>
+    </dsp:sp>
+    <dsp:sp modelId="{7D107999-9672-44B9-9085-440A656C3BC9}">
+      <dsp:nvSpPr>
+        <dsp:cNvPr id="0" name=""/>
+        <dsp:cNvSpPr/>
+      </dsp:nvSpPr>
+      <dsp:spPr>
+        <a:xfrm>
+          <a:off x="4046404" y="64487"/>
+          <a:ext cx="109130" cy="109130"/>
+        </a:xfrm>
+        <a:prstGeom prst="rect">
+          <a:avLst/>
+        </a:prstGeom>
+        <a:solidFill>
+          <a:schemeClr val="accent2">
+            <a:tint val="50000"/>
+            <a:hueOff val="-733885"/>
+            <a:satOff val="-63475"/>
+            <a:lumOff val="-635"/>
+            <a:alphaOff val="0"/>
+          </a:schemeClr>
+        </a:solidFill>
+        <a:ln w="6350" cap="flat" cmpd="sng" algn="ctr">
+          <a:solidFill>
+            <a:schemeClr val="lt1">
+              <a:hueOff val="0"/>
+              <a:satOff val="0"/>
+              <a:lumOff val="0"/>
+              <a:alphaOff val="0"/>
+            </a:schemeClr>
+          </a:solidFill>
+          <a:prstDash val="solid"/>
+          <a:miter lim="800000"/>
+        </a:ln>
+        <a:effectLst/>
+      </dsp:spPr>
+      <dsp:style>
+        <a:lnRef idx="1">
+          <a:scrgbClr r="0" g="0" b="0"/>
+        </a:lnRef>
+        <a:fillRef idx="1">
+          <a:scrgbClr r="0" g="0" b="0"/>
+        </a:fillRef>
+        <a:effectRef idx="1">
+          <a:scrgbClr r="0" g="0" b="0"/>
+        </a:effectRef>
+        <a:fontRef idx="minor"/>
+      </dsp:style>
+    </dsp:sp>
+    <dsp:sp modelId="{CAD024D8-9D38-429F-B51C-185169F64CCD}">
+      <dsp:nvSpPr>
+        <dsp:cNvPr id="0" name=""/>
+        <dsp:cNvSpPr/>
+      </dsp:nvSpPr>
+      <dsp:spPr>
+        <a:xfrm rot="16200000">
+          <a:off x="4118970" y="465551"/>
+          <a:ext cx="712640" cy="54565"/>
+        </a:xfrm>
+        <a:prstGeom prst="rect">
+          <a:avLst/>
+        </a:prstGeom>
+        <a:noFill/>
+        <a:ln>
+          <a:noFill/>
+        </a:ln>
+        <a:effectLst/>
+      </dsp:spPr>
+      <dsp:style>
+        <a:lnRef idx="0">
+          <a:scrgbClr r="0" g="0" b="0"/>
+        </a:lnRef>
+        <a:fillRef idx="0">
+          <a:scrgbClr r="0" g="0" b="0"/>
+        </a:fillRef>
+        <a:effectRef idx="0">
+          <a:scrgbClr r="0" g="0" b="0"/>
+        </a:effectRef>
+        <a:fontRef idx="minor"/>
+      </dsp:style>
+      <dsp:txBody>
+        <a:bodyPr spcFirstLastPara="0" vert="horz" wrap="square" lIns="0" tIns="0" rIns="48123" bIns="0" numCol="1" spcCol="1270" anchor="t" anchorCtr="0">
+          <a:noAutofit/>
+        </a:bodyPr>
+        <a:lstStyle/>
+        <a:p>
+          <a:pPr lvl="0" algn="r" defTabSz="222250">
+            <a:lnSpc>
+              <a:spcPct val="90000"/>
+            </a:lnSpc>
+            <a:spcBef>
+              <a:spcPct val="0"/>
+            </a:spcBef>
+            <a:spcAft>
+              <a:spcPct val="35000"/>
+            </a:spcAft>
+          </a:pPr>
+          <a:endParaRPr lang="en-US" altLang="zh-CN" sz="500" kern="1200" dirty="0" smtClean="0"/>
+        </a:p>
+      </dsp:txBody>
+      <dsp:txXfrm>
+        <a:off x="4118970" y="465551"/>
+        <a:ext cx="712640" cy="54565"/>
+      </dsp:txXfrm>
+    </dsp:sp>
+    <dsp:sp modelId="{57AF4AAC-8397-42C6-841B-28AC4B01558F}">
+      <dsp:nvSpPr>
+        <dsp:cNvPr id="0" name=""/>
+        <dsp:cNvSpPr/>
+      </dsp:nvSpPr>
+      <dsp:spPr>
+        <a:xfrm>
+          <a:off x="4502573" y="136513"/>
+          <a:ext cx="271791" cy="712640"/>
+        </a:xfrm>
+        <a:prstGeom prst="rect">
+          <a:avLst/>
+        </a:prstGeom>
+        <a:gradFill rotWithShape="0">
+          <a:gsLst>
+            <a:gs pos="0">
+              <a:schemeClr val="accent2">
+                <a:hueOff val="-1334083"/>
+                <a:satOff val="-76934"/>
+                <a:lumOff val="7909"/>
+                <a:alphaOff val="0"/>
+                <a:lumMod val="110000"/>
+                <a:satMod val="105000"/>
+                <a:tint val="67000"/>
+              </a:schemeClr>
+            </a:gs>
+            <a:gs pos="50000">
+              <a:schemeClr val="accent2">
+                <a:hueOff val="-1334083"/>
+                <a:satOff val="-76934"/>
+                <a:lumOff val="7909"/>
+                <a:alphaOff val="0"/>
+                <a:lumMod val="105000"/>
+                <a:satMod val="103000"/>
+                <a:tint val="73000"/>
+              </a:schemeClr>
+            </a:gs>
+            <a:gs pos="100000">
+              <a:schemeClr val="accent2">
+                <a:hueOff val="-1334083"/>
+                <a:satOff val="-76934"/>
+                <a:lumOff val="7909"/>
+                <a:alphaOff val="0"/>
+                <a:lumMod val="105000"/>
+                <a:satMod val="109000"/>
+                <a:tint val="81000"/>
+              </a:schemeClr>
+            </a:gs>
+          </a:gsLst>
+          <a:lin ang="5400000" scaled="0"/>
+        </a:gradFill>
+        <a:ln>
+          <a:noFill/>
+        </a:ln>
+        <a:effectLst/>
+        <a:scene3d>
+          <a:camera prst="orthographicFront"/>
+          <a:lightRig rig="flat" dir="t"/>
+        </a:scene3d>
+        <a:sp3d prstMaterial="dkEdge">
+          <a:bevelT w="8200" h="38100"/>
+        </a:sp3d>
+      </dsp:spPr>
+      <dsp:style>
+        <a:lnRef idx="0">
+          <a:scrgbClr r="0" g="0" b="0"/>
+        </a:lnRef>
+        <a:fillRef idx="2">
+          <a:scrgbClr r="0" g="0" b="0"/>
+        </a:fillRef>
+        <a:effectRef idx="1">
+          <a:scrgbClr r="0" g="0" b="0"/>
+        </a:effectRef>
+        <a:fontRef idx="minor">
+          <a:schemeClr val="dk1"/>
+        </a:fontRef>
+      </dsp:style>
+    </dsp:sp>
+    <dsp:sp modelId="{D18BF437-47F3-4D1E-B19F-B7A2DFA00B4C}">
+      <dsp:nvSpPr>
+        <dsp:cNvPr id="0" name=""/>
+        <dsp:cNvSpPr/>
+      </dsp:nvSpPr>
+      <dsp:spPr>
+        <a:xfrm>
+          <a:off x="4448008" y="64487"/>
+          <a:ext cx="109130" cy="109130"/>
+        </a:xfrm>
+        <a:prstGeom prst="rect">
+          <a:avLst/>
+        </a:prstGeom>
+        <a:solidFill>
+          <a:schemeClr val="accent2">
+            <a:tint val="50000"/>
+            <a:hueOff val="-807274"/>
+            <a:satOff val="-69823"/>
+            <a:lumOff val="-698"/>
+            <a:alphaOff val="0"/>
+          </a:schemeClr>
+        </a:solidFill>
+        <a:ln w="6350" cap="flat" cmpd="sng" algn="ctr">
+          <a:solidFill>
+            <a:schemeClr val="lt1">
+              <a:hueOff val="0"/>
+              <a:satOff val="0"/>
+              <a:lumOff val="0"/>
+              <a:alphaOff val="0"/>
+            </a:schemeClr>
+          </a:solidFill>
+          <a:prstDash val="solid"/>
+          <a:miter lim="800000"/>
+        </a:ln>
+        <a:effectLst/>
+      </dsp:spPr>
+      <dsp:style>
+        <a:lnRef idx="1">
+          <a:scrgbClr r="0" g="0" b="0"/>
+        </a:lnRef>
+        <a:fillRef idx="1">
+          <a:scrgbClr r="0" g="0" b="0"/>
+        </a:fillRef>
+        <a:effectRef idx="1">
+          <a:scrgbClr r="0" g="0" b="0"/>
+        </a:effectRef>
+        <a:fontRef idx="minor"/>
+      </dsp:style>
+    </dsp:sp>
+    <dsp:sp modelId="{ABAF8552-8C8A-4DDE-A752-3317ABF6BA30}">
+      <dsp:nvSpPr>
+        <dsp:cNvPr id="0" name=""/>
+        <dsp:cNvSpPr/>
+      </dsp:nvSpPr>
+      <dsp:spPr>
+        <a:xfrm rot="16200000">
+          <a:off x="4520574" y="465551"/>
+          <a:ext cx="712640" cy="54565"/>
+        </a:xfrm>
+        <a:prstGeom prst="rect">
+          <a:avLst/>
+        </a:prstGeom>
+        <a:noFill/>
+        <a:ln>
+          <a:noFill/>
+        </a:ln>
+        <a:effectLst/>
+      </dsp:spPr>
+      <dsp:style>
+        <a:lnRef idx="0">
+          <a:scrgbClr r="0" g="0" b="0"/>
+        </a:lnRef>
+        <a:fillRef idx="0">
+          <a:scrgbClr r="0" g="0" b="0"/>
+        </a:fillRef>
+        <a:effectRef idx="0">
+          <a:scrgbClr r="0" g="0" b="0"/>
+        </a:effectRef>
+        <a:fontRef idx="minor"/>
+      </dsp:style>
+      <dsp:txBody>
+        <a:bodyPr spcFirstLastPara="0" vert="horz" wrap="square" lIns="0" tIns="0" rIns="48123" bIns="0" numCol="1" spcCol="1270" anchor="t" anchorCtr="0">
+          <a:noAutofit/>
+        </a:bodyPr>
+        <a:lstStyle/>
+        <a:p>
+          <a:pPr lvl="0" algn="r" defTabSz="222250">
+            <a:lnSpc>
+              <a:spcPct val="90000"/>
+            </a:lnSpc>
+            <a:spcBef>
+              <a:spcPct val="0"/>
+            </a:spcBef>
+            <a:spcAft>
+              <a:spcPct val="35000"/>
+            </a:spcAft>
+          </a:pPr>
+          <a:endParaRPr lang="en-US" altLang="zh-CN" sz="500" kern="1200" dirty="0" smtClean="0"/>
+        </a:p>
+      </dsp:txBody>
+      <dsp:txXfrm>
+        <a:off x="4520574" y="465551"/>
+        <a:ext cx="712640" cy="54565"/>
+      </dsp:txXfrm>
+    </dsp:sp>
+    <dsp:sp modelId="{2D9D74D4-CC2F-4286-9FA6-934BD9661A75}">
+      <dsp:nvSpPr>
+        <dsp:cNvPr id="0" name=""/>
+        <dsp:cNvSpPr/>
+      </dsp:nvSpPr>
+      <dsp:spPr>
+        <a:xfrm>
+          <a:off x="4904177" y="136513"/>
+          <a:ext cx="271791" cy="712640"/>
+        </a:xfrm>
+        <a:prstGeom prst="rect">
+          <a:avLst/>
+        </a:prstGeom>
+        <a:gradFill rotWithShape="0">
+          <a:gsLst>
+            <a:gs pos="0">
+              <a:schemeClr val="accent2">
+                <a:hueOff val="-1455363"/>
+                <a:satOff val="-83928"/>
+                <a:lumOff val="8628"/>
+                <a:alphaOff val="0"/>
+                <a:lumMod val="110000"/>
+                <a:satMod val="105000"/>
+                <a:tint val="67000"/>
+              </a:schemeClr>
+            </a:gs>
+            <a:gs pos="50000">
+              <a:schemeClr val="accent2">
+                <a:hueOff val="-1455363"/>
+                <a:satOff val="-83928"/>
+                <a:lumOff val="8628"/>
+                <a:alphaOff val="0"/>
+                <a:lumMod val="105000"/>
+                <a:satMod val="103000"/>
+                <a:tint val="73000"/>
+              </a:schemeClr>
+            </a:gs>
+            <a:gs pos="100000">
+              <a:schemeClr val="accent2">
+                <a:hueOff val="-1455363"/>
+                <a:satOff val="-83928"/>
+                <a:lumOff val="8628"/>
+                <a:alphaOff val="0"/>
+                <a:lumMod val="105000"/>
+                <a:satMod val="109000"/>
+                <a:tint val="81000"/>
+              </a:schemeClr>
+            </a:gs>
+          </a:gsLst>
+          <a:lin ang="5400000" scaled="0"/>
+        </a:gradFill>
+        <a:ln>
+          <a:noFill/>
+        </a:ln>
+        <a:effectLst/>
+        <a:scene3d>
+          <a:camera prst="orthographicFront"/>
+          <a:lightRig rig="flat" dir="t"/>
+        </a:scene3d>
+        <a:sp3d prstMaterial="dkEdge">
+          <a:bevelT w="8200" h="38100"/>
+        </a:sp3d>
+      </dsp:spPr>
+      <dsp:style>
+        <a:lnRef idx="0">
+          <a:scrgbClr r="0" g="0" b="0"/>
+        </a:lnRef>
+        <a:fillRef idx="2">
+          <a:scrgbClr r="0" g="0" b="0"/>
+        </a:fillRef>
+        <a:effectRef idx="1">
+          <a:scrgbClr r="0" g="0" b="0"/>
+        </a:effectRef>
+        <a:fontRef idx="minor">
+          <a:schemeClr val="dk1"/>
+        </a:fontRef>
+      </dsp:style>
+    </dsp:sp>
+    <dsp:sp modelId="{40EDFF74-0522-428B-90D0-E700B18CFA20}">
+      <dsp:nvSpPr>
+        <dsp:cNvPr id="0" name=""/>
+        <dsp:cNvSpPr/>
+      </dsp:nvSpPr>
+      <dsp:spPr>
+        <a:xfrm>
+          <a:off x="4849612" y="64487"/>
+          <a:ext cx="109130" cy="109130"/>
+        </a:xfrm>
+        <a:prstGeom prst="rect">
+          <a:avLst/>
+        </a:prstGeom>
+        <a:solidFill>
+          <a:schemeClr val="accent2">
+            <a:tint val="50000"/>
+            <a:hueOff val="-880662"/>
+            <a:satOff val="-76170"/>
+            <a:lumOff val="-762"/>
+            <a:alphaOff val="0"/>
+          </a:schemeClr>
+        </a:solidFill>
+        <a:ln w="6350" cap="flat" cmpd="sng" algn="ctr">
+          <a:solidFill>
+            <a:schemeClr val="lt1">
+              <a:hueOff val="0"/>
+              <a:satOff val="0"/>
+              <a:lumOff val="0"/>
+              <a:alphaOff val="0"/>
+            </a:schemeClr>
+          </a:solidFill>
+          <a:prstDash val="solid"/>
+          <a:miter lim="800000"/>
+        </a:ln>
+        <a:effectLst/>
+      </dsp:spPr>
+      <dsp:style>
+        <a:lnRef idx="1">
+          <a:scrgbClr r="0" g="0" b="0"/>
+        </a:lnRef>
+        <a:fillRef idx="1">
+          <a:scrgbClr r="0" g="0" b="0"/>
+        </a:fillRef>
+        <a:effectRef idx="1">
+          <a:scrgbClr r="0" g="0" b="0"/>
+        </a:effectRef>
+        <a:fontRef idx="minor"/>
+      </dsp:style>
+    </dsp:sp>
+  </dsp:spTree>
+</dsp:drawing>
+</file>
+
 <file path=ppt/diagrams/layout1.xml><?xml version="1.0" encoding="utf-8"?>
+<dgm:layoutDef xmlns:dgm="http://schemas.openxmlformats.org/drawingml/2006/diagram" xmlns:a="http://schemas.openxmlformats.org/drawingml/2006/main" uniqueId="urn:microsoft.com/office/officeart/2005/8/layout/hList2">
+  <dgm:title val=""/>
+  <dgm:desc val=""/>
+  <dgm:catLst>
+    <dgm:cat type="list" pri="6000"/>
+    <dgm:cat type="relationship" pri="16000"/>
+    <dgm:cat type="picture" pri="29000"/>
+    <dgm:cat type="pictureconvert" pri="29000"/>
+  </dgm:catLst>
+  <dgm:sampData>
+    <dgm:dataModel>
+      <dgm:ptLst>
+        <dgm:pt modelId="0" type="doc"/>
+        <dgm:pt modelId="1">
+          <dgm:prSet phldr="1"/>
+        </dgm:pt>
+        <dgm:pt modelId="11">
+          <dgm:prSet phldr="1"/>
+        </dgm:pt>
+        <dgm:pt modelId="12">
+          <dgm:prSet phldr="1"/>
+        </dgm:pt>
+        <dgm:pt modelId="2">
+          <dgm:prSet phldr="1"/>
+        </dgm:pt>
+        <dgm:pt modelId="21">
+          <dgm:prSet phldr="1"/>
+        </dgm:pt>
+        <dgm:pt modelId="22">
+          <dgm:prSet phldr="1"/>
+        </dgm:pt>
+        <dgm:pt modelId="3">
+          <dgm:prSet phldr="1"/>
+        </dgm:pt>
+        <dgm:pt modelId="31">
+          <dgm:prSet phldr="1"/>
+        </dgm:pt>
+        <dgm:pt modelId="32">
+          <dgm:prSet phldr="1"/>
+        </dgm:pt>
+      </dgm:ptLst>
+      <dgm:cxnLst>
+        <dgm:cxn modelId="4" srcId="0" destId="1" srcOrd="0" destOrd="0"/>
+        <dgm:cxn modelId="5" srcId="0" destId="2" srcOrd="1" destOrd="0"/>
+        <dgm:cxn modelId="6" srcId="0" destId="3" srcOrd="2" destOrd="0"/>
+        <dgm:cxn modelId="13" srcId="1" destId="11" srcOrd="0" destOrd="0"/>
+        <dgm:cxn modelId="14" srcId="1" destId="12" srcOrd="1" destOrd="0"/>
+        <dgm:cxn modelId="23" srcId="2" destId="21" srcOrd="0" destOrd="0"/>
+        <dgm:cxn modelId="24" srcId="2" destId="22" srcOrd="1" destOrd="0"/>
+        <dgm:cxn modelId="33" srcId="3" destId="31" srcOrd="0" destOrd="0"/>
+        <dgm:cxn modelId="34" srcId="3" destId="32" srcOrd="1" destOrd="0"/>
+      </dgm:cxnLst>
+      <dgm:bg/>
+      <dgm:whole/>
+    </dgm:dataModel>
+  </dgm:sampData>
+  <dgm:styleData>
+    <dgm:dataModel>
+      <dgm:ptLst>
+        <dgm:pt modelId="0" type="doc"/>
+        <dgm:pt modelId="1"/>
+        <dgm:pt modelId="11"/>
+        <dgm:pt modelId="2"/>
+        <dgm:pt modelId="21"/>
+      </dgm:ptLst>
+      <dgm:cxnLst>
+        <dgm:cxn modelId="4" srcId="0" destId="1" srcOrd="0" destOrd="0"/>
+        <dgm:cxn modelId="5" srcId="0" destId="2" srcOrd="1" destOrd="0"/>
+        <dgm:cxn modelId="13" srcId="1" destId="11" srcOrd="0" destOrd="0"/>
+        <dgm:cxn modelId="23" srcId="2" destId="21" srcOrd="0" destOrd="0"/>
+      </dgm:cxnLst>
+      <dgm:bg/>
+      <dgm:whole/>
+    </dgm:dataModel>
+  </dgm:styleData>
+  <dgm:clrData>
+    <dgm:dataModel>
+      <dgm:ptLst>
+        <dgm:pt modelId="0" type="doc"/>
+        <dgm:pt modelId="1"/>
+        <dgm:pt modelId="11"/>
+        <dgm:pt modelId="2"/>
+        <dgm:pt modelId="21"/>
+        <dgm:pt modelId="3"/>
+        <dgm:pt modelId="31"/>
+        <dgm:pt modelId="4"/>
+        <dgm:pt modelId="41"/>
+      </dgm:ptLst>
+      <dgm:cxnLst>
+        <dgm:cxn modelId="5" srcId="0" destId="1" srcOrd="0" destOrd="0"/>
+        <dgm:cxn modelId="6" srcId="0" destId="2" srcOrd="1" destOrd="0"/>
+        <dgm:cxn modelId="7" srcId="0" destId="3" srcOrd="2" destOrd="0"/>
+        <dgm:cxn modelId="8" srcId="0" destId="4" srcOrd="3" destOrd="0"/>
+        <dgm:cxn modelId="13" srcId="1" destId="11" srcOrd="0" destOrd="0"/>
+        <dgm:cxn modelId="23" srcId="2" destId="21" srcOrd="0" destOrd="0"/>
+        <dgm:cxn modelId="33" srcId="3" destId="31" srcOrd="0" destOrd="0"/>
+        <dgm:cxn modelId="43" srcId="4" destId="41" srcOrd="0" destOrd="0"/>
+      </dgm:cxnLst>
+      <dgm:bg/>
+      <dgm:whole/>
+    </dgm:dataModel>
+  </dgm:clrData>
+  <dgm:layoutNode name="linearFlow">
+    <dgm:varLst>
+      <dgm:dir/>
+      <dgm:animLvl val="lvl"/>
+      <dgm:resizeHandles/>
+    </dgm:varLst>
+    <dgm:choose name="Name0">
+      <dgm:if name="Name1" func="var" arg="dir" op="equ" val="norm">
+        <dgm:alg type="lin">
+          <dgm:param type="linDir" val="fromL"/>
+          <dgm:param type="nodeVertAlign" val="t"/>
+        </dgm:alg>
+      </dgm:if>
+      <dgm:else name="Name2">
+        <dgm:alg type="lin">
+          <dgm:param type="linDir" val="fromR"/>
+          <dgm:param type="nodeVertAlign" val="t"/>
+        </dgm:alg>
+      </dgm:else>
+    </dgm:choose>
+    <dgm:shape xmlns:r="http://schemas.openxmlformats.org/officeDocument/2006/relationships" r:blip="">
+      <dgm:adjLst/>
+    </dgm:shape>
+    <dgm:presOf/>
+    <dgm:constrLst>
+      <dgm:constr type="w" for="ch" forName="compositeNode" refType="w"/>
+      <dgm:constr type="h" for="ch" forName="compositeNode" refType="h"/>
+      <dgm:constr type="w" for="ch" forName="sibTrans" refType="w" refFor="ch" refForName="compositeNode" op="equ" fact="0.2"/>
+      <dgm:constr type="h" for="des" forName="childNode" op="equ"/>
+      <dgm:constr type="w" for="des" forName="childNode" op="equ"/>
+      <dgm:constr type="w" for="des" forName="parentNode" op="equ"/>
+      <dgm:constr type="h" for="des" forName="image" op="equ"/>
+      <dgm:constr type="w" for="des" forName="image" op="equ"/>
+      <dgm:constr type="primFontSz" for="des" forName="parentNode" op="equ" val="65"/>
+      <dgm:constr type="primFontSz" for="des" forName="childNode" op="equ" val="65"/>
+    </dgm:constrLst>
+    <dgm:ruleLst/>
+    <dgm:forEach name="Name3" axis="ch" ptType="node">
+      <dgm:layoutNode name="compositeNode">
+        <dgm:varLst>
+          <dgm:bulletEnabled val="1"/>
+        </dgm:varLst>
+        <dgm:alg type="composite"/>
+        <dgm:presOf/>
+        <dgm:choose name="Name4">
+          <dgm:if name="Name5" func="var" arg="dir" op="equ" val="norm">
+            <dgm:constrLst>
+              <dgm:constr type="w" for="ch" forName="image" refType="w"/>
+              <dgm:constr type="h" for="ch" forName="image" refType="h"/>
+              <dgm:constr type="h" for="ch" forName="image" refType="w" refFor="ch" refForName="image" op="lte"/>
+              <dgm:constr type="w" for="ch" forName="image" refType="h" refFor="ch" refForName="image" op="lte"/>
+              <dgm:constr type="w" for="ch" forName="image" refType="w" op="lte" fact="0.33"/>
+              <dgm:constr type="h" for="ch" forName="image" refType="h" op="lte" fact="0.33"/>
+              <dgm:constr type="t" for="ch" forName="image"/>
+              <dgm:constr type="l" for="ch" forName="image"/>
+              <dgm:constr type="w" for="ch" forName="childNode" refType="w" fact="0.85"/>
+              <dgm:constr type="h" for="ch" forName="childNode" refType="h" fact="0.78"/>
+              <dgm:constr type="t" for="ch" forName="childNode" refType="h" refFor="ch" refForName="image" fact="0.66"/>
+              <dgm:constr type="l" for="ch" forName="childNode" refType="w" refFor="ch" refForName="image" fact="0.5"/>
+              <dgm:constr type="tMarg" for="ch" forName="childNode" refType="w" refFor="ch" refForName="image" fact="1.25"/>
+              <dgm:constr type="t" for="ch" forName="parentNode" refType="h" refFor="ch" refForName="image" fact="0.66"/>
+              <dgm:constr type="b" for="ch" forName="parentNode" refType="b" refFor="ch" refForName="childNode"/>
+              <dgm:constr type="l" for="ch" forName="parentNode"/>
+              <dgm:constr type="r" for="ch" forName="parentNode" refType="l" refFor="ch" refForName="childNode"/>
+              <dgm:constr type="rMarg" for="ch" forName="parentNode" refType="w" refFor="ch" refForName="image" fact="1.25"/>
+            </dgm:constrLst>
+          </dgm:if>
+          <dgm:else name="Name6">
+            <dgm:constrLst>
+              <dgm:constr type="w" for="ch" forName="image" refType="w"/>
+              <dgm:constr type="h" for="ch" forName="image" refType="h"/>
+              <dgm:constr type="h" for="ch" forName="image" refType="w" refFor="ch" refForName="image" op="lte"/>
+              <dgm:constr type="w" for="ch" forName="image" refType="h" refFor="ch" refForName="image" op="lte"/>
+              <dgm:constr type="w" for="ch" forName="image" refType="w" op="lte" fact="0.33"/>
+              <dgm:constr type="h" for="ch" forName="image" refType="h" op="lte" fact="0.33"/>
+              <dgm:constr type="t" for="ch" forName="image"/>
+              <dgm:constr type="r" for="ch" forName="image" refType="w"/>
+              <dgm:constr type="w" for="ch" forName="childNode" refType="w" fact="0.85"/>
+              <dgm:constr type="h" for="ch" forName="childNode" refType="h" fact="0.78"/>
+              <dgm:constr type="t" for="ch" forName="childNode" refType="h" refFor="ch" refForName="image" fact="0.66"/>
+              <dgm:constr type="r" for="ch" forName="childNode" refType="w"/>
+              <dgm:constr type="rOff" for="ch" forName="childNode" refType="w" refFor="ch" refForName="image" fact="-0.5"/>
+              <dgm:constr type="tMarg" for="ch" forName="childNode" refType="w" refFor="ch" refForName="image" fact="1.25"/>
+              <dgm:constr type="t" for="ch" forName="parentNode" refType="h" refFor="ch" refForName="image" fact="0.66"/>
+              <dgm:constr type="b" for="ch" forName="parentNode" refType="b" refFor="ch" refForName="childNode"/>
+              <dgm:constr type="r" for="ch" forName="parentNode" refType="w"/>
+              <dgm:constr type="l" for="ch" forName="parentNode" refType="r" refFor="ch" refForName="childNode"/>
+              <dgm:constr type="lOff" for="ch" forName="parentNode" refType="rOff" refFor="ch" refForName="childNode"/>
+              <dgm:constr type="lMarg" for="ch" forName="parentNode" refType="w" refFor="ch" refForName="image" fact="1.25"/>
+            </dgm:constrLst>
+          </dgm:else>
+        </dgm:choose>
+        <dgm:ruleLst>
+          <dgm:rule type="w" for="ch" forName="childNode" val="NaN" fact="0.4" max="NaN"/>
+          <dgm:rule type="h" for="ch" forName="childNode" val="NaN" fact="0.5" max="NaN"/>
+        </dgm:ruleLst>
+        <dgm:layoutNode name="image" styleLbl="fgImgPlace1">
+          <dgm:alg type="sp"/>
+          <dgm:shape xmlns:r="http://schemas.openxmlformats.org/officeDocument/2006/relationships" type="rect" r:blip="" zOrderOff="4" blipPhldr="1">
+            <dgm:adjLst/>
+          </dgm:shape>
+          <dgm:presOf/>
+          <dgm:constrLst/>
+          <dgm:ruleLst/>
+        </dgm:layoutNode>
+        <dgm:layoutNode name="childNode" styleLbl="node1">
+          <dgm:varLst>
+            <dgm:bulletEnabled val="1"/>
+          </dgm:varLst>
+          <dgm:alg type="tx">
+            <dgm:param type="stBulletLvl" val="1"/>
+          </dgm:alg>
+          <dgm:shape xmlns:r="http://schemas.openxmlformats.org/officeDocument/2006/relationships" type="rect" r:blip="" zOrderOff="2">
+            <dgm:adjLst/>
+          </dgm:shape>
+          <dgm:presOf axis="des" ptType="node"/>
+          <dgm:constrLst/>
+          <dgm:ruleLst>
+            <dgm:rule type="primFontSz" val="5" fact="NaN" max="NaN"/>
+          </dgm:ruleLst>
+        </dgm:layoutNode>
+        <dgm:layoutNode name="parentNode" styleLbl="revTx">
+          <dgm:varLst>
+            <dgm:chMax val="0"/>
+            <dgm:bulletEnabled val="1"/>
+          </dgm:varLst>
+          <dgm:choose name="Name7">
+            <dgm:if name="Name8" func="var" arg="dir" op="equ" val="norm">
+              <dgm:alg type="tx">
+                <dgm:param type="autoTxRot" val="grav"/>
+                <dgm:param type="txAnchorVert" val="t"/>
+                <dgm:param type="parTxLTRAlign" val="r"/>
+                <dgm:param type="parTxRTLAlign" val="r"/>
+              </dgm:alg>
+              <dgm:shape xmlns:r="http://schemas.openxmlformats.org/officeDocument/2006/relationships" rot="270" type="rect" r:blip="">
+                <dgm:adjLst/>
+              </dgm:shape>
+              <dgm:presOf axis="self"/>
+              <dgm:constrLst>
+                <dgm:constr type="lMarg"/>
+                <dgm:constr type="bMarg"/>
+                <dgm:constr type="tMarg"/>
+              </dgm:constrLst>
+            </dgm:if>
+            <dgm:else name="Name9">
+              <dgm:alg type="tx">
+                <dgm:param type="autoTxRot" val="grav"/>
+                <dgm:param type="parTxLTRAlign" val="l"/>
+                <dgm:param type="parTxRTLAlign" val="l"/>
+              </dgm:alg>
+              <dgm:shape xmlns:r="http://schemas.openxmlformats.org/officeDocument/2006/relationships" rot="90" type="rect" r:blip="">
+                <dgm:adjLst/>
+              </dgm:shape>
+              <dgm:presOf axis="self"/>
+              <dgm:constrLst>
+                <dgm:constr type="rMarg"/>
+                <dgm:constr type="bMarg"/>
+                <dgm:constr type="tMarg"/>
+              </dgm:constrLst>
+            </dgm:else>
+          </dgm:choose>
+          <dgm:ruleLst>
+            <dgm:rule type="primFontSz" val="5" fact="NaN" max="NaN"/>
+          </dgm:ruleLst>
+        </dgm:layoutNode>
+      </dgm:layoutNode>
+      <dgm:forEach name="Name10" axis="followSib" ptType="sibTrans" cnt="1">
+        <dgm:layoutNode name="sibTrans">
+          <dgm:alg type="sp"/>
+          <dgm:shape xmlns:r="http://schemas.openxmlformats.org/officeDocument/2006/relationships" r:blip="">
+            <dgm:adjLst/>
+          </dgm:shape>
+          <dgm:presOf axis="self"/>
+          <dgm:constrLst/>
+          <dgm:ruleLst/>
+        </dgm:layoutNode>
+      </dgm:forEach>
+    </dgm:forEach>
+  </dgm:layoutNode>
+</dgm:layoutDef>
+</file>
+
+<file path=ppt/diagrams/layout2.xml><?xml version="1.0" encoding="utf-8"?>
 <dgm:layoutDef xmlns:dgm="http://schemas.openxmlformats.org/drawingml/2006/diagram" xmlns:a="http://schemas.openxmlformats.org/drawingml/2006/main" uniqueId="urn:microsoft.com/office/officeart/2005/8/layout/hList2">
   <dgm:title val=""/>
   <dgm:desc val=""/>
@@ -3823,6 +8398,1066 @@
 </dgm:styleDef>
 </file>
 
+<file path=ppt/diagrams/quickStyle2.xml><?xml version="1.0" encoding="utf-8"?>
+<dgm:styleDef xmlns:dgm="http://schemas.openxmlformats.org/drawingml/2006/diagram" xmlns:a="http://schemas.openxmlformats.org/drawingml/2006/main" uniqueId="urn:microsoft.com/office/officeart/2005/8/quickstyle/simple3">
+  <dgm:title val=""/>
+  <dgm:desc val=""/>
+  <dgm:catLst>
+    <dgm:cat type="simple" pri="10300"/>
+  </dgm:catLst>
+  <dgm:scene3d>
+    <a:camera prst="orthographicFront"/>
+    <a:lightRig rig="threePt" dir="t"/>
+  </dgm:scene3d>
+  <dgm:styleLbl name="node0">
+    <dgm:scene3d>
+      <a:camera prst="orthographicFront"/>
+      <a:lightRig rig="flat" dir="t"/>
+    </dgm:scene3d>
+    <dgm:sp3d prstMaterial="dkEdge">
+      <a:bevelT w="8200" h="38100"/>
+    </dgm:sp3d>
+    <dgm:txPr/>
+    <dgm:style>
+      <a:lnRef idx="0">
+        <a:scrgbClr r="0" g="0" b="0"/>
+      </a:lnRef>
+      <a:fillRef idx="2">
+        <a:scrgbClr r="0" g="0" b="0"/>
+      </a:fillRef>
+      <a:effectRef idx="1">
+        <a:scrgbClr r="0" g="0" b="0"/>
+      </a:effectRef>
+      <a:fontRef idx="minor">
+        <a:schemeClr val="dk1"/>
+      </a:fontRef>
+    </dgm:style>
+  </dgm:styleLbl>
+  <dgm:styleLbl name="lnNode1">
+    <dgm:scene3d>
+      <a:camera prst="orthographicFront"/>
+      <a:lightRig rig="flat" dir="t"/>
+    </dgm:scene3d>
+    <dgm:sp3d prstMaterial="dkEdge">
+      <a:bevelT w="8200" h="38100"/>
+    </dgm:sp3d>
+    <dgm:txPr/>
+    <dgm:style>
+      <a:lnRef idx="1">
+        <a:scrgbClr r="0" g="0" b="0"/>
+      </a:lnRef>
+      <a:fillRef idx="2">
+        <a:scrgbClr r="0" g="0" b="0"/>
+      </a:fillRef>
+      <a:effectRef idx="0">
+        <a:scrgbClr r="0" g="0" b="0"/>
+      </a:effectRef>
+      <a:fontRef idx="minor">
+        <a:schemeClr val="dk1"/>
+      </a:fontRef>
+    </dgm:style>
+  </dgm:styleLbl>
+  <dgm:styleLbl name="vennNode1">
+    <dgm:scene3d>
+      <a:camera prst="orthographicFront"/>
+      <a:lightRig rig="flat" dir="t"/>
+    </dgm:scene3d>
+    <dgm:sp3d prstMaterial="dkEdge">
+      <a:bevelT w="8200" h="38100"/>
+    </dgm:sp3d>
+    <dgm:txPr/>
+    <dgm:style>
+      <a:lnRef idx="0">
+        <a:scrgbClr r="0" g="0" b="0"/>
+      </a:lnRef>
+      <a:fillRef idx="2">
+        <a:scrgbClr r="0" g="0" b="0"/>
+      </a:fillRef>
+      <a:effectRef idx="0">
+        <a:scrgbClr r="0" g="0" b="0"/>
+      </a:effectRef>
+      <a:fontRef idx="minor">
+        <a:schemeClr val="tx1"/>
+      </a:fontRef>
+    </dgm:style>
+  </dgm:styleLbl>
+  <dgm:styleLbl name="alignNode1">
+    <dgm:scene3d>
+      <a:camera prst="orthographicFront"/>
+      <a:lightRig rig="threePt" dir="t"/>
+    </dgm:scene3d>
+    <dgm:sp3d/>
+    <dgm:txPr/>
+    <dgm:style>
+      <a:lnRef idx="1">
+        <a:scrgbClr r="0" g="0" b="0"/>
+      </a:lnRef>
+      <a:fillRef idx="2">
+        <a:scrgbClr r="0" g="0" b="0"/>
+      </a:fillRef>
+      <a:effectRef idx="1">
+        <a:scrgbClr r="0" g="0" b="0"/>
+      </a:effectRef>
+      <a:fontRef idx="minor">
+        <a:schemeClr val="dk1"/>
+      </a:fontRef>
+    </dgm:style>
+  </dgm:styleLbl>
+  <dgm:styleLbl name="node1">
+    <dgm:scene3d>
+      <a:camera prst="orthographicFront"/>
+      <a:lightRig rig="flat" dir="t"/>
+    </dgm:scene3d>
+    <dgm:sp3d prstMaterial="dkEdge">
+      <a:bevelT w="8200" h="38100"/>
+    </dgm:sp3d>
+    <dgm:txPr/>
+    <dgm:style>
+      <a:lnRef idx="0">
+        <a:scrgbClr r="0" g="0" b="0"/>
+      </a:lnRef>
+      <a:fillRef idx="2">
+        <a:scrgbClr r="0" g="0" b="0"/>
+      </a:fillRef>
+      <a:effectRef idx="1">
+        <a:scrgbClr r="0" g="0" b="0"/>
+      </a:effectRef>
+      <a:fontRef idx="minor">
+        <a:schemeClr val="dk1"/>
+      </a:fontRef>
+    </dgm:style>
+  </dgm:styleLbl>
+  <dgm:styleLbl name="node2">
+    <dgm:scene3d>
+      <a:camera prst="orthographicFront"/>
+      <a:lightRig rig="flat" dir="t"/>
+    </dgm:scene3d>
+    <dgm:sp3d prstMaterial="dkEdge">
+      <a:bevelT w="8200" h="38100"/>
+    </dgm:sp3d>
+    <dgm:txPr/>
+    <dgm:style>
+      <a:lnRef idx="0">
+        <a:scrgbClr r="0" g="0" b="0"/>
+      </a:lnRef>
+      <a:fillRef idx="2">
+        <a:scrgbClr r="0" g="0" b="0"/>
+      </a:fillRef>
+      <a:effectRef idx="1">
+        <a:scrgbClr r="0" g="0" b="0"/>
+      </a:effectRef>
+      <a:fontRef idx="minor">
+        <a:schemeClr val="dk1"/>
+      </a:fontRef>
+    </dgm:style>
+  </dgm:styleLbl>
+  <dgm:styleLbl name="node3">
+    <dgm:scene3d>
+      <a:camera prst="orthographicFront"/>
+      <a:lightRig rig="flat" dir="t"/>
+    </dgm:scene3d>
+    <dgm:sp3d prstMaterial="dkEdge">
+      <a:bevelT w="8200" h="38100"/>
+    </dgm:sp3d>
+    <dgm:txPr/>
+    <dgm:style>
+      <a:lnRef idx="0">
+        <a:scrgbClr r="0" g="0" b="0"/>
+      </a:lnRef>
+      <a:fillRef idx="2">
+        <a:scrgbClr r="0" g="0" b="0"/>
+      </a:fillRef>
+      <a:effectRef idx="1">
+        <a:scrgbClr r="0" g="0" b="0"/>
+      </a:effectRef>
+      <a:fontRef idx="minor">
+        <a:schemeClr val="dk1"/>
+      </a:fontRef>
+    </dgm:style>
+  </dgm:styleLbl>
+  <dgm:styleLbl name="node4">
+    <dgm:scene3d>
+      <a:camera prst="orthographicFront"/>
+      <a:lightRig rig="flat" dir="t"/>
+    </dgm:scene3d>
+    <dgm:sp3d prstMaterial="dkEdge">
+      <a:bevelT w="8200" h="38100"/>
+    </dgm:sp3d>
+    <dgm:txPr/>
+    <dgm:style>
+      <a:lnRef idx="0">
+        <a:scrgbClr r="0" g="0" b="0"/>
+      </a:lnRef>
+      <a:fillRef idx="2">
+        <a:scrgbClr r="0" g="0" b="0"/>
+      </a:fillRef>
+      <a:effectRef idx="1">
+        <a:scrgbClr r="0" g="0" b="0"/>
+      </a:effectRef>
+      <a:fontRef idx="minor">
+        <a:schemeClr val="dk1"/>
+      </a:fontRef>
+    </dgm:style>
+  </dgm:styleLbl>
+  <dgm:styleLbl name="fgImgPlace1">
+    <dgm:scene3d>
+      <a:camera prst="orthographicFront"/>
+      <a:lightRig rig="threePt" dir="t"/>
+    </dgm:scene3d>
+    <dgm:sp3d/>
+    <dgm:txPr/>
+    <dgm:style>
+      <a:lnRef idx="1">
+        <a:scrgbClr r="0" g="0" b="0"/>
+      </a:lnRef>
+      <a:fillRef idx="1">
+        <a:scrgbClr r="0" g="0" b="0"/>
+      </a:fillRef>
+      <a:effectRef idx="1">
+        <a:scrgbClr r="0" g="0" b="0"/>
+      </a:effectRef>
+      <a:fontRef idx="minor"/>
+    </dgm:style>
+  </dgm:styleLbl>
+  <dgm:styleLbl name="alignImgPlace1">
+    <dgm:scene3d>
+      <a:camera prst="orthographicFront"/>
+      <a:lightRig rig="threePt" dir="t"/>
+    </dgm:scene3d>
+    <dgm:sp3d/>
+    <dgm:txPr/>
+    <dgm:style>
+      <a:lnRef idx="1">
+        <a:scrgbClr r="0" g="0" b="0"/>
+      </a:lnRef>
+      <a:fillRef idx="1">
+        <a:scrgbClr r="0" g="0" b="0"/>
+      </a:fillRef>
+      <a:effectRef idx="1">
+        <a:scrgbClr r="0" g="0" b="0"/>
+      </a:effectRef>
+      <a:fontRef idx="minor"/>
+    </dgm:style>
+  </dgm:styleLbl>
+  <dgm:styleLbl name="bgImgPlace1">
+    <dgm:scene3d>
+      <a:camera prst="orthographicFront"/>
+      <a:lightRig rig="threePt" dir="t"/>
+    </dgm:scene3d>
+    <dgm:sp3d/>
+    <dgm:txPr/>
+    <dgm:style>
+      <a:lnRef idx="1">
+        <a:scrgbClr r="0" g="0" b="0"/>
+      </a:lnRef>
+      <a:fillRef idx="1">
+        <a:scrgbClr r="0" g="0" b="0"/>
+      </a:fillRef>
+      <a:effectRef idx="1">
+        <a:scrgbClr r="0" g="0" b="0"/>
+      </a:effectRef>
+      <a:fontRef idx="minor"/>
+    </dgm:style>
+  </dgm:styleLbl>
+  <dgm:styleLbl name="sibTrans2D1">
+    <dgm:scene3d>
+      <a:camera prst="orthographicFront"/>
+      <a:lightRig rig="threePt" dir="t"/>
+    </dgm:scene3d>
+    <dgm:sp3d/>
+    <dgm:txPr/>
+    <dgm:style>
+      <a:lnRef idx="0">
+        <a:scrgbClr r="0" g="0" b="0"/>
+      </a:lnRef>
+      <a:fillRef idx="2">
+        <a:scrgbClr r="0" g="0" b="0"/>
+      </a:fillRef>
+      <a:effectRef idx="1">
+        <a:scrgbClr r="0" g="0" b="0"/>
+      </a:effectRef>
+      <a:fontRef idx="minor">
+        <a:schemeClr val="dk1"/>
+      </a:fontRef>
+    </dgm:style>
+  </dgm:styleLbl>
+  <dgm:styleLbl name="fgSibTrans2D1">
+    <dgm:scene3d>
+      <a:camera prst="orthographicFront"/>
+      <a:lightRig rig="threePt" dir="t"/>
+    </dgm:scene3d>
+    <dgm:sp3d/>
+    <dgm:txPr/>
+    <dgm:style>
+      <a:lnRef idx="0">
+        <a:scrgbClr r="0" g="0" b="0"/>
+      </a:lnRef>
+      <a:fillRef idx="2">
+        <a:scrgbClr r="0" g="0" b="0"/>
+      </a:fillRef>
+      <a:effectRef idx="1">
+        <a:scrgbClr r="0" g="0" b="0"/>
+      </a:effectRef>
+      <a:fontRef idx="minor">
+        <a:schemeClr val="dk1"/>
+      </a:fontRef>
+    </dgm:style>
+  </dgm:styleLbl>
+  <dgm:styleLbl name="bgSibTrans2D1">
+    <dgm:scene3d>
+      <a:camera prst="orthographicFront"/>
+      <a:lightRig rig="threePt" dir="t"/>
+    </dgm:scene3d>
+    <dgm:sp3d/>
+    <dgm:txPr/>
+    <dgm:style>
+      <a:lnRef idx="0">
+        <a:scrgbClr r="0" g="0" b="0"/>
+      </a:lnRef>
+      <a:fillRef idx="2">
+        <a:scrgbClr r="0" g="0" b="0"/>
+      </a:fillRef>
+      <a:effectRef idx="1">
+        <a:scrgbClr r="0" g="0" b="0"/>
+      </a:effectRef>
+      <a:fontRef idx="minor">
+        <a:schemeClr val="dk1"/>
+      </a:fontRef>
+    </dgm:style>
+  </dgm:styleLbl>
+  <dgm:styleLbl name="sibTrans1D1">
+    <dgm:scene3d>
+      <a:camera prst="orthographicFront"/>
+      <a:lightRig rig="threePt" dir="t"/>
+    </dgm:scene3d>
+    <dgm:sp3d/>
+    <dgm:txPr/>
+    <dgm:style>
+      <a:lnRef idx="1">
+        <a:scrgbClr r="0" g="0" b="0"/>
+      </a:lnRef>
+      <a:fillRef idx="0">
+        <a:scrgbClr r="0" g="0" b="0"/>
+      </a:fillRef>
+      <a:effectRef idx="0">
+        <a:scrgbClr r="0" g="0" b="0"/>
+      </a:effectRef>
+      <a:fontRef idx="minor"/>
+    </dgm:style>
+  </dgm:styleLbl>
+  <dgm:styleLbl name="callout">
+    <dgm:scene3d>
+      <a:camera prst="orthographicFront"/>
+      <a:lightRig rig="threePt" dir="t"/>
+    </dgm:scene3d>
+    <dgm:sp3d/>
+    <dgm:txPr/>
+    <dgm:style>
+      <a:lnRef idx="1">
+        <a:scrgbClr r="0" g="0" b="0"/>
+      </a:lnRef>
+      <a:fillRef idx="2">
+        <a:scrgbClr r="0" g="0" b="0"/>
+      </a:fillRef>
+      <a:effectRef idx="1">
+        <a:scrgbClr r="0" g="0" b="0"/>
+      </a:effectRef>
+      <a:fontRef idx="minor"/>
+    </dgm:style>
+  </dgm:styleLbl>
+  <dgm:styleLbl name="asst0">
+    <dgm:scene3d>
+      <a:camera prst="orthographicFront"/>
+      <a:lightRig rig="flat" dir="t"/>
+    </dgm:scene3d>
+    <dgm:sp3d prstMaterial="dkEdge">
+      <a:bevelT w="8200" h="38100"/>
+    </dgm:sp3d>
+    <dgm:txPr/>
+    <dgm:style>
+      <a:lnRef idx="0">
+        <a:scrgbClr r="0" g="0" b="0"/>
+      </a:lnRef>
+      <a:fillRef idx="2">
+        <a:scrgbClr r="0" g="0" b="0"/>
+      </a:fillRef>
+      <a:effectRef idx="1">
+        <a:scrgbClr r="0" g="0" b="0"/>
+      </a:effectRef>
+      <a:fontRef idx="minor">
+        <a:schemeClr val="dk1"/>
+      </a:fontRef>
+    </dgm:style>
+  </dgm:styleLbl>
+  <dgm:styleLbl name="asst1">
+    <dgm:scene3d>
+      <a:camera prst="orthographicFront"/>
+      <a:lightRig rig="flat" dir="t"/>
+    </dgm:scene3d>
+    <dgm:sp3d prstMaterial="dkEdge">
+      <a:bevelT w="8200" h="38100"/>
+    </dgm:sp3d>
+    <dgm:txPr/>
+    <dgm:style>
+      <a:lnRef idx="0">
+        <a:scrgbClr r="0" g="0" b="0"/>
+      </a:lnRef>
+      <a:fillRef idx="2">
+        <a:scrgbClr r="0" g="0" b="0"/>
+      </a:fillRef>
+      <a:effectRef idx="1">
+        <a:scrgbClr r="0" g="0" b="0"/>
+      </a:effectRef>
+      <a:fontRef idx="minor">
+        <a:schemeClr val="dk1"/>
+      </a:fontRef>
+    </dgm:style>
+  </dgm:styleLbl>
+  <dgm:styleLbl name="asst2">
+    <dgm:scene3d>
+      <a:camera prst="orthographicFront"/>
+      <a:lightRig rig="flat" dir="t"/>
+    </dgm:scene3d>
+    <dgm:sp3d prstMaterial="dkEdge">
+      <a:bevelT w="8200" h="38100"/>
+    </dgm:sp3d>
+    <dgm:txPr/>
+    <dgm:style>
+      <a:lnRef idx="0">
+        <a:scrgbClr r="0" g="0" b="0"/>
+      </a:lnRef>
+      <a:fillRef idx="2">
+        <a:scrgbClr r="0" g="0" b="0"/>
+      </a:fillRef>
+      <a:effectRef idx="1">
+        <a:scrgbClr r="0" g="0" b="0"/>
+      </a:effectRef>
+      <a:fontRef idx="minor">
+        <a:schemeClr val="dk1"/>
+      </a:fontRef>
+    </dgm:style>
+  </dgm:styleLbl>
+  <dgm:styleLbl name="asst3">
+    <dgm:scene3d>
+      <a:camera prst="orthographicFront"/>
+      <a:lightRig rig="flat" dir="t"/>
+    </dgm:scene3d>
+    <dgm:sp3d prstMaterial="dkEdge">
+      <a:bevelT w="8200" h="38100"/>
+    </dgm:sp3d>
+    <dgm:txPr/>
+    <dgm:style>
+      <a:lnRef idx="0">
+        <a:scrgbClr r="0" g="0" b="0"/>
+      </a:lnRef>
+      <a:fillRef idx="2">
+        <a:scrgbClr r="0" g="0" b="0"/>
+      </a:fillRef>
+      <a:effectRef idx="1">
+        <a:scrgbClr r="0" g="0" b="0"/>
+      </a:effectRef>
+      <a:fontRef idx="minor">
+        <a:schemeClr val="dk1"/>
+      </a:fontRef>
+    </dgm:style>
+  </dgm:styleLbl>
+  <dgm:styleLbl name="asst4">
+    <dgm:scene3d>
+      <a:camera prst="orthographicFront"/>
+      <a:lightRig rig="flat" dir="t"/>
+    </dgm:scene3d>
+    <dgm:sp3d prstMaterial="dkEdge">
+      <a:bevelT w="8200" h="38100"/>
+    </dgm:sp3d>
+    <dgm:txPr/>
+    <dgm:style>
+      <a:lnRef idx="0">
+        <a:scrgbClr r="0" g="0" b="0"/>
+      </a:lnRef>
+      <a:fillRef idx="2">
+        <a:scrgbClr r="0" g="0" b="0"/>
+      </a:fillRef>
+      <a:effectRef idx="1">
+        <a:scrgbClr r="0" g="0" b="0"/>
+      </a:effectRef>
+      <a:fontRef idx="minor">
+        <a:schemeClr val="dk1"/>
+      </a:fontRef>
+    </dgm:style>
+  </dgm:styleLbl>
+  <dgm:styleLbl name="parChTrans2D1">
+    <dgm:scene3d>
+      <a:camera prst="orthographicFront"/>
+      <a:lightRig rig="threePt" dir="t"/>
+    </dgm:scene3d>
+    <dgm:sp3d/>
+    <dgm:txPr/>
+    <dgm:style>
+      <a:lnRef idx="1">
+        <a:scrgbClr r="0" g="0" b="0"/>
+      </a:lnRef>
+      <a:fillRef idx="2">
+        <a:scrgbClr r="0" g="0" b="0"/>
+      </a:fillRef>
+      <a:effectRef idx="1">
+        <a:scrgbClr r="0" g="0" b="0"/>
+      </a:effectRef>
+      <a:fontRef idx="minor">
+        <a:schemeClr val="dk1"/>
+      </a:fontRef>
+    </dgm:style>
+  </dgm:styleLbl>
+  <dgm:styleLbl name="parChTrans2D2">
+    <dgm:scene3d>
+      <a:camera prst="orthographicFront"/>
+      <a:lightRig rig="threePt" dir="t"/>
+    </dgm:scene3d>
+    <dgm:sp3d/>
+    <dgm:txPr/>
+    <dgm:style>
+      <a:lnRef idx="1">
+        <a:scrgbClr r="0" g="0" b="0"/>
+      </a:lnRef>
+      <a:fillRef idx="2">
+        <a:scrgbClr r="0" g="0" b="0"/>
+      </a:fillRef>
+      <a:effectRef idx="1">
+        <a:scrgbClr r="0" g="0" b="0"/>
+      </a:effectRef>
+      <a:fontRef idx="minor">
+        <a:schemeClr val="dk1"/>
+      </a:fontRef>
+    </dgm:style>
+  </dgm:styleLbl>
+  <dgm:styleLbl name="parChTrans2D3">
+    <dgm:scene3d>
+      <a:camera prst="orthographicFront"/>
+      <a:lightRig rig="threePt" dir="t"/>
+    </dgm:scene3d>
+    <dgm:sp3d/>
+    <dgm:txPr/>
+    <dgm:style>
+      <a:lnRef idx="1">
+        <a:scrgbClr r="0" g="0" b="0"/>
+      </a:lnRef>
+      <a:fillRef idx="2">
+        <a:scrgbClr r="0" g="0" b="0"/>
+      </a:fillRef>
+      <a:effectRef idx="1">
+        <a:scrgbClr r="0" g="0" b="0"/>
+      </a:effectRef>
+      <a:fontRef idx="minor">
+        <a:schemeClr val="dk1"/>
+      </a:fontRef>
+    </dgm:style>
+  </dgm:styleLbl>
+  <dgm:styleLbl name="parChTrans2D4">
+    <dgm:scene3d>
+      <a:camera prst="orthographicFront"/>
+      <a:lightRig rig="threePt" dir="t"/>
+    </dgm:scene3d>
+    <dgm:sp3d/>
+    <dgm:txPr/>
+    <dgm:style>
+      <a:lnRef idx="1">
+        <a:scrgbClr r="0" g="0" b="0"/>
+      </a:lnRef>
+      <a:fillRef idx="2">
+        <a:scrgbClr r="0" g="0" b="0"/>
+      </a:fillRef>
+      <a:effectRef idx="1">
+        <a:scrgbClr r="0" g="0" b="0"/>
+      </a:effectRef>
+      <a:fontRef idx="minor">
+        <a:schemeClr val="dk1"/>
+      </a:fontRef>
+    </dgm:style>
+  </dgm:styleLbl>
+  <dgm:styleLbl name="parChTrans1D1">
+    <dgm:scene3d>
+      <a:camera prst="orthographicFront"/>
+      <a:lightRig rig="threePt" dir="t"/>
+    </dgm:scene3d>
+    <dgm:sp3d/>
+    <dgm:txPr/>
+    <dgm:style>
+      <a:lnRef idx="2">
+        <a:scrgbClr r="0" g="0" b="0"/>
+      </a:lnRef>
+      <a:fillRef idx="0">
+        <a:scrgbClr r="0" g="0" b="0"/>
+      </a:fillRef>
+      <a:effectRef idx="0">
+        <a:scrgbClr r="0" g="0" b="0"/>
+      </a:effectRef>
+      <a:fontRef idx="minor"/>
+    </dgm:style>
+  </dgm:styleLbl>
+  <dgm:styleLbl name="parChTrans1D2">
+    <dgm:scene3d>
+      <a:camera prst="orthographicFront"/>
+      <a:lightRig rig="threePt" dir="t"/>
+    </dgm:scene3d>
+    <dgm:sp3d/>
+    <dgm:txPr/>
+    <dgm:style>
+      <a:lnRef idx="2">
+        <a:scrgbClr r="0" g="0" b="0"/>
+      </a:lnRef>
+      <a:fillRef idx="0">
+        <a:scrgbClr r="0" g="0" b="0"/>
+      </a:fillRef>
+      <a:effectRef idx="0">
+        <a:scrgbClr r="0" g="0" b="0"/>
+      </a:effectRef>
+      <a:fontRef idx="minor"/>
+    </dgm:style>
+  </dgm:styleLbl>
+  <dgm:styleLbl name="parChTrans1D3">
+    <dgm:scene3d>
+      <a:camera prst="orthographicFront"/>
+      <a:lightRig rig="threePt" dir="t"/>
+    </dgm:scene3d>
+    <dgm:sp3d/>
+    <dgm:txPr/>
+    <dgm:style>
+      <a:lnRef idx="2">
+        <a:scrgbClr r="0" g="0" b="0"/>
+      </a:lnRef>
+      <a:fillRef idx="0">
+        <a:scrgbClr r="0" g="0" b="0"/>
+      </a:fillRef>
+      <a:effectRef idx="0">
+        <a:scrgbClr r="0" g="0" b="0"/>
+      </a:effectRef>
+      <a:fontRef idx="minor"/>
+    </dgm:style>
+  </dgm:styleLbl>
+  <dgm:styleLbl name="parChTrans1D4">
+    <dgm:scene3d>
+      <a:camera prst="orthographicFront"/>
+      <a:lightRig rig="threePt" dir="t"/>
+    </dgm:scene3d>
+    <dgm:sp3d/>
+    <dgm:txPr/>
+    <dgm:style>
+      <a:lnRef idx="2">
+        <a:scrgbClr r="0" g="0" b="0"/>
+      </a:lnRef>
+      <a:fillRef idx="0">
+        <a:scrgbClr r="0" g="0" b="0"/>
+      </a:fillRef>
+      <a:effectRef idx="0">
+        <a:scrgbClr r="0" g="0" b="0"/>
+      </a:effectRef>
+      <a:fontRef idx="minor"/>
+    </dgm:style>
+  </dgm:styleLbl>
+  <dgm:styleLbl name="fgAcc1">
+    <dgm:scene3d>
+      <a:camera prst="orthographicFront"/>
+      <a:lightRig rig="threePt" dir="t"/>
+    </dgm:scene3d>
+    <dgm:sp3d/>
+    <dgm:txPr/>
+    <dgm:style>
+      <a:lnRef idx="1">
+        <a:scrgbClr r="0" g="0" b="0"/>
+      </a:lnRef>
+      <a:fillRef idx="1">
+        <a:scrgbClr r="0" g="0" b="0"/>
+      </a:fillRef>
+      <a:effectRef idx="0">
+        <a:scrgbClr r="0" g="0" b="0"/>
+      </a:effectRef>
+      <a:fontRef idx="minor"/>
+    </dgm:style>
+  </dgm:styleLbl>
+  <dgm:styleLbl name="conFgAcc1">
+    <dgm:scene3d>
+      <a:camera prst="orthographicFront"/>
+      <a:lightRig rig="threePt" dir="t"/>
+    </dgm:scene3d>
+    <dgm:sp3d/>
+    <dgm:txPr/>
+    <dgm:style>
+      <a:lnRef idx="1">
+        <a:scrgbClr r="0" g="0" b="0"/>
+      </a:lnRef>
+      <a:fillRef idx="1">
+        <a:scrgbClr r="0" g="0" b="0"/>
+      </a:fillRef>
+      <a:effectRef idx="0">
+        <a:scrgbClr r="0" g="0" b="0"/>
+      </a:effectRef>
+      <a:fontRef idx="minor"/>
+    </dgm:style>
+  </dgm:styleLbl>
+  <dgm:styleLbl name="alignAcc1">
+    <dgm:scene3d>
+      <a:camera prst="orthographicFront"/>
+      <a:lightRig rig="threePt" dir="t"/>
+    </dgm:scene3d>
+    <dgm:sp3d/>
+    <dgm:txPr/>
+    <dgm:style>
+      <a:lnRef idx="1">
+        <a:scrgbClr r="0" g="0" b="0"/>
+      </a:lnRef>
+      <a:fillRef idx="1">
+        <a:scrgbClr r="0" g="0" b="0"/>
+      </a:fillRef>
+      <a:effectRef idx="0">
+        <a:scrgbClr r="0" g="0" b="0"/>
+      </a:effectRef>
+      <a:fontRef idx="minor"/>
+    </dgm:style>
+  </dgm:styleLbl>
+  <dgm:styleLbl name="trAlignAcc1">
+    <dgm:scene3d>
+      <a:camera prst="orthographicFront"/>
+      <a:lightRig rig="threePt" dir="t"/>
+    </dgm:scene3d>
+    <dgm:sp3d/>
+    <dgm:txPr/>
+    <dgm:style>
+      <a:lnRef idx="1">
+        <a:scrgbClr r="0" g="0" b="0"/>
+      </a:lnRef>
+      <a:fillRef idx="1">
+        <a:scrgbClr r="0" g="0" b="0"/>
+      </a:fillRef>
+      <a:effectRef idx="0">
+        <a:scrgbClr r="0" g="0" b="0"/>
+      </a:effectRef>
+      <a:fontRef idx="minor"/>
+    </dgm:style>
+  </dgm:styleLbl>
+  <dgm:styleLbl name="bgAcc1">
+    <dgm:scene3d>
+      <a:camera prst="orthographicFront"/>
+      <a:lightRig rig="threePt" dir="t"/>
+    </dgm:scene3d>
+    <dgm:sp3d/>
+    <dgm:txPr/>
+    <dgm:style>
+      <a:lnRef idx="1">
+        <a:scrgbClr r="0" g="0" b="0"/>
+      </a:lnRef>
+      <a:fillRef idx="1">
+        <a:scrgbClr r="0" g="0" b="0"/>
+      </a:fillRef>
+      <a:effectRef idx="0">
+        <a:scrgbClr r="0" g="0" b="0"/>
+      </a:effectRef>
+      <a:fontRef idx="minor"/>
+    </dgm:style>
+  </dgm:styleLbl>
+  <dgm:styleLbl name="solidFgAcc1">
+    <dgm:scene3d>
+      <a:camera prst="orthographicFront"/>
+      <a:lightRig rig="threePt" dir="t"/>
+    </dgm:scene3d>
+    <dgm:sp3d/>
+    <dgm:txPr/>
+    <dgm:style>
+      <a:lnRef idx="1">
+        <a:scrgbClr r="0" g="0" b="0"/>
+      </a:lnRef>
+      <a:fillRef idx="2">
+        <a:scrgbClr r="0" g="0" b="0"/>
+      </a:fillRef>
+      <a:effectRef idx="0">
+        <a:scrgbClr r="0" g="0" b="0"/>
+      </a:effectRef>
+      <a:fontRef idx="minor"/>
+    </dgm:style>
+  </dgm:styleLbl>
+  <dgm:styleLbl name="solidAlignAcc1">
+    <dgm:scene3d>
+      <a:camera prst="orthographicFront"/>
+      <a:lightRig rig="threePt" dir="t"/>
+    </dgm:scene3d>
+    <dgm:sp3d/>
+    <dgm:txPr/>
+    <dgm:style>
+      <a:lnRef idx="1">
+        <a:scrgbClr r="0" g="0" b="0"/>
+      </a:lnRef>
+      <a:fillRef idx="1">
+        <a:scrgbClr r="0" g="0" b="0"/>
+      </a:fillRef>
+      <a:effectRef idx="0">
+        <a:scrgbClr r="0" g="0" b="0"/>
+      </a:effectRef>
+      <a:fontRef idx="minor"/>
+    </dgm:style>
+  </dgm:styleLbl>
+  <dgm:styleLbl name="solidBgAcc1">
+    <dgm:scene3d>
+      <a:camera prst="orthographicFront"/>
+      <a:lightRig rig="threePt" dir="t"/>
+    </dgm:scene3d>
+    <dgm:sp3d/>
+    <dgm:txPr/>
+    <dgm:style>
+      <a:lnRef idx="1">
+        <a:scrgbClr r="0" g="0" b="0"/>
+      </a:lnRef>
+      <a:fillRef idx="1">
+        <a:scrgbClr r="0" g="0" b="0"/>
+      </a:fillRef>
+      <a:effectRef idx="0">
+        <a:scrgbClr r="0" g="0" b="0"/>
+      </a:effectRef>
+      <a:fontRef idx="minor"/>
+    </dgm:style>
+  </dgm:styleLbl>
+  <dgm:styleLbl name="fgAccFollowNode1">
+    <dgm:scene3d>
+      <a:camera prst="orthographicFront"/>
+      <a:lightRig rig="threePt" dir="t"/>
+    </dgm:scene3d>
+    <dgm:sp3d/>
+    <dgm:txPr/>
+    <dgm:style>
+      <a:lnRef idx="1">
+        <a:scrgbClr r="0" g="0" b="0"/>
+      </a:lnRef>
+      <a:fillRef idx="1">
+        <a:scrgbClr r="0" g="0" b="0"/>
+      </a:fillRef>
+      <a:effectRef idx="0">
+        <a:scrgbClr r="0" g="0" b="0"/>
+      </a:effectRef>
+      <a:fontRef idx="minor"/>
+    </dgm:style>
+  </dgm:styleLbl>
+  <dgm:styleLbl name="alignAccFollowNode1">
+    <dgm:scene3d>
+      <a:camera prst="orthographicFront"/>
+      <a:lightRig rig="threePt" dir="t"/>
+    </dgm:scene3d>
+    <dgm:sp3d/>
+    <dgm:txPr/>
+    <dgm:style>
+      <a:lnRef idx="1">
+        <a:scrgbClr r="0" g="0" b="0"/>
+      </a:lnRef>
+      <a:fillRef idx="1">
+        <a:scrgbClr r="0" g="0" b="0"/>
+      </a:fillRef>
+      <a:effectRef idx="0">
+        <a:scrgbClr r="0" g="0" b="0"/>
+      </a:effectRef>
+      <a:fontRef idx="minor"/>
+    </dgm:style>
+  </dgm:styleLbl>
+  <dgm:styleLbl name="bgAccFollowNode1">
+    <dgm:scene3d>
+      <a:camera prst="orthographicFront"/>
+      <a:lightRig rig="threePt" dir="t"/>
+    </dgm:scene3d>
+    <dgm:sp3d/>
+    <dgm:txPr/>
+    <dgm:style>
+      <a:lnRef idx="1">
+        <a:scrgbClr r="0" g="0" b="0"/>
+      </a:lnRef>
+      <a:fillRef idx="1">
+        <a:scrgbClr r="0" g="0" b="0"/>
+      </a:fillRef>
+      <a:effectRef idx="0">
+        <a:scrgbClr r="0" g="0" b="0"/>
+      </a:effectRef>
+      <a:fontRef idx="minor"/>
+    </dgm:style>
+  </dgm:styleLbl>
+  <dgm:styleLbl name="fgAcc0">
+    <dgm:scene3d>
+      <a:camera prst="orthographicFront"/>
+      <a:lightRig rig="threePt" dir="t"/>
+    </dgm:scene3d>
+    <dgm:sp3d/>
+    <dgm:txPr/>
+    <dgm:style>
+      <a:lnRef idx="1">
+        <a:scrgbClr r="0" g="0" b="0"/>
+      </a:lnRef>
+      <a:fillRef idx="1">
+        <a:scrgbClr r="0" g="0" b="0"/>
+      </a:fillRef>
+      <a:effectRef idx="0">
+        <a:scrgbClr r="0" g="0" b="0"/>
+      </a:effectRef>
+      <a:fontRef idx="minor"/>
+    </dgm:style>
+  </dgm:styleLbl>
+  <dgm:styleLbl name="fgAcc2">
+    <dgm:scene3d>
+      <a:camera prst="orthographicFront"/>
+      <a:lightRig rig="threePt" dir="t"/>
+    </dgm:scene3d>
+    <dgm:sp3d/>
+    <dgm:txPr/>
+    <dgm:style>
+      <a:lnRef idx="1">
+        <a:scrgbClr r="0" g="0" b="0"/>
+      </a:lnRef>
+      <a:fillRef idx="1">
+        <a:scrgbClr r="0" g="0" b="0"/>
+      </a:fillRef>
+      <a:effectRef idx="0">
+        <a:scrgbClr r="0" g="0" b="0"/>
+      </a:effectRef>
+      <a:fontRef idx="minor"/>
+    </dgm:style>
+  </dgm:styleLbl>
+  <dgm:styleLbl name="fgAcc3">
+    <dgm:scene3d>
+      <a:camera prst="orthographicFront"/>
+      <a:lightRig rig="threePt" dir="t"/>
+    </dgm:scene3d>
+    <dgm:sp3d/>
+    <dgm:txPr/>
+    <dgm:style>
+      <a:lnRef idx="1">
+        <a:scrgbClr r="0" g="0" b="0"/>
+      </a:lnRef>
+      <a:fillRef idx="1">
+        <a:scrgbClr r="0" g="0" b="0"/>
+      </a:fillRef>
+      <a:effectRef idx="0">
+        <a:scrgbClr r="0" g="0" b="0"/>
+      </a:effectRef>
+      <a:fontRef idx="minor"/>
+    </dgm:style>
+  </dgm:styleLbl>
+  <dgm:styleLbl name="fgAcc4">
+    <dgm:scene3d>
+      <a:camera prst="orthographicFront"/>
+      <a:lightRig rig="threePt" dir="t"/>
+    </dgm:scene3d>
+    <dgm:sp3d/>
+    <dgm:txPr/>
+    <dgm:style>
+      <a:lnRef idx="1">
+        <a:scrgbClr r="0" g="0" b="0"/>
+      </a:lnRef>
+      <a:fillRef idx="1">
+        <a:scrgbClr r="0" g="0" b="0"/>
+      </a:fillRef>
+      <a:effectRef idx="0">
+        <a:scrgbClr r="0" g="0" b="0"/>
+      </a:effectRef>
+      <a:fontRef idx="minor"/>
+    </dgm:style>
+  </dgm:styleLbl>
+  <dgm:styleLbl name="bgShp">
+    <dgm:scene3d>
+      <a:camera prst="orthographicFront"/>
+      <a:lightRig rig="threePt" dir="t"/>
+    </dgm:scene3d>
+    <dgm:sp3d/>
+    <dgm:txPr/>
+    <dgm:style>
+      <a:lnRef idx="0">
+        <a:scrgbClr r="0" g="0" b="0"/>
+      </a:lnRef>
+      <a:fillRef idx="1">
+        <a:scrgbClr r="0" g="0" b="0"/>
+      </a:fillRef>
+      <a:effectRef idx="1">
+        <a:scrgbClr r="0" g="0" b="0"/>
+      </a:effectRef>
+      <a:fontRef idx="minor"/>
+    </dgm:style>
+  </dgm:styleLbl>
+  <dgm:styleLbl name="dkBgShp">
+    <dgm:scene3d>
+      <a:camera prst="orthographicFront"/>
+      <a:lightRig rig="threePt" dir="t"/>
+    </dgm:scene3d>
+    <dgm:sp3d/>
+    <dgm:txPr/>
+    <dgm:style>
+      <a:lnRef idx="0">
+        <a:scrgbClr r="0" g="0" b="0"/>
+      </a:lnRef>
+      <a:fillRef idx="1">
+        <a:scrgbClr r="0" g="0" b="0"/>
+      </a:fillRef>
+      <a:effectRef idx="1">
+        <a:scrgbClr r="0" g="0" b="0"/>
+      </a:effectRef>
+      <a:fontRef idx="minor"/>
+    </dgm:style>
+  </dgm:styleLbl>
+  <dgm:styleLbl name="trBgShp">
+    <dgm:scene3d>
+      <a:camera prst="orthographicFront"/>
+      <a:lightRig rig="threePt" dir="t"/>
+    </dgm:scene3d>
+    <dgm:sp3d/>
+    <dgm:txPr/>
+    <dgm:style>
+      <a:lnRef idx="0">
+        <a:scrgbClr r="0" g="0" b="0"/>
+      </a:lnRef>
+      <a:fillRef idx="1">
+        <a:scrgbClr r="0" g="0" b="0"/>
+      </a:fillRef>
+      <a:effectRef idx="0">
+        <a:scrgbClr r="0" g="0" b="0"/>
+      </a:effectRef>
+      <a:fontRef idx="minor"/>
+    </dgm:style>
+  </dgm:styleLbl>
+  <dgm:styleLbl name="fgShp">
+    <dgm:scene3d>
+      <a:camera prst="orthographicFront"/>
+      <a:lightRig rig="flat" dir="t"/>
+    </dgm:scene3d>
+    <dgm:sp3d prstMaterial="dkEdge">
+      <a:bevelT w="8200" h="38100"/>
+    </dgm:sp3d>
+    <dgm:txPr/>
+    <dgm:style>
+      <a:lnRef idx="1">
+        <a:scrgbClr r="0" g="0" b="0"/>
+      </a:lnRef>
+      <a:fillRef idx="2">
+        <a:scrgbClr r="0" g="0" b="0"/>
+      </a:fillRef>
+      <a:effectRef idx="1">
+        <a:scrgbClr r="0" g="0" b="0"/>
+      </a:effectRef>
+      <a:fontRef idx="minor"/>
+    </dgm:style>
+  </dgm:styleLbl>
+  <dgm:styleLbl name="revTx">
+    <dgm:scene3d>
+      <a:camera prst="orthographicFront"/>
+      <a:lightRig rig="threePt" dir="t"/>
+    </dgm:scene3d>
+    <dgm:sp3d/>
+    <dgm:txPr/>
+    <dgm:style>
+      <a:lnRef idx="0">
+        <a:scrgbClr r="0" g="0" b="0"/>
+      </a:lnRef>
+      <a:fillRef idx="0">
+        <a:scrgbClr r="0" g="0" b="0"/>
+      </a:fillRef>
+      <a:effectRef idx="0">
+        <a:scrgbClr r="0" g="0" b="0"/>
+      </a:effectRef>
+      <a:fontRef idx="minor"/>
+    </dgm:style>
+  </dgm:styleLbl>
+</dgm:styleDef>
+</file>
+
 <file path=ppt/slideLayouts/slideLayout1.xml><?xml version="1.0" encoding="utf-8"?>
 <p:sldLayout xmlns:a="http://schemas.openxmlformats.org/drawingml/2006/main" xmlns:r="http://schemas.openxmlformats.org/officeDocument/2006/relationships" xmlns:p="http://schemas.openxmlformats.org/presentationml/2006/main" type="title" preserve="1">
   <p:cSld name="标题幻灯片">
@@ -3954,7 +9589,7 @@
           <a:p>
             <a:fld id="{E848FAB0-0345-4E7D-BE32-BEF3BBABB1A0}" type="datetimeFigureOut">
               <a:rPr lang="zh-CN" altLang="en-US" smtClean="0"/>
-              <a:t>2016/3/14</a:t>
+              <a:t>2016/4/15</a:t>
             </a:fld>
             <a:endParaRPr lang="zh-CN" altLang="en-US"/>
           </a:p>
@@ -4124,7 +9759,7 @@
           <a:p>
             <a:fld id="{E848FAB0-0345-4E7D-BE32-BEF3BBABB1A0}" type="datetimeFigureOut">
               <a:rPr lang="zh-CN" altLang="en-US" smtClean="0"/>
-              <a:t>2016/3/14</a:t>
+              <a:t>2016/4/15</a:t>
             </a:fld>
             <a:endParaRPr lang="zh-CN" altLang="en-US"/>
           </a:p>
@@ -4304,7 +9939,7 @@
           <a:p>
             <a:fld id="{E848FAB0-0345-4E7D-BE32-BEF3BBABB1A0}" type="datetimeFigureOut">
               <a:rPr lang="zh-CN" altLang="en-US" smtClean="0"/>
-              <a:t>2016/3/14</a:t>
+              <a:t>2016/4/15</a:t>
             </a:fld>
             <a:endParaRPr lang="zh-CN" altLang="en-US"/>
           </a:p>
@@ -4474,7 +10109,7 @@
           <a:p>
             <a:fld id="{E848FAB0-0345-4E7D-BE32-BEF3BBABB1A0}" type="datetimeFigureOut">
               <a:rPr lang="zh-CN" altLang="en-US" smtClean="0"/>
-              <a:t>2016/3/14</a:t>
+              <a:t>2016/4/15</a:t>
             </a:fld>
             <a:endParaRPr lang="zh-CN" altLang="en-US"/>
           </a:p>
@@ -4720,7 +10355,7 @@
           <a:p>
             <a:fld id="{E848FAB0-0345-4E7D-BE32-BEF3BBABB1A0}" type="datetimeFigureOut">
               <a:rPr lang="zh-CN" altLang="en-US" smtClean="0"/>
-              <a:t>2016/3/14</a:t>
+              <a:t>2016/4/15</a:t>
             </a:fld>
             <a:endParaRPr lang="zh-CN" altLang="en-US"/>
           </a:p>
@@ -4952,7 +10587,7 @@
           <a:p>
             <a:fld id="{E848FAB0-0345-4E7D-BE32-BEF3BBABB1A0}" type="datetimeFigureOut">
               <a:rPr lang="zh-CN" altLang="en-US" smtClean="0"/>
-              <a:t>2016/3/14</a:t>
+              <a:t>2016/4/15</a:t>
             </a:fld>
             <a:endParaRPr lang="zh-CN" altLang="en-US"/>
           </a:p>
@@ -5319,7 +10954,7 @@
           <a:p>
             <a:fld id="{E848FAB0-0345-4E7D-BE32-BEF3BBABB1A0}" type="datetimeFigureOut">
               <a:rPr lang="zh-CN" altLang="en-US" smtClean="0"/>
-              <a:t>2016/3/14</a:t>
+              <a:t>2016/4/15</a:t>
             </a:fld>
             <a:endParaRPr lang="zh-CN" altLang="en-US"/>
           </a:p>
@@ -5437,7 +11072,7 @@
           <a:p>
             <a:fld id="{E848FAB0-0345-4E7D-BE32-BEF3BBABB1A0}" type="datetimeFigureOut">
               <a:rPr lang="zh-CN" altLang="en-US" smtClean="0"/>
-              <a:t>2016/3/14</a:t>
+              <a:t>2016/4/15</a:t>
             </a:fld>
             <a:endParaRPr lang="zh-CN" altLang="en-US"/>
           </a:p>
@@ -5532,7 +11167,7 @@
           <a:p>
             <a:fld id="{E848FAB0-0345-4E7D-BE32-BEF3BBABB1A0}" type="datetimeFigureOut">
               <a:rPr lang="zh-CN" altLang="en-US" smtClean="0"/>
-              <a:t>2016/3/14</a:t>
+              <a:t>2016/4/15</a:t>
             </a:fld>
             <a:endParaRPr lang="zh-CN" altLang="en-US"/>
           </a:p>
@@ -5809,7 +11444,7 @@
           <a:p>
             <a:fld id="{E848FAB0-0345-4E7D-BE32-BEF3BBABB1A0}" type="datetimeFigureOut">
               <a:rPr lang="zh-CN" altLang="en-US" smtClean="0"/>
-              <a:t>2016/3/14</a:t>
+              <a:t>2016/4/15</a:t>
             </a:fld>
             <a:endParaRPr lang="zh-CN" altLang="en-US"/>
           </a:p>
@@ -6062,7 +11697,7 @@
           <a:p>
             <a:fld id="{E848FAB0-0345-4E7D-BE32-BEF3BBABB1A0}" type="datetimeFigureOut">
               <a:rPr lang="zh-CN" altLang="en-US" smtClean="0"/>
-              <a:t>2016/3/14</a:t>
+              <a:t>2016/4/15</a:t>
             </a:fld>
             <a:endParaRPr lang="zh-CN" altLang="en-US"/>
           </a:p>
@@ -6275,7 +11910,7 @@
           <a:p>
             <a:fld id="{E848FAB0-0345-4E7D-BE32-BEF3BBABB1A0}" type="datetimeFigureOut">
               <a:rPr lang="zh-CN" altLang="en-US" smtClean="0"/>
-              <a:t>2016/3/14</a:t>
+              <a:t>2016/4/15</a:t>
             </a:fld>
             <a:endParaRPr lang="zh-CN" altLang="en-US"/>
           </a:p>
@@ -12041,6 +17676,3717 @@
 </p:sld>
 </file>
 
+<file path=ppt/slides/slide4.xml><?xml version="1.0" encoding="utf-8"?>
+<p:sld xmlns:a="http://schemas.openxmlformats.org/drawingml/2006/main" xmlns:r="http://schemas.openxmlformats.org/officeDocument/2006/relationships" xmlns:p="http://schemas.openxmlformats.org/presentationml/2006/main">
+  <p:cSld>
+    <p:spTree>
+      <p:nvGrpSpPr>
+        <p:cNvPr id="1" name=""/>
+        <p:cNvGrpSpPr/>
+        <p:nvPr/>
+      </p:nvGrpSpPr>
+      <p:grpSpPr>
+        <a:xfrm>
+          <a:off x="0" y="0"/>
+          <a:ext cx="0" cy="0"/>
+          <a:chOff x="0" y="0"/>
+          <a:chExt cx="0" cy="0"/>
+        </a:xfrm>
+      </p:grpSpPr>
+      <p:sp>
+        <p:nvSpPr>
+          <p:cNvPr id="136" name="左大括号 14"/>
+          <p:cNvSpPr/>
+          <p:nvPr/>
+        </p:nvSpPr>
+        <p:spPr>
+          <a:xfrm>
+            <a:off x="3156291" y="2124075"/>
+            <a:ext cx="550438" cy="4622161"/>
+          </a:xfrm>
+          <a:custGeom>
+            <a:avLst/>
+            <a:gdLst>
+              <a:gd name="connsiteX0" fmla="*/ 420130 w 420130"/>
+              <a:gd name="connsiteY0" fmla="*/ 2982300 h 2982300"/>
+              <a:gd name="connsiteX1" fmla="*/ 210065 w 420130"/>
+              <a:gd name="connsiteY1" fmla="*/ 2403592 h 2982300"/>
+              <a:gd name="connsiteX2" fmla="*/ 210065 w 420130"/>
+              <a:gd name="connsiteY2" fmla="*/ 2069858 h 2982300"/>
+              <a:gd name="connsiteX3" fmla="*/ 0 w 420130"/>
+              <a:gd name="connsiteY3" fmla="*/ 1491150 h 2982300"/>
+              <a:gd name="connsiteX4" fmla="*/ 210065 w 420130"/>
+              <a:gd name="connsiteY4" fmla="*/ 912442 h 2982300"/>
+              <a:gd name="connsiteX5" fmla="*/ 210065 w 420130"/>
+              <a:gd name="connsiteY5" fmla="*/ 578708 h 2982300"/>
+              <a:gd name="connsiteX6" fmla="*/ 420130 w 420130"/>
+              <a:gd name="connsiteY6" fmla="*/ 0 h 2982300"/>
+              <a:gd name="connsiteX7" fmla="*/ 420130 w 420130"/>
+              <a:gd name="connsiteY7" fmla="*/ 2982300 h 2982300"/>
+              <a:gd name="connsiteX0" fmla="*/ 420130 w 420130"/>
+              <a:gd name="connsiteY0" fmla="*/ 2982300 h 2982300"/>
+              <a:gd name="connsiteX1" fmla="*/ 210065 w 420130"/>
+              <a:gd name="connsiteY1" fmla="*/ 2403592 h 2982300"/>
+              <a:gd name="connsiteX2" fmla="*/ 210065 w 420130"/>
+              <a:gd name="connsiteY2" fmla="*/ 2069858 h 2982300"/>
+              <a:gd name="connsiteX3" fmla="*/ 0 w 420130"/>
+              <a:gd name="connsiteY3" fmla="*/ 1491150 h 2982300"/>
+              <a:gd name="connsiteX4" fmla="*/ 210065 w 420130"/>
+              <a:gd name="connsiteY4" fmla="*/ 912442 h 2982300"/>
+              <a:gd name="connsiteX5" fmla="*/ 210065 w 420130"/>
+              <a:gd name="connsiteY5" fmla="*/ 578708 h 2982300"/>
+              <a:gd name="connsiteX6" fmla="*/ 420130 w 420130"/>
+              <a:gd name="connsiteY6" fmla="*/ 0 h 2982300"/>
+              <a:gd name="connsiteX0" fmla="*/ 420130 w 420130"/>
+              <a:gd name="connsiteY0" fmla="*/ 2982300 h 2982300"/>
+              <a:gd name="connsiteX1" fmla="*/ 210065 w 420130"/>
+              <a:gd name="connsiteY1" fmla="*/ 2403592 h 2982300"/>
+              <a:gd name="connsiteX2" fmla="*/ 210065 w 420130"/>
+              <a:gd name="connsiteY2" fmla="*/ 2069858 h 2982300"/>
+              <a:gd name="connsiteX3" fmla="*/ 0 w 420130"/>
+              <a:gd name="connsiteY3" fmla="*/ 1491150 h 2982300"/>
+              <a:gd name="connsiteX4" fmla="*/ 210065 w 420130"/>
+              <a:gd name="connsiteY4" fmla="*/ 912442 h 2982300"/>
+              <a:gd name="connsiteX5" fmla="*/ 210065 w 420130"/>
+              <a:gd name="connsiteY5" fmla="*/ 578708 h 2982300"/>
+              <a:gd name="connsiteX6" fmla="*/ 420130 w 420130"/>
+              <a:gd name="connsiteY6" fmla="*/ 0 h 2982300"/>
+              <a:gd name="connsiteX7" fmla="*/ 420130 w 420130"/>
+              <a:gd name="connsiteY7" fmla="*/ 2982300 h 2982300"/>
+              <a:gd name="connsiteX0" fmla="*/ 420130 w 420130"/>
+              <a:gd name="connsiteY0" fmla="*/ 2982300 h 2982300"/>
+              <a:gd name="connsiteX1" fmla="*/ 210065 w 420130"/>
+              <a:gd name="connsiteY1" fmla="*/ 2403592 h 2982300"/>
+              <a:gd name="connsiteX2" fmla="*/ 210065 w 420130"/>
+              <a:gd name="connsiteY2" fmla="*/ 2069858 h 2982300"/>
+              <a:gd name="connsiteX3" fmla="*/ 61784 w 420130"/>
+              <a:gd name="connsiteY3" fmla="*/ 1491150 h 2982300"/>
+              <a:gd name="connsiteX4" fmla="*/ 210065 w 420130"/>
+              <a:gd name="connsiteY4" fmla="*/ 912442 h 2982300"/>
+              <a:gd name="connsiteX5" fmla="*/ 210065 w 420130"/>
+              <a:gd name="connsiteY5" fmla="*/ 578708 h 2982300"/>
+              <a:gd name="connsiteX6" fmla="*/ 420130 w 420130"/>
+              <a:gd name="connsiteY6" fmla="*/ 0 h 2982300"/>
+            </a:gdLst>
+            <a:ahLst/>
+            <a:cxnLst>
+              <a:cxn ang="0">
+                <a:pos x="connsiteX0" y="connsiteY0"/>
+              </a:cxn>
+              <a:cxn ang="0">
+                <a:pos x="connsiteX1" y="connsiteY1"/>
+              </a:cxn>
+              <a:cxn ang="0">
+                <a:pos x="connsiteX2" y="connsiteY2"/>
+              </a:cxn>
+              <a:cxn ang="0">
+                <a:pos x="connsiteX3" y="connsiteY3"/>
+              </a:cxn>
+              <a:cxn ang="0">
+                <a:pos x="connsiteX4" y="connsiteY4"/>
+              </a:cxn>
+              <a:cxn ang="0">
+                <a:pos x="connsiteX5" y="connsiteY5"/>
+              </a:cxn>
+              <a:cxn ang="0">
+                <a:pos x="connsiteX6" y="connsiteY6"/>
+              </a:cxn>
+            </a:cxnLst>
+            <a:rect l="l" t="t" r="r" b="b"/>
+            <a:pathLst>
+              <a:path w="420130" h="2982300" stroke="0" extrusionOk="0">
+                <a:moveTo>
+                  <a:pt x="420130" y="2982300"/>
+                </a:moveTo>
+                <a:cubicBezTo>
+                  <a:pt x="304114" y="2982300"/>
+                  <a:pt x="210065" y="2723204"/>
+                  <a:pt x="210065" y="2403592"/>
+                </a:cubicBezTo>
+                <a:lnTo>
+                  <a:pt x="210065" y="2069858"/>
+                </a:lnTo>
+                <a:cubicBezTo>
+                  <a:pt x="210065" y="1750246"/>
+                  <a:pt x="116016" y="1491150"/>
+                  <a:pt x="0" y="1491150"/>
+                </a:cubicBezTo>
+                <a:cubicBezTo>
+                  <a:pt x="116016" y="1491150"/>
+                  <a:pt x="210065" y="1232054"/>
+                  <a:pt x="210065" y="912442"/>
+                </a:cubicBezTo>
+                <a:lnTo>
+                  <a:pt x="210065" y="578708"/>
+                </a:lnTo>
+                <a:cubicBezTo>
+                  <a:pt x="210065" y="259096"/>
+                  <a:pt x="304114" y="0"/>
+                  <a:pt x="420130" y="0"/>
+                </a:cubicBezTo>
+                <a:lnTo>
+                  <a:pt x="420130" y="2982300"/>
+                </a:lnTo>
+                <a:close/>
+              </a:path>
+              <a:path w="420130" h="2982300" fill="none">
+                <a:moveTo>
+                  <a:pt x="420130" y="2982300"/>
+                </a:moveTo>
+                <a:cubicBezTo>
+                  <a:pt x="304114" y="2982300"/>
+                  <a:pt x="210065" y="2723204"/>
+                  <a:pt x="210065" y="2403592"/>
+                </a:cubicBezTo>
+                <a:lnTo>
+                  <a:pt x="210065" y="2069858"/>
+                </a:lnTo>
+                <a:cubicBezTo>
+                  <a:pt x="210065" y="1750246"/>
+                  <a:pt x="177800" y="1491150"/>
+                  <a:pt x="61784" y="1491150"/>
+                </a:cubicBezTo>
+                <a:cubicBezTo>
+                  <a:pt x="177800" y="1491150"/>
+                  <a:pt x="210065" y="1232054"/>
+                  <a:pt x="210065" y="912442"/>
+                </a:cubicBezTo>
+                <a:lnTo>
+                  <a:pt x="210065" y="578708"/>
+                </a:lnTo>
+                <a:cubicBezTo>
+                  <a:pt x="210065" y="259096"/>
+                  <a:pt x="304114" y="0"/>
+                  <a:pt x="420130" y="0"/>
+                </a:cubicBezTo>
+              </a:path>
+            </a:pathLst>
+          </a:custGeom>
+          <a:ln w="76200">
+            <a:solidFill>
+              <a:srgbClr val="1FDA9A"/>
+            </a:solidFill>
+          </a:ln>
+        </p:spPr>
+        <p:style>
+          <a:lnRef idx="1">
+            <a:schemeClr val="accent1"/>
+          </a:lnRef>
+          <a:fillRef idx="0">
+            <a:schemeClr val="accent1"/>
+          </a:fillRef>
+          <a:effectRef idx="0">
+            <a:schemeClr val="accent1"/>
+          </a:effectRef>
+          <a:fontRef idx="minor">
+            <a:schemeClr val="tx1"/>
+          </a:fontRef>
+        </p:style>
+        <p:txBody>
+          <a:bodyPr rtlCol="0" anchor="ctr"/>
+          <a:lstStyle/>
+          <a:p>
+            <a:pPr algn="ctr"/>
+            <a:endParaRPr lang="zh-CN" altLang="en-US"/>
+          </a:p>
+        </p:txBody>
+      </p:sp>
+      <p:sp>
+        <p:nvSpPr>
+          <p:cNvPr id="7" name="任意多边形 6"/>
+          <p:cNvSpPr/>
+          <p:nvPr/>
+        </p:nvSpPr>
+        <p:spPr>
+          <a:xfrm>
+            <a:off x="3706729" y="1822483"/>
+            <a:ext cx="6142122" cy="5921342"/>
+          </a:xfrm>
+          <a:custGeom>
+            <a:avLst/>
+            <a:gdLst>
+              <a:gd name="connsiteX0" fmla="*/ 0 w 2963470"/>
+              <a:gd name="connsiteY0" fmla="*/ 148174 h 1481735"/>
+              <a:gd name="connsiteX1" fmla="*/ 148174 w 2963470"/>
+              <a:gd name="connsiteY1" fmla="*/ 0 h 1481735"/>
+              <a:gd name="connsiteX2" fmla="*/ 2815297 w 2963470"/>
+              <a:gd name="connsiteY2" fmla="*/ 0 h 1481735"/>
+              <a:gd name="connsiteX3" fmla="*/ 2963471 w 2963470"/>
+              <a:gd name="connsiteY3" fmla="*/ 148174 h 1481735"/>
+              <a:gd name="connsiteX4" fmla="*/ 2963470 w 2963470"/>
+              <a:gd name="connsiteY4" fmla="*/ 1333562 h 1481735"/>
+              <a:gd name="connsiteX5" fmla="*/ 2815296 w 2963470"/>
+              <a:gd name="connsiteY5" fmla="*/ 1481736 h 1481735"/>
+              <a:gd name="connsiteX6" fmla="*/ 148174 w 2963470"/>
+              <a:gd name="connsiteY6" fmla="*/ 1481735 h 1481735"/>
+              <a:gd name="connsiteX7" fmla="*/ 0 w 2963470"/>
+              <a:gd name="connsiteY7" fmla="*/ 1333561 h 1481735"/>
+              <a:gd name="connsiteX8" fmla="*/ 0 w 2963470"/>
+              <a:gd name="connsiteY8" fmla="*/ 148174 h 1481735"/>
+            </a:gdLst>
+            <a:ahLst/>
+            <a:cxnLst>
+              <a:cxn ang="0">
+                <a:pos x="connsiteX0" y="connsiteY0"/>
+              </a:cxn>
+              <a:cxn ang="0">
+                <a:pos x="connsiteX1" y="connsiteY1"/>
+              </a:cxn>
+              <a:cxn ang="0">
+                <a:pos x="connsiteX2" y="connsiteY2"/>
+              </a:cxn>
+              <a:cxn ang="0">
+                <a:pos x="connsiteX3" y="connsiteY3"/>
+              </a:cxn>
+              <a:cxn ang="0">
+                <a:pos x="connsiteX4" y="connsiteY4"/>
+              </a:cxn>
+              <a:cxn ang="0">
+                <a:pos x="connsiteX5" y="connsiteY5"/>
+              </a:cxn>
+              <a:cxn ang="0">
+                <a:pos x="connsiteX6" y="connsiteY6"/>
+              </a:cxn>
+              <a:cxn ang="0">
+                <a:pos x="connsiteX7" y="connsiteY7"/>
+              </a:cxn>
+              <a:cxn ang="0">
+                <a:pos x="connsiteX8" y="connsiteY8"/>
+              </a:cxn>
+            </a:cxnLst>
+            <a:rect l="l" t="t" r="r" b="b"/>
+            <a:pathLst>
+              <a:path w="2963470" h="1481735">
+                <a:moveTo>
+                  <a:pt x="0" y="148174"/>
+                </a:moveTo>
+                <a:cubicBezTo>
+                  <a:pt x="0" y="66340"/>
+                  <a:pt x="66340" y="0"/>
+                  <a:pt x="148174" y="0"/>
+                </a:cubicBezTo>
+                <a:lnTo>
+                  <a:pt x="2815297" y="0"/>
+                </a:lnTo>
+                <a:cubicBezTo>
+                  <a:pt x="2897131" y="0"/>
+                  <a:pt x="2963471" y="66340"/>
+                  <a:pt x="2963471" y="148174"/>
+                </a:cubicBezTo>
+                <a:cubicBezTo>
+                  <a:pt x="2963471" y="543303"/>
+                  <a:pt x="2963470" y="938433"/>
+                  <a:pt x="2963470" y="1333562"/>
+                </a:cubicBezTo>
+                <a:cubicBezTo>
+                  <a:pt x="2963470" y="1415396"/>
+                  <a:pt x="2897130" y="1481736"/>
+                  <a:pt x="2815296" y="1481736"/>
+                </a:cubicBezTo>
+                <a:lnTo>
+                  <a:pt x="148174" y="1481735"/>
+                </a:lnTo>
+                <a:cubicBezTo>
+                  <a:pt x="66340" y="1481735"/>
+                  <a:pt x="0" y="1415395"/>
+                  <a:pt x="0" y="1333561"/>
+                </a:cubicBezTo>
+                <a:lnTo>
+                  <a:pt x="0" y="148174"/>
+                </a:lnTo>
+                <a:close/>
+              </a:path>
+            </a:pathLst>
+          </a:custGeom>
+          <a:solidFill>
+            <a:srgbClr val="F8F2E2"/>
+          </a:solidFill>
+          <a:ln w="38100">
+            <a:solidFill>
+              <a:srgbClr val="F0AAAF"/>
+            </a:solidFill>
+          </a:ln>
+        </p:spPr>
+        <p:style>
+          <a:lnRef idx="2">
+            <a:scrgbClr r="0" g="0" b="0"/>
+          </a:lnRef>
+          <a:fillRef idx="1">
+            <a:scrgbClr r="0" g="0" b="0"/>
+          </a:fillRef>
+          <a:effectRef idx="0">
+            <a:schemeClr val="accent1">
+              <a:hueOff val="0"/>
+              <a:satOff val="0"/>
+              <a:lumOff val="0"/>
+              <a:alphaOff val="0"/>
+            </a:schemeClr>
+          </a:effectRef>
+          <a:fontRef idx="minor">
+            <a:schemeClr val="lt1"/>
+          </a:fontRef>
+        </p:style>
+        <p:txBody>
+          <a:bodyPr spcFirstLastPara="0" vert="horz" wrap="square" lIns="84674" tIns="84674" rIns="84674" bIns="84674" numCol="1" spcCol="1270" anchor="ctr" anchorCtr="0">
+            <a:noAutofit/>
+          </a:bodyPr>
+          <a:lstStyle/>
+          <a:p>
+            <a:pPr lvl="0" algn="ctr" defTabSz="2889250">
+              <a:lnSpc>
+                <a:spcPct val="90000"/>
+              </a:lnSpc>
+              <a:spcBef>
+                <a:spcPct val="0"/>
+              </a:spcBef>
+              <a:spcAft>
+                <a:spcPct val="35000"/>
+              </a:spcAft>
+            </a:pPr>
+            <a:r>
+              <a:rPr lang="en-US" altLang="zh-CN" sz="6500" kern="1200" dirty="0" smtClean="0"/>
+              <a:t> </a:t>
+            </a:r>
+            <a:endParaRPr lang="zh-CN" altLang="en-US" sz="6500" kern="1200" dirty="0"/>
+          </a:p>
+        </p:txBody>
+      </p:sp>
+      <p:sp>
+        <p:nvSpPr>
+          <p:cNvPr id="5" name="任意多边形 4"/>
+          <p:cNvSpPr/>
+          <p:nvPr/>
+        </p:nvSpPr>
+        <p:spPr>
+          <a:xfrm>
+            <a:off x="1067433" y="3544263"/>
+            <a:ext cx="2088858" cy="1743205"/>
+          </a:xfrm>
+          <a:custGeom>
+            <a:avLst/>
+            <a:gdLst>
+              <a:gd name="connsiteX0" fmla="*/ 0 w 2212764"/>
+              <a:gd name="connsiteY0" fmla="*/ 210101 h 2101011"/>
+              <a:gd name="connsiteX1" fmla="*/ 210101 w 2212764"/>
+              <a:gd name="connsiteY1" fmla="*/ 0 h 2101011"/>
+              <a:gd name="connsiteX2" fmla="*/ 2002663 w 2212764"/>
+              <a:gd name="connsiteY2" fmla="*/ 0 h 2101011"/>
+              <a:gd name="connsiteX3" fmla="*/ 2212764 w 2212764"/>
+              <a:gd name="connsiteY3" fmla="*/ 210101 h 2101011"/>
+              <a:gd name="connsiteX4" fmla="*/ 2212764 w 2212764"/>
+              <a:gd name="connsiteY4" fmla="*/ 1890910 h 2101011"/>
+              <a:gd name="connsiteX5" fmla="*/ 2002663 w 2212764"/>
+              <a:gd name="connsiteY5" fmla="*/ 2101011 h 2101011"/>
+              <a:gd name="connsiteX6" fmla="*/ 210101 w 2212764"/>
+              <a:gd name="connsiteY6" fmla="*/ 2101011 h 2101011"/>
+              <a:gd name="connsiteX7" fmla="*/ 0 w 2212764"/>
+              <a:gd name="connsiteY7" fmla="*/ 1890910 h 2101011"/>
+              <a:gd name="connsiteX8" fmla="*/ 0 w 2212764"/>
+              <a:gd name="connsiteY8" fmla="*/ 210101 h 2101011"/>
+            </a:gdLst>
+            <a:ahLst/>
+            <a:cxnLst>
+              <a:cxn ang="0">
+                <a:pos x="connsiteX0" y="connsiteY0"/>
+              </a:cxn>
+              <a:cxn ang="0">
+                <a:pos x="connsiteX1" y="connsiteY1"/>
+              </a:cxn>
+              <a:cxn ang="0">
+                <a:pos x="connsiteX2" y="connsiteY2"/>
+              </a:cxn>
+              <a:cxn ang="0">
+                <a:pos x="connsiteX3" y="connsiteY3"/>
+              </a:cxn>
+              <a:cxn ang="0">
+                <a:pos x="connsiteX4" y="connsiteY4"/>
+              </a:cxn>
+              <a:cxn ang="0">
+                <a:pos x="connsiteX5" y="connsiteY5"/>
+              </a:cxn>
+              <a:cxn ang="0">
+                <a:pos x="connsiteX6" y="connsiteY6"/>
+              </a:cxn>
+              <a:cxn ang="0">
+                <a:pos x="connsiteX7" y="connsiteY7"/>
+              </a:cxn>
+              <a:cxn ang="0">
+                <a:pos x="connsiteX8" y="connsiteY8"/>
+              </a:cxn>
+            </a:cxnLst>
+            <a:rect l="l" t="t" r="r" b="b"/>
+            <a:pathLst>
+              <a:path w="2212764" h="2101011">
+                <a:moveTo>
+                  <a:pt x="0" y="210101"/>
+                </a:moveTo>
+                <a:cubicBezTo>
+                  <a:pt x="0" y="94065"/>
+                  <a:pt x="94065" y="0"/>
+                  <a:pt x="210101" y="0"/>
+                </a:cubicBezTo>
+                <a:lnTo>
+                  <a:pt x="2002663" y="0"/>
+                </a:lnTo>
+                <a:cubicBezTo>
+                  <a:pt x="2118699" y="0"/>
+                  <a:pt x="2212764" y="94065"/>
+                  <a:pt x="2212764" y="210101"/>
+                </a:cubicBezTo>
+                <a:lnTo>
+                  <a:pt x="2212764" y="1890910"/>
+                </a:lnTo>
+                <a:cubicBezTo>
+                  <a:pt x="2212764" y="2006946"/>
+                  <a:pt x="2118699" y="2101011"/>
+                  <a:pt x="2002663" y="2101011"/>
+                </a:cubicBezTo>
+                <a:lnTo>
+                  <a:pt x="210101" y="2101011"/>
+                </a:lnTo>
+                <a:cubicBezTo>
+                  <a:pt x="94065" y="2101011"/>
+                  <a:pt x="0" y="2006946"/>
+                  <a:pt x="0" y="1890910"/>
+                </a:cubicBezTo>
+                <a:lnTo>
+                  <a:pt x="0" y="210101"/>
+                </a:lnTo>
+                <a:close/>
+              </a:path>
+            </a:pathLst>
+          </a:custGeom>
+          <a:solidFill>
+            <a:srgbClr val="F8F2E2"/>
+          </a:solidFill>
+          <a:ln w="38100">
+            <a:solidFill>
+              <a:srgbClr val="F0AAAF"/>
+            </a:solidFill>
+          </a:ln>
+        </p:spPr>
+        <p:style>
+          <a:lnRef idx="2">
+            <a:scrgbClr r="0" g="0" b="0"/>
+          </a:lnRef>
+          <a:fillRef idx="1">
+            <a:scrgbClr r="0" g="0" b="0"/>
+          </a:fillRef>
+          <a:effectRef idx="0">
+            <a:schemeClr val="accent1">
+              <a:hueOff val="0"/>
+              <a:satOff val="0"/>
+              <a:lumOff val="0"/>
+              <a:alphaOff val="0"/>
+            </a:schemeClr>
+          </a:effectRef>
+          <a:fontRef idx="minor">
+            <a:schemeClr val="lt1"/>
+          </a:fontRef>
+        </p:style>
+        <p:txBody>
+          <a:bodyPr spcFirstLastPara="0" vert="horz" wrap="square" lIns="102812" tIns="102812" rIns="102812" bIns="102812" numCol="1" spcCol="1270" anchor="ctr" anchorCtr="0">
+            <a:noAutofit/>
+          </a:bodyPr>
+          <a:lstStyle/>
+          <a:p>
+            <a:pPr lvl="0" algn="ctr" defTabSz="2889250">
+              <a:lnSpc>
+                <a:spcPct val="90000"/>
+              </a:lnSpc>
+              <a:spcBef>
+                <a:spcPct val="0"/>
+              </a:spcBef>
+              <a:spcAft>
+                <a:spcPct val="35000"/>
+              </a:spcAft>
+            </a:pPr>
+            <a:r>
+              <a:rPr lang="en-US" altLang="zh-CN" sz="6500" kern="1200" dirty="0" smtClean="0"/>
+              <a:t> </a:t>
+            </a:r>
+            <a:endParaRPr lang="zh-CN" altLang="en-US" sz="6500" kern="1200" dirty="0"/>
+          </a:p>
+        </p:txBody>
+      </p:sp>
+      <p:sp>
+        <p:nvSpPr>
+          <p:cNvPr id="17" name="圆柱形 16"/>
+          <p:cNvSpPr/>
+          <p:nvPr/>
+        </p:nvSpPr>
+        <p:spPr>
+          <a:xfrm rot="5400000">
+            <a:off x="1431471" y="51250"/>
+            <a:ext cx="1224000" cy="1944000"/>
+          </a:xfrm>
+          <a:prstGeom prst="can">
+            <a:avLst/>
+          </a:prstGeom>
+          <a:noFill/>
+          <a:ln w="19050">
+            <a:solidFill>
+              <a:schemeClr val="bg1">
+                <a:lumMod val="85000"/>
+              </a:schemeClr>
+            </a:solidFill>
+          </a:ln>
+        </p:spPr>
+        <p:style>
+          <a:lnRef idx="2">
+            <a:schemeClr val="accent1">
+              <a:shade val="50000"/>
+            </a:schemeClr>
+          </a:lnRef>
+          <a:fillRef idx="1">
+            <a:schemeClr val="accent1"/>
+          </a:fillRef>
+          <a:effectRef idx="0">
+            <a:schemeClr val="accent1"/>
+          </a:effectRef>
+          <a:fontRef idx="minor">
+            <a:schemeClr val="lt1"/>
+          </a:fontRef>
+        </p:style>
+        <p:txBody>
+          <a:bodyPr rtlCol="0" anchor="ctr"/>
+          <a:lstStyle/>
+          <a:p>
+            <a:pPr algn="ctr"/>
+            <a:endParaRPr lang="zh-CN" altLang="en-US" dirty="0">
+              <a:noFill/>
+            </a:endParaRPr>
+          </a:p>
+        </p:txBody>
+      </p:sp>
+      <p:pic>
+        <p:nvPicPr>
+          <p:cNvPr id="1026" name="Picture 2" descr="http://image.space.rakuten.co.jp/lg01/72/0000838172/54/imgb872210dzikazj.jpeg"/>
+          <p:cNvPicPr>
+            <a:picLocks noChangeAspect="1" noChangeArrowheads="1"/>
+          </p:cNvPicPr>
+          <p:nvPr/>
+        </p:nvPicPr>
+        <p:blipFill>
+          <a:blip r:embed="rId2" cstate="screen">
+            <a:clrChange>
+              <a:clrFrom>
+                <a:srgbClr val="FFFFFF"/>
+              </a:clrFrom>
+              <a:clrTo>
+                <a:srgbClr val="FFFFFF">
+                  <a:alpha val="0"/>
+                </a:srgbClr>
+              </a:clrTo>
+            </a:clrChange>
+            <a:extLst>
+              <a:ext uri="{28A0092B-C50C-407E-A947-70E740481C1C}">
+                <a14:useLocalDpi xmlns:a14="http://schemas.microsoft.com/office/drawing/2010/main" val="0"/>
+              </a:ext>
+            </a:extLst>
+          </a:blip>
+          <a:srcRect/>
+          <a:stretch>
+            <a:fillRect/>
+          </a:stretch>
+        </p:blipFill>
+        <p:spPr bwMode="auto">
+          <a:xfrm>
+            <a:off x="1926027" y="3552367"/>
+            <a:ext cx="1417819" cy="1469339"/>
+          </a:xfrm>
+          <a:prstGeom prst="rect">
+            <a:avLst/>
+          </a:prstGeom>
+          <a:noFill/>
+          <a:extLst>
+            <a:ext uri="{909E8E84-426E-40DD-AFC4-6F175D3DCCD1}">
+              <a14:hiddenFill xmlns:a14="http://schemas.microsoft.com/office/drawing/2010/main">
+                <a:solidFill>
+                  <a:srgbClr val="FFFFFF"/>
+                </a:solidFill>
+              </a14:hiddenFill>
+            </a:ext>
+          </a:extLst>
+        </p:spPr>
+      </p:pic>
+      <p:sp>
+        <p:nvSpPr>
+          <p:cNvPr id="19" name="文本框 18"/>
+          <p:cNvSpPr txBox="1"/>
+          <p:nvPr/>
+        </p:nvSpPr>
+        <p:spPr>
+          <a:xfrm>
+            <a:off x="1223319" y="705922"/>
+            <a:ext cx="1359242" cy="646331"/>
+          </a:xfrm>
+          <a:prstGeom prst="rect">
+            <a:avLst/>
+          </a:prstGeom>
+          <a:noFill/>
+        </p:spPr>
+        <p:txBody>
+          <a:bodyPr wrap="square" rtlCol="0">
+            <a:spAutoFit/>
+          </a:bodyPr>
+          <a:lstStyle/>
+          <a:p>
+            <a:pPr algn="ctr"/>
+            <a:r>
+              <a:rPr lang="en-US" altLang="zh-CN" dirty="0" smtClean="0"/>
+              <a:t>Raw data </a:t>
+            </a:r>
+            <a:r>
+              <a:rPr lang="en-US" altLang="zh-CN" dirty="0"/>
+              <a:t>a</a:t>
+            </a:r>
+            <a:r>
+              <a:rPr lang="en-US" altLang="zh-CN" dirty="0" smtClean="0"/>
+              <a:t>cquisition</a:t>
+            </a:r>
+            <a:endParaRPr lang="zh-CN" altLang="en-US" dirty="0"/>
+          </a:p>
+        </p:txBody>
+      </p:sp>
+      <p:grpSp>
+        <p:nvGrpSpPr>
+          <p:cNvPr id="2" name="组合 1"/>
+          <p:cNvGrpSpPr/>
+          <p:nvPr/>
+        </p:nvGrpSpPr>
+        <p:grpSpPr>
+          <a:xfrm>
+            <a:off x="5787882" y="411250"/>
+            <a:ext cx="1944000" cy="1224000"/>
+            <a:chOff x="4560919" y="411250"/>
+            <a:chExt cx="1944000" cy="1224000"/>
+          </a:xfrm>
+        </p:grpSpPr>
+        <p:sp>
+          <p:nvSpPr>
+            <p:cNvPr id="21" name="圆柱形 20"/>
+            <p:cNvSpPr/>
+            <p:nvPr/>
+          </p:nvSpPr>
+          <p:spPr>
+            <a:xfrm rot="5400000">
+              <a:off x="4920919" y="51250"/>
+              <a:ext cx="1224000" cy="1944000"/>
+            </a:xfrm>
+            <a:prstGeom prst="can">
+              <a:avLst/>
+            </a:prstGeom>
+            <a:noFill/>
+            <a:ln w="19050">
+              <a:solidFill>
+                <a:schemeClr val="bg1">
+                  <a:lumMod val="85000"/>
+                </a:schemeClr>
+              </a:solidFill>
+            </a:ln>
+          </p:spPr>
+          <p:style>
+            <a:lnRef idx="2">
+              <a:schemeClr val="accent1">
+                <a:shade val="50000"/>
+              </a:schemeClr>
+            </a:lnRef>
+            <a:fillRef idx="1">
+              <a:schemeClr val="accent1"/>
+            </a:fillRef>
+            <a:effectRef idx="0">
+              <a:schemeClr val="accent1"/>
+            </a:effectRef>
+            <a:fontRef idx="minor">
+              <a:schemeClr val="lt1"/>
+            </a:fontRef>
+          </p:style>
+          <p:txBody>
+            <a:bodyPr rtlCol="0" anchor="ctr"/>
+            <a:lstStyle/>
+            <a:p>
+              <a:pPr algn="ctr"/>
+              <a:endParaRPr lang="zh-CN" altLang="en-US" dirty="0">
+                <a:noFill/>
+              </a:endParaRPr>
+            </a:p>
+          </p:txBody>
+        </p:sp>
+        <p:sp>
+          <p:nvSpPr>
+            <p:cNvPr id="22" name="文本框 21"/>
+            <p:cNvSpPr txBox="1"/>
+            <p:nvPr/>
+          </p:nvSpPr>
+          <p:spPr>
+            <a:xfrm>
+              <a:off x="4645369" y="705922"/>
+              <a:ext cx="1491048" cy="646331"/>
+            </a:xfrm>
+            <a:prstGeom prst="rect">
+              <a:avLst/>
+            </a:prstGeom>
+            <a:noFill/>
+          </p:spPr>
+          <p:txBody>
+            <a:bodyPr wrap="square" rtlCol="0">
+              <a:spAutoFit/>
+            </a:bodyPr>
+            <a:lstStyle/>
+            <a:p>
+              <a:pPr algn="ctr"/>
+              <a:r>
+                <a:rPr lang="en-US" altLang="zh-CN" dirty="0" err="1" smtClean="0"/>
+                <a:t>NIdata</a:t>
+              </a:r>
+              <a:r>
+                <a:rPr lang="en-US" altLang="zh-CN" dirty="0" smtClean="0"/>
+                <a:t> Format</a:t>
+              </a:r>
+              <a:endParaRPr lang="zh-CN" altLang="en-US" dirty="0"/>
+            </a:p>
+          </p:txBody>
+        </p:sp>
+      </p:grpSp>
+      <p:sp>
+        <p:nvSpPr>
+          <p:cNvPr id="20" name="右箭头 19"/>
+          <p:cNvSpPr/>
+          <p:nvPr/>
+        </p:nvSpPr>
+        <p:spPr>
+          <a:xfrm>
+            <a:off x="3706728" y="846114"/>
+            <a:ext cx="1270847" cy="354271"/>
+          </a:xfrm>
+          <a:prstGeom prst="rightArrow">
+            <a:avLst/>
+          </a:prstGeom>
+          <a:solidFill>
+            <a:schemeClr val="bg2"/>
+          </a:solidFill>
+          <a:ln>
+            <a:noFill/>
+          </a:ln>
+        </p:spPr>
+        <p:style>
+          <a:lnRef idx="2">
+            <a:schemeClr val="accent1">
+              <a:shade val="50000"/>
+            </a:schemeClr>
+          </a:lnRef>
+          <a:fillRef idx="1">
+            <a:schemeClr val="accent1"/>
+          </a:fillRef>
+          <a:effectRef idx="0">
+            <a:schemeClr val="accent1"/>
+          </a:effectRef>
+          <a:fontRef idx="minor">
+            <a:schemeClr val="lt1"/>
+          </a:fontRef>
+        </p:style>
+        <p:txBody>
+          <a:bodyPr rtlCol="0" anchor="ctr"/>
+          <a:lstStyle/>
+          <a:p>
+            <a:pPr algn="ctr"/>
+            <a:endParaRPr lang="zh-CN" altLang="en-US"/>
+          </a:p>
+        </p:txBody>
+      </p:sp>
+      <p:sp>
+        <p:nvSpPr>
+          <p:cNvPr id="23" name="文本框 22"/>
+          <p:cNvSpPr txBox="1"/>
+          <p:nvPr/>
+        </p:nvSpPr>
+        <p:spPr>
+          <a:xfrm>
+            <a:off x="981963" y="3647208"/>
+            <a:ext cx="1286142" cy="1569660"/>
+          </a:xfrm>
+          <a:prstGeom prst="rect">
+            <a:avLst/>
+          </a:prstGeom>
+          <a:noFill/>
+        </p:spPr>
+        <p:txBody>
+          <a:bodyPr wrap="square" rtlCol="0">
+            <a:spAutoFit/>
+          </a:bodyPr>
+          <a:lstStyle/>
+          <a:p>
+            <a:pPr algn="ctr"/>
+            <a:r>
+              <a:rPr lang="en-US" altLang="zh-CN" sz="1600" dirty="0" smtClean="0"/>
+              <a:t>Multimodal</a:t>
+            </a:r>
+          </a:p>
+          <a:p>
+            <a:pPr algn="ctr"/>
+            <a:r>
+              <a:rPr lang="en-US" altLang="zh-CN" sz="1600" dirty="0" smtClean="0"/>
+              <a:t>Imaging data </a:t>
+            </a:r>
+            <a:r>
+              <a:rPr lang="en-US" altLang="zh-CN" sz="1600" dirty="0"/>
+              <a:t>&amp;</a:t>
+            </a:r>
+            <a:endParaRPr lang="en-US" altLang="zh-CN" sz="1600" dirty="0" smtClean="0"/>
+          </a:p>
+          <a:p>
+            <a:pPr algn="ctr"/>
+            <a:r>
+              <a:rPr lang="en-US" altLang="zh-CN" sz="1600" dirty="0" smtClean="0"/>
+              <a:t>Additional metadata</a:t>
+            </a:r>
+          </a:p>
+          <a:p>
+            <a:pPr algn="ctr"/>
+            <a:endParaRPr lang="zh-CN" altLang="en-US" sz="1600" dirty="0"/>
+          </a:p>
+        </p:txBody>
+      </p:sp>
+      <p:sp>
+        <p:nvSpPr>
+          <p:cNvPr id="25" name="文本框 24"/>
+          <p:cNvSpPr txBox="1"/>
+          <p:nvPr/>
+        </p:nvSpPr>
+        <p:spPr>
+          <a:xfrm>
+            <a:off x="3891305" y="2290886"/>
+            <a:ext cx="3649843" cy="338554"/>
+          </a:xfrm>
+          <a:prstGeom prst="rect">
+            <a:avLst/>
+          </a:prstGeom>
+          <a:noFill/>
+        </p:spPr>
+        <p:txBody>
+          <a:bodyPr wrap="square" rtlCol="0">
+            <a:spAutoFit/>
+          </a:bodyPr>
+          <a:lstStyle/>
+          <a:p>
+            <a:pPr marL="285750" indent="-285750">
+              <a:buFont typeface="Arial" panose="020B0604020202020204" pitchFamily="34" charset="0"/>
+              <a:buChar char="•"/>
+            </a:pPr>
+            <a:r>
+              <a:rPr lang="en-US" altLang="zh-CN" sz="1600" dirty="0" smtClean="0"/>
+              <a:t>Phenotype list &amp; Scan Info. </a:t>
+            </a:r>
+            <a:endParaRPr lang="zh-CN" altLang="en-US" sz="1600" dirty="0"/>
+          </a:p>
+        </p:txBody>
+      </p:sp>
+      <p:graphicFrame>
+        <p:nvGraphicFramePr>
+          <p:cNvPr id="28" name="图示 27"/>
+          <p:cNvGraphicFramePr/>
+          <p:nvPr>
+            <p:extLst>
+              <p:ext uri="{D42A27DB-BD31-4B8C-83A1-F6EECF244321}">
+                <p14:modId xmlns:p14="http://schemas.microsoft.com/office/powerpoint/2010/main" val="2369248174"/>
+              </p:ext>
+            </p:extLst>
+          </p:nvPr>
+        </p:nvGraphicFramePr>
+        <p:xfrm>
+          <a:off x="4201568" y="2564253"/>
+          <a:ext cx="5206330" cy="913642"/>
+        </p:xfrm>
+        <a:graphic>
+          <a:graphicData uri="http://schemas.openxmlformats.org/drawingml/2006/diagram">
+            <dgm:relIds xmlns:dgm="http://schemas.openxmlformats.org/drawingml/2006/diagram" xmlns:r="http://schemas.openxmlformats.org/officeDocument/2006/relationships" r:dm="rId3" r:lo="rId4" r:qs="rId5" r:cs="rId6"/>
+          </a:graphicData>
+        </a:graphic>
+      </p:graphicFrame>
+      <p:grpSp>
+        <p:nvGrpSpPr>
+          <p:cNvPr id="40" name="组合 39"/>
+          <p:cNvGrpSpPr/>
+          <p:nvPr/>
+        </p:nvGrpSpPr>
+        <p:grpSpPr>
+          <a:xfrm>
+            <a:off x="4211749" y="4175471"/>
+            <a:ext cx="964348" cy="946897"/>
+            <a:chOff x="844527" y="4952773"/>
+            <a:chExt cx="1906078" cy="1619132"/>
+          </a:xfrm>
+        </p:grpSpPr>
+        <p:pic>
+          <p:nvPicPr>
+            <p:cNvPr id="35" name="图片 34"/>
+            <p:cNvPicPr>
+              <a:picLocks noChangeAspect="1"/>
+            </p:cNvPicPr>
+            <p:nvPr/>
+          </p:nvPicPr>
+          <p:blipFill>
+            <a:blip r:embed="rId8" cstate="print">
+              <a:extLst>
+                <a:ext uri="{28A0092B-C50C-407E-A947-70E740481C1C}">
+                  <a14:useLocalDpi xmlns:a14="http://schemas.microsoft.com/office/drawing/2010/main" val="0"/>
+                </a:ext>
+              </a:extLst>
+            </a:blip>
+            <a:stretch>
+              <a:fillRect/>
+            </a:stretch>
+          </p:blipFill>
+          <p:spPr>
+            <a:xfrm>
+              <a:off x="1319297" y="5065622"/>
+              <a:ext cx="1321684" cy="1071738"/>
+            </a:xfrm>
+            <a:prstGeom prst="rect">
+              <a:avLst/>
+            </a:prstGeom>
+          </p:spPr>
+        </p:pic>
+        <p:pic>
+          <p:nvPicPr>
+            <p:cNvPr id="36" name="图片 35"/>
+            <p:cNvPicPr>
+              <a:picLocks noChangeAspect="1"/>
+            </p:cNvPicPr>
+            <p:nvPr/>
+          </p:nvPicPr>
+          <p:blipFill>
+            <a:blip r:embed="rId8" cstate="print">
+              <a:extLst>
+                <a:ext uri="{28A0092B-C50C-407E-A947-70E740481C1C}">
+                  <a14:useLocalDpi xmlns:a14="http://schemas.microsoft.com/office/drawing/2010/main" val="0"/>
+                </a:ext>
+              </a:extLst>
+            </a:blip>
+            <a:stretch>
+              <a:fillRect/>
+            </a:stretch>
+          </p:blipFill>
+          <p:spPr>
+            <a:xfrm>
+              <a:off x="1198111" y="5142482"/>
+              <a:ext cx="1321684" cy="1071738"/>
+            </a:xfrm>
+            <a:prstGeom prst="rect">
+              <a:avLst/>
+            </a:prstGeom>
+          </p:spPr>
+        </p:pic>
+        <p:pic>
+          <p:nvPicPr>
+            <p:cNvPr id="37" name="图片 36"/>
+            <p:cNvPicPr>
+              <a:picLocks noChangeAspect="1"/>
+            </p:cNvPicPr>
+            <p:nvPr/>
+          </p:nvPicPr>
+          <p:blipFill>
+            <a:blip r:embed="rId8" cstate="print">
+              <a:extLst>
+                <a:ext uri="{28A0092B-C50C-407E-A947-70E740481C1C}">
+                  <a14:useLocalDpi xmlns:a14="http://schemas.microsoft.com/office/drawing/2010/main" val="0"/>
+                </a:ext>
+              </a:extLst>
+            </a:blip>
+            <a:stretch>
+              <a:fillRect/>
+            </a:stretch>
+          </p:blipFill>
+          <p:spPr>
+            <a:xfrm>
+              <a:off x="1076925" y="5258760"/>
+              <a:ext cx="1321684" cy="1071738"/>
+            </a:xfrm>
+            <a:prstGeom prst="rect">
+              <a:avLst/>
+            </a:prstGeom>
+          </p:spPr>
+        </p:pic>
+        <p:pic>
+          <p:nvPicPr>
+            <p:cNvPr id="38" name="图片 37"/>
+            <p:cNvPicPr>
+              <a:picLocks noChangeAspect="1"/>
+            </p:cNvPicPr>
+            <p:nvPr/>
+          </p:nvPicPr>
+          <p:blipFill>
+            <a:blip r:embed="rId8" cstate="print">
+              <a:extLst>
+                <a:ext uri="{28A0092B-C50C-407E-A947-70E740481C1C}">
+                  <a14:useLocalDpi xmlns:a14="http://schemas.microsoft.com/office/drawing/2010/main" val="0"/>
+                </a:ext>
+              </a:extLst>
+            </a:blip>
+            <a:stretch>
+              <a:fillRect/>
+            </a:stretch>
+          </p:blipFill>
+          <p:spPr>
+            <a:xfrm>
+              <a:off x="955739" y="5375038"/>
+              <a:ext cx="1321684" cy="1071738"/>
+            </a:xfrm>
+            <a:prstGeom prst="rect">
+              <a:avLst/>
+            </a:prstGeom>
+          </p:spPr>
+        </p:pic>
+        <p:sp>
+          <p:nvSpPr>
+            <p:cNvPr id="39" name="立方体 38"/>
+            <p:cNvSpPr/>
+            <p:nvPr/>
+          </p:nvSpPr>
+          <p:spPr>
+            <a:xfrm>
+              <a:off x="844527" y="4952773"/>
+              <a:ext cx="1906078" cy="1619132"/>
+            </a:xfrm>
+            <a:prstGeom prst="cube">
+              <a:avLst/>
+            </a:prstGeom>
+            <a:noFill/>
+            <a:ln w="22225">
+              <a:solidFill>
+                <a:schemeClr val="tx1"/>
+              </a:solidFill>
+            </a:ln>
+          </p:spPr>
+          <p:style>
+            <a:lnRef idx="2">
+              <a:schemeClr val="accent1">
+                <a:shade val="50000"/>
+              </a:schemeClr>
+            </a:lnRef>
+            <a:fillRef idx="1">
+              <a:schemeClr val="accent1"/>
+            </a:fillRef>
+            <a:effectRef idx="0">
+              <a:schemeClr val="accent1"/>
+            </a:effectRef>
+            <a:fontRef idx="minor">
+              <a:schemeClr val="lt1"/>
+            </a:fontRef>
+          </p:style>
+          <p:txBody>
+            <a:bodyPr rtlCol="0" anchor="ctr"/>
+            <a:lstStyle>
+              <a:defPPr>
+                <a:defRPr lang="zh-CN"/>
+              </a:defPPr>
+              <a:lvl1pPr marL="0" algn="l" defTabSz="914400" rtl="0" eaLnBrk="1" latinLnBrk="0" hangingPunct="1">
+                <a:defRPr sz="1800" kern="1200">
+                  <a:solidFill>
+                    <a:schemeClr val="lt1"/>
+                  </a:solidFill>
+                  <a:latin typeface="+mn-lt"/>
+                  <a:ea typeface="+mn-ea"/>
+                  <a:cs typeface="+mn-cs"/>
+                </a:defRPr>
+              </a:lvl1pPr>
+              <a:lvl2pPr marL="457200" algn="l" defTabSz="914400" rtl="0" eaLnBrk="1" latinLnBrk="0" hangingPunct="1">
+                <a:defRPr sz="1800" kern="1200">
+                  <a:solidFill>
+                    <a:schemeClr val="lt1"/>
+                  </a:solidFill>
+                  <a:latin typeface="+mn-lt"/>
+                  <a:ea typeface="+mn-ea"/>
+                  <a:cs typeface="+mn-cs"/>
+                </a:defRPr>
+              </a:lvl2pPr>
+              <a:lvl3pPr marL="914400" algn="l" defTabSz="914400" rtl="0" eaLnBrk="1" latinLnBrk="0" hangingPunct="1">
+                <a:defRPr sz="1800" kern="1200">
+                  <a:solidFill>
+                    <a:schemeClr val="lt1"/>
+                  </a:solidFill>
+                  <a:latin typeface="+mn-lt"/>
+                  <a:ea typeface="+mn-ea"/>
+                  <a:cs typeface="+mn-cs"/>
+                </a:defRPr>
+              </a:lvl3pPr>
+              <a:lvl4pPr marL="1371600" algn="l" defTabSz="914400" rtl="0" eaLnBrk="1" latinLnBrk="0" hangingPunct="1">
+                <a:defRPr sz="1800" kern="1200">
+                  <a:solidFill>
+                    <a:schemeClr val="lt1"/>
+                  </a:solidFill>
+                  <a:latin typeface="+mn-lt"/>
+                  <a:ea typeface="+mn-ea"/>
+                  <a:cs typeface="+mn-cs"/>
+                </a:defRPr>
+              </a:lvl4pPr>
+              <a:lvl5pPr marL="1828800" algn="l" defTabSz="914400" rtl="0" eaLnBrk="1" latinLnBrk="0" hangingPunct="1">
+                <a:defRPr sz="1800" kern="1200">
+                  <a:solidFill>
+                    <a:schemeClr val="lt1"/>
+                  </a:solidFill>
+                  <a:latin typeface="+mn-lt"/>
+                  <a:ea typeface="+mn-ea"/>
+                  <a:cs typeface="+mn-cs"/>
+                </a:defRPr>
+              </a:lvl5pPr>
+              <a:lvl6pPr marL="2286000" algn="l" defTabSz="914400" rtl="0" eaLnBrk="1" latinLnBrk="0" hangingPunct="1">
+                <a:defRPr sz="1800" kern="1200">
+                  <a:solidFill>
+                    <a:schemeClr val="lt1"/>
+                  </a:solidFill>
+                  <a:latin typeface="+mn-lt"/>
+                  <a:ea typeface="+mn-ea"/>
+                  <a:cs typeface="+mn-cs"/>
+                </a:defRPr>
+              </a:lvl6pPr>
+              <a:lvl7pPr marL="2743200" algn="l" defTabSz="914400" rtl="0" eaLnBrk="1" latinLnBrk="0" hangingPunct="1">
+                <a:defRPr sz="1800" kern="1200">
+                  <a:solidFill>
+                    <a:schemeClr val="lt1"/>
+                  </a:solidFill>
+                  <a:latin typeface="+mn-lt"/>
+                  <a:ea typeface="+mn-ea"/>
+                  <a:cs typeface="+mn-cs"/>
+                </a:defRPr>
+              </a:lvl7pPr>
+              <a:lvl8pPr marL="3200400" algn="l" defTabSz="914400" rtl="0" eaLnBrk="1" latinLnBrk="0" hangingPunct="1">
+                <a:defRPr sz="1800" kern="1200">
+                  <a:solidFill>
+                    <a:schemeClr val="lt1"/>
+                  </a:solidFill>
+                  <a:latin typeface="+mn-lt"/>
+                  <a:ea typeface="+mn-ea"/>
+                  <a:cs typeface="+mn-cs"/>
+                </a:defRPr>
+              </a:lvl8pPr>
+              <a:lvl9pPr marL="3657600" algn="l" defTabSz="914400" rtl="0" eaLnBrk="1" latinLnBrk="0" hangingPunct="1">
+                <a:defRPr sz="1800" kern="1200">
+                  <a:solidFill>
+                    <a:schemeClr val="lt1"/>
+                  </a:solidFill>
+                  <a:latin typeface="+mn-lt"/>
+                  <a:ea typeface="+mn-ea"/>
+                  <a:cs typeface="+mn-cs"/>
+                </a:defRPr>
+              </a:lvl9pPr>
+            </a:lstStyle>
+            <a:p>
+              <a:pPr algn="ctr"/>
+              <a:endParaRPr lang="zh-CN" altLang="en-US" sz="1400">
+                <a:solidFill>
+                  <a:prstClr val="white"/>
+                </a:solidFill>
+                <a:latin typeface="Arial" panose="020B0604020202020204" pitchFamily="34" charset="0"/>
+                <a:cs typeface="Arial" panose="020B0604020202020204" pitchFamily="34" charset="0"/>
+              </a:endParaRPr>
+            </a:p>
+          </p:txBody>
+        </p:sp>
+      </p:grpSp>
+      <p:sp>
+        <p:nvSpPr>
+          <p:cNvPr id="60" name="矩形 59"/>
+          <p:cNvSpPr/>
+          <p:nvPr/>
+        </p:nvSpPr>
+        <p:spPr>
+          <a:xfrm>
+            <a:off x="5785019" y="5529553"/>
+            <a:ext cx="1975797" cy="307777"/>
+          </a:xfrm>
+          <a:prstGeom prst="rect">
+            <a:avLst/>
+          </a:prstGeom>
+        </p:spPr>
+        <p:txBody>
+          <a:bodyPr wrap="none">
+            <a:spAutoFit/>
+          </a:bodyPr>
+          <a:lstStyle/>
+          <a:p>
+            <a:r>
+              <a:rPr lang="en-US" altLang="zh-CN" sz="1400" b="1" dirty="0" smtClean="0">
+                <a:solidFill>
+                  <a:srgbClr val="434343"/>
+                </a:solidFill>
+              </a:rPr>
+              <a:t>Conversion &amp; Reduction</a:t>
+            </a:r>
+            <a:endParaRPr lang="zh-CN" altLang="en-US" sz="1400" b="1" dirty="0"/>
+          </a:p>
+        </p:txBody>
+      </p:sp>
+      <p:sp>
+        <p:nvSpPr>
+          <p:cNvPr id="98" name="加号 97"/>
+          <p:cNvSpPr/>
+          <p:nvPr/>
+        </p:nvSpPr>
+        <p:spPr>
+          <a:xfrm>
+            <a:off x="7953294" y="6425525"/>
+            <a:ext cx="347979" cy="320711"/>
+          </a:xfrm>
+          <a:prstGeom prst="mathPlus">
+            <a:avLst>
+              <a:gd name="adj1" fmla="val 10951"/>
+            </a:avLst>
+          </a:prstGeom>
+          <a:solidFill>
+            <a:schemeClr val="tx1"/>
+          </a:solidFill>
+          <a:ln>
+            <a:noFill/>
+          </a:ln>
+        </p:spPr>
+        <p:style>
+          <a:lnRef idx="2">
+            <a:schemeClr val="accent1">
+              <a:shade val="50000"/>
+            </a:schemeClr>
+          </a:lnRef>
+          <a:fillRef idx="1">
+            <a:schemeClr val="accent1"/>
+          </a:fillRef>
+          <a:effectRef idx="0">
+            <a:schemeClr val="accent1"/>
+          </a:effectRef>
+          <a:fontRef idx="minor">
+            <a:schemeClr val="lt1"/>
+          </a:fontRef>
+        </p:style>
+        <p:txBody>
+          <a:bodyPr rtlCol="0" anchor="ctr"/>
+          <a:lstStyle/>
+          <a:p>
+            <a:pPr algn="ctr"/>
+            <a:endParaRPr lang="zh-CN" altLang="en-US"/>
+          </a:p>
+        </p:txBody>
+      </p:sp>
+      <p:sp>
+        <p:nvSpPr>
+          <p:cNvPr id="1033" name="加号 1032"/>
+          <p:cNvSpPr/>
+          <p:nvPr/>
+        </p:nvSpPr>
+        <p:spPr>
+          <a:xfrm>
+            <a:off x="5029200" y="6425525"/>
+            <a:ext cx="331801" cy="320711"/>
+          </a:xfrm>
+          <a:prstGeom prst="mathPlus">
+            <a:avLst>
+              <a:gd name="adj1" fmla="val 10951"/>
+            </a:avLst>
+          </a:prstGeom>
+          <a:solidFill>
+            <a:schemeClr val="tx1"/>
+          </a:solidFill>
+          <a:ln>
+            <a:noFill/>
+          </a:ln>
+        </p:spPr>
+        <p:style>
+          <a:lnRef idx="2">
+            <a:schemeClr val="accent1">
+              <a:shade val="50000"/>
+            </a:schemeClr>
+          </a:lnRef>
+          <a:fillRef idx="1">
+            <a:schemeClr val="accent1"/>
+          </a:fillRef>
+          <a:effectRef idx="0">
+            <a:schemeClr val="accent1"/>
+          </a:effectRef>
+          <a:fontRef idx="minor">
+            <a:schemeClr val="lt1"/>
+          </a:fontRef>
+        </p:style>
+        <p:txBody>
+          <a:bodyPr rtlCol="0" anchor="ctr"/>
+          <a:lstStyle/>
+          <a:p>
+            <a:pPr algn="ctr"/>
+            <a:endParaRPr lang="zh-CN" altLang="en-US"/>
+          </a:p>
+        </p:txBody>
+      </p:sp>
+      <p:grpSp>
+        <p:nvGrpSpPr>
+          <p:cNvPr id="14" name="组合 13"/>
+          <p:cNvGrpSpPr/>
+          <p:nvPr/>
+        </p:nvGrpSpPr>
+        <p:grpSpPr>
+          <a:xfrm>
+            <a:off x="3857254" y="5920418"/>
+            <a:ext cx="1690248" cy="1467733"/>
+            <a:chOff x="3676279" y="5920418"/>
+            <a:chExt cx="1690248" cy="1467733"/>
+          </a:xfrm>
+        </p:grpSpPr>
+        <p:pic>
+          <p:nvPicPr>
+            <p:cNvPr id="1032" name="Picture 4" descr="https://www.stat.uchicago.edu/faculty/InMemoriam/worsley/research/surfstat/figs/vbmp.jpg"/>
+            <p:cNvPicPr>
+              <a:picLocks noChangeAspect="1" noChangeArrowheads="1"/>
+            </p:cNvPicPr>
+            <p:nvPr/>
+          </p:nvPicPr>
+          <p:blipFill rotWithShape="1">
+            <a:blip r:embed="rId9" cstate="print">
+              <a:clrChange>
+                <a:clrFrom>
+                  <a:srgbClr val="FDFDFD"/>
+                </a:clrFrom>
+                <a:clrTo>
+                  <a:srgbClr val="FDFDFD">
+                    <a:alpha val="0"/>
+                  </a:srgbClr>
+                </a:clrTo>
+              </a:clrChange>
+              <a:extLst>
+                <a:ext uri="{28A0092B-C50C-407E-A947-70E740481C1C}">
+                  <a14:useLocalDpi xmlns:a14="http://schemas.microsoft.com/office/drawing/2010/main" val="0"/>
+                </a:ext>
+              </a:extLst>
+            </a:blip>
+            <a:srcRect/>
+            <a:stretch/>
+          </p:blipFill>
+          <p:spPr bwMode="auto">
+            <a:xfrm>
+              <a:off x="4103249" y="6208667"/>
+              <a:ext cx="828562" cy="754427"/>
+            </a:xfrm>
+            <a:prstGeom prst="rect">
+              <a:avLst/>
+            </a:prstGeom>
+            <a:noFill/>
+            <a:extLst>
+              <a:ext uri="{909E8E84-426E-40DD-AFC4-6F175D3DCCD1}">
+                <a14:hiddenFill xmlns:a14="http://schemas.microsoft.com/office/drawing/2010/main">
+                  <a:solidFill>
+                    <a:srgbClr val="FFFFFF"/>
+                  </a:solidFill>
+                </a14:hiddenFill>
+              </a:ext>
+            </a:extLst>
+          </p:spPr>
+        </p:pic>
+        <p:sp>
+          <p:nvSpPr>
+            <p:cNvPr id="81" name="矩形 80"/>
+            <p:cNvSpPr/>
+            <p:nvPr/>
+          </p:nvSpPr>
+          <p:spPr>
+            <a:xfrm>
+              <a:off x="3881761" y="6957264"/>
+              <a:ext cx="1254285" cy="430887"/>
+            </a:xfrm>
+            <a:prstGeom prst="rect">
+              <a:avLst/>
+            </a:prstGeom>
+          </p:spPr>
+          <p:txBody>
+            <a:bodyPr wrap="square">
+              <a:spAutoFit/>
+            </a:bodyPr>
+            <a:lstStyle/>
+            <a:p>
+              <a:pPr algn="ctr"/>
+              <a:r>
+                <a:rPr lang="en-US" altLang="zh-CN" sz="1100" dirty="0" smtClean="0"/>
+                <a:t>An</a:t>
+              </a:r>
+              <a:r>
+                <a:rPr lang="en-US" altLang="zh-CN" sz="1100" dirty="0" smtClean="0"/>
+                <a:t> index vector </a:t>
+              </a:r>
+            </a:p>
+            <a:p>
+              <a:pPr algn="ctr"/>
+              <a:r>
+                <a:rPr lang="en-US" altLang="zh-CN" sz="1100" dirty="0"/>
+                <a:t>v</a:t>
+              </a:r>
+              <a:r>
+                <a:rPr lang="en-US" altLang="zh-CN" sz="1100" dirty="0" smtClean="0"/>
+                <a:t>oxels of interest</a:t>
+              </a:r>
+              <a:endParaRPr lang="en-US" altLang="zh-CN" sz="1100" dirty="0"/>
+            </a:p>
+          </p:txBody>
+        </p:sp>
+        <p:sp>
+          <p:nvSpPr>
+            <p:cNvPr id="80" name="文本框 79"/>
+            <p:cNvSpPr txBox="1"/>
+            <p:nvPr/>
+          </p:nvSpPr>
+          <p:spPr>
+            <a:xfrm>
+              <a:off x="3676279" y="5920418"/>
+              <a:ext cx="1690248" cy="288000"/>
+            </a:xfrm>
+            <a:prstGeom prst="rect">
+              <a:avLst/>
+            </a:prstGeom>
+            <a:noFill/>
+          </p:spPr>
+          <p:txBody>
+            <a:bodyPr wrap="square" rtlCol="0">
+              <a:spAutoFit/>
+            </a:bodyPr>
+            <a:lstStyle/>
+            <a:p>
+              <a:pPr algn="ctr"/>
+              <a:r>
+                <a:rPr lang="en-US" altLang="zh-CN" sz="1400" dirty="0" smtClean="0"/>
+                <a:t>Mask </a:t>
+              </a:r>
+            </a:p>
+          </p:txBody>
+        </p:sp>
+      </p:grpSp>
+      <p:grpSp>
+        <p:nvGrpSpPr>
+          <p:cNvPr id="18" name="组合 17"/>
+          <p:cNvGrpSpPr/>
+          <p:nvPr/>
+        </p:nvGrpSpPr>
+        <p:grpSpPr>
+          <a:xfrm>
+            <a:off x="6807922" y="5920418"/>
+            <a:ext cx="1307297" cy="1467733"/>
+            <a:chOff x="6836497" y="5920418"/>
+            <a:chExt cx="1307297" cy="1467733"/>
+          </a:xfrm>
+        </p:grpSpPr>
+        <p:sp>
+          <p:nvSpPr>
+            <p:cNvPr id="96" name="文本框 95"/>
+            <p:cNvSpPr txBox="1"/>
+            <p:nvPr/>
+          </p:nvSpPr>
+          <p:spPr>
+            <a:xfrm>
+              <a:off x="6836497" y="5920418"/>
+              <a:ext cx="1307297" cy="307777"/>
+            </a:xfrm>
+            <a:prstGeom prst="rect">
+              <a:avLst/>
+            </a:prstGeom>
+            <a:noFill/>
+          </p:spPr>
+          <p:txBody>
+            <a:bodyPr wrap="square" rtlCol="0">
+              <a:spAutoFit/>
+            </a:bodyPr>
+            <a:lstStyle/>
+            <a:p>
+              <a:pPr algn="ctr"/>
+              <a:r>
+                <a:rPr lang="en-US" altLang="zh-CN" sz="1400" dirty="0" smtClean="0"/>
+                <a:t>ROI Templates</a:t>
+              </a:r>
+              <a:endParaRPr lang="zh-CN" altLang="en-US" sz="1400" dirty="0"/>
+            </a:p>
+          </p:txBody>
+        </p:sp>
+        <p:sp>
+          <p:nvSpPr>
+            <p:cNvPr id="97" name="矩形 96"/>
+            <p:cNvSpPr/>
+            <p:nvPr/>
+          </p:nvSpPr>
+          <p:spPr>
+            <a:xfrm>
+              <a:off x="6978623" y="6957264"/>
+              <a:ext cx="1069921" cy="430887"/>
+            </a:xfrm>
+            <a:prstGeom prst="rect">
+              <a:avLst/>
+            </a:prstGeom>
+          </p:spPr>
+          <p:txBody>
+            <a:bodyPr wrap="square">
+              <a:spAutoFit/>
+            </a:bodyPr>
+            <a:lstStyle/>
+            <a:p>
+              <a:pPr algn="ctr"/>
+              <a:r>
+                <a:rPr lang="en-US" altLang="zh-CN" sz="1100" dirty="0" smtClean="0"/>
+                <a:t>Template </a:t>
+              </a:r>
+              <a:r>
+                <a:rPr lang="en-US" altLang="zh-CN" sz="1100" dirty="0" smtClean="0"/>
+                <a:t>for ROI study</a:t>
+              </a:r>
+              <a:endParaRPr lang="en-US" altLang="zh-CN" sz="1100" dirty="0"/>
+            </a:p>
+          </p:txBody>
+        </p:sp>
+        <p:pic>
+          <p:nvPicPr>
+            <p:cNvPr id="1040" name="Picture 6" descr="http://www.typically.net/mgui/wiki/tutorials/user-tutorial-meshes/aal_on_surface_2.png"/>
+            <p:cNvPicPr>
+              <a:picLocks noChangeAspect="1" noChangeArrowheads="1"/>
+            </p:cNvPicPr>
+            <p:nvPr/>
+          </p:nvPicPr>
+          <p:blipFill rotWithShape="1">
+            <a:blip r:embed="rId10" cstate="print">
+              <a:clrChange>
+                <a:clrFrom>
+                  <a:srgbClr val="FFFFFF"/>
+                </a:clrFrom>
+                <a:clrTo>
+                  <a:srgbClr val="FFFFFF">
+                    <a:alpha val="0"/>
+                  </a:srgbClr>
+                </a:clrTo>
+              </a:clrChange>
+              <a:extLst>
+                <a:ext uri="{28A0092B-C50C-407E-A947-70E740481C1C}">
+                  <a14:useLocalDpi xmlns:a14="http://schemas.microsoft.com/office/drawing/2010/main" val="0"/>
+                </a:ext>
+              </a:extLst>
+            </a:blip>
+            <a:srcRect/>
+            <a:stretch/>
+          </p:blipFill>
+          <p:spPr bwMode="auto">
+            <a:xfrm>
+              <a:off x="7138555" y="6231281"/>
+              <a:ext cx="739962" cy="709199"/>
+            </a:xfrm>
+            <a:prstGeom prst="rect">
+              <a:avLst/>
+            </a:prstGeom>
+            <a:noFill/>
+            <a:extLst>
+              <a:ext uri="{909E8E84-426E-40DD-AFC4-6F175D3DCCD1}">
+                <a14:hiddenFill xmlns:a14="http://schemas.microsoft.com/office/drawing/2010/main">
+                  <a:solidFill>
+                    <a:srgbClr val="FFFFFF"/>
+                  </a:solidFill>
+                </a14:hiddenFill>
+              </a:ext>
+            </a:extLst>
+          </p:spPr>
+        </p:pic>
+      </p:grpSp>
+      <p:sp>
+        <p:nvSpPr>
+          <p:cNvPr id="77" name="文本框 24"/>
+          <p:cNvSpPr txBox="1"/>
+          <p:nvPr/>
+        </p:nvSpPr>
+        <p:spPr>
+          <a:xfrm>
+            <a:off x="1256589" y="4927172"/>
+            <a:ext cx="1710546" cy="276999"/>
+          </a:xfrm>
+          <a:prstGeom prst="rect">
+            <a:avLst/>
+          </a:prstGeom>
+          <a:noFill/>
+        </p:spPr>
+        <p:txBody>
+          <a:bodyPr wrap="square" rtlCol="0">
+            <a:spAutoFit/>
+          </a:bodyPr>
+          <a:lstStyle/>
+          <a:p>
+            <a:r>
+              <a:rPr lang="en-US" altLang="zh-CN" sz="1200" dirty="0" smtClean="0"/>
+              <a:t>e.g., </a:t>
+            </a:r>
+            <a:r>
+              <a:rPr lang="en-US" altLang="zh-CN" sz="1200" dirty="0" err="1" smtClean="0"/>
+              <a:t>Dicom</a:t>
+            </a:r>
+            <a:r>
+              <a:rPr lang="en-US" altLang="zh-CN" sz="1200" dirty="0" smtClean="0"/>
+              <a:t>, </a:t>
+            </a:r>
+            <a:r>
+              <a:rPr lang="en-US" altLang="zh-CN" sz="1200" dirty="0" err="1" smtClean="0"/>
+              <a:t>NIfTI</a:t>
+            </a:r>
+            <a:r>
+              <a:rPr lang="en-US" altLang="zh-CN" sz="1200" dirty="0" smtClean="0"/>
+              <a:t>  </a:t>
+            </a:r>
+            <a:r>
+              <a:rPr lang="en-US" altLang="zh-CN" sz="1200" dirty="0" smtClean="0"/>
+              <a:t>files</a:t>
+            </a:r>
+            <a:endParaRPr lang="zh-CN" altLang="en-US" sz="1200" dirty="0"/>
+          </a:p>
+        </p:txBody>
+      </p:sp>
+      <p:sp>
+        <p:nvSpPr>
+          <p:cNvPr id="72" name="文本框 24"/>
+          <p:cNvSpPr txBox="1"/>
+          <p:nvPr/>
+        </p:nvSpPr>
+        <p:spPr>
+          <a:xfrm>
+            <a:off x="3891305" y="2024186"/>
+            <a:ext cx="3649843" cy="338554"/>
+          </a:xfrm>
+          <a:prstGeom prst="rect">
+            <a:avLst/>
+          </a:prstGeom>
+          <a:noFill/>
+        </p:spPr>
+        <p:txBody>
+          <a:bodyPr wrap="square" rtlCol="0">
+            <a:spAutoFit/>
+          </a:bodyPr>
+          <a:lstStyle/>
+          <a:p>
+            <a:pPr marL="285750" indent="-285750">
+              <a:buFont typeface="Arial" panose="020B0604020202020204" pitchFamily="34" charset="0"/>
+              <a:buChar char="•"/>
+            </a:pPr>
+            <a:r>
+              <a:rPr lang="en-US" altLang="zh-CN" sz="1600" dirty="0" err="1" smtClean="0"/>
+              <a:t>Subbject</a:t>
+            </a:r>
+            <a:r>
+              <a:rPr lang="en-US" altLang="zh-CN" sz="1600" dirty="0" smtClean="0"/>
+              <a:t> ID</a:t>
+            </a:r>
+            <a:endParaRPr lang="zh-CN" altLang="en-US" sz="1600" dirty="0"/>
+          </a:p>
+        </p:txBody>
+      </p:sp>
+      <p:sp>
+        <p:nvSpPr>
+          <p:cNvPr id="3" name="圆角矩形 2"/>
+          <p:cNvSpPr/>
+          <p:nvPr/>
+        </p:nvSpPr>
+        <p:spPr>
+          <a:xfrm>
+            <a:off x="3891305" y="3850900"/>
+            <a:ext cx="5757520" cy="3755101"/>
+          </a:xfrm>
+          <a:prstGeom prst="roundRect">
+            <a:avLst>
+              <a:gd name="adj" fmla="val 4251"/>
+            </a:avLst>
+          </a:prstGeom>
+          <a:noFill/>
+          <a:ln w="28575">
+            <a:solidFill>
+              <a:srgbClr val="F0AAAF"/>
+            </a:solidFill>
+            <a:prstDash val="sysDot"/>
+          </a:ln>
+        </p:spPr>
+        <p:style>
+          <a:lnRef idx="2">
+            <a:schemeClr val="accent6"/>
+          </a:lnRef>
+          <a:fillRef idx="1">
+            <a:schemeClr val="lt1"/>
+          </a:fillRef>
+          <a:effectRef idx="0">
+            <a:schemeClr val="accent6"/>
+          </a:effectRef>
+          <a:fontRef idx="minor">
+            <a:schemeClr val="dk1"/>
+          </a:fontRef>
+        </p:style>
+        <p:txBody>
+          <a:bodyPr rtlCol="0" anchor="ctr"/>
+          <a:lstStyle/>
+          <a:p>
+            <a:pPr algn="ctr"/>
+            <a:endParaRPr lang="zh-CN" altLang="en-US">
+              <a:noFill/>
+            </a:endParaRPr>
+          </a:p>
+        </p:txBody>
+      </p:sp>
+      <p:sp>
+        <p:nvSpPr>
+          <p:cNvPr id="71" name="文本框 24"/>
+          <p:cNvSpPr txBox="1"/>
+          <p:nvPr/>
+        </p:nvSpPr>
+        <p:spPr>
+          <a:xfrm>
+            <a:off x="6294760" y="3681623"/>
+            <a:ext cx="956315" cy="338554"/>
+          </a:xfrm>
+          <a:prstGeom prst="rect">
+            <a:avLst/>
+          </a:prstGeom>
+          <a:solidFill>
+            <a:srgbClr val="F8F2E2"/>
+          </a:solidFill>
+        </p:spPr>
+        <p:txBody>
+          <a:bodyPr wrap="square" rtlCol="0">
+            <a:spAutoFit/>
+          </a:bodyPr>
+          <a:lstStyle/>
+          <a:p>
+            <a:pPr algn="ctr"/>
+            <a:r>
+              <a:rPr lang="en-US" altLang="zh-CN" sz="1600" dirty="0" err="1" smtClean="0"/>
+              <a:t>BCoData</a:t>
+            </a:r>
+            <a:endParaRPr lang="zh-CN" altLang="en-US" sz="1600" dirty="0"/>
+          </a:p>
+        </p:txBody>
+      </p:sp>
+      <p:grpSp>
+        <p:nvGrpSpPr>
+          <p:cNvPr id="16" name="组合 15"/>
+          <p:cNvGrpSpPr/>
+          <p:nvPr/>
+        </p:nvGrpSpPr>
+        <p:grpSpPr>
+          <a:xfrm>
+            <a:off x="5183797" y="5920418"/>
+            <a:ext cx="1858542" cy="1467733"/>
+            <a:chOff x="5126647" y="5920418"/>
+            <a:chExt cx="1858542" cy="1467733"/>
+          </a:xfrm>
+        </p:grpSpPr>
+        <p:sp>
+          <p:nvSpPr>
+            <p:cNvPr id="90" name="矩形 89"/>
+            <p:cNvSpPr/>
+            <p:nvPr/>
+          </p:nvSpPr>
+          <p:spPr>
+            <a:xfrm>
+              <a:off x="5126647" y="6957264"/>
+              <a:ext cx="1858542" cy="430887"/>
+            </a:xfrm>
+            <a:prstGeom prst="rect">
+              <a:avLst/>
+            </a:prstGeom>
+          </p:spPr>
+          <p:txBody>
+            <a:bodyPr wrap="square">
+              <a:spAutoFit/>
+            </a:bodyPr>
+            <a:lstStyle/>
+            <a:p>
+              <a:pPr algn="ctr"/>
+              <a:r>
+                <a:rPr lang="en-US" altLang="zh-CN" sz="1100" dirty="0" smtClean="0"/>
+                <a:t>Voxel-wise data </a:t>
+              </a:r>
+              <a:endParaRPr lang="en-US" altLang="zh-CN" sz="1100" dirty="0" smtClean="0"/>
+            </a:p>
+            <a:p>
+              <a:pPr algn="ctr"/>
+              <a:r>
+                <a:rPr lang="en-US" altLang="zh-CN" sz="1100" dirty="0" smtClean="0"/>
+                <a:t>within the mask</a:t>
+              </a:r>
+              <a:endParaRPr lang="en-US" altLang="zh-CN" sz="1100" dirty="0"/>
+            </a:p>
+          </p:txBody>
+        </p:sp>
+        <p:sp>
+          <p:nvSpPr>
+            <p:cNvPr id="83" name="文本框 82"/>
+            <p:cNvSpPr txBox="1"/>
+            <p:nvPr/>
+          </p:nvSpPr>
+          <p:spPr>
+            <a:xfrm>
+              <a:off x="5224901" y="5920418"/>
+              <a:ext cx="1570272" cy="288000"/>
+            </a:xfrm>
+            <a:prstGeom prst="rect">
+              <a:avLst/>
+            </a:prstGeom>
+            <a:noFill/>
+          </p:spPr>
+          <p:txBody>
+            <a:bodyPr wrap="square" rtlCol="0">
+              <a:spAutoFit/>
+            </a:bodyPr>
+            <a:lstStyle/>
+            <a:p>
+              <a:pPr algn="ctr"/>
+              <a:r>
+                <a:rPr lang="en-US" altLang="zh-CN" sz="1400" dirty="0" smtClean="0"/>
+                <a:t>Data Matrix</a:t>
+              </a:r>
+              <a:endParaRPr lang="zh-CN" altLang="en-US" sz="1400" dirty="0"/>
+            </a:p>
+          </p:txBody>
+        </p:sp>
+        <p:grpSp>
+          <p:nvGrpSpPr>
+            <p:cNvPr id="9" name="组合 8"/>
+            <p:cNvGrpSpPr/>
+            <p:nvPr/>
+          </p:nvGrpSpPr>
+          <p:grpSpPr>
+            <a:xfrm>
+              <a:off x="5611451" y="6151632"/>
+              <a:ext cx="836494" cy="868497"/>
+              <a:chOff x="5491078" y="2838367"/>
+              <a:chExt cx="1209844" cy="1181265"/>
+            </a:xfrm>
+          </p:grpSpPr>
+          <p:pic>
+            <p:nvPicPr>
+              <p:cNvPr id="6" name="图片 5" descr="屏幕剪辑"/>
+              <p:cNvPicPr>
+                <a:picLocks noChangeAspect="1"/>
+              </p:cNvPicPr>
+              <p:nvPr/>
+            </p:nvPicPr>
+            <p:blipFill>
+              <a:blip r:embed="rId11">
+                <a:extLst>
+                  <a:ext uri="{28A0092B-C50C-407E-A947-70E740481C1C}">
+                    <a14:useLocalDpi xmlns:a14="http://schemas.microsoft.com/office/drawing/2010/main" val="0"/>
+                  </a:ext>
+                </a:extLst>
+              </a:blip>
+              <a:stretch>
+                <a:fillRect/>
+              </a:stretch>
+            </p:blipFill>
+            <p:spPr>
+              <a:xfrm>
+                <a:off x="5491078" y="2838367"/>
+                <a:ext cx="1209844" cy="1181265"/>
+              </a:xfrm>
+              <a:prstGeom prst="rect">
+                <a:avLst/>
+              </a:prstGeom>
+            </p:spPr>
+          </p:pic>
+          <p:pic>
+            <p:nvPicPr>
+              <p:cNvPr id="8" name="图片 7" descr="屏幕剪辑"/>
+              <p:cNvPicPr>
+                <a:picLocks noChangeAspect="1"/>
+              </p:cNvPicPr>
+              <p:nvPr/>
+            </p:nvPicPr>
+            <p:blipFill rotWithShape="1">
+              <a:blip r:embed="rId12">
+                <a:extLst>
+                  <a:ext uri="{28A0092B-C50C-407E-A947-70E740481C1C}">
+                    <a14:useLocalDpi xmlns:a14="http://schemas.microsoft.com/office/drawing/2010/main" val="0"/>
+                  </a:ext>
+                </a:extLst>
+              </a:blip>
+              <a:srcRect t="6177"/>
+              <a:stretch/>
+            </p:blipFill>
+            <p:spPr>
+              <a:xfrm>
+                <a:off x="5551520" y="3110832"/>
+                <a:ext cx="1068356" cy="840614"/>
+              </a:xfrm>
+              <a:prstGeom prst="rect">
+                <a:avLst/>
+              </a:prstGeom>
+            </p:spPr>
+          </p:pic>
+        </p:grpSp>
+      </p:grpSp>
+      <p:sp>
+        <p:nvSpPr>
+          <p:cNvPr id="73" name="矩形 72"/>
+          <p:cNvSpPr/>
+          <p:nvPr/>
+        </p:nvSpPr>
+        <p:spPr>
+          <a:xfrm>
+            <a:off x="4014395" y="5081471"/>
+            <a:ext cx="1254285" cy="276999"/>
+          </a:xfrm>
+          <a:prstGeom prst="rect">
+            <a:avLst/>
+          </a:prstGeom>
+        </p:spPr>
+        <p:txBody>
+          <a:bodyPr wrap="square">
+            <a:spAutoFit/>
+          </a:bodyPr>
+          <a:lstStyle/>
+          <a:p>
+            <a:pPr algn="ctr"/>
+            <a:r>
+              <a:rPr lang="en-US" altLang="zh-CN" sz="1200" dirty="0" smtClean="0"/>
+              <a:t>Volume 1</a:t>
+            </a:r>
+            <a:endParaRPr lang="en-US" altLang="zh-CN" sz="1200" dirty="0"/>
+          </a:p>
+        </p:txBody>
+      </p:sp>
+      <p:grpSp>
+        <p:nvGrpSpPr>
+          <p:cNvPr id="74" name="组合 73"/>
+          <p:cNvGrpSpPr/>
+          <p:nvPr/>
+        </p:nvGrpSpPr>
+        <p:grpSpPr>
+          <a:xfrm>
+            <a:off x="5373799" y="4175471"/>
+            <a:ext cx="964348" cy="946897"/>
+            <a:chOff x="844527" y="4952773"/>
+            <a:chExt cx="1906078" cy="1619132"/>
+          </a:xfrm>
+        </p:grpSpPr>
+        <p:pic>
+          <p:nvPicPr>
+            <p:cNvPr id="75" name="图片 74"/>
+            <p:cNvPicPr>
+              <a:picLocks noChangeAspect="1"/>
+            </p:cNvPicPr>
+            <p:nvPr/>
+          </p:nvPicPr>
+          <p:blipFill>
+            <a:blip r:embed="rId8" cstate="print">
+              <a:extLst>
+                <a:ext uri="{28A0092B-C50C-407E-A947-70E740481C1C}">
+                  <a14:useLocalDpi xmlns:a14="http://schemas.microsoft.com/office/drawing/2010/main" val="0"/>
+                </a:ext>
+              </a:extLst>
+            </a:blip>
+            <a:stretch>
+              <a:fillRect/>
+            </a:stretch>
+          </p:blipFill>
+          <p:spPr>
+            <a:xfrm>
+              <a:off x="1319297" y="5065622"/>
+              <a:ext cx="1321684" cy="1071738"/>
+            </a:xfrm>
+            <a:prstGeom prst="rect">
+              <a:avLst/>
+            </a:prstGeom>
+          </p:spPr>
+        </p:pic>
+        <p:pic>
+          <p:nvPicPr>
+            <p:cNvPr id="76" name="图片 75"/>
+            <p:cNvPicPr>
+              <a:picLocks noChangeAspect="1"/>
+            </p:cNvPicPr>
+            <p:nvPr/>
+          </p:nvPicPr>
+          <p:blipFill>
+            <a:blip r:embed="rId8" cstate="print">
+              <a:extLst>
+                <a:ext uri="{28A0092B-C50C-407E-A947-70E740481C1C}">
+                  <a14:useLocalDpi xmlns:a14="http://schemas.microsoft.com/office/drawing/2010/main" val="0"/>
+                </a:ext>
+              </a:extLst>
+            </a:blip>
+            <a:stretch>
+              <a:fillRect/>
+            </a:stretch>
+          </p:blipFill>
+          <p:spPr>
+            <a:xfrm>
+              <a:off x="1198111" y="5142482"/>
+              <a:ext cx="1321684" cy="1071738"/>
+            </a:xfrm>
+            <a:prstGeom prst="rect">
+              <a:avLst/>
+            </a:prstGeom>
+          </p:spPr>
+        </p:pic>
+        <p:pic>
+          <p:nvPicPr>
+            <p:cNvPr id="78" name="图片 77"/>
+            <p:cNvPicPr>
+              <a:picLocks noChangeAspect="1"/>
+            </p:cNvPicPr>
+            <p:nvPr/>
+          </p:nvPicPr>
+          <p:blipFill>
+            <a:blip r:embed="rId8" cstate="print">
+              <a:extLst>
+                <a:ext uri="{28A0092B-C50C-407E-A947-70E740481C1C}">
+                  <a14:useLocalDpi xmlns:a14="http://schemas.microsoft.com/office/drawing/2010/main" val="0"/>
+                </a:ext>
+              </a:extLst>
+            </a:blip>
+            <a:stretch>
+              <a:fillRect/>
+            </a:stretch>
+          </p:blipFill>
+          <p:spPr>
+            <a:xfrm>
+              <a:off x="1076925" y="5258760"/>
+              <a:ext cx="1321684" cy="1071738"/>
+            </a:xfrm>
+            <a:prstGeom prst="rect">
+              <a:avLst/>
+            </a:prstGeom>
+          </p:spPr>
+        </p:pic>
+        <p:pic>
+          <p:nvPicPr>
+            <p:cNvPr id="79" name="图片 78"/>
+            <p:cNvPicPr>
+              <a:picLocks noChangeAspect="1"/>
+            </p:cNvPicPr>
+            <p:nvPr/>
+          </p:nvPicPr>
+          <p:blipFill>
+            <a:blip r:embed="rId8" cstate="print">
+              <a:extLst>
+                <a:ext uri="{28A0092B-C50C-407E-A947-70E740481C1C}">
+                  <a14:useLocalDpi xmlns:a14="http://schemas.microsoft.com/office/drawing/2010/main" val="0"/>
+                </a:ext>
+              </a:extLst>
+            </a:blip>
+            <a:stretch>
+              <a:fillRect/>
+            </a:stretch>
+          </p:blipFill>
+          <p:spPr>
+            <a:xfrm>
+              <a:off x="955739" y="5375038"/>
+              <a:ext cx="1321684" cy="1071738"/>
+            </a:xfrm>
+            <a:prstGeom prst="rect">
+              <a:avLst/>
+            </a:prstGeom>
+          </p:spPr>
+        </p:pic>
+        <p:sp>
+          <p:nvSpPr>
+            <p:cNvPr id="82" name="立方体 81"/>
+            <p:cNvSpPr/>
+            <p:nvPr/>
+          </p:nvSpPr>
+          <p:spPr>
+            <a:xfrm>
+              <a:off x="844527" y="4952773"/>
+              <a:ext cx="1906078" cy="1619132"/>
+            </a:xfrm>
+            <a:prstGeom prst="cube">
+              <a:avLst/>
+            </a:prstGeom>
+            <a:noFill/>
+            <a:ln w="22225">
+              <a:solidFill>
+                <a:schemeClr val="tx1"/>
+              </a:solidFill>
+            </a:ln>
+          </p:spPr>
+          <p:style>
+            <a:lnRef idx="2">
+              <a:schemeClr val="accent1">
+                <a:shade val="50000"/>
+              </a:schemeClr>
+            </a:lnRef>
+            <a:fillRef idx="1">
+              <a:schemeClr val="accent1"/>
+            </a:fillRef>
+            <a:effectRef idx="0">
+              <a:schemeClr val="accent1"/>
+            </a:effectRef>
+            <a:fontRef idx="minor">
+              <a:schemeClr val="lt1"/>
+            </a:fontRef>
+          </p:style>
+          <p:txBody>
+            <a:bodyPr rtlCol="0" anchor="ctr"/>
+            <a:lstStyle>
+              <a:defPPr>
+                <a:defRPr lang="zh-CN"/>
+              </a:defPPr>
+              <a:lvl1pPr marL="0" algn="l" defTabSz="914400" rtl="0" eaLnBrk="1" latinLnBrk="0" hangingPunct="1">
+                <a:defRPr sz="1800" kern="1200">
+                  <a:solidFill>
+                    <a:schemeClr val="lt1"/>
+                  </a:solidFill>
+                  <a:latin typeface="+mn-lt"/>
+                  <a:ea typeface="+mn-ea"/>
+                  <a:cs typeface="+mn-cs"/>
+                </a:defRPr>
+              </a:lvl1pPr>
+              <a:lvl2pPr marL="457200" algn="l" defTabSz="914400" rtl="0" eaLnBrk="1" latinLnBrk="0" hangingPunct="1">
+                <a:defRPr sz="1800" kern="1200">
+                  <a:solidFill>
+                    <a:schemeClr val="lt1"/>
+                  </a:solidFill>
+                  <a:latin typeface="+mn-lt"/>
+                  <a:ea typeface="+mn-ea"/>
+                  <a:cs typeface="+mn-cs"/>
+                </a:defRPr>
+              </a:lvl2pPr>
+              <a:lvl3pPr marL="914400" algn="l" defTabSz="914400" rtl="0" eaLnBrk="1" latinLnBrk="0" hangingPunct="1">
+                <a:defRPr sz="1800" kern="1200">
+                  <a:solidFill>
+                    <a:schemeClr val="lt1"/>
+                  </a:solidFill>
+                  <a:latin typeface="+mn-lt"/>
+                  <a:ea typeface="+mn-ea"/>
+                  <a:cs typeface="+mn-cs"/>
+                </a:defRPr>
+              </a:lvl3pPr>
+              <a:lvl4pPr marL="1371600" algn="l" defTabSz="914400" rtl="0" eaLnBrk="1" latinLnBrk="0" hangingPunct="1">
+                <a:defRPr sz="1800" kern="1200">
+                  <a:solidFill>
+                    <a:schemeClr val="lt1"/>
+                  </a:solidFill>
+                  <a:latin typeface="+mn-lt"/>
+                  <a:ea typeface="+mn-ea"/>
+                  <a:cs typeface="+mn-cs"/>
+                </a:defRPr>
+              </a:lvl4pPr>
+              <a:lvl5pPr marL="1828800" algn="l" defTabSz="914400" rtl="0" eaLnBrk="1" latinLnBrk="0" hangingPunct="1">
+                <a:defRPr sz="1800" kern="1200">
+                  <a:solidFill>
+                    <a:schemeClr val="lt1"/>
+                  </a:solidFill>
+                  <a:latin typeface="+mn-lt"/>
+                  <a:ea typeface="+mn-ea"/>
+                  <a:cs typeface="+mn-cs"/>
+                </a:defRPr>
+              </a:lvl5pPr>
+              <a:lvl6pPr marL="2286000" algn="l" defTabSz="914400" rtl="0" eaLnBrk="1" latinLnBrk="0" hangingPunct="1">
+                <a:defRPr sz="1800" kern="1200">
+                  <a:solidFill>
+                    <a:schemeClr val="lt1"/>
+                  </a:solidFill>
+                  <a:latin typeface="+mn-lt"/>
+                  <a:ea typeface="+mn-ea"/>
+                  <a:cs typeface="+mn-cs"/>
+                </a:defRPr>
+              </a:lvl6pPr>
+              <a:lvl7pPr marL="2743200" algn="l" defTabSz="914400" rtl="0" eaLnBrk="1" latinLnBrk="0" hangingPunct="1">
+                <a:defRPr sz="1800" kern="1200">
+                  <a:solidFill>
+                    <a:schemeClr val="lt1"/>
+                  </a:solidFill>
+                  <a:latin typeface="+mn-lt"/>
+                  <a:ea typeface="+mn-ea"/>
+                  <a:cs typeface="+mn-cs"/>
+                </a:defRPr>
+              </a:lvl7pPr>
+              <a:lvl8pPr marL="3200400" algn="l" defTabSz="914400" rtl="0" eaLnBrk="1" latinLnBrk="0" hangingPunct="1">
+                <a:defRPr sz="1800" kern="1200">
+                  <a:solidFill>
+                    <a:schemeClr val="lt1"/>
+                  </a:solidFill>
+                  <a:latin typeface="+mn-lt"/>
+                  <a:ea typeface="+mn-ea"/>
+                  <a:cs typeface="+mn-cs"/>
+                </a:defRPr>
+              </a:lvl8pPr>
+              <a:lvl9pPr marL="3657600" algn="l" defTabSz="914400" rtl="0" eaLnBrk="1" latinLnBrk="0" hangingPunct="1">
+                <a:defRPr sz="1800" kern="1200">
+                  <a:solidFill>
+                    <a:schemeClr val="lt1"/>
+                  </a:solidFill>
+                  <a:latin typeface="+mn-lt"/>
+                  <a:ea typeface="+mn-ea"/>
+                  <a:cs typeface="+mn-cs"/>
+                </a:defRPr>
+              </a:lvl9pPr>
+            </a:lstStyle>
+            <a:p>
+              <a:pPr algn="ctr"/>
+              <a:endParaRPr lang="zh-CN" altLang="en-US" sz="1400">
+                <a:solidFill>
+                  <a:prstClr val="white"/>
+                </a:solidFill>
+                <a:latin typeface="Arial" panose="020B0604020202020204" pitchFamily="34" charset="0"/>
+                <a:cs typeface="Arial" panose="020B0604020202020204" pitchFamily="34" charset="0"/>
+              </a:endParaRPr>
+            </a:p>
+          </p:txBody>
+        </p:sp>
+      </p:grpSp>
+      <p:sp>
+        <p:nvSpPr>
+          <p:cNvPr id="84" name="矩形 83"/>
+          <p:cNvSpPr/>
+          <p:nvPr/>
+        </p:nvSpPr>
+        <p:spPr>
+          <a:xfrm>
+            <a:off x="5176445" y="5081471"/>
+            <a:ext cx="1254285" cy="276999"/>
+          </a:xfrm>
+          <a:prstGeom prst="rect">
+            <a:avLst/>
+          </a:prstGeom>
+        </p:spPr>
+        <p:txBody>
+          <a:bodyPr wrap="square">
+            <a:spAutoFit/>
+          </a:bodyPr>
+          <a:lstStyle/>
+          <a:p>
+            <a:pPr algn="ctr"/>
+            <a:r>
+              <a:rPr lang="en-US" altLang="zh-CN" sz="1200" dirty="0" smtClean="0"/>
+              <a:t>Volume 2</a:t>
+            </a:r>
+            <a:endParaRPr lang="en-US" altLang="zh-CN" sz="1200" dirty="0"/>
+          </a:p>
+        </p:txBody>
+      </p:sp>
+      <p:grpSp>
+        <p:nvGrpSpPr>
+          <p:cNvPr id="85" name="组合 84"/>
+          <p:cNvGrpSpPr/>
+          <p:nvPr/>
+        </p:nvGrpSpPr>
+        <p:grpSpPr>
+          <a:xfrm>
+            <a:off x="6594580" y="4175471"/>
+            <a:ext cx="964348" cy="946897"/>
+            <a:chOff x="844527" y="4952773"/>
+            <a:chExt cx="1906078" cy="1619132"/>
+          </a:xfrm>
+        </p:grpSpPr>
+        <p:pic>
+          <p:nvPicPr>
+            <p:cNvPr id="87" name="图片 86"/>
+            <p:cNvPicPr>
+              <a:picLocks noChangeAspect="1"/>
+            </p:cNvPicPr>
+            <p:nvPr/>
+          </p:nvPicPr>
+          <p:blipFill>
+            <a:blip r:embed="rId8" cstate="print">
+              <a:extLst>
+                <a:ext uri="{28A0092B-C50C-407E-A947-70E740481C1C}">
+                  <a14:useLocalDpi xmlns:a14="http://schemas.microsoft.com/office/drawing/2010/main" val="0"/>
+                </a:ext>
+              </a:extLst>
+            </a:blip>
+            <a:stretch>
+              <a:fillRect/>
+            </a:stretch>
+          </p:blipFill>
+          <p:spPr>
+            <a:xfrm>
+              <a:off x="1319297" y="5065622"/>
+              <a:ext cx="1321684" cy="1071738"/>
+            </a:xfrm>
+            <a:prstGeom prst="rect">
+              <a:avLst/>
+            </a:prstGeom>
+          </p:spPr>
+        </p:pic>
+        <p:pic>
+          <p:nvPicPr>
+            <p:cNvPr id="88" name="图片 87"/>
+            <p:cNvPicPr>
+              <a:picLocks noChangeAspect="1"/>
+            </p:cNvPicPr>
+            <p:nvPr/>
+          </p:nvPicPr>
+          <p:blipFill>
+            <a:blip r:embed="rId8" cstate="print">
+              <a:extLst>
+                <a:ext uri="{28A0092B-C50C-407E-A947-70E740481C1C}">
+                  <a14:useLocalDpi xmlns:a14="http://schemas.microsoft.com/office/drawing/2010/main" val="0"/>
+                </a:ext>
+              </a:extLst>
+            </a:blip>
+            <a:stretch>
+              <a:fillRect/>
+            </a:stretch>
+          </p:blipFill>
+          <p:spPr>
+            <a:xfrm>
+              <a:off x="1198111" y="5142482"/>
+              <a:ext cx="1321684" cy="1071738"/>
+            </a:xfrm>
+            <a:prstGeom prst="rect">
+              <a:avLst/>
+            </a:prstGeom>
+          </p:spPr>
+        </p:pic>
+        <p:pic>
+          <p:nvPicPr>
+            <p:cNvPr id="89" name="图片 88"/>
+            <p:cNvPicPr>
+              <a:picLocks noChangeAspect="1"/>
+            </p:cNvPicPr>
+            <p:nvPr/>
+          </p:nvPicPr>
+          <p:blipFill>
+            <a:blip r:embed="rId8" cstate="print">
+              <a:extLst>
+                <a:ext uri="{28A0092B-C50C-407E-A947-70E740481C1C}">
+                  <a14:useLocalDpi xmlns:a14="http://schemas.microsoft.com/office/drawing/2010/main" val="0"/>
+                </a:ext>
+              </a:extLst>
+            </a:blip>
+            <a:stretch>
+              <a:fillRect/>
+            </a:stretch>
+          </p:blipFill>
+          <p:spPr>
+            <a:xfrm>
+              <a:off x="1076925" y="5258760"/>
+              <a:ext cx="1321684" cy="1071738"/>
+            </a:xfrm>
+            <a:prstGeom prst="rect">
+              <a:avLst/>
+            </a:prstGeom>
+          </p:spPr>
+        </p:pic>
+        <p:pic>
+          <p:nvPicPr>
+            <p:cNvPr id="95" name="图片 94"/>
+            <p:cNvPicPr>
+              <a:picLocks noChangeAspect="1"/>
+            </p:cNvPicPr>
+            <p:nvPr/>
+          </p:nvPicPr>
+          <p:blipFill>
+            <a:blip r:embed="rId8" cstate="print">
+              <a:extLst>
+                <a:ext uri="{28A0092B-C50C-407E-A947-70E740481C1C}">
+                  <a14:useLocalDpi xmlns:a14="http://schemas.microsoft.com/office/drawing/2010/main" val="0"/>
+                </a:ext>
+              </a:extLst>
+            </a:blip>
+            <a:stretch>
+              <a:fillRect/>
+            </a:stretch>
+          </p:blipFill>
+          <p:spPr>
+            <a:xfrm>
+              <a:off x="955739" y="5375038"/>
+              <a:ext cx="1321684" cy="1071738"/>
+            </a:xfrm>
+            <a:prstGeom prst="rect">
+              <a:avLst/>
+            </a:prstGeom>
+          </p:spPr>
+        </p:pic>
+        <p:sp>
+          <p:nvSpPr>
+            <p:cNvPr id="107" name="立方体 106"/>
+            <p:cNvSpPr/>
+            <p:nvPr/>
+          </p:nvSpPr>
+          <p:spPr>
+            <a:xfrm>
+              <a:off x="844527" y="4952773"/>
+              <a:ext cx="1906078" cy="1619132"/>
+            </a:xfrm>
+            <a:prstGeom prst="cube">
+              <a:avLst/>
+            </a:prstGeom>
+            <a:noFill/>
+            <a:ln w="22225">
+              <a:solidFill>
+                <a:schemeClr val="tx1"/>
+              </a:solidFill>
+            </a:ln>
+          </p:spPr>
+          <p:style>
+            <a:lnRef idx="2">
+              <a:schemeClr val="accent1">
+                <a:shade val="50000"/>
+              </a:schemeClr>
+            </a:lnRef>
+            <a:fillRef idx="1">
+              <a:schemeClr val="accent1"/>
+            </a:fillRef>
+            <a:effectRef idx="0">
+              <a:schemeClr val="accent1"/>
+            </a:effectRef>
+            <a:fontRef idx="minor">
+              <a:schemeClr val="lt1"/>
+            </a:fontRef>
+          </p:style>
+          <p:txBody>
+            <a:bodyPr rtlCol="0" anchor="ctr"/>
+            <a:lstStyle>
+              <a:defPPr>
+                <a:defRPr lang="zh-CN"/>
+              </a:defPPr>
+              <a:lvl1pPr marL="0" algn="l" defTabSz="914400" rtl="0" eaLnBrk="1" latinLnBrk="0" hangingPunct="1">
+                <a:defRPr sz="1800" kern="1200">
+                  <a:solidFill>
+                    <a:schemeClr val="lt1"/>
+                  </a:solidFill>
+                  <a:latin typeface="+mn-lt"/>
+                  <a:ea typeface="+mn-ea"/>
+                  <a:cs typeface="+mn-cs"/>
+                </a:defRPr>
+              </a:lvl1pPr>
+              <a:lvl2pPr marL="457200" algn="l" defTabSz="914400" rtl="0" eaLnBrk="1" latinLnBrk="0" hangingPunct="1">
+                <a:defRPr sz="1800" kern="1200">
+                  <a:solidFill>
+                    <a:schemeClr val="lt1"/>
+                  </a:solidFill>
+                  <a:latin typeface="+mn-lt"/>
+                  <a:ea typeface="+mn-ea"/>
+                  <a:cs typeface="+mn-cs"/>
+                </a:defRPr>
+              </a:lvl2pPr>
+              <a:lvl3pPr marL="914400" algn="l" defTabSz="914400" rtl="0" eaLnBrk="1" latinLnBrk="0" hangingPunct="1">
+                <a:defRPr sz="1800" kern="1200">
+                  <a:solidFill>
+                    <a:schemeClr val="lt1"/>
+                  </a:solidFill>
+                  <a:latin typeface="+mn-lt"/>
+                  <a:ea typeface="+mn-ea"/>
+                  <a:cs typeface="+mn-cs"/>
+                </a:defRPr>
+              </a:lvl3pPr>
+              <a:lvl4pPr marL="1371600" algn="l" defTabSz="914400" rtl="0" eaLnBrk="1" latinLnBrk="0" hangingPunct="1">
+                <a:defRPr sz="1800" kern="1200">
+                  <a:solidFill>
+                    <a:schemeClr val="lt1"/>
+                  </a:solidFill>
+                  <a:latin typeface="+mn-lt"/>
+                  <a:ea typeface="+mn-ea"/>
+                  <a:cs typeface="+mn-cs"/>
+                </a:defRPr>
+              </a:lvl4pPr>
+              <a:lvl5pPr marL="1828800" algn="l" defTabSz="914400" rtl="0" eaLnBrk="1" latinLnBrk="0" hangingPunct="1">
+                <a:defRPr sz="1800" kern="1200">
+                  <a:solidFill>
+                    <a:schemeClr val="lt1"/>
+                  </a:solidFill>
+                  <a:latin typeface="+mn-lt"/>
+                  <a:ea typeface="+mn-ea"/>
+                  <a:cs typeface="+mn-cs"/>
+                </a:defRPr>
+              </a:lvl5pPr>
+              <a:lvl6pPr marL="2286000" algn="l" defTabSz="914400" rtl="0" eaLnBrk="1" latinLnBrk="0" hangingPunct="1">
+                <a:defRPr sz="1800" kern="1200">
+                  <a:solidFill>
+                    <a:schemeClr val="lt1"/>
+                  </a:solidFill>
+                  <a:latin typeface="+mn-lt"/>
+                  <a:ea typeface="+mn-ea"/>
+                  <a:cs typeface="+mn-cs"/>
+                </a:defRPr>
+              </a:lvl6pPr>
+              <a:lvl7pPr marL="2743200" algn="l" defTabSz="914400" rtl="0" eaLnBrk="1" latinLnBrk="0" hangingPunct="1">
+                <a:defRPr sz="1800" kern="1200">
+                  <a:solidFill>
+                    <a:schemeClr val="lt1"/>
+                  </a:solidFill>
+                  <a:latin typeface="+mn-lt"/>
+                  <a:ea typeface="+mn-ea"/>
+                  <a:cs typeface="+mn-cs"/>
+                </a:defRPr>
+              </a:lvl7pPr>
+              <a:lvl8pPr marL="3200400" algn="l" defTabSz="914400" rtl="0" eaLnBrk="1" latinLnBrk="0" hangingPunct="1">
+                <a:defRPr sz="1800" kern="1200">
+                  <a:solidFill>
+                    <a:schemeClr val="lt1"/>
+                  </a:solidFill>
+                  <a:latin typeface="+mn-lt"/>
+                  <a:ea typeface="+mn-ea"/>
+                  <a:cs typeface="+mn-cs"/>
+                </a:defRPr>
+              </a:lvl8pPr>
+              <a:lvl9pPr marL="3657600" algn="l" defTabSz="914400" rtl="0" eaLnBrk="1" latinLnBrk="0" hangingPunct="1">
+                <a:defRPr sz="1800" kern="1200">
+                  <a:solidFill>
+                    <a:schemeClr val="lt1"/>
+                  </a:solidFill>
+                  <a:latin typeface="+mn-lt"/>
+                  <a:ea typeface="+mn-ea"/>
+                  <a:cs typeface="+mn-cs"/>
+                </a:defRPr>
+              </a:lvl9pPr>
+            </a:lstStyle>
+            <a:p>
+              <a:pPr algn="ctr"/>
+              <a:endParaRPr lang="zh-CN" altLang="en-US" sz="1400">
+                <a:solidFill>
+                  <a:prstClr val="white"/>
+                </a:solidFill>
+                <a:latin typeface="Arial" panose="020B0604020202020204" pitchFamily="34" charset="0"/>
+                <a:cs typeface="Arial" panose="020B0604020202020204" pitchFamily="34" charset="0"/>
+              </a:endParaRPr>
+            </a:p>
+          </p:txBody>
+        </p:sp>
+      </p:grpSp>
+      <p:sp>
+        <p:nvSpPr>
+          <p:cNvPr id="111" name="矩形 110"/>
+          <p:cNvSpPr/>
+          <p:nvPr/>
+        </p:nvSpPr>
+        <p:spPr>
+          <a:xfrm>
+            <a:off x="6397226" y="5081471"/>
+            <a:ext cx="1254285" cy="276999"/>
+          </a:xfrm>
+          <a:prstGeom prst="rect">
+            <a:avLst/>
+          </a:prstGeom>
+        </p:spPr>
+        <p:txBody>
+          <a:bodyPr wrap="square">
+            <a:spAutoFit/>
+          </a:bodyPr>
+          <a:lstStyle/>
+          <a:p>
+            <a:pPr algn="ctr"/>
+            <a:r>
+              <a:rPr lang="en-US" altLang="zh-CN" sz="1200" dirty="0" smtClean="0"/>
+              <a:t>Volume 3</a:t>
+            </a:r>
+            <a:endParaRPr lang="en-US" altLang="zh-CN" sz="1200" dirty="0"/>
+          </a:p>
+        </p:txBody>
+      </p:sp>
+      <p:sp>
+        <p:nvSpPr>
+          <p:cNvPr id="10" name="TextBox 9"/>
+          <p:cNvSpPr txBox="1"/>
+          <p:nvPr/>
+        </p:nvSpPr>
+        <p:spPr>
+          <a:xfrm>
+            <a:off x="7716253" y="4317572"/>
+            <a:ext cx="858206" cy="461665"/>
+          </a:xfrm>
+          <a:prstGeom prst="rect">
+            <a:avLst/>
+          </a:prstGeom>
+          <a:noFill/>
+        </p:spPr>
+        <p:txBody>
+          <a:bodyPr wrap="square" rtlCol="0">
+            <a:spAutoFit/>
+          </a:bodyPr>
+          <a:lstStyle/>
+          <a:p>
+            <a:r>
+              <a:rPr lang="en-US" altLang="zh-CN" sz="2400" dirty="0" smtClean="0"/>
+              <a:t>……</a:t>
+            </a:r>
+            <a:endParaRPr lang="zh-CN" altLang="en-US" sz="2400" dirty="0"/>
+          </a:p>
+        </p:txBody>
+      </p:sp>
+      <p:sp>
+        <p:nvSpPr>
+          <p:cNvPr id="112" name="文本框 24"/>
+          <p:cNvSpPr txBox="1"/>
+          <p:nvPr/>
+        </p:nvSpPr>
+        <p:spPr>
+          <a:xfrm>
+            <a:off x="3891305" y="3452730"/>
+            <a:ext cx="4787929" cy="338554"/>
+          </a:xfrm>
+          <a:prstGeom prst="rect">
+            <a:avLst/>
+          </a:prstGeom>
+          <a:noFill/>
+        </p:spPr>
+        <p:txBody>
+          <a:bodyPr wrap="square" rtlCol="0">
+            <a:spAutoFit/>
+          </a:bodyPr>
+          <a:lstStyle/>
+          <a:p>
+            <a:pPr marL="285750" indent="-285750">
+              <a:buFont typeface="Arial" panose="020B0604020202020204" pitchFamily="34" charset="0"/>
+              <a:buChar char="•"/>
+            </a:pPr>
+            <a:r>
+              <a:rPr lang="en-US" altLang="zh-CN" sz="1600" dirty="0" err="1" smtClean="0"/>
+              <a:t>BcoBase</a:t>
+            </a:r>
+            <a:r>
+              <a:rPr lang="en-US" altLang="zh-CN" sz="1600" dirty="0" smtClean="0"/>
+              <a:t> (</a:t>
+            </a:r>
+            <a:r>
+              <a:rPr lang="en-US" altLang="zh-CN" sz="1600" dirty="0" err="1" smtClean="0"/>
+              <a:t>BCoData</a:t>
+            </a:r>
+            <a:r>
+              <a:rPr lang="en-US" altLang="zh-CN" sz="1600" dirty="0" smtClean="0"/>
+              <a:t> &amp; Notes)   </a:t>
+            </a:r>
+            <a:endParaRPr lang="zh-CN" altLang="en-US" sz="1600" dirty="0"/>
+          </a:p>
+        </p:txBody>
+      </p:sp>
+      <p:grpSp>
+        <p:nvGrpSpPr>
+          <p:cNvPr id="113" name="组合 112"/>
+          <p:cNvGrpSpPr/>
+          <p:nvPr/>
+        </p:nvGrpSpPr>
+        <p:grpSpPr>
+          <a:xfrm>
+            <a:off x="8384723" y="4175470"/>
+            <a:ext cx="964348" cy="946897"/>
+            <a:chOff x="844527" y="4952773"/>
+            <a:chExt cx="1906078" cy="1619132"/>
+          </a:xfrm>
+        </p:grpSpPr>
+        <p:pic>
+          <p:nvPicPr>
+            <p:cNvPr id="114" name="图片 113"/>
+            <p:cNvPicPr>
+              <a:picLocks noChangeAspect="1"/>
+            </p:cNvPicPr>
+            <p:nvPr/>
+          </p:nvPicPr>
+          <p:blipFill>
+            <a:blip r:embed="rId8" cstate="print">
+              <a:extLst>
+                <a:ext uri="{28A0092B-C50C-407E-A947-70E740481C1C}">
+                  <a14:useLocalDpi xmlns:a14="http://schemas.microsoft.com/office/drawing/2010/main" val="0"/>
+                </a:ext>
+              </a:extLst>
+            </a:blip>
+            <a:stretch>
+              <a:fillRect/>
+            </a:stretch>
+          </p:blipFill>
+          <p:spPr>
+            <a:xfrm>
+              <a:off x="1319297" y="5065622"/>
+              <a:ext cx="1321684" cy="1071738"/>
+            </a:xfrm>
+            <a:prstGeom prst="rect">
+              <a:avLst/>
+            </a:prstGeom>
+          </p:spPr>
+        </p:pic>
+        <p:pic>
+          <p:nvPicPr>
+            <p:cNvPr id="115" name="图片 114"/>
+            <p:cNvPicPr>
+              <a:picLocks noChangeAspect="1"/>
+            </p:cNvPicPr>
+            <p:nvPr/>
+          </p:nvPicPr>
+          <p:blipFill>
+            <a:blip r:embed="rId8" cstate="print">
+              <a:extLst>
+                <a:ext uri="{28A0092B-C50C-407E-A947-70E740481C1C}">
+                  <a14:useLocalDpi xmlns:a14="http://schemas.microsoft.com/office/drawing/2010/main" val="0"/>
+                </a:ext>
+              </a:extLst>
+            </a:blip>
+            <a:stretch>
+              <a:fillRect/>
+            </a:stretch>
+          </p:blipFill>
+          <p:spPr>
+            <a:xfrm>
+              <a:off x="1198111" y="5142482"/>
+              <a:ext cx="1321684" cy="1071738"/>
+            </a:xfrm>
+            <a:prstGeom prst="rect">
+              <a:avLst/>
+            </a:prstGeom>
+          </p:spPr>
+        </p:pic>
+        <p:pic>
+          <p:nvPicPr>
+            <p:cNvPr id="116" name="图片 115"/>
+            <p:cNvPicPr>
+              <a:picLocks noChangeAspect="1"/>
+            </p:cNvPicPr>
+            <p:nvPr/>
+          </p:nvPicPr>
+          <p:blipFill>
+            <a:blip r:embed="rId8" cstate="print">
+              <a:extLst>
+                <a:ext uri="{28A0092B-C50C-407E-A947-70E740481C1C}">
+                  <a14:useLocalDpi xmlns:a14="http://schemas.microsoft.com/office/drawing/2010/main" val="0"/>
+                </a:ext>
+              </a:extLst>
+            </a:blip>
+            <a:stretch>
+              <a:fillRect/>
+            </a:stretch>
+          </p:blipFill>
+          <p:spPr>
+            <a:xfrm>
+              <a:off x="1076925" y="5258760"/>
+              <a:ext cx="1321684" cy="1071738"/>
+            </a:xfrm>
+            <a:prstGeom prst="rect">
+              <a:avLst/>
+            </a:prstGeom>
+          </p:spPr>
+        </p:pic>
+        <p:pic>
+          <p:nvPicPr>
+            <p:cNvPr id="117" name="图片 116"/>
+            <p:cNvPicPr>
+              <a:picLocks noChangeAspect="1"/>
+            </p:cNvPicPr>
+            <p:nvPr/>
+          </p:nvPicPr>
+          <p:blipFill>
+            <a:blip r:embed="rId8" cstate="print">
+              <a:extLst>
+                <a:ext uri="{28A0092B-C50C-407E-A947-70E740481C1C}">
+                  <a14:useLocalDpi xmlns:a14="http://schemas.microsoft.com/office/drawing/2010/main" val="0"/>
+                </a:ext>
+              </a:extLst>
+            </a:blip>
+            <a:stretch>
+              <a:fillRect/>
+            </a:stretch>
+          </p:blipFill>
+          <p:spPr>
+            <a:xfrm>
+              <a:off x="955739" y="5375038"/>
+              <a:ext cx="1321684" cy="1071738"/>
+            </a:xfrm>
+            <a:prstGeom prst="rect">
+              <a:avLst/>
+            </a:prstGeom>
+          </p:spPr>
+        </p:pic>
+        <p:sp>
+          <p:nvSpPr>
+            <p:cNvPr id="118" name="立方体 117"/>
+            <p:cNvSpPr/>
+            <p:nvPr/>
+          </p:nvSpPr>
+          <p:spPr>
+            <a:xfrm>
+              <a:off x="844527" y="4952773"/>
+              <a:ext cx="1906078" cy="1619132"/>
+            </a:xfrm>
+            <a:prstGeom prst="cube">
+              <a:avLst/>
+            </a:prstGeom>
+            <a:noFill/>
+            <a:ln w="22225">
+              <a:solidFill>
+                <a:schemeClr val="tx1"/>
+              </a:solidFill>
+            </a:ln>
+          </p:spPr>
+          <p:style>
+            <a:lnRef idx="2">
+              <a:schemeClr val="accent1">
+                <a:shade val="50000"/>
+              </a:schemeClr>
+            </a:lnRef>
+            <a:fillRef idx="1">
+              <a:schemeClr val="accent1"/>
+            </a:fillRef>
+            <a:effectRef idx="0">
+              <a:schemeClr val="accent1"/>
+            </a:effectRef>
+            <a:fontRef idx="minor">
+              <a:schemeClr val="lt1"/>
+            </a:fontRef>
+          </p:style>
+          <p:txBody>
+            <a:bodyPr rtlCol="0" anchor="ctr"/>
+            <a:lstStyle>
+              <a:defPPr>
+                <a:defRPr lang="zh-CN"/>
+              </a:defPPr>
+              <a:lvl1pPr marL="0" algn="l" defTabSz="914400" rtl="0" eaLnBrk="1" latinLnBrk="0" hangingPunct="1">
+                <a:defRPr sz="1800" kern="1200">
+                  <a:solidFill>
+                    <a:schemeClr val="lt1"/>
+                  </a:solidFill>
+                  <a:latin typeface="+mn-lt"/>
+                  <a:ea typeface="+mn-ea"/>
+                  <a:cs typeface="+mn-cs"/>
+                </a:defRPr>
+              </a:lvl1pPr>
+              <a:lvl2pPr marL="457200" algn="l" defTabSz="914400" rtl="0" eaLnBrk="1" latinLnBrk="0" hangingPunct="1">
+                <a:defRPr sz="1800" kern="1200">
+                  <a:solidFill>
+                    <a:schemeClr val="lt1"/>
+                  </a:solidFill>
+                  <a:latin typeface="+mn-lt"/>
+                  <a:ea typeface="+mn-ea"/>
+                  <a:cs typeface="+mn-cs"/>
+                </a:defRPr>
+              </a:lvl2pPr>
+              <a:lvl3pPr marL="914400" algn="l" defTabSz="914400" rtl="0" eaLnBrk="1" latinLnBrk="0" hangingPunct="1">
+                <a:defRPr sz="1800" kern="1200">
+                  <a:solidFill>
+                    <a:schemeClr val="lt1"/>
+                  </a:solidFill>
+                  <a:latin typeface="+mn-lt"/>
+                  <a:ea typeface="+mn-ea"/>
+                  <a:cs typeface="+mn-cs"/>
+                </a:defRPr>
+              </a:lvl3pPr>
+              <a:lvl4pPr marL="1371600" algn="l" defTabSz="914400" rtl="0" eaLnBrk="1" latinLnBrk="0" hangingPunct="1">
+                <a:defRPr sz="1800" kern="1200">
+                  <a:solidFill>
+                    <a:schemeClr val="lt1"/>
+                  </a:solidFill>
+                  <a:latin typeface="+mn-lt"/>
+                  <a:ea typeface="+mn-ea"/>
+                  <a:cs typeface="+mn-cs"/>
+                </a:defRPr>
+              </a:lvl4pPr>
+              <a:lvl5pPr marL="1828800" algn="l" defTabSz="914400" rtl="0" eaLnBrk="1" latinLnBrk="0" hangingPunct="1">
+                <a:defRPr sz="1800" kern="1200">
+                  <a:solidFill>
+                    <a:schemeClr val="lt1"/>
+                  </a:solidFill>
+                  <a:latin typeface="+mn-lt"/>
+                  <a:ea typeface="+mn-ea"/>
+                  <a:cs typeface="+mn-cs"/>
+                </a:defRPr>
+              </a:lvl5pPr>
+              <a:lvl6pPr marL="2286000" algn="l" defTabSz="914400" rtl="0" eaLnBrk="1" latinLnBrk="0" hangingPunct="1">
+                <a:defRPr sz="1800" kern="1200">
+                  <a:solidFill>
+                    <a:schemeClr val="lt1"/>
+                  </a:solidFill>
+                  <a:latin typeface="+mn-lt"/>
+                  <a:ea typeface="+mn-ea"/>
+                  <a:cs typeface="+mn-cs"/>
+                </a:defRPr>
+              </a:lvl6pPr>
+              <a:lvl7pPr marL="2743200" algn="l" defTabSz="914400" rtl="0" eaLnBrk="1" latinLnBrk="0" hangingPunct="1">
+                <a:defRPr sz="1800" kern="1200">
+                  <a:solidFill>
+                    <a:schemeClr val="lt1"/>
+                  </a:solidFill>
+                  <a:latin typeface="+mn-lt"/>
+                  <a:ea typeface="+mn-ea"/>
+                  <a:cs typeface="+mn-cs"/>
+                </a:defRPr>
+              </a:lvl7pPr>
+              <a:lvl8pPr marL="3200400" algn="l" defTabSz="914400" rtl="0" eaLnBrk="1" latinLnBrk="0" hangingPunct="1">
+                <a:defRPr sz="1800" kern="1200">
+                  <a:solidFill>
+                    <a:schemeClr val="lt1"/>
+                  </a:solidFill>
+                  <a:latin typeface="+mn-lt"/>
+                  <a:ea typeface="+mn-ea"/>
+                  <a:cs typeface="+mn-cs"/>
+                </a:defRPr>
+              </a:lvl8pPr>
+              <a:lvl9pPr marL="3657600" algn="l" defTabSz="914400" rtl="0" eaLnBrk="1" latinLnBrk="0" hangingPunct="1">
+                <a:defRPr sz="1800" kern="1200">
+                  <a:solidFill>
+                    <a:schemeClr val="lt1"/>
+                  </a:solidFill>
+                  <a:latin typeface="+mn-lt"/>
+                  <a:ea typeface="+mn-ea"/>
+                  <a:cs typeface="+mn-cs"/>
+                </a:defRPr>
+              </a:lvl9pPr>
+            </a:lstStyle>
+            <a:p>
+              <a:pPr algn="ctr"/>
+              <a:endParaRPr lang="zh-CN" altLang="en-US" sz="1400">
+                <a:solidFill>
+                  <a:prstClr val="white"/>
+                </a:solidFill>
+                <a:latin typeface="Arial" panose="020B0604020202020204" pitchFamily="34" charset="0"/>
+                <a:cs typeface="Arial" panose="020B0604020202020204" pitchFamily="34" charset="0"/>
+              </a:endParaRPr>
+            </a:p>
+          </p:txBody>
+        </p:sp>
+      </p:grpSp>
+      <p:sp>
+        <p:nvSpPr>
+          <p:cNvPr id="119" name="矩形 118"/>
+          <p:cNvSpPr/>
+          <p:nvPr/>
+        </p:nvSpPr>
+        <p:spPr>
+          <a:xfrm>
+            <a:off x="8187369" y="5081470"/>
+            <a:ext cx="1254285" cy="276999"/>
+          </a:xfrm>
+          <a:prstGeom prst="rect">
+            <a:avLst/>
+          </a:prstGeom>
+        </p:spPr>
+        <p:txBody>
+          <a:bodyPr wrap="square">
+            <a:spAutoFit/>
+          </a:bodyPr>
+          <a:lstStyle/>
+          <a:p>
+            <a:pPr algn="ctr"/>
+            <a:r>
+              <a:rPr lang="en-US" altLang="zh-CN" sz="1200" dirty="0" smtClean="0"/>
+              <a:t>Volume N</a:t>
+            </a:r>
+            <a:endParaRPr lang="en-US" altLang="zh-CN" sz="1200" dirty="0"/>
+          </a:p>
+        </p:txBody>
+      </p:sp>
+      <p:grpSp>
+        <p:nvGrpSpPr>
+          <p:cNvPr id="24" name="组合 23"/>
+          <p:cNvGrpSpPr/>
+          <p:nvPr/>
+        </p:nvGrpSpPr>
+        <p:grpSpPr>
+          <a:xfrm>
+            <a:off x="7977195" y="5920418"/>
+            <a:ext cx="1772663" cy="1467733"/>
+            <a:chOff x="8062920" y="5920418"/>
+            <a:chExt cx="1772663" cy="1467733"/>
+          </a:xfrm>
+        </p:grpSpPr>
+        <p:sp>
+          <p:nvSpPr>
+            <p:cNvPr id="99" name="文本框 98"/>
+            <p:cNvSpPr txBox="1"/>
+            <p:nvPr/>
+          </p:nvSpPr>
+          <p:spPr>
+            <a:xfrm>
+              <a:off x="8062920" y="5920418"/>
+              <a:ext cx="1772663" cy="288000"/>
+            </a:xfrm>
+            <a:prstGeom prst="rect">
+              <a:avLst/>
+            </a:prstGeom>
+            <a:noFill/>
+          </p:spPr>
+          <p:txBody>
+            <a:bodyPr wrap="square" rtlCol="0">
+              <a:spAutoFit/>
+            </a:bodyPr>
+            <a:lstStyle/>
+            <a:p>
+              <a:pPr algn="ctr"/>
+              <a:r>
+                <a:rPr lang="en-US" altLang="zh-CN" sz="1400" dirty="0" smtClean="0"/>
+                <a:t>Data Matrix</a:t>
+              </a:r>
+              <a:endParaRPr lang="zh-CN" altLang="en-US" sz="1400" dirty="0"/>
+            </a:p>
+          </p:txBody>
+        </p:sp>
+        <p:sp>
+          <p:nvSpPr>
+            <p:cNvPr id="106" name="矩形 105"/>
+            <p:cNvSpPr/>
+            <p:nvPr/>
+          </p:nvSpPr>
+          <p:spPr>
+            <a:xfrm>
+              <a:off x="8264833" y="6957264"/>
+              <a:ext cx="1386976" cy="430887"/>
+            </a:xfrm>
+            <a:prstGeom prst="rect">
+              <a:avLst/>
+            </a:prstGeom>
+          </p:spPr>
+          <p:txBody>
+            <a:bodyPr wrap="square">
+              <a:spAutoFit/>
+            </a:bodyPr>
+            <a:lstStyle/>
+            <a:p>
+              <a:pPr algn="ctr"/>
+              <a:r>
+                <a:rPr lang="en-US" altLang="zh-CN" sz="1100" dirty="0" smtClean="0"/>
+                <a:t>ROI-based data </a:t>
+              </a:r>
+            </a:p>
+            <a:p>
+              <a:pPr algn="ctr"/>
+              <a:r>
+                <a:rPr lang="en-US" altLang="zh-CN" sz="1100" dirty="0" smtClean="0"/>
+                <a:t>or analysis results</a:t>
+              </a:r>
+              <a:endParaRPr lang="en-US" altLang="zh-CN" sz="1100" dirty="0"/>
+            </a:p>
+          </p:txBody>
+        </p:sp>
+        <p:grpSp>
+          <p:nvGrpSpPr>
+            <p:cNvPr id="11" name="组合 10"/>
+            <p:cNvGrpSpPr/>
+            <p:nvPr/>
+          </p:nvGrpSpPr>
+          <p:grpSpPr>
+            <a:xfrm>
+              <a:off x="8516124" y="6151632"/>
+              <a:ext cx="846265" cy="868497"/>
+              <a:chOff x="8935224" y="6332326"/>
+              <a:chExt cx="846265" cy="868497"/>
+            </a:xfrm>
+          </p:grpSpPr>
+          <p:sp>
+            <p:nvSpPr>
+              <p:cNvPr id="1039" name="矩形 1038"/>
+              <p:cNvSpPr/>
+              <p:nvPr/>
+            </p:nvSpPr>
+            <p:spPr>
+              <a:xfrm>
+                <a:off x="8935224" y="6535216"/>
+                <a:ext cx="75425" cy="576000"/>
+              </a:xfrm>
+              <a:prstGeom prst="rect">
+                <a:avLst/>
+              </a:prstGeom>
+              <a:solidFill>
+                <a:srgbClr val="F7EAC8"/>
+              </a:solidFill>
+              <a:ln>
+                <a:noFill/>
+              </a:ln>
+            </p:spPr>
+            <p:style>
+              <a:lnRef idx="2">
+                <a:schemeClr val="accent1">
+                  <a:shade val="50000"/>
+                </a:schemeClr>
+              </a:lnRef>
+              <a:fillRef idx="1">
+                <a:schemeClr val="accent1"/>
+              </a:fillRef>
+              <a:effectRef idx="0">
+                <a:schemeClr val="accent1"/>
+              </a:effectRef>
+              <a:fontRef idx="minor">
+                <a:schemeClr val="lt1"/>
+              </a:fontRef>
+            </p:style>
+            <p:txBody>
+              <a:bodyPr rtlCol="0" anchor="ctr"/>
+              <a:lstStyle/>
+              <a:p>
+                <a:pPr algn="ctr"/>
+                <a:endParaRPr lang="zh-CN" altLang="en-US"/>
+              </a:p>
+            </p:txBody>
+          </p:sp>
+          <p:grpSp>
+            <p:nvGrpSpPr>
+              <p:cNvPr id="124" name="组合 123"/>
+              <p:cNvGrpSpPr/>
+              <p:nvPr/>
+            </p:nvGrpSpPr>
+            <p:grpSpPr>
+              <a:xfrm>
+                <a:off x="8944995" y="6332326"/>
+                <a:ext cx="836494" cy="868497"/>
+                <a:chOff x="5491078" y="2838367"/>
+                <a:chExt cx="1209844" cy="1181265"/>
+              </a:xfrm>
+            </p:grpSpPr>
+            <p:pic>
+              <p:nvPicPr>
+                <p:cNvPr id="125" name="图片 124" descr="屏幕剪辑"/>
+                <p:cNvPicPr>
+                  <a:picLocks noChangeAspect="1"/>
+                </p:cNvPicPr>
+                <p:nvPr/>
+              </p:nvPicPr>
+              <p:blipFill>
+                <a:blip r:embed="rId11">
+                  <a:extLst>
+                    <a:ext uri="{28A0092B-C50C-407E-A947-70E740481C1C}">
+                      <a14:useLocalDpi xmlns:a14="http://schemas.microsoft.com/office/drawing/2010/main" val="0"/>
+                    </a:ext>
+                  </a:extLst>
+                </a:blip>
+                <a:stretch>
+                  <a:fillRect/>
+                </a:stretch>
+              </p:blipFill>
+              <p:spPr>
+                <a:xfrm>
+                  <a:off x="5491078" y="2838367"/>
+                  <a:ext cx="1209844" cy="1181265"/>
+                </a:xfrm>
+                <a:prstGeom prst="rect">
+                  <a:avLst/>
+                </a:prstGeom>
+              </p:spPr>
+            </p:pic>
+            <p:pic>
+              <p:nvPicPr>
+                <p:cNvPr id="126" name="图片 125" descr="屏幕剪辑"/>
+                <p:cNvPicPr>
+                  <a:picLocks noChangeAspect="1"/>
+                </p:cNvPicPr>
+                <p:nvPr/>
+              </p:nvPicPr>
+              <p:blipFill rotWithShape="1">
+                <a:blip r:embed="rId12">
+                  <a:extLst>
+                    <a:ext uri="{28A0092B-C50C-407E-A947-70E740481C1C}">
+                      <a14:useLocalDpi xmlns:a14="http://schemas.microsoft.com/office/drawing/2010/main" val="0"/>
+                    </a:ext>
+                  </a:extLst>
+                </a:blip>
+                <a:srcRect t="6177"/>
+                <a:stretch/>
+              </p:blipFill>
+              <p:spPr>
+                <a:xfrm>
+                  <a:off x="5551520" y="3110832"/>
+                  <a:ext cx="1068356" cy="840614"/>
+                </a:xfrm>
+                <a:prstGeom prst="rect">
+                  <a:avLst/>
+                </a:prstGeom>
+              </p:spPr>
+            </p:pic>
+          </p:grpSp>
+          <p:sp>
+            <p:nvSpPr>
+              <p:cNvPr id="108" name="矩形 107"/>
+              <p:cNvSpPr/>
+              <p:nvPr/>
+            </p:nvSpPr>
+            <p:spPr>
+              <a:xfrm>
+                <a:off x="9072370" y="6517900"/>
+                <a:ext cx="115200" cy="630000"/>
+              </a:xfrm>
+              <a:prstGeom prst="rect">
+                <a:avLst/>
+              </a:prstGeom>
+              <a:solidFill>
+                <a:srgbClr val="F7EAC8"/>
+              </a:solidFill>
+              <a:ln>
+                <a:noFill/>
+              </a:ln>
+            </p:spPr>
+            <p:style>
+              <a:lnRef idx="2">
+                <a:schemeClr val="accent1">
+                  <a:shade val="50000"/>
+                </a:schemeClr>
+              </a:lnRef>
+              <a:fillRef idx="1">
+                <a:schemeClr val="accent1"/>
+              </a:fillRef>
+              <a:effectRef idx="0">
+                <a:schemeClr val="accent1"/>
+              </a:effectRef>
+              <a:fontRef idx="minor">
+                <a:schemeClr val="lt1"/>
+              </a:fontRef>
+            </p:style>
+            <p:txBody>
+              <a:bodyPr rtlCol="0" anchor="ctr"/>
+              <a:lstStyle/>
+              <a:p>
+                <a:pPr algn="ctr"/>
+                <a:endParaRPr lang="zh-CN" altLang="en-US"/>
+              </a:p>
+            </p:txBody>
+          </p:sp>
+          <p:sp>
+            <p:nvSpPr>
+              <p:cNvPr id="109" name="矩形 108"/>
+              <p:cNvSpPr/>
+              <p:nvPr/>
+            </p:nvSpPr>
+            <p:spPr>
+              <a:xfrm>
+                <a:off x="9310495" y="6517899"/>
+                <a:ext cx="100800" cy="630000"/>
+              </a:xfrm>
+              <a:prstGeom prst="rect">
+                <a:avLst/>
+              </a:prstGeom>
+              <a:solidFill>
+                <a:srgbClr val="F7EAC8"/>
+              </a:solidFill>
+              <a:ln>
+                <a:noFill/>
+              </a:ln>
+            </p:spPr>
+            <p:style>
+              <a:lnRef idx="2">
+                <a:schemeClr val="accent1">
+                  <a:shade val="50000"/>
+                </a:schemeClr>
+              </a:lnRef>
+              <a:fillRef idx="1">
+                <a:schemeClr val="accent1"/>
+              </a:fillRef>
+              <a:effectRef idx="0">
+                <a:schemeClr val="accent1"/>
+              </a:effectRef>
+              <a:fontRef idx="minor">
+                <a:schemeClr val="lt1"/>
+              </a:fontRef>
+            </p:style>
+            <p:txBody>
+              <a:bodyPr rtlCol="0" anchor="ctr"/>
+              <a:lstStyle/>
+              <a:p>
+                <a:pPr algn="ctr"/>
+                <a:endParaRPr lang="zh-CN" altLang="en-US"/>
+              </a:p>
+            </p:txBody>
+          </p:sp>
+          <p:sp>
+            <p:nvSpPr>
+              <p:cNvPr id="110" name="矩形 109"/>
+              <p:cNvSpPr/>
+              <p:nvPr/>
+            </p:nvSpPr>
+            <p:spPr>
+              <a:xfrm>
+                <a:off x="9498452" y="6508374"/>
+                <a:ext cx="118800" cy="630000"/>
+              </a:xfrm>
+              <a:prstGeom prst="rect">
+                <a:avLst/>
+              </a:prstGeom>
+              <a:solidFill>
+                <a:srgbClr val="F7EAC8"/>
+              </a:solidFill>
+              <a:ln>
+                <a:noFill/>
+              </a:ln>
+            </p:spPr>
+            <p:style>
+              <a:lnRef idx="2">
+                <a:schemeClr val="accent1">
+                  <a:shade val="50000"/>
+                </a:schemeClr>
+              </a:lnRef>
+              <a:fillRef idx="1">
+                <a:schemeClr val="accent1"/>
+              </a:fillRef>
+              <a:effectRef idx="0">
+                <a:schemeClr val="accent1"/>
+              </a:effectRef>
+              <a:fontRef idx="minor">
+                <a:schemeClr val="lt1"/>
+              </a:fontRef>
+            </p:style>
+            <p:txBody>
+              <a:bodyPr rtlCol="0" anchor="ctr"/>
+              <a:lstStyle/>
+              <a:p>
+                <a:pPr algn="ctr"/>
+                <a:endParaRPr lang="zh-CN" altLang="en-US"/>
+              </a:p>
+            </p:txBody>
+          </p:sp>
+        </p:grpSp>
+      </p:grpSp>
+      <p:sp>
+        <p:nvSpPr>
+          <p:cNvPr id="127" name="圆角矩形 126"/>
+          <p:cNvSpPr/>
+          <p:nvPr/>
+        </p:nvSpPr>
+        <p:spPr>
+          <a:xfrm>
+            <a:off x="4091385" y="5929942"/>
+            <a:ext cx="2556000" cy="1513537"/>
+          </a:xfrm>
+          <a:prstGeom prst="roundRect">
+            <a:avLst>
+              <a:gd name="adj" fmla="val 4251"/>
+            </a:avLst>
+          </a:prstGeom>
+          <a:noFill/>
+          <a:ln w="19050">
+            <a:solidFill>
+              <a:srgbClr val="F0AAAF"/>
+            </a:solidFill>
+            <a:prstDash val="sysDot"/>
+          </a:ln>
+        </p:spPr>
+        <p:style>
+          <a:lnRef idx="2">
+            <a:schemeClr val="accent6"/>
+          </a:lnRef>
+          <a:fillRef idx="1">
+            <a:schemeClr val="lt1"/>
+          </a:fillRef>
+          <a:effectRef idx="0">
+            <a:schemeClr val="accent6"/>
+          </a:effectRef>
+          <a:fontRef idx="minor">
+            <a:schemeClr val="dk1"/>
+          </a:fontRef>
+        </p:style>
+        <p:txBody>
+          <a:bodyPr rtlCol="0" anchor="ctr"/>
+          <a:lstStyle/>
+          <a:p>
+            <a:pPr algn="ctr"/>
+            <a:endParaRPr lang="zh-CN" altLang="en-US">
+              <a:noFill/>
+            </a:endParaRPr>
+          </a:p>
+        </p:txBody>
+      </p:sp>
+      <p:sp>
+        <p:nvSpPr>
+          <p:cNvPr id="128" name="文本框 21"/>
+          <p:cNvSpPr txBox="1"/>
+          <p:nvPr/>
+        </p:nvSpPr>
+        <p:spPr>
+          <a:xfrm>
+            <a:off x="6477032" y="6369075"/>
+            <a:ext cx="552097" cy="369332"/>
+          </a:xfrm>
+          <a:prstGeom prst="rect">
+            <a:avLst/>
+          </a:prstGeom>
+          <a:noFill/>
+        </p:spPr>
+        <p:txBody>
+          <a:bodyPr wrap="square" rtlCol="0">
+            <a:spAutoFit/>
+          </a:bodyPr>
+          <a:lstStyle/>
+          <a:p>
+            <a:pPr algn="ctr"/>
+            <a:r>
+              <a:rPr lang="en-US" altLang="zh-CN" dirty="0" smtClean="0"/>
+              <a:t>OR</a:t>
+            </a:r>
+            <a:endParaRPr lang="zh-CN" altLang="en-US" dirty="0"/>
+          </a:p>
+        </p:txBody>
+      </p:sp>
+      <p:sp>
+        <p:nvSpPr>
+          <p:cNvPr id="130" name="圆角矩形 129"/>
+          <p:cNvSpPr/>
+          <p:nvPr/>
+        </p:nvSpPr>
+        <p:spPr>
+          <a:xfrm>
+            <a:off x="4103249" y="4105274"/>
+            <a:ext cx="5338405" cy="1330936"/>
+          </a:xfrm>
+          <a:prstGeom prst="roundRect">
+            <a:avLst>
+              <a:gd name="adj" fmla="val 4251"/>
+            </a:avLst>
+          </a:prstGeom>
+          <a:noFill/>
+          <a:ln w="19050">
+            <a:solidFill>
+              <a:srgbClr val="F0AAAF"/>
+            </a:solidFill>
+            <a:prstDash val="sysDot"/>
+          </a:ln>
+        </p:spPr>
+        <p:style>
+          <a:lnRef idx="2">
+            <a:schemeClr val="accent6"/>
+          </a:lnRef>
+          <a:fillRef idx="1">
+            <a:schemeClr val="lt1"/>
+          </a:fillRef>
+          <a:effectRef idx="0">
+            <a:schemeClr val="accent6"/>
+          </a:effectRef>
+          <a:fontRef idx="minor">
+            <a:schemeClr val="dk1"/>
+          </a:fontRef>
+        </p:style>
+        <p:txBody>
+          <a:bodyPr rtlCol="0" anchor="ctr"/>
+          <a:lstStyle/>
+          <a:p>
+            <a:pPr algn="ctr"/>
+            <a:endParaRPr lang="zh-CN" altLang="en-US">
+              <a:noFill/>
+            </a:endParaRPr>
+          </a:p>
+        </p:txBody>
+      </p:sp>
+      <p:sp>
+        <p:nvSpPr>
+          <p:cNvPr id="31" name="文本框 30"/>
+          <p:cNvSpPr txBox="1"/>
+          <p:nvPr/>
+        </p:nvSpPr>
+        <p:spPr>
+          <a:xfrm>
+            <a:off x="5836072" y="5282322"/>
+            <a:ext cx="1873691" cy="276999"/>
+          </a:xfrm>
+          <a:prstGeom prst="rect">
+            <a:avLst/>
+          </a:prstGeom>
+          <a:solidFill>
+            <a:srgbClr val="F8F2E2"/>
+          </a:solidFill>
+        </p:spPr>
+        <p:txBody>
+          <a:bodyPr wrap="square" rtlCol="0">
+            <a:spAutoFit/>
+          </a:bodyPr>
+          <a:lstStyle/>
+          <a:p>
+            <a:pPr algn="ctr"/>
+            <a:r>
+              <a:rPr lang="en-US" altLang="zh-CN" sz="1200" dirty="0" smtClean="0"/>
+              <a:t>BCoData4D (4D data array)</a:t>
+            </a:r>
+            <a:endParaRPr lang="zh-CN" altLang="en-US" sz="1200" dirty="0"/>
+          </a:p>
+        </p:txBody>
+      </p:sp>
+      <p:sp>
+        <p:nvSpPr>
+          <p:cNvPr id="131" name="文本框 30"/>
+          <p:cNvSpPr txBox="1"/>
+          <p:nvPr/>
+        </p:nvSpPr>
+        <p:spPr>
+          <a:xfrm>
+            <a:off x="4865116" y="7295456"/>
+            <a:ext cx="1008538" cy="276999"/>
+          </a:xfrm>
+          <a:prstGeom prst="rect">
+            <a:avLst/>
+          </a:prstGeom>
+          <a:solidFill>
+            <a:srgbClr val="F8F2E2"/>
+          </a:solidFill>
+        </p:spPr>
+        <p:txBody>
+          <a:bodyPr wrap="square" rtlCol="0">
+            <a:spAutoFit/>
+          </a:bodyPr>
+          <a:lstStyle/>
+          <a:p>
+            <a:pPr algn="ctr"/>
+            <a:r>
+              <a:rPr lang="en-US" altLang="zh-CN" sz="1200" dirty="0" smtClean="0"/>
+              <a:t>BCoData2D</a:t>
+            </a:r>
+            <a:endParaRPr lang="zh-CN" altLang="en-US" sz="1200" dirty="0"/>
+          </a:p>
+        </p:txBody>
+      </p:sp>
+      <p:sp>
+        <p:nvSpPr>
+          <p:cNvPr id="132" name="圆角矩形 131"/>
+          <p:cNvSpPr/>
+          <p:nvPr/>
+        </p:nvSpPr>
+        <p:spPr>
+          <a:xfrm>
+            <a:off x="6875564" y="5929942"/>
+            <a:ext cx="2556000" cy="1513537"/>
+          </a:xfrm>
+          <a:prstGeom prst="roundRect">
+            <a:avLst>
+              <a:gd name="adj" fmla="val 4251"/>
+            </a:avLst>
+          </a:prstGeom>
+          <a:noFill/>
+          <a:ln w="19050">
+            <a:solidFill>
+              <a:srgbClr val="F0AAAF"/>
+            </a:solidFill>
+            <a:prstDash val="sysDot"/>
+          </a:ln>
+        </p:spPr>
+        <p:style>
+          <a:lnRef idx="2">
+            <a:schemeClr val="accent6"/>
+          </a:lnRef>
+          <a:fillRef idx="1">
+            <a:schemeClr val="lt1"/>
+          </a:fillRef>
+          <a:effectRef idx="0">
+            <a:schemeClr val="accent6"/>
+          </a:effectRef>
+          <a:fontRef idx="minor">
+            <a:schemeClr val="dk1"/>
+          </a:fontRef>
+        </p:style>
+        <p:txBody>
+          <a:bodyPr rtlCol="0" anchor="ctr"/>
+          <a:lstStyle/>
+          <a:p>
+            <a:pPr algn="ctr"/>
+            <a:endParaRPr lang="zh-CN" altLang="en-US">
+              <a:noFill/>
+            </a:endParaRPr>
+          </a:p>
+        </p:txBody>
+      </p:sp>
+      <p:sp>
+        <p:nvSpPr>
+          <p:cNvPr id="133" name="文本框 30"/>
+          <p:cNvSpPr txBox="1"/>
+          <p:nvPr/>
+        </p:nvSpPr>
+        <p:spPr>
+          <a:xfrm>
+            <a:off x="7494170" y="7295456"/>
+            <a:ext cx="1318789" cy="276999"/>
+          </a:xfrm>
+          <a:prstGeom prst="rect">
+            <a:avLst/>
+          </a:prstGeom>
+          <a:solidFill>
+            <a:srgbClr val="F8F2E2"/>
+          </a:solidFill>
+        </p:spPr>
+        <p:txBody>
+          <a:bodyPr wrap="square" rtlCol="0">
+            <a:spAutoFit/>
+          </a:bodyPr>
+          <a:lstStyle/>
+          <a:p>
+            <a:pPr algn="ctr"/>
+            <a:r>
+              <a:rPr lang="en-US" altLang="zh-CN" sz="1200" dirty="0"/>
+              <a:t>BCoData2DReduc</a:t>
+            </a:r>
+            <a:endParaRPr lang="zh-CN" altLang="en-US" sz="1200" dirty="0"/>
+          </a:p>
+        </p:txBody>
+      </p:sp>
+      <p:sp>
+        <p:nvSpPr>
+          <p:cNvPr id="13" name="下箭头 12"/>
+          <p:cNvSpPr/>
+          <p:nvPr/>
+        </p:nvSpPr>
+        <p:spPr>
+          <a:xfrm>
+            <a:off x="5169976" y="5445735"/>
+            <a:ext cx="221305" cy="484208"/>
+          </a:xfrm>
+          <a:prstGeom prst="downArrow">
+            <a:avLst/>
+          </a:prstGeom>
+          <a:solidFill>
+            <a:srgbClr val="1FDA9A"/>
+          </a:solidFill>
+          <a:ln>
+            <a:noFill/>
+          </a:ln>
+        </p:spPr>
+        <p:style>
+          <a:lnRef idx="2">
+            <a:schemeClr val="accent1">
+              <a:shade val="50000"/>
+            </a:schemeClr>
+          </a:lnRef>
+          <a:fillRef idx="1">
+            <a:schemeClr val="accent1"/>
+          </a:fillRef>
+          <a:effectRef idx="0">
+            <a:schemeClr val="accent1"/>
+          </a:effectRef>
+          <a:fontRef idx="minor">
+            <a:schemeClr val="lt1"/>
+          </a:fontRef>
+        </p:style>
+        <p:txBody>
+          <a:bodyPr rtlCol="0" anchor="ctr"/>
+          <a:lstStyle/>
+          <a:p>
+            <a:pPr algn="ctr"/>
+            <a:endParaRPr lang="zh-CN" altLang="en-US"/>
+          </a:p>
+        </p:txBody>
+      </p:sp>
+      <p:sp>
+        <p:nvSpPr>
+          <p:cNvPr id="135" name="下箭头 134"/>
+          <p:cNvSpPr/>
+          <p:nvPr/>
+        </p:nvSpPr>
+        <p:spPr>
+          <a:xfrm>
+            <a:off x="8154181" y="5445735"/>
+            <a:ext cx="221305" cy="484208"/>
+          </a:xfrm>
+          <a:prstGeom prst="downArrow">
+            <a:avLst/>
+          </a:prstGeom>
+          <a:solidFill>
+            <a:srgbClr val="1FDA9A"/>
+          </a:solidFill>
+          <a:ln>
+            <a:noFill/>
+          </a:ln>
+        </p:spPr>
+        <p:style>
+          <a:lnRef idx="2">
+            <a:schemeClr val="accent1">
+              <a:shade val="50000"/>
+            </a:schemeClr>
+          </a:lnRef>
+          <a:fillRef idx="1">
+            <a:schemeClr val="accent1"/>
+          </a:fillRef>
+          <a:effectRef idx="0">
+            <a:schemeClr val="accent1"/>
+          </a:effectRef>
+          <a:fontRef idx="minor">
+            <a:schemeClr val="lt1"/>
+          </a:fontRef>
+        </p:style>
+        <p:txBody>
+          <a:bodyPr rtlCol="0" anchor="ctr"/>
+          <a:lstStyle/>
+          <a:p>
+            <a:pPr algn="ctr"/>
+            <a:endParaRPr lang="zh-CN" altLang="en-US"/>
+          </a:p>
+        </p:txBody>
+      </p:sp>
+    </p:spTree>
+    <p:extLst>
+      <p:ext uri="{BB962C8B-B14F-4D97-AF65-F5344CB8AC3E}">
+        <p14:creationId xmlns:p14="http://schemas.microsoft.com/office/powerpoint/2010/main" val="2687474739"/>
+      </p:ext>
+    </p:extLst>
+  </p:cSld>
+  <p:clrMapOvr>
+    <a:masterClrMapping/>
+  </p:clrMapOvr>
+</p:sld>
+</file>
+
 <file path=ppt/theme/theme1.xml><?xml version="1.0" encoding="utf-8"?>
 <a:theme xmlns:a="http://schemas.openxmlformats.org/drawingml/2006/main" name="Office 主题">
   <a:themeElements>
@@ -12296,7 +21642,7 @@
   <a:extraClrSchemeLst/>
   <a:extLst>
     <a:ext uri="{05A4C25C-085E-4340-85A3-A5531E510DB2}">
-      <thm15:themeFamily xmlns:thm15="http://schemas.microsoft.com/office/thememl/2012/main" name="Office Theme" id="{62F939B6-93AF-4DB8-9C6B-D6C7DFDC589F}" vid="{4A3C46E8-61CC-4603-A589-7422A47A8E4A}"/>
+      <thm15:themeFamily xmlns:thm15="http://schemas.microsoft.com/office/thememl/2012/main" xmlns="" name="Office Theme" id="{62F939B6-93AF-4DB8-9C6B-D6C7DFDC589F}" vid="{4A3C46E8-61CC-4603-A589-7422A47A8E4A}"/>
     </a:ext>
   </a:extLst>
 </a:theme>
